--- a/Simplified working model.pptx
+++ b/Simplified working model.pptx
@@ -4,22 +4,28 @@
   <p:sldMasterIdLst>
     <p:sldMasterId id="2147483648" r:id="rId1"/>
   </p:sldMasterIdLst>
+  <p:notesMasterIdLst>
+    <p:notesMasterId r:id="rId20"/>
+  </p:notesMasterIdLst>
   <p:sldIdLst>
     <p:sldId id="259" r:id="rId2"/>
-    <p:sldId id="256" r:id="rId3"/>
-    <p:sldId id="260" r:id="rId4"/>
-    <p:sldId id="264" r:id="rId5"/>
-    <p:sldId id="269" r:id="rId6"/>
-    <p:sldId id="270" r:id="rId7"/>
-    <p:sldId id="271" r:id="rId8"/>
-    <p:sldId id="272" r:id="rId9"/>
-    <p:sldId id="273" r:id="rId10"/>
-    <p:sldId id="274" r:id="rId11"/>
-    <p:sldId id="261" r:id="rId12"/>
-    <p:sldId id="262" r:id="rId13"/>
-    <p:sldId id="268" r:id="rId14"/>
-    <p:sldId id="266" r:id="rId15"/>
-    <p:sldId id="267" r:id="rId16"/>
+    <p:sldId id="278" r:id="rId3"/>
+    <p:sldId id="256" r:id="rId4"/>
+    <p:sldId id="260" r:id="rId5"/>
+    <p:sldId id="264" r:id="rId6"/>
+    <p:sldId id="269" r:id="rId7"/>
+    <p:sldId id="275" r:id="rId8"/>
+    <p:sldId id="277" r:id="rId9"/>
+    <p:sldId id="270" r:id="rId10"/>
+    <p:sldId id="271" r:id="rId11"/>
+    <p:sldId id="272" r:id="rId12"/>
+    <p:sldId id="273" r:id="rId13"/>
+    <p:sldId id="274" r:id="rId14"/>
+    <p:sldId id="261" r:id="rId15"/>
+    <p:sldId id="262" r:id="rId16"/>
+    <p:sldId id="268" r:id="rId17"/>
+    <p:sldId id="266" r:id="rId18"/>
+    <p:sldId id="267" r:id="rId19"/>
   </p:sldIdLst>
   <p:sldSz cx="12192000" cy="6858000"/>
   <p:notesSz cx="6858000" cy="9144000"/>
@@ -124,6 +130,439 @@
     </p:ext>
   </p:extLst>
 </p:presentation>
+</file>
+
+<file path=ppt/notesMasters/notesMaster1.xml><?xml version="1.0" encoding="utf-8"?>
+<p:notesMaster xmlns:a="http://schemas.openxmlformats.org/drawingml/2006/main" xmlns:r="http://schemas.openxmlformats.org/officeDocument/2006/relationships" xmlns:p="http://schemas.openxmlformats.org/presentationml/2006/main">
+  <p:cSld>
+    <p:bg>
+      <p:bgRef idx="1001">
+        <a:schemeClr val="bg1"/>
+      </p:bgRef>
+    </p:bg>
+    <p:spTree>
+      <p:nvGrpSpPr>
+        <p:cNvPr id="1" name=""/>
+        <p:cNvGrpSpPr/>
+        <p:nvPr/>
+      </p:nvGrpSpPr>
+      <p:grpSpPr>
+        <a:xfrm>
+          <a:off x="0" y="0"/>
+          <a:ext cx="0" cy="0"/>
+          <a:chOff x="0" y="0"/>
+          <a:chExt cx="0" cy="0"/>
+        </a:xfrm>
+      </p:grpSpPr>
+      <p:sp>
+        <p:nvSpPr>
+          <p:cNvPr id="2" name="Header Placeholder 1"/>
+          <p:cNvSpPr>
+            <a:spLocks noGrp="1"/>
+          </p:cNvSpPr>
+          <p:nvPr>
+            <p:ph type="hdr" sz="quarter"/>
+          </p:nvPr>
+        </p:nvSpPr>
+        <p:spPr>
+          <a:xfrm>
+            <a:off x="0" y="0"/>
+            <a:ext cx="2971800" cy="458788"/>
+          </a:xfrm>
+          <a:prstGeom prst="rect">
+            <a:avLst/>
+          </a:prstGeom>
+        </p:spPr>
+        <p:txBody>
+          <a:bodyPr vert="horz" lIns="91440" tIns="45720" rIns="91440" bIns="45720" rtlCol="0"/>
+          <a:lstStyle>
+            <a:lvl1pPr algn="l">
+              <a:defRPr sz="1200"/>
+            </a:lvl1pPr>
+          </a:lstStyle>
+          <a:p>
+            <a:endParaRPr lang="en-US"/>
+          </a:p>
+        </p:txBody>
+      </p:sp>
+      <p:sp>
+        <p:nvSpPr>
+          <p:cNvPr id="3" name="Date Placeholder 2"/>
+          <p:cNvSpPr>
+            <a:spLocks noGrp="1"/>
+          </p:cNvSpPr>
+          <p:nvPr>
+            <p:ph type="dt" idx="1"/>
+          </p:nvPr>
+        </p:nvSpPr>
+        <p:spPr>
+          <a:xfrm>
+            <a:off x="3884613" y="0"/>
+            <a:ext cx="2971800" cy="458788"/>
+          </a:xfrm>
+          <a:prstGeom prst="rect">
+            <a:avLst/>
+          </a:prstGeom>
+        </p:spPr>
+        <p:txBody>
+          <a:bodyPr vert="horz" lIns="91440" tIns="45720" rIns="91440" bIns="45720" rtlCol="0"/>
+          <a:lstStyle>
+            <a:lvl1pPr algn="r">
+              <a:defRPr sz="1200"/>
+            </a:lvl1pPr>
+          </a:lstStyle>
+          <a:p>
+            <a:fld id="{B7051CAB-7537-C640-B426-C3DC1FB2D75F}" type="datetimeFigureOut">
+              <a:rPr lang="en-US" smtClean="0"/>
+              <a:t>4/12/20</a:t>
+            </a:fld>
+            <a:endParaRPr lang="en-US"/>
+          </a:p>
+        </p:txBody>
+      </p:sp>
+      <p:sp>
+        <p:nvSpPr>
+          <p:cNvPr id="4" name="Slide Image Placeholder 3"/>
+          <p:cNvSpPr>
+            <a:spLocks noGrp="1" noRot="1" noChangeAspect="1"/>
+          </p:cNvSpPr>
+          <p:nvPr>
+            <p:ph type="sldImg" idx="2"/>
+          </p:nvPr>
+        </p:nvSpPr>
+        <p:spPr>
+          <a:xfrm>
+            <a:off x="685800" y="1143000"/>
+            <a:ext cx="5486400" cy="3086100"/>
+          </a:xfrm>
+          <a:prstGeom prst="rect">
+            <a:avLst/>
+          </a:prstGeom>
+          <a:noFill/>
+          <a:ln w="12700">
+            <a:solidFill>
+              <a:prstClr val="black"/>
+            </a:solidFill>
+          </a:ln>
+        </p:spPr>
+        <p:txBody>
+          <a:bodyPr vert="horz" lIns="91440" tIns="45720" rIns="91440" bIns="45720" rtlCol="0" anchor="ctr"/>
+          <a:lstStyle/>
+          <a:p>
+            <a:endParaRPr lang="en-US"/>
+          </a:p>
+        </p:txBody>
+      </p:sp>
+      <p:sp>
+        <p:nvSpPr>
+          <p:cNvPr id="5" name="Notes Placeholder 4"/>
+          <p:cNvSpPr>
+            <a:spLocks noGrp="1"/>
+          </p:cNvSpPr>
+          <p:nvPr>
+            <p:ph type="body" sz="quarter" idx="3"/>
+          </p:nvPr>
+        </p:nvSpPr>
+        <p:spPr>
+          <a:xfrm>
+            <a:off x="685800" y="4400550"/>
+            <a:ext cx="5486400" cy="3600450"/>
+          </a:xfrm>
+          <a:prstGeom prst="rect">
+            <a:avLst/>
+          </a:prstGeom>
+        </p:spPr>
+        <p:txBody>
+          <a:bodyPr vert="horz" lIns="91440" tIns="45720" rIns="91440" bIns="45720" rtlCol="0"/>
+          <a:lstStyle/>
+          <a:p>
+            <a:pPr lvl="0"/>
+            <a:r>
+              <a:rPr lang="en-US"/>
+              <a:t>Click to edit Master text styles</a:t>
+            </a:r>
+          </a:p>
+          <a:p>
+            <a:pPr lvl="1"/>
+            <a:r>
+              <a:rPr lang="en-US"/>
+              <a:t>Second level</a:t>
+            </a:r>
+          </a:p>
+          <a:p>
+            <a:pPr lvl="2"/>
+            <a:r>
+              <a:rPr lang="en-US"/>
+              <a:t>Third level</a:t>
+            </a:r>
+          </a:p>
+          <a:p>
+            <a:pPr lvl="3"/>
+            <a:r>
+              <a:rPr lang="en-US"/>
+              <a:t>Fourth level</a:t>
+            </a:r>
+          </a:p>
+          <a:p>
+            <a:pPr lvl="4"/>
+            <a:r>
+              <a:rPr lang="en-US"/>
+              <a:t>Fifth level</a:t>
+            </a:r>
+          </a:p>
+        </p:txBody>
+      </p:sp>
+      <p:sp>
+        <p:nvSpPr>
+          <p:cNvPr id="6" name="Footer Placeholder 5"/>
+          <p:cNvSpPr>
+            <a:spLocks noGrp="1"/>
+          </p:cNvSpPr>
+          <p:nvPr>
+            <p:ph type="ftr" sz="quarter" idx="4"/>
+          </p:nvPr>
+        </p:nvSpPr>
+        <p:spPr>
+          <a:xfrm>
+            <a:off x="0" y="8685213"/>
+            <a:ext cx="2971800" cy="458787"/>
+          </a:xfrm>
+          <a:prstGeom prst="rect">
+            <a:avLst/>
+          </a:prstGeom>
+        </p:spPr>
+        <p:txBody>
+          <a:bodyPr vert="horz" lIns="91440" tIns="45720" rIns="91440" bIns="45720" rtlCol="0" anchor="b"/>
+          <a:lstStyle>
+            <a:lvl1pPr algn="l">
+              <a:defRPr sz="1200"/>
+            </a:lvl1pPr>
+          </a:lstStyle>
+          <a:p>
+            <a:endParaRPr lang="en-US"/>
+          </a:p>
+        </p:txBody>
+      </p:sp>
+      <p:sp>
+        <p:nvSpPr>
+          <p:cNvPr id="7" name="Slide Number Placeholder 6"/>
+          <p:cNvSpPr>
+            <a:spLocks noGrp="1"/>
+          </p:cNvSpPr>
+          <p:nvPr>
+            <p:ph type="sldNum" sz="quarter" idx="5"/>
+          </p:nvPr>
+        </p:nvSpPr>
+        <p:spPr>
+          <a:xfrm>
+            <a:off x="3884613" y="8685213"/>
+            <a:ext cx="2971800" cy="458787"/>
+          </a:xfrm>
+          <a:prstGeom prst="rect">
+            <a:avLst/>
+          </a:prstGeom>
+        </p:spPr>
+        <p:txBody>
+          <a:bodyPr vert="horz" lIns="91440" tIns="45720" rIns="91440" bIns="45720" rtlCol="0" anchor="b"/>
+          <a:lstStyle>
+            <a:lvl1pPr algn="r">
+              <a:defRPr sz="1200"/>
+            </a:lvl1pPr>
+          </a:lstStyle>
+          <a:p>
+            <a:fld id="{CFF8DEAA-3DE5-1948-B08C-121DC13C415D}" type="slidenum">
+              <a:rPr lang="en-US" smtClean="0"/>
+              <a:t>‹#›</a:t>
+            </a:fld>
+            <a:endParaRPr lang="en-US"/>
+          </a:p>
+        </p:txBody>
+      </p:sp>
+    </p:spTree>
+    <p:extLst>
+      <p:ext uri="{BB962C8B-B14F-4D97-AF65-F5344CB8AC3E}">
+        <p14:creationId xmlns:p14="http://schemas.microsoft.com/office/powerpoint/2010/main" val="1302840714"/>
+      </p:ext>
+    </p:extLst>
+  </p:cSld>
+  <p:clrMap bg1="lt1" tx1="dk1" bg2="lt2" tx2="dk2" accent1="accent1" accent2="accent2" accent3="accent3" accent4="accent4" accent5="accent5" accent6="accent6" hlink="hlink" folHlink="folHlink"/>
+  <p:notesStyle>
+    <a:lvl1pPr marL="0" algn="l" defTabSz="914400" rtl="0" eaLnBrk="1" latinLnBrk="0" hangingPunct="1">
+      <a:defRPr sz="1200" kern="1200">
+        <a:solidFill>
+          <a:schemeClr val="tx1"/>
+        </a:solidFill>
+        <a:latin typeface="+mn-lt"/>
+        <a:ea typeface="+mn-ea"/>
+        <a:cs typeface="+mn-cs"/>
+      </a:defRPr>
+    </a:lvl1pPr>
+    <a:lvl2pPr marL="457200" algn="l" defTabSz="914400" rtl="0" eaLnBrk="1" latinLnBrk="0" hangingPunct="1">
+      <a:defRPr sz="1200" kern="1200">
+        <a:solidFill>
+          <a:schemeClr val="tx1"/>
+        </a:solidFill>
+        <a:latin typeface="+mn-lt"/>
+        <a:ea typeface="+mn-ea"/>
+        <a:cs typeface="+mn-cs"/>
+      </a:defRPr>
+    </a:lvl2pPr>
+    <a:lvl3pPr marL="914400" algn="l" defTabSz="914400" rtl="0" eaLnBrk="1" latinLnBrk="0" hangingPunct="1">
+      <a:defRPr sz="1200" kern="1200">
+        <a:solidFill>
+          <a:schemeClr val="tx1"/>
+        </a:solidFill>
+        <a:latin typeface="+mn-lt"/>
+        <a:ea typeface="+mn-ea"/>
+        <a:cs typeface="+mn-cs"/>
+      </a:defRPr>
+    </a:lvl3pPr>
+    <a:lvl4pPr marL="1371600" algn="l" defTabSz="914400" rtl="0" eaLnBrk="1" latinLnBrk="0" hangingPunct="1">
+      <a:defRPr sz="1200" kern="1200">
+        <a:solidFill>
+          <a:schemeClr val="tx1"/>
+        </a:solidFill>
+        <a:latin typeface="+mn-lt"/>
+        <a:ea typeface="+mn-ea"/>
+        <a:cs typeface="+mn-cs"/>
+      </a:defRPr>
+    </a:lvl4pPr>
+    <a:lvl5pPr marL="1828800" algn="l" defTabSz="914400" rtl="0" eaLnBrk="1" latinLnBrk="0" hangingPunct="1">
+      <a:defRPr sz="1200" kern="1200">
+        <a:solidFill>
+          <a:schemeClr val="tx1"/>
+        </a:solidFill>
+        <a:latin typeface="+mn-lt"/>
+        <a:ea typeface="+mn-ea"/>
+        <a:cs typeface="+mn-cs"/>
+      </a:defRPr>
+    </a:lvl5pPr>
+    <a:lvl6pPr marL="2286000" algn="l" defTabSz="914400" rtl="0" eaLnBrk="1" latinLnBrk="0" hangingPunct="1">
+      <a:defRPr sz="1200" kern="1200">
+        <a:solidFill>
+          <a:schemeClr val="tx1"/>
+        </a:solidFill>
+        <a:latin typeface="+mn-lt"/>
+        <a:ea typeface="+mn-ea"/>
+        <a:cs typeface="+mn-cs"/>
+      </a:defRPr>
+    </a:lvl6pPr>
+    <a:lvl7pPr marL="2743200" algn="l" defTabSz="914400" rtl="0" eaLnBrk="1" latinLnBrk="0" hangingPunct="1">
+      <a:defRPr sz="1200" kern="1200">
+        <a:solidFill>
+          <a:schemeClr val="tx1"/>
+        </a:solidFill>
+        <a:latin typeface="+mn-lt"/>
+        <a:ea typeface="+mn-ea"/>
+        <a:cs typeface="+mn-cs"/>
+      </a:defRPr>
+    </a:lvl7pPr>
+    <a:lvl8pPr marL="3200400" algn="l" defTabSz="914400" rtl="0" eaLnBrk="1" latinLnBrk="0" hangingPunct="1">
+      <a:defRPr sz="1200" kern="1200">
+        <a:solidFill>
+          <a:schemeClr val="tx1"/>
+        </a:solidFill>
+        <a:latin typeface="+mn-lt"/>
+        <a:ea typeface="+mn-ea"/>
+        <a:cs typeface="+mn-cs"/>
+      </a:defRPr>
+    </a:lvl8pPr>
+    <a:lvl9pPr marL="3657600" algn="l" defTabSz="914400" rtl="0" eaLnBrk="1" latinLnBrk="0" hangingPunct="1">
+      <a:defRPr sz="1200" kern="1200">
+        <a:solidFill>
+          <a:schemeClr val="tx1"/>
+        </a:solidFill>
+        <a:latin typeface="+mn-lt"/>
+        <a:ea typeface="+mn-ea"/>
+        <a:cs typeface="+mn-cs"/>
+      </a:defRPr>
+    </a:lvl9pPr>
+  </p:notesStyle>
+</p:notesMaster>
+</file>
+
+<file path=ppt/notesSlides/notesSlide1.xml><?xml version="1.0" encoding="utf-8"?>
+<p:notes xmlns:a="http://schemas.openxmlformats.org/drawingml/2006/main" xmlns:r="http://schemas.openxmlformats.org/officeDocument/2006/relationships" xmlns:p="http://schemas.openxmlformats.org/presentationml/2006/main">
+  <p:cSld>
+    <p:spTree>
+      <p:nvGrpSpPr>
+        <p:cNvPr id="1" name=""/>
+        <p:cNvGrpSpPr/>
+        <p:nvPr/>
+      </p:nvGrpSpPr>
+      <p:grpSpPr>
+        <a:xfrm>
+          <a:off x="0" y="0"/>
+          <a:ext cx="0" cy="0"/>
+          <a:chOff x="0" y="0"/>
+          <a:chExt cx="0" cy="0"/>
+        </a:xfrm>
+      </p:grpSpPr>
+      <p:sp>
+        <p:nvSpPr>
+          <p:cNvPr id="2" name="Slide Image Placeholder 1"/>
+          <p:cNvSpPr>
+            <a:spLocks noGrp="1" noRot="1" noChangeAspect="1"/>
+          </p:cNvSpPr>
+          <p:nvPr>
+            <p:ph type="sldImg"/>
+          </p:nvPr>
+        </p:nvSpPr>
+        <p:spPr/>
+      </p:sp>
+      <p:sp>
+        <p:nvSpPr>
+          <p:cNvPr id="3" name="Notes Placeholder 2"/>
+          <p:cNvSpPr>
+            <a:spLocks noGrp="1"/>
+          </p:cNvSpPr>
+          <p:nvPr>
+            <p:ph type="body" idx="1"/>
+          </p:nvPr>
+        </p:nvSpPr>
+        <p:spPr/>
+        <p:txBody>
+          <a:bodyPr/>
+          <a:lstStyle/>
+          <a:p>
+            <a:endParaRPr lang="en-US" dirty="0"/>
+          </a:p>
+        </p:txBody>
+      </p:sp>
+      <p:sp>
+        <p:nvSpPr>
+          <p:cNvPr id="4" name="Slide Number Placeholder 3"/>
+          <p:cNvSpPr>
+            <a:spLocks noGrp="1"/>
+          </p:cNvSpPr>
+          <p:nvPr>
+            <p:ph type="sldNum" sz="quarter" idx="5"/>
+          </p:nvPr>
+        </p:nvSpPr>
+        <p:spPr/>
+        <p:txBody>
+          <a:bodyPr/>
+          <a:lstStyle/>
+          <a:p>
+            <a:fld id="{CFF8DEAA-3DE5-1948-B08C-121DC13C415D}" type="slidenum">
+              <a:rPr lang="en-US" smtClean="0"/>
+              <a:t>6</a:t>
+            </a:fld>
+            <a:endParaRPr lang="en-US"/>
+          </a:p>
+        </p:txBody>
+      </p:sp>
+    </p:spTree>
+    <p:extLst>
+      <p:ext uri="{BB962C8B-B14F-4D97-AF65-F5344CB8AC3E}">
+        <p14:creationId xmlns:p14="http://schemas.microsoft.com/office/powerpoint/2010/main" val="4054149374"/>
+      </p:ext>
+    </p:extLst>
+  </p:cSld>
+  <p:clrMapOvr>
+    <a:masterClrMapping/>
+  </p:clrMapOvr>
+</p:notes>
 </file>
 
 <file path=ppt/slideLayouts/slideLayout1.xml><?xml version="1.0" encoding="utf-8"?>
@@ -273,7 +712,7 @@
           <a:p>
             <a:fld id="{C437C6B8-CE28-7F48-9F13-5D6893AC2A38}" type="datetimeFigureOut">
               <a:rPr lang="en-US" smtClean="0"/>
-              <a:t>4/9/20</a:t>
+              <a:t>4/12/20</a:t>
             </a:fld>
             <a:endParaRPr lang="en-US"/>
           </a:p>
@@ -471,7 +910,7 @@
           <a:p>
             <a:fld id="{C437C6B8-CE28-7F48-9F13-5D6893AC2A38}" type="datetimeFigureOut">
               <a:rPr lang="en-US" smtClean="0"/>
-              <a:t>4/9/20</a:t>
+              <a:t>4/12/20</a:t>
             </a:fld>
             <a:endParaRPr lang="en-US"/>
           </a:p>
@@ -679,7 +1118,7 @@
           <a:p>
             <a:fld id="{C437C6B8-CE28-7F48-9F13-5D6893AC2A38}" type="datetimeFigureOut">
               <a:rPr lang="en-US" smtClean="0"/>
-              <a:t>4/9/20</a:t>
+              <a:t>4/12/20</a:t>
             </a:fld>
             <a:endParaRPr lang="en-US"/>
           </a:p>
@@ -877,7 +1316,7 @@
           <a:p>
             <a:fld id="{C437C6B8-CE28-7F48-9F13-5D6893AC2A38}" type="datetimeFigureOut">
               <a:rPr lang="en-US" smtClean="0"/>
-              <a:t>4/9/20</a:t>
+              <a:t>4/12/20</a:t>
             </a:fld>
             <a:endParaRPr lang="en-US"/>
           </a:p>
@@ -1152,7 +1591,7 @@
           <a:p>
             <a:fld id="{C437C6B8-CE28-7F48-9F13-5D6893AC2A38}" type="datetimeFigureOut">
               <a:rPr lang="en-US" smtClean="0"/>
-              <a:t>4/9/20</a:t>
+              <a:t>4/12/20</a:t>
             </a:fld>
             <a:endParaRPr lang="en-US"/>
           </a:p>
@@ -1417,7 +1856,7 @@
           <a:p>
             <a:fld id="{C437C6B8-CE28-7F48-9F13-5D6893AC2A38}" type="datetimeFigureOut">
               <a:rPr lang="en-US" smtClean="0"/>
-              <a:t>4/9/20</a:t>
+              <a:t>4/12/20</a:t>
             </a:fld>
             <a:endParaRPr lang="en-US"/>
           </a:p>
@@ -1829,7 +2268,7 @@
           <a:p>
             <a:fld id="{C437C6B8-CE28-7F48-9F13-5D6893AC2A38}" type="datetimeFigureOut">
               <a:rPr lang="en-US" smtClean="0"/>
-              <a:t>4/9/20</a:t>
+              <a:t>4/12/20</a:t>
             </a:fld>
             <a:endParaRPr lang="en-US"/>
           </a:p>
@@ -1970,7 +2409,7 @@
           <a:p>
             <a:fld id="{C437C6B8-CE28-7F48-9F13-5D6893AC2A38}" type="datetimeFigureOut">
               <a:rPr lang="en-US" smtClean="0"/>
-              <a:t>4/9/20</a:t>
+              <a:t>4/12/20</a:t>
             </a:fld>
             <a:endParaRPr lang="en-US"/>
           </a:p>
@@ -2083,7 +2522,7 @@
           <a:p>
             <a:fld id="{C437C6B8-CE28-7F48-9F13-5D6893AC2A38}" type="datetimeFigureOut">
               <a:rPr lang="en-US" smtClean="0"/>
-              <a:t>4/9/20</a:t>
+              <a:t>4/12/20</a:t>
             </a:fld>
             <a:endParaRPr lang="en-US"/>
           </a:p>
@@ -2394,7 +2833,7 @@
           <a:p>
             <a:fld id="{C437C6B8-CE28-7F48-9F13-5D6893AC2A38}" type="datetimeFigureOut">
               <a:rPr lang="en-US" smtClean="0"/>
-              <a:t>4/9/20</a:t>
+              <a:t>4/12/20</a:t>
             </a:fld>
             <a:endParaRPr lang="en-US"/>
           </a:p>
@@ -2682,7 +3121,7 @@
           <a:p>
             <a:fld id="{C437C6B8-CE28-7F48-9F13-5D6893AC2A38}" type="datetimeFigureOut">
               <a:rPr lang="en-US" smtClean="0"/>
-              <a:t>4/9/20</a:t>
+              <a:t>4/12/20</a:t>
             </a:fld>
             <a:endParaRPr lang="en-US"/>
           </a:p>
@@ -2923,7 +3362,7 @@
           <a:p>
             <a:fld id="{C437C6B8-CE28-7F48-9F13-5D6893AC2A38}" type="datetimeFigureOut">
               <a:rPr lang="en-US" smtClean="0"/>
-              <a:t>4/9/20</a:t>
+              <a:t>4/12/20</a:t>
             </a:fld>
             <a:endParaRPr lang="en-US"/>
           </a:p>
@@ -3438,6 +3877,726 @@
           <a:chExt cx="0" cy="0"/>
         </a:xfrm>
       </p:grpSpPr>
+      <mc:AlternateContent xmlns:mc="http://schemas.openxmlformats.org/markup-compatibility/2006" xmlns:a14="http://schemas.microsoft.com/office/drawing/2010/main">
+        <mc:Choice Requires="a14">
+          <p:sp>
+            <p:nvSpPr>
+              <p:cNvPr id="2" name="Title 1">
+                <a:extLst>
+                  <a:ext uri="{FF2B5EF4-FFF2-40B4-BE49-F238E27FC236}">
+                    <a16:creationId xmlns:a16="http://schemas.microsoft.com/office/drawing/2014/main" id="{AB88907C-6983-114F-BF0A-779E00AA3A5B}"/>
+                  </a:ext>
+                </a:extLst>
+              </p:cNvPr>
+              <p:cNvSpPr>
+                <a:spLocks noGrp="1"/>
+              </p:cNvSpPr>
+              <p:nvPr>
+                <p:ph type="title"/>
+              </p:nvPr>
+            </p:nvSpPr>
+            <p:spPr/>
+            <p:txBody>
+              <a:bodyPr/>
+              <a:lstStyle/>
+              <a:p>
+                <a:r>
+                  <a:rPr lang="en-US" dirty="0"/>
+                  <a:t>Model fit </a:t>
+                </a:r>
+                <a14:m>
+                  <m:oMath xmlns:m="http://schemas.openxmlformats.org/officeDocument/2006/math">
+                    <m:r>
+                      <a:rPr lang="en-US" b="0" i="0" smtClean="0">
+                        <a:latin typeface="Cambria Math" panose="02040503050406030204" pitchFamily="18" charset="0"/>
+                      </a:rPr>
+                      <m:t>(</m:t>
+                    </m:r>
+                    <m:sSub>
+                      <m:sSubPr>
+                        <m:ctrlPr>
+                          <a:rPr lang="en-US" b="0" i="1" smtClean="0">
+                            <a:latin typeface="Cambria Math" panose="02040503050406030204" pitchFamily="18" charset="0"/>
+                          </a:rPr>
+                        </m:ctrlPr>
+                      </m:sSubPr>
+                      <m:e>
+                        <m:r>
+                          <a:rPr lang="en-US" b="0" i="1" smtClean="0">
+                            <a:latin typeface="Cambria Math" panose="02040503050406030204" pitchFamily="18" charset="0"/>
+                          </a:rPr>
+                          <m:t>𝑅</m:t>
+                        </m:r>
+                      </m:e>
+                      <m:sub>
+                        <m:r>
+                          <a:rPr lang="en-US" b="0" i="1" smtClean="0">
+                            <a:latin typeface="Cambria Math" panose="02040503050406030204" pitchFamily="18" charset="0"/>
+                          </a:rPr>
+                          <m:t>0</m:t>
+                        </m:r>
+                      </m:sub>
+                    </m:sSub>
+                    <m:r>
+                      <a:rPr lang="en-US" b="0" i="1" smtClean="0">
+                        <a:latin typeface="Cambria Math" panose="02040503050406030204" pitchFamily="18" charset="0"/>
+                      </a:rPr>
+                      <m:t>=2.2)</m:t>
+                    </m:r>
+                  </m:oMath>
+                </a14:m>
+                <a:endParaRPr lang="en-US" dirty="0"/>
+              </a:p>
+            </p:txBody>
+          </p:sp>
+        </mc:Choice>
+        <mc:Fallback xmlns="">
+          <p:sp>
+            <p:nvSpPr>
+              <p:cNvPr id="2" name="Title 1">
+                <a:extLst>
+                  <a:ext uri="{FF2B5EF4-FFF2-40B4-BE49-F238E27FC236}">
+                    <a16:creationId xmlns:a16="http://schemas.microsoft.com/office/drawing/2014/main" id="{AB88907C-6983-114F-BF0A-779E00AA3A5B}"/>
+                  </a:ext>
+                </a:extLst>
+              </p:cNvPr>
+              <p:cNvSpPr>
+                <a:spLocks noGrp="1" noRot="1" noChangeAspect="1" noMove="1" noResize="1" noEditPoints="1" noAdjustHandles="1" noChangeArrowheads="1" noChangeShapeType="1" noTextEdit="1"/>
+              </p:cNvSpPr>
+              <p:nvPr>
+                <p:ph type="title"/>
+              </p:nvPr>
+            </p:nvSpPr>
+            <p:spPr>
+              <a:blipFill>
+                <a:blip r:embed="rId2"/>
+                <a:stretch>
+                  <a:fillRect l="-2292"/>
+                </a:stretch>
+              </a:blipFill>
+            </p:spPr>
+            <p:txBody>
+              <a:bodyPr/>
+              <a:lstStyle/>
+              <a:p>
+                <a:r>
+                  <a:rPr lang="en-US">
+                    <a:noFill/>
+                  </a:rPr>
+                  <a:t> </a:t>
+                </a:r>
+              </a:p>
+            </p:txBody>
+          </p:sp>
+        </mc:Fallback>
+      </mc:AlternateContent>
+      <p:pic>
+        <p:nvPicPr>
+          <p:cNvPr id="5" name="Content Placeholder 4" descr="A picture containing screenshot&#10;&#10;Description automatically generated">
+            <a:extLst>
+              <a:ext uri="{FF2B5EF4-FFF2-40B4-BE49-F238E27FC236}">
+                <a16:creationId xmlns:a16="http://schemas.microsoft.com/office/drawing/2014/main" id="{53CD0030-B517-EF4C-854C-199BCB370E4F}"/>
+              </a:ext>
+            </a:extLst>
+          </p:cNvPr>
+          <p:cNvPicPr>
+            <a:picLocks noGrp="1" noChangeAspect="1"/>
+          </p:cNvPicPr>
+          <p:nvPr>
+            <p:ph idx="1"/>
+          </p:nvPr>
+        </p:nvPicPr>
+        <p:blipFill>
+          <a:blip r:embed="rId3"/>
+          <a:stretch>
+            <a:fillRect/>
+          </a:stretch>
+        </p:blipFill>
+        <p:spPr>
+          <a:xfrm>
+            <a:off x="6210300" y="0"/>
+            <a:ext cx="4672013" cy="3114675"/>
+          </a:xfrm>
+        </p:spPr>
+      </p:pic>
+      <p:pic>
+        <p:nvPicPr>
+          <p:cNvPr id="7" name="Picture 6" descr="A screenshot of a cell phone&#10;&#10;Description automatically generated">
+            <a:extLst>
+              <a:ext uri="{FF2B5EF4-FFF2-40B4-BE49-F238E27FC236}">
+                <a16:creationId xmlns:a16="http://schemas.microsoft.com/office/drawing/2014/main" id="{59DE5F99-433C-BD47-87AE-0E3184E580B1}"/>
+              </a:ext>
+            </a:extLst>
+          </p:cNvPr>
+          <p:cNvPicPr>
+            <a:picLocks noChangeAspect="1"/>
+          </p:cNvPicPr>
+          <p:nvPr/>
+        </p:nvPicPr>
+        <p:blipFill>
+          <a:blip r:embed="rId4"/>
+          <a:stretch>
+            <a:fillRect/>
+          </a:stretch>
+        </p:blipFill>
+        <p:spPr>
+          <a:xfrm>
+            <a:off x="838200" y="1833562"/>
+            <a:ext cx="4786313" cy="3190875"/>
+          </a:xfrm>
+          <a:prstGeom prst="rect">
+            <a:avLst/>
+          </a:prstGeom>
+        </p:spPr>
+      </p:pic>
+      <p:pic>
+        <p:nvPicPr>
+          <p:cNvPr id="9" name="Picture 8" descr="A screenshot of a cell phone&#10;&#10;Description automatically generated">
+            <a:extLst>
+              <a:ext uri="{FF2B5EF4-FFF2-40B4-BE49-F238E27FC236}">
+                <a16:creationId xmlns:a16="http://schemas.microsoft.com/office/drawing/2014/main" id="{ABE6EA29-9FB0-4C42-883B-596085A3EC20}"/>
+              </a:ext>
+            </a:extLst>
+          </p:cNvPr>
+          <p:cNvPicPr>
+            <a:picLocks noChangeAspect="1"/>
+          </p:cNvPicPr>
+          <p:nvPr/>
+        </p:nvPicPr>
+        <p:blipFill>
+          <a:blip r:embed="rId5"/>
+          <a:stretch>
+            <a:fillRect/>
+          </a:stretch>
+        </p:blipFill>
+        <p:spPr>
+          <a:xfrm>
+            <a:off x="6210300" y="3544886"/>
+            <a:ext cx="4672014" cy="3114676"/>
+          </a:xfrm>
+          <a:prstGeom prst="rect">
+            <a:avLst/>
+          </a:prstGeom>
+        </p:spPr>
+      </p:pic>
+    </p:spTree>
+    <p:extLst>
+      <p:ext uri="{BB962C8B-B14F-4D97-AF65-F5344CB8AC3E}">
+        <p14:creationId xmlns:p14="http://schemas.microsoft.com/office/powerpoint/2010/main" val="2553444200"/>
+      </p:ext>
+    </p:extLst>
+  </p:cSld>
+  <p:clrMapOvr>
+    <a:masterClrMapping/>
+  </p:clrMapOvr>
+</p:sld>
+</file>
+
+<file path=ppt/slides/slide11.xml><?xml version="1.0" encoding="utf-8"?>
+<p:sld xmlns:a="http://schemas.openxmlformats.org/drawingml/2006/main" xmlns:r="http://schemas.openxmlformats.org/officeDocument/2006/relationships" xmlns:p="http://schemas.openxmlformats.org/presentationml/2006/main">
+  <p:cSld>
+    <p:spTree>
+      <p:nvGrpSpPr>
+        <p:cNvPr id="1" name=""/>
+        <p:cNvGrpSpPr/>
+        <p:nvPr/>
+      </p:nvGrpSpPr>
+      <p:grpSpPr>
+        <a:xfrm>
+          <a:off x="0" y="0"/>
+          <a:ext cx="0" cy="0"/>
+          <a:chOff x="0" y="0"/>
+          <a:chExt cx="0" cy="0"/>
+        </a:xfrm>
+      </p:grpSpPr>
+      <mc:AlternateContent xmlns:mc="http://schemas.openxmlformats.org/markup-compatibility/2006" xmlns:a14="http://schemas.microsoft.com/office/drawing/2010/main">
+        <mc:Choice Requires="a14">
+          <p:sp>
+            <p:nvSpPr>
+              <p:cNvPr id="2" name="Title 1">
+                <a:extLst>
+                  <a:ext uri="{FF2B5EF4-FFF2-40B4-BE49-F238E27FC236}">
+                    <a16:creationId xmlns:a16="http://schemas.microsoft.com/office/drawing/2014/main" id="{D1806B1D-FDBF-8341-9E1C-ABE0E7EA52EF}"/>
+                  </a:ext>
+                </a:extLst>
+              </p:cNvPr>
+              <p:cNvSpPr>
+                <a:spLocks noGrp="1"/>
+              </p:cNvSpPr>
+              <p:nvPr>
+                <p:ph type="title"/>
+              </p:nvPr>
+            </p:nvSpPr>
+            <p:spPr/>
+            <p:txBody>
+              <a:bodyPr/>
+              <a:lstStyle/>
+              <a:p>
+                <a:r>
+                  <a:rPr lang="en-US" dirty="0"/>
+                  <a:t>Model fit </a:t>
+                </a:r>
+                <a14:m>
+                  <m:oMath xmlns:m="http://schemas.openxmlformats.org/officeDocument/2006/math">
+                    <m:r>
+                      <a:rPr lang="en-US">
+                        <a:latin typeface="Cambria Math" panose="02040503050406030204" pitchFamily="18" charset="0"/>
+                      </a:rPr>
+                      <m:t>(</m:t>
+                    </m:r>
+                    <m:sSub>
+                      <m:sSubPr>
+                        <m:ctrlPr>
+                          <a:rPr lang="en-US" i="1">
+                            <a:latin typeface="Cambria Math" panose="02040503050406030204" pitchFamily="18" charset="0"/>
+                          </a:rPr>
+                        </m:ctrlPr>
+                      </m:sSubPr>
+                      <m:e>
+                        <m:r>
+                          <a:rPr lang="en-US" i="1">
+                            <a:latin typeface="Cambria Math" panose="02040503050406030204" pitchFamily="18" charset="0"/>
+                          </a:rPr>
+                          <m:t>𝑅</m:t>
+                        </m:r>
+                      </m:e>
+                      <m:sub>
+                        <m:r>
+                          <a:rPr lang="en-US" i="1">
+                            <a:latin typeface="Cambria Math" panose="02040503050406030204" pitchFamily="18" charset="0"/>
+                          </a:rPr>
+                          <m:t>0</m:t>
+                        </m:r>
+                      </m:sub>
+                    </m:sSub>
+                    <m:r>
+                      <a:rPr lang="en-US" i="1">
+                        <a:latin typeface="Cambria Math" panose="02040503050406030204" pitchFamily="18" charset="0"/>
+                      </a:rPr>
+                      <m:t>=</m:t>
+                    </m:r>
+                    <m:r>
+                      <a:rPr lang="en-US" b="0" i="1" smtClean="0">
+                        <a:latin typeface="Cambria Math" panose="02040503050406030204" pitchFamily="18" charset="0"/>
+                      </a:rPr>
+                      <m:t>1</m:t>
+                    </m:r>
+                    <m:r>
+                      <a:rPr lang="en-US" i="1">
+                        <a:latin typeface="Cambria Math" panose="02040503050406030204" pitchFamily="18" charset="0"/>
+                      </a:rPr>
+                      <m:t>.2)</m:t>
+                    </m:r>
+                  </m:oMath>
+                </a14:m>
+                <a:endParaRPr lang="en-US" dirty="0"/>
+              </a:p>
+            </p:txBody>
+          </p:sp>
+        </mc:Choice>
+        <mc:Fallback xmlns="">
+          <p:sp>
+            <p:nvSpPr>
+              <p:cNvPr id="2" name="Title 1">
+                <a:extLst>
+                  <a:ext uri="{FF2B5EF4-FFF2-40B4-BE49-F238E27FC236}">
+                    <a16:creationId xmlns:a16="http://schemas.microsoft.com/office/drawing/2014/main" id="{D1806B1D-FDBF-8341-9E1C-ABE0E7EA52EF}"/>
+                  </a:ext>
+                </a:extLst>
+              </p:cNvPr>
+              <p:cNvSpPr>
+                <a:spLocks noGrp="1" noRot="1" noChangeAspect="1" noMove="1" noResize="1" noEditPoints="1" noAdjustHandles="1" noChangeArrowheads="1" noChangeShapeType="1" noTextEdit="1"/>
+              </p:cNvSpPr>
+              <p:nvPr>
+                <p:ph type="title"/>
+              </p:nvPr>
+            </p:nvSpPr>
+            <p:spPr>
+              <a:blipFill>
+                <a:blip r:embed="rId2"/>
+                <a:stretch>
+                  <a:fillRect l="-2292"/>
+                </a:stretch>
+              </a:blipFill>
+            </p:spPr>
+            <p:txBody>
+              <a:bodyPr/>
+              <a:lstStyle/>
+              <a:p>
+                <a:r>
+                  <a:rPr lang="en-US">
+                    <a:noFill/>
+                  </a:rPr>
+                  <a:t> </a:t>
+                </a:r>
+              </a:p>
+            </p:txBody>
+          </p:sp>
+        </mc:Fallback>
+      </mc:AlternateContent>
+      <p:pic>
+        <p:nvPicPr>
+          <p:cNvPr id="5" name="Content Placeholder 4" descr="A screenshot of a cell phone&#10;&#10;Description automatically generated">
+            <a:extLst>
+              <a:ext uri="{FF2B5EF4-FFF2-40B4-BE49-F238E27FC236}">
+                <a16:creationId xmlns:a16="http://schemas.microsoft.com/office/drawing/2014/main" id="{B110EC80-F725-904F-A143-94501D9E954E}"/>
+              </a:ext>
+            </a:extLst>
+          </p:cNvPr>
+          <p:cNvPicPr>
+            <a:picLocks noGrp="1" noChangeAspect="1"/>
+          </p:cNvPicPr>
+          <p:nvPr>
+            <p:ph idx="1"/>
+          </p:nvPr>
+        </p:nvPicPr>
+        <p:blipFill>
+          <a:blip r:embed="rId3"/>
+          <a:stretch>
+            <a:fillRect/>
+          </a:stretch>
+        </p:blipFill>
+        <p:spPr>
+          <a:xfrm>
+            <a:off x="6729412" y="268273"/>
+            <a:ext cx="4624388" cy="3082925"/>
+          </a:xfrm>
+        </p:spPr>
+      </p:pic>
+      <p:pic>
+        <p:nvPicPr>
+          <p:cNvPr id="7" name="Picture 6" descr="A screenshot of a cell phone&#10;&#10;Description automatically generated">
+            <a:extLst>
+              <a:ext uri="{FF2B5EF4-FFF2-40B4-BE49-F238E27FC236}">
+                <a16:creationId xmlns:a16="http://schemas.microsoft.com/office/drawing/2014/main" id="{B1EA07B9-27A7-934E-83EE-970C12813ADC}"/>
+              </a:ext>
+            </a:extLst>
+          </p:cNvPr>
+          <p:cNvPicPr>
+            <a:picLocks noChangeAspect="1"/>
+          </p:cNvPicPr>
+          <p:nvPr/>
+        </p:nvPicPr>
+        <p:blipFill>
+          <a:blip r:embed="rId4"/>
+          <a:stretch>
+            <a:fillRect/>
+          </a:stretch>
+        </p:blipFill>
+        <p:spPr>
+          <a:xfrm>
+            <a:off x="1040606" y="1625597"/>
+            <a:ext cx="5486400" cy="3657600"/>
+          </a:xfrm>
+          <a:prstGeom prst="rect">
+            <a:avLst/>
+          </a:prstGeom>
+        </p:spPr>
+      </p:pic>
+      <p:pic>
+        <p:nvPicPr>
+          <p:cNvPr id="9" name="Picture 8" descr="A close up of a map&#10;&#10;Description automatically generated">
+            <a:extLst>
+              <a:ext uri="{FF2B5EF4-FFF2-40B4-BE49-F238E27FC236}">
+                <a16:creationId xmlns:a16="http://schemas.microsoft.com/office/drawing/2014/main" id="{5141AFC0-A155-B143-9DE7-04B7109B6CC1}"/>
+              </a:ext>
+            </a:extLst>
+          </p:cNvPr>
+          <p:cNvPicPr>
+            <a:picLocks noChangeAspect="1"/>
+          </p:cNvPicPr>
+          <p:nvPr/>
+        </p:nvPicPr>
+        <p:blipFill>
+          <a:blip r:embed="rId5"/>
+          <a:stretch>
+            <a:fillRect/>
+          </a:stretch>
+        </p:blipFill>
+        <p:spPr>
+          <a:xfrm>
+            <a:off x="6729412" y="3351198"/>
+            <a:ext cx="4624388" cy="3082925"/>
+          </a:xfrm>
+          <a:prstGeom prst="rect">
+            <a:avLst/>
+          </a:prstGeom>
+        </p:spPr>
+      </p:pic>
+    </p:spTree>
+    <p:extLst>
+      <p:ext uri="{BB962C8B-B14F-4D97-AF65-F5344CB8AC3E}">
+        <p14:creationId xmlns:p14="http://schemas.microsoft.com/office/powerpoint/2010/main" val="2613487115"/>
+      </p:ext>
+    </p:extLst>
+  </p:cSld>
+  <p:clrMapOvr>
+    <a:masterClrMapping/>
+  </p:clrMapOvr>
+</p:sld>
+</file>
+
+<file path=ppt/slides/slide12.xml><?xml version="1.0" encoding="utf-8"?>
+<p:sld xmlns:a="http://schemas.openxmlformats.org/drawingml/2006/main" xmlns:r="http://schemas.openxmlformats.org/officeDocument/2006/relationships" xmlns:p="http://schemas.openxmlformats.org/presentationml/2006/main">
+  <p:cSld>
+    <p:spTree>
+      <p:nvGrpSpPr>
+        <p:cNvPr id="1" name=""/>
+        <p:cNvGrpSpPr/>
+        <p:nvPr/>
+      </p:nvGrpSpPr>
+      <p:grpSpPr>
+        <a:xfrm>
+          <a:off x="0" y="0"/>
+          <a:ext cx="0" cy="0"/>
+          <a:chOff x="0" y="0"/>
+          <a:chExt cx="0" cy="0"/>
+        </a:xfrm>
+      </p:grpSpPr>
+      <mc:AlternateContent xmlns:mc="http://schemas.openxmlformats.org/markup-compatibility/2006" xmlns:a14="http://schemas.microsoft.com/office/drawing/2010/main">
+        <mc:Choice Requires="a14">
+          <p:sp>
+            <p:nvSpPr>
+              <p:cNvPr id="2" name="Title 1">
+                <a:extLst>
+                  <a:ext uri="{FF2B5EF4-FFF2-40B4-BE49-F238E27FC236}">
+                    <a16:creationId xmlns:a16="http://schemas.microsoft.com/office/drawing/2014/main" id="{67D424CD-FEEA-8140-9B38-006D08F4AA5D}"/>
+                  </a:ext>
+                </a:extLst>
+              </p:cNvPr>
+              <p:cNvSpPr>
+                <a:spLocks noGrp="1"/>
+              </p:cNvSpPr>
+              <p:nvPr>
+                <p:ph type="title"/>
+              </p:nvPr>
+            </p:nvSpPr>
+            <p:spPr/>
+            <p:txBody>
+              <a:bodyPr/>
+              <a:lstStyle/>
+              <a:p>
+                <a:r>
+                  <a:rPr lang="en-US" dirty="0"/>
+                  <a:t>Model fit </a:t>
+                </a:r>
+                <a14:m>
+                  <m:oMath xmlns:m="http://schemas.openxmlformats.org/officeDocument/2006/math">
+                    <m:r>
+                      <a:rPr lang="en-US">
+                        <a:latin typeface="Cambria Math" panose="02040503050406030204" pitchFamily="18" charset="0"/>
+                      </a:rPr>
+                      <m:t>(</m:t>
+                    </m:r>
+                    <m:sSub>
+                      <m:sSubPr>
+                        <m:ctrlPr>
+                          <a:rPr lang="en-US" i="1">
+                            <a:latin typeface="Cambria Math" panose="02040503050406030204" pitchFamily="18" charset="0"/>
+                          </a:rPr>
+                        </m:ctrlPr>
+                      </m:sSubPr>
+                      <m:e>
+                        <m:r>
+                          <a:rPr lang="en-US" i="1">
+                            <a:latin typeface="Cambria Math" panose="02040503050406030204" pitchFamily="18" charset="0"/>
+                          </a:rPr>
+                          <m:t>𝑅</m:t>
+                        </m:r>
+                      </m:e>
+                      <m:sub>
+                        <m:r>
+                          <a:rPr lang="en-US" i="1">
+                            <a:latin typeface="Cambria Math" panose="02040503050406030204" pitchFamily="18" charset="0"/>
+                          </a:rPr>
+                          <m:t>0</m:t>
+                        </m:r>
+                      </m:sub>
+                    </m:sSub>
+                    <m:r>
+                      <a:rPr lang="en-US" i="1">
+                        <a:latin typeface="Cambria Math" panose="02040503050406030204" pitchFamily="18" charset="0"/>
+                      </a:rPr>
+                      <m:t>=</m:t>
+                    </m:r>
+                    <m:r>
+                      <a:rPr lang="en-US" b="0" i="1" smtClean="0">
+                        <a:latin typeface="Cambria Math" panose="02040503050406030204" pitchFamily="18" charset="0"/>
+                      </a:rPr>
+                      <m:t>3</m:t>
+                    </m:r>
+                    <m:r>
+                      <a:rPr lang="en-US" i="1">
+                        <a:latin typeface="Cambria Math" panose="02040503050406030204" pitchFamily="18" charset="0"/>
+                      </a:rPr>
+                      <m:t>.2)</m:t>
+                    </m:r>
+                  </m:oMath>
+                </a14:m>
+                <a:endParaRPr lang="en-US" dirty="0"/>
+              </a:p>
+            </p:txBody>
+          </p:sp>
+        </mc:Choice>
+        <mc:Fallback xmlns="">
+          <p:sp>
+            <p:nvSpPr>
+              <p:cNvPr id="2" name="Title 1">
+                <a:extLst>
+                  <a:ext uri="{FF2B5EF4-FFF2-40B4-BE49-F238E27FC236}">
+                    <a16:creationId xmlns:a16="http://schemas.microsoft.com/office/drawing/2014/main" id="{67D424CD-FEEA-8140-9B38-006D08F4AA5D}"/>
+                  </a:ext>
+                </a:extLst>
+              </p:cNvPr>
+              <p:cNvSpPr>
+                <a:spLocks noGrp="1" noRot="1" noChangeAspect="1" noMove="1" noResize="1" noEditPoints="1" noAdjustHandles="1" noChangeArrowheads="1" noChangeShapeType="1" noTextEdit="1"/>
+              </p:cNvSpPr>
+              <p:nvPr>
+                <p:ph type="title"/>
+              </p:nvPr>
+            </p:nvSpPr>
+            <p:spPr>
+              <a:blipFill>
+                <a:blip r:embed="rId2"/>
+                <a:stretch>
+                  <a:fillRect l="-2292"/>
+                </a:stretch>
+              </a:blipFill>
+            </p:spPr>
+            <p:txBody>
+              <a:bodyPr/>
+              <a:lstStyle/>
+              <a:p>
+                <a:r>
+                  <a:rPr lang="en-US">
+                    <a:noFill/>
+                  </a:rPr>
+                  <a:t> </a:t>
+                </a:r>
+              </a:p>
+            </p:txBody>
+          </p:sp>
+        </mc:Fallback>
+      </mc:AlternateContent>
+      <p:pic>
+        <p:nvPicPr>
+          <p:cNvPr id="5" name="Content Placeholder 4" descr="A picture containing screenshot&#10;&#10;Description automatically generated">
+            <a:extLst>
+              <a:ext uri="{FF2B5EF4-FFF2-40B4-BE49-F238E27FC236}">
+                <a16:creationId xmlns:a16="http://schemas.microsoft.com/office/drawing/2014/main" id="{40CA4412-A36B-FB44-A654-DE99AB3FE956}"/>
+              </a:ext>
+            </a:extLst>
+          </p:cNvPr>
+          <p:cNvPicPr>
+            <a:picLocks noGrp="1" noChangeAspect="1"/>
+          </p:cNvPicPr>
+          <p:nvPr>
+            <p:ph idx="1"/>
+          </p:nvPr>
+        </p:nvPicPr>
+        <p:blipFill>
+          <a:blip r:embed="rId3"/>
+          <a:stretch>
+            <a:fillRect/>
+          </a:stretch>
+        </p:blipFill>
+        <p:spPr>
+          <a:xfrm>
+            <a:off x="6705600" y="228587"/>
+            <a:ext cx="5005426" cy="3336951"/>
+          </a:xfrm>
+        </p:spPr>
+      </p:pic>
+      <p:pic>
+        <p:nvPicPr>
+          <p:cNvPr id="7" name="Picture 6" descr="A screenshot of a cell phone&#10;&#10;Description automatically generated">
+            <a:extLst>
+              <a:ext uri="{FF2B5EF4-FFF2-40B4-BE49-F238E27FC236}">
+                <a16:creationId xmlns:a16="http://schemas.microsoft.com/office/drawing/2014/main" id="{F2DDD8AF-6852-9842-A7D8-E10989FE3D1C}"/>
+              </a:ext>
+            </a:extLst>
+          </p:cNvPr>
+          <p:cNvPicPr>
+            <a:picLocks noChangeAspect="1"/>
+          </p:cNvPicPr>
+          <p:nvPr/>
+        </p:nvPicPr>
+        <p:blipFill>
+          <a:blip r:embed="rId4"/>
+          <a:stretch>
+            <a:fillRect/>
+          </a:stretch>
+        </p:blipFill>
+        <p:spPr>
+          <a:xfrm>
+            <a:off x="1028699" y="1690688"/>
+            <a:ext cx="5486400" cy="3657600"/>
+          </a:xfrm>
+          <a:prstGeom prst="rect">
+            <a:avLst/>
+          </a:prstGeom>
+        </p:spPr>
+      </p:pic>
+      <p:pic>
+        <p:nvPicPr>
+          <p:cNvPr id="9" name="Picture 8" descr="A screenshot of a cell phone&#10;&#10;Description automatically generated">
+            <a:extLst>
+              <a:ext uri="{FF2B5EF4-FFF2-40B4-BE49-F238E27FC236}">
+                <a16:creationId xmlns:a16="http://schemas.microsoft.com/office/drawing/2014/main" id="{A973808D-85D3-6B48-B6AA-0CFDBF2495AE}"/>
+              </a:ext>
+            </a:extLst>
+          </p:cNvPr>
+          <p:cNvPicPr>
+            <a:picLocks noChangeAspect="1"/>
+          </p:cNvPicPr>
+          <p:nvPr/>
+        </p:nvPicPr>
+        <p:blipFill>
+          <a:blip r:embed="rId5"/>
+          <a:stretch>
+            <a:fillRect/>
+          </a:stretch>
+        </p:blipFill>
+        <p:spPr>
+          <a:xfrm>
+            <a:off x="6705598" y="3429000"/>
+            <a:ext cx="5005426" cy="3336951"/>
+          </a:xfrm>
+          <a:prstGeom prst="rect">
+            <a:avLst/>
+          </a:prstGeom>
+        </p:spPr>
+      </p:pic>
+    </p:spTree>
+    <p:extLst>
+      <p:ext uri="{BB962C8B-B14F-4D97-AF65-F5344CB8AC3E}">
+        <p14:creationId xmlns:p14="http://schemas.microsoft.com/office/powerpoint/2010/main" val="1393978940"/>
+      </p:ext>
+    </p:extLst>
+  </p:cSld>
+  <p:clrMapOvr>
+    <a:masterClrMapping/>
+  </p:clrMapOvr>
+</p:sld>
+</file>
+
+<file path=ppt/slides/slide13.xml><?xml version="1.0" encoding="utf-8"?>
+<p:sld xmlns:a="http://schemas.openxmlformats.org/drawingml/2006/main" xmlns:r="http://schemas.openxmlformats.org/officeDocument/2006/relationships" xmlns:p="http://schemas.openxmlformats.org/presentationml/2006/main">
+  <p:cSld>
+    <p:spTree>
+      <p:nvGrpSpPr>
+        <p:cNvPr id="1" name=""/>
+        <p:cNvGrpSpPr/>
+        <p:nvPr/>
+      </p:nvGrpSpPr>
+      <p:grpSpPr>
+        <a:xfrm>
+          <a:off x="0" y="0"/>
+          <a:ext cx="0" cy="0"/>
+          <a:chOff x="0" y="0"/>
+          <a:chExt cx="0" cy="0"/>
+        </a:xfrm>
+      </p:grpSpPr>
     </p:spTree>
     <p:extLst>
       <p:ext uri="{BB962C8B-B14F-4D97-AF65-F5344CB8AC3E}">
@@ -3451,7 +4610,7 @@
 </p:sld>
 </file>
 
-<file path=ppt/slides/slide11.xml><?xml version="1.0" encoding="utf-8"?>
+<file path=ppt/slides/slide14.xml><?xml version="1.0" encoding="utf-8"?>
 <p:sld xmlns:a="http://schemas.openxmlformats.org/drawingml/2006/main" xmlns:r="http://schemas.openxmlformats.org/officeDocument/2006/relationships" xmlns:p="http://schemas.openxmlformats.org/presentationml/2006/main">
   <p:cSld>
     <p:spTree>
@@ -3674,7 +4833,7 @@
 </p:sld>
 </file>
 
-<file path=ppt/slides/slide12.xml><?xml version="1.0" encoding="utf-8"?>
+<file path=ppt/slides/slide15.xml><?xml version="1.0" encoding="utf-8"?>
 <p:sld xmlns:a="http://schemas.openxmlformats.org/drawingml/2006/main" xmlns:r="http://schemas.openxmlformats.org/officeDocument/2006/relationships" xmlns:p="http://schemas.openxmlformats.org/presentationml/2006/main">
   <p:cSld>
     <p:spTree>
@@ -3986,7 +5145,7 @@
 </p:sld>
 </file>
 
-<file path=ppt/slides/slide13.xml><?xml version="1.0" encoding="utf-8"?>
+<file path=ppt/slides/slide16.xml><?xml version="1.0" encoding="utf-8"?>
 <p:sld xmlns:a="http://schemas.openxmlformats.org/drawingml/2006/main" xmlns:r="http://schemas.openxmlformats.org/officeDocument/2006/relationships" xmlns:p="http://schemas.openxmlformats.org/presentationml/2006/main">
   <p:cSld>
     <p:spTree>
@@ -4648,7 +5807,7 @@
 </p:sld>
 </file>
 
-<file path=ppt/slides/slide14.xml><?xml version="1.0" encoding="utf-8"?>
+<file path=ppt/slides/slide17.xml><?xml version="1.0" encoding="utf-8"?>
 <p:sld xmlns:a="http://schemas.openxmlformats.org/drawingml/2006/main" xmlns:r="http://schemas.openxmlformats.org/officeDocument/2006/relationships" xmlns:p="http://schemas.openxmlformats.org/presentationml/2006/main">
   <p:cSld>
     <p:spTree>
@@ -4949,7 +6108,7 @@
 </p:sld>
 </file>
 
-<file path=ppt/slides/slide15.xml><?xml version="1.0" encoding="utf-8"?>
+<file path=ppt/slides/slide18.xml><?xml version="1.0" encoding="utf-8"?>
 <p:sld xmlns:a="http://schemas.openxmlformats.org/drawingml/2006/main" xmlns:r="http://schemas.openxmlformats.org/officeDocument/2006/relationships" xmlns:p="http://schemas.openxmlformats.org/presentationml/2006/main">
   <p:cSld>
     <p:spTree>
@@ -5261,6 +6420,135 @@
       </p:grpSpPr>
       <p:sp>
         <p:nvSpPr>
+          <p:cNvPr id="2" name="Title 1">
+            <a:extLst>
+              <a:ext uri="{FF2B5EF4-FFF2-40B4-BE49-F238E27FC236}">
+                <a16:creationId xmlns:a16="http://schemas.microsoft.com/office/drawing/2014/main" id="{000B5B19-0E3C-8A49-934B-01961D5DB014}"/>
+              </a:ext>
+            </a:extLst>
+          </p:cNvPr>
+          <p:cNvSpPr>
+            <a:spLocks noGrp="1"/>
+          </p:cNvSpPr>
+          <p:nvPr>
+            <p:ph type="title"/>
+          </p:nvPr>
+        </p:nvSpPr>
+        <p:spPr/>
+        <p:txBody>
+          <a:bodyPr/>
+          <a:lstStyle/>
+          <a:p>
+            <a:r>
+              <a:rPr lang="en-US" dirty="0"/>
+              <a:t>Questions</a:t>
+            </a:r>
+          </a:p>
+        </p:txBody>
+      </p:sp>
+      <p:sp>
+        <p:nvSpPr>
+          <p:cNvPr id="3" name="Content Placeholder 2">
+            <a:extLst>
+              <a:ext uri="{FF2B5EF4-FFF2-40B4-BE49-F238E27FC236}">
+                <a16:creationId xmlns:a16="http://schemas.microsoft.com/office/drawing/2014/main" id="{A64E80B4-1E36-4F45-B98B-D8D78A6A7AA2}"/>
+              </a:ext>
+            </a:extLst>
+          </p:cNvPr>
+          <p:cNvSpPr>
+            <a:spLocks noGrp="1"/>
+          </p:cNvSpPr>
+          <p:nvPr>
+            <p:ph idx="1"/>
+          </p:nvPr>
+        </p:nvSpPr>
+        <p:spPr/>
+        <p:txBody>
+          <a:bodyPr/>
+          <a:lstStyle/>
+          <a:p>
+            <a:r>
+              <a:rPr lang="en-US" dirty="0"/>
+              <a:t>Overlap of definitions of exposed and asymptomatic</a:t>
+            </a:r>
+          </a:p>
+          <a:p>
+            <a:r>
+              <a:rPr lang="en-US" dirty="0"/>
+              <a:t>Symptomatic but undiagnosed</a:t>
+            </a:r>
+          </a:p>
+          <a:p>
+            <a:pPr lvl="1"/>
+            <a:r>
+              <a:rPr lang="en-US" dirty="0"/>
+              <a:t>Recovery</a:t>
+            </a:r>
+          </a:p>
+          <a:p>
+            <a:pPr lvl="1"/>
+            <a:r>
+              <a:rPr lang="en-US" dirty="0"/>
+              <a:t>Mortality</a:t>
+            </a:r>
+          </a:p>
+          <a:p>
+            <a:r>
+              <a:rPr lang="en-US" dirty="0"/>
+              <a:t>Distribution cases</a:t>
+            </a:r>
+          </a:p>
+          <a:p>
+            <a:pPr lvl="1"/>
+            <a:r>
+              <a:rPr lang="en-US" dirty="0"/>
+              <a:t>Diagnosed symptomatic and diagnosed asymptomatic</a:t>
+            </a:r>
+          </a:p>
+          <a:p>
+            <a:r>
+              <a:rPr lang="en-US" dirty="0"/>
+              <a:t>Conversion of diagnosis rate to number of tests, </a:t>
+            </a:r>
+            <a:r>
+              <a:rPr lang="en-US"/>
+              <a:t>or vice-versa</a:t>
+            </a:r>
+          </a:p>
+        </p:txBody>
+      </p:sp>
+    </p:spTree>
+    <p:extLst>
+      <p:ext uri="{BB962C8B-B14F-4D97-AF65-F5344CB8AC3E}">
+        <p14:creationId xmlns:p14="http://schemas.microsoft.com/office/powerpoint/2010/main" val="1547642266"/>
+      </p:ext>
+    </p:extLst>
+  </p:cSld>
+  <p:clrMapOvr>
+    <a:masterClrMapping/>
+  </p:clrMapOvr>
+</p:sld>
+</file>
+
+<file path=ppt/slides/slide3.xml><?xml version="1.0" encoding="utf-8"?>
+<p:sld xmlns:a="http://schemas.openxmlformats.org/drawingml/2006/main" xmlns:r="http://schemas.openxmlformats.org/officeDocument/2006/relationships" xmlns:p="http://schemas.openxmlformats.org/presentationml/2006/main">
+  <p:cSld>
+    <p:spTree>
+      <p:nvGrpSpPr>
+        <p:cNvPr id="1" name=""/>
+        <p:cNvGrpSpPr/>
+        <p:nvPr/>
+      </p:nvGrpSpPr>
+      <p:grpSpPr>
+        <a:xfrm>
+          <a:off x="0" y="0"/>
+          <a:ext cx="0" cy="0"/>
+          <a:chOff x="0" y="0"/>
+          <a:chExt cx="0" cy="0"/>
+        </a:xfrm>
+      </p:grpSpPr>
+      <p:sp>
+        <p:nvSpPr>
           <p:cNvPr id="50" name="Title 1">
             <a:extLst>
               <a:ext uri="{FF2B5EF4-FFF2-40B4-BE49-F238E27FC236}">
@@ -5328,10 +6616,10 @@
         </p:nvGrpSpPr>
         <p:grpSpPr>
           <a:xfrm>
-            <a:off x="3830769" y="1649139"/>
-            <a:ext cx="6873611" cy="4521884"/>
-            <a:chOff x="3830769" y="1649139"/>
-            <a:chExt cx="6873611" cy="4521884"/>
+            <a:off x="3830769" y="1288519"/>
+            <a:ext cx="6873611" cy="4882505"/>
+            <a:chOff x="3830769" y="1288519"/>
+            <a:chExt cx="6873611" cy="4882505"/>
           </a:xfrm>
         </p:grpSpPr>
         <p:grpSp>
@@ -5348,14 +6636,14 @@
           </p:nvGrpSpPr>
           <p:grpSpPr>
             <a:xfrm>
-              <a:off x="3830769" y="1649139"/>
-              <a:ext cx="6873611" cy="4521884"/>
-              <a:chOff x="1084521" y="1169581"/>
-              <a:chExt cx="8041758" cy="5290363"/>
+              <a:off x="3830769" y="1288519"/>
+              <a:ext cx="6873611" cy="4882505"/>
+              <a:chOff x="1084521" y="747673"/>
+              <a:chExt cx="8041758" cy="5712271"/>
             </a:xfrm>
           </p:grpSpPr>
-          <mc:AlternateContent xmlns:mc="http://schemas.openxmlformats.org/markup-compatibility/2006" xmlns:a14="http://schemas.microsoft.com/office/drawing/2010/main">
-            <mc:Choice Requires="a14">
+          <mc:AlternateContent xmlns:mc="http://schemas.openxmlformats.org/markup-compatibility/2006">
+            <mc:Choice xmlns:a14="http://schemas.microsoft.com/office/drawing/2010/main" Requires="a14">
               <p:sp>
                 <p:nvSpPr>
                   <p:cNvPr id="5" name="Oval 4">
@@ -5407,12 +6695,31 @@
                           <m:jc m:val="centerGroup"/>
                         </m:oMathParaPr>
                         <m:oMath xmlns:m="http://schemas.openxmlformats.org/officeDocument/2006/math">
-                          <m:r>
-                            <a:rPr lang="en-US" b="0" i="1" smtClean="0">
-                              <a:latin typeface="Cambria Math" panose="02040503050406030204" pitchFamily="18" charset="0"/>
-                            </a:rPr>
-                            <m:t>𝑎𝑠𝑦𝑚</m:t>
-                          </m:r>
+                          <m:sSub>
+                            <m:sSubPr>
+                              <m:ctrlPr>
+                                <a:rPr lang="en-US" b="0" i="1" smtClean="0">
+                                  <a:latin typeface="Cambria Math" panose="02040503050406030204" pitchFamily="18" charset="0"/>
+                                </a:rPr>
+                              </m:ctrlPr>
+                            </m:sSubPr>
+                            <m:e>
+                              <m:r>
+                                <a:rPr lang="en-US" b="0" i="1" smtClean="0">
+                                  <a:latin typeface="Cambria Math" panose="02040503050406030204" pitchFamily="18" charset="0"/>
+                                </a:rPr>
+                                <m:t>𝐼</m:t>
+                              </m:r>
+                            </m:e>
+                            <m:sub>
+                              <m:r>
+                                <a:rPr lang="en-US" b="0" i="1" smtClean="0">
+                                  <a:latin typeface="Cambria Math" panose="02040503050406030204" pitchFamily="18" charset="0"/>
+                                </a:rPr>
+                                <m:t>𝑠h𝑒𝑑</m:t>
+                              </m:r>
+                            </m:sub>
+                          </m:sSub>
                         </m:oMath>
                       </m:oMathPara>
                     </a14:m>
@@ -5421,7 +6728,7 @@
                 </p:txBody>
               </p:sp>
             </mc:Choice>
-            <mc:Fallback xmlns="">
+            <mc:Fallback>
               <p:sp>
                 <p:nvSpPr>
                   <p:cNvPr id="5" name="Oval 4">
@@ -5445,9 +6752,9 @@
                     <a:avLst/>
                   </a:prstGeom>
                   <a:blipFill>
-                    <a:blip r:embed="rId3"/>
+                    <a:blip r:embed="rId2"/>
                     <a:stretch>
-                      <a:fillRect l="-7547"/>
+                      <a:fillRect/>
                     </a:stretch>
                   </a:blipFill>
                   <a:ln>
@@ -5471,8 +6778,8 @@
               </p:sp>
             </mc:Fallback>
           </mc:AlternateContent>
-          <mc:AlternateContent xmlns:mc="http://schemas.openxmlformats.org/markup-compatibility/2006" xmlns:a14="http://schemas.microsoft.com/office/drawing/2010/main">
-            <mc:Choice Requires="a14">
+          <mc:AlternateContent xmlns:mc="http://schemas.openxmlformats.org/markup-compatibility/2006">
+            <mc:Choice xmlns:a14="http://schemas.microsoft.com/office/drawing/2010/main" Requires="a14">
               <p:sp>
                 <p:nvSpPr>
                   <p:cNvPr id="6" name="Oval 5">
@@ -5524,12 +6831,31 @@
                           <m:jc m:val="centerGroup"/>
                         </m:oMathParaPr>
                         <m:oMath xmlns:m="http://schemas.openxmlformats.org/officeDocument/2006/math">
-                          <m:r>
-                            <a:rPr lang="en-US" b="0" i="1" dirty="0" smtClean="0">
-                              <a:latin typeface="Cambria Math" panose="02040503050406030204" pitchFamily="18" charset="0"/>
-                            </a:rPr>
-                            <m:t>𝑠𝑦𝑚</m:t>
-                          </m:r>
+                          <m:sSub>
+                            <m:sSubPr>
+                              <m:ctrlPr>
+                                <a:rPr lang="en-US" b="0" i="1" smtClean="0">
+                                  <a:latin typeface="Cambria Math" panose="02040503050406030204" pitchFamily="18" charset="0"/>
+                                </a:rPr>
+                              </m:ctrlPr>
+                            </m:sSubPr>
+                            <m:e>
+                              <m:r>
+                                <a:rPr lang="en-US" b="0" i="1" smtClean="0">
+                                  <a:latin typeface="Cambria Math" panose="02040503050406030204" pitchFamily="18" charset="0"/>
+                                </a:rPr>
+                                <m:t>𝐼</m:t>
+                              </m:r>
+                            </m:e>
+                            <m:sub>
+                              <m:r>
+                                <a:rPr lang="en-US" b="0" i="1" smtClean="0">
+                                  <a:latin typeface="Cambria Math" panose="02040503050406030204" pitchFamily="18" charset="0"/>
+                                </a:rPr>
+                                <m:t>𝑠𝑦𝑚</m:t>
+                              </m:r>
+                            </m:sub>
+                          </m:sSub>
                         </m:oMath>
                       </m:oMathPara>
                     </a14:m>
@@ -5538,7 +6864,7 @@
                 </p:txBody>
               </p:sp>
             </mc:Choice>
-            <mc:Fallback xmlns="">
+            <mc:Fallback>
               <p:sp>
                 <p:nvSpPr>
                   <p:cNvPr id="6" name="Oval 5">
@@ -5562,9 +6888,9 @@
                     <a:avLst/>
                   </a:prstGeom>
                   <a:blipFill>
-                    <a:blip r:embed="rId4"/>
+                    <a:blip r:embed="rId3"/>
                     <a:stretch>
-                      <a:fillRect l="-1923"/>
+                      <a:fillRect/>
                     </a:stretch>
                   </a:blipFill>
                   <a:ln>
@@ -5588,8 +6914,8 @@
               </p:sp>
             </mc:Fallback>
           </mc:AlternateContent>
-          <mc:AlternateContent xmlns:mc="http://schemas.openxmlformats.org/markup-compatibility/2006" xmlns:a14="http://schemas.microsoft.com/office/drawing/2010/main">
-            <mc:Choice Requires="a14">
+          <mc:AlternateContent xmlns:mc="http://schemas.openxmlformats.org/markup-compatibility/2006">
+            <mc:Choice xmlns:a14="http://schemas.microsoft.com/office/drawing/2010/main" Requires="a14">
               <p:sp>
                 <p:nvSpPr>
                   <p:cNvPr id="7" name="Oval 6">
@@ -5641,12 +6967,31 @@
                           <m:jc m:val="centerGroup"/>
                         </m:oMathParaPr>
                         <m:oMath xmlns:m="http://schemas.openxmlformats.org/officeDocument/2006/math">
-                          <m:r>
-                            <a:rPr lang="en-US" b="0" i="1" dirty="0" smtClean="0">
-                              <a:latin typeface="Cambria Math" panose="02040503050406030204" pitchFamily="18" charset="0"/>
-                            </a:rPr>
-                            <m:t>𝑑𝑖𝑎𝑔𝑛𝑜𝑠𝑒</m:t>
-                          </m:r>
+                          <m:sSub>
+                            <m:sSubPr>
+                              <m:ctrlPr>
+                                <a:rPr lang="en-US" b="0" i="1" dirty="0" smtClean="0">
+                                  <a:latin typeface="Cambria Math" panose="02040503050406030204" pitchFamily="18" charset="0"/>
+                                </a:rPr>
+                              </m:ctrlPr>
+                            </m:sSubPr>
+                            <m:e>
+                              <m:r>
+                                <a:rPr lang="en-US" b="0" i="1" dirty="0" smtClean="0">
+                                  <a:latin typeface="Cambria Math" panose="02040503050406030204" pitchFamily="18" charset="0"/>
+                                </a:rPr>
+                                <m:t>𝐼</m:t>
+                              </m:r>
+                            </m:e>
+                            <m:sub>
+                              <m:r>
+                                <a:rPr lang="en-US" b="0" i="1" dirty="0" smtClean="0">
+                                  <a:latin typeface="Cambria Math" panose="02040503050406030204" pitchFamily="18" charset="0"/>
+                                </a:rPr>
+                                <m:t>𝑑</m:t>
+                              </m:r>
+                            </m:sub>
+                          </m:sSub>
                         </m:oMath>
                       </m:oMathPara>
                     </a14:m>
@@ -5655,7 +7000,7 @@
                 </p:txBody>
               </p:sp>
             </mc:Choice>
-            <mc:Fallback xmlns="">
+            <mc:Fallback>
               <p:sp>
                 <p:nvSpPr>
                   <p:cNvPr id="7" name="Oval 6">
@@ -5679,9 +7024,9 @@
                     <a:avLst/>
                   </a:prstGeom>
                   <a:blipFill>
-                    <a:blip r:embed="rId5"/>
+                    <a:blip r:embed="rId4"/>
                     <a:stretch>
-                      <a:fillRect l="-44231" r="-32692"/>
+                      <a:fillRect/>
                     </a:stretch>
                   </a:blipFill>
                   <a:ln>
@@ -5705,8 +7050,8 @@
               </p:sp>
             </mc:Fallback>
           </mc:AlternateContent>
-          <mc:AlternateContent xmlns:mc="http://schemas.openxmlformats.org/markup-compatibility/2006" xmlns:a14="http://schemas.microsoft.com/office/drawing/2010/main">
-            <mc:Choice Requires="a14">
+          <mc:AlternateContent xmlns:mc="http://schemas.openxmlformats.org/markup-compatibility/2006">
+            <mc:Choice xmlns:a14="http://schemas.microsoft.com/office/drawing/2010/main" Requires="a14">
               <p:sp>
                 <p:nvSpPr>
                   <p:cNvPr id="8" name="Oval 7">
@@ -5758,24 +7103,24 @@
                           <m:jc m:val="centerGroup"/>
                         </m:oMathParaPr>
                         <m:oMath xmlns:m="http://schemas.openxmlformats.org/officeDocument/2006/math">
-                          <m:acc>
-                            <m:accPr>
-                              <m:chr m:val="̅"/>
+                          <m:sSub>
+                            <m:sSubPr>
                               <m:ctrlPr>
                                 <a:rPr lang="en-US" b="0" i="1" dirty="0" smtClean="0">
                                   <a:latin typeface="Cambria Math" panose="02040503050406030204" pitchFamily="18" charset="0"/>
                                 </a:rPr>
                               </m:ctrlPr>
-                            </m:accPr>
+                            </m:sSubPr>
                             <m:e>
-                              <m:sSub>
-                                <m:sSubPr>
+                              <m:acc>
+                                <m:accPr>
+                                  <m:chr m:val="̅"/>
                                   <m:ctrlPr>
                                     <a:rPr lang="en-US" b="0" i="1" dirty="0" smtClean="0">
                                       <a:latin typeface="Cambria Math" panose="02040503050406030204" pitchFamily="18" charset="0"/>
                                     </a:rPr>
                                   </m:ctrlPr>
-                                </m:sSubPr>
+                                </m:accPr>
                                 <m:e>
                                   <m:r>
                                     <a:rPr lang="en-US" b="0" i="1" dirty="0" smtClean="0">
@@ -5784,17 +7129,17 @@
                                     <m:t>𝐼</m:t>
                                   </m:r>
                                 </m:e>
-                                <m:sub>
-                                  <m:r>
-                                    <a:rPr lang="en-US" b="0" i="1" dirty="0" smtClean="0">
-                                      <a:latin typeface="Cambria Math" panose="02040503050406030204" pitchFamily="18" charset="0"/>
-                                    </a:rPr>
-                                    <m:t>𝑠𝑒𝑣</m:t>
-                                  </m:r>
-                                </m:sub>
-                              </m:sSub>
+                              </m:acc>
                             </m:e>
-                          </m:acc>
+                            <m:sub>
+                              <m:r>
+                                <a:rPr lang="en-US" b="0" i="1" dirty="0" smtClean="0">
+                                  <a:latin typeface="Cambria Math" panose="02040503050406030204" pitchFamily="18" charset="0"/>
+                                </a:rPr>
+                                <m:t>𝑠𝑒𝑣</m:t>
+                              </m:r>
+                            </m:sub>
+                          </m:sSub>
                         </m:oMath>
                       </m:oMathPara>
                     </a14:m>
@@ -5803,7 +7148,7 @@
                 </p:txBody>
               </p:sp>
             </mc:Choice>
-            <mc:Fallback xmlns="">
+            <mc:Fallback>
               <p:sp>
                 <p:nvSpPr>
                   <p:cNvPr id="8" name="Oval 7">
@@ -5827,7 +7172,7 @@
                     <a:avLst/>
                   </a:prstGeom>
                   <a:blipFill>
-                    <a:blip r:embed="rId6"/>
+                    <a:blip r:embed="rId5"/>
                     <a:stretch>
                       <a:fillRect/>
                     </a:stretch>
@@ -6098,14 +7443,15 @@
               </p:cNvPr>
               <p:cNvCxnSpPr>
                 <a:cxnSpLocks/>
-                <a:endCxn id="5" idx="0"/>
+                <a:stCxn id="64" idx="4"/>
+                <a:endCxn id="5" idx="1"/>
               </p:cNvCxnSpPr>
               <p:nvPr/>
             </p:nvCxnSpPr>
             <p:spPr>
               <a:xfrm>
-                <a:off x="3747977" y="1169581"/>
-                <a:ext cx="0" cy="598968"/>
+                <a:off x="2582634" y="747673"/>
+                <a:ext cx="898441" cy="1131430"/>
               </a:xfrm>
               <a:prstGeom prst="straightConnector1">
                 <a:avLst/>
@@ -6456,121 +7802,6 @@
               </a:p>
             </p:txBody>
           </p:sp>
-          <mc:AlternateContent xmlns:mc="http://schemas.openxmlformats.org/markup-compatibility/2006">
-            <mc:Choice xmlns:a14="http://schemas.microsoft.com/office/drawing/2010/main" Requires="a14">
-              <p:sp>
-                <p:nvSpPr>
-                  <p:cNvPr id="24" name="TextBox 23">
-                    <a:extLst>
-                      <a:ext uri="{FF2B5EF4-FFF2-40B4-BE49-F238E27FC236}">
-                        <a16:creationId xmlns:a16="http://schemas.microsoft.com/office/drawing/2014/main" id="{7FE54A13-2A05-7A46-BC9D-F3B9ECF8AF5E}"/>
-                      </a:ext>
-                    </a:extLst>
-                  </p:cNvPr>
-                  <p:cNvSpPr txBox="1"/>
-                  <p:nvPr/>
-                </p:nvSpPr>
-                <p:spPr>
-                  <a:xfrm>
-                    <a:off x="3692047" y="1284216"/>
-                    <a:ext cx="585788" cy="432099"/>
-                  </a:xfrm>
-                  <a:prstGeom prst="rect">
-                    <a:avLst/>
-                  </a:prstGeom>
-                  <a:noFill/>
-                </p:spPr>
-                <p:txBody>
-                  <a:bodyPr wrap="square" rtlCol="0">
-                    <a:spAutoFit/>
-                  </a:bodyPr>
-                  <a:lstStyle/>
-                  <a:p>
-                    <a:pPr/>
-                    <a14:m>
-                      <m:oMathPara xmlns:m="http://schemas.openxmlformats.org/officeDocument/2006/math">
-                        <m:oMathParaPr>
-                          <m:jc m:val="centerGroup"/>
-                        </m:oMathParaPr>
-                        <m:oMath xmlns:m="http://schemas.openxmlformats.org/officeDocument/2006/math">
-                          <m:sSub>
-                            <m:sSubPr>
-                              <m:ctrlPr>
-                                <a:rPr lang="en-US" b="0" i="1" smtClean="0">
-                                  <a:latin typeface="Cambria Math" panose="02040503050406030204" pitchFamily="18" charset="0"/>
-                                </a:rPr>
-                              </m:ctrlPr>
-                            </m:sSubPr>
-                            <m:e>
-                              <m:r>
-                                <a:rPr lang="en-US" b="0" i="1" smtClean="0">
-                                  <a:latin typeface="Cambria Math" panose="02040503050406030204" pitchFamily="18" charset="0"/>
-                                </a:rPr>
-                                <m:t>𝑟</m:t>
-                              </m:r>
-                            </m:e>
-                            <m:sub>
-                              <m:r>
-                                <a:rPr lang="en-US" b="0" i="1" smtClean="0">
-                                  <a:latin typeface="Cambria Math" panose="02040503050406030204" pitchFamily="18" charset="0"/>
-                                </a:rPr>
-                                <m:t>0</m:t>
-                              </m:r>
-                            </m:sub>
-                          </m:sSub>
-                        </m:oMath>
-                      </m:oMathPara>
-                    </a14:m>
-                    <a:endParaRPr lang="en-US" dirty="0"/>
-                  </a:p>
-                </p:txBody>
-              </p:sp>
-            </mc:Choice>
-            <mc:Fallback>
-              <p:sp>
-                <p:nvSpPr>
-                  <p:cNvPr id="24" name="TextBox 23">
-                    <a:extLst>
-                      <a:ext uri="{FF2B5EF4-FFF2-40B4-BE49-F238E27FC236}">
-                        <a16:creationId xmlns:a16="http://schemas.microsoft.com/office/drawing/2014/main" id="{7FE54A13-2A05-7A46-BC9D-F3B9ECF8AF5E}"/>
-                      </a:ext>
-                    </a:extLst>
-                  </p:cNvPr>
-                  <p:cNvSpPr txBox="1">
-                    <a:spLocks noRot="1" noChangeAspect="1" noMove="1" noResize="1" noEditPoints="1" noAdjustHandles="1" noChangeArrowheads="1" noChangeShapeType="1" noTextEdit="1"/>
-                  </p:cNvSpPr>
-                  <p:nvPr/>
-                </p:nvSpPr>
-                <p:spPr>
-                  <a:xfrm>
-                    <a:off x="3692047" y="1284216"/>
-                    <a:ext cx="585788" cy="432099"/>
-                  </a:xfrm>
-                  <a:prstGeom prst="rect">
-                    <a:avLst/>
-                  </a:prstGeom>
-                  <a:blipFill>
-                    <a:blip r:embed="rId9"/>
-                    <a:stretch>
-                      <a:fillRect/>
-                    </a:stretch>
-                  </a:blipFill>
-                </p:spPr>
-                <p:txBody>
-                  <a:bodyPr/>
-                  <a:lstStyle/>
-                  <a:p>
-                    <a:r>
-                      <a:rPr lang="en-US">
-                        <a:noFill/>
-                      </a:rPr>
-                      <a:t> </a:t>
-                    </a:r>
-                  </a:p>
-                </p:txBody>
-              </p:sp>
-            </mc:Fallback>
-          </mc:AlternateContent>
           <mc:AlternateContent xmlns:mc="http://schemas.openxmlformats.org/markup-compatibility/2006" xmlns:a14="http://schemas.microsoft.com/office/drawing/2010/main">
             <mc:Choice Requires="a14">
               <p:sp>
@@ -6804,8 +8035,8 @@
               </p:sp>
             </mc:Fallback>
           </mc:AlternateContent>
-          <mc:AlternateContent xmlns:mc="http://schemas.openxmlformats.org/markup-compatibility/2006" xmlns:a14="http://schemas.microsoft.com/office/drawing/2010/main">
-            <mc:Choice Requires="a14">
+          <mc:AlternateContent xmlns:mc="http://schemas.openxmlformats.org/markup-compatibility/2006">
+            <mc:Choice xmlns:a14="http://schemas.microsoft.com/office/drawing/2010/main" Requires="a14">
               <p:sp>
                 <p:nvSpPr>
                   <p:cNvPr id="27" name="TextBox 26">
@@ -6820,7 +8051,7 @@
                 </p:nvSpPr>
                 <p:spPr>
                   <a:xfrm>
-                    <a:off x="4629094" y="1778110"/>
+                    <a:off x="4629094" y="1778109"/>
                     <a:ext cx="585788" cy="432099"/>
                   </a:xfrm>
                   <a:prstGeom prst="rect">
@@ -6842,11 +8073,10 @@
                         </m:oMathParaPr>
                         <m:oMath xmlns:m="http://schemas.openxmlformats.org/officeDocument/2006/math">
                           <m:r>
-                            <a:rPr lang="en-US" i="1">
+                            <a:rPr lang="en-US" b="0" i="1" smtClean="0">
                               <a:latin typeface="Cambria Math" panose="02040503050406030204" pitchFamily="18" charset="0"/>
-                              <a:ea typeface="Cambria Math" panose="02040503050406030204" pitchFamily="18" charset="0"/>
                             </a:rPr>
-                            <m:t>𝛾</m:t>
+                            <m:t>0.4</m:t>
                           </m:r>
                         </m:oMath>
                       </m:oMathPara>
@@ -6856,7 +8086,7 @@
                 </p:txBody>
               </p:sp>
             </mc:Choice>
-            <mc:Fallback xmlns="">
+            <mc:Fallback>
               <p:sp>
                 <p:nvSpPr>
                   <p:cNvPr id="27" name="TextBox 26">
@@ -6873,7 +8103,7 @@
                 </p:nvSpPr>
                 <p:spPr>
                   <a:xfrm>
-                    <a:off x="4629094" y="1778110"/>
+                    <a:off x="4629094" y="1778109"/>
                     <a:ext cx="585788" cy="432099"/>
                   </a:xfrm>
                   <a:prstGeom prst="rect">
@@ -6882,7 +8112,7 @@
                   <a:blipFill>
                     <a:blip r:embed="rId12"/>
                     <a:stretch>
-                      <a:fillRect b="-6667"/>
+                      <a:fillRect/>
                     </a:stretch>
                   </a:blipFill>
                 </p:spPr>
@@ -6901,8 +8131,8 @@
               </p:sp>
             </mc:Fallback>
           </mc:AlternateContent>
-          <mc:AlternateContent xmlns:mc="http://schemas.openxmlformats.org/markup-compatibility/2006">
-            <mc:Choice xmlns:a14="http://schemas.microsoft.com/office/drawing/2010/main" Requires="a14">
+          <mc:AlternateContent xmlns:mc="http://schemas.openxmlformats.org/markup-compatibility/2006" xmlns:a14="http://schemas.microsoft.com/office/drawing/2010/main">
+            <mc:Choice Requires="a14">
               <p:sp>
                 <p:nvSpPr>
                   <p:cNvPr id="28" name="TextBox 27">
@@ -6963,7 +8193,7 @@
                 </p:txBody>
               </p:sp>
             </mc:Choice>
-            <mc:Fallback>
+            <mc:Fallback xmlns="">
               <p:sp>
                 <p:nvSpPr>
                   <p:cNvPr id="28" name="TextBox 27">
@@ -7008,8 +8238,8 @@
               </p:sp>
             </mc:Fallback>
           </mc:AlternateContent>
-          <mc:AlternateContent xmlns:mc="http://schemas.openxmlformats.org/markup-compatibility/2006">
-            <mc:Choice xmlns:a14="http://schemas.microsoft.com/office/drawing/2010/main" Requires="a14">
+          <mc:AlternateContent xmlns:mc="http://schemas.openxmlformats.org/markup-compatibility/2006" xmlns:a14="http://schemas.microsoft.com/office/drawing/2010/main">
+            <mc:Choice Requires="a14">
               <p:sp>
                 <p:nvSpPr>
                   <p:cNvPr id="29" name="TextBox 28">
@@ -7070,7 +8300,7 @@
                 </p:txBody>
               </p:sp>
             </mc:Choice>
-            <mc:Fallback>
+            <mc:Fallback xmlns="">
               <p:sp>
                 <p:nvSpPr>
                   <p:cNvPr id="29" name="TextBox 28">
@@ -7115,8 +8345,8 @@
               </p:sp>
             </mc:Fallback>
           </mc:AlternateContent>
-          <mc:AlternateContent xmlns:mc="http://schemas.openxmlformats.org/markup-compatibility/2006" xmlns:a14="http://schemas.microsoft.com/office/drawing/2010/main">
-            <mc:Choice Requires="a14">
+          <mc:AlternateContent xmlns:mc="http://schemas.openxmlformats.org/markup-compatibility/2006">
+            <mc:Choice xmlns:a14="http://schemas.microsoft.com/office/drawing/2010/main" Requires="a14">
               <p:sp>
                 <p:nvSpPr>
                   <p:cNvPr id="30" name="TextBox 29">
@@ -7131,7 +8361,7 @@
                 </p:nvSpPr>
                 <p:spPr>
                   <a:xfrm>
-                    <a:off x="6900917" y="4771770"/>
+                    <a:off x="6900917" y="4771769"/>
                     <a:ext cx="585788" cy="432099"/>
                   </a:xfrm>
                   <a:prstGeom prst="rect">
@@ -7152,24 +8382,24 @@
                           <m:jc m:val="centerGroup"/>
                         </m:oMathParaPr>
                         <m:oMath xmlns:m="http://schemas.openxmlformats.org/officeDocument/2006/math">
-                          <m:acc>
-                            <m:accPr>
-                              <m:chr m:val="̅"/>
+                          <m:sSub>
+                            <m:sSubPr>
                               <m:ctrlPr>
-                                <a:rPr lang="en-US" i="1" smtClean="0">
+                                <a:rPr lang="en-US" b="0" i="1" smtClean="0">
                                   <a:latin typeface="Cambria Math" panose="02040503050406030204" pitchFamily="18" charset="0"/>
                                 </a:rPr>
                               </m:ctrlPr>
-                            </m:accPr>
+                            </m:sSubPr>
                             <m:e>
-                              <m:sSub>
-                                <m:sSubPr>
+                              <m:acc>
+                                <m:accPr>
+                                  <m:chr m:val="̅"/>
                                   <m:ctrlPr>
-                                    <a:rPr lang="en-US" b="0" i="1" smtClean="0">
+                                    <a:rPr lang="en-US" i="1" smtClean="0">
                                       <a:latin typeface="Cambria Math" panose="02040503050406030204" pitchFamily="18" charset="0"/>
                                     </a:rPr>
                                   </m:ctrlPr>
-                                </m:sSubPr>
+                                </m:accPr>
                                 <m:e>
                                   <m:r>
                                     <a:rPr lang="en-US" b="0" i="1" smtClean="0">
@@ -7178,17 +8408,17 @@
                                     <m:t>𝑟</m:t>
                                   </m:r>
                                 </m:e>
-                                <m:sub>
-                                  <m:r>
-                                    <a:rPr lang="en-US" b="0" i="1" smtClean="0">
-                                      <a:latin typeface="Cambria Math" panose="02040503050406030204" pitchFamily="18" charset="0"/>
-                                    </a:rPr>
-                                    <m:t>𝑠𝑒𝑣</m:t>
-                                  </m:r>
-                                </m:sub>
-                              </m:sSub>
+                              </m:acc>
                             </m:e>
-                          </m:acc>
+                            <m:sub>
+                              <m:r>
+                                <a:rPr lang="en-US" b="0" i="1" smtClean="0">
+                                  <a:latin typeface="Cambria Math" panose="02040503050406030204" pitchFamily="18" charset="0"/>
+                                </a:rPr>
+                                <m:t>𝑠𝑒𝑣</m:t>
+                              </m:r>
+                            </m:sub>
+                          </m:sSub>
                         </m:oMath>
                       </m:oMathPara>
                     </a14:m>
@@ -7197,7 +8427,7 @@
                 </p:txBody>
               </p:sp>
             </mc:Choice>
-            <mc:Fallback xmlns="">
+            <mc:Fallback>
               <p:sp>
                 <p:nvSpPr>
                   <p:cNvPr id="30" name="TextBox 29">
@@ -7214,7 +8444,7 @@
                 </p:nvSpPr>
                 <p:spPr>
                   <a:xfrm>
-                    <a:off x="6900917" y="4771770"/>
+                    <a:off x="6900917" y="4771769"/>
                     <a:ext cx="585788" cy="432099"/>
                   </a:xfrm>
                   <a:prstGeom prst="rect">
@@ -7289,8 +8519,8 @@
               </a:fontRef>
             </p:style>
           </p:cxnSp>
-          <mc:AlternateContent xmlns:mc="http://schemas.openxmlformats.org/markup-compatibility/2006">
-            <mc:Choice xmlns:a14="http://schemas.microsoft.com/office/drawing/2010/main" Requires="a14">
+          <mc:AlternateContent xmlns:mc="http://schemas.openxmlformats.org/markup-compatibility/2006" xmlns:a14="http://schemas.microsoft.com/office/drawing/2010/main">
+            <mc:Choice Requires="a14">
               <p:sp>
                 <p:nvSpPr>
                   <p:cNvPr id="35" name="TextBox 34">
@@ -7351,7 +8581,7 @@
                 </p:txBody>
               </p:sp>
             </mc:Choice>
-            <mc:Fallback>
+            <mc:Fallback xmlns="">
               <p:sp>
                 <p:nvSpPr>
                   <p:cNvPr id="35" name="TextBox 34">
@@ -7418,7 +8648,9 @@
               </a:prstGeom>
               <a:ln>
                 <a:solidFill>
-                  <a:schemeClr val="tx1"/>
+                  <a:schemeClr val="tx1">
+                    <a:alpha val="20000"/>
+                  </a:schemeClr>
                 </a:solidFill>
                 <a:tailEnd type="stealth" w="lg" len="lg"/>
               </a:ln>
@@ -7568,8 +8800,8 @@
               </a:fontRef>
             </p:style>
           </p:cxnSp>
-          <mc:AlternateContent xmlns:mc="http://schemas.openxmlformats.org/markup-compatibility/2006">
-            <mc:Choice xmlns:a14="http://schemas.microsoft.com/office/drawing/2010/main" Requires="a14">
+          <mc:AlternateContent xmlns:mc="http://schemas.openxmlformats.org/markup-compatibility/2006" xmlns:a14="http://schemas.microsoft.com/office/drawing/2010/main">
+            <mc:Choice Requires="a14">
               <p:sp>
                 <p:nvSpPr>
                   <p:cNvPr id="44" name="TextBox 43">
@@ -7658,7 +8890,7 @@
                 </p:txBody>
               </p:sp>
             </mc:Choice>
-            <mc:Fallback>
+            <mc:Fallback xmlns="">
               <p:sp>
                 <p:nvSpPr>
                   <p:cNvPr id="44" name="TextBox 43">
@@ -7703,8 +8935,8 @@
               </p:sp>
             </mc:Fallback>
           </mc:AlternateContent>
-          <mc:AlternateContent xmlns:mc="http://schemas.openxmlformats.org/markup-compatibility/2006">
-            <mc:Choice xmlns:a14="http://schemas.microsoft.com/office/drawing/2010/main" Requires="a14">
+          <mc:AlternateContent xmlns:mc="http://schemas.openxmlformats.org/markup-compatibility/2006" xmlns:a14="http://schemas.microsoft.com/office/drawing/2010/main">
+            <mc:Choice Requires="a14">
               <p:sp>
                 <p:nvSpPr>
                   <p:cNvPr id="45" name="TextBox 44">
@@ -7793,7 +9025,7 @@
                 </p:txBody>
               </p:sp>
             </mc:Choice>
-            <mc:Fallback>
+            <mc:Fallback xmlns="">
               <p:sp>
                 <p:nvSpPr>
                   <p:cNvPr id="45" name="TextBox 44">
@@ -7838,8 +9070,8 @@
               </p:sp>
             </mc:Fallback>
           </mc:AlternateContent>
-          <mc:AlternateContent xmlns:mc="http://schemas.openxmlformats.org/markup-compatibility/2006">
-            <mc:Choice xmlns:a14="http://schemas.microsoft.com/office/drawing/2010/main" Requires="a14">
+          <mc:AlternateContent xmlns:mc="http://schemas.openxmlformats.org/markup-compatibility/2006" xmlns:a14="http://schemas.microsoft.com/office/drawing/2010/main">
+            <mc:Choice Requires="a14">
               <p:sp>
                 <p:nvSpPr>
                   <p:cNvPr id="47" name="TextBox 46">
@@ -7928,7 +9160,7 @@
                 </p:txBody>
               </p:sp>
             </mc:Choice>
-            <mc:Fallback>
+            <mc:Fallback xmlns="">
               <p:sp>
                 <p:nvSpPr>
                   <p:cNvPr id="47" name="TextBox 46">
@@ -7973,8 +9205,8 @@
               </p:sp>
             </mc:Fallback>
           </mc:AlternateContent>
-          <mc:AlternateContent xmlns:mc="http://schemas.openxmlformats.org/markup-compatibility/2006" xmlns:a14="http://schemas.microsoft.com/office/drawing/2010/main">
-            <mc:Choice Requires="a14">
+          <mc:AlternateContent xmlns:mc="http://schemas.openxmlformats.org/markup-compatibility/2006">
+            <mc:Choice xmlns:a14="http://schemas.microsoft.com/office/drawing/2010/main" Requires="a14">
               <p:sp>
                 <p:nvSpPr>
                   <p:cNvPr id="48" name="TextBox 47">
@@ -7989,7 +9221,7 @@
                 </p:nvSpPr>
                 <p:spPr>
                   <a:xfrm>
-                    <a:off x="6523462" y="4461068"/>
+                    <a:off x="6676293" y="4397388"/>
                     <a:ext cx="585788" cy="432099"/>
                   </a:xfrm>
                   <a:prstGeom prst="rect">
@@ -8010,47 +9242,47 @@
                           <m:jc m:val="centerGroup"/>
                         </m:oMathParaPr>
                         <m:oMath xmlns:m="http://schemas.openxmlformats.org/officeDocument/2006/math">
-                          <m:acc>
-                            <m:accPr>
-                              <m:chr m:val="̅"/>
+                          <m:sSub>
+                            <m:sSubPr>
                               <m:ctrlPr>
-                                <a:rPr lang="en-US" b="0" i="1" smtClean="0">
+                                <a:rPr lang="en-US" b="0" i="0" smtClean="0">
                                   <a:latin typeface="Cambria Math" panose="02040503050406030204" pitchFamily="18" charset="0"/>
                                   <a:ea typeface="Cambria Math" panose="02040503050406030204" pitchFamily="18" charset="0"/>
                                 </a:rPr>
                               </m:ctrlPr>
-                            </m:accPr>
+                            </m:sSubPr>
                             <m:e>
-                              <m:sSub>
-                                <m:sSubPr>
+                              <m:acc>
+                                <m:accPr>
+                                  <m:chr m:val="̅"/>
                                   <m:ctrlPr>
                                     <a:rPr lang="en-US" b="0" i="1" smtClean="0">
                                       <a:latin typeface="Cambria Math" panose="02040503050406030204" pitchFamily="18" charset="0"/>
                                       <a:ea typeface="Cambria Math" panose="02040503050406030204" pitchFamily="18" charset="0"/>
                                     </a:rPr>
                                   </m:ctrlPr>
-                                </m:sSubPr>
+                                </m:accPr>
                                 <m:e>
                                   <m:r>
-                                    <a:rPr lang="en-US" i="1" smtClean="0">
+                                    <a:rPr lang="en-US" i="1">
                                       <a:latin typeface="Cambria Math" panose="02040503050406030204" pitchFamily="18" charset="0"/>
                                       <a:ea typeface="Cambria Math" panose="02040503050406030204" pitchFamily="18" charset="0"/>
                                     </a:rPr>
                                     <m:t>𝜇</m:t>
                                   </m:r>
                                 </m:e>
-                                <m:sub>
-                                  <m:r>
-                                    <a:rPr lang="en-US" b="0" i="1" smtClean="0">
-                                      <a:latin typeface="Cambria Math" panose="02040503050406030204" pitchFamily="18" charset="0"/>
-                                      <a:ea typeface="Cambria Math" panose="02040503050406030204" pitchFamily="18" charset="0"/>
-                                    </a:rPr>
-                                    <m:t>𝑠𝑒𝑣</m:t>
-                                  </m:r>
-                                </m:sub>
-                              </m:sSub>
+                              </m:acc>
                             </m:e>
-                          </m:acc>
+                            <m:sub>
+                              <m:r>
+                                <a:rPr lang="en-US" b="0" i="1" smtClean="0">
+                                  <a:latin typeface="Cambria Math" panose="02040503050406030204" pitchFamily="18" charset="0"/>
+                                  <a:ea typeface="Cambria Math" panose="02040503050406030204" pitchFamily="18" charset="0"/>
+                                </a:rPr>
+                                <m:t>𝑠𝑒𝑣</m:t>
+                              </m:r>
+                            </m:sub>
+                          </m:sSub>
                         </m:oMath>
                       </m:oMathPara>
                     </a14:m>
@@ -8061,7 +9293,7 @@
                 </p:txBody>
               </p:sp>
             </mc:Choice>
-            <mc:Fallback xmlns="">
+            <mc:Fallback>
               <p:sp>
                 <p:nvSpPr>
                   <p:cNvPr id="48" name="TextBox 47">
@@ -8078,7 +9310,7 @@
                 </p:nvSpPr>
                 <p:spPr>
                   <a:xfrm>
-                    <a:off x="6523462" y="4461068"/>
+                    <a:off x="6676293" y="4397388"/>
                     <a:ext cx="585788" cy="432099"/>
                   </a:xfrm>
                   <a:prstGeom prst="rect">
@@ -8087,7 +9319,7 @@
                   <a:blipFill>
                     <a:blip r:embed="rId20"/>
                     <a:stretch>
-                      <a:fillRect r="-2500" b="-6667"/>
+                      <a:fillRect r="-5000" b="-3333"/>
                     </a:stretch>
                   </a:blipFill>
                 </p:spPr>
@@ -8155,8 +9387,8 @@
             </a:fontRef>
           </p:style>
         </p:cxnSp>
-        <mc:AlternateContent xmlns:mc="http://schemas.openxmlformats.org/markup-compatibility/2006">
-          <mc:Choice xmlns:a14="http://schemas.microsoft.com/office/drawing/2010/main" Requires="a14">
+        <mc:AlternateContent xmlns:mc="http://schemas.openxmlformats.org/markup-compatibility/2006" xmlns:a14="http://schemas.microsoft.com/office/drawing/2010/main">
+          <mc:Choice Requires="a14">
             <p:sp>
               <p:nvSpPr>
                 <p:cNvPr id="54" name="TextBox 53">
@@ -8240,7 +9472,7 @@
               </p:txBody>
             </p:sp>
           </mc:Choice>
-          <mc:Fallback>
+          <mc:Fallback xmlns="">
             <p:sp>
               <p:nvSpPr>
                 <p:cNvPr id="54" name="TextBox 53">
@@ -8286,8 +9518,8 @@
           </mc:Fallback>
         </mc:AlternateContent>
       </p:grpSp>
-      <mc:AlternateContent xmlns:mc="http://schemas.openxmlformats.org/markup-compatibility/2006" xmlns:a14="http://schemas.microsoft.com/office/drawing/2010/main">
-        <mc:Choice Requires="a14">
+      <mc:AlternateContent xmlns:mc="http://schemas.openxmlformats.org/markup-compatibility/2006">
+        <mc:Choice xmlns:a14="http://schemas.microsoft.com/office/drawing/2010/main" Requires="a14">
           <p:sp>
             <p:nvSpPr>
               <p:cNvPr id="46" name="Oval 45">
@@ -8339,24 +9571,24 @@
                       <m:jc m:val="centerGroup"/>
                     </m:oMathParaPr>
                     <m:oMath xmlns:m="http://schemas.openxmlformats.org/officeDocument/2006/math">
-                      <m:acc>
-                        <m:accPr>
-                          <m:chr m:val="̅"/>
+                      <m:sSub>
+                        <m:sSubPr>
                           <m:ctrlPr>
-                            <a:rPr lang="en-US" b="0" i="1" dirty="0" smtClean="0">
+                            <a:rPr lang="en-US" b="0" i="0" dirty="0" smtClean="0">
                               <a:latin typeface="Cambria Math" panose="02040503050406030204" pitchFamily="18" charset="0"/>
                             </a:rPr>
                           </m:ctrlPr>
-                        </m:accPr>
+                        </m:sSubPr>
                         <m:e>
-                          <m:sSub>
-                            <m:sSubPr>
+                          <m:acc>
+                            <m:accPr>
+                              <m:chr m:val="̅"/>
                               <m:ctrlPr>
                                 <a:rPr lang="en-US" b="0" i="1" dirty="0" smtClean="0">
                                   <a:latin typeface="Cambria Math" panose="02040503050406030204" pitchFamily="18" charset="0"/>
                                 </a:rPr>
                               </m:ctrlPr>
-                            </m:sSubPr>
+                            </m:accPr>
                             <m:e>
                               <m:r>
                                 <a:rPr lang="en-US" b="0" i="1" dirty="0" smtClean="0">
@@ -8365,17 +9597,17 @@
                                 <m:t>𝐼</m:t>
                               </m:r>
                             </m:e>
-                            <m:sub>
-                              <m:r>
-                                <a:rPr lang="en-US" b="0" i="1" dirty="0" smtClean="0">
-                                  <a:latin typeface="Cambria Math" panose="02040503050406030204" pitchFamily="18" charset="0"/>
-                                </a:rPr>
-                                <m:t>𝑚𝑖𝑙𝑑</m:t>
-                              </m:r>
-                            </m:sub>
-                          </m:sSub>
+                          </m:acc>
                         </m:e>
-                      </m:acc>
+                        <m:sub>
+                          <m:r>
+                            <a:rPr lang="en-US" b="0" i="1" dirty="0" smtClean="0">
+                              <a:latin typeface="Cambria Math" panose="02040503050406030204" pitchFamily="18" charset="0"/>
+                            </a:rPr>
+                            <m:t>𝑚𝑖𝑙𝑑</m:t>
+                          </m:r>
+                        </m:sub>
+                      </m:sSub>
                     </m:oMath>
                   </m:oMathPara>
                 </a14:m>
@@ -8384,7 +9616,7 @@
             </p:txBody>
           </p:sp>
         </mc:Choice>
-        <mc:Fallback xmlns="">
+        <mc:Fallback>
           <p:sp>
             <p:nvSpPr>
               <p:cNvPr id="46" name="Oval 45">
@@ -8408,7 +9640,7 @@
                 <a:avLst/>
               </a:prstGeom>
               <a:blipFill>
-                <a:blip r:embed="rId23"/>
+                <a:blip r:embed="rId22"/>
                 <a:stretch>
                   <a:fillRect l="-1887"/>
                 </a:stretch>
@@ -8479,8 +9711,8 @@
           </a:fontRef>
         </p:style>
       </p:cxnSp>
-      <mc:AlternateContent xmlns:mc="http://schemas.openxmlformats.org/markup-compatibility/2006" xmlns:a14="http://schemas.microsoft.com/office/drawing/2010/main">
-        <mc:Choice Requires="a14">
+      <mc:AlternateContent xmlns:mc="http://schemas.openxmlformats.org/markup-compatibility/2006">
+        <mc:Choice xmlns:a14="http://schemas.microsoft.com/office/drawing/2010/main" Requires="a14">
           <p:sp>
             <p:nvSpPr>
               <p:cNvPr id="52" name="TextBox 51">
@@ -8516,24 +9748,24 @@
                       <m:jc m:val="centerGroup"/>
                     </m:oMathParaPr>
                     <m:oMath xmlns:m="http://schemas.openxmlformats.org/officeDocument/2006/math">
-                      <m:acc>
-                        <m:accPr>
-                          <m:chr m:val="̅"/>
+                      <m:sSub>
+                        <m:sSubPr>
                           <m:ctrlPr>
-                            <a:rPr lang="en-US" i="1" smtClean="0">
+                            <a:rPr lang="en-US" b="0" i="1" smtClean="0">
                               <a:latin typeface="Cambria Math" panose="02040503050406030204" pitchFamily="18" charset="0"/>
                             </a:rPr>
                           </m:ctrlPr>
-                        </m:accPr>
+                        </m:sSubPr>
                         <m:e>
-                          <m:sSub>
-                            <m:sSubPr>
+                          <m:acc>
+                            <m:accPr>
+                              <m:chr m:val="̅"/>
                               <m:ctrlPr>
-                                <a:rPr lang="en-US" b="0" i="1" smtClean="0">
+                                <a:rPr lang="en-US" i="1" smtClean="0">
                                   <a:latin typeface="Cambria Math" panose="02040503050406030204" pitchFamily="18" charset="0"/>
                                 </a:rPr>
                               </m:ctrlPr>
-                            </m:sSubPr>
+                            </m:accPr>
                             <m:e>
                               <m:r>
                                 <a:rPr lang="en-US" b="0" i="1" smtClean="0">
@@ -8542,17 +9774,17 @@
                                 <m:t>𝑟</m:t>
                               </m:r>
                             </m:e>
-                            <m:sub>
-                              <m:r>
-                                <a:rPr lang="en-US" b="0" i="1" smtClean="0">
-                                  <a:latin typeface="Cambria Math" panose="02040503050406030204" pitchFamily="18" charset="0"/>
-                                </a:rPr>
-                                <m:t>𝑚𝑖𝑙𝑑</m:t>
-                              </m:r>
-                            </m:sub>
-                          </m:sSub>
+                          </m:acc>
                         </m:e>
-                      </m:acc>
+                        <m:sub>
+                          <m:r>
+                            <a:rPr lang="en-US" b="0" i="1" smtClean="0">
+                              <a:latin typeface="Cambria Math" panose="02040503050406030204" pitchFamily="18" charset="0"/>
+                            </a:rPr>
+                            <m:t>𝑚𝑖𝑙𝑑</m:t>
+                          </m:r>
+                        </m:sub>
+                      </m:sSub>
                     </m:oMath>
                   </m:oMathPara>
                 </a14:m>
@@ -8561,7 +9793,7 @@
             </p:txBody>
           </p:sp>
         </mc:Choice>
-        <mc:Fallback xmlns="">
+        <mc:Fallback>
           <p:sp>
             <p:nvSpPr>
               <p:cNvPr id="52" name="TextBox 51">
@@ -8585,7 +9817,7 @@
                 <a:avLst/>
               </a:prstGeom>
               <a:blipFill>
-                <a:blip r:embed="rId24"/>
+                <a:blip r:embed="rId23"/>
                 <a:stretch>
                   <a:fillRect r="-22500"/>
                 </a:stretch>
@@ -8653,8 +9885,8 @@
           </a:fontRef>
         </p:style>
       </p:cxnSp>
-      <mc:AlternateContent xmlns:mc="http://schemas.openxmlformats.org/markup-compatibility/2006" xmlns:a14="http://schemas.microsoft.com/office/drawing/2010/main">
-        <mc:Choice Requires="a14">
+      <mc:AlternateContent xmlns:mc="http://schemas.openxmlformats.org/markup-compatibility/2006">
+        <mc:Choice xmlns:a14="http://schemas.microsoft.com/office/drawing/2010/main" Requires="a14">
           <p:sp>
             <p:nvSpPr>
               <p:cNvPr id="59" name="TextBox 58">
@@ -8670,7 +9902,7 @@
             <p:spPr>
               <a:xfrm>
                 <a:off x="5292389" y="3682315"/>
-                <a:ext cx="500696" cy="369332"/>
+                <a:ext cx="500696" cy="375487"/>
               </a:xfrm>
               <a:prstGeom prst="rect">
                 <a:avLst/>
@@ -8690,47 +9922,47 @@
                       <m:jc m:val="centerGroup"/>
                     </m:oMathParaPr>
                     <m:oMath xmlns:m="http://schemas.openxmlformats.org/officeDocument/2006/math">
-                      <m:acc>
-                        <m:accPr>
-                          <m:chr m:val="̅"/>
+                      <m:sSub>
+                        <m:sSubPr>
                           <m:ctrlPr>
                             <a:rPr lang="en-US" b="0" i="1" smtClean="0">
                               <a:latin typeface="Cambria Math" panose="02040503050406030204" pitchFamily="18" charset="0"/>
                               <a:ea typeface="Cambria Math" panose="02040503050406030204" pitchFamily="18" charset="0"/>
                             </a:rPr>
                           </m:ctrlPr>
-                        </m:accPr>
+                        </m:sSubPr>
                         <m:e>
-                          <m:sSub>
-                            <m:sSubPr>
+                          <m:acc>
+                            <m:accPr>
+                              <m:chr m:val="̅"/>
                               <m:ctrlPr>
                                 <a:rPr lang="en-US" b="0" i="1" smtClean="0">
                                   <a:latin typeface="Cambria Math" panose="02040503050406030204" pitchFamily="18" charset="0"/>
                                   <a:ea typeface="Cambria Math" panose="02040503050406030204" pitchFamily="18" charset="0"/>
                                 </a:rPr>
                               </m:ctrlPr>
-                            </m:sSubPr>
+                            </m:accPr>
                             <m:e>
                               <m:r>
-                                <a:rPr lang="en-US" i="1" smtClean="0">
+                                <a:rPr lang="en-US" b="0" i="1" smtClean="0">
                                   <a:latin typeface="Cambria Math" panose="02040503050406030204" pitchFamily="18" charset="0"/>
                                   <a:ea typeface="Cambria Math" panose="02040503050406030204" pitchFamily="18" charset="0"/>
                                 </a:rPr>
                                 <m:t>𝜇</m:t>
                               </m:r>
                             </m:e>
-                            <m:sub>
-                              <m:r>
-                                <a:rPr lang="en-US" b="0" i="1" smtClean="0">
-                                  <a:latin typeface="Cambria Math" panose="02040503050406030204" pitchFamily="18" charset="0"/>
-                                  <a:ea typeface="Cambria Math" panose="02040503050406030204" pitchFamily="18" charset="0"/>
-                                </a:rPr>
-                                <m:t>𝑚𝑖𝑙𝑑</m:t>
-                              </m:r>
-                            </m:sub>
-                          </m:sSub>
+                          </m:acc>
                         </m:e>
-                      </m:acc>
+                        <m:sub>
+                          <m:r>
+                            <a:rPr lang="en-US" b="0" i="1" smtClean="0">
+                              <a:latin typeface="Cambria Math" panose="02040503050406030204" pitchFamily="18" charset="0"/>
+                              <a:ea typeface="Cambria Math" panose="02040503050406030204" pitchFamily="18" charset="0"/>
+                            </a:rPr>
+                            <m:t>𝑚𝑖𝑙𝑑</m:t>
+                          </m:r>
+                        </m:sub>
+                      </m:sSub>
                     </m:oMath>
                   </m:oMathPara>
                 </a14:m>
@@ -8741,7 +9973,7 @@
             </p:txBody>
           </p:sp>
         </mc:Choice>
-        <mc:Fallback xmlns="">
+        <mc:Fallback>
           <p:sp>
             <p:nvSpPr>
               <p:cNvPr id="59" name="TextBox 58">
@@ -8759,15 +9991,15 @@
             <p:spPr>
               <a:xfrm>
                 <a:off x="5292389" y="3682315"/>
-                <a:ext cx="500696" cy="369332"/>
+                <a:ext cx="500696" cy="375487"/>
               </a:xfrm>
               <a:prstGeom prst="rect">
                 <a:avLst/>
               </a:prstGeom>
               <a:blipFill>
-                <a:blip r:embed="rId25"/>
+                <a:blip r:embed="rId24"/>
                 <a:stretch>
-                  <a:fillRect r="-30000" b="-3333"/>
+                  <a:fillRect r="-30000"/>
                 </a:stretch>
               </a:blipFill>
             </p:spPr>
@@ -8950,6 +10182,624 @@
           </p:sp>
         </mc:Fallback>
       </mc:AlternateContent>
+      <p:cxnSp>
+        <p:nvCxnSpPr>
+          <p:cNvPr id="3" name="Straight Connector 2">
+            <a:extLst>
+              <a:ext uri="{FF2B5EF4-FFF2-40B4-BE49-F238E27FC236}">
+                <a16:creationId xmlns:a16="http://schemas.microsoft.com/office/drawing/2014/main" id="{9DB27CE9-8B78-5249-A1B5-36786A612569}"/>
+              </a:ext>
+            </a:extLst>
+          </p:cNvPr>
+          <p:cNvCxnSpPr>
+            <a:cxnSpLocks/>
+            <a:stCxn id="6" idx="0"/>
+          </p:cNvCxnSpPr>
+          <p:nvPr/>
+        </p:nvCxnSpPr>
+        <p:spPr>
+          <a:xfrm flipV="1">
+            <a:off x="8114280" y="965893"/>
+            <a:ext cx="0" cy="1195209"/>
+          </a:xfrm>
+          <a:prstGeom prst="line">
+            <a:avLst/>
+          </a:prstGeom>
+          <a:ln>
+            <a:tailEnd type="stealth" w="lg" len="lg"/>
+          </a:ln>
+        </p:spPr>
+        <p:style>
+          <a:lnRef idx="1">
+            <a:schemeClr val="dk1"/>
+          </a:lnRef>
+          <a:fillRef idx="0">
+            <a:schemeClr val="dk1"/>
+          </a:fillRef>
+          <a:effectRef idx="0">
+            <a:schemeClr val="dk1"/>
+          </a:effectRef>
+          <a:fontRef idx="minor">
+            <a:schemeClr val="tx1"/>
+          </a:fontRef>
+        </p:style>
+      </p:cxnSp>
+      <p:cxnSp>
+        <p:nvCxnSpPr>
+          <p:cNvPr id="11" name="Straight Connector 10">
+            <a:extLst>
+              <a:ext uri="{FF2B5EF4-FFF2-40B4-BE49-F238E27FC236}">
+                <a16:creationId xmlns:a16="http://schemas.microsoft.com/office/drawing/2014/main" id="{61917142-6F66-E340-B0EF-25CB8AC109CB}"/>
+              </a:ext>
+            </a:extLst>
+          </p:cNvPr>
+          <p:cNvCxnSpPr>
+            <a:cxnSpLocks/>
+          </p:cNvCxnSpPr>
+          <p:nvPr/>
+        </p:nvCxnSpPr>
+        <p:spPr>
+          <a:xfrm flipH="1">
+            <a:off x="5433892" y="965893"/>
+            <a:ext cx="2690520" cy="0"/>
+          </a:xfrm>
+          <a:prstGeom prst="line">
+            <a:avLst/>
+          </a:prstGeom>
+        </p:spPr>
+        <p:style>
+          <a:lnRef idx="1">
+            <a:schemeClr val="dk1"/>
+          </a:lnRef>
+          <a:fillRef idx="0">
+            <a:schemeClr val="dk1"/>
+          </a:fillRef>
+          <a:effectRef idx="0">
+            <a:schemeClr val="dk1"/>
+          </a:effectRef>
+          <a:fontRef idx="minor">
+            <a:schemeClr val="tx1"/>
+          </a:fontRef>
+        </p:style>
+      </p:cxnSp>
+      <p:cxnSp>
+        <p:nvCxnSpPr>
+          <p:cNvPr id="41" name="Straight Connector 40">
+            <a:extLst>
+              <a:ext uri="{FF2B5EF4-FFF2-40B4-BE49-F238E27FC236}">
+                <a16:creationId xmlns:a16="http://schemas.microsoft.com/office/drawing/2014/main" id="{A0C05FD2-FA22-8041-8528-3CCE22FE4E5E}"/>
+              </a:ext>
+            </a:extLst>
+          </p:cNvPr>
+          <p:cNvCxnSpPr>
+            <a:cxnSpLocks/>
+            <a:stCxn id="5" idx="0"/>
+          </p:cNvCxnSpPr>
+          <p:nvPr/>
+        </p:nvCxnSpPr>
+        <p:spPr>
+          <a:xfrm flipV="1">
+            <a:off x="6107331" y="965893"/>
+            <a:ext cx="0" cy="1195209"/>
+          </a:xfrm>
+          <a:prstGeom prst="line">
+            <a:avLst/>
+          </a:prstGeom>
+          <a:ln>
+            <a:tailEnd type="stealth" w="lg" len="lg"/>
+          </a:ln>
+        </p:spPr>
+        <p:style>
+          <a:lnRef idx="1">
+            <a:schemeClr val="dk1"/>
+          </a:lnRef>
+          <a:fillRef idx="0">
+            <a:schemeClr val="dk1"/>
+          </a:fillRef>
+          <a:effectRef idx="0">
+            <a:schemeClr val="dk1"/>
+          </a:effectRef>
+          <a:fontRef idx="minor">
+            <a:schemeClr val="tx1"/>
+          </a:fontRef>
+        </p:style>
+      </p:cxnSp>
+      <mc:AlternateContent xmlns:mc="http://schemas.openxmlformats.org/markup-compatibility/2006">
+        <mc:Choice xmlns:a14="http://schemas.microsoft.com/office/drawing/2010/main" Requires="a14">
+          <p:sp>
+            <p:nvSpPr>
+              <p:cNvPr id="62" name="TextBox 61">
+                <a:extLst>
+                  <a:ext uri="{FF2B5EF4-FFF2-40B4-BE49-F238E27FC236}">
+                    <a16:creationId xmlns:a16="http://schemas.microsoft.com/office/drawing/2014/main" id="{35053F96-EE1B-C443-BEBF-2F41448E64B7}"/>
+                  </a:ext>
+                </a:extLst>
+              </p:cNvPr>
+              <p:cNvSpPr txBox="1"/>
+              <p:nvPr/>
+            </p:nvSpPr>
+            <p:spPr>
+              <a:xfrm>
+                <a:off x="6158958" y="1328313"/>
+                <a:ext cx="1043787" cy="369332"/>
+              </a:xfrm>
+              <a:prstGeom prst="rect">
+                <a:avLst/>
+              </a:prstGeom>
+              <a:noFill/>
+            </p:spPr>
+            <p:txBody>
+              <a:bodyPr wrap="square" rtlCol="0">
+                <a:spAutoFit/>
+              </a:bodyPr>
+              <a:lstStyle/>
+              <a:p>
+                <a:pPr/>
+                <a14:m>
+                  <m:oMathPara xmlns:m="http://schemas.openxmlformats.org/officeDocument/2006/math">
+                    <m:oMathParaPr>
+                      <m:jc m:val="centerGroup"/>
+                    </m:oMathParaPr>
+                    <m:oMath xmlns:m="http://schemas.openxmlformats.org/officeDocument/2006/math">
+                      <m:sSub>
+                        <m:sSubPr>
+                          <m:ctrlPr>
+                            <a:rPr lang="en-US" b="0" i="1" smtClean="0">
+                              <a:latin typeface="Cambria Math" panose="02040503050406030204" pitchFamily="18" charset="0"/>
+                            </a:rPr>
+                          </m:ctrlPr>
+                        </m:sSubPr>
+                        <m:e>
+                          <m:r>
+                            <a:rPr lang="en-US" b="0" i="1" smtClean="0">
+                              <a:latin typeface="Cambria Math" panose="02040503050406030204" pitchFamily="18" charset="0"/>
+                            </a:rPr>
+                            <m:t>(</m:t>
+                          </m:r>
+                          <m:r>
+                            <a:rPr lang="en-US" b="0" i="1" smtClean="0">
+                              <a:latin typeface="Cambria Math" panose="02040503050406030204" pitchFamily="18" charset="0"/>
+                            </a:rPr>
+                            <m:t>𝑅</m:t>
+                          </m:r>
+                        </m:e>
+                        <m:sub>
+                          <m:r>
+                            <a:rPr lang="en-US" b="0" i="1" smtClean="0">
+                              <a:latin typeface="Cambria Math" panose="02040503050406030204" pitchFamily="18" charset="0"/>
+                            </a:rPr>
+                            <m:t>0</m:t>
+                          </m:r>
+                        </m:sub>
+                      </m:sSub>
+                      <m:r>
+                        <a:rPr lang="en-US" b="0" i="1" smtClean="0">
+                          <a:latin typeface="Cambria Math" panose="02040503050406030204" pitchFamily="18" charset="0"/>
+                        </a:rPr>
+                        <m:t>⋅0.4</m:t>
+                      </m:r>
+                      <m:r>
+                        <a:rPr lang="en-US" b="0" i="1" smtClean="0">
+                          <a:latin typeface="Cambria Math" panose="02040503050406030204" pitchFamily="18" charset="0"/>
+                          <a:ea typeface="Cambria Math" panose="02040503050406030204" pitchFamily="18" charset="0"/>
+                        </a:rPr>
+                        <m:t>)</m:t>
+                      </m:r>
+                    </m:oMath>
+                  </m:oMathPara>
+                </a14:m>
+                <a:endParaRPr lang="en-US" dirty="0"/>
+              </a:p>
+            </p:txBody>
+          </p:sp>
+        </mc:Choice>
+        <mc:Fallback>
+          <p:sp>
+            <p:nvSpPr>
+              <p:cNvPr id="62" name="TextBox 61">
+                <a:extLst>
+                  <a:ext uri="{FF2B5EF4-FFF2-40B4-BE49-F238E27FC236}">
+                    <a16:creationId xmlns:a16="http://schemas.microsoft.com/office/drawing/2014/main" id="{35053F96-EE1B-C443-BEBF-2F41448E64B7}"/>
+                  </a:ext>
+                </a:extLst>
+              </p:cNvPr>
+              <p:cNvSpPr txBox="1">
+                <a:spLocks noRot="1" noChangeAspect="1" noMove="1" noResize="1" noEditPoints="1" noAdjustHandles="1" noChangeArrowheads="1" noChangeShapeType="1" noTextEdit="1"/>
+              </p:cNvSpPr>
+              <p:nvPr/>
+            </p:nvSpPr>
+            <p:spPr>
+              <a:xfrm>
+                <a:off x="6158958" y="1328313"/>
+                <a:ext cx="1043787" cy="369332"/>
+              </a:xfrm>
+              <a:prstGeom prst="rect">
+                <a:avLst/>
+              </a:prstGeom>
+              <a:blipFill>
+                <a:blip r:embed="rId27"/>
+                <a:stretch>
+                  <a:fillRect l="-1205" r="-1205" b="-10000"/>
+                </a:stretch>
+              </a:blipFill>
+            </p:spPr>
+            <p:txBody>
+              <a:bodyPr/>
+              <a:lstStyle/>
+              <a:p>
+                <a:r>
+                  <a:rPr lang="en-US">
+                    <a:noFill/>
+                  </a:rPr>
+                  <a:t> </a:t>
+                </a:r>
+              </a:p>
+            </p:txBody>
+          </p:sp>
+        </mc:Fallback>
+      </mc:AlternateContent>
+      <mc:AlternateContent xmlns:mc="http://schemas.openxmlformats.org/markup-compatibility/2006">
+        <mc:Choice xmlns:a14="http://schemas.microsoft.com/office/drawing/2010/main" Requires="a14">
+          <p:sp>
+            <p:nvSpPr>
+              <p:cNvPr id="63" name="TextBox 62">
+                <a:extLst>
+                  <a:ext uri="{FF2B5EF4-FFF2-40B4-BE49-F238E27FC236}">
+                    <a16:creationId xmlns:a16="http://schemas.microsoft.com/office/drawing/2014/main" id="{DEBA4A00-7081-5F45-90DC-241AD1177D62}"/>
+                  </a:ext>
+                </a:extLst>
+              </p:cNvPr>
+              <p:cNvSpPr txBox="1"/>
+              <p:nvPr/>
+            </p:nvSpPr>
+            <p:spPr>
+              <a:xfrm>
+                <a:off x="8010684" y="1302139"/>
+                <a:ext cx="1129189" cy="369332"/>
+              </a:xfrm>
+              <a:prstGeom prst="rect">
+                <a:avLst/>
+              </a:prstGeom>
+              <a:noFill/>
+            </p:spPr>
+            <p:txBody>
+              <a:bodyPr wrap="square" rtlCol="0">
+                <a:spAutoFit/>
+              </a:bodyPr>
+              <a:lstStyle/>
+              <a:p>
+                <a:pPr/>
+                <a14:m>
+                  <m:oMathPara xmlns:m="http://schemas.openxmlformats.org/officeDocument/2006/math">
+                    <m:oMathParaPr>
+                      <m:jc m:val="centerGroup"/>
+                    </m:oMathParaPr>
+                    <m:oMath xmlns:m="http://schemas.openxmlformats.org/officeDocument/2006/math">
+                      <m:sSub>
+                        <m:sSubPr>
+                          <m:ctrlPr>
+                            <a:rPr lang="en-US" b="0" i="1" smtClean="0">
+                              <a:latin typeface="Cambria Math" panose="02040503050406030204" pitchFamily="18" charset="0"/>
+                            </a:rPr>
+                          </m:ctrlPr>
+                        </m:sSubPr>
+                        <m:e>
+                          <m:r>
+                            <a:rPr lang="en-US" b="0" i="1" smtClean="0">
+                              <a:latin typeface="Cambria Math" panose="02040503050406030204" pitchFamily="18" charset="0"/>
+                            </a:rPr>
+                            <m:t>(</m:t>
+                          </m:r>
+                          <m:r>
+                            <a:rPr lang="en-US" b="0" i="1" smtClean="0">
+                              <a:latin typeface="Cambria Math" panose="02040503050406030204" pitchFamily="18" charset="0"/>
+                            </a:rPr>
+                            <m:t>𝑅</m:t>
+                          </m:r>
+                        </m:e>
+                        <m:sub>
+                          <m:r>
+                            <a:rPr lang="en-US" b="0" i="1" smtClean="0">
+                              <a:latin typeface="Cambria Math" panose="02040503050406030204" pitchFamily="18" charset="0"/>
+                            </a:rPr>
+                            <m:t>0</m:t>
+                          </m:r>
+                        </m:sub>
+                      </m:sSub>
+                      <m:r>
+                        <a:rPr lang="en-US" b="0" i="1" smtClean="0">
+                          <a:latin typeface="Cambria Math" panose="02040503050406030204" pitchFamily="18" charset="0"/>
+                        </a:rPr>
+                        <m:t>⋅0.4</m:t>
+                      </m:r>
+                      <m:r>
+                        <a:rPr lang="en-US" b="0" i="1" smtClean="0">
+                          <a:latin typeface="Cambria Math" panose="02040503050406030204" pitchFamily="18" charset="0"/>
+                          <a:ea typeface="Cambria Math" panose="02040503050406030204" pitchFamily="18" charset="0"/>
+                        </a:rPr>
+                        <m:t>)</m:t>
+                      </m:r>
+                    </m:oMath>
+                  </m:oMathPara>
+                </a14:m>
+                <a:endParaRPr lang="en-US" dirty="0"/>
+              </a:p>
+            </p:txBody>
+          </p:sp>
+        </mc:Choice>
+        <mc:Fallback>
+          <p:sp>
+            <p:nvSpPr>
+              <p:cNvPr id="63" name="TextBox 62">
+                <a:extLst>
+                  <a:ext uri="{FF2B5EF4-FFF2-40B4-BE49-F238E27FC236}">
+                    <a16:creationId xmlns:a16="http://schemas.microsoft.com/office/drawing/2014/main" id="{DEBA4A00-7081-5F45-90DC-241AD1177D62}"/>
+                  </a:ext>
+                </a:extLst>
+              </p:cNvPr>
+              <p:cNvSpPr txBox="1">
+                <a:spLocks noRot="1" noChangeAspect="1" noMove="1" noResize="1" noEditPoints="1" noAdjustHandles="1" noChangeArrowheads="1" noChangeShapeType="1" noTextEdit="1"/>
+              </p:cNvSpPr>
+              <p:nvPr/>
+            </p:nvSpPr>
+            <p:spPr>
+              <a:xfrm>
+                <a:off x="8010684" y="1302139"/>
+                <a:ext cx="1129189" cy="369332"/>
+              </a:xfrm>
+              <a:prstGeom prst="rect">
+                <a:avLst/>
+              </a:prstGeom>
+              <a:blipFill>
+                <a:blip r:embed="rId28"/>
+                <a:stretch>
+                  <a:fillRect b="-10000"/>
+                </a:stretch>
+              </a:blipFill>
+            </p:spPr>
+            <p:txBody>
+              <a:bodyPr/>
+              <a:lstStyle/>
+              <a:p>
+                <a:r>
+                  <a:rPr lang="en-US">
+                    <a:noFill/>
+                  </a:rPr>
+                  <a:t> </a:t>
+                </a:r>
+              </a:p>
+            </p:txBody>
+          </p:sp>
+        </mc:Fallback>
+      </mc:AlternateContent>
+      <mc:AlternateContent xmlns:mc="http://schemas.openxmlformats.org/markup-compatibility/2006">
+        <mc:Choice xmlns:a14="http://schemas.microsoft.com/office/drawing/2010/main" Requires="a14">
+          <p:sp>
+            <p:nvSpPr>
+              <p:cNvPr id="64" name="Oval 63">
+                <a:extLst>
+                  <a:ext uri="{FF2B5EF4-FFF2-40B4-BE49-F238E27FC236}">
+                    <a16:creationId xmlns:a16="http://schemas.microsoft.com/office/drawing/2014/main" id="{CBCA223A-8E13-3B44-A12C-5FE5F4136B9E}"/>
+                  </a:ext>
+                </a:extLst>
+              </p:cNvPr>
+              <p:cNvSpPr/>
+              <p:nvPr/>
+            </p:nvSpPr>
+            <p:spPr>
+              <a:xfrm>
+                <a:off x="4788639" y="643267"/>
+                <a:ext cx="645253" cy="645252"/>
+              </a:xfrm>
+              <a:prstGeom prst="ellipse">
+                <a:avLst/>
+              </a:prstGeom>
+              <a:ln>
+                <a:solidFill>
+                  <a:schemeClr val="tx1"/>
+                </a:solidFill>
+              </a:ln>
+            </p:spPr>
+            <p:style>
+              <a:lnRef idx="2">
+                <a:schemeClr val="accent6"/>
+              </a:lnRef>
+              <a:fillRef idx="1">
+                <a:schemeClr val="lt1"/>
+              </a:fillRef>
+              <a:effectRef idx="0">
+                <a:schemeClr val="accent6"/>
+              </a:effectRef>
+              <a:fontRef idx="minor">
+                <a:schemeClr val="dk1"/>
+              </a:fontRef>
+            </p:style>
+            <p:txBody>
+              <a:bodyPr rtlCol="0" anchor="ctr"/>
+              <a:lstStyle/>
+              <a:p>
+                <a:pPr algn="ctr"/>
+                <a14:m>
+                  <m:oMathPara xmlns:m="http://schemas.openxmlformats.org/officeDocument/2006/math">
+                    <m:oMathParaPr>
+                      <m:jc m:val="centerGroup"/>
+                    </m:oMathParaPr>
+                    <m:oMath xmlns:m="http://schemas.openxmlformats.org/officeDocument/2006/math">
+                      <m:r>
+                        <a:rPr lang="en-US" b="0" i="1" smtClean="0">
+                          <a:latin typeface="Cambria Math" panose="02040503050406030204" pitchFamily="18" charset="0"/>
+                        </a:rPr>
+                        <m:t>𝐸</m:t>
+                      </m:r>
+                    </m:oMath>
+                  </m:oMathPara>
+                </a14:m>
+                <a:endParaRPr lang="en-US" dirty="0"/>
+              </a:p>
+            </p:txBody>
+          </p:sp>
+        </mc:Choice>
+        <mc:Fallback>
+          <p:sp>
+            <p:nvSpPr>
+              <p:cNvPr id="64" name="Oval 63">
+                <a:extLst>
+                  <a:ext uri="{FF2B5EF4-FFF2-40B4-BE49-F238E27FC236}">
+                    <a16:creationId xmlns:a16="http://schemas.microsoft.com/office/drawing/2014/main" id="{CBCA223A-8E13-3B44-A12C-5FE5F4136B9E}"/>
+                  </a:ext>
+                </a:extLst>
+              </p:cNvPr>
+              <p:cNvSpPr>
+                <a:spLocks noRot="1" noChangeAspect="1" noMove="1" noResize="1" noEditPoints="1" noAdjustHandles="1" noChangeArrowheads="1" noChangeShapeType="1" noTextEdit="1"/>
+              </p:cNvSpPr>
+              <p:nvPr/>
+            </p:nvSpPr>
+            <p:spPr>
+              <a:xfrm>
+                <a:off x="4788639" y="643267"/>
+                <a:ext cx="645253" cy="645252"/>
+              </a:xfrm>
+              <a:prstGeom prst="ellipse">
+                <a:avLst/>
+              </a:prstGeom>
+              <a:blipFill>
+                <a:blip r:embed="rId29"/>
+                <a:stretch>
+                  <a:fillRect/>
+                </a:stretch>
+              </a:blipFill>
+              <a:ln>
+                <a:solidFill>
+                  <a:schemeClr val="tx1"/>
+                </a:solidFill>
+              </a:ln>
+            </p:spPr>
+            <p:txBody>
+              <a:bodyPr/>
+              <a:lstStyle/>
+              <a:p>
+                <a:r>
+                  <a:rPr lang="en-US">
+                    <a:noFill/>
+                  </a:rPr>
+                  <a:t> </a:t>
+                </a:r>
+              </a:p>
+            </p:txBody>
+          </p:sp>
+        </mc:Fallback>
+      </mc:AlternateContent>
+      <mc:AlternateContent xmlns:mc="http://schemas.openxmlformats.org/markup-compatibility/2006">
+        <mc:Choice xmlns:a14="http://schemas.microsoft.com/office/drawing/2010/main" Requires="a14">
+          <p:sp>
+            <p:nvSpPr>
+              <p:cNvPr id="69" name="TextBox 68">
+                <a:extLst>
+                  <a:ext uri="{FF2B5EF4-FFF2-40B4-BE49-F238E27FC236}">
+                    <a16:creationId xmlns:a16="http://schemas.microsoft.com/office/drawing/2014/main" id="{E760A6E0-0C54-5747-ACB7-D7F1BDE590A6}"/>
+                  </a:ext>
+                </a:extLst>
+              </p:cNvPr>
+              <p:cNvSpPr txBox="1"/>
+              <p:nvPr/>
+            </p:nvSpPr>
+            <p:spPr>
+              <a:xfrm>
+                <a:off x="4408245" y="1456477"/>
+                <a:ext cx="1096742" cy="369332"/>
+              </a:xfrm>
+              <a:prstGeom prst="rect">
+                <a:avLst/>
+              </a:prstGeom>
+              <a:noFill/>
+            </p:spPr>
+            <p:txBody>
+              <a:bodyPr wrap="square" rtlCol="0">
+                <a:spAutoFit/>
+              </a:bodyPr>
+              <a:lstStyle/>
+              <a:p>
+                <a:pPr/>
+                <a14:m>
+                  <m:oMathPara xmlns:m="http://schemas.openxmlformats.org/officeDocument/2006/math">
+                    <m:oMathParaPr>
+                      <m:jc m:val="centerGroup"/>
+                    </m:oMathParaPr>
+                    <m:oMath xmlns:m="http://schemas.openxmlformats.org/officeDocument/2006/math">
+                      <m:r>
+                        <a:rPr lang="en-US" b="0" i="1" smtClean="0">
+                          <a:latin typeface="Cambria Math" panose="02040503050406030204" pitchFamily="18" charset="0"/>
+                          <a:ea typeface="Cambria Math" panose="02040503050406030204" pitchFamily="18" charset="0"/>
+                        </a:rPr>
+                        <m:t>(</m:t>
+                      </m:r>
+                      <m:r>
+                        <a:rPr lang="en-US" i="1">
+                          <a:latin typeface="Cambria Math" panose="02040503050406030204" pitchFamily="18" charset="0"/>
+                          <a:ea typeface="Cambria Math" panose="02040503050406030204" pitchFamily="18" charset="0"/>
+                        </a:rPr>
+                        <m:t>𝛾</m:t>
+                      </m:r>
+                      <m:r>
+                        <a:rPr lang="en-US" b="0" i="1" smtClean="0">
+                          <a:latin typeface="Cambria Math" panose="02040503050406030204" pitchFamily="18" charset="0"/>
+                          <a:ea typeface="Cambria Math" panose="02040503050406030204" pitchFamily="18" charset="0"/>
+                        </a:rPr>
+                        <m:t>−0.4)</m:t>
+                      </m:r>
+                    </m:oMath>
+                  </m:oMathPara>
+                </a14:m>
+                <a:endParaRPr lang="en-US" dirty="0"/>
+              </a:p>
+            </p:txBody>
+          </p:sp>
+        </mc:Choice>
+        <mc:Fallback>
+          <p:sp>
+            <p:nvSpPr>
+              <p:cNvPr id="69" name="TextBox 68">
+                <a:extLst>
+                  <a:ext uri="{FF2B5EF4-FFF2-40B4-BE49-F238E27FC236}">
+                    <a16:creationId xmlns:a16="http://schemas.microsoft.com/office/drawing/2014/main" id="{E760A6E0-0C54-5747-ACB7-D7F1BDE590A6}"/>
+                  </a:ext>
+                </a:extLst>
+              </p:cNvPr>
+              <p:cNvSpPr txBox="1">
+                <a:spLocks noRot="1" noChangeAspect="1" noMove="1" noResize="1" noEditPoints="1" noAdjustHandles="1" noChangeArrowheads="1" noChangeShapeType="1" noTextEdit="1"/>
+              </p:cNvSpPr>
+              <p:nvPr/>
+            </p:nvSpPr>
+            <p:spPr>
+              <a:xfrm>
+                <a:off x="4408245" y="1456477"/>
+                <a:ext cx="1096742" cy="369332"/>
+              </a:xfrm>
+              <a:prstGeom prst="rect">
+                <a:avLst/>
+              </a:prstGeom>
+              <a:blipFill>
+                <a:blip r:embed="rId30"/>
+                <a:stretch>
+                  <a:fillRect b="-10000"/>
+                </a:stretch>
+              </a:blipFill>
+            </p:spPr>
+            <p:txBody>
+              <a:bodyPr/>
+              <a:lstStyle/>
+              <a:p>
+                <a:r>
+                  <a:rPr lang="en-US">
+                    <a:noFill/>
+                  </a:rPr>
+                  <a:t> </a:t>
+                </a:r>
+              </a:p>
+            </p:txBody>
+          </p:sp>
+        </mc:Fallback>
+      </mc:AlternateContent>
     </p:spTree>
     <p:extLst>
       <p:ext uri="{BB962C8B-B14F-4D97-AF65-F5344CB8AC3E}">
@@ -8963,7 +10813,7 @@
 </p:sld>
 </file>
 
-<file path=ppt/slides/slide3.xml><?xml version="1.0" encoding="utf-8"?>
+<file path=ppt/slides/slide4.xml><?xml version="1.0" encoding="utf-8"?>
 <p:sld xmlns:a="http://schemas.openxmlformats.org/drawingml/2006/main" xmlns:r="http://schemas.openxmlformats.org/officeDocument/2006/relationships" xmlns:p="http://schemas.openxmlformats.org/presentationml/2006/main">
   <p:cSld>
     <p:spTree>
@@ -9025,7 +10875,7 @@
               <p:nvPr>
                 <p:extLst>
                   <p:ext uri="{D42A27DB-BD31-4B8C-83A1-F6EECF244321}">
-                    <p14:modId xmlns:p14="http://schemas.microsoft.com/office/powerpoint/2010/main" val="1815765725"/>
+                    <p14:modId xmlns:p14="http://schemas.microsoft.com/office/powerpoint/2010/main" val="38274417"/>
                   </p:ext>
                 </p:extLst>
               </p:nvPr>
@@ -9154,7 +11004,7 @@
                                       <a:rPr lang="en-US" b="0" i="1" smtClean="0">
                                         <a:latin typeface="Cambria Math" panose="02040503050406030204" pitchFamily="18" charset="0"/>
                                       </a:rPr>
-                                      <m:t>𝑟</m:t>
+                                      <m:t>𝑅</m:t>
                                     </m:r>
                                   </m:e>
                                   <m:sub>
@@ -10149,7 +11999,7 @@
               <p:nvPr>
                 <p:extLst>
                   <p:ext uri="{D42A27DB-BD31-4B8C-83A1-F6EECF244321}">
-                    <p14:modId xmlns:p14="http://schemas.microsoft.com/office/powerpoint/2010/main" val="1815765725"/>
+                    <p14:modId xmlns:p14="http://schemas.microsoft.com/office/powerpoint/2010/main" val="38274417"/>
                   </p:ext>
                 </p:extLst>
               </p:nvPr>
@@ -10824,7 +12674,7 @@
 </p:sld>
 </file>
 
-<file path=ppt/slides/slide4.xml><?xml version="1.0" encoding="utf-8"?>
+<file path=ppt/slides/slide5.xml><?xml version="1.0" encoding="utf-8"?>
 <p:sld xmlns:a="http://schemas.openxmlformats.org/drawingml/2006/main" xmlns:r="http://schemas.openxmlformats.org/officeDocument/2006/relationships" xmlns:p="http://schemas.openxmlformats.org/presentationml/2006/main">
   <p:cSld>
     <p:spTree>
@@ -10882,7 +12732,7 @@
 </p:sld>
 </file>
 
-<file path=ppt/slides/slide5.xml><?xml version="1.0" encoding="utf-8"?>
+<file path=ppt/slides/slide6.xml><?xml version="1.0" encoding="utf-8"?>
 <p:sld xmlns:a="http://schemas.openxmlformats.org/drawingml/2006/main" xmlns:r="http://schemas.openxmlformats.org/officeDocument/2006/relationships" xmlns:p="http://schemas.openxmlformats.org/presentationml/2006/main">
   <p:cSld>
     <p:spTree>
@@ -10899,34 +12749,110 @@
           <a:chExt cx="0" cy="0"/>
         </a:xfrm>
       </p:grpSpPr>
-      <p:sp>
-        <p:nvSpPr>
-          <p:cNvPr id="2" name="Title 1">
-            <a:extLst>
-              <a:ext uri="{FF2B5EF4-FFF2-40B4-BE49-F238E27FC236}">
-                <a16:creationId xmlns:a16="http://schemas.microsoft.com/office/drawing/2014/main" id="{ED3E657E-5B40-7945-8DB1-6D010125D63C}"/>
-              </a:ext>
-            </a:extLst>
-          </p:cNvPr>
-          <p:cNvSpPr>
-            <a:spLocks noGrp="1"/>
-          </p:cNvSpPr>
-          <p:nvPr>
-            <p:ph type="title"/>
-          </p:nvPr>
-        </p:nvSpPr>
-        <p:spPr/>
-        <p:txBody>
-          <a:bodyPr/>
-          <a:lstStyle/>
-          <a:p>
-            <a:r>
-              <a:rPr lang="en-US" dirty="0"/>
-              <a:t>Non-linear optimization formulation</a:t>
-            </a:r>
-          </a:p>
-        </p:txBody>
-      </p:sp>
+      <mc:AlternateContent xmlns:mc="http://schemas.openxmlformats.org/markup-compatibility/2006">
+        <mc:Choice xmlns:a14="http://schemas.microsoft.com/office/drawing/2010/main" Requires="a14">
+          <p:sp>
+            <p:nvSpPr>
+              <p:cNvPr id="2" name="Title 1">
+                <a:extLst>
+                  <a:ext uri="{FF2B5EF4-FFF2-40B4-BE49-F238E27FC236}">
+                    <a16:creationId xmlns:a16="http://schemas.microsoft.com/office/drawing/2014/main" id="{ED3E657E-5B40-7945-8DB1-6D010125D63C}"/>
+                  </a:ext>
+                </a:extLst>
+              </p:cNvPr>
+              <p:cNvSpPr>
+                <a:spLocks noGrp="1"/>
+              </p:cNvSpPr>
+              <p:nvPr>
+                <p:ph type="title"/>
+              </p:nvPr>
+            </p:nvSpPr>
+            <p:spPr/>
+            <p:txBody>
+              <a:bodyPr/>
+              <a:lstStyle/>
+              <a:p>
+                <a:r>
+                  <a:rPr lang="en-US" dirty="0"/>
+                  <a:t>How do we find </a:t>
+                </a:r>
+                <a14:m>
+                  <m:oMath xmlns:m="http://schemas.openxmlformats.org/officeDocument/2006/math">
+                    <m:sSub>
+                      <m:sSubPr>
+                        <m:ctrlPr>
+                          <a:rPr lang="en-US" i="1">
+                            <a:latin typeface="Cambria Math" panose="02040503050406030204" pitchFamily="18" charset="0"/>
+                          </a:rPr>
+                        </m:ctrlPr>
+                      </m:sSubPr>
+                      <m:e>
+                        <m:r>
+                          <a:rPr lang="en-US" i="1">
+                            <a:latin typeface="Cambria Math" panose="02040503050406030204" pitchFamily="18" charset="0"/>
+                          </a:rPr>
+                          <m:t>𝑑</m:t>
+                        </m:r>
+                      </m:e>
+                      <m:sub>
+                        <m:r>
+                          <a:rPr lang="en-US" i="1">
+                            <a:latin typeface="Cambria Math" panose="02040503050406030204" pitchFamily="18" charset="0"/>
+                          </a:rPr>
+                          <m:t>𝐼</m:t>
+                        </m:r>
+                      </m:sub>
+                    </m:sSub>
+                  </m:oMath>
+                </a14:m>
+                <a:r>
+                  <a:rPr lang="en-US" dirty="0"/>
+                  <a:t>?</a:t>
+                </a:r>
+              </a:p>
+            </p:txBody>
+          </p:sp>
+        </mc:Choice>
+        <mc:Fallback>
+          <p:sp>
+            <p:nvSpPr>
+              <p:cNvPr id="2" name="Title 1">
+                <a:extLst>
+                  <a:ext uri="{FF2B5EF4-FFF2-40B4-BE49-F238E27FC236}">
+                    <a16:creationId xmlns:a16="http://schemas.microsoft.com/office/drawing/2014/main" id="{ED3E657E-5B40-7945-8DB1-6D010125D63C}"/>
+                  </a:ext>
+                </a:extLst>
+              </p:cNvPr>
+              <p:cNvSpPr>
+                <a:spLocks noGrp="1" noRot="1" noChangeAspect="1" noMove="1" noResize="1" noEditPoints="1" noAdjustHandles="1" noChangeArrowheads="1" noChangeShapeType="1" noTextEdit="1"/>
+              </p:cNvSpPr>
+              <p:nvPr>
+                <p:ph type="title"/>
+              </p:nvPr>
+            </p:nvSpPr>
+            <p:spPr>
+              <a:blipFill>
+                <a:blip r:embed="rId3"/>
+                <a:stretch>
+                  <a:fillRect l="-2292"/>
+                </a:stretch>
+              </a:blipFill>
+            </p:spPr>
+            <p:txBody>
+              <a:bodyPr/>
+              <a:lstStyle/>
+              <a:p>
+                <a:r>
+                  <a:rPr lang="en-US">
+                    <a:noFill/>
+                  </a:rPr>
+                  <a:t> </a:t>
+                </a:r>
+              </a:p>
+            </p:txBody>
+          </p:sp>
+        </mc:Fallback>
+      </mc:AlternateContent>
       <mc:AlternateContent xmlns:mc="http://schemas.openxmlformats.org/markup-compatibility/2006">
         <mc:Choice xmlns:a14="http://schemas.microsoft.com/office/drawing/2010/main" Requires="a14">
           <p:sp>
@@ -10947,12 +12873,54 @@
             </p:nvSpPr>
             <p:spPr/>
             <p:txBody>
-              <a:bodyPr/>
+              <a:bodyPr>
+                <a:normAutofit fontScale="92500"/>
+              </a:bodyPr>
               <a:lstStyle/>
               <a:p>
                 <a:r>
                   <a:rPr lang="en-US" dirty="0"/>
                   <a:t>Objective</a:t>
+                </a:r>
+              </a:p>
+              <a:p>
+                <a:pPr lvl="1"/>
+                <a:r>
+                  <a:rPr lang="en-US" dirty="0"/>
+                  <a:t>We want to find such a value of </a:t>
+                </a:r>
+                <a14:m>
+                  <m:oMath xmlns:m="http://schemas.openxmlformats.org/officeDocument/2006/math">
+                    <m:sSub>
+                      <m:sSubPr>
+                        <m:ctrlPr>
+                          <a:rPr lang="en-US" i="1">
+                            <a:latin typeface="Cambria Math" panose="02040503050406030204" pitchFamily="18" charset="0"/>
+                          </a:rPr>
+                        </m:ctrlPr>
+                      </m:sSubPr>
+                      <m:e>
+                        <m:r>
+                          <a:rPr lang="en-US" i="1">
+                            <a:latin typeface="Cambria Math" panose="02040503050406030204" pitchFamily="18" charset="0"/>
+                          </a:rPr>
+                          <m:t>𝑑</m:t>
+                        </m:r>
+                      </m:e>
+                      <m:sub>
+                        <m:r>
+                          <a:rPr lang="en-US" i="1">
+                            <a:latin typeface="Cambria Math" panose="02040503050406030204" pitchFamily="18" charset="0"/>
+                          </a:rPr>
+                          <m:t>𝐼</m:t>
+                        </m:r>
+                      </m:sub>
+                    </m:sSub>
+                  </m:oMath>
+                </a14:m>
+                <a:r>
+                  <a:rPr lang="en-US" dirty="0"/>
+                  <a:t>, which will reproduce same number of diagnosed cases as that of available data. Therefore the objective function is as follows,</a:t>
                 </a:r>
               </a:p>
               <a:p>
@@ -10968,7 +12936,7 @@
                       <m:sSup>
                         <m:sSupPr>
                           <m:ctrlPr>
-                            <a:rPr lang="en-US" b="0" i="1" smtClean="0">
+                            <a:rPr lang="en-US" i="1">
                               <a:latin typeface="Cambria Math" panose="02040503050406030204" pitchFamily="18" charset="0"/>
                             </a:rPr>
                           </m:ctrlPr>
@@ -10977,14 +12945,14 @@
                           <m:func>
                             <m:funcPr>
                               <m:ctrlPr>
-                                <a:rPr lang="en-US" b="0" i="1" smtClean="0">
+                                <a:rPr lang="en-US" i="1">
                                   <a:latin typeface="Cambria Math" panose="02040503050406030204" pitchFamily="18" charset="0"/>
                                 </a:rPr>
                               </m:ctrlPr>
                             </m:funcPr>
                             <m:fName>
                               <m:r>
-                                <a:rPr lang="en-US" b="0" i="1" smtClean="0">
+                                <a:rPr lang="en-US" i="1">
                                   <a:latin typeface="Cambria Math" panose="02040503050406030204" pitchFamily="18" charset="0"/>
                                 </a:rPr>
                                 <m:t>𝑚𝑖𝑛</m:t>
@@ -10994,66 +12962,78 @@
                               <m:d>
                                 <m:dPr>
                                   <m:ctrlPr>
-                                    <a:rPr lang="en-US" b="0" i="1" smtClean="0">
+                                    <a:rPr lang="en-US" i="1">
                                       <a:latin typeface="Cambria Math" panose="02040503050406030204" pitchFamily="18" charset="0"/>
                                     </a:rPr>
                                   </m:ctrlPr>
                                 </m:dPr>
                                 <m:e>
-                                  <m:acc>
-                                    <m:accPr>
-                                      <m:chr m:val="̂"/>
+                                  <m:sSub>
+                                    <m:sSubPr>
                                       <m:ctrlPr>
-                                        <a:rPr lang="en-US" b="0" i="1" smtClean="0">
+                                        <a:rPr lang="en-US" i="1">
                                           <a:latin typeface="Cambria Math" panose="02040503050406030204" pitchFamily="18" charset="0"/>
                                         </a:rPr>
                                       </m:ctrlPr>
-                                    </m:accPr>
+                                    </m:sSubPr>
                                     <m:e>
-                                      <m:sSub>
-                                        <m:sSubPr>
+                                      <m:acc>
+                                        <m:accPr>
+                                          <m:chr m:val="̂"/>
                                           <m:ctrlPr>
-                                            <a:rPr lang="en-US" b="0" i="1" smtClean="0">
+                                            <a:rPr lang="en-US" i="1">
                                               <a:latin typeface="Cambria Math" panose="02040503050406030204" pitchFamily="18" charset="0"/>
                                             </a:rPr>
                                           </m:ctrlPr>
-                                        </m:sSubPr>
+                                        </m:accPr>
                                         <m:e>
                                           <m:r>
-                                            <a:rPr lang="en-US" b="0" i="1" smtClean="0">
+                                            <a:rPr lang="en-US" i="1">
                                               <a:latin typeface="Cambria Math" panose="02040503050406030204" pitchFamily="18" charset="0"/>
                                             </a:rPr>
                                             <m:t>𝐼</m:t>
                                           </m:r>
                                         </m:e>
-                                        <m:sub>
-                                          <m:r>
-                                            <a:rPr lang="en-US" b="0" i="1" smtClean="0">
-                                              <a:latin typeface="Cambria Math" panose="02040503050406030204" pitchFamily="18" charset="0"/>
-                                            </a:rPr>
-                                            <m:t>𝑡</m:t>
-                                          </m:r>
-                                        </m:sub>
-                                      </m:sSub>
+                                      </m:acc>
                                     </m:e>
-                                  </m:acc>
+                                    <m:sub>
+                                      <m:r>
+                                        <a:rPr lang="en-US" i="1">
+                                          <a:latin typeface="Cambria Math" panose="02040503050406030204" pitchFamily="18" charset="0"/>
+                                        </a:rPr>
+                                        <m:t>𝑑</m:t>
+                                      </m:r>
+                                    </m:sub>
+                                  </m:sSub>
                                   <m:r>
-                                    <a:rPr lang="en-US" b="0" i="1" smtClean="0">
+                                    <a:rPr lang="en-US" i="1">
                                       <a:latin typeface="Cambria Math" panose="02040503050406030204" pitchFamily="18" charset="0"/>
                                     </a:rPr>
-                                    <m:t>−</m:t>
+                                    <m:t>(</m:t>
+                                  </m:r>
+                                  <m:r>
+                                    <a:rPr lang="en-US" i="1">
+                                      <a:latin typeface="Cambria Math" panose="02040503050406030204" pitchFamily="18" charset="0"/>
+                                    </a:rPr>
+                                    <m:t>𝑡</m:t>
+                                  </m:r>
+                                  <m:r>
+                                    <a:rPr lang="en-US" i="1">
+                                      <a:latin typeface="Cambria Math" panose="02040503050406030204" pitchFamily="18" charset="0"/>
+                                    </a:rPr>
+                                    <m:t>)−</m:t>
                                   </m:r>
                                   <m:sSub>
                                     <m:sSubPr>
                                       <m:ctrlPr>
-                                        <a:rPr lang="en-US" b="0" i="1" smtClean="0">
+                                        <a:rPr lang="en-US" i="1">
                                           <a:latin typeface="Cambria Math" panose="02040503050406030204" pitchFamily="18" charset="0"/>
                                         </a:rPr>
                                       </m:ctrlPr>
                                     </m:sSubPr>
                                     <m:e>
                                       <m:r>
-                                        <a:rPr lang="en-US" b="0" i="1" smtClean="0">
+                                        <a:rPr lang="en-US" i="1">
                                           <a:latin typeface="Cambria Math" panose="02040503050406030204" pitchFamily="18" charset="0"/>
                                         </a:rPr>
                                         <m:t>𝐼</m:t>
@@ -11061,13 +13041,31 @@
                                     </m:e>
                                     <m:sub>
                                       <m:r>
-                                        <a:rPr lang="en-US" b="0" i="1" smtClean="0">
+                                        <a:rPr lang="en-US" i="1">
                                           <a:latin typeface="Cambria Math" panose="02040503050406030204" pitchFamily="18" charset="0"/>
                                         </a:rPr>
-                                        <m:t>𝑡</m:t>
+                                        <m:t>𝑑</m:t>
                                       </m:r>
                                     </m:sub>
                                   </m:sSub>
+                                  <m:r>
+                                    <a:rPr lang="en-US" i="1">
+                                      <a:latin typeface="Cambria Math" panose="02040503050406030204" pitchFamily="18" charset="0"/>
+                                    </a:rPr>
+                                    <m:t>(</m:t>
+                                  </m:r>
+                                  <m:r>
+                                    <a:rPr lang="en-US" i="1">
+                                      <a:latin typeface="Cambria Math" panose="02040503050406030204" pitchFamily="18" charset="0"/>
+                                    </a:rPr>
+                                    <m:t>𝑡</m:t>
+                                  </m:r>
+                                  <m:r>
+                                    <a:rPr lang="en-US" i="1">
+                                      <a:latin typeface="Cambria Math" panose="02040503050406030204" pitchFamily="18" charset="0"/>
+                                    </a:rPr>
+                                    <m:t>)</m:t>
+                                  </m:r>
                                 </m:e>
                               </m:d>
                             </m:e>
@@ -11075,7 +13073,7 @@
                         </m:e>
                         <m:sup>
                           <m:r>
-                            <a:rPr lang="en-US" b="0" i="1" smtClean="0">
+                            <a:rPr lang="en-US" i="1">
                               <a:latin typeface="Cambria Math" panose="02040503050406030204" pitchFamily="18" charset="0"/>
                             </a:rPr>
                             <m:t>2</m:t>
@@ -11083,30 +13081,67 @@
                         </m:sup>
                       </m:sSup>
                       <m:r>
-                        <a:rPr lang="en-US" b="0" i="1" smtClean="0">
+                        <a:rPr lang="en-US" i="1">
                           <a:latin typeface="Cambria Math" panose="02040503050406030204" pitchFamily="18" charset="0"/>
                           <a:ea typeface="Cambria Math" panose="02040503050406030204" pitchFamily="18" charset="0"/>
                         </a:rPr>
                         <m:t>∀</m:t>
                       </m:r>
                       <m:r>
-                        <a:rPr lang="en-US" b="0" i="1" smtClean="0">
+                        <a:rPr lang="en-US" i="1">
                           <a:latin typeface="Cambria Math" panose="02040503050406030204" pitchFamily="18" charset="0"/>
                           <a:ea typeface="Cambria Math" panose="02040503050406030204" pitchFamily="18" charset="0"/>
                         </a:rPr>
                         <m:t>𝑡</m:t>
                       </m:r>
                       <m:r>
-                        <a:rPr lang="en-US" b="0" i="1" smtClean="0">
+                        <a:rPr lang="en-US" i="1">
                           <a:latin typeface="Cambria Math" panose="02040503050406030204" pitchFamily="18" charset="0"/>
                           <a:ea typeface="Cambria Math" panose="02040503050406030204" pitchFamily="18" charset="0"/>
                         </a:rPr>
-                        <m:t>∈{0,1,2, … ,70}</m:t>
+                        <m:t>∈</m:t>
                       </m:r>
+                      <m:r>
+                        <a:rPr lang="en-US" i="1">
+                          <a:latin typeface="Cambria Math" panose="02040503050406030204" pitchFamily="18" charset="0"/>
+                          <a:ea typeface="Cambria Math" panose="02040503050406030204" pitchFamily="18" charset="0"/>
+                        </a:rPr>
+                        <m:t>𝑑𝑎𝑦</m:t>
+                      </m:r>
+                      <m:r>
+                        <a:rPr lang="en-US" i="1">
+                          <a:latin typeface="Cambria Math" panose="02040503050406030204" pitchFamily="18" charset="0"/>
+                          <a:ea typeface="Cambria Math" panose="02040503050406030204" pitchFamily="18" charset="0"/>
+                        </a:rPr>
+                        <m:t>=</m:t>
+                      </m:r>
+                      <m:d>
+                        <m:dPr>
+                          <m:begChr m:val="{"/>
+                          <m:endChr m:val="}"/>
+                          <m:ctrlPr>
+                            <a:rPr lang="en-US" i="1">
+                              <a:latin typeface="Cambria Math" panose="02040503050406030204" pitchFamily="18" charset="0"/>
+                              <a:ea typeface="Cambria Math" panose="02040503050406030204" pitchFamily="18" charset="0"/>
+                            </a:rPr>
+                          </m:ctrlPr>
+                        </m:dPr>
+                        <m:e>
+                          <m:r>
+                            <a:rPr lang="en-US" i="1">
+                              <a:latin typeface="Cambria Math" panose="02040503050406030204" pitchFamily="18" charset="0"/>
+                              <a:ea typeface="Cambria Math" panose="02040503050406030204" pitchFamily="18" charset="0"/>
+                            </a:rPr>
+                            <m:t>0,1,2, … ,70</m:t>
+                          </m:r>
+                        </m:e>
+                      </m:d>
                     </m:oMath>
                   </m:oMathPara>
                 </a14:m>
-                <a:endParaRPr lang="en-US" dirty="0"/>
+                <a:endParaRPr lang="en-US" dirty="0">
+                  <a:ea typeface="Cambria Math" panose="02040503050406030204" pitchFamily="18" charset="0"/>
+                </a:endParaRPr>
               </a:p>
               <a:p>
                 <a:pPr marL="457200" lvl="1" indent="0">
@@ -11114,28 +13149,28 @@
                 </a:pPr>
                 <a:r>
                   <a:rPr lang="en-US" dirty="0"/>
-                  <a:t>Where, </a:t>
+                  <a:t>i.e. we minimize the squared error between the model output (</a:t>
                 </a:r>
                 <a14:m>
                   <m:oMath xmlns:m="http://schemas.openxmlformats.org/officeDocument/2006/math">
-                    <m:acc>
-                      <m:accPr>
-                        <m:chr m:val="̂"/>
+                    <m:sSub>
+                      <m:sSubPr>
                         <m:ctrlPr>
                           <a:rPr lang="en-US" i="1">
                             <a:latin typeface="Cambria Math" panose="02040503050406030204" pitchFamily="18" charset="0"/>
                           </a:rPr>
                         </m:ctrlPr>
-                      </m:accPr>
+                      </m:sSubPr>
                       <m:e>
-                        <m:sSub>
-                          <m:sSubPr>
+                        <m:acc>
+                          <m:accPr>
+                            <m:chr m:val="̂"/>
                             <m:ctrlPr>
                               <a:rPr lang="en-US" i="1">
                                 <a:latin typeface="Cambria Math" panose="02040503050406030204" pitchFamily="18" charset="0"/>
                               </a:rPr>
                             </m:ctrlPr>
-                          </m:sSubPr>
+                          </m:accPr>
                           <m:e>
                             <m:r>
                               <a:rPr lang="en-US" i="1">
@@ -11144,37 +13179,22 @@
                               <m:t>𝐼</m:t>
                             </m:r>
                           </m:e>
-                          <m:sub>
-                            <m:r>
-                              <a:rPr lang="en-US" i="1">
-                                <a:latin typeface="Cambria Math" panose="02040503050406030204" pitchFamily="18" charset="0"/>
-                              </a:rPr>
-                              <m:t>𝑡</m:t>
-                            </m:r>
-                          </m:sub>
-                        </m:sSub>
+                        </m:acc>
                       </m:e>
-                    </m:acc>
+                      <m:sub>
+                        <m:r>
+                          <a:rPr lang="en-US" i="1">
+                            <a:latin typeface="Cambria Math" panose="02040503050406030204" pitchFamily="18" charset="0"/>
+                          </a:rPr>
+                          <m:t>𝑑</m:t>
+                        </m:r>
+                      </m:sub>
+                    </m:sSub>
                   </m:oMath>
                 </a14:m>
                 <a:r>
                   <a:rPr lang="en-US" dirty="0"/>
-                  <a:t> is model estimate of incident cases at time </a:t>
-                </a:r>
-                <a14:m>
-                  <m:oMath xmlns:m="http://schemas.openxmlformats.org/officeDocument/2006/math">
-                    <m:r>
-                      <a:rPr lang="en-US" i="1">
-                        <a:latin typeface="Cambria Math" panose="02040503050406030204" pitchFamily="18" charset="0"/>
-                        <a:ea typeface="Cambria Math" panose="02040503050406030204" pitchFamily="18" charset="0"/>
-                      </a:rPr>
-                      <m:t>𝑡</m:t>
-                    </m:r>
-                  </m:oMath>
-                </a14:m>
-                <a:r>
-                  <a:rPr lang="en-US" dirty="0"/>
-                  <a:t>, and </a:t>
+                  <a:t>) and data (</a:t>
                 </a:r>
                 <a14:m>
                   <m:oMath xmlns:m="http://schemas.openxmlformats.org/officeDocument/2006/math">
@@ -11199,7 +13219,7 @@
                           <a:rPr lang="en-US" i="1">
                             <a:latin typeface="Cambria Math" panose="02040503050406030204" pitchFamily="18" charset="0"/>
                           </a:rPr>
-                          <m:t>𝑡</m:t>
+                          <m:t>𝑑</m:t>
                         </m:r>
                       </m:sub>
                     </m:sSub>
@@ -11207,8 +13227,114 @@
                 </a14:m>
                 <a:r>
                   <a:rPr lang="en-US" dirty="0"/>
-                  <a:t>is available data of incident cases from ICMR</a:t>
+                  <a:t>), for each day (i.e. we do it for each value of ‘</a:t>
                 </a:r>
+                <a14:m>
+                  <m:oMath xmlns:m="http://schemas.openxmlformats.org/officeDocument/2006/math">
+                    <m:r>
+                      <a:rPr lang="en-US" i="1">
+                        <a:latin typeface="Cambria Math" panose="02040503050406030204" pitchFamily="18" charset="0"/>
+                      </a:rPr>
+                      <m:t>𝑡</m:t>
+                    </m:r>
+                  </m:oMath>
+                </a14:m>
+                <a:r>
+                  <a:rPr lang="en-US" dirty="0"/>
+                  <a:t>’ or ‘day’, for which data is available)</a:t>
+                </a:r>
+              </a:p>
+              <a:p>
+                <a:r>
+                  <a:rPr lang="en-US" dirty="0"/>
+                  <a:t>Constraints on </a:t>
+                </a:r>
+                <a14:m>
+                  <m:oMath xmlns:m="http://schemas.openxmlformats.org/officeDocument/2006/math">
+                    <m:sSub>
+                      <m:sSubPr>
+                        <m:ctrlPr>
+                          <a:rPr lang="en-US" i="1">
+                            <a:latin typeface="Cambria Math" panose="02040503050406030204" pitchFamily="18" charset="0"/>
+                          </a:rPr>
+                        </m:ctrlPr>
+                      </m:sSubPr>
+                      <m:e>
+                        <m:r>
+                          <a:rPr lang="en-US" i="1">
+                            <a:latin typeface="Cambria Math" panose="02040503050406030204" pitchFamily="18" charset="0"/>
+                          </a:rPr>
+                          <m:t>𝑑</m:t>
+                        </m:r>
+                      </m:e>
+                      <m:sub>
+                        <m:r>
+                          <a:rPr lang="en-US" i="1">
+                            <a:latin typeface="Cambria Math" panose="02040503050406030204" pitchFamily="18" charset="0"/>
+                          </a:rPr>
+                          <m:t>𝐼</m:t>
+                        </m:r>
+                      </m:sub>
+                    </m:sSub>
+                  </m:oMath>
+                </a14:m>
+                <a:endParaRPr lang="en-US" dirty="0"/>
+              </a:p>
+              <a:p>
+                <a:pPr lvl="1"/>
+                <a:r>
+                  <a:rPr lang="en-US" dirty="0"/>
+                  <a:t>No constraints on </a:t>
+                </a:r>
+                <a14:m>
+                  <m:oMath xmlns:m="http://schemas.openxmlformats.org/officeDocument/2006/math">
+                    <m:sSub>
+                      <m:sSubPr>
+                        <m:ctrlPr>
+                          <a:rPr lang="en-US" i="1">
+                            <a:latin typeface="Cambria Math" panose="02040503050406030204" pitchFamily="18" charset="0"/>
+                          </a:rPr>
+                        </m:ctrlPr>
+                      </m:sSubPr>
+                      <m:e>
+                        <m:r>
+                          <a:rPr lang="en-US" i="1">
+                            <a:latin typeface="Cambria Math" panose="02040503050406030204" pitchFamily="18" charset="0"/>
+                          </a:rPr>
+                          <m:t>𝑑</m:t>
+                        </m:r>
+                      </m:e>
+                      <m:sub>
+                        <m:r>
+                          <a:rPr lang="en-US" i="1">
+                            <a:latin typeface="Cambria Math" panose="02040503050406030204" pitchFamily="18" charset="0"/>
+                          </a:rPr>
+                          <m:t>𝐼</m:t>
+                        </m:r>
+                      </m:sub>
+                    </m:sSub>
+                  </m:oMath>
+                </a14:m>
+                <a:r>
+                  <a:rPr lang="en-US" dirty="0"/>
+                  <a:t>, i.e. it can take values from –inf to +inf</a:t>
+                </a:r>
+              </a:p>
+              <a:p>
+                <a:r>
+                  <a:rPr lang="en-US" dirty="0"/>
+                  <a:t>Solution methodology</a:t>
+                </a:r>
+              </a:p>
+              <a:p>
+                <a:pPr lvl="1"/>
+                <a:r>
+                  <a:rPr lang="en-US" dirty="0"/>
+                  <a:t>Levenberg-Marquardt algorithm</a:t>
+                </a:r>
+              </a:p>
+              <a:p>
+                <a:endParaRPr lang="en-US" dirty="0"/>
               </a:p>
               <a:p>
                 <a:pPr marL="457200" lvl="1" indent="0">
@@ -11220,321 +13346,519 @@
                 <a:pPr marL="457200" lvl="1" indent="0">
                   <a:buNone/>
                 </a:pPr>
+                <a:endParaRPr lang="en-US" dirty="0"/>
+              </a:p>
+            </p:txBody>
+          </p:sp>
+        </mc:Choice>
+        <mc:Fallback>
+          <p:sp>
+            <p:nvSpPr>
+              <p:cNvPr id="3" name="Content Placeholder 2">
+                <a:extLst>
+                  <a:ext uri="{FF2B5EF4-FFF2-40B4-BE49-F238E27FC236}">
+                    <a16:creationId xmlns:a16="http://schemas.microsoft.com/office/drawing/2014/main" id="{3036027D-5D8A-B146-AAF6-B97C0D661913}"/>
+                  </a:ext>
+                </a:extLst>
+              </p:cNvPr>
+              <p:cNvSpPr>
+                <a:spLocks noGrp="1" noRot="1" noChangeAspect="1" noMove="1" noResize="1" noEditPoints="1" noAdjustHandles="1" noChangeArrowheads="1" noChangeShapeType="1" noTextEdit="1"/>
+              </p:cNvSpPr>
+              <p:nvPr>
+                <p:ph idx="1"/>
+              </p:nvPr>
+            </p:nvSpPr>
+            <p:spPr>
+              <a:blipFill>
+                <a:blip r:embed="rId4"/>
+                <a:stretch>
+                  <a:fillRect l="-844" t="-2339" r="-241"/>
+                </a:stretch>
+              </a:blipFill>
+            </p:spPr>
+            <p:txBody>
+              <a:bodyPr/>
+              <a:lstStyle/>
+              <a:p>
+                <a:r>
+                  <a:rPr lang="en-US">
+                    <a:noFill/>
+                  </a:rPr>
+                  <a:t> </a:t>
+                </a:r>
+              </a:p>
+            </p:txBody>
+          </p:sp>
+        </mc:Fallback>
+      </mc:AlternateContent>
+    </p:spTree>
+    <p:extLst>
+      <p:ext uri="{BB962C8B-B14F-4D97-AF65-F5344CB8AC3E}">
+        <p14:creationId xmlns:p14="http://schemas.microsoft.com/office/powerpoint/2010/main" val="1106818555"/>
+      </p:ext>
+    </p:extLst>
+  </p:cSld>
+  <p:clrMapOvr>
+    <a:masterClrMapping/>
+  </p:clrMapOvr>
+</p:sld>
+</file>
+
+<file path=ppt/slides/slide7.xml><?xml version="1.0" encoding="utf-8"?>
+<p:sld xmlns:a="http://schemas.openxmlformats.org/drawingml/2006/main" xmlns:r="http://schemas.openxmlformats.org/officeDocument/2006/relationships" xmlns:p="http://schemas.openxmlformats.org/presentationml/2006/main">
+  <p:cSld>
+    <p:spTree>
+      <p:nvGrpSpPr>
+        <p:cNvPr id="1" name=""/>
+        <p:cNvGrpSpPr/>
+        <p:nvPr/>
+      </p:nvGrpSpPr>
+      <p:grpSpPr>
+        <a:xfrm>
+          <a:off x="0" y="0"/>
+          <a:ext cx="0" cy="0"/>
+          <a:chOff x="0" y="0"/>
+          <a:chExt cx="0" cy="0"/>
+        </a:xfrm>
+      </p:grpSpPr>
+      <p:sp>
+        <p:nvSpPr>
+          <p:cNvPr id="2" name="Title 1">
+            <a:extLst>
+              <a:ext uri="{FF2B5EF4-FFF2-40B4-BE49-F238E27FC236}">
+                <a16:creationId xmlns:a16="http://schemas.microsoft.com/office/drawing/2014/main" id="{0AF2F997-DE87-814E-9F91-194B96F7A2F7}"/>
+              </a:ext>
+            </a:extLst>
+          </p:cNvPr>
+          <p:cNvSpPr>
+            <a:spLocks noGrp="1"/>
+          </p:cNvSpPr>
+          <p:nvPr>
+            <p:ph type="title"/>
+          </p:nvPr>
+        </p:nvSpPr>
+        <p:spPr/>
+        <p:txBody>
+          <a:bodyPr/>
+          <a:lstStyle/>
+          <a:p>
+            <a:r>
+              <a:rPr lang="en-US" dirty="0"/>
+              <a:t>Objective function in terms of our Markov model</a:t>
+            </a:r>
+          </a:p>
+        </p:txBody>
+      </p:sp>
+      <mc:AlternateContent xmlns:mc="http://schemas.openxmlformats.org/markup-compatibility/2006">
+        <mc:Choice xmlns:a14="http://schemas.microsoft.com/office/drawing/2010/main" Requires="a14">
+          <p:sp>
+            <p:nvSpPr>
+              <p:cNvPr id="3" name="Content Placeholder 2">
+                <a:extLst>
+                  <a:ext uri="{FF2B5EF4-FFF2-40B4-BE49-F238E27FC236}">
+                    <a16:creationId xmlns:a16="http://schemas.microsoft.com/office/drawing/2014/main" id="{96485268-EBAF-1547-ABCA-DF85AE99F313}"/>
+                  </a:ext>
+                </a:extLst>
+              </p:cNvPr>
+              <p:cNvSpPr>
+                <a:spLocks noGrp="1"/>
+              </p:cNvSpPr>
+              <p:nvPr>
+                <p:ph idx="1"/>
+              </p:nvPr>
+            </p:nvSpPr>
+            <p:spPr/>
+            <p:txBody>
+              <a:bodyPr>
+                <a:normAutofit fontScale="62500" lnSpcReduction="20000"/>
+              </a:bodyPr>
+              <a:lstStyle/>
+              <a:p>
                 <a:r>
                   <a:rPr lang="en-US" dirty="0"/>
-                  <a:t>Rewriting objective, </a:t>
+                  <a:t>Rewriting objective</a:t>
                 </a:r>
+              </a:p>
+              <a:p>
+                <a:pPr marL="457200" lvl="1" indent="0">
+                  <a:buNone/>
+                </a:pPr>
                 <a14:m>
-                  <m:oMath xmlns:m="http://schemas.openxmlformats.org/officeDocument/2006/math">
-                    <m:sSup>
-                      <m:sSupPr>
-                        <m:ctrlPr>
-                          <a:rPr lang="en-US" i="1">
-                            <a:latin typeface="Cambria Math" panose="02040503050406030204" pitchFamily="18" charset="0"/>
-                          </a:rPr>
-                        </m:ctrlPr>
-                      </m:sSupPr>
-                      <m:e>
-                        <m:func>
-                          <m:funcPr>
-                            <m:ctrlPr>
-                              <a:rPr lang="en-US" i="1">
-                                <a:latin typeface="Cambria Math" panose="02040503050406030204" pitchFamily="18" charset="0"/>
-                              </a:rPr>
-                            </m:ctrlPr>
-                          </m:funcPr>
-                          <m:fName>
-                            <m:r>
-                              <a:rPr lang="en-US" i="1">
-                                <a:latin typeface="Cambria Math" panose="02040503050406030204" pitchFamily="18" charset="0"/>
-                              </a:rPr>
-                              <m:t>𝑚𝑖𝑛</m:t>
-                            </m:r>
-                          </m:fName>
-                          <m:e>
-                            <m:d>
-                              <m:dPr>
-                                <m:ctrlPr>
-                                  <a:rPr lang="en-US" i="1">
-                                    <a:latin typeface="Cambria Math" panose="02040503050406030204" pitchFamily="18" charset="0"/>
-                                  </a:rPr>
-                                </m:ctrlPr>
-                              </m:dPr>
-                              <m:e>
-                                <m:acc>
-                                  <m:accPr>
-                                    <m:chr m:val="̂"/>
-                                    <m:ctrlPr>
-                                      <a:rPr lang="en-US" i="1">
-                                        <a:latin typeface="Cambria Math" panose="02040503050406030204" pitchFamily="18" charset="0"/>
-                                      </a:rPr>
-                                    </m:ctrlPr>
-                                  </m:accPr>
-                                  <m:e>
-                                    <m:sSub>
-                                      <m:sSubPr>
-                                        <m:ctrlPr>
-                                          <a:rPr lang="en-US" i="1">
-                                            <a:latin typeface="Cambria Math" panose="02040503050406030204" pitchFamily="18" charset="0"/>
-                                          </a:rPr>
-                                        </m:ctrlPr>
-                                      </m:sSubPr>
-                                      <m:e>
-                                        <m:r>
-                                          <a:rPr lang="en-US" i="1">
-                                            <a:latin typeface="Cambria Math" panose="02040503050406030204" pitchFamily="18" charset="0"/>
-                                          </a:rPr>
-                                          <m:t>𝐼</m:t>
-                                        </m:r>
-                                      </m:e>
-                                      <m:sub>
-                                        <m:r>
-                                          <a:rPr lang="en-US" i="1">
-                                            <a:latin typeface="Cambria Math" panose="02040503050406030204" pitchFamily="18" charset="0"/>
-                                          </a:rPr>
-                                          <m:t>𝑡</m:t>
-                                        </m:r>
-                                      </m:sub>
-                                    </m:sSub>
-                                  </m:e>
-                                </m:acc>
-                                <m:r>
-                                  <a:rPr lang="en-US" i="1">
-                                    <a:latin typeface="Cambria Math" panose="02040503050406030204" pitchFamily="18" charset="0"/>
-                                  </a:rPr>
-                                  <m:t>−</m:t>
-                                </m:r>
-                                <m:sSub>
-                                  <m:sSubPr>
-                                    <m:ctrlPr>
-                                      <a:rPr lang="en-US" i="1">
-                                        <a:latin typeface="Cambria Math" panose="02040503050406030204" pitchFamily="18" charset="0"/>
-                                      </a:rPr>
-                                    </m:ctrlPr>
-                                  </m:sSubPr>
-                                  <m:e>
-                                    <m:r>
-                                      <a:rPr lang="en-US" i="1">
-                                        <a:latin typeface="Cambria Math" panose="02040503050406030204" pitchFamily="18" charset="0"/>
-                                      </a:rPr>
-                                      <m:t>𝐼</m:t>
-                                    </m:r>
-                                  </m:e>
-                                  <m:sub>
-                                    <m:r>
-                                      <a:rPr lang="en-US" i="1">
-                                        <a:latin typeface="Cambria Math" panose="02040503050406030204" pitchFamily="18" charset="0"/>
-                                      </a:rPr>
-                                      <m:t>𝑡</m:t>
-                                    </m:r>
-                                  </m:sub>
-                                </m:sSub>
-                              </m:e>
-                            </m:d>
-                          </m:e>
-                        </m:func>
-                      </m:e>
-                      <m:sup>
-                        <m:r>
-                          <a:rPr lang="en-US" i="1">
-                            <a:latin typeface="Cambria Math" panose="02040503050406030204" pitchFamily="18" charset="0"/>
-                          </a:rPr>
-                          <m:t>2</m:t>
-                        </m:r>
-                      </m:sup>
-                    </m:sSup>
-                    <m:r>
-                      <a:rPr lang="en-US" b="0" i="1" smtClean="0">
-                        <a:latin typeface="Cambria Math" panose="02040503050406030204" pitchFamily="18" charset="0"/>
-                      </a:rPr>
-                      <m:t>=</m:t>
-                    </m:r>
-                    <m:sSup>
-                      <m:sSupPr>
-                        <m:ctrlPr>
-                          <a:rPr lang="en-US" i="1">
-                            <a:latin typeface="Cambria Math" panose="02040503050406030204" pitchFamily="18" charset="0"/>
-                          </a:rPr>
-                        </m:ctrlPr>
-                      </m:sSupPr>
-                      <m:e>
-                        <m:func>
-                          <m:funcPr>
-                            <m:ctrlPr>
-                              <a:rPr lang="en-US" i="1">
-                                <a:latin typeface="Cambria Math" panose="02040503050406030204" pitchFamily="18" charset="0"/>
-                              </a:rPr>
-                            </m:ctrlPr>
-                          </m:funcPr>
-                          <m:fName>
-                            <m:r>
-                              <a:rPr lang="en-US" b="0" i="1" smtClean="0">
-                                <a:latin typeface="Cambria Math" panose="02040503050406030204" pitchFamily="18" charset="0"/>
-                              </a:rPr>
-                              <m:t>𝑎𝑟</m:t>
-                            </m:r>
-                            <m:sSub>
-                              <m:sSubPr>
-                                <m:ctrlPr>
-                                  <a:rPr lang="en-US" b="0" i="1" smtClean="0">
-                                    <a:latin typeface="Cambria Math" panose="02040503050406030204" pitchFamily="18" charset="0"/>
-                                  </a:rPr>
-                                </m:ctrlPr>
-                              </m:sSubPr>
-                              <m:e>
-                                <m:r>
-                                  <a:rPr lang="en-US" b="0" i="1" smtClean="0">
-                                    <a:latin typeface="Cambria Math" panose="02040503050406030204" pitchFamily="18" charset="0"/>
-                                  </a:rPr>
-                                  <m:t>𝑔</m:t>
-                                </m:r>
-                              </m:e>
-                              <m:sub>
-                                <m:sSub>
-                                  <m:sSubPr>
-                                    <m:ctrlPr>
-                                      <a:rPr lang="en-US" b="0" i="1" smtClean="0">
-                                        <a:latin typeface="Cambria Math" panose="02040503050406030204" pitchFamily="18" charset="0"/>
-                                      </a:rPr>
-                                    </m:ctrlPr>
-                                  </m:sSubPr>
-                                  <m:e>
-                                    <m:r>
-                                      <a:rPr lang="en-US" b="0" i="1" smtClean="0">
-                                        <a:latin typeface="Cambria Math" panose="02040503050406030204" pitchFamily="18" charset="0"/>
-                                      </a:rPr>
-                                      <m:t>𝑑</m:t>
-                                    </m:r>
-                                  </m:e>
-                                  <m:sub>
-                                    <m:r>
-                                      <a:rPr lang="en-US" b="0" i="1" smtClean="0">
-                                        <a:latin typeface="Cambria Math" panose="02040503050406030204" pitchFamily="18" charset="0"/>
-                                      </a:rPr>
-                                      <m:t>𝐼</m:t>
-                                    </m:r>
-                                  </m:sub>
-                                </m:sSub>
-                              </m:sub>
-                            </m:sSub>
-                            <m:r>
-                              <a:rPr lang="en-US" b="0" i="1" smtClean="0">
-                                <a:latin typeface="Cambria Math" panose="02040503050406030204" pitchFamily="18" charset="0"/>
-                              </a:rPr>
-                              <m:t> </m:t>
-                            </m:r>
-                            <m:r>
-                              <a:rPr lang="en-US" i="1">
-                                <a:latin typeface="Cambria Math" panose="02040503050406030204" pitchFamily="18" charset="0"/>
-                              </a:rPr>
-                              <m:t>𝑚𝑖𝑛</m:t>
-                            </m:r>
-                          </m:fName>
-                          <m:e>
-                            <m:d>
-                              <m:dPr>
-                                <m:ctrlPr>
-                                  <a:rPr lang="en-US" i="1">
-                                    <a:latin typeface="Cambria Math" panose="02040503050406030204" pitchFamily="18" charset="0"/>
-                                  </a:rPr>
-                                </m:ctrlPr>
-                              </m:dPr>
-                              <m:e>
-                                <m:r>
-                                  <a:rPr lang="en-US" b="0" i="1" smtClean="0">
-                                    <a:latin typeface="Cambria Math" panose="02040503050406030204" pitchFamily="18" charset="0"/>
-                                  </a:rPr>
-                                  <m:t>𝑓</m:t>
-                                </m:r>
-                                <m:r>
-                                  <a:rPr lang="en-US" b="0" i="1" smtClean="0">
-                                    <a:latin typeface="Cambria Math" panose="02040503050406030204" pitchFamily="18" charset="0"/>
-                                  </a:rPr>
-                                  <m:t>(</m:t>
-                                </m:r>
-                                <m:sSub>
-                                  <m:sSubPr>
-                                    <m:ctrlPr>
-                                      <a:rPr lang="en-US" b="0" i="1" smtClean="0">
-                                        <a:latin typeface="Cambria Math" panose="02040503050406030204" pitchFamily="18" charset="0"/>
-                                      </a:rPr>
-                                    </m:ctrlPr>
-                                  </m:sSubPr>
-                                  <m:e>
-                                    <m:r>
-                                      <a:rPr lang="en-US" i="1">
-                                        <a:latin typeface="Cambria Math" panose="02040503050406030204" pitchFamily="18" charset="0"/>
-                                      </a:rPr>
-                                      <m:t>𝑑</m:t>
-                                    </m:r>
-                                  </m:e>
-                                  <m:sub>
-                                    <m:r>
-                                      <a:rPr lang="en-US" b="0" i="1" smtClean="0">
-                                        <a:latin typeface="Cambria Math" panose="02040503050406030204" pitchFamily="18" charset="0"/>
-                                      </a:rPr>
-                                      <m:t>𝐼</m:t>
-                                    </m:r>
-                                  </m:sub>
-                                </m:sSub>
-                                <m:r>
-                                  <a:rPr lang="en-US" b="0" i="1" smtClean="0">
-                                    <a:latin typeface="Cambria Math" panose="02040503050406030204" pitchFamily="18" charset="0"/>
-                                  </a:rPr>
-                                  <m:t>; </m:t>
-                                </m:r>
-                                <m:r>
-                                  <a:rPr lang="en-US" b="0" i="1" smtClean="0">
-                                    <a:latin typeface="Cambria Math" panose="02040503050406030204" pitchFamily="18" charset="0"/>
-                                  </a:rPr>
-                                  <m:t>𝜃</m:t>
-                                </m:r>
-                                <m:r>
-                                  <a:rPr lang="en-US" b="0" i="1" smtClean="0">
-                                    <a:latin typeface="Cambria Math" panose="02040503050406030204" pitchFamily="18" charset="0"/>
-                                  </a:rPr>
-                                  <m:t>)−</m:t>
-                                </m:r>
-                                <m:sSub>
-                                  <m:sSubPr>
-                                    <m:ctrlPr>
-                                      <a:rPr lang="en-US" i="1">
-                                        <a:latin typeface="Cambria Math" panose="02040503050406030204" pitchFamily="18" charset="0"/>
-                                      </a:rPr>
-                                    </m:ctrlPr>
-                                  </m:sSubPr>
-                                  <m:e>
-                                    <m:r>
-                                      <a:rPr lang="en-US" i="1">
-                                        <a:latin typeface="Cambria Math" panose="02040503050406030204" pitchFamily="18" charset="0"/>
-                                      </a:rPr>
-                                      <m:t>𝐼</m:t>
-                                    </m:r>
-                                  </m:e>
-                                  <m:sub>
-                                    <m:r>
-                                      <a:rPr lang="en-US" i="1">
-                                        <a:latin typeface="Cambria Math" panose="02040503050406030204" pitchFamily="18" charset="0"/>
-                                      </a:rPr>
-                                      <m:t>𝑡</m:t>
-                                    </m:r>
-                                  </m:sub>
-                                </m:sSub>
-                              </m:e>
-                            </m:d>
-                          </m:e>
-                        </m:func>
-                      </m:e>
-                      <m:sup>
-                        <m:r>
-                          <a:rPr lang="en-US" i="1">
-                            <a:latin typeface="Cambria Math" panose="02040503050406030204" pitchFamily="18" charset="0"/>
-                          </a:rPr>
-                          <m:t>2</m:t>
-                        </m:r>
-                      </m:sup>
-                    </m:sSup>
-                  </m:oMath>
+                  <m:oMathPara xmlns:m="http://schemas.openxmlformats.org/officeDocument/2006/math">
+                    <m:oMathParaPr>
+                      <m:jc m:val="centerGroup"/>
+                    </m:oMathParaPr>
+                    <m:oMath xmlns:m="http://schemas.openxmlformats.org/officeDocument/2006/math">
+                      <m:sSup>
+                        <m:sSupPr>
+                          <m:ctrlPr>
+                            <a:rPr lang="en-US" i="1">
+                              <a:latin typeface="Cambria Math" panose="02040503050406030204" pitchFamily="18" charset="0"/>
+                            </a:rPr>
+                          </m:ctrlPr>
+                        </m:sSupPr>
+                        <m:e>
+                          <m:func>
+                            <m:funcPr>
+                              <m:ctrlPr>
+                                <a:rPr lang="en-US" i="1">
+                                  <a:latin typeface="Cambria Math" panose="02040503050406030204" pitchFamily="18" charset="0"/>
+                                </a:rPr>
+                              </m:ctrlPr>
+                            </m:funcPr>
+                            <m:fName>
+                              <m:r>
+                                <a:rPr lang="en-US" i="1">
+                                  <a:latin typeface="Cambria Math" panose="02040503050406030204" pitchFamily="18" charset="0"/>
+                                </a:rPr>
+                                <m:t>𝑚𝑖𝑛</m:t>
+                              </m:r>
+                            </m:fName>
+                            <m:e>
+                              <m:d>
+                                <m:dPr>
+                                  <m:ctrlPr>
+                                    <a:rPr lang="en-US" i="1">
+                                      <a:latin typeface="Cambria Math" panose="02040503050406030204" pitchFamily="18" charset="0"/>
+                                    </a:rPr>
+                                  </m:ctrlPr>
+                                </m:dPr>
+                                <m:e>
+                                  <m:sSub>
+                                    <m:sSubPr>
+                                      <m:ctrlPr>
+                                        <a:rPr lang="en-US" b="0" i="1" smtClean="0">
+                                          <a:latin typeface="Cambria Math" panose="02040503050406030204" pitchFamily="18" charset="0"/>
+                                        </a:rPr>
+                                      </m:ctrlPr>
+                                    </m:sSubPr>
+                                    <m:e>
+                                      <m:acc>
+                                        <m:accPr>
+                                          <m:chr m:val="̂"/>
+                                          <m:ctrlPr>
+                                            <a:rPr lang="en-US" i="1">
+                                              <a:latin typeface="Cambria Math" panose="02040503050406030204" pitchFamily="18" charset="0"/>
+                                            </a:rPr>
+                                          </m:ctrlPr>
+                                        </m:accPr>
+                                        <m:e>
+                                          <m:r>
+                                            <a:rPr lang="en-US" b="0" i="1" smtClean="0">
+                                              <a:latin typeface="Cambria Math" panose="02040503050406030204" pitchFamily="18" charset="0"/>
+                                            </a:rPr>
+                                            <m:t>𝐼</m:t>
+                                          </m:r>
+                                        </m:e>
+                                      </m:acc>
+                                    </m:e>
+                                    <m:sub>
+                                      <m:r>
+                                        <a:rPr lang="en-US" b="0" i="1" smtClean="0">
+                                          <a:latin typeface="Cambria Math" panose="02040503050406030204" pitchFamily="18" charset="0"/>
+                                        </a:rPr>
+                                        <m:t>𝑑</m:t>
+                                      </m:r>
+                                    </m:sub>
+                                  </m:sSub>
+                                  <m:r>
+                                    <a:rPr lang="en-US" b="0" i="1" smtClean="0">
+                                      <a:latin typeface="Cambria Math" panose="02040503050406030204" pitchFamily="18" charset="0"/>
+                                    </a:rPr>
+                                    <m:t>(</m:t>
+                                  </m:r>
+                                  <m:r>
+                                    <a:rPr lang="en-US" b="0" i="1" smtClean="0">
+                                      <a:latin typeface="Cambria Math" panose="02040503050406030204" pitchFamily="18" charset="0"/>
+                                    </a:rPr>
+                                    <m:t>𝑡</m:t>
+                                  </m:r>
+                                  <m:r>
+                                    <a:rPr lang="en-US" b="0" i="1" smtClean="0">
+                                      <a:latin typeface="Cambria Math" panose="02040503050406030204" pitchFamily="18" charset="0"/>
+                                    </a:rPr>
+                                    <m:t>)−</m:t>
+                                  </m:r>
+                                  <m:sSub>
+                                    <m:sSubPr>
+                                      <m:ctrlPr>
+                                        <a:rPr lang="en-US" i="1">
+                                          <a:latin typeface="Cambria Math" panose="02040503050406030204" pitchFamily="18" charset="0"/>
+                                        </a:rPr>
+                                      </m:ctrlPr>
+                                    </m:sSubPr>
+                                    <m:e>
+                                      <m:r>
+                                        <a:rPr lang="en-US" i="1">
+                                          <a:latin typeface="Cambria Math" panose="02040503050406030204" pitchFamily="18" charset="0"/>
+                                        </a:rPr>
+                                        <m:t>𝐼</m:t>
+                                      </m:r>
+                                    </m:e>
+                                    <m:sub>
+                                      <m:r>
+                                        <a:rPr lang="en-US" b="0" i="1" smtClean="0">
+                                          <a:latin typeface="Cambria Math" panose="02040503050406030204" pitchFamily="18" charset="0"/>
+                                        </a:rPr>
+                                        <m:t>𝑑</m:t>
+                                      </m:r>
+                                    </m:sub>
+                                  </m:sSub>
+                                  <m:r>
+                                    <a:rPr lang="en-US" b="0" i="1" smtClean="0">
+                                      <a:latin typeface="Cambria Math" panose="02040503050406030204" pitchFamily="18" charset="0"/>
+                                    </a:rPr>
+                                    <m:t>(</m:t>
+                                  </m:r>
+                                  <m:r>
+                                    <a:rPr lang="en-US" b="0" i="1" smtClean="0">
+                                      <a:latin typeface="Cambria Math" panose="02040503050406030204" pitchFamily="18" charset="0"/>
+                                    </a:rPr>
+                                    <m:t>𝑡</m:t>
+                                  </m:r>
+                                  <m:r>
+                                    <a:rPr lang="en-US" b="0" i="1" smtClean="0">
+                                      <a:latin typeface="Cambria Math" panose="02040503050406030204" pitchFamily="18" charset="0"/>
+                                    </a:rPr>
+                                    <m:t>)</m:t>
+                                  </m:r>
+                                </m:e>
+                              </m:d>
+                            </m:e>
+                          </m:func>
+                        </m:e>
+                        <m:sup>
+                          <m:r>
+                            <a:rPr lang="en-US" i="1">
+                              <a:latin typeface="Cambria Math" panose="02040503050406030204" pitchFamily="18" charset="0"/>
+                            </a:rPr>
+                            <m:t>2</m:t>
+                          </m:r>
+                        </m:sup>
+                      </m:sSup>
+                      <m:r>
+                        <a:rPr lang="en-US" i="1">
+                          <a:latin typeface="Cambria Math" panose="02040503050406030204" pitchFamily="18" charset="0"/>
+                        </a:rPr>
+                        <m:t>=</m:t>
+                      </m:r>
+                      <m:sSup>
+                        <m:sSupPr>
+                          <m:ctrlPr>
+                            <a:rPr lang="en-US" i="1">
+                              <a:latin typeface="Cambria Math" panose="02040503050406030204" pitchFamily="18" charset="0"/>
+                            </a:rPr>
+                          </m:ctrlPr>
+                        </m:sSupPr>
+                        <m:e>
+                          <m:func>
+                            <m:funcPr>
+                              <m:ctrlPr>
+                                <a:rPr lang="en-US" i="1">
+                                  <a:latin typeface="Cambria Math" panose="02040503050406030204" pitchFamily="18" charset="0"/>
+                                </a:rPr>
+                              </m:ctrlPr>
+                            </m:funcPr>
+                            <m:fName>
+                              <m:r>
+                                <a:rPr lang="en-US" i="1">
+                                  <a:latin typeface="Cambria Math" panose="02040503050406030204" pitchFamily="18" charset="0"/>
+                                </a:rPr>
+                                <m:t>𝑎𝑟</m:t>
+                              </m:r>
+                              <m:sSub>
+                                <m:sSubPr>
+                                  <m:ctrlPr>
+                                    <a:rPr lang="en-US" i="1">
+                                      <a:latin typeface="Cambria Math" panose="02040503050406030204" pitchFamily="18" charset="0"/>
+                                    </a:rPr>
+                                  </m:ctrlPr>
+                                </m:sSubPr>
+                                <m:e>
+                                  <m:r>
+                                    <a:rPr lang="en-US" i="1">
+                                      <a:latin typeface="Cambria Math" panose="02040503050406030204" pitchFamily="18" charset="0"/>
+                                    </a:rPr>
+                                    <m:t>𝑔</m:t>
+                                  </m:r>
+                                </m:e>
+                                <m:sub>
+                                  <m:sSub>
+                                    <m:sSubPr>
+                                      <m:ctrlPr>
+                                        <a:rPr lang="en-US" i="1">
+                                          <a:latin typeface="Cambria Math" panose="02040503050406030204" pitchFamily="18" charset="0"/>
+                                        </a:rPr>
+                                      </m:ctrlPr>
+                                    </m:sSubPr>
+                                    <m:e>
+                                      <m:r>
+                                        <a:rPr lang="en-US" i="1">
+                                          <a:latin typeface="Cambria Math" panose="02040503050406030204" pitchFamily="18" charset="0"/>
+                                        </a:rPr>
+                                        <m:t>𝑑</m:t>
+                                      </m:r>
+                                    </m:e>
+                                    <m:sub>
+                                      <m:r>
+                                        <a:rPr lang="en-US" i="1">
+                                          <a:latin typeface="Cambria Math" panose="02040503050406030204" pitchFamily="18" charset="0"/>
+                                        </a:rPr>
+                                        <m:t>𝐼</m:t>
+                                      </m:r>
+                                    </m:sub>
+                                  </m:sSub>
+                                </m:sub>
+                              </m:sSub>
+                              <m:r>
+                                <a:rPr lang="en-US" i="1">
+                                  <a:latin typeface="Cambria Math" panose="02040503050406030204" pitchFamily="18" charset="0"/>
+                                </a:rPr>
+                                <m:t> </m:t>
+                              </m:r>
+                              <m:r>
+                                <a:rPr lang="en-US" i="1">
+                                  <a:latin typeface="Cambria Math" panose="02040503050406030204" pitchFamily="18" charset="0"/>
+                                </a:rPr>
+                                <m:t>𝑚𝑖𝑛</m:t>
+                              </m:r>
+                            </m:fName>
+                            <m:e>
+                              <m:d>
+                                <m:dPr>
+                                  <m:ctrlPr>
+                                    <a:rPr lang="en-US" i="1">
+                                      <a:latin typeface="Cambria Math" panose="02040503050406030204" pitchFamily="18" charset="0"/>
+                                    </a:rPr>
+                                  </m:ctrlPr>
+                                </m:dPr>
+                                <m:e>
+                                  <m:r>
+                                    <a:rPr lang="en-US" i="1">
+                                      <a:latin typeface="Cambria Math" panose="02040503050406030204" pitchFamily="18" charset="0"/>
+                                    </a:rPr>
+                                    <m:t>𝑓</m:t>
+                                  </m:r>
+                                  <m:r>
+                                    <a:rPr lang="en-US" i="1">
+                                      <a:latin typeface="Cambria Math" panose="02040503050406030204" pitchFamily="18" charset="0"/>
+                                    </a:rPr>
+                                    <m:t>(</m:t>
+                                  </m:r>
+                                  <m:sSub>
+                                    <m:sSubPr>
+                                      <m:ctrlPr>
+                                        <a:rPr lang="en-US" i="1">
+                                          <a:latin typeface="Cambria Math" panose="02040503050406030204" pitchFamily="18" charset="0"/>
+                                        </a:rPr>
+                                      </m:ctrlPr>
+                                    </m:sSubPr>
+                                    <m:e>
+                                      <m:r>
+                                        <a:rPr lang="en-US" i="1">
+                                          <a:latin typeface="Cambria Math" panose="02040503050406030204" pitchFamily="18" charset="0"/>
+                                        </a:rPr>
+                                        <m:t>𝑑</m:t>
+                                      </m:r>
+                                    </m:e>
+                                    <m:sub>
+                                      <m:r>
+                                        <a:rPr lang="en-US" i="1">
+                                          <a:latin typeface="Cambria Math" panose="02040503050406030204" pitchFamily="18" charset="0"/>
+                                        </a:rPr>
+                                        <m:t>𝐼</m:t>
+                                      </m:r>
+                                    </m:sub>
+                                  </m:sSub>
+                                  <m:r>
+                                    <a:rPr lang="en-US" b="0" i="1" smtClean="0">
+                                      <a:latin typeface="Cambria Math" panose="02040503050406030204" pitchFamily="18" charset="0"/>
+                                    </a:rPr>
+                                    <m:t>,</m:t>
+                                  </m:r>
+                                  <m:r>
+                                    <a:rPr lang="en-US" b="0" i="1" smtClean="0">
+                                      <a:latin typeface="Cambria Math" panose="02040503050406030204" pitchFamily="18" charset="0"/>
+                                    </a:rPr>
+                                    <m:t>𝑡</m:t>
+                                  </m:r>
+                                  <m:r>
+                                    <a:rPr lang="en-US" i="1">
+                                      <a:latin typeface="Cambria Math" panose="02040503050406030204" pitchFamily="18" charset="0"/>
+                                    </a:rPr>
+                                    <m:t>; </m:t>
+                                  </m:r>
+                                  <m:r>
+                                    <a:rPr lang="en-US" i="1">
+                                      <a:latin typeface="Cambria Math" panose="02040503050406030204" pitchFamily="18" charset="0"/>
+                                    </a:rPr>
+                                    <m:t>𝜃</m:t>
+                                  </m:r>
+                                  <m:r>
+                                    <a:rPr lang="en-US" i="1">
+                                      <a:latin typeface="Cambria Math" panose="02040503050406030204" pitchFamily="18" charset="0"/>
+                                    </a:rPr>
+                                    <m:t>)−</m:t>
+                                  </m:r>
+                                  <m:sSub>
+                                    <m:sSubPr>
+                                      <m:ctrlPr>
+                                        <a:rPr lang="en-US" i="1">
+                                          <a:latin typeface="Cambria Math" panose="02040503050406030204" pitchFamily="18" charset="0"/>
+                                        </a:rPr>
+                                      </m:ctrlPr>
+                                    </m:sSubPr>
+                                    <m:e>
+                                      <m:r>
+                                        <a:rPr lang="en-US" i="1">
+                                          <a:latin typeface="Cambria Math" panose="02040503050406030204" pitchFamily="18" charset="0"/>
+                                        </a:rPr>
+                                        <m:t>𝐼</m:t>
+                                      </m:r>
+                                    </m:e>
+                                    <m:sub>
+                                      <m:r>
+                                        <a:rPr lang="en-US" b="0" i="1" smtClean="0">
+                                          <a:latin typeface="Cambria Math" panose="02040503050406030204" pitchFamily="18" charset="0"/>
+                                        </a:rPr>
+                                        <m:t>𝑑</m:t>
+                                      </m:r>
+                                    </m:sub>
+                                  </m:sSub>
+                                  <m:r>
+                                    <a:rPr lang="en-US" b="0" i="1" smtClean="0">
+                                      <a:latin typeface="Cambria Math" panose="02040503050406030204" pitchFamily="18" charset="0"/>
+                                    </a:rPr>
+                                    <m:t>(</m:t>
+                                  </m:r>
+                                  <m:r>
+                                    <a:rPr lang="en-US" b="0" i="1" smtClean="0">
+                                      <a:latin typeface="Cambria Math" panose="02040503050406030204" pitchFamily="18" charset="0"/>
+                                    </a:rPr>
+                                    <m:t>𝑡</m:t>
+                                  </m:r>
+                                  <m:r>
+                                    <a:rPr lang="en-US" b="0" i="1" smtClean="0">
+                                      <a:latin typeface="Cambria Math" panose="02040503050406030204" pitchFamily="18" charset="0"/>
+                                    </a:rPr>
+                                    <m:t>)</m:t>
+                                  </m:r>
+                                </m:e>
+                              </m:d>
+                            </m:e>
+                          </m:func>
+                        </m:e>
+                        <m:sup>
+                          <m:r>
+                            <a:rPr lang="en-US" i="1">
+                              <a:latin typeface="Cambria Math" panose="02040503050406030204" pitchFamily="18" charset="0"/>
+                            </a:rPr>
+                            <m:t>2</m:t>
+                          </m:r>
+                        </m:sup>
+                      </m:sSup>
+                    </m:oMath>
+                  </m:oMathPara>
                 </a14:m>
                 <a:endParaRPr lang="en-US" dirty="0"/>
               </a:p>
@@ -11544,8 +13868,250 @@
                 </a:pPr>
                 <a:r>
                   <a:rPr lang="en-US" dirty="0"/>
-                  <a:t>Such that,</a:t>
+                  <a:t>where,</a:t>
                 </a:r>
+              </a:p>
+              <a:p>
+                <a:pPr marL="457200" lvl="1" indent="0">
+                  <a:buNone/>
+                </a:pPr>
+                <a14:m>
+                  <m:oMathPara xmlns:m="http://schemas.openxmlformats.org/officeDocument/2006/math">
+                    <m:oMathParaPr>
+                      <m:jc m:val="centerGroup"/>
+                    </m:oMathParaPr>
+                    <m:oMath xmlns:m="http://schemas.openxmlformats.org/officeDocument/2006/math">
+                      <m:r>
+                        <a:rPr lang="en-US" i="1">
+                          <a:latin typeface="Cambria Math" panose="02040503050406030204" pitchFamily="18" charset="0"/>
+                        </a:rPr>
+                        <m:t>𝜃</m:t>
+                      </m:r>
+                      <m:r>
+                        <a:rPr lang="en-US">
+                          <a:latin typeface="Cambria Math" panose="02040503050406030204" pitchFamily="18" charset="0"/>
+                        </a:rPr>
+                        <m:t>=</m:t>
+                      </m:r>
+                      <m:r>
+                        <a:rPr lang="en-US" i="1">
+                          <a:latin typeface="Cambria Math" panose="02040503050406030204" pitchFamily="18" charset="0"/>
+                        </a:rPr>
+                        <m:t>𝑎𝑙𝑙</m:t>
+                      </m:r>
+                      <m:r>
+                        <a:rPr lang="en-US" i="1">
+                          <a:latin typeface="Cambria Math" panose="02040503050406030204" pitchFamily="18" charset="0"/>
+                        </a:rPr>
+                        <m:t> </m:t>
+                      </m:r>
+                      <m:r>
+                        <a:rPr lang="en-US" i="1">
+                          <a:latin typeface="Cambria Math" panose="02040503050406030204" pitchFamily="18" charset="0"/>
+                        </a:rPr>
+                        <m:t>𝑡𝑟𝑎𝑛𝑠𝑖𝑡𝑖𝑜𝑛</m:t>
+                      </m:r>
+                      <m:r>
+                        <a:rPr lang="en-US" i="1">
+                          <a:latin typeface="Cambria Math" panose="02040503050406030204" pitchFamily="18" charset="0"/>
+                        </a:rPr>
+                        <m:t> </m:t>
+                      </m:r>
+                      <m:r>
+                        <a:rPr lang="en-US" i="1">
+                          <a:latin typeface="Cambria Math" panose="02040503050406030204" pitchFamily="18" charset="0"/>
+                        </a:rPr>
+                        <m:t>𝑝𝑎𝑟𝑎𝑚𝑒𝑡𝑒𝑟𝑠</m:t>
+                      </m:r>
+                      <m:r>
+                        <a:rPr lang="en-US" i="1">
+                          <a:latin typeface="Cambria Math" panose="02040503050406030204" pitchFamily="18" charset="0"/>
+                        </a:rPr>
+                        <m:t> </m:t>
+                      </m:r>
+                      <m:r>
+                        <a:rPr lang="en-US" i="1">
+                          <a:latin typeface="Cambria Math" panose="02040503050406030204" pitchFamily="18" charset="0"/>
+                        </a:rPr>
+                        <m:t>𝑜𝑓</m:t>
+                      </m:r>
+                      <m:r>
+                        <a:rPr lang="en-US" i="1">
+                          <a:latin typeface="Cambria Math" panose="02040503050406030204" pitchFamily="18" charset="0"/>
+                        </a:rPr>
+                        <m:t> </m:t>
+                      </m:r>
+                      <m:r>
+                        <a:rPr lang="en-US" b="0" i="1" smtClean="0">
+                          <a:latin typeface="Cambria Math" panose="02040503050406030204" pitchFamily="18" charset="0"/>
+                        </a:rPr>
+                        <m:t>𝑀</m:t>
+                      </m:r>
+                      <m:r>
+                        <a:rPr lang="en-US" i="1">
+                          <a:latin typeface="Cambria Math" panose="02040503050406030204" pitchFamily="18" charset="0"/>
+                        </a:rPr>
+                        <m:t>𝑎𝑟𝑘𝑜𝑣</m:t>
+                      </m:r>
+                      <m:r>
+                        <a:rPr lang="en-US" i="1">
+                          <a:latin typeface="Cambria Math" panose="02040503050406030204" pitchFamily="18" charset="0"/>
+                        </a:rPr>
+                        <m:t> </m:t>
+                      </m:r>
+                      <m:r>
+                        <a:rPr lang="en-US" i="1">
+                          <a:latin typeface="Cambria Math" panose="02040503050406030204" pitchFamily="18" charset="0"/>
+                        </a:rPr>
+                        <m:t>𝑚𝑜𝑑𝑒𝑙</m:t>
+                      </m:r>
+                      <m:r>
+                        <a:rPr lang="en-US" b="0" i="1" smtClean="0">
+                          <a:latin typeface="Cambria Math" panose="02040503050406030204" pitchFamily="18" charset="0"/>
+                        </a:rPr>
+                        <m:t>, </m:t>
+                      </m:r>
+                      <m:r>
+                        <a:rPr lang="en-US" b="0" i="1" smtClean="0">
+                          <a:latin typeface="Cambria Math" panose="02040503050406030204" pitchFamily="18" charset="0"/>
+                        </a:rPr>
+                        <m:t>𝑜𝑡h𝑒𝑟</m:t>
+                      </m:r>
+                      <m:r>
+                        <a:rPr lang="en-US" b="0" i="1" smtClean="0">
+                          <a:latin typeface="Cambria Math" panose="02040503050406030204" pitchFamily="18" charset="0"/>
+                        </a:rPr>
+                        <m:t> </m:t>
+                      </m:r>
+                      <m:r>
+                        <a:rPr lang="en-US" b="0" i="1" smtClean="0">
+                          <a:latin typeface="Cambria Math" panose="02040503050406030204" pitchFamily="18" charset="0"/>
+                        </a:rPr>
+                        <m:t>𝑡h𝑎𝑛</m:t>
+                      </m:r>
+                      <m:r>
+                        <a:rPr lang="en-US" b="0" i="1" smtClean="0">
+                          <a:latin typeface="Cambria Math" panose="02040503050406030204" pitchFamily="18" charset="0"/>
+                        </a:rPr>
+                        <m:t> </m:t>
+                      </m:r>
+                      <m:sSub>
+                        <m:sSubPr>
+                          <m:ctrlPr>
+                            <a:rPr lang="en-US" i="1">
+                              <a:latin typeface="Cambria Math" panose="02040503050406030204" pitchFamily="18" charset="0"/>
+                            </a:rPr>
+                          </m:ctrlPr>
+                        </m:sSubPr>
+                        <m:e>
+                          <m:r>
+                            <a:rPr lang="en-US" i="1">
+                              <a:latin typeface="Cambria Math" panose="02040503050406030204" pitchFamily="18" charset="0"/>
+                            </a:rPr>
+                            <m:t>𝑑</m:t>
+                          </m:r>
+                        </m:e>
+                        <m:sub>
+                          <m:r>
+                            <a:rPr lang="en-US" i="1">
+                              <a:latin typeface="Cambria Math" panose="02040503050406030204" pitchFamily="18" charset="0"/>
+                            </a:rPr>
+                            <m:t>𝐼</m:t>
+                          </m:r>
+                        </m:sub>
+                      </m:sSub>
+                      <m:r>
+                        <a:rPr lang="en-US" b="0" i="1" smtClean="0">
+                          <a:latin typeface="Cambria Math" panose="02040503050406030204" pitchFamily="18" charset="0"/>
+                        </a:rPr>
+                        <m:t> </m:t>
+                      </m:r>
+                    </m:oMath>
+                  </m:oMathPara>
+                </a14:m>
+                <a:endParaRPr lang="en-US" b="0" i="1" dirty="0">
+                  <a:latin typeface="Cambria Math" panose="02040503050406030204" pitchFamily="18" charset="0"/>
+                </a:endParaRPr>
+              </a:p>
+              <a:p>
+                <a:pPr marL="457200" lvl="1" indent="0">
+                  <a:buNone/>
+                </a:pPr>
+                <a14:m>
+                  <m:oMathPara xmlns:m="http://schemas.openxmlformats.org/officeDocument/2006/math">
+                    <m:oMathParaPr>
+                      <m:jc m:val="centerGroup"/>
+                    </m:oMathParaPr>
+                    <m:oMath xmlns:m="http://schemas.openxmlformats.org/officeDocument/2006/math">
+                      <m:d>
+                        <m:dPr>
+                          <m:ctrlPr>
+                            <a:rPr lang="en-US" b="0" i="1" smtClean="0">
+                              <a:latin typeface="Cambria Math" panose="02040503050406030204" pitchFamily="18" charset="0"/>
+                            </a:rPr>
+                          </m:ctrlPr>
+                        </m:dPr>
+                        <m:e>
+                          <m:r>
+                            <a:rPr lang="en-US" b="0" i="1" smtClean="0">
+                              <a:latin typeface="Cambria Math" panose="02040503050406030204" pitchFamily="18" charset="0"/>
+                            </a:rPr>
+                            <m:t>𝑟𝑒𝑓𝑒𝑟</m:t>
+                          </m:r>
+                          <m:r>
+                            <a:rPr lang="en-US" b="0" i="1" smtClean="0">
+                              <a:latin typeface="Cambria Math" panose="02040503050406030204" pitchFamily="18" charset="0"/>
+                            </a:rPr>
+                            <m:t> </m:t>
+                          </m:r>
+                          <m:r>
+                            <a:rPr lang="en-US" b="0" i="1" smtClean="0">
+                              <a:latin typeface="Cambria Math" panose="02040503050406030204" pitchFamily="18" charset="0"/>
+                            </a:rPr>
+                            <m:t>𝑡𝑜</m:t>
+                          </m:r>
+                          <m:r>
+                            <a:rPr lang="en-US" b="0" i="1" smtClean="0">
+                              <a:latin typeface="Cambria Math" panose="02040503050406030204" pitchFamily="18" charset="0"/>
+                            </a:rPr>
+                            <m:t> </m:t>
+                          </m:r>
+                          <m:r>
+                            <a:rPr lang="en-US" b="0" i="1" smtClean="0">
+                              <a:latin typeface="Cambria Math" panose="02040503050406030204" pitchFamily="18" charset="0"/>
+                            </a:rPr>
+                            <m:t>𝑙𝑖𝑠𝑡</m:t>
+                          </m:r>
+                          <m:r>
+                            <a:rPr lang="en-US" b="0" i="1" smtClean="0">
+                              <a:latin typeface="Cambria Math" panose="02040503050406030204" pitchFamily="18" charset="0"/>
+                            </a:rPr>
+                            <m:t> </m:t>
+                          </m:r>
+                          <m:r>
+                            <a:rPr lang="en-US" b="0" i="1" smtClean="0">
+                              <a:latin typeface="Cambria Math" panose="02040503050406030204" pitchFamily="18" charset="0"/>
+                            </a:rPr>
+                            <m:t>𝑜𝑓</m:t>
+                          </m:r>
+                          <m:r>
+                            <a:rPr lang="en-US" b="0" i="1" smtClean="0">
+                              <a:latin typeface="Cambria Math" panose="02040503050406030204" pitchFamily="18" charset="0"/>
+                            </a:rPr>
+                            <m:t> </m:t>
+                          </m:r>
+                          <m:r>
+                            <a:rPr lang="en-US" b="0" i="1" smtClean="0">
+                              <a:latin typeface="Cambria Math" panose="02040503050406030204" pitchFamily="18" charset="0"/>
+                            </a:rPr>
+                            <m:t>𝑝𝑎𝑟𝑎𝑚𝑒𝑡𝑒𝑟𝑠</m:t>
+                          </m:r>
+                        </m:e>
+                      </m:d>
+                    </m:oMath>
+                  </m:oMathPara>
+                </a14:m>
+                <a:endParaRPr lang="en-US" b="0" dirty="0"/>
               </a:p>
               <a:p>
                 <a:pPr marL="457200" lvl="1" indent="0">
@@ -11586,40 +14152,13 @@
                         <a:rPr lang="en-US" b="0" i="1" smtClean="0">
                           <a:latin typeface="Cambria Math" panose="02040503050406030204" pitchFamily="18" charset="0"/>
                         </a:rPr>
-                        <m:t>≥0</m:t>
-                      </m:r>
-                    </m:oMath>
-                  </m:oMathPara>
-                </a14:m>
-                <a:endParaRPr lang="en-US" dirty="0"/>
-              </a:p>
-              <a:p>
-                <a:pPr marL="457200" lvl="1" indent="0">
-                  <a:buNone/>
-                </a:pPr>
-                <a14:m>
-                  <m:oMathPara xmlns:m="http://schemas.openxmlformats.org/officeDocument/2006/math">
-                    <m:oMathParaPr>
-                      <m:jc m:val="centerGroup"/>
-                    </m:oMathParaPr>
-                    <m:oMath xmlns:m="http://schemas.openxmlformats.org/officeDocument/2006/math">
-                      <m:r>
-                        <a:rPr lang="en-US" i="1">
-                          <a:latin typeface="Cambria Math" panose="02040503050406030204" pitchFamily="18" charset="0"/>
-                        </a:rPr>
-                        <m:t>𝜃</m:t>
-                      </m:r>
-                      <m:r>
-                        <a:rPr lang="en-US" b="0" i="0" smtClean="0">
-                          <a:latin typeface="Cambria Math" panose="02040503050406030204" pitchFamily="18" charset="0"/>
-                        </a:rPr>
-                        <m:t>=[</m:t>
+                        <m:t>=</m:t>
                       </m:r>
                       <m:r>
                         <a:rPr lang="en-US" b="0" i="1" smtClean="0">
                           <a:latin typeface="Cambria Math" panose="02040503050406030204" pitchFamily="18" charset="0"/>
                         </a:rPr>
-                        <m:t>𝑎𝑙𝑙</m:t>
+                        <m:t>𝑑𝑖𝑎𝑔𝑛𝑜𝑠𝑖𝑠</m:t>
                       </m:r>
                       <m:r>
                         <a:rPr lang="en-US" b="0" i="1" smtClean="0">
@@ -11631,7 +14170,19 @@
                         <a:rPr lang="en-US" b="0" i="1" smtClean="0">
                           <a:latin typeface="Cambria Math" panose="02040503050406030204" pitchFamily="18" charset="0"/>
                         </a:rPr>
-                        <m:t>𝑜𝑡h𝑒𝑟</m:t>
+                        <m:t>𝑟𝑎𝑡𝑒</m:t>
+                      </m:r>
+                      <m:r>
+                        <a:rPr lang="en-US" b="0" i="1" smtClean="0">
+                          <a:latin typeface="Cambria Math" panose="02040503050406030204" pitchFamily="18" charset="0"/>
+                        </a:rPr>
+                        <m:t> (</m:t>
+                      </m:r>
+                      <m:r>
+                        <a:rPr lang="en-US" b="0" i="1" smtClean="0">
+                          <a:latin typeface="Cambria Math" panose="02040503050406030204" pitchFamily="18" charset="0"/>
+                        </a:rPr>
+                        <m:t>𝑑𝑒𝑐𝑖𝑠𝑖𝑜𝑛</m:t>
                       </m:r>
                       <m:r>
                         <a:rPr lang="en-US" b="0" i="1" smtClean="0">
@@ -11643,61 +14194,13 @@
                         <a:rPr lang="en-US" b="0" i="1" smtClean="0">
                           <a:latin typeface="Cambria Math" panose="02040503050406030204" pitchFamily="18" charset="0"/>
                         </a:rPr>
-                        <m:t>𝑡𝑟𝑎𝑛𝑠𝑖𝑡𝑖𝑜𝑛</m:t>
+                        <m:t>𝑣𝑎𝑟𝑖𝑎𝑏𝑙𝑒</m:t>
                       </m:r>
                       <m:r>
                         <a:rPr lang="en-US" b="0" i="1" smtClean="0">
                           <a:latin typeface="Cambria Math" panose="02040503050406030204" pitchFamily="18" charset="0"/>
                         </a:rPr>
-                        <m:t> </m:t>
-                      </m:r>
-                      <m:r>
-                        <a:rPr lang="en-US" b="0" i="1" smtClean="0">
-                          <a:latin typeface="Cambria Math" panose="02040503050406030204" pitchFamily="18" charset="0"/>
-                        </a:rPr>
-                        <m:t>𝑝𝑎𝑟𝑎𝑚𝑒𝑡𝑒𝑟𝑠</m:t>
-                      </m:r>
-                      <m:r>
-                        <a:rPr lang="en-US" b="0" i="1" smtClean="0">
-                          <a:latin typeface="Cambria Math" panose="02040503050406030204" pitchFamily="18" charset="0"/>
-                        </a:rPr>
-                        <m:t> </m:t>
-                      </m:r>
-                      <m:r>
-                        <a:rPr lang="en-US" b="0" i="1" smtClean="0">
-                          <a:latin typeface="Cambria Math" panose="02040503050406030204" pitchFamily="18" charset="0"/>
-                        </a:rPr>
-                        <m:t>𝑜𝑓</m:t>
-                      </m:r>
-                      <m:r>
-                        <a:rPr lang="en-US" b="0" i="1" smtClean="0">
-                          <a:latin typeface="Cambria Math" panose="02040503050406030204" pitchFamily="18" charset="0"/>
-                        </a:rPr>
-                        <m:t> </m:t>
-                      </m:r>
-                      <m:r>
-                        <a:rPr lang="en-US" b="0" i="1" smtClean="0">
-                          <a:latin typeface="Cambria Math" panose="02040503050406030204" pitchFamily="18" charset="0"/>
-                        </a:rPr>
-                        <m:t>𝑚𝑎𝑟𝑘𝑜𝑣</m:t>
-                      </m:r>
-                      <m:r>
-                        <a:rPr lang="en-US" b="0" i="1" smtClean="0">
-                          <a:latin typeface="Cambria Math" panose="02040503050406030204" pitchFamily="18" charset="0"/>
-                        </a:rPr>
-                        <m:t> </m:t>
-                      </m:r>
-                      <m:r>
-                        <a:rPr lang="en-US" b="0" i="1" smtClean="0">
-                          <a:latin typeface="Cambria Math" panose="02040503050406030204" pitchFamily="18" charset="0"/>
-                        </a:rPr>
-                        <m:t>𝑚𝑜𝑑𝑒𝑙</m:t>
-                      </m:r>
-                      <m:r>
-                        <a:rPr lang="en-US" b="0" i="0" smtClean="0">
-                          <a:latin typeface="Cambria Math" panose="02040503050406030204" pitchFamily="18" charset="0"/>
-                        </a:rPr>
-                        <m:t>]</m:t>
+                        <m:t>)</m:t>
                       </m:r>
                     </m:oMath>
                   </m:oMathPara>
@@ -11723,14 +14226,14 @@
                       <m:d>
                         <m:dPr>
                           <m:ctrlPr>
-                            <a:rPr lang="en-US" b="0" i="0" smtClean="0">
+                            <a:rPr lang="en-US" i="1">
                               <a:latin typeface="Cambria Math" panose="02040503050406030204" pitchFamily="18" charset="0"/>
                             </a:rPr>
                           </m:ctrlPr>
                         </m:dPr>
                         <m:e>
                           <m:r>
-                            <a:rPr lang="en-US" b="0" i="1" smtClean="0">
+                            <a:rPr lang="en-US" i="1">
                               <a:latin typeface="Cambria Math" panose="02040503050406030204" pitchFamily="18" charset="0"/>
                             </a:rPr>
                             <m:t>⋅</m:t>
@@ -11738,22 +14241,10 @@
                         </m:e>
                       </m:d>
                       <m:r>
-                        <a:rPr lang="en-US" b="0" i="0" smtClean="0">
+                        <a:rPr lang="en-US">
                           <a:latin typeface="Cambria Math" panose="02040503050406030204" pitchFamily="18" charset="0"/>
                         </a:rPr>
                         <m:t>=</m:t>
-                      </m:r>
-                      <m:r>
-                        <a:rPr lang="en-US" b="0" i="1" smtClean="0">
-                          <a:latin typeface="Cambria Math" panose="02040503050406030204" pitchFamily="18" charset="0"/>
-                        </a:rPr>
-                        <m:t>𝑐𝑜𝑚𝑝𝑎𝑟𝑡𝑚𝑒𝑛𝑡𝑎𝑙</m:t>
-                      </m:r>
-                      <m:r>
-                        <a:rPr lang="en-US" b="0" i="1" smtClean="0">
-                          <a:latin typeface="Cambria Math" panose="02040503050406030204" pitchFamily="18" charset="0"/>
-                        </a:rPr>
-                        <m:t> </m:t>
                       </m:r>
                       <m:r>
                         <a:rPr lang="en-US" b="0" i="1" smtClean="0">
@@ -11771,12 +14262,524 @@
                         <a:rPr lang="en-US" b="0" i="1" smtClean="0">
                           <a:latin typeface="Cambria Math" panose="02040503050406030204" pitchFamily="18" charset="0"/>
                         </a:rPr>
+                        <m:t>𝑜𝑓</m:t>
+                      </m:r>
+                      <m:r>
+                        <a:rPr lang="en-US" b="0" i="1" smtClean="0">
+                          <a:latin typeface="Cambria Math" panose="02040503050406030204" pitchFamily="18" charset="0"/>
+                        </a:rPr>
+                        <m:t> </m:t>
+                      </m:r>
+                      <m:r>
+                        <a:rPr lang="en-US" b="0" i="1" smtClean="0">
+                          <a:latin typeface="Cambria Math" panose="02040503050406030204" pitchFamily="18" charset="0"/>
+                        </a:rPr>
+                        <m:t>𝑀𝑎𝑟𝑘𝑜𝑣</m:t>
+                      </m:r>
+                      <m:r>
+                        <a:rPr lang="en-US" b="0" i="1" smtClean="0">
+                          <a:latin typeface="Cambria Math" panose="02040503050406030204" pitchFamily="18" charset="0"/>
+                        </a:rPr>
+                        <m:t> </m:t>
+                      </m:r>
+                      <m:r>
+                        <a:rPr lang="en-US" i="1">
+                          <a:latin typeface="Cambria Math" panose="02040503050406030204" pitchFamily="18" charset="0"/>
+                        </a:rPr>
                         <m:t>𝑚𝑜𝑑𝑒𝑙</m:t>
                       </m:r>
                     </m:oMath>
                   </m:oMathPara>
                 </a14:m>
                 <a:endParaRPr lang="en-US" i="1" dirty="0"/>
+              </a:p>
+              <a:p>
+                <a:pPr marL="457200" lvl="1" indent="0">
+                  <a:buNone/>
+                </a:pPr>
+                <a:endParaRPr lang="en-US" i="1" dirty="0"/>
+              </a:p>
+              <a:p>
+                <a:r>
+                  <a:rPr lang="en-US" dirty="0"/>
+                  <a:t>Iterative update of decision variable</a:t>
+                </a:r>
+              </a:p>
+              <a:p>
+                <a:pPr marL="0" indent="0">
+                  <a:buNone/>
+                </a:pPr>
+                <a14:m>
+                  <m:oMathPara xmlns:m="http://schemas.openxmlformats.org/officeDocument/2006/math">
+                    <m:oMathParaPr>
+                      <m:jc m:val="centerGroup"/>
+                    </m:oMathParaPr>
+                    <m:oMath xmlns:m="http://schemas.openxmlformats.org/officeDocument/2006/math">
+                      <m:sSub>
+                        <m:sSubPr>
+                          <m:ctrlPr>
+                            <a:rPr lang="en-US" i="1">
+                              <a:latin typeface="Cambria Math" panose="02040503050406030204" pitchFamily="18" charset="0"/>
+                            </a:rPr>
+                          </m:ctrlPr>
+                        </m:sSubPr>
+                        <m:e>
+                          <m:r>
+                            <a:rPr lang="en-US" i="1">
+                              <a:latin typeface="Cambria Math" panose="02040503050406030204" pitchFamily="18" charset="0"/>
+                            </a:rPr>
+                            <m:t>𝑑</m:t>
+                          </m:r>
+                        </m:e>
+                        <m:sub>
+                          <m:r>
+                            <a:rPr lang="en-US" i="1">
+                              <a:latin typeface="Cambria Math" panose="02040503050406030204" pitchFamily="18" charset="0"/>
+                            </a:rPr>
+                            <m:t>𝐼</m:t>
+                          </m:r>
+                          <m:r>
+                            <a:rPr lang="en-US" b="0" i="1" smtClean="0">
+                              <a:latin typeface="Cambria Math" panose="02040503050406030204" pitchFamily="18" charset="0"/>
+                            </a:rPr>
+                            <m:t>,</m:t>
+                          </m:r>
+                          <m:r>
+                            <a:rPr lang="en-US" b="0" i="1" smtClean="0">
+                              <a:latin typeface="Cambria Math" panose="02040503050406030204" pitchFamily="18" charset="0"/>
+                            </a:rPr>
+                            <m:t>𝑖</m:t>
+                          </m:r>
+                          <m:r>
+                            <a:rPr lang="en-US" b="0" i="1" smtClean="0">
+                              <a:latin typeface="Cambria Math" panose="02040503050406030204" pitchFamily="18" charset="0"/>
+                            </a:rPr>
+                            <m:t>+1</m:t>
+                          </m:r>
+                        </m:sub>
+                      </m:sSub>
+                      <m:r>
+                        <a:rPr lang="en-US" b="0" i="1" smtClean="0">
+                          <a:latin typeface="Cambria Math" panose="02040503050406030204" pitchFamily="18" charset="0"/>
+                        </a:rPr>
+                        <m:t>=</m:t>
+                      </m:r>
+                      <m:sSub>
+                        <m:sSubPr>
+                          <m:ctrlPr>
+                            <a:rPr lang="en-US" i="1">
+                              <a:latin typeface="Cambria Math" panose="02040503050406030204" pitchFamily="18" charset="0"/>
+                            </a:rPr>
+                          </m:ctrlPr>
+                        </m:sSubPr>
+                        <m:e>
+                          <m:r>
+                            <a:rPr lang="en-US" i="1">
+                              <a:latin typeface="Cambria Math" panose="02040503050406030204" pitchFamily="18" charset="0"/>
+                            </a:rPr>
+                            <m:t>𝑑</m:t>
+                          </m:r>
+                        </m:e>
+                        <m:sub>
+                          <m:r>
+                            <a:rPr lang="en-US" i="1">
+                              <a:latin typeface="Cambria Math" panose="02040503050406030204" pitchFamily="18" charset="0"/>
+                            </a:rPr>
+                            <m:t>𝐼</m:t>
+                          </m:r>
+                          <m:r>
+                            <a:rPr lang="en-US" b="0" i="1" smtClean="0">
+                              <a:latin typeface="Cambria Math" panose="02040503050406030204" pitchFamily="18" charset="0"/>
+                            </a:rPr>
+                            <m:t>,</m:t>
+                          </m:r>
+                          <m:r>
+                            <a:rPr lang="en-US" b="0" i="1" smtClean="0">
+                              <a:latin typeface="Cambria Math" panose="02040503050406030204" pitchFamily="18" charset="0"/>
+                            </a:rPr>
+                            <m:t>𝑖</m:t>
+                          </m:r>
+                        </m:sub>
+                      </m:sSub>
+                      <m:r>
+                        <a:rPr lang="en-US" b="0" i="1" smtClean="0">
+                          <a:latin typeface="Cambria Math" panose="02040503050406030204" pitchFamily="18" charset="0"/>
+                        </a:rPr>
+                        <m:t>−</m:t>
+                      </m:r>
+                      <m:sSup>
+                        <m:sSupPr>
+                          <m:ctrlPr>
+                            <a:rPr lang="en-US" b="0" i="1" smtClean="0">
+                              <a:latin typeface="Cambria Math" panose="02040503050406030204" pitchFamily="18" charset="0"/>
+                            </a:rPr>
+                          </m:ctrlPr>
+                        </m:sSupPr>
+                        <m:e>
+                          <m:d>
+                            <m:dPr>
+                              <m:ctrlPr>
+                                <a:rPr lang="en-US" b="0" i="1" smtClean="0">
+                                  <a:latin typeface="Cambria Math" panose="02040503050406030204" pitchFamily="18" charset="0"/>
+                                </a:rPr>
+                              </m:ctrlPr>
+                            </m:dPr>
+                            <m:e>
+                              <m:r>
+                                <a:rPr lang="en-US" b="0" i="1" smtClean="0">
+                                  <a:latin typeface="Cambria Math" panose="02040503050406030204" pitchFamily="18" charset="0"/>
+                                </a:rPr>
+                                <m:t>𝐻</m:t>
+                              </m:r>
+                              <m:r>
+                                <a:rPr lang="en-US" b="0" i="1" smtClean="0">
+                                  <a:latin typeface="Cambria Math" panose="02040503050406030204" pitchFamily="18" charset="0"/>
+                                </a:rPr>
+                                <m:t>+</m:t>
+                              </m:r>
+                              <m:r>
+                                <a:rPr lang="en-US" b="0" i="1" smtClean="0">
+                                  <a:latin typeface="Cambria Math" panose="02040503050406030204" pitchFamily="18" charset="0"/>
+                                </a:rPr>
+                                <m:t>𝜆</m:t>
+                              </m:r>
+                              <m:sSub>
+                                <m:sSubPr>
+                                  <m:ctrlPr>
+                                    <a:rPr lang="en-US" b="0" i="1" smtClean="0">
+                                      <a:latin typeface="Cambria Math" panose="02040503050406030204" pitchFamily="18" charset="0"/>
+                                    </a:rPr>
+                                  </m:ctrlPr>
+                                </m:sSubPr>
+                                <m:e>
+                                  <m:r>
+                                    <a:rPr lang="en-US" b="0" i="1" smtClean="0">
+                                      <a:latin typeface="Cambria Math" panose="02040503050406030204" pitchFamily="18" charset="0"/>
+                                    </a:rPr>
+                                    <m:t>𝐼</m:t>
+                                  </m:r>
+                                </m:e>
+                                <m:sub>
+                                  <m:r>
+                                    <a:rPr lang="en-US" b="0" i="1" smtClean="0">
+                                      <a:latin typeface="Cambria Math" panose="02040503050406030204" pitchFamily="18" charset="0"/>
+                                    </a:rPr>
+                                    <m:t>𝑚𝑎𝑡</m:t>
+                                  </m:r>
+                                </m:sub>
+                              </m:sSub>
+                            </m:e>
+                          </m:d>
+                        </m:e>
+                        <m:sup>
+                          <m:r>
+                            <a:rPr lang="en-US" b="0" i="1" smtClean="0">
+                              <a:latin typeface="Cambria Math" panose="02040503050406030204" pitchFamily="18" charset="0"/>
+                            </a:rPr>
+                            <m:t>−1</m:t>
+                          </m:r>
+                        </m:sup>
+                      </m:sSup>
+                      <m:r>
+                        <a:rPr lang="en-US" b="0" i="1" smtClean="0">
+                          <a:latin typeface="Cambria Math" panose="02040503050406030204" pitchFamily="18" charset="0"/>
+                        </a:rPr>
+                        <m:t>𝐽</m:t>
+                      </m:r>
+                    </m:oMath>
+                  </m:oMathPara>
+                </a14:m>
+                <a:endParaRPr lang="en-US" dirty="0"/>
+              </a:p>
+              <a:p>
+                <a:pPr marL="0" indent="0">
+                  <a:buNone/>
+                </a:pPr>
+                <a:r>
+                  <a:rPr lang="en-US" dirty="0"/>
+                  <a:t>Where, (note: t is fixed for this step, i.e. for each day or t, we optimize value of </a:t>
+                </a:r>
+                <a14:m>
+                  <m:oMath xmlns:m="http://schemas.openxmlformats.org/officeDocument/2006/math">
+                    <m:sSub>
+                      <m:sSubPr>
+                        <m:ctrlPr>
+                          <a:rPr lang="en-US" i="1">
+                            <a:latin typeface="Cambria Math" panose="02040503050406030204" pitchFamily="18" charset="0"/>
+                          </a:rPr>
+                        </m:ctrlPr>
+                      </m:sSubPr>
+                      <m:e>
+                        <m:r>
+                          <a:rPr lang="en-US" i="1">
+                            <a:latin typeface="Cambria Math" panose="02040503050406030204" pitchFamily="18" charset="0"/>
+                          </a:rPr>
+                          <m:t>𝑑</m:t>
+                        </m:r>
+                      </m:e>
+                      <m:sub>
+                        <m:r>
+                          <a:rPr lang="en-US" i="1">
+                            <a:latin typeface="Cambria Math" panose="02040503050406030204" pitchFamily="18" charset="0"/>
+                          </a:rPr>
+                          <m:t>𝐼</m:t>
+                        </m:r>
+                      </m:sub>
+                    </m:sSub>
+                  </m:oMath>
+                </a14:m>
+                <a:r>
+                  <a:rPr lang="en-US" dirty="0"/>
+                  <a:t>)</a:t>
+                </a:r>
+              </a:p>
+              <a:p>
+                <a:pPr marL="0" indent="0">
+                  <a:buNone/>
+                </a:pPr>
+                <a14:m>
+                  <m:oMath xmlns:m="http://schemas.openxmlformats.org/officeDocument/2006/math">
+                    <m:r>
+                      <a:rPr lang="en-US" i="1">
+                        <a:latin typeface="Cambria Math" panose="02040503050406030204" pitchFamily="18" charset="0"/>
+                      </a:rPr>
+                      <m:t>𝐻</m:t>
+                    </m:r>
+                  </m:oMath>
+                </a14:m>
+                <a:r>
+                  <a:rPr lang="en-US" dirty="0"/>
+                  <a:t> is Hessian of </a:t>
+                </a:r>
+                <a14:m>
+                  <m:oMath xmlns:m="http://schemas.openxmlformats.org/officeDocument/2006/math">
+                    <m:r>
+                      <a:rPr lang="en-US" i="1">
+                        <a:latin typeface="Cambria Math" panose="02040503050406030204" pitchFamily="18" charset="0"/>
+                      </a:rPr>
+                      <m:t>𝑓</m:t>
+                    </m:r>
+                    <m:r>
+                      <a:rPr lang="en-US" i="1">
+                        <a:latin typeface="Cambria Math" panose="02040503050406030204" pitchFamily="18" charset="0"/>
+                      </a:rPr>
+                      <m:t>(</m:t>
+                    </m:r>
+                    <m:sSub>
+                      <m:sSubPr>
+                        <m:ctrlPr>
+                          <a:rPr lang="en-US" i="1">
+                            <a:latin typeface="Cambria Math" panose="02040503050406030204" pitchFamily="18" charset="0"/>
+                          </a:rPr>
+                        </m:ctrlPr>
+                      </m:sSubPr>
+                      <m:e>
+                        <m:r>
+                          <a:rPr lang="en-US" i="1">
+                            <a:latin typeface="Cambria Math" panose="02040503050406030204" pitchFamily="18" charset="0"/>
+                          </a:rPr>
+                          <m:t>𝑑</m:t>
+                        </m:r>
+                      </m:e>
+                      <m:sub>
+                        <m:r>
+                          <a:rPr lang="en-US" i="1">
+                            <a:latin typeface="Cambria Math" panose="02040503050406030204" pitchFamily="18" charset="0"/>
+                          </a:rPr>
+                          <m:t>𝐼</m:t>
+                        </m:r>
+                      </m:sub>
+                    </m:sSub>
+                    <m:r>
+                      <a:rPr lang="en-US" i="1">
+                        <a:latin typeface="Cambria Math" panose="02040503050406030204" pitchFamily="18" charset="0"/>
+                      </a:rPr>
+                      <m:t>,</m:t>
+                    </m:r>
+                    <m:r>
+                      <a:rPr lang="en-US" i="1">
+                        <a:latin typeface="Cambria Math" panose="02040503050406030204" pitchFamily="18" charset="0"/>
+                      </a:rPr>
+                      <m:t>𝑡</m:t>
+                    </m:r>
+                    <m:r>
+                      <a:rPr lang="en-US" i="1">
+                        <a:latin typeface="Cambria Math" panose="02040503050406030204" pitchFamily="18" charset="0"/>
+                      </a:rPr>
+                      <m:t>; </m:t>
+                    </m:r>
+                    <m:r>
+                      <a:rPr lang="en-US" i="1">
+                        <a:latin typeface="Cambria Math" panose="02040503050406030204" pitchFamily="18" charset="0"/>
+                      </a:rPr>
+                      <m:t>𝜃</m:t>
+                    </m:r>
+                    <m:r>
+                      <a:rPr lang="en-US" i="1">
+                        <a:latin typeface="Cambria Math" panose="02040503050406030204" pitchFamily="18" charset="0"/>
+                      </a:rPr>
+                      <m:t>)</m:t>
+                    </m:r>
+                  </m:oMath>
+                </a14:m>
+                <a:r>
+                  <a:rPr lang="en-US" dirty="0"/>
+                  <a:t> </a:t>
+                </a:r>
+              </a:p>
+              <a:p>
+                <a:pPr marL="0" indent="0">
+                  <a:buNone/>
+                </a:pPr>
+                <a14:m>
+                  <m:oMath xmlns:m="http://schemas.openxmlformats.org/officeDocument/2006/math">
+                    <m:r>
+                      <a:rPr lang="en-US" i="1">
+                        <a:latin typeface="Cambria Math" panose="02040503050406030204" pitchFamily="18" charset="0"/>
+                      </a:rPr>
+                      <m:t>𝜆</m:t>
+                    </m:r>
+                  </m:oMath>
+                </a14:m>
+                <a:r>
+                  <a:rPr lang="en-US" dirty="0"/>
+                  <a:t> is step size (not exactly but sort of)</a:t>
+                </a:r>
+              </a:p>
+              <a:p>
+                <a:pPr marL="0" indent="0">
+                  <a:buNone/>
+                </a:pPr>
+                <a14:m>
+                  <m:oMath xmlns:m="http://schemas.openxmlformats.org/officeDocument/2006/math">
+                    <m:sSub>
+                      <m:sSubPr>
+                        <m:ctrlPr>
+                          <a:rPr lang="en-US" i="1">
+                            <a:latin typeface="Cambria Math" panose="02040503050406030204" pitchFamily="18" charset="0"/>
+                          </a:rPr>
+                        </m:ctrlPr>
+                      </m:sSubPr>
+                      <m:e>
+                        <m:r>
+                          <a:rPr lang="en-US" i="1">
+                            <a:latin typeface="Cambria Math" panose="02040503050406030204" pitchFamily="18" charset="0"/>
+                          </a:rPr>
+                          <m:t>𝐼</m:t>
+                        </m:r>
+                      </m:e>
+                      <m:sub>
+                        <m:r>
+                          <a:rPr lang="en-US" i="1">
+                            <a:latin typeface="Cambria Math" panose="02040503050406030204" pitchFamily="18" charset="0"/>
+                          </a:rPr>
+                          <m:t>𝑚𝑎𝑡</m:t>
+                        </m:r>
+                      </m:sub>
+                    </m:sSub>
+                  </m:oMath>
+                </a14:m>
+                <a:r>
+                  <a:rPr lang="en-US" dirty="0"/>
+                  <a:t> is identity matrix</a:t>
+                </a:r>
+              </a:p>
+              <a:p>
+                <a:pPr marL="0" indent="0">
+                  <a:buNone/>
+                </a:pPr>
+                <a14:m>
+                  <m:oMath xmlns:m="http://schemas.openxmlformats.org/officeDocument/2006/math">
+                    <m:r>
+                      <a:rPr lang="en-US" i="1">
+                        <a:latin typeface="Cambria Math" panose="02040503050406030204" pitchFamily="18" charset="0"/>
+                      </a:rPr>
+                      <m:t>𝐽</m:t>
+                    </m:r>
+                  </m:oMath>
+                </a14:m>
+                <a:r>
+                  <a:rPr lang="en-US" dirty="0"/>
+                  <a:t> is Jacobian of </a:t>
+                </a:r>
+                <a14:m>
+                  <m:oMath xmlns:m="http://schemas.openxmlformats.org/officeDocument/2006/math">
+                    <m:r>
+                      <a:rPr lang="en-US" i="1">
+                        <a:latin typeface="Cambria Math" panose="02040503050406030204" pitchFamily="18" charset="0"/>
+                      </a:rPr>
+                      <m:t>𝑓</m:t>
+                    </m:r>
+                    <m:r>
+                      <a:rPr lang="en-US" i="1">
+                        <a:latin typeface="Cambria Math" panose="02040503050406030204" pitchFamily="18" charset="0"/>
+                      </a:rPr>
+                      <m:t>(</m:t>
+                    </m:r>
+                    <m:sSub>
+                      <m:sSubPr>
+                        <m:ctrlPr>
+                          <a:rPr lang="en-US" i="1">
+                            <a:latin typeface="Cambria Math" panose="02040503050406030204" pitchFamily="18" charset="0"/>
+                          </a:rPr>
+                        </m:ctrlPr>
+                      </m:sSubPr>
+                      <m:e>
+                        <m:r>
+                          <a:rPr lang="en-US" i="1">
+                            <a:latin typeface="Cambria Math" panose="02040503050406030204" pitchFamily="18" charset="0"/>
+                          </a:rPr>
+                          <m:t>𝑑</m:t>
+                        </m:r>
+                      </m:e>
+                      <m:sub>
+                        <m:r>
+                          <a:rPr lang="en-US" i="1">
+                            <a:latin typeface="Cambria Math" panose="02040503050406030204" pitchFamily="18" charset="0"/>
+                          </a:rPr>
+                          <m:t>𝐼</m:t>
+                        </m:r>
+                      </m:sub>
+                    </m:sSub>
+                    <m:r>
+                      <a:rPr lang="en-US" i="1">
+                        <a:latin typeface="Cambria Math" panose="02040503050406030204" pitchFamily="18" charset="0"/>
+                      </a:rPr>
+                      <m:t>,</m:t>
+                    </m:r>
+                    <m:r>
+                      <a:rPr lang="en-US" i="1">
+                        <a:latin typeface="Cambria Math" panose="02040503050406030204" pitchFamily="18" charset="0"/>
+                      </a:rPr>
+                      <m:t>𝑡</m:t>
+                    </m:r>
+                    <m:r>
+                      <a:rPr lang="en-US" i="1">
+                        <a:latin typeface="Cambria Math" panose="02040503050406030204" pitchFamily="18" charset="0"/>
+                      </a:rPr>
+                      <m:t>; </m:t>
+                    </m:r>
+                    <m:r>
+                      <a:rPr lang="en-US" i="1">
+                        <a:latin typeface="Cambria Math" panose="02040503050406030204" pitchFamily="18" charset="0"/>
+                      </a:rPr>
+                      <m:t>𝜃</m:t>
+                    </m:r>
+                    <m:r>
+                      <a:rPr lang="en-US" i="1">
+                        <a:latin typeface="Cambria Math" panose="02040503050406030204" pitchFamily="18" charset="0"/>
+                      </a:rPr>
+                      <m:t>)</m:t>
+                    </m:r>
+                  </m:oMath>
+                </a14:m>
+                <a:endParaRPr lang="en-US" dirty="0"/>
+              </a:p>
+              <a:p>
+                <a:pPr marL="0" indent="0">
+                  <a:buNone/>
+                </a:pPr>
+                <a:endParaRPr lang="en-US" dirty="0"/>
               </a:p>
             </p:txBody>
           </p:sp>
@@ -11787,7 +14790,7 @@
               <p:cNvPr id="3" name="Content Placeholder 2">
                 <a:extLst>
                   <a:ext uri="{FF2B5EF4-FFF2-40B4-BE49-F238E27FC236}">
-                    <a16:creationId xmlns:a16="http://schemas.microsoft.com/office/drawing/2014/main" id="{3036027D-5D8A-B146-AAF6-B97C0D661913}"/>
+                    <a16:creationId xmlns:a16="http://schemas.microsoft.com/office/drawing/2014/main" id="{96485268-EBAF-1547-ABCA-DF85AE99F313}"/>
                   </a:ext>
                 </a:extLst>
               </p:cNvPr>
@@ -11802,7 +14805,7 @@
               <a:blipFill>
                 <a:blip r:embed="rId2"/>
                 <a:stretch>
-                  <a:fillRect l="-965" t="-2632"/>
+                  <a:fillRect l="-483" t="-2632"/>
                 </a:stretch>
               </a:blipFill>
             </p:spPr>
@@ -11824,7 +14827,7 @@
     </p:spTree>
     <p:extLst>
       <p:ext uri="{BB962C8B-B14F-4D97-AF65-F5344CB8AC3E}">
-        <p14:creationId xmlns:p14="http://schemas.microsoft.com/office/powerpoint/2010/main" val="1106818555"/>
+        <p14:creationId xmlns:p14="http://schemas.microsoft.com/office/powerpoint/2010/main" val="2105396917"/>
       </p:ext>
     </p:extLst>
   </p:cSld>
@@ -11834,7 +14837,65 @@
 </p:sld>
 </file>
 
-<file path=ppt/slides/slide6.xml><?xml version="1.0" encoding="utf-8"?>
+<file path=ppt/slides/slide8.xml><?xml version="1.0" encoding="utf-8"?>
+<p:sld xmlns:a="http://schemas.openxmlformats.org/drawingml/2006/main" xmlns:r="http://schemas.openxmlformats.org/officeDocument/2006/relationships" xmlns:p="http://schemas.openxmlformats.org/presentationml/2006/main">
+  <p:cSld>
+    <p:spTree>
+      <p:nvGrpSpPr>
+        <p:cNvPr id="1" name=""/>
+        <p:cNvGrpSpPr/>
+        <p:nvPr/>
+      </p:nvGrpSpPr>
+      <p:grpSpPr>
+        <a:xfrm>
+          <a:off x="0" y="0"/>
+          <a:ext cx="0" cy="0"/>
+          <a:chOff x="0" y="0"/>
+          <a:chExt cx="0" cy="0"/>
+        </a:xfrm>
+      </p:grpSpPr>
+      <p:sp>
+        <p:nvSpPr>
+          <p:cNvPr id="2" name="Title 1">
+            <a:extLst>
+              <a:ext uri="{FF2B5EF4-FFF2-40B4-BE49-F238E27FC236}">
+                <a16:creationId xmlns:a16="http://schemas.microsoft.com/office/drawing/2014/main" id="{FF09E241-DBED-DC4D-B968-D41B6E1EBDD9}"/>
+              </a:ext>
+            </a:extLst>
+          </p:cNvPr>
+          <p:cNvSpPr>
+            <a:spLocks noGrp="1"/>
+          </p:cNvSpPr>
+          <p:nvPr>
+            <p:ph type="ctrTitle"/>
+          </p:nvPr>
+        </p:nvSpPr>
+        <p:spPr/>
+        <p:txBody>
+          <a:bodyPr/>
+          <a:lstStyle/>
+          <a:p>
+            <a:r>
+              <a:rPr lang="en-US" dirty="0"/>
+              <a:t>Results of calibration</a:t>
+            </a:r>
+          </a:p>
+        </p:txBody>
+      </p:sp>
+    </p:spTree>
+    <p:extLst>
+      <p:ext uri="{BB962C8B-B14F-4D97-AF65-F5344CB8AC3E}">
+        <p14:creationId xmlns:p14="http://schemas.microsoft.com/office/powerpoint/2010/main" val="44027459"/>
+      </p:ext>
+    </p:extLst>
+  </p:cSld>
+  <p:clrMapOvr>
+    <a:masterClrMapping/>
+  </p:clrMapOvr>
+</p:sld>
+</file>
+
+<file path=ppt/slides/slide9.xml><?xml version="1.0" encoding="utf-8"?>
 <p:sld xmlns:a="http://schemas.openxmlformats.org/drawingml/2006/main" xmlns:r="http://schemas.openxmlformats.org/officeDocument/2006/relationships" xmlns:p="http://schemas.openxmlformats.org/presentationml/2006/main">
   <p:cSld>
     <p:spTree>
@@ -11942,726 +15003,6 @@
     <p:extLst>
       <p:ext uri="{BB962C8B-B14F-4D97-AF65-F5344CB8AC3E}">
         <p14:creationId xmlns:p14="http://schemas.microsoft.com/office/powerpoint/2010/main" val="3558016062"/>
-      </p:ext>
-    </p:extLst>
-  </p:cSld>
-  <p:clrMapOvr>
-    <a:masterClrMapping/>
-  </p:clrMapOvr>
-</p:sld>
-</file>
-
-<file path=ppt/slides/slide7.xml><?xml version="1.0" encoding="utf-8"?>
-<p:sld xmlns:a="http://schemas.openxmlformats.org/drawingml/2006/main" xmlns:r="http://schemas.openxmlformats.org/officeDocument/2006/relationships" xmlns:p="http://schemas.openxmlformats.org/presentationml/2006/main">
-  <p:cSld>
-    <p:spTree>
-      <p:nvGrpSpPr>
-        <p:cNvPr id="1" name=""/>
-        <p:cNvGrpSpPr/>
-        <p:nvPr/>
-      </p:nvGrpSpPr>
-      <p:grpSpPr>
-        <a:xfrm>
-          <a:off x="0" y="0"/>
-          <a:ext cx="0" cy="0"/>
-          <a:chOff x="0" y="0"/>
-          <a:chExt cx="0" cy="0"/>
-        </a:xfrm>
-      </p:grpSpPr>
-      <mc:AlternateContent xmlns:mc="http://schemas.openxmlformats.org/markup-compatibility/2006">
-        <mc:Choice xmlns:a14="http://schemas.microsoft.com/office/drawing/2010/main" Requires="a14">
-          <p:sp>
-            <p:nvSpPr>
-              <p:cNvPr id="2" name="Title 1">
-                <a:extLst>
-                  <a:ext uri="{FF2B5EF4-FFF2-40B4-BE49-F238E27FC236}">
-                    <a16:creationId xmlns:a16="http://schemas.microsoft.com/office/drawing/2014/main" id="{AB88907C-6983-114F-BF0A-779E00AA3A5B}"/>
-                  </a:ext>
-                </a:extLst>
-              </p:cNvPr>
-              <p:cNvSpPr>
-                <a:spLocks noGrp="1"/>
-              </p:cNvSpPr>
-              <p:nvPr>
-                <p:ph type="title"/>
-              </p:nvPr>
-            </p:nvSpPr>
-            <p:spPr/>
-            <p:txBody>
-              <a:bodyPr/>
-              <a:lstStyle/>
-              <a:p>
-                <a:r>
-                  <a:rPr lang="en-US" dirty="0"/>
-                  <a:t>Model fit </a:t>
-                </a:r>
-                <a14:m>
-                  <m:oMath xmlns:m="http://schemas.openxmlformats.org/officeDocument/2006/math">
-                    <m:r>
-                      <a:rPr lang="en-US" b="0" i="0" smtClean="0">
-                        <a:latin typeface="Cambria Math" panose="02040503050406030204" pitchFamily="18" charset="0"/>
-                      </a:rPr>
-                      <m:t>(</m:t>
-                    </m:r>
-                    <m:sSub>
-                      <m:sSubPr>
-                        <m:ctrlPr>
-                          <a:rPr lang="en-US" b="0" i="1" smtClean="0">
-                            <a:latin typeface="Cambria Math" panose="02040503050406030204" pitchFamily="18" charset="0"/>
-                          </a:rPr>
-                        </m:ctrlPr>
-                      </m:sSubPr>
-                      <m:e>
-                        <m:r>
-                          <a:rPr lang="en-US" b="0" i="1" smtClean="0">
-                            <a:latin typeface="Cambria Math" panose="02040503050406030204" pitchFamily="18" charset="0"/>
-                          </a:rPr>
-                          <m:t>𝑅</m:t>
-                        </m:r>
-                      </m:e>
-                      <m:sub>
-                        <m:r>
-                          <a:rPr lang="en-US" b="0" i="1" smtClean="0">
-                            <a:latin typeface="Cambria Math" panose="02040503050406030204" pitchFamily="18" charset="0"/>
-                          </a:rPr>
-                          <m:t>0</m:t>
-                        </m:r>
-                      </m:sub>
-                    </m:sSub>
-                    <m:r>
-                      <a:rPr lang="en-US" b="0" i="1" smtClean="0">
-                        <a:latin typeface="Cambria Math" panose="02040503050406030204" pitchFamily="18" charset="0"/>
-                      </a:rPr>
-                      <m:t>=2.2)</m:t>
-                    </m:r>
-                  </m:oMath>
-                </a14:m>
-                <a:endParaRPr lang="en-US" dirty="0"/>
-              </a:p>
-            </p:txBody>
-          </p:sp>
-        </mc:Choice>
-        <mc:Fallback>
-          <p:sp>
-            <p:nvSpPr>
-              <p:cNvPr id="2" name="Title 1">
-                <a:extLst>
-                  <a:ext uri="{FF2B5EF4-FFF2-40B4-BE49-F238E27FC236}">
-                    <a16:creationId xmlns:a16="http://schemas.microsoft.com/office/drawing/2014/main" id="{AB88907C-6983-114F-BF0A-779E00AA3A5B}"/>
-                  </a:ext>
-                </a:extLst>
-              </p:cNvPr>
-              <p:cNvSpPr>
-                <a:spLocks noGrp="1" noRot="1" noChangeAspect="1" noMove="1" noResize="1" noEditPoints="1" noAdjustHandles="1" noChangeArrowheads="1" noChangeShapeType="1" noTextEdit="1"/>
-              </p:cNvSpPr>
-              <p:nvPr>
-                <p:ph type="title"/>
-              </p:nvPr>
-            </p:nvSpPr>
-            <p:spPr>
-              <a:blipFill>
-                <a:blip r:embed="rId2"/>
-                <a:stretch>
-                  <a:fillRect l="-2292"/>
-                </a:stretch>
-              </a:blipFill>
-            </p:spPr>
-            <p:txBody>
-              <a:bodyPr/>
-              <a:lstStyle/>
-              <a:p>
-                <a:r>
-                  <a:rPr lang="en-US">
-                    <a:noFill/>
-                  </a:rPr>
-                  <a:t> </a:t>
-                </a:r>
-              </a:p>
-            </p:txBody>
-          </p:sp>
-        </mc:Fallback>
-      </mc:AlternateContent>
-      <p:pic>
-        <p:nvPicPr>
-          <p:cNvPr id="5" name="Content Placeholder 4" descr="A picture containing screenshot&#10;&#10;Description automatically generated">
-            <a:extLst>
-              <a:ext uri="{FF2B5EF4-FFF2-40B4-BE49-F238E27FC236}">
-                <a16:creationId xmlns:a16="http://schemas.microsoft.com/office/drawing/2014/main" id="{53CD0030-B517-EF4C-854C-199BCB370E4F}"/>
-              </a:ext>
-            </a:extLst>
-          </p:cNvPr>
-          <p:cNvPicPr>
-            <a:picLocks noGrp="1" noChangeAspect="1"/>
-          </p:cNvPicPr>
-          <p:nvPr>
-            <p:ph idx="1"/>
-          </p:nvPr>
-        </p:nvPicPr>
-        <p:blipFill>
-          <a:blip r:embed="rId3"/>
-          <a:stretch>
-            <a:fillRect/>
-          </a:stretch>
-        </p:blipFill>
-        <p:spPr>
-          <a:xfrm>
-            <a:off x="6210300" y="0"/>
-            <a:ext cx="4672013" cy="3114675"/>
-          </a:xfrm>
-        </p:spPr>
-      </p:pic>
-      <p:pic>
-        <p:nvPicPr>
-          <p:cNvPr id="7" name="Picture 6" descr="A screenshot of a cell phone&#10;&#10;Description automatically generated">
-            <a:extLst>
-              <a:ext uri="{FF2B5EF4-FFF2-40B4-BE49-F238E27FC236}">
-                <a16:creationId xmlns:a16="http://schemas.microsoft.com/office/drawing/2014/main" id="{59DE5F99-433C-BD47-87AE-0E3184E580B1}"/>
-              </a:ext>
-            </a:extLst>
-          </p:cNvPr>
-          <p:cNvPicPr>
-            <a:picLocks noChangeAspect="1"/>
-          </p:cNvPicPr>
-          <p:nvPr/>
-        </p:nvPicPr>
-        <p:blipFill>
-          <a:blip r:embed="rId4"/>
-          <a:stretch>
-            <a:fillRect/>
-          </a:stretch>
-        </p:blipFill>
-        <p:spPr>
-          <a:xfrm>
-            <a:off x="838200" y="1833562"/>
-            <a:ext cx="4786313" cy="3190875"/>
-          </a:xfrm>
-          <a:prstGeom prst="rect">
-            <a:avLst/>
-          </a:prstGeom>
-        </p:spPr>
-      </p:pic>
-      <p:pic>
-        <p:nvPicPr>
-          <p:cNvPr id="9" name="Picture 8" descr="A screenshot of a cell phone&#10;&#10;Description automatically generated">
-            <a:extLst>
-              <a:ext uri="{FF2B5EF4-FFF2-40B4-BE49-F238E27FC236}">
-                <a16:creationId xmlns:a16="http://schemas.microsoft.com/office/drawing/2014/main" id="{ABE6EA29-9FB0-4C42-883B-596085A3EC20}"/>
-              </a:ext>
-            </a:extLst>
-          </p:cNvPr>
-          <p:cNvPicPr>
-            <a:picLocks noChangeAspect="1"/>
-          </p:cNvPicPr>
-          <p:nvPr/>
-        </p:nvPicPr>
-        <p:blipFill>
-          <a:blip r:embed="rId5"/>
-          <a:stretch>
-            <a:fillRect/>
-          </a:stretch>
-        </p:blipFill>
-        <p:spPr>
-          <a:xfrm>
-            <a:off x="6210300" y="3544886"/>
-            <a:ext cx="4672014" cy="3114676"/>
-          </a:xfrm>
-          <a:prstGeom prst="rect">
-            <a:avLst/>
-          </a:prstGeom>
-        </p:spPr>
-      </p:pic>
-    </p:spTree>
-    <p:extLst>
-      <p:ext uri="{BB962C8B-B14F-4D97-AF65-F5344CB8AC3E}">
-        <p14:creationId xmlns:p14="http://schemas.microsoft.com/office/powerpoint/2010/main" val="2553444200"/>
-      </p:ext>
-    </p:extLst>
-  </p:cSld>
-  <p:clrMapOvr>
-    <a:masterClrMapping/>
-  </p:clrMapOvr>
-</p:sld>
-</file>
-
-<file path=ppt/slides/slide8.xml><?xml version="1.0" encoding="utf-8"?>
-<p:sld xmlns:a="http://schemas.openxmlformats.org/drawingml/2006/main" xmlns:r="http://schemas.openxmlformats.org/officeDocument/2006/relationships" xmlns:p="http://schemas.openxmlformats.org/presentationml/2006/main">
-  <p:cSld>
-    <p:spTree>
-      <p:nvGrpSpPr>
-        <p:cNvPr id="1" name=""/>
-        <p:cNvGrpSpPr/>
-        <p:nvPr/>
-      </p:nvGrpSpPr>
-      <p:grpSpPr>
-        <a:xfrm>
-          <a:off x="0" y="0"/>
-          <a:ext cx="0" cy="0"/>
-          <a:chOff x="0" y="0"/>
-          <a:chExt cx="0" cy="0"/>
-        </a:xfrm>
-      </p:grpSpPr>
-      <mc:AlternateContent xmlns:mc="http://schemas.openxmlformats.org/markup-compatibility/2006">
-        <mc:Choice xmlns:a14="http://schemas.microsoft.com/office/drawing/2010/main" Requires="a14">
-          <p:sp>
-            <p:nvSpPr>
-              <p:cNvPr id="2" name="Title 1">
-                <a:extLst>
-                  <a:ext uri="{FF2B5EF4-FFF2-40B4-BE49-F238E27FC236}">
-                    <a16:creationId xmlns:a16="http://schemas.microsoft.com/office/drawing/2014/main" id="{D1806B1D-FDBF-8341-9E1C-ABE0E7EA52EF}"/>
-                  </a:ext>
-                </a:extLst>
-              </p:cNvPr>
-              <p:cNvSpPr>
-                <a:spLocks noGrp="1"/>
-              </p:cNvSpPr>
-              <p:nvPr>
-                <p:ph type="title"/>
-              </p:nvPr>
-            </p:nvSpPr>
-            <p:spPr/>
-            <p:txBody>
-              <a:bodyPr/>
-              <a:lstStyle/>
-              <a:p>
-                <a:r>
-                  <a:rPr lang="en-US" dirty="0"/>
-                  <a:t>Model fit </a:t>
-                </a:r>
-                <a14:m>
-                  <m:oMath xmlns:m="http://schemas.openxmlformats.org/officeDocument/2006/math">
-                    <m:r>
-                      <a:rPr lang="en-US">
-                        <a:latin typeface="Cambria Math" panose="02040503050406030204" pitchFamily="18" charset="0"/>
-                      </a:rPr>
-                      <m:t>(</m:t>
-                    </m:r>
-                    <m:sSub>
-                      <m:sSubPr>
-                        <m:ctrlPr>
-                          <a:rPr lang="en-US" i="1">
-                            <a:latin typeface="Cambria Math" panose="02040503050406030204" pitchFamily="18" charset="0"/>
-                          </a:rPr>
-                        </m:ctrlPr>
-                      </m:sSubPr>
-                      <m:e>
-                        <m:r>
-                          <a:rPr lang="en-US" i="1">
-                            <a:latin typeface="Cambria Math" panose="02040503050406030204" pitchFamily="18" charset="0"/>
-                          </a:rPr>
-                          <m:t>𝑅</m:t>
-                        </m:r>
-                      </m:e>
-                      <m:sub>
-                        <m:r>
-                          <a:rPr lang="en-US" i="1">
-                            <a:latin typeface="Cambria Math" panose="02040503050406030204" pitchFamily="18" charset="0"/>
-                          </a:rPr>
-                          <m:t>0</m:t>
-                        </m:r>
-                      </m:sub>
-                    </m:sSub>
-                    <m:r>
-                      <a:rPr lang="en-US" i="1">
-                        <a:latin typeface="Cambria Math" panose="02040503050406030204" pitchFamily="18" charset="0"/>
-                      </a:rPr>
-                      <m:t>=</m:t>
-                    </m:r>
-                    <m:r>
-                      <a:rPr lang="en-US" b="0" i="1" smtClean="0">
-                        <a:latin typeface="Cambria Math" panose="02040503050406030204" pitchFamily="18" charset="0"/>
-                      </a:rPr>
-                      <m:t>1</m:t>
-                    </m:r>
-                    <m:r>
-                      <a:rPr lang="en-US" i="1">
-                        <a:latin typeface="Cambria Math" panose="02040503050406030204" pitchFamily="18" charset="0"/>
-                      </a:rPr>
-                      <m:t>.2)</m:t>
-                    </m:r>
-                  </m:oMath>
-                </a14:m>
-                <a:endParaRPr lang="en-US" dirty="0"/>
-              </a:p>
-            </p:txBody>
-          </p:sp>
-        </mc:Choice>
-        <mc:Fallback>
-          <p:sp>
-            <p:nvSpPr>
-              <p:cNvPr id="2" name="Title 1">
-                <a:extLst>
-                  <a:ext uri="{FF2B5EF4-FFF2-40B4-BE49-F238E27FC236}">
-                    <a16:creationId xmlns:a16="http://schemas.microsoft.com/office/drawing/2014/main" id="{D1806B1D-FDBF-8341-9E1C-ABE0E7EA52EF}"/>
-                  </a:ext>
-                </a:extLst>
-              </p:cNvPr>
-              <p:cNvSpPr>
-                <a:spLocks noGrp="1" noRot="1" noChangeAspect="1" noMove="1" noResize="1" noEditPoints="1" noAdjustHandles="1" noChangeArrowheads="1" noChangeShapeType="1" noTextEdit="1"/>
-              </p:cNvSpPr>
-              <p:nvPr>
-                <p:ph type="title"/>
-              </p:nvPr>
-            </p:nvSpPr>
-            <p:spPr>
-              <a:blipFill>
-                <a:blip r:embed="rId2"/>
-                <a:stretch>
-                  <a:fillRect l="-2292"/>
-                </a:stretch>
-              </a:blipFill>
-            </p:spPr>
-            <p:txBody>
-              <a:bodyPr/>
-              <a:lstStyle/>
-              <a:p>
-                <a:r>
-                  <a:rPr lang="en-US">
-                    <a:noFill/>
-                  </a:rPr>
-                  <a:t> </a:t>
-                </a:r>
-              </a:p>
-            </p:txBody>
-          </p:sp>
-        </mc:Fallback>
-      </mc:AlternateContent>
-      <p:pic>
-        <p:nvPicPr>
-          <p:cNvPr id="5" name="Content Placeholder 4" descr="A screenshot of a cell phone&#10;&#10;Description automatically generated">
-            <a:extLst>
-              <a:ext uri="{FF2B5EF4-FFF2-40B4-BE49-F238E27FC236}">
-                <a16:creationId xmlns:a16="http://schemas.microsoft.com/office/drawing/2014/main" id="{B110EC80-F725-904F-A143-94501D9E954E}"/>
-              </a:ext>
-            </a:extLst>
-          </p:cNvPr>
-          <p:cNvPicPr>
-            <a:picLocks noGrp="1" noChangeAspect="1"/>
-          </p:cNvPicPr>
-          <p:nvPr>
-            <p:ph idx="1"/>
-          </p:nvPr>
-        </p:nvPicPr>
-        <p:blipFill>
-          <a:blip r:embed="rId3"/>
-          <a:stretch>
-            <a:fillRect/>
-          </a:stretch>
-        </p:blipFill>
-        <p:spPr>
-          <a:xfrm>
-            <a:off x="6729412" y="268273"/>
-            <a:ext cx="4624388" cy="3082925"/>
-          </a:xfrm>
-        </p:spPr>
-      </p:pic>
-      <p:pic>
-        <p:nvPicPr>
-          <p:cNvPr id="7" name="Picture 6" descr="A screenshot of a cell phone&#10;&#10;Description automatically generated">
-            <a:extLst>
-              <a:ext uri="{FF2B5EF4-FFF2-40B4-BE49-F238E27FC236}">
-                <a16:creationId xmlns:a16="http://schemas.microsoft.com/office/drawing/2014/main" id="{B1EA07B9-27A7-934E-83EE-970C12813ADC}"/>
-              </a:ext>
-            </a:extLst>
-          </p:cNvPr>
-          <p:cNvPicPr>
-            <a:picLocks noChangeAspect="1"/>
-          </p:cNvPicPr>
-          <p:nvPr/>
-        </p:nvPicPr>
-        <p:blipFill>
-          <a:blip r:embed="rId4"/>
-          <a:stretch>
-            <a:fillRect/>
-          </a:stretch>
-        </p:blipFill>
-        <p:spPr>
-          <a:xfrm>
-            <a:off x="1040606" y="1625597"/>
-            <a:ext cx="5486400" cy="3657600"/>
-          </a:xfrm>
-          <a:prstGeom prst="rect">
-            <a:avLst/>
-          </a:prstGeom>
-        </p:spPr>
-      </p:pic>
-      <p:pic>
-        <p:nvPicPr>
-          <p:cNvPr id="9" name="Picture 8" descr="A close up of a map&#10;&#10;Description automatically generated">
-            <a:extLst>
-              <a:ext uri="{FF2B5EF4-FFF2-40B4-BE49-F238E27FC236}">
-                <a16:creationId xmlns:a16="http://schemas.microsoft.com/office/drawing/2014/main" id="{5141AFC0-A155-B143-9DE7-04B7109B6CC1}"/>
-              </a:ext>
-            </a:extLst>
-          </p:cNvPr>
-          <p:cNvPicPr>
-            <a:picLocks noChangeAspect="1"/>
-          </p:cNvPicPr>
-          <p:nvPr/>
-        </p:nvPicPr>
-        <p:blipFill>
-          <a:blip r:embed="rId5"/>
-          <a:stretch>
-            <a:fillRect/>
-          </a:stretch>
-        </p:blipFill>
-        <p:spPr>
-          <a:xfrm>
-            <a:off x="6729412" y="3351198"/>
-            <a:ext cx="4624388" cy="3082925"/>
-          </a:xfrm>
-          <a:prstGeom prst="rect">
-            <a:avLst/>
-          </a:prstGeom>
-        </p:spPr>
-      </p:pic>
-    </p:spTree>
-    <p:extLst>
-      <p:ext uri="{BB962C8B-B14F-4D97-AF65-F5344CB8AC3E}">
-        <p14:creationId xmlns:p14="http://schemas.microsoft.com/office/powerpoint/2010/main" val="2613487115"/>
-      </p:ext>
-    </p:extLst>
-  </p:cSld>
-  <p:clrMapOvr>
-    <a:masterClrMapping/>
-  </p:clrMapOvr>
-</p:sld>
-</file>
-
-<file path=ppt/slides/slide9.xml><?xml version="1.0" encoding="utf-8"?>
-<p:sld xmlns:a="http://schemas.openxmlformats.org/drawingml/2006/main" xmlns:r="http://schemas.openxmlformats.org/officeDocument/2006/relationships" xmlns:p="http://schemas.openxmlformats.org/presentationml/2006/main">
-  <p:cSld>
-    <p:spTree>
-      <p:nvGrpSpPr>
-        <p:cNvPr id="1" name=""/>
-        <p:cNvGrpSpPr/>
-        <p:nvPr/>
-      </p:nvGrpSpPr>
-      <p:grpSpPr>
-        <a:xfrm>
-          <a:off x="0" y="0"/>
-          <a:ext cx="0" cy="0"/>
-          <a:chOff x="0" y="0"/>
-          <a:chExt cx="0" cy="0"/>
-        </a:xfrm>
-      </p:grpSpPr>
-      <mc:AlternateContent xmlns:mc="http://schemas.openxmlformats.org/markup-compatibility/2006">
-        <mc:Choice xmlns:a14="http://schemas.microsoft.com/office/drawing/2010/main" Requires="a14">
-          <p:sp>
-            <p:nvSpPr>
-              <p:cNvPr id="2" name="Title 1">
-                <a:extLst>
-                  <a:ext uri="{FF2B5EF4-FFF2-40B4-BE49-F238E27FC236}">
-                    <a16:creationId xmlns:a16="http://schemas.microsoft.com/office/drawing/2014/main" id="{67D424CD-FEEA-8140-9B38-006D08F4AA5D}"/>
-                  </a:ext>
-                </a:extLst>
-              </p:cNvPr>
-              <p:cNvSpPr>
-                <a:spLocks noGrp="1"/>
-              </p:cNvSpPr>
-              <p:nvPr>
-                <p:ph type="title"/>
-              </p:nvPr>
-            </p:nvSpPr>
-            <p:spPr/>
-            <p:txBody>
-              <a:bodyPr/>
-              <a:lstStyle/>
-              <a:p>
-                <a:r>
-                  <a:rPr lang="en-US" dirty="0"/>
-                  <a:t>Model fit </a:t>
-                </a:r>
-                <a14:m>
-                  <m:oMath xmlns:m="http://schemas.openxmlformats.org/officeDocument/2006/math">
-                    <m:r>
-                      <a:rPr lang="en-US">
-                        <a:latin typeface="Cambria Math" panose="02040503050406030204" pitchFamily="18" charset="0"/>
-                      </a:rPr>
-                      <m:t>(</m:t>
-                    </m:r>
-                    <m:sSub>
-                      <m:sSubPr>
-                        <m:ctrlPr>
-                          <a:rPr lang="en-US" i="1">
-                            <a:latin typeface="Cambria Math" panose="02040503050406030204" pitchFamily="18" charset="0"/>
-                          </a:rPr>
-                        </m:ctrlPr>
-                      </m:sSubPr>
-                      <m:e>
-                        <m:r>
-                          <a:rPr lang="en-US" i="1">
-                            <a:latin typeface="Cambria Math" panose="02040503050406030204" pitchFamily="18" charset="0"/>
-                          </a:rPr>
-                          <m:t>𝑅</m:t>
-                        </m:r>
-                      </m:e>
-                      <m:sub>
-                        <m:r>
-                          <a:rPr lang="en-US" i="1">
-                            <a:latin typeface="Cambria Math" panose="02040503050406030204" pitchFamily="18" charset="0"/>
-                          </a:rPr>
-                          <m:t>0</m:t>
-                        </m:r>
-                      </m:sub>
-                    </m:sSub>
-                    <m:r>
-                      <a:rPr lang="en-US" i="1">
-                        <a:latin typeface="Cambria Math" panose="02040503050406030204" pitchFamily="18" charset="0"/>
-                      </a:rPr>
-                      <m:t>=</m:t>
-                    </m:r>
-                    <m:r>
-                      <a:rPr lang="en-US" b="0" i="1" smtClean="0">
-                        <a:latin typeface="Cambria Math" panose="02040503050406030204" pitchFamily="18" charset="0"/>
-                      </a:rPr>
-                      <m:t>3</m:t>
-                    </m:r>
-                    <m:r>
-                      <a:rPr lang="en-US" i="1">
-                        <a:latin typeface="Cambria Math" panose="02040503050406030204" pitchFamily="18" charset="0"/>
-                      </a:rPr>
-                      <m:t>.2)</m:t>
-                    </m:r>
-                  </m:oMath>
-                </a14:m>
-                <a:endParaRPr lang="en-US" dirty="0"/>
-              </a:p>
-            </p:txBody>
-          </p:sp>
-        </mc:Choice>
-        <mc:Fallback>
-          <p:sp>
-            <p:nvSpPr>
-              <p:cNvPr id="2" name="Title 1">
-                <a:extLst>
-                  <a:ext uri="{FF2B5EF4-FFF2-40B4-BE49-F238E27FC236}">
-                    <a16:creationId xmlns:a16="http://schemas.microsoft.com/office/drawing/2014/main" id="{67D424CD-FEEA-8140-9B38-006D08F4AA5D}"/>
-                  </a:ext>
-                </a:extLst>
-              </p:cNvPr>
-              <p:cNvSpPr>
-                <a:spLocks noGrp="1" noRot="1" noChangeAspect="1" noMove="1" noResize="1" noEditPoints="1" noAdjustHandles="1" noChangeArrowheads="1" noChangeShapeType="1" noTextEdit="1"/>
-              </p:cNvSpPr>
-              <p:nvPr>
-                <p:ph type="title"/>
-              </p:nvPr>
-            </p:nvSpPr>
-            <p:spPr>
-              <a:blipFill>
-                <a:blip r:embed="rId2"/>
-                <a:stretch>
-                  <a:fillRect l="-2292"/>
-                </a:stretch>
-              </a:blipFill>
-            </p:spPr>
-            <p:txBody>
-              <a:bodyPr/>
-              <a:lstStyle/>
-              <a:p>
-                <a:r>
-                  <a:rPr lang="en-US">
-                    <a:noFill/>
-                  </a:rPr>
-                  <a:t> </a:t>
-                </a:r>
-              </a:p>
-            </p:txBody>
-          </p:sp>
-        </mc:Fallback>
-      </mc:AlternateContent>
-      <p:pic>
-        <p:nvPicPr>
-          <p:cNvPr id="5" name="Content Placeholder 4" descr="A picture containing screenshot&#10;&#10;Description automatically generated">
-            <a:extLst>
-              <a:ext uri="{FF2B5EF4-FFF2-40B4-BE49-F238E27FC236}">
-                <a16:creationId xmlns:a16="http://schemas.microsoft.com/office/drawing/2014/main" id="{40CA4412-A36B-FB44-A654-DE99AB3FE956}"/>
-              </a:ext>
-            </a:extLst>
-          </p:cNvPr>
-          <p:cNvPicPr>
-            <a:picLocks noGrp="1" noChangeAspect="1"/>
-          </p:cNvPicPr>
-          <p:nvPr>
-            <p:ph idx="1"/>
-          </p:nvPr>
-        </p:nvPicPr>
-        <p:blipFill>
-          <a:blip r:embed="rId3"/>
-          <a:stretch>
-            <a:fillRect/>
-          </a:stretch>
-        </p:blipFill>
-        <p:spPr>
-          <a:xfrm>
-            <a:off x="6705600" y="228587"/>
-            <a:ext cx="5005426" cy="3336951"/>
-          </a:xfrm>
-        </p:spPr>
-      </p:pic>
-      <p:pic>
-        <p:nvPicPr>
-          <p:cNvPr id="7" name="Picture 6" descr="A screenshot of a cell phone&#10;&#10;Description automatically generated">
-            <a:extLst>
-              <a:ext uri="{FF2B5EF4-FFF2-40B4-BE49-F238E27FC236}">
-                <a16:creationId xmlns:a16="http://schemas.microsoft.com/office/drawing/2014/main" id="{F2DDD8AF-6852-9842-A7D8-E10989FE3D1C}"/>
-              </a:ext>
-            </a:extLst>
-          </p:cNvPr>
-          <p:cNvPicPr>
-            <a:picLocks noChangeAspect="1"/>
-          </p:cNvPicPr>
-          <p:nvPr/>
-        </p:nvPicPr>
-        <p:blipFill>
-          <a:blip r:embed="rId4"/>
-          <a:stretch>
-            <a:fillRect/>
-          </a:stretch>
-        </p:blipFill>
-        <p:spPr>
-          <a:xfrm>
-            <a:off x="1028699" y="1690688"/>
-            <a:ext cx="5486400" cy="3657600"/>
-          </a:xfrm>
-          <a:prstGeom prst="rect">
-            <a:avLst/>
-          </a:prstGeom>
-        </p:spPr>
-      </p:pic>
-      <p:pic>
-        <p:nvPicPr>
-          <p:cNvPr id="9" name="Picture 8" descr="A screenshot of a cell phone&#10;&#10;Description automatically generated">
-            <a:extLst>
-              <a:ext uri="{FF2B5EF4-FFF2-40B4-BE49-F238E27FC236}">
-                <a16:creationId xmlns:a16="http://schemas.microsoft.com/office/drawing/2014/main" id="{A973808D-85D3-6B48-B6AA-0CFDBF2495AE}"/>
-              </a:ext>
-            </a:extLst>
-          </p:cNvPr>
-          <p:cNvPicPr>
-            <a:picLocks noChangeAspect="1"/>
-          </p:cNvPicPr>
-          <p:nvPr/>
-        </p:nvPicPr>
-        <p:blipFill>
-          <a:blip r:embed="rId5"/>
-          <a:stretch>
-            <a:fillRect/>
-          </a:stretch>
-        </p:blipFill>
-        <p:spPr>
-          <a:xfrm>
-            <a:off x="6705598" y="3429000"/>
-            <a:ext cx="5005426" cy="3336951"/>
-          </a:xfrm>
-          <a:prstGeom prst="rect">
-            <a:avLst/>
-          </a:prstGeom>
-        </p:spPr>
-      </p:pic>
-    </p:spTree>
-    <p:extLst>
-      <p:ext uri="{BB962C8B-B14F-4D97-AF65-F5344CB8AC3E}">
-        <p14:creationId xmlns:p14="http://schemas.microsoft.com/office/powerpoint/2010/main" val="1393978940"/>
       </p:ext>
     </p:extLst>
   </p:cSld>
@@ -12964,4 +15305,299 @@
     </a:ext>
   </a:extLst>
 </a:theme>
+</file>
+
+<file path=ppt/theme/theme2.xml><?xml version="1.0" encoding="utf-8"?>
+<a:theme xmlns:a="http://schemas.openxmlformats.org/drawingml/2006/main" name="Office Theme">
+  <a:themeElements>
+    <a:clrScheme name="Office">
+      <a:dk1>
+        <a:sysClr val="windowText" lastClr="000000"/>
+      </a:dk1>
+      <a:lt1>
+        <a:sysClr val="window" lastClr="FFFFFF"/>
+      </a:lt1>
+      <a:dk2>
+        <a:srgbClr val="44546A"/>
+      </a:dk2>
+      <a:lt2>
+        <a:srgbClr val="E7E6E6"/>
+      </a:lt2>
+      <a:accent1>
+        <a:srgbClr val="4472C4"/>
+      </a:accent1>
+      <a:accent2>
+        <a:srgbClr val="ED7D31"/>
+      </a:accent2>
+      <a:accent3>
+        <a:srgbClr val="A5A5A5"/>
+      </a:accent3>
+      <a:accent4>
+        <a:srgbClr val="FFC000"/>
+      </a:accent4>
+      <a:accent5>
+        <a:srgbClr val="5B9BD5"/>
+      </a:accent5>
+      <a:accent6>
+        <a:srgbClr val="70AD47"/>
+      </a:accent6>
+      <a:hlink>
+        <a:srgbClr val="0563C1"/>
+      </a:hlink>
+      <a:folHlink>
+        <a:srgbClr val="954F72"/>
+      </a:folHlink>
+    </a:clrScheme>
+    <a:fontScheme name="Office">
+      <a:majorFont>
+        <a:latin typeface="Calibri Light" panose="020F0302020204030204"/>
+        <a:ea typeface=""/>
+        <a:cs typeface=""/>
+        <a:font script="Jpan" typeface="游ゴシック Light"/>
+        <a:font script="Hang" typeface="맑은 고딕"/>
+        <a:font script="Hans" typeface="等线 Light"/>
+        <a:font script="Hant" typeface="新細明體"/>
+        <a:font script="Arab" typeface="Times New Roman"/>
+        <a:font script="Hebr" typeface="Times New Roman"/>
+        <a:font script="Thai" typeface="Angsana New"/>
+        <a:font script="Ethi" typeface="Nyala"/>
+        <a:font script="Beng" typeface="Vrinda"/>
+        <a:font script="Gujr" typeface="Shruti"/>
+        <a:font script="Khmr" typeface="MoolBoran"/>
+        <a:font script="Knda" typeface="Tunga"/>
+        <a:font script="Guru" typeface="Raavi"/>
+        <a:font script="Cans" typeface="Euphemia"/>
+        <a:font script="Cher" typeface="Plantagenet Cherokee"/>
+        <a:font script="Yiii" typeface="Microsoft Yi Baiti"/>
+        <a:font script="Tibt" typeface="Microsoft Himalaya"/>
+        <a:font script="Thaa" typeface="MV Boli"/>
+        <a:font script="Deva" typeface="Mangal"/>
+        <a:font script="Telu" typeface="Gautami"/>
+        <a:font script="Taml" typeface="Latha"/>
+        <a:font script="Syrc" typeface="Estrangelo Edessa"/>
+        <a:font script="Orya" typeface="Kalinga"/>
+        <a:font script="Mlym" typeface="Kartika"/>
+        <a:font script="Laoo" typeface="DokChampa"/>
+        <a:font script="Sinh" typeface="Iskoola Pota"/>
+        <a:font script="Mong" typeface="Mongolian Baiti"/>
+        <a:font script="Viet" typeface="Times New Roman"/>
+        <a:font script="Uigh" typeface="Microsoft Uighur"/>
+        <a:font script="Geor" typeface="Sylfaen"/>
+        <a:font script="Armn" typeface="Arial"/>
+        <a:font script="Bugi" typeface="Leelawadee UI"/>
+        <a:font script="Bopo" typeface="Microsoft JhengHei"/>
+        <a:font script="Java" typeface="Javanese Text"/>
+        <a:font script="Lisu" typeface="Segoe UI"/>
+        <a:font script="Mymr" typeface="Myanmar Text"/>
+        <a:font script="Nkoo" typeface="Ebrima"/>
+        <a:font script="Olck" typeface="Nirmala UI"/>
+        <a:font script="Osma" typeface="Ebrima"/>
+        <a:font script="Phag" typeface="Phagspa"/>
+        <a:font script="Syrn" typeface="Estrangelo Edessa"/>
+        <a:font script="Syrj" typeface="Estrangelo Edessa"/>
+        <a:font script="Syre" typeface="Estrangelo Edessa"/>
+        <a:font script="Sora" typeface="Nirmala UI"/>
+        <a:font script="Tale" typeface="Microsoft Tai Le"/>
+        <a:font script="Talu" typeface="Microsoft New Tai Lue"/>
+        <a:font script="Tfng" typeface="Ebrima"/>
+      </a:majorFont>
+      <a:minorFont>
+        <a:latin typeface="Calibri" panose="020F0502020204030204"/>
+        <a:ea typeface=""/>
+        <a:cs typeface=""/>
+        <a:font script="Jpan" typeface="游ゴシック"/>
+        <a:font script="Hang" typeface="맑은 고딕"/>
+        <a:font script="Hans" typeface="等线"/>
+        <a:font script="Hant" typeface="新細明體"/>
+        <a:font script="Arab" typeface="Arial"/>
+        <a:font script="Hebr" typeface="Arial"/>
+        <a:font script="Thai" typeface="Cordia New"/>
+        <a:font script="Ethi" typeface="Nyala"/>
+        <a:font script="Beng" typeface="Vrinda"/>
+        <a:font script="Gujr" typeface="Shruti"/>
+        <a:font script="Khmr" typeface="DaunPenh"/>
+        <a:font script="Knda" typeface="Tunga"/>
+        <a:font script="Guru" typeface="Raavi"/>
+        <a:font script="Cans" typeface="Euphemia"/>
+        <a:font script="Cher" typeface="Plantagenet Cherokee"/>
+        <a:font script="Yiii" typeface="Microsoft Yi Baiti"/>
+        <a:font script="Tibt" typeface="Microsoft Himalaya"/>
+        <a:font script="Thaa" typeface="MV Boli"/>
+        <a:font script="Deva" typeface="Mangal"/>
+        <a:font script="Telu" typeface="Gautami"/>
+        <a:font script="Taml" typeface="Latha"/>
+        <a:font script="Syrc" typeface="Estrangelo Edessa"/>
+        <a:font script="Orya" typeface="Kalinga"/>
+        <a:font script="Mlym" typeface="Kartika"/>
+        <a:font script="Laoo" typeface="DokChampa"/>
+        <a:font script="Sinh" typeface="Iskoola Pota"/>
+        <a:font script="Mong" typeface="Mongolian Baiti"/>
+        <a:font script="Viet" typeface="Arial"/>
+        <a:font script="Uigh" typeface="Microsoft Uighur"/>
+        <a:font script="Geor" typeface="Sylfaen"/>
+        <a:font script="Armn" typeface="Arial"/>
+        <a:font script="Bugi" typeface="Leelawadee UI"/>
+        <a:font script="Bopo" typeface="Microsoft JhengHei"/>
+        <a:font script="Java" typeface="Javanese Text"/>
+        <a:font script="Lisu" typeface="Segoe UI"/>
+        <a:font script="Mymr" typeface="Myanmar Text"/>
+        <a:font script="Nkoo" typeface="Ebrima"/>
+        <a:font script="Olck" typeface="Nirmala UI"/>
+        <a:font script="Osma" typeface="Ebrima"/>
+        <a:font script="Phag" typeface="Phagspa"/>
+        <a:font script="Syrn" typeface="Estrangelo Edessa"/>
+        <a:font script="Syrj" typeface="Estrangelo Edessa"/>
+        <a:font script="Syre" typeface="Estrangelo Edessa"/>
+        <a:font script="Sora" typeface="Nirmala UI"/>
+        <a:font script="Tale" typeface="Microsoft Tai Le"/>
+        <a:font script="Talu" typeface="Microsoft New Tai Lue"/>
+        <a:font script="Tfng" typeface="Ebrima"/>
+      </a:minorFont>
+    </a:fontScheme>
+    <a:fmtScheme name="Office">
+      <a:fillStyleLst>
+        <a:solidFill>
+          <a:schemeClr val="phClr"/>
+        </a:solidFill>
+        <a:gradFill rotWithShape="1">
+          <a:gsLst>
+            <a:gs pos="0">
+              <a:schemeClr val="phClr">
+                <a:lumMod val="110000"/>
+                <a:satMod val="105000"/>
+                <a:tint val="67000"/>
+              </a:schemeClr>
+            </a:gs>
+            <a:gs pos="50000">
+              <a:schemeClr val="phClr">
+                <a:lumMod val="105000"/>
+                <a:satMod val="103000"/>
+                <a:tint val="73000"/>
+              </a:schemeClr>
+            </a:gs>
+            <a:gs pos="100000">
+              <a:schemeClr val="phClr">
+                <a:lumMod val="105000"/>
+                <a:satMod val="109000"/>
+                <a:tint val="81000"/>
+              </a:schemeClr>
+            </a:gs>
+          </a:gsLst>
+          <a:lin ang="5400000" scaled="0"/>
+        </a:gradFill>
+        <a:gradFill rotWithShape="1">
+          <a:gsLst>
+            <a:gs pos="0">
+              <a:schemeClr val="phClr">
+                <a:satMod val="103000"/>
+                <a:lumMod val="102000"/>
+                <a:tint val="94000"/>
+              </a:schemeClr>
+            </a:gs>
+            <a:gs pos="50000">
+              <a:schemeClr val="phClr">
+                <a:satMod val="110000"/>
+                <a:lumMod val="100000"/>
+                <a:shade val="100000"/>
+              </a:schemeClr>
+            </a:gs>
+            <a:gs pos="100000">
+              <a:schemeClr val="phClr">
+                <a:lumMod val="99000"/>
+                <a:satMod val="120000"/>
+                <a:shade val="78000"/>
+              </a:schemeClr>
+            </a:gs>
+          </a:gsLst>
+          <a:lin ang="5400000" scaled="0"/>
+        </a:gradFill>
+      </a:fillStyleLst>
+      <a:lnStyleLst>
+        <a:ln w="6350" cap="flat" cmpd="sng" algn="ctr">
+          <a:solidFill>
+            <a:schemeClr val="phClr"/>
+          </a:solidFill>
+          <a:prstDash val="solid"/>
+          <a:miter lim="800000"/>
+        </a:ln>
+        <a:ln w="12700" cap="flat" cmpd="sng" algn="ctr">
+          <a:solidFill>
+            <a:schemeClr val="phClr"/>
+          </a:solidFill>
+          <a:prstDash val="solid"/>
+          <a:miter lim="800000"/>
+        </a:ln>
+        <a:ln w="19050" cap="flat" cmpd="sng" algn="ctr">
+          <a:solidFill>
+            <a:schemeClr val="phClr"/>
+          </a:solidFill>
+          <a:prstDash val="solid"/>
+          <a:miter lim="800000"/>
+        </a:ln>
+      </a:lnStyleLst>
+      <a:effectStyleLst>
+        <a:effectStyle>
+          <a:effectLst/>
+        </a:effectStyle>
+        <a:effectStyle>
+          <a:effectLst/>
+        </a:effectStyle>
+        <a:effectStyle>
+          <a:effectLst>
+            <a:outerShdw blurRad="57150" dist="19050" dir="5400000" algn="ctr" rotWithShape="0">
+              <a:srgbClr val="000000">
+                <a:alpha val="63000"/>
+              </a:srgbClr>
+            </a:outerShdw>
+          </a:effectLst>
+        </a:effectStyle>
+      </a:effectStyleLst>
+      <a:bgFillStyleLst>
+        <a:solidFill>
+          <a:schemeClr val="phClr"/>
+        </a:solidFill>
+        <a:solidFill>
+          <a:schemeClr val="phClr">
+            <a:tint val="95000"/>
+            <a:satMod val="170000"/>
+          </a:schemeClr>
+        </a:solidFill>
+        <a:gradFill rotWithShape="1">
+          <a:gsLst>
+            <a:gs pos="0">
+              <a:schemeClr val="phClr">
+                <a:tint val="93000"/>
+                <a:satMod val="150000"/>
+                <a:shade val="98000"/>
+                <a:lumMod val="102000"/>
+              </a:schemeClr>
+            </a:gs>
+            <a:gs pos="50000">
+              <a:schemeClr val="phClr">
+                <a:tint val="98000"/>
+                <a:satMod val="130000"/>
+                <a:shade val="90000"/>
+                <a:lumMod val="103000"/>
+              </a:schemeClr>
+            </a:gs>
+            <a:gs pos="100000">
+              <a:schemeClr val="phClr">
+                <a:shade val="63000"/>
+                <a:satMod val="120000"/>
+              </a:schemeClr>
+            </a:gs>
+          </a:gsLst>
+          <a:lin ang="5400000" scaled="0"/>
+        </a:gradFill>
+      </a:bgFillStyleLst>
+    </a:fmtScheme>
+  </a:themeElements>
+  <a:objectDefaults/>
+  <a:extraClrSchemeLst/>
+  <a:extLst>
+    <a:ext uri="{05A4C25C-085E-4340-85A3-A5531E510DB2}">
+      <thm15:themeFamily xmlns:thm15="http://schemas.microsoft.com/office/thememl/2012/main" name="Office Theme" id="{62F939B6-93AF-4DB8-9C6B-D6C7DFDC589F}" vid="{4A3C46E8-61CC-4603-A589-7422A47A8E4A}"/>
+    </a:ext>
+  </a:extLst>
+</a:theme>
 </file>
--- a/Simplified working model.pptx
+++ b/Simplified working model.pptx
@@ -5,7 +5,7 @@
     <p:sldMasterId id="2147483648" r:id="rId1"/>
   </p:sldMasterIdLst>
   <p:notesMasterIdLst>
-    <p:notesMasterId r:id="rId20"/>
+    <p:notesMasterId r:id="rId23"/>
   </p:notesMasterIdLst>
   <p:sldIdLst>
     <p:sldId id="259" r:id="rId2"/>
@@ -16,16 +16,19 @@
     <p:sldId id="269" r:id="rId7"/>
     <p:sldId id="275" r:id="rId8"/>
     <p:sldId id="277" r:id="rId9"/>
-    <p:sldId id="270" r:id="rId10"/>
-    <p:sldId id="271" r:id="rId11"/>
-    <p:sldId id="272" r:id="rId12"/>
-    <p:sldId id="273" r:id="rId13"/>
+    <p:sldId id="271" r:id="rId10"/>
+    <p:sldId id="270" r:id="rId11"/>
+    <p:sldId id="279" r:id="rId12"/>
+    <p:sldId id="280" r:id="rId13"/>
     <p:sldId id="274" r:id="rId14"/>
-    <p:sldId id="261" r:id="rId15"/>
-    <p:sldId id="262" r:id="rId16"/>
-    <p:sldId id="268" r:id="rId17"/>
-    <p:sldId id="266" r:id="rId18"/>
-    <p:sldId id="267" r:id="rId19"/>
+    <p:sldId id="281" r:id="rId15"/>
+    <p:sldId id="261" r:id="rId16"/>
+    <p:sldId id="262" r:id="rId17"/>
+    <p:sldId id="268" r:id="rId18"/>
+    <p:sldId id="266" r:id="rId19"/>
+    <p:sldId id="267" r:id="rId20"/>
+    <p:sldId id="272" r:id="rId21"/>
+    <p:sldId id="273" r:id="rId22"/>
   </p:sldIdLst>
   <p:sldSz cx="12192000" cy="6858000"/>
   <p:notesSz cx="6858000" cy="9144000"/>
@@ -132,6 +135,690 @@
 </p:presentation>
 </file>
 
+<file path=ppt/ink/ink1.xml><?xml version="1.0" encoding="utf-8"?>
+<inkml:ink xmlns:inkml="http://www.w3.org/2003/InkML">
+  <inkml:definitions>
+    <inkml:context xml:id="ctx0">
+      <inkml:inkSource xml:id="inkSrc0">
+        <inkml:traceFormat>
+          <inkml:channel name="X" type="integer" min="-2.14748E9" max="2.14748E9" units="cm"/>
+          <inkml:channel name="Y" type="integer" min="-2.14748E9" max="2.14748E9" units="cm"/>
+          <inkml:channel name="F" type="integer" max="32767" units="dev"/>
+        </inkml:traceFormat>
+        <inkml:channelProperties>
+          <inkml:channelProperty channel="X" name="resolution" value="1000" units="1/cm"/>
+          <inkml:channelProperty channel="Y" name="resolution" value="1000" units="1/cm"/>
+          <inkml:channelProperty channel="F" name="resolution" value="0" units="1/dev"/>
+        </inkml:channelProperties>
+      </inkml:inkSource>
+      <inkml:timestamp xml:id="ts0" timeString="2020-04-14T04:49:20.910"/>
+    </inkml:context>
+    <inkml:brush xml:id="br0">
+      <inkml:brushProperty name="width" value="0.35" units="cm"/>
+      <inkml:brushProperty name="height" value="0.35" units="cm"/>
+      <inkml:brushProperty name="color" value="#E71224"/>
+    </inkml:brush>
+  </inkml:definitions>
+  <inkml:trace contextRef="#ctx0" brushRef="#br0">0 181 24575,'13'92'0,"-1"0"0,0 0 0,0-1 0,1 1 0,-1 0 0,0 0 0,1 0 0,-1 0 0,0-1 0,1 1 0,-1 0 0,0 0 0,1-3 0,-2-19 0,0 1 0,3 18-82,-3-11 0,2 18 0,2 14 0,0 10 0,1 5 0,1 1 0,-1-4 0,0-7 0,0-13 0,-2-16 0,-2-22 0,-2-24-902,6-15 0,12 1 0,-10-3 0,24 4 170,-18-15 814,13 11 0,-16-16 983,3 6 0,-4-12 0,0 8 0,6-3 0,1 4-164,7 1-819,50 7 0,-17 2 0,-7-6 0,2 0-760,23 14 760,-29-12 0,1-1 0,-8-1 0,-1 1 0,10 1 0,-1-1 0,30 7 0,-37-11 0,1-1 0,2 2 0,2-1 0,-1-3 0,2 1 0,7 2 0,0 1 0,-5-4 0,-1-1 0,-4 1 0,1-1 0,9 1 0,-1 0 0,-3 0 0,0-1-492,10 2 0,1-1 322,0-3 0,1-1 170,0 0 0,0-1 0,10 2 0,0-2-492,-10-2 0,2 0 30,21 3 1,1 0 461,-10-3 0,1-2-328,-19 1 0,2 0 0,0 0-164,28 0 0,1 0 393,-29 0 1,0 0-1,1 0 99,-1 0 0,0 0 0,1 0 0,3 0 0,2 0 0,-1 0 0,1 0 0,-1 0 0,2 0-328,3 0 0,1 0 0,0 0 55,-1 0 0,1 0 0,0 0 273,-1 0 0,1 1 0,-1-2 0,1-1 0,-1-1 0,0-1 0,-2-1 0,0-1 0,8-3 0,-1 0 0,9-2 0,4-1 0,-1 0 0,-7 2 0,-5 0 0,-5 1 0,-1-1 0,5 1-197,3-1 0,4-1 1,2 0-1,-2 0 0,-6 2-131,17-2 0,-7 1 0,3-1 82,-14 0 0,2-1 0,1-1 0,0 1 0,-1 0 0,0 0 0,2 0 0,1-1 201,-5 1 0,3-1 0,1 1 1,-3-1-1,-7 2 45,13-3 0,-8 0 0,4 1 0,-8 2 0,3 1 0,0-1 0,1-1 0,0-1 0,1-1 0,0-1 0,1 1 0,5-1 0,0 0 0,2 0 0,1 0 0,-9 2 0,4 1 0,-1-1 0,-2 0 0,-6 0-176,15-4 1,-5-1-1,1 2 176,-13 4 0,3 1 0,0 1 0,-5-1 0,6-2 0,-4-1 0,3 1 0,-7 4 0,4 1 0,0 0 0,0 0 0,21-6 0,0 0 0,-1 1 0,0 5 0,1 1 0,-1-2 0,0-3 0,0-3 0,-1 2 0,-4 5 0,0 1 0,-1-1 0,-4-5 0,-1-1 0,1 2 0,-2 4 0,1 1 0,-1-1-39,-4-1 1,-1-1-1,1 1 39,-1 1 0,1 2 0,0 0 0,-1-1 0,1 0 0,-1 1 0,2-1 0,-1 0 0,-2 1 319,-6-1 0,-2 1 1,1 0-320,1-1 0,0 0 0,2 1 0,9 0 0,2 0 0,-3 1 0,17-1 0,-2 1 0,-19 0 0,2-1 0,-6 2 0,4 3 0,-4 0 491,2-3 1,1 0-1,-1 4 1,0 0-318,-4-3 0,-2-1-174,-14 4 0,-2-1 491,3-3 1,-3 0 491,33 4-815,-35 0 1,1 0-169,-1 0 0,1 0 0,5 0 0,-1 0 0,25 0 0,18 0 0,-32 0 0,16 0 0,-1 0 0,-7 0 0,-3 0 0,1 0 983,-15 0 0,13 0 0,-14 0 0,-1 0 0,6 6 0,-13-4 0,31 10-578,-33-10-405,3 4 0,5 1 0,31-5 0,-33 5 0,1-1 0,-2-5 0,-1 0 0,22 11 0,8-11 0,-7 5 0,9 0 0,-9-5 0,-1 6 0,-9-7 0,0 5 0,0-3 0,0 4 0,0-6 0,0 5 0,8-3 0,-6 3 0,6-5 0,-8 0 0,0 0 0,0 0 0,-7 0 0,-3 0 0,-6 0 0,-8 0 0,-1 0 0,-13 0 0,5 0 0,-16 0 0,9 0 0,-6 0 0,-3 0 0,2 0 0,-9-4 0,0-1 0,-4-4 0,4-5 0,-8-7 0,9-13 0,-9-15 0,5-1 0,-6-31 0,0 2-492,0 27 0,0-1 488,0-4 0,0-1 4,0-1 0,0 0 0,0-5 0,0 0 0,0-35 0,1 37 0,-2 3 0,-12-22-267,6 30 1,-2-1 266,-19-32-79,1 8 79,1 10 0,1 10 0,2 15 960,0 1-960,-6 5 558,5 2-558,-10-3 86,-4-2-86,0 1 0,-11 4 0,-2-4 0,-6 5 0,-1 5 0,-23-12 0,11 10 0,-15-7 0,4 2-405,34 16 1,-1 0 404,0 2 0,-2 1 0,-6-5 0,-3 2 0,-4 5 0,1 2-492,2-4 0,-1 0 378,-12 6 0,-3 0-378,0-3 0,-2 0 15,-10 2 0,-4 2-15,-3-2 0,-5 1 164,8 2 0,-6 0 0,2 0 0,12 0 0,0 0 0,-3 1 82,1-1 0,-6 1 0,1 0 0,7 1-82,6 1 0,6 1 0,-4-1 143,-1-1 0,-3-1 0,-2 1 0,-1 0 185,-4 1 0,-2 0 0,0 1 0,0-1-246,-1 1 0,0-1 0,-1 1 0,-4 0 49,3 0 0,-4 0 1,-2 1-1,2-1 0,4 2-23,-3 0 0,3 1 0,2 0 0,-2 1 220,-3-1 0,0 0 0,-1 0 0,0 0 0,-2 0 0,-1 0 0,0 0 0,0 0 0,2 0 0,2 0 0,-2 0 0,0 0 0,15 0 0,-1 0 0,0 0 0,-3 0 0,-3 0 0,-5 0 0,-5 0 0,-2 0 0,-1 0 0,1 0 0,6 0-197,-1-1 0,5 1 1,1 0-1,-2 0 0,-4 1 56,12 0 1,-4 0-1,-2 0 1,-1 1-1,1 0 1,4 0-1,3 0-5,-8 0 1,4 1-1,2-1 1,3 1 0,1 1 145,-7 1 0,4 1 0,0 0 0,-6 0 0,-6-1 0,-5 0 0,-3 0 0,3 0 0,6 1-128,9-1 0,5 1 0,1-1 0,-6 1 128,-10-1 0,-7 0 0,-2 0 0,3 1 0,9-1 0,-9 2 0,9 0 0,-4 0 132,13-1 0,-4 0 1,1-1-1,4 1-132,-3 1 0,3-1 0,-2 1 0,10-1 0,-2-1 0,-1 0 0,1 1 0,-20 1 0,1 0 0,2 0 320,3 0 0,1 0 0,0 0-320,0 0 0,-1 0 0,1 0 0,0-1 0,-1 1 0,2 0 0,2 0 0,2 0 0,-1 0 287,2-1 1,-1 1 0,1 0-288,4-1 0,1 1 0,-1 0 0,1-1 0,-1 1 0,1-1 0,-1 1 0,0 0 0,1-1 327,3 1 1,1-1 0,1 1-166,-1-1 0,1 1 0,1-1 329,-26 3 1,2 0-360,1 1 0,0-1-132,6 0 0,1 0 0,-1 0 0,0 0 0,1 0 0,-1 0 0,0-1 0,0 1 0,2 0 0,-3 0 0,23-1 0,-2 0 0,3 0 0,-15 2 0,1-2 491,-8 0 1,2 0-112,22 0 0,3-2 111,7-5 1,1 0-1,-3 6 1,2-1-335,-23-4-157,-14 5 0,25-2 983,-6-3 0,-1 10-567,7-5-416,-15 1 0,7 3 0,-1-9 0,3 4 0,8 0 983,7-5 0,2 5 0,8-6-309,0 0-64,6 0-610,-26 0 125,21 0-125,-16 0 0,17 0 0,11 0 0,-5 0 0,-8 0 0,11 0 0,-11 0 0,21 0 0,-5 0 0,5-5 0,-6 4 0,-1-9 0,1 4 0,-7-6 0,-1 1 0,-7-1 0,6 0 0,-4 0 0,4 0 0,1 0 0,-6 0 0,6-5 0,-1 4 0,-5-4 0,6 0 0,-1 4 0,-4-4 0,11 0 0,-5 5 0,12-4 0,-12 0 0,16 5 0,-11-4 0,15 5 0,-1 0 0,6 4 0,-4-3 0,4 3 0,-1 1 0,-2-4 0,7 3 0,-3 1 0,5-3 0,0 2 0,-1 1 0,5-3 0,-3 3 0,3 0 0,-4-7 0,4 6 0,1-6 0</inkml:trace>
+</inkml:ink>
+</file>
+
+<file path=ppt/ink/ink10.xml><?xml version="1.0" encoding="utf-8"?>
+<inkml:ink xmlns:inkml="http://www.w3.org/2003/InkML">
+  <inkml:definitions>
+    <inkml:context xml:id="ctx0">
+      <inkml:inkSource xml:id="inkSrc0">
+        <inkml:traceFormat>
+          <inkml:channel name="X" type="integer" min="-2.14748E9" max="2.14748E9" units="cm"/>
+          <inkml:channel name="Y" type="integer" min="-2.14748E9" max="2.14748E9" units="cm"/>
+          <inkml:channel name="F" type="integer" max="32767" units="dev"/>
+        </inkml:traceFormat>
+        <inkml:channelProperties>
+          <inkml:channelProperty channel="X" name="resolution" value="1000" units="1/cm"/>
+          <inkml:channelProperty channel="Y" name="resolution" value="1000" units="1/cm"/>
+          <inkml:channelProperty channel="F" name="resolution" value="0" units="1/dev"/>
+        </inkml:channelProperties>
+      </inkml:inkSource>
+      <inkml:timestamp xml:id="ts0" timeString="2020-04-14T04:50:10.580"/>
+    </inkml:context>
+    <inkml:brush xml:id="br0">
+      <inkml:brushProperty name="width" value="0.05" units="cm"/>
+      <inkml:brushProperty name="height" value="0.05" units="cm"/>
+    </inkml:brush>
+  </inkml:definitions>
+  <inkml:trace contextRef="#ctx0" brushRef="#br0">0 1 24575,'9'0'0,"-1"0"0,2 4 0,-1-3 0,0 7 0,0-3 0,0 0 0,0 3 0,0-7 0,0 3 0,0 0 0,0-3 0,0 7 0,0-3 0,0 4 0,5 1 0,-4-1 0,9 1 0,-3-1 0,4 2 0,-5-2 0,4 1 0,-9-1 0,4 1 0,0-5 0,-4 3 0,4-3 0,-5 0 0,-4 3 0,3-7 0,-7 7 0,4-3 0,-2 0 0,-2 3 0,3-4 0,-4 5 0,0-1 0,0 1 0,0-1 0,0 0 0,-4 1 0,-1-4 0,-4 3 0,-5-3 0,4 0 0,-9 4 0,8-4 0,-8 1 0,9 2 0,-9-7 0,8 7 0,-8-7 0,9 7 0,-5-7 0,6 3 0,0 0 0,0-3 0,0 3 0,-1 0 0,1-3 0,0 7 0,0-7 0,4 7 0,-3-7 0,3 3 0,-4-4 0,4 3 0,2 2 0,3 3 0,0 1 0,0 0 0,0 0 0,0-1 0,0 1 0,0 0 0,0 0 0,0 0 0,4 0 0,-3 1 0,7-1 0,-7 0 0,7 0 0,-3-4 0,3-1 0,-3-4 0,-1 0 0</inkml:trace>
+</inkml:ink>
+</file>
+
+<file path=ppt/ink/ink11.xml><?xml version="1.0" encoding="utf-8"?>
+<inkml:ink xmlns:inkml="http://www.w3.org/2003/InkML">
+  <inkml:definitions>
+    <inkml:context xml:id="ctx0">
+      <inkml:inkSource xml:id="inkSrc0">
+        <inkml:traceFormat>
+          <inkml:channel name="X" type="integer" min="-2.14748E9" max="2.14748E9" units="cm"/>
+          <inkml:channel name="Y" type="integer" min="-2.14748E9" max="2.14748E9" units="cm"/>
+          <inkml:channel name="F" type="integer" max="32767" units="dev"/>
+        </inkml:traceFormat>
+        <inkml:channelProperties>
+          <inkml:channelProperty channel="X" name="resolution" value="1000" units="1/cm"/>
+          <inkml:channelProperty channel="Y" name="resolution" value="1000" units="1/cm"/>
+          <inkml:channelProperty channel="F" name="resolution" value="0" units="1/dev"/>
+        </inkml:channelProperties>
+      </inkml:inkSource>
+      <inkml:timestamp xml:id="ts0" timeString="2020-04-14T04:49:49.716"/>
+    </inkml:context>
+    <inkml:brush xml:id="br0">
+      <inkml:brushProperty name="width" value="0.05" units="cm"/>
+      <inkml:brushProperty name="height" value="0.05" units="cm"/>
+    </inkml:brush>
+  </inkml:definitions>
+  <inkml:trace contextRef="#ctx0" brushRef="#br0">1 53 24575,'18'0'0,"6"0"0,10 0 0,7 0 0,23 0 0,-12 0 0,38 0 0,-36 0 0,35 0 0,-11 0-424,-21 0 1,2 0 423,-8 0 0,-1 0 0,12 0 0,0 0 0,34 0 0,-39 0 0,1 0 0,-5 0 0,1 0 0,5 1 0,-3-2-242,24-4 242,18 3 0,-27-9 0,-21 10 0,2 0 0,26-11 0,13 11 0,-15-5 0,-1 0 0,-1 5 0,-9-5 0,-8 6 0,-1 0 0,-8 0 836,-7 0-836,-1 0 253,-13 0-253,-1 0 0,-6 0 0,-4 0 0,2 0 0,-7 0 0,3 0 0,-5 0 0,0 0 0,0 0 0,0 0 0,0 0 0,0 0 0,-1 0 0,2 0 0,-2 0 0,1 0 0,0 0 0,0 0 0,0 0 0,0 0 0,0 0 0,5 0 0,1 0 0,11 0 0,-5 0 0,11 0 0,-10 0 0,4 0 0,-1 0 0,-3 0 0,10 0 0,-5 0 0,0 0 0,5 0 0,-11 0 0,5 0 0,-6 4 0,1-3 0,-6 4 0,-1-5 0,-5 4 0,0-3 0,-4 7 0,-1-4 0,-4 1 0,0-1 0</inkml:trace>
+</inkml:ink>
+</file>
+
+<file path=ppt/ink/ink12.xml><?xml version="1.0" encoding="utf-8"?>
+<inkml:ink xmlns:inkml="http://www.w3.org/2003/InkML">
+  <inkml:definitions>
+    <inkml:context xml:id="ctx0">
+      <inkml:inkSource xml:id="inkSrc0">
+        <inkml:traceFormat>
+          <inkml:channel name="X" type="integer" min="-2.14748E9" max="2.14748E9" units="cm"/>
+          <inkml:channel name="Y" type="integer" min="-2.14748E9" max="2.14748E9" units="cm"/>
+          <inkml:channel name="F" type="integer" max="32767" units="dev"/>
+        </inkml:traceFormat>
+        <inkml:channelProperties>
+          <inkml:channelProperty channel="X" name="resolution" value="1000" units="1/cm"/>
+          <inkml:channelProperty channel="Y" name="resolution" value="1000" units="1/cm"/>
+          <inkml:channelProperty channel="F" name="resolution" value="0" units="1/dev"/>
+        </inkml:channelProperties>
+      </inkml:inkSource>
+      <inkml:timestamp xml:id="ts0" timeString="2020-04-14T04:49:51.773"/>
+    </inkml:context>
+    <inkml:brush xml:id="br0">
+      <inkml:brushProperty name="width" value="0.05" units="cm"/>
+      <inkml:brushProperty name="height" value="0.05" units="cm"/>
+    </inkml:brush>
+  </inkml:definitions>
+  <inkml:trace contextRef="#ctx0" brushRef="#br0">0 46 24575,'18'0'0,"21"0"0,-9 0 0,18 0 0,27 0 0,-17 0 0,-9 0 0,3 0 0,24 0 0,-15 0 0,26 0 0,-14 0 0,15 0-251,-38 0 0,0 0 251,28 0 0,7 0 0,-4 0 0,-14 0 0,7 0 0,-9 0 0,0 0 0,0 0 0,-8 0 0,6 0 502,-5 0-502,7 0 0,0 0 0,0 0 0,-8 0 0,7 0 0,-14 0 0,5 0 0,-7 0 0,0 0 0,1 0 0,-1-11 0,-7 8 0,5-7 0,-4 10 0,14 0 0,-7 0 0,7 0 0,-8 0 0,0 0 0,0 0 0,0 0 0,1 0 0,-1 0 0,0 0 0,-7-5 0,6 3 0,-13-3 0,6 5 0,-13 0 0,5 0 0,-10 0 0,3-4 0,-9 3 0,-2-4 0,-5 5 0,0 0 0,0 0 0,0 0 0,0 0 0,0 0 0,0 0 0,0 0 0,0 0 0,0 0 0,0 0 0,0 0 0,0 0 0,0 0 0,0 0 0,0 0 0,0 0 0,-1 0 0,-3 0 0,-1 0 0</inkml:trace>
+</inkml:ink>
+</file>
+
+<file path=ppt/ink/ink13.xml><?xml version="1.0" encoding="utf-8"?>
+<inkml:ink xmlns:inkml="http://www.w3.org/2003/InkML">
+  <inkml:definitions>
+    <inkml:context xml:id="ctx0">
+      <inkml:inkSource xml:id="inkSrc0">
+        <inkml:traceFormat>
+          <inkml:channel name="X" type="integer" min="-2.14748E9" max="2.14748E9" units="cm"/>
+          <inkml:channel name="Y" type="integer" min="-2.14748E9" max="2.14748E9" units="cm"/>
+          <inkml:channel name="F" type="integer" max="32767" units="dev"/>
+        </inkml:traceFormat>
+        <inkml:channelProperties>
+          <inkml:channelProperty channel="X" name="resolution" value="1000" units="1/cm"/>
+          <inkml:channelProperty channel="Y" name="resolution" value="1000" units="1/cm"/>
+          <inkml:channelProperty channel="F" name="resolution" value="0" units="1/dev"/>
+        </inkml:channelProperties>
+      </inkml:inkSource>
+      <inkml:timestamp xml:id="ts0" timeString="2020-04-14T04:50:13.212"/>
+    </inkml:context>
+    <inkml:brush xml:id="br0">
+      <inkml:brushProperty name="width" value="0.05" units="cm"/>
+      <inkml:brushProperty name="height" value="0.05" units="cm"/>
+    </inkml:brush>
+  </inkml:definitions>
+  <inkml:trace contextRef="#ctx0" brushRef="#br0">123 1 24575,'8'0'0,"1"0"0,-4 4 0,3-3 0,-3 3 0,0 0 0,3-3 0,-3 7 0,4-7 0,0 7 0,0-3 0,0 0 0,0 3 0,0-3 0,0 0 0,0 3 0,0-3 0,0 0 0,0 3 0,0-3 0,0 4 0,0 0 0,1-4 0,-1 3 0,0-3 0,5 5 0,-4-5 0,4 3 0,-5-2 0,0 3 0,0 0 0,0 0 0,0-4 0,1 3 0,-1-3 0,0 4 0,0-4 0,-4 3 0,3-3 0,-3 0 0,4 3 0,0-3 0,0 4 0,0 1 0,0-1 0,0 0 0,1 0 0,-1 0 0,0 0 0,0 0 0,0 0 0,0-4 0,-4 3 0,-2-3 0,-3 3 0,0 1 0,0-1 0,-4 1 0,-6 0 0,-5-3 0,0 2 0,-4-2 0,-3 4 0,1 0 0,-11 1 0,10-1 0,-9 1 0,3-1 0,1 5 0,-5-3 0,4 8 0,-5-7 0,6 6 0,-5-6 0,10 1 0,-9 2 0,14-5 0,-8 4 0,10-5 0,-1-1 0,2 1 0,5-1 0,0 0 0,-1-4 0,5 3 0,-3-7 0,7 3 0,-3-4 0</inkml:trace>
+</inkml:ink>
+</file>
+
+<file path=ppt/ink/ink14.xml><?xml version="1.0" encoding="utf-8"?>
+<inkml:ink xmlns:inkml="http://www.w3.org/2003/InkML">
+  <inkml:definitions>
+    <inkml:context xml:id="ctx0">
+      <inkml:inkSource xml:id="inkSrc0">
+        <inkml:traceFormat>
+          <inkml:channel name="X" type="integer" min="-2.14748E9" max="2.14748E9" units="cm"/>
+          <inkml:channel name="Y" type="integer" min="-2.14748E9" max="2.14748E9" units="cm"/>
+          <inkml:channel name="F" type="integer" max="32767" units="dev"/>
+        </inkml:traceFormat>
+        <inkml:channelProperties>
+          <inkml:channelProperty channel="X" name="resolution" value="1000" units="1/cm"/>
+          <inkml:channelProperty channel="Y" name="resolution" value="1000" units="1/cm"/>
+          <inkml:channelProperty channel="F" name="resolution" value="0" units="1/dev"/>
+        </inkml:channelProperties>
+      </inkml:inkSource>
+      <inkml:timestamp xml:id="ts0" timeString="2020-04-14T04:49:57.819"/>
+    </inkml:context>
+    <inkml:brush xml:id="br0">
+      <inkml:brushProperty name="width" value="0.05" units="cm"/>
+      <inkml:brushProperty name="height" value="0.05" units="cm"/>
+    </inkml:brush>
+  </inkml:definitions>
+  <inkml:trace contextRef="#ctx0" brushRef="#br0">0 13 24575,'33'0'0,"23"0"0,15 0 0,24 0-1311,-38 0 0,1 0 1311,5 0 0,3 0 0,9 0 0,3 0-829,11 0 1,2 0 828,-1 0 0,1 0-413,-23 0 0,1 0 0,-1 0 413,29 0 0,0 0 0,0 0 0,1 0 0,-30 0 0,1 0 0,-1 0 0,23 0 0,0 0 0,6 0 0,-2 0 0,-10 0 0,-2 0-528,1 0 0,-4 0 528,-18 0 0,-2 0 0,8 0 0,-2 0 563,32 0-563,-45 0 0,0 0 0,40 0 0,-17-6 1639,-3 5-1639,-22-5 2386,3 6-2386,-25 0 1405,3 0-1405,-11 0 581,-1 0-581,-5 0 0,-1 0 0,-5 0 0,0 0 0,0 0 0,0 0 0,-4 0 0,-1 0 0</inkml:trace>
+</inkml:ink>
+</file>
+
+<file path=ppt/ink/ink15.xml><?xml version="1.0" encoding="utf-8"?>
+<inkml:ink xmlns:inkml="http://www.w3.org/2003/InkML">
+  <inkml:definitions>
+    <inkml:context xml:id="ctx0">
+      <inkml:inkSource xml:id="inkSrc0">
+        <inkml:traceFormat>
+          <inkml:channel name="X" type="integer" min="-2.14748E9" max="2.14748E9" units="cm"/>
+          <inkml:channel name="Y" type="integer" min="-2.14748E9" max="2.14748E9" units="cm"/>
+          <inkml:channel name="F" type="integer" max="32767" units="dev"/>
+        </inkml:traceFormat>
+        <inkml:channelProperties>
+          <inkml:channelProperty channel="X" name="resolution" value="1000" units="1/cm"/>
+          <inkml:channelProperty channel="Y" name="resolution" value="1000" units="1/cm"/>
+          <inkml:channelProperty channel="F" name="resolution" value="0" units="1/dev"/>
+        </inkml:channelProperties>
+      </inkml:inkSource>
+      <inkml:timestamp xml:id="ts0" timeString="2020-04-14T04:49:59.852"/>
+    </inkml:context>
+    <inkml:brush xml:id="br0">
+      <inkml:brushProperty name="width" value="0.05" units="cm"/>
+      <inkml:brushProperty name="height" value="0.05" units="cm"/>
+    </inkml:brush>
+  </inkml:definitions>
+  <inkml:trace contextRef="#ctx0" brushRef="#br0">0 99 24575,'35'0'0,"-9"0"0,26 0 0,2 0 0,13 0 0,15 0 0,3 0-933,10 0 933,-38 0 0,1 0 0,1 0 0,0 0 0,5 0 0,-1 0 0,37 0 0,-39 0 0,-1 0 0,30 0 0,-28-4 0,1 1 0,-9 2 0,-1 0 0,0-6 0,0 1 0,9 5 0,0 0 0,-12-5 0,1-1 0,7 6 0,0 0 0,-5-5 0,-3-1-4,20 5 4,29-4 0,-29 6 0,23 0 0,-9-7 0,-9 6 0,7-5 0,-15 6 0,6 0 0,-8 0 0,0 0 0,0-6 0,0 4 932,9-3-932,-7 5 0,6 0 5,-8 0-5,0 0 0,-7 0 0,5 0 0,-20-5 0,5 3 0,-15-3 0,-6 5 0,-6 0 0,-2 0 0,-9 0 0,4 0 0,-9 0 0,-1 0 0</inkml:trace>
+</inkml:ink>
+</file>
+
+<file path=ppt/ink/ink16.xml><?xml version="1.0" encoding="utf-8"?>
+<inkml:ink xmlns:inkml="http://www.w3.org/2003/InkML">
+  <inkml:definitions>
+    <inkml:context xml:id="ctx0">
+      <inkml:inkSource xml:id="inkSrc0">
+        <inkml:traceFormat>
+          <inkml:channel name="X" type="integer" min="-2.14748E9" max="2.14748E9" units="cm"/>
+          <inkml:channel name="Y" type="integer" min="-2.14748E9" max="2.14748E9" units="cm"/>
+          <inkml:channel name="F" type="integer" max="32767" units="dev"/>
+        </inkml:traceFormat>
+        <inkml:channelProperties>
+          <inkml:channelProperty channel="X" name="resolution" value="1000" units="1/cm"/>
+          <inkml:channelProperty channel="Y" name="resolution" value="1000" units="1/cm"/>
+          <inkml:channelProperty channel="F" name="resolution" value="0" units="1/dev"/>
+        </inkml:channelProperties>
+      </inkml:inkSource>
+      <inkml:timestamp xml:id="ts0" timeString="2020-04-14T04:50:15.384"/>
+    </inkml:context>
+    <inkml:brush xml:id="br0">
+      <inkml:brushProperty name="width" value="0.05" units="cm"/>
+      <inkml:brushProperty name="height" value="0.05" units="cm"/>
+    </inkml:brush>
+  </inkml:definitions>
+  <inkml:trace contextRef="#ctx0" brushRef="#br0">530 0 24575,'9'4'0,"0"6"0,5 1 0,-3 8 0,8-8 0,-8 8 0,3-8 0,-4 3 0,-1-5 0,0 0 0,0 0 0,-4 0 0,-1 0 0,0 0 0,-3 1 0,3-2 0,0-3 0,-3 3 0,7-3 0,-7 4 0,7-5 0,-7 4 0,7-3 0,-7 4 0,7 0 0,-7 1 0,7-1 0,-3 0 0,0 0 0,3 0 0,-3 0 0,4 0 0,-4 0 0,3 0 0,-3 0 0,1 1 0,2-1 0,-7-1 0,3 1 0,-4 0 0,0-1 0,0 0 0,-9 1 0,3 0 0,-7 0 0,-1 0 0,-1 5 0,-6 2 0,1 4 0,-7 7 0,-2 2 0,-6 1 0,-1 5 0,-6 2 0,-3 2 0,-2 12 0,-4-11 0,5 11 0,-6-5 0,0 0 0,5 5 0,4-12 0,6-2 0,9-10 0,2-10 0,10-3 0,2-5 0,9 0 0,-3-4 0,7-1 0,-3-4 0</inkml:trace>
+</inkml:ink>
+</file>
+
+<file path=ppt/ink/ink17.xml><?xml version="1.0" encoding="utf-8"?>
+<inkml:ink xmlns:inkml="http://www.w3.org/2003/InkML">
+  <inkml:definitions>
+    <inkml:context xml:id="ctx0">
+      <inkml:inkSource xml:id="inkSrc0">
+        <inkml:traceFormat>
+          <inkml:channel name="X" type="integer" min="-2.14748E9" max="2.14748E9" units="cm"/>
+          <inkml:channel name="Y" type="integer" min="-2.14748E9" max="2.14748E9" units="cm"/>
+          <inkml:channel name="F" type="integer" max="32767" units="dev"/>
+        </inkml:traceFormat>
+        <inkml:channelProperties>
+          <inkml:channelProperty channel="X" name="resolution" value="1000" units="1/cm"/>
+          <inkml:channelProperty channel="Y" name="resolution" value="1000" units="1/cm"/>
+          <inkml:channelProperty channel="F" name="resolution" value="0" units="1/dev"/>
+        </inkml:channelProperties>
+      </inkml:inkSource>
+      <inkml:timestamp xml:id="ts0" timeString="2020-04-14T04:50:17.603"/>
+    </inkml:context>
+    <inkml:brush xml:id="br0">
+      <inkml:brushProperty name="width" value="0.05" units="cm"/>
+      <inkml:brushProperty name="height" value="0.05" units="cm"/>
+    </inkml:brush>
+  </inkml:definitions>
+  <inkml:trace contextRef="#ctx0" brushRef="#br0">656 1 24575,'2'0'0,"-3"4"0,12-3 0,-6 7 0,4-3 0,-4 4 0,3-5 0,-7 4 0,6-7 0,-2 3 0,3-4 0,1 0 0,-5 4 0,4-3 0,-3 3 0,4 0 0,0-3 0,1 7 0,-1-3 0,5 0 0,-4 3 0,9-2 0,-9 3 0,9 1 0,-9-1 0,4-3 0,-4 2 0,-1-3 0,0 4 0,0-4 0,0 3 0,0-3 0,0 0 0,0 3 0,0-7 0,-4 7 0,-1-3 0,0 0 0,-3 3 0,3-4 0,-4 4 0,-4 1 0,-1-5 0,-8 5 0,2-4 0,-8 5 0,4-1 0,-11 2 0,4-1 0,-10 1 0,10 4 0,-9 2 0,3 4 0,-13 8 0,4 2 0,-14 7 0,13-1 0,-6 7 0,0-5 0,5 5 0,-12 0 0,12 1 0,-12 7 0,12-7 0,-11 5 0,12-12 0,-6 6 0,8-8 0,7-7 0,2-2 0,11-12 0,2-1 0,9-5 0,-3-4 0,7-1 0,-3-4 0</inkml:trace>
+</inkml:ink>
+</file>
+
+<file path=ppt/ink/ink18.xml><?xml version="1.0" encoding="utf-8"?>
+<inkml:ink xmlns:inkml="http://www.w3.org/2003/InkML">
+  <inkml:definitions>
+    <inkml:context xml:id="ctx0">
+      <inkml:inkSource xml:id="inkSrc0">
+        <inkml:traceFormat>
+          <inkml:channel name="X" type="integer" min="-2.14748E9" max="2.14748E9" units="cm"/>
+          <inkml:channel name="Y" type="integer" min="-2.14748E9" max="2.14748E9" units="cm"/>
+          <inkml:channel name="F" type="integer" max="32767" units="dev"/>
+        </inkml:traceFormat>
+        <inkml:channelProperties>
+          <inkml:channelProperty channel="X" name="resolution" value="1000" units="1/cm"/>
+          <inkml:channelProperty channel="Y" name="resolution" value="1000" units="1/cm"/>
+          <inkml:channelProperty channel="F" name="resolution" value="0" units="1/dev"/>
+        </inkml:channelProperties>
+      </inkml:inkSource>
+      <inkml:timestamp xml:id="ts0" timeString="2020-04-14T04:50:19.734"/>
+    </inkml:context>
+    <inkml:brush xml:id="br0">
+      <inkml:brushProperty name="width" value="0.05" units="cm"/>
+      <inkml:brushProperty name="height" value="0.05" units="cm"/>
+    </inkml:brush>
+  </inkml:definitions>
+  <inkml:trace contextRef="#ctx0" brushRef="#br0">464 5 24575,'8'0'0,"6"-5"0,7 9 0,-5-3 0,9 14 0,-4-4 0,-4 3 0,7-4 0,-13 0 0,7-1 0,-7 1 0,3-1 0,-5 0 0,0 0 0,0-4 0,-4 4 0,2-8 0,-6 7 0,7-7 0,-7 7 0,6-7 0,-2 7 0,4-7 0,-1 6 0,1-2 0,0 0 0,0 2 0,-1-2 0,1 0 0,-4 3 0,3-7 0,-7 7 0,7-7 0,-7 7 0,7-3 0,-3 4 0,0-1 0,-1 1 0,-4-1 0,0 1 0,-8 0 0,1 0 0,-11 0 0,-3 1 0,0 0 0,-11 1 0,10 0 0,-10-1 0,11 1 0,-11 0 0,4-1 0,1 5 0,-5 2 0,5 4 0,-13 2 0,4 6 0,-13 3 0,4 11 0,-7-2 0,-1 4 0,8-8 0,-3-5 0,11-3 0,3-12 0,8 3 0,11-9 0,1-1 0,9-6 0,1-4 0</inkml:trace>
+</inkml:ink>
+</file>
+
+<file path=ppt/ink/ink19.xml><?xml version="1.0" encoding="utf-8"?>
+<inkml:ink xmlns:inkml="http://www.w3.org/2003/InkML">
+  <inkml:definitions>
+    <inkml:context xml:id="ctx0">
+      <inkml:inkSource xml:id="inkSrc0">
+        <inkml:traceFormat>
+          <inkml:channel name="X" type="integer" min="-2.14748E9" max="2.14748E9" units="cm"/>
+          <inkml:channel name="Y" type="integer" min="-2.14748E9" max="2.14748E9" units="cm"/>
+          <inkml:channel name="F" type="integer" max="32767" units="dev"/>
+        </inkml:traceFormat>
+        <inkml:channelProperties>
+          <inkml:channelProperty channel="X" name="resolution" value="1000" units="1/cm"/>
+          <inkml:channelProperty channel="Y" name="resolution" value="1000" units="1/cm"/>
+          <inkml:channelProperty channel="F" name="resolution" value="0" units="1/dev"/>
+        </inkml:channelProperties>
+      </inkml:inkSource>
+      <inkml:timestamp xml:id="ts0" timeString="2020-04-14T04:50:56.680"/>
+    </inkml:context>
+    <inkml:brush xml:id="br0">
+      <inkml:brushProperty name="width" value="0.05" units="cm"/>
+      <inkml:brushProperty name="height" value="0.05" units="cm"/>
+      <inkml:brushProperty name="color" value="#E71224"/>
+    </inkml:brush>
+  </inkml:definitions>
+  <inkml:trace contextRef="#ctx0" brushRef="#br0">0 1 24575,'12'0'0,"8"0"0,20 0 0,29 0 0,8 0 0,-17 0 0,4 0-1199,2 0 0,2 0 1199,12 0 0,7 0-981,-1 0 1,7 0 0,-2 0 980,-14 0 0,-2 0 0,1 0 0,8 0 0,1 0 0,-1 0 0,-3 0 0,0 0 0,-2 0 0,-10 0 0,-2 0 0,4 0 0,22 0 0,4 0 0,0 0 0,-5 0 0,-1 0 0,1 0-810,-17 0 0,0 0 1,2 0-1,-2 0 810,22 0 0,0 0 0,-1 0 0,2 0 0,-1 0 0,-1 0 0,-1 0 0,-1 0 0,-1 0 0,-3 0 0,0 0 0,0 0 0,-1 0 0,-1 0 0,1 0 0,1 0 0,1-1 0,-1 2-726,-4 1 0,0 2 0,-1-1 726,5 0 0,0 1 0,-2 0 0,-6 2 0,-2 1 0,1 0 0,8 0 0,1 0 0,-1 0 0,-8-1 0,-1 1 0,1 0 0,8 3 0,1 0 0,-1 0 0,-7-3 0,-2 0 0,1 1 0,8 5 0,1 1 0,-1-1 0,-12-6 0,-2 0 0,2 0 0,6 5 0,2 2 0,-4-1-142,-13-3 0,-3-1 0,1 1 142,7-1 0,1 1 0,-3 1 0,21 5 0,-1 1 0,5-2 0,0-1 0,-6-1 0,-1 2 0,-5 1 0,-1 0 578,0-2 1,-1-1-579,-6 4 0,0 0 0,-5-4 0,-1 0 0,0 2 0,-1 1 0,-1-4 0,3 2 0,21 11 0,3 3 0,-13-9 0,0 1 0,12 7 0,-1-1 0,-21-8 0,-5-3 0,-18-3 0,1-1 1193,24 5 1,-4 0-1194,0 4 0,-9-5 0,1 1 0,15 11 0,9 1 0,7 1 0,-17-2 2716,-3 0-2716,1 0 0,-7 0 2306,-1-7-2306,-3 5 1708,-13-6-1708,13 6 699,-13-1-699,5 1 209,1 0-209,-6-1 0,-1 0 0,-3 0 0,-4-1 0,-1 0 0,6 1 0,15 10 0,-8-8 0,15 9 0,-21-11 0,0 0 0,-6-1 0,4 1 0,-11-7 0,5 5 0,-7-10 0,-6 8 0,5-8 0,-11 3 0,11 1 0,-11-5 0,5 9 0,0-4 0,1 1 0,1 3 0,3-8 0,-9 7 0,10-2 0,-5 4 0,0 0 0,5-4 0,-5 3 0,0-4 0,5 6 0,-5-1 0,1 0 0,10 2 0,-9-2 0,32 8 0,-23-6 0,17 4 0,-16-4 0,-4-5 0,5 3 0,-13-9 0,5 4 0,-5-6 0,6 1 0,0 5 0,0-3 0,0 3 0,0 0 0,0-4 0,-5 8 0,3-8 0,-3 8 0,5-8 0,0 9 0,0-4 0,0 5 0,0 0 0,0 0 0,9 8 0,-7-6 0,13 6 0,-5 0 0,6-5 0,-5 11 0,19 6 0,-16-8 0,11 5 0,-24-21 0,-8 2 0,-6-9 0,-5 3 0,4-4 0,-9-1 0,4-4 0,-9 4 0,3-8 0,-7 6 0,3-2 0,-4 0 0,0-2 0</inkml:trace>
+</inkml:ink>
+</file>
+
+<file path=ppt/ink/ink2.xml><?xml version="1.0" encoding="utf-8"?>
+<inkml:ink xmlns:inkml="http://www.w3.org/2003/InkML">
+  <inkml:definitions>
+    <inkml:context xml:id="ctx0">
+      <inkml:inkSource xml:id="inkSrc0">
+        <inkml:traceFormat>
+          <inkml:channel name="X" type="integer" min="-2.14748E9" max="2.14748E9" units="cm"/>
+          <inkml:channel name="Y" type="integer" min="-2.14748E9" max="2.14748E9" units="cm"/>
+        </inkml:traceFormat>
+        <inkml:channelProperties>
+          <inkml:channelProperty channel="X" name="resolution" value="1000" units="1/cm"/>
+          <inkml:channelProperty channel="Y" name="resolution" value="1000" units="1/cm"/>
+        </inkml:channelProperties>
+      </inkml:inkSource>
+      <inkml:timestamp xml:id="ts0" timeString="2020-04-14T04:49:29.191"/>
+    </inkml:context>
+    <inkml:brush xml:id="br0">
+      <inkml:brushProperty name="width" value="0.3" units="cm"/>
+      <inkml:brushProperty name="height" value="0.6" units="cm"/>
+      <inkml:brushProperty name="color" value="#FFFC00"/>
+      <inkml:brushProperty name="tip" value="rectangle"/>
+      <inkml:brushProperty name="rasterOp" value="maskPen"/>
+    </inkml:brush>
+  </inkml:definitions>
+  <inkml:trace contextRef="#ctx0" brushRef="#br0">42 824,'-5'70,"1"4,4-9,0 11,0 17,0 3,0-34,0 2,0 1,0 1,0 4,0 2,0 3,0-1,3-3,2 0,2 5,3 1,1-1,4 0,5 0,1 1,0-1,2 0,2 1,0-1,0-5,0-1,3 1,0-3,-8-18,0 0,16 25,1-2,3 0,5 4,4 0,-18-37,1-1,12 17,1 1,-8-14,1-3,3 6,2-1,-2-6,2-1,7 6,2-1,-2-5,2 1,4 6,3 0,0-8,1 1,3 8,2-2,-2-10,1-2,6 2,2-1,4-3,1-3,0 0,2-2,2-2,2-2,0-3,-1-2,-10-3,0-1,9-3,0-1,-10 0,-1 0,0-2,1-2,10 0,0-1,-4-2,2-2,16 1,2 0,0 0,1 0,-31 0,1 0,5 0,-1 0,5 0,1 0,-2 0,16 0,-3 0,6 0,-5 1,5-1,1 0,-3-1,-10-1,-2-1,0 0,1 1,6 1,2 1,1 0,0-1,3-4,2-1,-1 0,2 1,-17 4,0 1,1 0,1 0,-1-1,3-3,0 0,1-1,-1 0,1 0,-1 2,1 1,-1 0,0-1,2 0,1-2,1 0,1-1,-1 1,1 0,0 2,-1 0,1 1,1-1,0 0,6-1,1-1,0 0,1 0,-1 1,1 0,-1 2,1-1,0 0,1 0,-15-1,0 0,1-1,0 0,1 1,-1-1,3 0,0 1,1-1,0 1,-1-1,0 1,-2-1,0 1,0-1,-1 1,1-1,0 1,2-1,1 1,0-1,0 1,-1-1,0 0,11 0,-1 0,0 0,-1-1,1 1,-1 0,0 0,-1-1,1 1,-1 0,-3 0,1 0,-1 0,-1 0,0-1,-1-1,-1 0,0-1,-2 1,-3 0,1 0,-4 2,0-1,1-1,7-3,3-2,-3 0,-4 1,1 0,-6 1,5-1,-4 0,4-1,1 1,-3-1,16-2,-3 0,1-1,-22 2,1 0,-1-1,-2 1,14-1,-3 0,-1-1,-3-4,-1-1,-1 1,-9 6,-2 1,3-3,11-8,2-3,-3 1,10 0,-1 0,-17 4,3-2,-5 1,7-3,-4 1,-3 3,0 0,-1 0,-1 0,-4-3,-3 2,31-9,-38 13,-2-1,18-14,22 3,-18-4,-9 8,-10 1,-15 2,-7 5,-8-2,0 3,-5-3,6-7,8-9,3-8,18-25,0-4,-22 29,-1-2,19-33,-20 36,0-1,17-26,-20 26,1 1,27-30,-18 25,1 2,13-13,20-9,-35 32,-2 5,-3 3,-6 7,6 3,-5-2,3 8,-3-3,5 4,0 0,0-1,7 1,1-1,7 0,0 5,0-3,0 3,0-5,8-1,-6 1,13-1,-13 1,13-7,-13 5,13-5,-6 1,1-1,4-7,-12 2,-1 0,-9 1,2-9,-17 3,5-2,-20-1,1 4,-5-5,-1 0,-5 0,0-7,-11-2,-16-16,-15-2,-14-10,-9-3,-1 1,24 29,-1 1,6 8,-1-1,-7-6,0 0,5 7,-1 2,-8-4,-2 2,1-1,-2 1,-7 1,-1 2,0 2,0 1,-4-3,0 0,1 6,-1 0,-5-3,-1 0,0 3,-2 1,-9-3,-2 1,-6-1,-2 1,29 9,-2 2,-5 0,-5-2,-6 0,-2 1,5 2,-7 1,4 3,-4-1,3-1,-4 0,0 0,5 2,-2 2,4 2,-1 0,-5-1,-1 0,0 1,4-1,1 0,-1 1,-8 1,-2 2,3-1,6-2,2-1,-1 2,-3 4,-1 1,0-1,1-2,0 0,-1 0,-1 2,1 2,-1-1,0 0,1 0,-1 0,-4 0,-1 0,3 0,11 0,2 0,-1 0,-8 0,0 0,1 0,12 0,1 0,0 0,0 0,0 0,1 0,0 0,1 0,0 0,-30 4,0 1,0-1,1 2,0 2,2 2,5 3,0 0,-5-4,-1 2,5 6,-1 0,-3-3,-1 0,0 5,0-1,-1-4,-1 0,29-2,-1 1,1-2,-29-1,1 1,30 0,0 1,-4 0,-1-4,-6-1,0 0,4 0,-5 3,3 0,-4 0,1-1,-6 1,0-1,6 0,1-2,4 0,1 0,-2 3,0 0,0-1,0-2,1-1,1 0,3 0,0 1,2-1,-30 3,0 0,26-2,-1-1,-1 1,4-1,0 1,-2-1,-7-2,-1-1,0 1,5-1,0 0,0-1,-2 2,-1-1,-3-1,7-1,-3-1,-2 0,2 1,-19 5,1 1,-3-1,9-4,-3-2,0-1,7 2,2 2,7 1,-3-1,-13-3,-1 0,4 0,19 2,4 2,-2-1,-15 0,-3 1,1 0,5 0,1-1,-1 1,0-1,1 1,-1-2,5-2,0 0,0 0,1-1,-1 1,2 1,-25 3,1 0,0-3,2 0,5 3,0 0,0-4,1 0,-1-1,0 2,6 2,1 1,-6-3,1 0,11 6,-1 1,12-3,-3 0,2 1,-22 3,4 1,7 0,2 1,2-2,4-1,13-1,3 1,3-1,-1 0,-5 1,2-1,-21 7,-17 0,15-6,-13 5,15-5,-8-1,8 0,-6-1,15-5,-7 11,9-10,0 3,0-5,7 6,-5-5,13 4,-13-5,13 0,-14 6,14-4,-5 3,-15 1,17-5,-10 4,23-5,13 0,1 0,5 0,1 0,0 0,0 0,-1 0,1 0,0 0,-1 0,1 0,0 0,5 0,-4 0,3 0,1 0,-4 0,-1 0,-1 0,-3 0,3 0,1 0,-6 0,5 0,-5 0,5 0,1 0,0 0,0 0,-1 0,6 0,-3 0,4 0,-4-4,4 0,-2-5,6 0,-3 0,0-4,3 3,-3-4,4 1,0 3,-1-7,1 6,0-6,0 7,-1-3</inkml:trace>
+</inkml:ink>
+</file>
+
+<file path=ppt/ink/ink20.xml><?xml version="1.0" encoding="utf-8"?>
+<inkml:ink xmlns:inkml="http://www.w3.org/2003/InkML">
+  <inkml:definitions>
+    <inkml:context xml:id="ctx0">
+      <inkml:inkSource xml:id="inkSrc0">
+        <inkml:traceFormat>
+          <inkml:channel name="X" type="integer" min="-2.14748E9" max="2.14748E9" units="cm"/>
+          <inkml:channel name="Y" type="integer" min="-2.14748E9" max="2.14748E9" units="cm"/>
+          <inkml:channel name="F" type="integer" max="32767" units="dev"/>
+        </inkml:traceFormat>
+        <inkml:channelProperties>
+          <inkml:channelProperty channel="X" name="resolution" value="1000" units="1/cm"/>
+          <inkml:channelProperty channel="Y" name="resolution" value="1000" units="1/cm"/>
+          <inkml:channelProperty channel="F" name="resolution" value="0" units="1/dev"/>
+        </inkml:channelProperties>
+      </inkml:inkSource>
+      <inkml:timestamp xml:id="ts0" timeString="2020-04-14T04:51:00.441"/>
+    </inkml:context>
+    <inkml:brush xml:id="br0">
+      <inkml:brushProperty name="width" value="0.05" units="cm"/>
+      <inkml:brushProperty name="height" value="0.05" units="cm"/>
+      <inkml:brushProperty name="color" value="#E71224"/>
+    </inkml:brush>
+  </inkml:definitions>
+  <inkml:trace contextRef="#ctx0" brushRef="#br0">1 1042 24575,'8'0'0,"12"0"0,-9 0 0,19 0 0,0 0 0,11 0 0,7 0 0,0 0 0,0 0 0,0 0 0,8 0 0,-13 0 0,19 0 0,-19 0 0,20 0 0,-20 0 0,5 0 0,-9 0 0,3 5 0,-1 1 0,-1 5 0,-7 0 0,-6 0 0,5 0 0,-11-1 0,0 0 0,-2-4 0,-8 2 0,3-7 0,-5 7 0,0-7 0,0 3 0,0 0 0,0-3 0,0 7 0,0-7 0,0 7 0,5-7 0,-3 3 0,3 0 0,-5-3 0,0 7 0,0-7 0,0 7 0,0-7 0,-4 7 0,3-3 0,-7 3 0,3 1 0,-4-1 0,0 1 0,-4-4 0,-1-2 0,-4-3 0,0 0 0,1 0 0,3-3 0,-2-2 0,6-3 0,-3-1 0,0 0 0,3 0 0,-3 0 0,0 0 0,3 0 0,-7 0 0,7-5 0,-4 3 0,1-3 0,3 0 0,-3 4 0,0-5 0,3 1 0,-8-1 0,4-5 0,-1-1 0,-3-5 0,2-1 0,-4-6 0,5-7 0,-4 5 0,9-5 0,-9 7 0,9-7 0,-4 5 0,-1-12 0,5 6 0,-4-1 0,5-4 0,0 11 0,0-12 0,0 13 0,0-13 0,0 12 0,0-5 0,0 0 0,0 5 0,0 1 0,0 3 0,-5 3 0,3 1 0,-3 1 0,5 10 0,0-3 0,0 9 0,0-4 0,0 4 0,0 1 0,0 8 0,0 6 0,0 4 0,0 3 0,0-2 0,0-2 0,0-2 0,0-2 0</inkml:trace>
+</inkml:ink>
+</file>
+
+<file path=ppt/ink/ink21.xml><?xml version="1.0" encoding="utf-8"?>
+<inkml:ink xmlns:inkml="http://www.w3.org/2003/InkML">
+  <inkml:definitions>
+    <inkml:context xml:id="ctx0">
+      <inkml:inkSource xml:id="inkSrc0">
+        <inkml:traceFormat>
+          <inkml:channel name="X" type="integer" min="-2.14748E9" max="2.14748E9" units="cm"/>
+          <inkml:channel name="Y" type="integer" min="-2.14748E9" max="2.14748E9" units="cm"/>
+          <inkml:channel name="F" type="integer" max="32767" units="dev"/>
+        </inkml:traceFormat>
+        <inkml:channelProperties>
+          <inkml:channelProperty channel="X" name="resolution" value="1000" units="1/cm"/>
+          <inkml:channelProperty channel="Y" name="resolution" value="1000" units="1/cm"/>
+          <inkml:channelProperty channel="F" name="resolution" value="0" units="1/dev"/>
+        </inkml:channelProperties>
+      </inkml:inkSource>
+      <inkml:timestamp xml:id="ts0" timeString="2020-04-18T04:54:23.148"/>
+    </inkml:context>
+    <inkml:brush xml:id="br0">
+      <inkml:brushProperty name="width" value="0.05" units="cm"/>
+      <inkml:brushProperty name="height" value="0.05" units="cm"/>
+      <inkml:brushProperty name="color" value="#E71224"/>
+    </inkml:brush>
+  </inkml:definitions>
+  <inkml:trace contextRef="#ctx0" brushRef="#br0">3861 4784 24575,'-21'0'0,"-17"0"0,17 5 0,-23 8 0,-13 16 0,19-7 0,-40 20 0,26-19 0,4 4 0,-2 2-709,-31 12 709,28-12 0,-1 1 0,-33 16 0,39-22 0,0 0 0,-30 15 0,15-10 0,0 0 0,-24 13 0,17-10 0,-1-1 0,-9 2 0,29-13 0,-1-2 0,-36 7 0,39-12 0,-1-1 0,-3 4 0,-1-1 0,-42 3 0,0 5 0,0-7 0,10 0 0,-8-8 0,17 5 0,-7-11-233,10 5 233,-1-7 0,1 0 0,-1 0 0,1 0 0,-1 0 0,1 0 0,8-7 0,-6-7 0,15-2 0,-31-23 0,33 9 0,-22-12 0,34 3 0,-5 3 0,7-5 0,-2-9 700,8 8-700,-7-15 242,13 9-242,-6-9 0,0 0 0,5 1 0,1-1 0,3 2 0,11 0 0,-11 0 0,10 0 0,-10-25 0,17 19 0,-10-19 0,18 25 0,-11 0 0,10-9 0,-4-2 0,6 0 0,0-6 0,0 6 0,0-8 0,0-1 0,0 1 0,0 8 0,0-7 0,0 16 0,0-23 0,0 20 0,0-4 0,0 11 0,0 5 0,0 1 0,0-7 0,0 15 0,6-15 0,-4 7 0,10-8 0,-5 0 0,1 8 0,4-6 0,-5 5 0,7-7 0,-6 0 0,3 8 0,-3-6 0,-1 5 0,11-31 0,-15 25 0,16-24 0,-12 31 0,6-1 0,1-5 0,-1 13 0,-6-13 0,4 13 0,-4-5 0,7-1 0,-2 6 0,-4-13 0,3 13 0,3-37 0,0 23 0,6-25 0,-6 24 0,-1-1 0,-5 9 0,4-6 0,-5 13 0,7-13 0,-7 13 0,5-13 0,-4 5 0,5-6 0,-5-1 0,4 0 0,-4 0 0,5 0 0,1-1 0,0-32 0,-1 32 0,1-30 0,-1 39 0,0-1 0,-6-5 0,5 13 0,-5-13 0,0 13 0,5-13 0,-10 13 0,10-6 0,-5 8 0,0 0 0,4 1 0,-10 5 0,5-2 0,-2 16 0,-3-3 0,3 20 0,-4 1 0,0 10 0,0 1 0,0-1 0,0-4 0,0-1 0</inkml:trace>
+</inkml:ink>
+</file>
+
+<file path=ppt/ink/ink22.xml><?xml version="1.0" encoding="utf-8"?>
+<inkml:ink xmlns:inkml="http://www.w3.org/2003/InkML">
+  <inkml:definitions>
+    <inkml:context xml:id="ctx0">
+      <inkml:inkSource xml:id="inkSrc0">
+        <inkml:traceFormat>
+          <inkml:channel name="X" type="integer" min="-2.14748E9" max="2.14748E9" units="cm"/>
+          <inkml:channel name="Y" type="integer" min="-2.14748E9" max="2.14748E9" units="cm"/>
+          <inkml:channel name="F" type="integer" max="32767" units="dev"/>
+        </inkml:traceFormat>
+        <inkml:channelProperties>
+          <inkml:channelProperty channel="X" name="resolution" value="1000" units="1/cm"/>
+          <inkml:channelProperty channel="Y" name="resolution" value="1000" units="1/cm"/>
+          <inkml:channelProperty channel="F" name="resolution" value="0" units="1/dev"/>
+        </inkml:channelProperties>
+      </inkml:inkSource>
+      <inkml:timestamp xml:id="ts0" timeString="2020-04-18T04:54:25.221"/>
+    </inkml:context>
+    <inkml:brush xml:id="br0">
+      <inkml:brushProperty name="width" value="0.05" units="cm"/>
+      <inkml:brushProperty name="height" value="0.05" units="cm"/>
+      <inkml:brushProperty name="color" value="#E71224"/>
+    </inkml:brush>
+  </inkml:definitions>
+  <inkml:trace contextRef="#ctx0" brushRef="#br0">430 0 24575,'-10'0'0,"0"0"0,0 0 0,0 0 0,-7 0 0,5 5 0,-4 1 0,6 4 0,-6 1 0,3 5 0,-9 2 0,10-5 0,-5 7 0,6-7 0,0 4 0,-6 5 0,5-11 0,-4 11 0,5-10 0,0 9 0,0-9 0,0 9 0,0-9 0,-1 10 0,-4-5 0,4 1 0,-5 3 0,6-3 0,-1 5 0,1-6 0,5-1 0,-4-6 0,9 1 0,-8-1 0,3 0 0,1-4 0,0-2 0</inkml:trace>
+</inkml:ink>
+</file>
+
+<file path=ppt/ink/ink23.xml><?xml version="1.0" encoding="utf-8"?>
+<inkml:ink xmlns:inkml="http://www.w3.org/2003/InkML">
+  <inkml:definitions>
+    <inkml:context xml:id="ctx0">
+      <inkml:inkSource xml:id="inkSrc0">
+        <inkml:traceFormat>
+          <inkml:channel name="X" type="integer" min="-2.14748E9" max="2.14748E9" units="cm"/>
+          <inkml:channel name="Y" type="integer" min="-2.14748E9" max="2.14748E9" units="cm"/>
+          <inkml:channel name="F" type="integer" max="32767" units="dev"/>
+        </inkml:traceFormat>
+        <inkml:channelProperties>
+          <inkml:channelProperty channel="X" name="resolution" value="1000" units="1/cm"/>
+          <inkml:channelProperty channel="Y" name="resolution" value="1000" units="1/cm"/>
+          <inkml:channelProperty channel="F" name="resolution" value="0" units="1/dev"/>
+        </inkml:channelProperties>
+      </inkml:inkSource>
+      <inkml:timestamp xml:id="ts0" timeString="2020-04-18T04:54:26.811"/>
+    </inkml:context>
+    <inkml:brush xml:id="br0">
+      <inkml:brushProperty name="width" value="0.05" units="cm"/>
+      <inkml:brushProperty name="height" value="0.05" units="cm"/>
+      <inkml:brushProperty name="color" value="#E71224"/>
+    </inkml:brush>
+  </inkml:definitions>
+  <inkml:trace contextRef="#ctx0" brushRef="#br0">1 0 24575,'0'10'0,"0"0"0,0 17 0,0-4 0,0-5 0,0 10 0,0-15 0,0 16 0,0-12 0,0 0 0,0 5 0,0-5 0,0 6 0,0 0 0,0 0 0,0 0 0,0 0 0,0 0 0,0 0 0,0 0 0,0-5 0,0 3 0,0-9 0,0 10 0,4-11 0,-3 5 0,9 0 0,-9-4 0,4 10 0,1-5 0,-5 1 0,9 3 0,-9-3 0,4-1 0,0-1 0,-4 0 0,8-4 0,-7 4 0,2-6 0,-4 0 0,0-4 0,0-2 0</inkml:trace>
+</inkml:ink>
+</file>
+
+<file path=ppt/ink/ink24.xml><?xml version="1.0" encoding="utf-8"?>
+<inkml:ink xmlns:inkml="http://www.w3.org/2003/InkML">
+  <inkml:definitions>
+    <inkml:context xml:id="ctx0">
+      <inkml:inkSource xml:id="inkSrc0">
+        <inkml:traceFormat>
+          <inkml:channel name="X" type="integer" min="-2.14748E9" max="2.14748E9" units="cm"/>
+          <inkml:channel name="Y" type="integer" min="-2.14748E9" max="2.14748E9" units="cm"/>
+          <inkml:channel name="F" type="integer" max="32767" units="dev"/>
+        </inkml:traceFormat>
+        <inkml:channelProperties>
+          <inkml:channelProperty channel="X" name="resolution" value="1000" units="1/cm"/>
+          <inkml:channelProperty channel="Y" name="resolution" value="1000" units="1/cm"/>
+          <inkml:channelProperty channel="F" name="resolution" value="0" units="1/dev"/>
+        </inkml:channelProperties>
+      </inkml:inkSource>
+      <inkml:timestamp xml:id="ts0" timeString="2020-04-18T04:54:43.276"/>
+    </inkml:context>
+    <inkml:brush xml:id="br0">
+      <inkml:brushProperty name="width" value="0.05" units="cm"/>
+      <inkml:brushProperty name="height" value="0.05" units="cm"/>
+      <inkml:brushProperty name="color" value="#004F8B"/>
+    </inkml:brush>
+  </inkml:definitions>
+  <inkml:trace contextRef="#ctx0" brushRef="#br0">1 3979 24575,'0'-27'0,"0"4"0,0-7 0,0-7 0,0-21 0,0 6 0,0-5 0,0 0 0,0 0-458,0-3 0,0-1 458,0-4 0,0 4 0,0-13 0,-1 17 0,2 0 0,6-21 0,2-18 0,7 0 0,0 0 0,6 10 0,-5 1-264,11 11 264,-6 8 0,1-6 0,4 6 0,-5 0 0,7-6 0,0 6 0,0 0 0,0-6 0,7 6 0,-6 0 0,6-6 0,11-12 0,-13 14 0,13-12 0,-21 35 0,9-8 0,-8 14 0,16-16 0,-16 17 0,14-9 903,-13 3-903,11 3 277,-4-4-277,8-2 0,-1 5 0,-7-4 0,5 7 0,-6 1 0,15-3 0,-5 1 0,5 0 0,0-1 0,3-1 0,5 7 0,-6-4 0,5 4 0,-7 2 0,0 0 0,4 8 0,-13 2 0,13-3 0,-13 3 0,5 4 0,18-15 0,-12 18 0,13-18 0,-11 20 0,-6-9 0,8 10 0,0-11 0,0 11 0,0-5 0,0 0 0,0 5 0,0-5 0,8 5 0,-6 1 0,7 0 0,-9 0 0,9 0 0,-7 6 0,31-5 0,-19 5 0,13 0 0,-19 2 0,-8 6 0,0 0 0,9 0 0,-7 0 0,7 0 0,-9 0 0,8 0 0,-13 0 0,11 0 0,-14 0 0,8 0 0,-7 0 0,21 11 0,-17-2 0,12 10 0,-11-5 0,-5-1 0,-1 0 0,6 1 0,-6 5 0,8 2 0,0 7 0,0-1 0,0 0 0,0 1 0,0-1 0,2 8 0,7-4 0,-3 12 0,5-5 0,-16-7 0,0 2 0,19 23-338,-16-23 1,0 0 337,8 25 0,5-12 0,-6 5 0,-1 1-212,1-6 212,-1 5 0,1-6 0,-9-2 0,7 8 0,-15-8 0,14 8 0,-5-8 0,7 8 0,1-5 0,8 14 0,-24-24 0,0 1 0,-1-3 0,-1 1 0,2 1 0,0 1 0,24 22 0,-8-12 0,-9 2 0,6-5 0,-12 6 0,13-4 0,-13 4 0,4-7 0,-7-2 0,-1 0 0,0 1 668,0-1-668,-7-1 219,6 0-219,-6 0 0,26 20 0,-22-16 0,20 15 0,-31-21 0,11-4 0,-18-4 0,9-6 0,-11-1 0,-1 0 0,5 0 0,-9 0 0,9 0 0,-10 0 0,10 0 0,2 17 0,-5-13 0,9 19 0,-15-21 0,5 4 0,-2-6 0,-3-5 0,3 3 0,-5-9 0,0 4 0,-6-5 0,5-1 0,-9 0 0,3 0 0,1 1 0,-4-1 0,8 0 0,-2 6 0,-1 8 0,4 1 0,-4 4 0,6 1 0,0-5 0,0 4 0,-1-6 0,-4 0 0,2-5 0,-7 3 0,7-3 0,-7-1 0,8 11 0,-8-14 0,9 20 0,-10-15 0,10 11 0,-10-7 0,9 10 0,-8-13 0,8 12 0,-9-20 0,4 4 0,-5-6 0,0 1 0,0-1 0,0-4 0,0-2 0</inkml:trace>
+</inkml:ink>
+</file>
+
+<file path=ppt/ink/ink25.xml><?xml version="1.0" encoding="utf-8"?>
+<inkml:ink xmlns:inkml="http://www.w3.org/2003/InkML">
+  <inkml:definitions>
+    <inkml:context xml:id="ctx0">
+      <inkml:inkSource xml:id="inkSrc0">
+        <inkml:traceFormat>
+          <inkml:channel name="X" type="integer" min="-2.14748E9" max="2.14748E9" units="cm"/>
+          <inkml:channel name="Y" type="integer" min="-2.14748E9" max="2.14748E9" units="cm"/>
+          <inkml:channel name="F" type="integer" max="32767" units="dev"/>
+        </inkml:traceFormat>
+        <inkml:channelProperties>
+          <inkml:channelProperty channel="X" name="resolution" value="1000" units="1/cm"/>
+          <inkml:channelProperty channel="Y" name="resolution" value="1000" units="1/cm"/>
+          <inkml:channelProperty channel="F" name="resolution" value="0" units="1/dev"/>
+        </inkml:channelProperties>
+      </inkml:inkSource>
+      <inkml:timestamp xml:id="ts0" timeString="2020-04-18T04:54:46.070"/>
+    </inkml:context>
+    <inkml:brush xml:id="br0">
+      <inkml:brushProperty name="width" value="0.05" units="cm"/>
+      <inkml:brushProperty name="height" value="0.05" units="cm"/>
+      <inkml:brushProperty name="color" value="#004F8B"/>
+    </inkml:brush>
+  </inkml:definitions>
+  <inkml:trace contextRef="#ctx0" brushRef="#br0">0 411 24575,'10'0'0,"6"0"0,13 0 0,8 0 0,-13 0 0,12-5 0,-11 3 0,5 7 0,-7-3 0,6 20 0,-10-15 0,16 11 0,-16-2 0,10-2 0,-6 7 0,0-8 0,0 4 0,0-1 0,-5-3 0,3 3 0,-3-5 0,-1 0 0,-1 0 0,0 0 0,-4-1 0,4 1 0,-6 0 0,1-1 0,-1 0 0,-4 0 0,2 0 0,-7 0 0,8 0 0,-3 0 0,4 0 0,1 6 0,0 1 0,1 6 0,-1-5 0,0 3 0,0-3 0,0-1 0,0 5 0,0-10 0,-5 4 0,3-6 0,-7 0 0,2-8 0,-4-3 0,0-9 0,-5 0 0,4-1 0,-8 1 0,8 0 0,-3-1 0,-1 1 0,4-1 0,-4 1 0,5-1 0,-5 1 0,4 0 0,-3-1 0,4 1 0,0 0 0,0-1 0,0 1 0,0 0 0,0 1 0,0-6 0,0 4 0,0-9 0,0-4 0,-6-8 0,4-13 0,-3 5 0,-1-13 0,4 5 0,-4-7 0,0 8 0,5 1 0,-5 8 0,1 7 0,4-6 0,-4 12 0,5-4 0,0 6 0,0-1 0,0 7 0,0 1 0,0 5 0,0 1 0,0 0 0,0 0 0,0 1 0,0-1 0,0 5 0,0 1 0</inkml:trace>
+</inkml:ink>
+</file>
+
+<file path=ppt/ink/ink3.xml><?xml version="1.0" encoding="utf-8"?>
+<inkml:ink xmlns:inkml="http://www.w3.org/2003/InkML">
+  <inkml:definitions>
+    <inkml:context xml:id="ctx0">
+      <inkml:inkSource xml:id="inkSrc0">
+        <inkml:traceFormat>
+          <inkml:channel name="X" type="integer" min="-2.14748E9" max="2.14748E9" units="cm"/>
+          <inkml:channel name="Y" type="integer" min="-2.14748E9" max="2.14748E9" units="cm"/>
+          <inkml:channel name="F" type="integer" max="32767" units="dev"/>
+        </inkml:traceFormat>
+        <inkml:channelProperties>
+          <inkml:channelProperty channel="X" name="resolution" value="1000" units="1/cm"/>
+          <inkml:channelProperty channel="Y" name="resolution" value="1000" units="1/cm"/>
+          <inkml:channelProperty channel="F" name="resolution" value="0" units="1/dev"/>
+        </inkml:channelProperties>
+      </inkml:inkSource>
+      <inkml:timestamp xml:id="ts0" timeString="2020-04-14T04:49:39.666"/>
+    </inkml:context>
+    <inkml:brush xml:id="br0">
+      <inkml:brushProperty name="width" value="0.05" units="cm"/>
+      <inkml:brushProperty name="height" value="0.05" units="cm"/>
+    </inkml:brush>
+  </inkml:definitions>
+  <inkml:trace contextRef="#ctx0" brushRef="#br0">379 0 24575,'-4'14'0,"-2"-5"0,-4 10 0,0-3 0,1-1 0,-1 4 0,0-4 0,0 5 0,-1 6 0,-5 1 0,-1 6 0,-6 7 0,0 1 0,-1 8 0,0-1 0,-2 7 0,2-5 0,-2 13 0,7-13 0,1 6 0,6-8 0,0 0 0,0-6 0,5-3 0,-3-6 0,9 0 0,-4-5 0,5-3 0,0 1 0,0-4 0,0 4 0,0-6 0,0 6 0,0-5 0,0 11 0,0-5 0,5 6 0,1 0 0,6 7 0,-1-5 0,1 11 0,4-11 0,2 11 0,5-4 0,1 6 0,0 0 0,7 2 0,1 6 0,0-11 0,5 11 0,-6-13 0,14 3 0,-5 5 0,2-18 0,-11 7 0,1-17 0,-4 4 0,14 4 0,-6-11 0,6 10 0,-15-14 0,5 1 0,-5 3 0,6-3 0,0 5 0,7 1 0,-5-1 0,4 1 0,1 0 0,-5-1 0,11 2 0,-3 6 0,13-4 0,3 6 0,-1-7 0,5 1 0,-6-1 0,8 1 0,-7-6 0,4 4 0,-12-11 0,27 10 0,-31-5 0,22 1 0,-27-3 0,8-4 0,-1 0 0,7 6 0,-5-4 0,13 5 0,-5-7 0,7 1 0,0 0 0,0 0 0,0 0 0,0-6 0,0 5 0,-8-11 0,-1 5 0,-8-6 0,-6 5 0,-3-4 0,-11 4 0,-2-5 0,-6 0 0,-5 0 0,-1 0 0,-5 0 0,0 0 0,0 0 0,0 0 0,0 0 0,0 0 0,0 0 0,-1 0 0,-3 0 0,-1 0 0</inkml:trace>
+</inkml:ink>
+</file>
+
+<file path=ppt/ink/ink4.xml><?xml version="1.0" encoding="utf-8"?>
+<inkml:ink xmlns:inkml="http://www.w3.org/2003/InkML">
+  <inkml:definitions>
+    <inkml:context xml:id="ctx0">
+      <inkml:inkSource xml:id="inkSrc0">
+        <inkml:traceFormat>
+          <inkml:channel name="X" type="integer" min="-2.14748E9" max="2.14748E9" units="cm"/>
+          <inkml:channel name="Y" type="integer" min="-2.14748E9" max="2.14748E9" units="cm"/>
+          <inkml:channel name="F" type="integer" max="32767" units="dev"/>
+        </inkml:traceFormat>
+        <inkml:channelProperties>
+          <inkml:channelProperty channel="X" name="resolution" value="1000" units="1/cm"/>
+          <inkml:channelProperty channel="Y" name="resolution" value="1000" units="1/cm"/>
+          <inkml:channelProperty channel="F" name="resolution" value="0" units="1/dev"/>
+        </inkml:channelProperties>
+      </inkml:inkSource>
+      <inkml:timestamp xml:id="ts0" timeString="2020-04-14T04:49:42.862"/>
+    </inkml:context>
+    <inkml:brush xml:id="br0">
+      <inkml:brushProperty name="width" value="0.05" units="cm"/>
+      <inkml:brushProperty name="height" value="0.05" units="cm"/>
+    </inkml:brush>
+  </inkml:definitions>
+  <inkml:trace contextRef="#ctx0" brushRef="#br0">819 1 24575,'-5'3'0,"1"2"0,-19 23 0,7-3 0,-19 16 0,5 6 0,-9 6 0,4 6 0,2-2 0,4-1 0,9-6 0,-9-3 0,0 0 0,9 5 0,-8-3 0,-1 3 0,-4 29 0,-3-8 0,14-23 0,0-1 0,-9 10 0,11-8 0,2 0 0,-10 13 0,7-15 0,0 1 0,-1 18 0,-6 8 0,2 5 0,11-14 0,-11 7 0,18-9 0,-10 0 0,11-8 0,0 6 0,2-13 0,5 6 0,0-8 0,0 0 0,0 0 0,0 0 0,0 8 0,0 1 0,0 8 0,0 28 0,6-12 0,1 6 0,7-7 0,0 19 0,-1-24 0,-5-19 0,-1-2 0,6 14 0,1 16 0,0 0 0,6-9 0,-6-1 0,11-9 0,-5 0 0,0-8 0,4 6 0,-5-13 0,6 6 0,0 0 0,6 1 0,-4 8 0,5 0 0,0-5 0,-5 3 0,11-9 0,-10 9 0,2-11 0,1-2 0,-6-3 0,10-9 0,-10 8 0,4-10 0,1 13 0,-6-14 0,12 8 0,-5-1 0,7 3 0,-1 0 0,1-2 0,-1 0 0,9 9 0,-6-5 0,6 4 0,-10-15 0,0 0 0,0 0 0,-1-6 0,1 5 0,-3-12 0,3 12 0,-3-12 0,10 13 0,-6-6 0,11 2 0,-3 4 0,5-3 0,2 6 0,0 0 0,6 0 0,-5 0 0,11 0 0,-5 0 0,6 0 0,0-6 0,-5 4 0,3-3 0,-4 4 0,0 1 0,5-6 0,-11 5 0,-7-16 0,1 1 0,14 19 0,-15-19 0,0-2 0,13 11 0,-1-7 0,-3 0 0,-7-6 0,0-2 0,-6-1 0,-2-3 0,-13 3 0,4-5 0,-9-6 0,4 5 0,-6-9 0,0 8 0,6-8 0,-5 8 0,11-3 0,-5-1 0,6 5 0,0-9 0,0 9 0,1-4 0,-1 5 0,0-4 0,0 2 0,-6-7 0,-1 2 0,-6 1 0,-5-4 0,-1 4 0,-5-5 0,0 0 0,4 4 0,-3-3 0,3 3 0,-5-1 0,1-2 0,-1 3 0,-4-4 0,0 0 0</inkml:trace>
+</inkml:ink>
+</file>
+
+<file path=ppt/ink/ink5.xml><?xml version="1.0" encoding="utf-8"?>
+<inkml:ink xmlns:inkml="http://www.w3.org/2003/InkML">
+  <inkml:definitions>
+    <inkml:context xml:id="ctx0">
+      <inkml:inkSource xml:id="inkSrc0">
+        <inkml:traceFormat>
+          <inkml:channel name="X" type="integer" min="-2.14748E9" max="2.14748E9" units="cm"/>
+          <inkml:channel name="Y" type="integer" min="-2.14748E9" max="2.14748E9" units="cm"/>
+          <inkml:channel name="F" type="integer" max="32767" units="dev"/>
+        </inkml:traceFormat>
+        <inkml:channelProperties>
+          <inkml:channelProperty channel="X" name="resolution" value="1000" units="1/cm"/>
+          <inkml:channelProperty channel="Y" name="resolution" value="1000" units="1/cm"/>
+          <inkml:channelProperty channel="F" name="resolution" value="0" units="1/dev"/>
+        </inkml:channelProperties>
+      </inkml:inkSource>
+      <inkml:timestamp xml:id="ts0" timeString="2020-04-14T04:50:03.815"/>
+    </inkml:context>
+    <inkml:brush xml:id="br0">
+      <inkml:brushProperty name="width" value="0.05" units="cm"/>
+      <inkml:brushProperty name="height" value="0.05" units="cm"/>
+    </inkml:brush>
+  </inkml:definitions>
+  <inkml:trace contextRef="#ctx0" brushRef="#br0">1 0 24575,'0'3'0,"0"-1"0,0 11 0,0-4 0,0 0 0,0 0 0,0 5 0,0-3 0,0 8 0,0-4 0,0 5 0,0 6 0,0 1 0,0 6 0,0 7 0,0 1 0,0 7 0,0 1 0,0-1 0,0 0 0,0 0 0,0 0 0,0 0 0,0-7 0,0 6 0,0-13 0,0 13 0,0-12 0,0 4 0,0 1 0,0 1 0,0 1 0,0-2 0,0-7 0,0 6 0,0-10 0,0 10 0,0-12 0,0 0 0,0 5 0,0-10 0,0 9 0,0-3 0,0-1 0,0 4 0,0 3 0,0 1 0,0 5 0,0-7 0,0 0 0,0 0 0,0-6 0,0-1 0,0 0 0,0-9 0,0 7 0,0-13 0,0 8 0,0-9 0,0 4 0,0-5 0,0 0 0,0 0 0,0 0 0,0 0 0,0 0 0,0 0 0,0-1 0,0 0 0,0-3 0,0-2 0</inkml:trace>
+</inkml:ink>
+</file>
+
+<file path=ppt/ink/ink6.xml><?xml version="1.0" encoding="utf-8"?>
+<inkml:ink xmlns:inkml="http://www.w3.org/2003/InkML">
+  <inkml:definitions>
+    <inkml:context xml:id="ctx0">
+      <inkml:inkSource xml:id="inkSrc0">
+        <inkml:traceFormat>
+          <inkml:channel name="X" type="integer" min="-2.14748E9" max="2.14748E9" units="cm"/>
+          <inkml:channel name="Y" type="integer" min="-2.14748E9" max="2.14748E9" units="cm"/>
+          <inkml:channel name="F" type="integer" max="32767" units="dev"/>
+        </inkml:traceFormat>
+        <inkml:channelProperties>
+          <inkml:channelProperty channel="X" name="resolution" value="1000" units="1/cm"/>
+          <inkml:channelProperty channel="Y" name="resolution" value="1000" units="1/cm"/>
+          <inkml:channelProperty channel="F" name="resolution" value="0" units="1/dev"/>
+        </inkml:channelProperties>
+      </inkml:inkSource>
+      <inkml:timestamp xml:id="ts0" timeString="2020-04-14T04:50:05.728"/>
+    </inkml:context>
+    <inkml:brush xml:id="br0">
+      <inkml:brushProperty name="width" value="0.05" units="cm"/>
+      <inkml:brushProperty name="height" value="0.05" units="cm"/>
+    </inkml:brush>
+  </inkml:definitions>
+  <inkml:trace contextRef="#ctx0" brushRef="#br0">0 174 24575,'9'0'0,"-1"0"0,6-5 0,2 4 0,-1 0 0,4 2 0,-4 12 0,0-10 0,10 10 0,-8-2 0,8 0 0,-4 4 0,-1-5 0,14 10 0,-10-8 0,11 8 0,-15-10 0,0 0 0,-4 0 0,2 0 0,-2-1 0,-1 1 0,4-5 0,-4 4 0,0-4 0,4 1 0,-4 2 0,1-3 0,2 5 0,-7-1 0,3-3 0,-5 2 0,0-7 0,0 7 0,0-3 0,-4 4 0,3-4 0,-7 3 0,7-7 0,-7 7 0,7-3 0,-3 4 0,0 0 0,3-4 0,-7 3 0,6-7 0,-2 3 0,3-4 0,0 0 0,-3-9 0,-1 2 0,-4-12 0,0 4 0,0-5 0,0-6 0,0 4 0,0-4 0,0 11 0,0-4 0,0 3 0,0 1 0,0 1 0,0 5 0,0-1 0,0 1 0,0 0 0,0 0 0,-5-5 0,4 3 0,-3-3 0,4 0 0,0 3 0,0-8 0,0 4 0,0-5 0,0 4 0,0-3 0,0 9 0,0-9 0,0 8 0,0-3 0,0 5 0,0 0 0,0 0 0,-4 4 0,3 2 0,-3 3 0</inkml:trace>
+</inkml:ink>
+</file>
+
+<file path=ppt/ink/ink7.xml><?xml version="1.0" encoding="utf-8"?>
+<inkml:ink xmlns:inkml="http://www.w3.org/2003/InkML">
+  <inkml:definitions>
+    <inkml:context xml:id="ctx0">
+      <inkml:inkSource xml:id="inkSrc0">
+        <inkml:traceFormat>
+          <inkml:channel name="X" type="integer" min="-2.14748E9" max="2.14748E9" units="cm"/>
+          <inkml:channel name="Y" type="integer" min="-2.14748E9" max="2.14748E9" units="cm"/>
+          <inkml:channel name="F" type="integer" max="32767" units="dev"/>
+        </inkml:traceFormat>
+        <inkml:channelProperties>
+          <inkml:channelProperty channel="X" name="resolution" value="1000" units="1/cm"/>
+          <inkml:channelProperty channel="Y" name="resolution" value="1000" units="1/cm"/>
+          <inkml:channelProperty channel="F" name="resolution" value="0" units="1/dev"/>
+        </inkml:channelProperties>
+      </inkml:inkSource>
+      <inkml:timestamp xml:id="ts0" timeString="2020-04-14T04:49:47.673"/>
+    </inkml:context>
+    <inkml:brush xml:id="br0">
+      <inkml:brushProperty name="width" value="0.05" units="cm"/>
+      <inkml:brushProperty name="height" value="0.05" units="cm"/>
+    </inkml:brush>
+  </inkml:definitions>
+  <inkml:trace contextRef="#ctx0" brushRef="#br0">0 1 24575,'14'0'0,"3"0"0,-2 0 0,0 0 0,4 0 0,-9 0 0,9 0 0,-8 0 0,7 0 0,-2 0 0,-1 0 0,4 0 0,-4 0 0,5 0 0,6 0 0,1 0 0,13 0 0,2 0 0,6 0 0,7 0 0,11 0 0,1 0 0,7 0 0,-1 0 0,-6 0 0,7 0 0,-9 0 0,0 0 0,-8 0 0,-1 0 0,-8 0 0,8 0 0,-6 0 0,13 0 0,-6 0 0,8 0 0,0 0 0,0 0 0,0 0 0,0 0 0,0 0 0,-7 0 0,-3 0 0,1 0 0,-6 0 0,6 0 0,-15 0 0,5 0 0,-4 0 0,6 0 0,0 0 0,0 0 0,0 0 0,0 5 0,0-4 0,0 5 0,1-6 0,-1 0 0,0 0 0,-7 4 0,-1-2 0,-7 3 0,0-5 0,-6 0 0,-6 0 0,-2 0 0,-9 0 0,4 0 0,-4 0 0,-1 0 0,0 0 0,0 0 0,0 0 0,0 0 0,0 0 0,0 0 0,0 0 0,0 0 0,0 0 0,0 0 0,0 0 0,0 0 0,5 0 0,-3 0 0,13 0 0,-7 0 0,9 0 0,-6 0 0,0 0 0,0 0 0,0 0 0,0 0 0,-4 0 0,-2 0 0,-5 0 0,0 0 0,0 0 0,0 0 0,0 0 0,-4 0 0,-1 0 0</inkml:trace>
+</inkml:ink>
+</file>
+
+<file path=ppt/ink/ink8.xml><?xml version="1.0" encoding="utf-8"?>
+<inkml:ink xmlns:inkml="http://www.w3.org/2003/InkML">
+  <inkml:definitions>
+    <inkml:context xml:id="ctx0">
+      <inkml:inkSource xml:id="inkSrc0">
+        <inkml:traceFormat>
+          <inkml:channel name="X" type="integer" min="-2.14748E9" max="2.14748E9" units="cm"/>
+          <inkml:channel name="Y" type="integer" min="-2.14748E9" max="2.14748E9" units="cm"/>
+          <inkml:channel name="F" type="integer" max="32767" units="dev"/>
+        </inkml:traceFormat>
+        <inkml:channelProperties>
+          <inkml:channelProperty channel="X" name="resolution" value="1000" units="1/cm"/>
+          <inkml:channelProperty channel="Y" name="resolution" value="1000" units="1/cm"/>
+          <inkml:channelProperty channel="F" name="resolution" value="0" units="1/dev"/>
+        </inkml:channelProperties>
+      </inkml:inkSource>
+      <inkml:timestamp xml:id="ts0" timeString="2020-04-14T04:50:08.239"/>
+    </inkml:context>
+    <inkml:brush xml:id="br0">
+      <inkml:brushProperty name="width" value="0.05" units="cm"/>
+      <inkml:brushProperty name="height" value="0.05" units="cm"/>
+    </inkml:brush>
+  </inkml:definitions>
+  <inkml:trace contextRef="#ctx0" brushRef="#br0">13 1 24575,'3'0'0,"-1"0"0,11 4 0,-4 1 0,0 0 0,0-1 0,1 0 0,-1-3 0,0 7 0,0-7 0,5 3 0,-4 0 0,4 1 0,0 5 0,-4-5 0,9 4 0,-4-3 0,1 3 0,3-3 0,-4 2 0,0-3 0,4 1 0,-9 2 0,4-3 0,-5 0 0,0 3 0,0-7 0,1 3 0,-5 0 0,3-3 0,-7 7 0,6-7 0,-6 6 0,7-6 0,-7 7 0,7-7 0,-4 7 0,5-3 0,0 3 0,0 1 0,-5 0 0,4-4 0,-3 3 0,1-3 0,2 0 0,-7 3 0,3-4 0,-4 5 0,0 0 0,-4-1 0,-1-3 0,-9 3 0,3-7 0,-8 8 0,9-8 0,-9 4 0,8-1 0,-8-3 0,9 7 0,-9-7 0,8 3 0,-8 0 0,9-3 0,-4 4 0,0-1 0,3-2 0,-3 6 0,0-7 0,3 7 0,-3-7 0,0 8 0,4-8 0,-4 7 0,4-3 0,1 0 0,-5 4 0,4-4 0,-5 5 0,6-5 0,0 3 0,0-3 0,0 4 0,-1-4 0,5 3 0,-3-7 0,3 3 0,1-4 0,0 0 0</inkml:trace>
+</inkml:ink>
+</file>
+
+<file path=ppt/ink/ink9.xml><?xml version="1.0" encoding="utf-8"?>
+<inkml:ink xmlns:inkml="http://www.w3.org/2003/InkML">
+  <inkml:definitions>
+    <inkml:context xml:id="ctx0">
+      <inkml:inkSource xml:id="inkSrc0">
+        <inkml:traceFormat>
+          <inkml:channel name="X" type="integer" min="-2.14748E9" max="2.14748E9" units="cm"/>
+          <inkml:channel name="Y" type="integer" min="-2.14748E9" max="2.14748E9" units="cm"/>
+          <inkml:channel name="F" type="integer" max="32767" units="dev"/>
+        </inkml:traceFormat>
+        <inkml:channelProperties>
+          <inkml:channelProperty channel="X" name="resolution" value="1000" units="1/cm"/>
+          <inkml:channelProperty channel="Y" name="resolution" value="1000" units="1/cm"/>
+          <inkml:channelProperty channel="F" name="resolution" value="0" units="1/dev"/>
+        </inkml:channelProperties>
+      </inkml:inkSource>
+      <inkml:timestamp xml:id="ts0" timeString="2020-04-14T04:49:55.826"/>
+    </inkml:context>
+    <inkml:brush xml:id="br0">
+      <inkml:brushProperty name="width" value="0.05" units="cm"/>
+      <inkml:brushProperty name="height" value="0.05" units="cm"/>
+    </inkml:brush>
+  </inkml:definitions>
+  <inkml:trace contextRef="#ctx0" brushRef="#br0">1 66 24575,'26'0'0,"4"0"0,25 0 0,11 0 0,2 0 0,23 0 0,-13 0-335,-28 0 1,2 0 334,34 0 0,-34 0 0,-1 0 0,19 0 0,-11 0 0,2 0 0,24 0 0,-23 0 0,2 0 0,-6 0 0,-1 0 0,-3 0 0,-1 0 0,45 0 0,-36 0 0,-3 0 0,16 0 0,-19 0 0,0 0 0,29 0 0,2-6 0,6 4 0,-18-4 0,-1 6 165,-17 0-165,-8 0 0,-2 0 0,-13 0 0,0 0 0,-2 0 504,-11-4-504,11 2 0,-10-2 0,9 4 0,-3 0 0,5 0 0,0 0 0,0 0 0,0 0 0,-6 0 0,5 0 0,-5 0 0,6 0 0,-6-5 0,5 4 0,-5-3 0,7 4 0,-1-5 0,0 4 0,0-4 0,-6 5 0,4-5 0,-9 3 0,4-3 0,-6 5 0,-5 0 0,-1-4 0,-5 3 0,0-3 0,0 4 0,-4 0 0,-1 0 0</inkml:trace>
+</inkml:ink>
+</file>
+
 <file path=ppt/notesMasters/notesMaster1.xml><?xml version="1.0" encoding="utf-8"?>
 <p:notesMaster xmlns:a="http://schemas.openxmlformats.org/drawingml/2006/main" xmlns:r="http://schemas.openxmlformats.org/officeDocument/2006/relationships" xmlns:p="http://schemas.openxmlformats.org/presentationml/2006/main">
   <p:cSld>
@@ -214,7 +901,7 @@
           <a:p>
             <a:fld id="{B7051CAB-7537-C640-B426-C3DC1FB2D75F}" type="datetimeFigureOut">
               <a:rPr lang="en-US" smtClean="0"/>
-              <a:t>4/12/20</a:t>
+              <a:t>4/18/20</a:t>
             </a:fld>
             <a:endParaRPr lang="en-US"/>
           </a:p>
@@ -712,7 +1399,7 @@
           <a:p>
             <a:fld id="{C437C6B8-CE28-7F48-9F13-5D6893AC2A38}" type="datetimeFigureOut">
               <a:rPr lang="en-US" smtClean="0"/>
-              <a:t>4/12/20</a:t>
+              <a:t>4/18/20</a:t>
             </a:fld>
             <a:endParaRPr lang="en-US"/>
           </a:p>
@@ -910,7 +1597,7 @@
           <a:p>
             <a:fld id="{C437C6B8-CE28-7F48-9F13-5D6893AC2A38}" type="datetimeFigureOut">
               <a:rPr lang="en-US" smtClean="0"/>
-              <a:t>4/12/20</a:t>
+              <a:t>4/18/20</a:t>
             </a:fld>
             <a:endParaRPr lang="en-US"/>
           </a:p>
@@ -1118,7 +1805,7 @@
           <a:p>
             <a:fld id="{C437C6B8-CE28-7F48-9F13-5D6893AC2A38}" type="datetimeFigureOut">
               <a:rPr lang="en-US" smtClean="0"/>
-              <a:t>4/12/20</a:t>
+              <a:t>4/18/20</a:t>
             </a:fld>
             <a:endParaRPr lang="en-US"/>
           </a:p>
@@ -1316,7 +2003,7 @@
           <a:p>
             <a:fld id="{C437C6B8-CE28-7F48-9F13-5D6893AC2A38}" type="datetimeFigureOut">
               <a:rPr lang="en-US" smtClean="0"/>
-              <a:t>4/12/20</a:t>
+              <a:t>4/18/20</a:t>
             </a:fld>
             <a:endParaRPr lang="en-US"/>
           </a:p>
@@ -1591,7 +2278,7 @@
           <a:p>
             <a:fld id="{C437C6B8-CE28-7F48-9F13-5D6893AC2A38}" type="datetimeFigureOut">
               <a:rPr lang="en-US" smtClean="0"/>
-              <a:t>4/12/20</a:t>
+              <a:t>4/18/20</a:t>
             </a:fld>
             <a:endParaRPr lang="en-US"/>
           </a:p>
@@ -1856,7 +2543,7 @@
           <a:p>
             <a:fld id="{C437C6B8-CE28-7F48-9F13-5D6893AC2A38}" type="datetimeFigureOut">
               <a:rPr lang="en-US" smtClean="0"/>
-              <a:t>4/12/20</a:t>
+              <a:t>4/18/20</a:t>
             </a:fld>
             <a:endParaRPr lang="en-US"/>
           </a:p>
@@ -2268,7 +2955,7 @@
           <a:p>
             <a:fld id="{C437C6B8-CE28-7F48-9F13-5D6893AC2A38}" type="datetimeFigureOut">
               <a:rPr lang="en-US" smtClean="0"/>
-              <a:t>4/12/20</a:t>
+              <a:t>4/18/20</a:t>
             </a:fld>
             <a:endParaRPr lang="en-US"/>
           </a:p>
@@ -2409,7 +3096,7 @@
           <a:p>
             <a:fld id="{C437C6B8-CE28-7F48-9F13-5D6893AC2A38}" type="datetimeFigureOut">
               <a:rPr lang="en-US" smtClean="0"/>
-              <a:t>4/12/20</a:t>
+              <a:t>4/18/20</a:t>
             </a:fld>
             <a:endParaRPr lang="en-US"/>
           </a:p>
@@ -2522,7 +3209,7 @@
           <a:p>
             <a:fld id="{C437C6B8-CE28-7F48-9F13-5D6893AC2A38}" type="datetimeFigureOut">
               <a:rPr lang="en-US" smtClean="0"/>
-              <a:t>4/12/20</a:t>
+              <a:t>4/18/20</a:t>
             </a:fld>
             <a:endParaRPr lang="en-US"/>
           </a:p>
@@ -2833,7 +3520,7 @@
           <a:p>
             <a:fld id="{C437C6B8-CE28-7F48-9F13-5D6893AC2A38}" type="datetimeFigureOut">
               <a:rPr lang="en-US" smtClean="0"/>
-              <a:t>4/12/20</a:t>
+              <a:t>4/18/20</a:t>
             </a:fld>
             <a:endParaRPr lang="en-US"/>
           </a:p>
@@ -3121,7 +3808,7 @@
           <a:p>
             <a:fld id="{C437C6B8-CE28-7F48-9F13-5D6893AC2A38}" type="datetimeFigureOut">
               <a:rPr lang="en-US" smtClean="0"/>
-              <a:t>4/12/20</a:t>
+              <a:t>4/18/20</a:t>
             </a:fld>
             <a:endParaRPr lang="en-US"/>
           </a:p>
@@ -3362,7 +4049,7 @@
           <a:p>
             <a:fld id="{C437C6B8-CE28-7F48-9F13-5D6893AC2A38}" type="datetimeFigureOut">
               <a:rPr lang="en-US" smtClean="0"/>
-              <a:t>4/12/20</a:t>
+              <a:t>4/18/20</a:t>
             </a:fld>
             <a:endParaRPr lang="en-US"/>
           </a:p>
@@ -3877,125 +4564,40 @@
           <a:chExt cx="0" cy="0"/>
         </a:xfrm>
       </p:grpSpPr>
-      <mc:AlternateContent xmlns:mc="http://schemas.openxmlformats.org/markup-compatibility/2006" xmlns:a14="http://schemas.microsoft.com/office/drawing/2010/main">
-        <mc:Choice Requires="a14">
-          <p:sp>
-            <p:nvSpPr>
-              <p:cNvPr id="2" name="Title 1">
-                <a:extLst>
-                  <a:ext uri="{FF2B5EF4-FFF2-40B4-BE49-F238E27FC236}">
-                    <a16:creationId xmlns:a16="http://schemas.microsoft.com/office/drawing/2014/main" id="{AB88907C-6983-114F-BF0A-779E00AA3A5B}"/>
-                  </a:ext>
-                </a:extLst>
-              </p:cNvPr>
-              <p:cNvSpPr>
-                <a:spLocks noGrp="1"/>
-              </p:cNvSpPr>
-              <p:nvPr>
-                <p:ph type="title"/>
-              </p:nvPr>
-            </p:nvSpPr>
-            <p:spPr/>
-            <p:txBody>
-              <a:bodyPr/>
-              <a:lstStyle/>
-              <a:p>
-                <a:r>
-                  <a:rPr lang="en-US" dirty="0"/>
-                  <a:t>Model fit </a:t>
-                </a:r>
-                <a14:m>
-                  <m:oMath xmlns:m="http://schemas.openxmlformats.org/officeDocument/2006/math">
-                    <m:r>
-                      <a:rPr lang="en-US" b="0" i="0" smtClean="0">
-                        <a:latin typeface="Cambria Math" panose="02040503050406030204" pitchFamily="18" charset="0"/>
-                      </a:rPr>
-                      <m:t>(</m:t>
-                    </m:r>
-                    <m:sSub>
-                      <m:sSubPr>
-                        <m:ctrlPr>
-                          <a:rPr lang="en-US" b="0" i="1" smtClean="0">
-                            <a:latin typeface="Cambria Math" panose="02040503050406030204" pitchFamily="18" charset="0"/>
-                          </a:rPr>
-                        </m:ctrlPr>
-                      </m:sSubPr>
-                      <m:e>
-                        <m:r>
-                          <a:rPr lang="en-US" b="0" i="1" smtClean="0">
-                            <a:latin typeface="Cambria Math" panose="02040503050406030204" pitchFamily="18" charset="0"/>
-                          </a:rPr>
-                          <m:t>𝑅</m:t>
-                        </m:r>
-                      </m:e>
-                      <m:sub>
-                        <m:r>
-                          <a:rPr lang="en-US" b="0" i="1" smtClean="0">
-                            <a:latin typeface="Cambria Math" panose="02040503050406030204" pitchFamily="18" charset="0"/>
-                          </a:rPr>
-                          <m:t>0</m:t>
-                        </m:r>
-                      </m:sub>
-                    </m:sSub>
-                    <m:r>
-                      <a:rPr lang="en-US" b="0" i="1" smtClean="0">
-                        <a:latin typeface="Cambria Math" panose="02040503050406030204" pitchFamily="18" charset="0"/>
-                      </a:rPr>
-                      <m:t>=2.2)</m:t>
-                    </m:r>
-                  </m:oMath>
-                </a14:m>
-                <a:endParaRPr lang="en-US" dirty="0"/>
-              </a:p>
-            </p:txBody>
-          </p:sp>
-        </mc:Choice>
-        <mc:Fallback xmlns="">
-          <p:sp>
-            <p:nvSpPr>
-              <p:cNvPr id="2" name="Title 1">
-                <a:extLst>
-                  <a:ext uri="{FF2B5EF4-FFF2-40B4-BE49-F238E27FC236}">
-                    <a16:creationId xmlns:a16="http://schemas.microsoft.com/office/drawing/2014/main" id="{AB88907C-6983-114F-BF0A-779E00AA3A5B}"/>
-                  </a:ext>
-                </a:extLst>
-              </p:cNvPr>
-              <p:cNvSpPr>
-                <a:spLocks noGrp="1" noRot="1" noChangeAspect="1" noMove="1" noResize="1" noEditPoints="1" noAdjustHandles="1" noChangeArrowheads="1" noChangeShapeType="1" noTextEdit="1"/>
-              </p:cNvSpPr>
-              <p:nvPr>
-                <p:ph type="title"/>
-              </p:nvPr>
-            </p:nvSpPr>
-            <p:spPr>
-              <a:blipFill>
-                <a:blip r:embed="rId2"/>
-                <a:stretch>
-                  <a:fillRect l="-2292"/>
-                </a:stretch>
-              </a:blipFill>
-            </p:spPr>
-            <p:txBody>
-              <a:bodyPr/>
-              <a:lstStyle/>
-              <a:p>
-                <a:r>
-                  <a:rPr lang="en-US">
-                    <a:noFill/>
-                  </a:rPr>
-                  <a:t> </a:t>
-                </a:r>
-              </a:p>
-            </p:txBody>
-          </p:sp>
-        </mc:Fallback>
-      </mc:AlternateContent>
+      <p:sp>
+        <p:nvSpPr>
+          <p:cNvPr id="2" name="Title 1">
+            <a:extLst>
+              <a:ext uri="{FF2B5EF4-FFF2-40B4-BE49-F238E27FC236}">
+                <a16:creationId xmlns:a16="http://schemas.microsoft.com/office/drawing/2014/main" id="{E25CBFC2-D8CA-8044-9670-85906ADCDF71}"/>
+              </a:ext>
+            </a:extLst>
+          </p:cNvPr>
+          <p:cNvSpPr>
+            <a:spLocks noGrp="1"/>
+          </p:cNvSpPr>
+          <p:nvPr>
+            <p:ph type="title"/>
+          </p:nvPr>
+        </p:nvSpPr>
+        <p:spPr/>
+        <p:txBody>
+          <a:bodyPr/>
+          <a:lstStyle/>
+          <a:p>
+            <a:r>
+              <a:rPr lang="en-US" dirty="0"/>
+              <a:t>Result for testing/diagnosis rate (India)</a:t>
+            </a:r>
+          </a:p>
+        </p:txBody>
+      </p:sp>
       <p:pic>
         <p:nvPicPr>
-          <p:cNvPr id="5" name="Content Placeholder 4" descr="A picture containing screenshot&#10;&#10;Description automatically generated">
+          <p:cNvPr id="5" name="Content Placeholder 4">
             <a:extLst>
               <a:ext uri="{FF2B5EF4-FFF2-40B4-BE49-F238E27FC236}">
-                <a16:creationId xmlns:a16="http://schemas.microsoft.com/office/drawing/2014/main" id="{53CD0030-B517-EF4C-854C-199BCB370E4F}"/>
+                <a16:creationId xmlns:a16="http://schemas.microsoft.com/office/drawing/2014/main" id="{F4329DFE-4FDC-E34F-8AFC-498875B064E0}"/>
               </a:ext>
             </a:extLst>
           </p:cNvPr>
@@ -4007,24 +4609,23 @@
           </p:nvPr>
         </p:nvPicPr>
         <p:blipFill>
-          <a:blip r:embed="rId3"/>
-          <a:stretch>
-            <a:fillRect/>
-          </a:stretch>
+          <a:blip r:embed="rId2"/>
+          <a:srcRect/>
+          <a:stretch/>
         </p:blipFill>
         <p:spPr>
           <a:xfrm>
-            <a:off x="6210300" y="0"/>
-            <a:ext cx="4672013" cy="3114675"/>
+            <a:off x="452432" y="1801019"/>
+            <a:ext cx="5486400" cy="3657600"/>
           </a:xfrm>
         </p:spPr>
       </p:pic>
       <p:pic>
         <p:nvPicPr>
-          <p:cNvPr id="7" name="Picture 6" descr="A screenshot of a cell phone&#10;&#10;Description automatically generated">
+          <p:cNvPr id="7" name="Picture 6">
             <a:extLst>
               <a:ext uri="{FF2B5EF4-FFF2-40B4-BE49-F238E27FC236}">
-                <a16:creationId xmlns:a16="http://schemas.microsoft.com/office/drawing/2014/main" id="{59DE5F99-433C-BD47-87AE-0E3184E580B1}"/>
+                <a16:creationId xmlns:a16="http://schemas.microsoft.com/office/drawing/2014/main" id="{7122CB77-C7A7-0B46-A438-745959AAF130}"/>
               </a:ext>
             </a:extLst>
           </p:cNvPr>
@@ -4034,45 +4635,14 @@
           <p:nvPr/>
         </p:nvPicPr>
         <p:blipFill>
-          <a:blip r:embed="rId4"/>
-          <a:stretch>
-            <a:fillRect/>
-          </a:stretch>
+          <a:blip r:embed="rId3"/>
+          <a:srcRect/>
+          <a:stretch/>
         </p:blipFill>
         <p:spPr>
           <a:xfrm>
-            <a:off x="838200" y="1833562"/>
-            <a:ext cx="4786313" cy="3190875"/>
-          </a:xfrm>
-          <a:prstGeom prst="rect">
-            <a:avLst/>
-          </a:prstGeom>
-        </p:spPr>
-      </p:pic>
-      <p:pic>
-        <p:nvPicPr>
-          <p:cNvPr id="9" name="Picture 8" descr="A screenshot of a cell phone&#10;&#10;Description automatically generated">
-            <a:extLst>
-              <a:ext uri="{FF2B5EF4-FFF2-40B4-BE49-F238E27FC236}">
-                <a16:creationId xmlns:a16="http://schemas.microsoft.com/office/drawing/2014/main" id="{ABE6EA29-9FB0-4C42-883B-596085A3EC20}"/>
-              </a:ext>
-            </a:extLst>
-          </p:cNvPr>
-          <p:cNvPicPr>
-            <a:picLocks noChangeAspect="1"/>
-          </p:cNvPicPr>
-          <p:nvPr/>
-        </p:nvPicPr>
-        <p:blipFill>
-          <a:blip r:embed="rId5"/>
-          <a:stretch>
-            <a:fillRect/>
-          </a:stretch>
-        </p:blipFill>
-        <p:spPr>
-          <a:xfrm>
-            <a:off x="6210300" y="3544886"/>
-            <a:ext cx="4672014" cy="3114676"/>
+            <a:off x="6210303" y="1801019"/>
+            <a:ext cx="5486400" cy="3657600"/>
           </a:xfrm>
           <a:prstGeom prst="rect">
             <a:avLst/>
@@ -4082,7 +4652,7 @@
     </p:spTree>
     <p:extLst>
       <p:ext uri="{BB962C8B-B14F-4D97-AF65-F5344CB8AC3E}">
-        <p14:creationId xmlns:p14="http://schemas.microsoft.com/office/powerpoint/2010/main" val="2553444200"/>
+        <p14:creationId xmlns:p14="http://schemas.microsoft.com/office/powerpoint/2010/main" val="3558016062"/>
       </p:ext>
     </p:extLst>
   </p:cSld>
@@ -4116,7 +4686,7 @@
               <p:cNvPr id="2" name="Title 1">
                 <a:extLst>
                   <a:ext uri="{FF2B5EF4-FFF2-40B4-BE49-F238E27FC236}">
-                    <a16:creationId xmlns:a16="http://schemas.microsoft.com/office/drawing/2014/main" id="{D1806B1D-FDBF-8341-9E1C-ABE0E7EA52EF}"/>
+                    <a16:creationId xmlns:a16="http://schemas.microsoft.com/office/drawing/2014/main" id="{E4BE73F6-7AEC-1445-86B2-6711D7A583AC}"/>
                   </a:ext>
                 </a:extLst>
               </p:cNvPr>
@@ -4132,62 +4702,67 @@
               <a:bodyPr/>
               <a:lstStyle/>
               <a:p>
+                <a:pPr/>
                 <a:r>
                   <a:rPr lang="en-US" dirty="0"/>
-                  <a:t>Model fit </a:t>
+                  <a:t>Model </a:t>
                 </a:r>
+                <a:r>
+                  <a:rPr lang="en-US"/>
+                  <a:t>fit for </a:t>
+                </a:r>
+                <a:r>
+                  <a:rPr lang="en-US" dirty="0"/>
+                  <a:t>Punjab</a:t>
+                </a:r>
+                <a:br>
+                  <a:rPr lang="en-US" dirty="0"/>
+                </a:br>
                 <a14:m>
-                  <m:oMath xmlns:m="http://schemas.openxmlformats.org/officeDocument/2006/math">
-                    <m:r>
-                      <a:rPr lang="en-US">
-                        <a:latin typeface="Cambria Math" panose="02040503050406030204" pitchFamily="18" charset="0"/>
-                      </a:rPr>
-                      <m:t>(</m:t>
-                    </m:r>
-                    <m:sSub>
-                      <m:sSubPr>
-                        <m:ctrlPr>
-                          <a:rPr lang="en-US" i="1">
-                            <a:latin typeface="Cambria Math" panose="02040503050406030204" pitchFamily="18" charset="0"/>
-                          </a:rPr>
-                        </m:ctrlPr>
-                      </m:sSubPr>
-                      <m:e>
-                        <m:r>
-                          <a:rPr lang="en-US" i="1">
-                            <a:latin typeface="Cambria Math" panose="02040503050406030204" pitchFamily="18" charset="0"/>
-                          </a:rPr>
-                          <m:t>𝑅</m:t>
-                        </m:r>
-                      </m:e>
-                      <m:sub>
-                        <m:r>
-                          <a:rPr lang="en-US" i="1">
-                            <a:latin typeface="Cambria Math" panose="02040503050406030204" pitchFamily="18" charset="0"/>
-                          </a:rPr>
-                          <m:t>0</m:t>
-                        </m:r>
-                      </m:sub>
-                    </m:sSub>
-                    <m:r>
-                      <a:rPr lang="en-US" i="1">
-                        <a:latin typeface="Cambria Math" panose="02040503050406030204" pitchFamily="18" charset="0"/>
-                      </a:rPr>
-                      <m:t>=</m:t>
-                    </m:r>
-                    <m:r>
-                      <a:rPr lang="en-US" b="0" i="1" smtClean="0">
-                        <a:latin typeface="Cambria Math" panose="02040503050406030204" pitchFamily="18" charset="0"/>
-                      </a:rPr>
-                      <m:t>1</m:t>
-                    </m:r>
-                    <m:r>
-                      <a:rPr lang="en-US" i="1">
-                        <a:latin typeface="Cambria Math" panose="02040503050406030204" pitchFamily="18" charset="0"/>
-                      </a:rPr>
-                      <m:t>.2)</m:t>
-                    </m:r>
-                  </m:oMath>
+                  <m:oMathPara xmlns:m="http://schemas.openxmlformats.org/officeDocument/2006/math">
+                    <m:oMathParaPr>
+                      <m:jc m:val="left"/>
+                    </m:oMathParaPr>
+                    <m:oMath xmlns:m="http://schemas.openxmlformats.org/officeDocument/2006/math">
+                      <m:r>
+                        <a:rPr lang="en-US">
+                          <a:latin typeface="Cambria Math" panose="02040503050406030204" pitchFamily="18" charset="0"/>
+                        </a:rPr>
+                        <m:t>(</m:t>
+                      </m:r>
+                      <m:sSub>
+                        <m:sSubPr>
+                          <m:ctrlPr>
+                            <a:rPr lang="en-US" i="1">
+                              <a:latin typeface="Cambria Math" panose="02040503050406030204" pitchFamily="18" charset="0"/>
+                            </a:rPr>
+                          </m:ctrlPr>
+                        </m:sSubPr>
+                        <m:e>
+                          <m:r>
+                            <a:rPr lang="en-US" i="1">
+                              <a:latin typeface="Cambria Math" panose="02040503050406030204" pitchFamily="18" charset="0"/>
+                            </a:rPr>
+                            <m:t>𝑅</m:t>
+                          </m:r>
+                        </m:e>
+                        <m:sub>
+                          <m:r>
+                            <a:rPr lang="en-US" i="1">
+                              <a:latin typeface="Cambria Math" panose="02040503050406030204" pitchFamily="18" charset="0"/>
+                            </a:rPr>
+                            <m:t>0</m:t>
+                          </m:r>
+                        </m:sub>
+                      </m:sSub>
+                      <m:r>
+                        <a:rPr lang="en-US" i="1">
+                          <a:latin typeface="Cambria Math" panose="02040503050406030204" pitchFamily="18" charset="0"/>
+                        </a:rPr>
+                        <m:t>=2.2)</m:t>
+                      </m:r>
+                    </m:oMath>
+                  </m:oMathPara>
                 </a14:m>
                 <a:endParaRPr lang="en-US" dirty="0"/>
               </a:p>
@@ -4200,7 +4775,7 @@
               <p:cNvPr id="2" name="Title 1">
                 <a:extLst>
                   <a:ext uri="{FF2B5EF4-FFF2-40B4-BE49-F238E27FC236}">
-                    <a16:creationId xmlns:a16="http://schemas.microsoft.com/office/drawing/2014/main" id="{D1806B1D-FDBF-8341-9E1C-ABE0E7EA52EF}"/>
+                    <a16:creationId xmlns:a16="http://schemas.microsoft.com/office/drawing/2014/main" id="{E4BE73F6-7AEC-1445-86B2-6711D7A583AC}"/>
                   </a:ext>
                 </a:extLst>
               </p:cNvPr>
@@ -4215,7 +4790,7 @@
               <a:blipFill>
                 <a:blip r:embed="rId2"/>
                 <a:stretch>
-                  <a:fillRect l="-2292"/>
+                  <a:fillRect l="-2292" t="-13333" b="-14286"/>
                 </a:stretch>
               </a:blipFill>
             </p:spPr>
@@ -4236,19 +4811,17 @@
       </mc:AlternateContent>
       <p:pic>
         <p:nvPicPr>
-          <p:cNvPr id="5" name="Content Placeholder 4" descr="A screenshot of a cell phone&#10;&#10;Description automatically generated">
+          <p:cNvPr id="5" name="Picture 4" descr="A close up of a map&#10;&#10;Description automatically generated">
             <a:extLst>
               <a:ext uri="{FF2B5EF4-FFF2-40B4-BE49-F238E27FC236}">
-                <a16:creationId xmlns:a16="http://schemas.microsoft.com/office/drawing/2014/main" id="{B110EC80-F725-904F-A143-94501D9E954E}"/>
+                <a16:creationId xmlns:a16="http://schemas.microsoft.com/office/drawing/2014/main" id="{54642928-D546-784D-8447-01F3EED5BE2B}"/>
               </a:ext>
             </a:extLst>
           </p:cNvPr>
           <p:cNvPicPr>
-            <a:picLocks noGrp="1" noChangeAspect="1"/>
+            <a:picLocks noChangeAspect="1"/>
           </p:cNvPicPr>
-          <p:nvPr>
-            <p:ph idx="1"/>
-          </p:nvPr>
+          <p:nvPr/>
         </p:nvPicPr>
         <p:blipFill>
           <a:blip r:embed="rId3"/>
@@ -4258,17 +4831,20 @@
         </p:blipFill>
         <p:spPr>
           <a:xfrm>
-            <a:off x="6729412" y="268273"/>
-            <a:ext cx="4624388" cy="3082925"/>
+            <a:off x="6556300" y="132267"/>
+            <a:ext cx="4602200" cy="3068133"/>
           </a:xfrm>
+          <a:prstGeom prst="rect">
+            <a:avLst/>
+          </a:prstGeom>
         </p:spPr>
       </p:pic>
       <p:pic>
         <p:nvPicPr>
-          <p:cNvPr id="7" name="Picture 6" descr="A screenshot of a cell phone&#10;&#10;Description automatically generated">
+          <p:cNvPr id="7" name="Picture 6" descr="A close up of a map&#10;&#10;Description automatically generated">
             <a:extLst>
               <a:ext uri="{FF2B5EF4-FFF2-40B4-BE49-F238E27FC236}">
-                <a16:creationId xmlns:a16="http://schemas.microsoft.com/office/drawing/2014/main" id="{B1EA07B9-27A7-934E-83EE-970C12813ADC}"/>
+                <a16:creationId xmlns:a16="http://schemas.microsoft.com/office/drawing/2014/main" id="{2B7C67E3-2B99-5C4E-81C6-48A2E4E72F35}"/>
               </a:ext>
             </a:extLst>
           </p:cNvPr>
@@ -4285,7 +4861,7 @@
         </p:blipFill>
         <p:spPr>
           <a:xfrm>
-            <a:off x="1040606" y="1625597"/>
+            <a:off x="645300" y="2207400"/>
             <a:ext cx="5486400" cy="3657600"/>
           </a:xfrm>
           <a:prstGeom prst="rect">
@@ -4298,7 +4874,7 @@
           <p:cNvPr id="9" name="Picture 8" descr="A close up of a map&#10;&#10;Description automatically generated">
             <a:extLst>
               <a:ext uri="{FF2B5EF4-FFF2-40B4-BE49-F238E27FC236}">
-                <a16:creationId xmlns:a16="http://schemas.microsoft.com/office/drawing/2014/main" id="{5141AFC0-A155-B143-9DE7-04B7109B6CC1}"/>
+                <a16:creationId xmlns:a16="http://schemas.microsoft.com/office/drawing/2014/main" id="{8E032F0E-AE75-FF4F-97B9-643E2F58C196}"/>
               </a:ext>
             </a:extLst>
           </p:cNvPr>
@@ -4315,8 +4891,8 @@
         </p:blipFill>
         <p:spPr>
           <a:xfrm>
-            <a:off x="6729412" y="3351198"/>
-            <a:ext cx="4624388" cy="3082925"/>
+            <a:off x="6556300" y="3362299"/>
+            <a:ext cx="4797500" cy="3198334"/>
           </a:xfrm>
           <a:prstGeom prst="rect">
             <a:avLst/>
@@ -4326,7 +4902,7 @@
     </p:spTree>
     <p:extLst>
       <p:ext uri="{BB962C8B-B14F-4D97-AF65-F5344CB8AC3E}">
-        <p14:creationId xmlns:p14="http://schemas.microsoft.com/office/powerpoint/2010/main" val="2613487115"/>
+        <p14:creationId xmlns:p14="http://schemas.microsoft.com/office/powerpoint/2010/main" val="2969401066"/>
       </p:ext>
     </p:extLst>
   </p:cSld>
@@ -4353,146 +4929,77 @@
           <a:chExt cx="0" cy="0"/>
         </a:xfrm>
       </p:grpSpPr>
-      <mc:AlternateContent xmlns:mc="http://schemas.openxmlformats.org/markup-compatibility/2006" xmlns:a14="http://schemas.microsoft.com/office/drawing/2010/main">
-        <mc:Choice Requires="a14">
-          <p:sp>
-            <p:nvSpPr>
-              <p:cNvPr id="2" name="Title 1">
-                <a:extLst>
-                  <a:ext uri="{FF2B5EF4-FFF2-40B4-BE49-F238E27FC236}">
-                    <a16:creationId xmlns:a16="http://schemas.microsoft.com/office/drawing/2014/main" id="{67D424CD-FEEA-8140-9B38-006D08F4AA5D}"/>
-                  </a:ext>
-                </a:extLst>
-              </p:cNvPr>
-              <p:cNvSpPr>
-                <a:spLocks noGrp="1"/>
-              </p:cNvSpPr>
-              <p:nvPr>
-                <p:ph type="title"/>
-              </p:nvPr>
-            </p:nvSpPr>
-            <p:spPr/>
-            <p:txBody>
-              <a:bodyPr/>
-              <a:lstStyle/>
-              <a:p>
-                <a:r>
-                  <a:rPr lang="en-US" dirty="0"/>
-                  <a:t>Model fit </a:t>
-                </a:r>
-                <a14:m>
-                  <m:oMath xmlns:m="http://schemas.openxmlformats.org/officeDocument/2006/math">
-                    <m:r>
-                      <a:rPr lang="en-US">
-                        <a:latin typeface="Cambria Math" panose="02040503050406030204" pitchFamily="18" charset="0"/>
-                      </a:rPr>
-                      <m:t>(</m:t>
-                    </m:r>
-                    <m:sSub>
-                      <m:sSubPr>
-                        <m:ctrlPr>
-                          <a:rPr lang="en-US" i="1">
-                            <a:latin typeface="Cambria Math" panose="02040503050406030204" pitchFamily="18" charset="0"/>
-                          </a:rPr>
-                        </m:ctrlPr>
-                      </m:sSubPr>
-                      <m:e>
-                        <m:r>
-                          <a:rPr lang="en-US" i="1">
-                            <a:latin typeface="Cambria Math" panose="02040503050406030204" pitchFamily="18" charset="0"/>
-                          </a:rPr>
-                          <m:t>𝑅</m:t>
-                        </m:r>
-                      </m:e>
-                      <m:sub>
-                        <m:r>
-                          <a:rPr lang="en-US" i="1">
-                            <a:latin typeface="Cambria Math" panose="02040503050406030204" pitchFamily="18" charset="0"/>
-                          </a:rPr>
-                          <m:t>0</m:t>
-                        </m:r>
-                      </m:sub>
-                    </m:sSub>
-                    <m:r>
-                      <a:rPr lang="en-US" i="1">
-                        <a:latin typeface="Cambria Math" panose="02040503050406030204" pitchFamily="18" charset="0"/>
-                      </a:rPr>
-                      <m:t>=</m:t>
-                    </m:r>
-                    <m:r>
-                      <a:rPr lang="en-US" b="0" i="1" smtClean="0">
-                        <a:latin typeface="Cambria Math" panose="02040503050406030204" pitchFamily="18" charset="0"/>
-                      </a:rPr>
-                      <m:t>3</m:t>
-                    </m:r>
-                    <m:r>
-                      <a:rPr lang="en-US" i="1">
-                        <a:latin typeface="Cambria Math" panose="02040503050406030204" pitchFamily="18" charset="0"/>
-                      </a:rPr>
-                      <m:t>.2)</m:t>
-                    </m:r>
-                  </m:oMath>
-                </a14:m>
-                <a:endParaRPr lang="en-US" dirty="0"/>
-              </a:p>
-            </p:txBody>
-          </p:sp>
-        </mc:Choice>
-        <mc:Fallback xmlns="">
-          <p:sp>
-            <p:nvSpPr>
-              <p:cNvPr id="2" name="Title 1">
-                <a:extLst>
-                  <a:ext uri="{FF2B5EF4-FFF2-40B4-BE49-F238E27FC236}">
-                    <a16:creationId xmlns:a16="http://schemas.microsoft.com/office/drawing/2014/main" id="{67D424CD-FEEA-8140-9B38-006D08F4AA5D}"/>
-                  </a:ext>
-                </a:extLst>
-              </p:cNvPr>
-              <p:cNvSpPr>
-                <a:spLocks noGrp="1" noRot="1" noChangeAspect="1" noMove="1" noResize="1" noEditPoints="1" noAdjustHandles="1" noChangeArrowheads="1" noChangeShapeType="1" noTextEdit="1"/>
-              </p:cNvSpPr>
-              <p:nvPr>
-                <p:ph type="title"/>
-              </p:nvPr>
-            </p:nvSpPr>
-            <p:spPr>
-              <a:blipFill>
-                <a:blip r:embed="rId2"/>
-                <a:stretch>
-                  <a:fillRect l="-2292"/>
-                </a:stretch>
-              </a:blipFill>
-            </p:spPr>
-            <p:txBody>
-              <a:bodyPr/>
-              <a:lstStyle/>
-              <a:p>
-                <a:r>
-                  <a:rPr lang="en-US">
-                    <a:noFill/>
-                  </a:rPr>
-                  <a:t> </a:t>
-                </a:r>
-              </a:p>
-            </p:txBody>
-          </p:sp>
-        </mc:Fallback>
-      </mc:AlternateContent>
+      <p:sp>
+        <p:nvSpPr>
+          <p:cNvPr id="2" name="Title 1">
+            <a:extLst>
+              <a:ext uri="{FF2B5EF4-FFF2-40B4-BE49-F238E27FC236}">
+                <a16:creationId xmlns:a16="http://schemas.microsoft.com/office/drawing/2014/main" id="{C5014E00-0A68-2249-BC80-24698FE5094C}"/>
+              </a:ext>
+            </a:extLst>
+          </p:cNvPr>
+          <p:cNvSpPr>
+            <a:spLocks noGrp="1"/>
+          </p:cNvSpPr>
+          <p:nvPr>
+            <p:ph type="title"/>
+          </p:nvPr>
+        </p:nvSpPr>
+        <p:spPr/>
+        <p:txBody>
+          <a:bodyPr/>
+          <a:lstStyle/>
+          <a:p>
+            <a:r>
+              <a:rPr lang="en-US" dirty="0"/>
+              <a:t>Result for testing/diagnosis rate (Punjab)</a:t>
+            </a:r>
+          </a:p>
+        </p:txBody>
+      </p:sp>
       <p:pic>
         <p:nvPicPr>
-          <p:cNvPr id="5" name="Content Placeholder 4" descr="A picture containing screenshot&#10;&#10;Description automatically generated">
+          <p:cNvPr id="5" name="Picture 4" descr="A screenshot of a cell phone&#10;&#10;Description automatically generated">
             <a:extLst>
               <a:ext uri="{FF2B5EF4-FFF2-40B4-BE49-F238E27FC236}">
-                <a16:creationId xmlns:a16="http://schemas.microsoft.com/office/drawing/2014/main" id="{40CA4412-A36B-FB44-A654-DE99AB3FE956}"/>
+                <a16:creationId xmlns:a16="http://schemas.microsoft.com/office/drawing/2014/main" id="{924E4A90-510B-684B-B7CB-6BD98FBDF1A7}"/>
               </a:ext>
             </a:extLst>
           </p:cNvPr>
           <p:cNvPicPr>
-            <a:picLocks noGrp="1" noChangeAspect="1"/>
+            <a:picLocks noChangeAspect="1"/>
           </p:cNvPicPr>
-          <p:nvPr>
-            <p:ph idx="1"/>
-          </p:nvPr>
+          <p:nvPr/>
+        </p:nvPicPr>
+        <p:blipFill>
+          <a:blip r:embed="rId2"/>
+          <a:stretch>
+            <a:fillRect/>
+          </a:stretch>
+        </p:blipFill>
+        <p:spPr>
+          <a:xfrm>
+            <a:off x="609600" y="1600200"/>
+            <a:ext cx="5486400" cy="3657600"/>
+          </a:xfrm>
+          <a:prstGeom prst="rect">
+            <a:avLst/>
+          </a:prstGeom>
+        </p:spPr>
+      </p:pic>
+      <p:pic>
+        <p:nvPicPr>
+          <p:cNvPr id="7" name="Picture 6" descr="A screenshot of a cell phone&#10;&#10;Description automatically generated">
+            <a:extLst>
+              <a:ext uri="{FF2B5EF4-FFF2-40B4-BE49-F238E27FC236}">
+                <a16:creationId xmlns:a16="http://schemas.microsoft.com/office/drawing/2014/main" id="{092D07FB-6F03-7B4C-8F31-BF2A461EBEC0}"/>
+              </a:ext>
+            </a:extLst>
+          </p:cNvPr>
+          <p:cNvPicPr>
+            <a:picLocks noChangeAspect="1"/>
+          </p:cNvPicPr>
+          <p:nvPr/>
         </p:nvPicPr>
         <p:blipFill>
           <a:blip r:embed="rId3"/>
@@ -4502,65 +5009,8 @@
         </p:blipFill>
         <p:spPr>
           <a:xfrm>
-            <a:off x="6705600" y="228587"/>
-            <a:ext cx="5005426" cy="3336951"/>
-          </a:xfrm>
-        </p:spPr>
-      </p:pic>
-      <p:pic>
-        <p:nvPicPr>
-          <p:cNvPr id="7" name="Picture 6" descr="A screenshot of a cell phone&#10;&#10;Description automatically generated">
-            <a:extLst>
-              <a:ext uri="{FF2B5EF4-FFF2-40B4-BE49-F238E27FC236}">
-                <a16:creationId xmlns:a16="http://schemas.microsoft.com/office/drawing/2014/main" id="{F2DDD8AF-6852-9842-A7D8-E10989FE3D1C}"/>
-              </a:ext>
-            </a:extLst>
-          </p:cNvPr>
-          <p:cNvPicPr>
-            <a:picLocks noChangeAspect="1"/>
-          </p:cNvPicPr>
-          <p:nvPr/>
-        </p:nvPicPr>
-        <p:blipFill>
-          <a:blip r:embed="rId4"/>
-          <a:stretch>
-            <a:fillRect/>
-          </a:stretch>
-        </p:blipFill>
-        <p:spPr>
-          <a:xfrm>
-            <a:off x="1028699" y="1690688"/>
+            <a:off x="6096000" y="1600200"/>
             <a:ext cx="5486400" cy="3657600"/>
-          </a:xfrm>
-          <a:prstGeom prst="rect">
-            <a:avLst/>
-          </a:prstGeom>
-        </p:spPr>
-      </p:pic>
-      <p:pic>
-        <p:nvPicPr>
-          <p:cNvPr id="9" name="Picture 8" descr="A screenshot of a cell phone&#10;&#10;Description automatically generated">
-            <a:extLst>
-              <a:ext uri="{FF2B5EF4-FFF2-40B4-BE49-F238E27FC236}">
-                <a16:creationId xmlns:a16="http://schemas.microsoft.com/office/drawing/2014/main" id="{A973808D-85D3-6B48-B6AA-0CFDBF2495AE}"/>
-              </a:ext>
-            </a:extLst>
-          </p:cNvPr>
-          <p:cNvPicPr>
-            <a:picLocks noChangeAspect="1"/>
-          </p:cNvPicPr>
-          <p:nvPr/>
-        </p:nvPicPr>
-        <p:blipFill>
-          <a:blip r:embed="rId5"/>
-          <a:stretch>
-            <a:fillRect/>
-          </a:stretch>
-        </p:blipFill>
-        <p:spPr>
-          <a:xfrm>
-            <a:off x="6705598" y="3429000"/>
-            <a:ext cx="5005426" cy="3336951"/>
           </a:xfrm>
           <a:prstGeom prst="rect">
             <a:avLst/>
@@ -4570,7 +5020,7 @@
     </p:spTree>
     <p:extLst>
       <p:ext uri="{BB962C8B-B14F-4D97-AF65-F5344CB8AC3E}">
-        <p14:creationId xmlns:p14="http://schemas.microsoft.com/office/powerpoint/2010/main" val="1393978940"/>
+        <p14:creationId xmlns:p14="http://schemas.microsoft.com/office/powerpoint/2010/main" val="2798524816"/>
       </p:ext>
     </p:extLst>
   </p:cSld>
@@ -4597,6 +5047,2335 @@
           <a:chExt cx="0" cy="0"/>
         </a:xfrm>
       </p:grpSpPr>
+      <p:sp>
+        <p:nvSpPr>
+          <p:cNvPr id="3" name="Title 1">
+            <a:extLst>
+              <a:ext uri="{FF2B5EF4-FFF2-40B4-BE49-F238E27FC236}">
+                <a16:creationId xmlns:a16="http://schemas.microsoft.com/office/drawing/2014/main" id="{59121A6D-7003-424D-89BB-EB1823F31F81}"/>
+              </a:ext>
+            </a:extLst>
+          </p:cNvPr>
+          <p:cNvSpPr txBox="1">
+            <a:spLocks/>
+          </p:cNvSpPr>
+          <p:nvPr/>
+        </p:nvSpPr>
+        <p:spPr>
+          <a:xfrm>
+            <a:off x="838200" y="365125"/>
+            <a:ext cx="10515600" cy="1325563"/>
+          </a:xfrm>
+          <a:prstGeom prst="rect">
+            <a:avLst/>
+          </a:prstGeom>
+        </p:spPr>
+        <p:txBody>
+          <a:bodyPr vert="horz" lIns="91440" tIns="45720" rIns="91440" bIns="45720" rtlCol="0" anchor="b">
+            <a:normAutofit/>
+          </a:bodyPr>
+          <a:lstStyle>
+            <a:lvl1pPr algn="ctr" defTabSz="914400" rtl="0" eaLnBrk="1" latinLnBrk="0" hangingPunct="1">
+              <a:lnSpc>
+                <a:spcPct val="90000"/>
+              </a:lnSpc>
+              <a:spcBef>
+                <a:spcPct val="0"/>
+              </a:spcBef>
+              <a:buNone/>
+              <a:defRPr sz="6000" kern="1200">
+                <a:solidFill>
+                  <a:schemeClr val="tx1"/>
+                </a:solidFill>
+                <a:latin typeface="+mj-lt"/>
+                <a:ea typeface="+mj-ea"/>
+                <a:cs typeface="+mj-cs"/>
+              </a:defRPr>
+            </a:lvl1pPr>
+          </a:lstStyle>
+          <a:p>
+            <a:pPr algn="l"/>
+            <a:r>
+              <a:rPr lang="en-US" dirty="0"/>
+              <a:t>Schematic</a:t>
+            </a:r>
+          </a:p>
+        </p:txBody>
+      </p:sp>
+      <mc:AlternateContent xmlns:mc="http://schemas.openxmlformats.org/markup-compatibility/2006" xmlns:a14="http://schemas.microsoft.com/office/drawing/2010/main">
+        <mc:Choice Requires="a14">
+          <p:sp>
+            <p:nvSpPr>
+              <p:cNvPr id="50" name="Oval 49">
+                <a:extLst>
+                  <a:ext uri="{FF2B5EF4-FFF2-40B4-BE49-F238E27FC236}">
+                    <a16:creationId xmlns:a16="http://schemas.microsoft.com/office/drawing/2014/main" id="{76F196D2-66EC-444A-8A5B-6BEB97EFE9AE}"/>
+                  </a:ext>
+                </a:extLst>
+              </p:cNvPr>
+              <p:cNvSpPr/>
+              <p:nvPr/>
+            </p:nvSpPr>
+            <p:spPr>
+              <a:xfrm>
+                <a:off x="1359639" y="2306967"/>
+                <a:ext cx="645253" cy="645252"/>
+              </a:xfrm>
+              <a:prstGeom prst="ellipse">
+                <a:avLst/>
+              </a:prstGeom>
+              <a:ln>
+                <a:solidFill>
+                  <a:schemeClr val="tx1"/>
+                </a:solidFill>
+              </a:ln>
+            </p:spPr>
+            <p:style>
+              <a:lnRef idx="2">
+                <a:schemeClr val="accent6"/>
+              </a:lnRef>
+              <a:fillRef idx="1">
+                <a:schemeClr val="lt1"/>
+              </a:fillRef>
+              <a:effectRef idx="0">
+                <a:schemeClr val="accent6"/>
+              </a:effectRef>
+              <a:fontRef idx="minor">
+                <a:schemeClr val="dk1"/>
+              </a:fontRef>
+            </p:style>
+            <p:txBody>
+              <a:bodyPr rtlCol="0" anchor="ctr"/>
+              <a:lstStyle/>
+              <a:p>
+                <a:pPr algn="ctr"/>
+                <a14:m>
+                  <m:oMathPara xmlns:m="http://schemas.openxmlformats.org/officeDocument/2006/math">
+                    <m:oMathParaPr>
+                      <m:jc m:val="centerGroup"/>
+                    </m:oMathParaPr>
+                    <m:oMath xmlns:m="http://schemas.openxmlformats.org/officeDocument/2006/math">
+                      <m:r>
+                        <a:rPr lang="en-US" b="0" i="1" smtClean="0">
+                          <a:latin typeface="Cambria Math" panose="02040503050406030204" pitchFamily="18" charset="0"/>
+                        </a:rPr>
+                        <m:t>𝐸</m:t>
+                      </m:r>
+                    </m:oMath>
+                  </m:oMathPara>
+                </a14:m>
+                <a:endParaRPr lang="en-US" dirty="0"/>
+              </a:p>
+            </p:txBody>
+          </p:sp>
+        </mc:Choice>
+        <mc:Fallback xmlns="">
+          <p:sp>
+            <p:nvSpPr>
+              <p:cNvPr id="50" name="Oval 49">
+                <a:extLst>
+                  <a:ext uri="{FF2B5EF4-FFF2-40B4-BE49-F238E27FC236}">
+                    <a16:creationId xmlns:a16="http://schemas.microsoft.com/office/drawing/2014/main" id="{76F196D2-66EC-444A-8A5B-6BEB97EFE9AE}"/>
+                  </a:ext>
+                </a:extLst>
+              </p:cNvPr>
+              <p:cNvSpPr>
+                <a:spLocks noRot="1" noChangeAspect="1" noMove="1" noResize="1" noEditPoints="1" noAdjustHandles="1" noChangeArrowheads="1" noChangeShapeType="1" noTextEdit="1"/>
+              </p:cNvSpPr>
+              <p:nvPr/>
+            </p:nvSpPr>
+            <p:spPr>
+              <a:xfrm>
+                <a:off x="1359639" y="2306967"/>
+                <a:ext cx="645253" cy="645252"/>
+              </a:xfrm>
+              <a:prstGeom prst="ellipse">
+                <a:avLst/>
+              </a:prstGeom>
+              <a:blipFill>
+                <a:blip r:embed="rId2"/>
+                <a:stretch>
+                  <a:fillRect/>
+                </a:stretch>
+              </a:blipFill>
+              <a:ln>
+                <a:solidFill>
+                  <a:schemeClr val="tx1"/>
+                </a:solidFill>
+              </a:ln>
+            </p:spPr>
+            <p:txBody>
+              <a:bodyPr/>
+              <a:lstStyle/>
+              <a:p>
+                <a:r>
+                  <a:rPr lang="en-US">
+                    <a:noFill/>
+                  </a:rPr>
+                  <a:t> </a:t>
+                </a:r>
+              </a:p>
+            </p:txBody>
+          </p:sp>
+        </mc:Fallback>
+      </mc:AlternateContent>
+      <mc:AlternateContent xmlns:mc="http://schemas.openxmlformats.org/markup-compatibility/2006" xmlns:a14="http://schemas.microsoft.com/office/drawing/2010/main">
+        <mc:Choice Requires="a14">
+          <p:sp>
+            <p:nvSpPr>
+              <p:cNvPr id="52" name="Oval 51">
+                <a:extLst>
+                  <a:ext uri="{FF2B5EF4-FFF2-40B4-BE49-F238E27FC236}">
+                    <a16:creationId xmlns:a16="http://schemas.microsoft.com/office/drawing/2014/main" id="{C0DE975C-C9A2-1D48-8291-871A68DC26F3}"/>
+                  </a:ext>
+                </a:extLst>
+              </p:cNvPr>
+              <p:cNvSpPr/>
+              <p:nvPr/>
+            </p:nvSpPr>
+            <p:spPr>
+              <a:xfrm>
+                <a:off x="2743938" y="3568498"/>
+                <a:ext cx="645253" cy="645252"/>
+              </a:xfrm>
+              <a:prstGeom prst="ellipse">
+                <a:avLst/>
+              </a:prstGeom>
+              <a:ln>
+                <a:solidFill>
+                  <a:schemeClr val="tx1"/>
+                </a:solidFill>
+              </a:ln>
+            </p:spPr>
+            <p:style>
+              <a:lnRef idx="2">
+                <a:schemeClr val="accent6"/>
+              </a:lnRef>
+              <a:fillRef idx="1">
+                <a:schemeClr val="lt1"/>
+              </a:fillRef>
+              <a:effectRef idx="0">
+                <a:schemeClr val="accent6"/>
+              </a:effectRef>
+              <a:fontRef idx="minor">
+                <a:schemeClr val="dk1"/>
+              </a:fontRef>
+            </p:style>
+            <p:txBody>
+              <a:bodyPr rtlCol="0" anchor="ctr"/>
+              <a:lstStyle/>
+              <a:p>
+                <a:pPr algn="ctr"/>
+                <a14:m>
+                  <m:oMathPara xmlns:m="http://schemas.openxmlformats.org/officeDocument/2006/math">
+                    <m:oMathParaPr>
+                      <m:jc m:val="centerGroup"/>
+                    </m:oMathParaPr>
+                    <m:oMath xmlns:m="http://schemas.openxmlformats.org/officeDocument/2006/math">
+                      <m:sSub>
+                        <m:sSubPr>
+                          <m:ctrlPr>
+                            <a:rPr lang="en-US" b="0" i="1" smtClean="0">
+                              <a:latin typeface="Cambria Math" panose="02040503050406030204" pitchFamily="18" charset="0"/>
+                            </a:rPr>
+                          </m:ctrlPr>
+                        </m:sSubPr>
+                        <m:e>
+                          <m:r>
+                            <a:rPr lang="en-US" b="0" i="1" smtClean="0">
+                              <a:latin typeface="Cambria Math" panose="02040503050406030204" pitchFamily="18" charset="0"/>
+                            </a:rPr>
+                            <m:t>𝐼</m:t>
+                          </m:r>
+                        </m:e>
+                        <m:sub>
+                          <m:r>
+                            <a:rPr lang="en-US" b="0" i="1" smtClean="0">
+                              <a:latin typeface="Cambria Math" panose="02040503050406030204" pitchFamily="18" charset="0"/>
+                            </a:rPr>
+                            <m:t>𝑠h𝑒𝑑</m:t>
+                          </m:r>
+                        </m:sub>
+                      </m:sSub>
+                    </m:oMath>
+                  </m:oMathPara>
+                </a14:m>
+                <a:endParaRPr lang="en-US" dirty="0"/>
+              </a:p>
+            </p:txBody>
+          </p:sp>
+        </mc:Choice>
+        <mc:Fallback xmlns="">
+          <p:sp>
+            <p:nvSpPr>
+              <p:cNvPr id="52" name="Oval 51">
+                <a:extLst>
+                  <a:ext uri="{FF2B5EF4-FFF2-40B4-BE49-F238E27FC236}">
+                    <a16:creationId xmlns:a16="http://schemas.microsoft.com/office/drawing/2014/main" id="{C0DE975C-C9A2-1D48-8291-871A68DC26F3}"/>
+                  </a:ext>
+                </a:extLst>
+              </p:cNvPr>
+              <p:cNvSpPr>
+                <a:spLocks noRot="1" noChangeAspect="1" noMove="1" noResize="1" noEditPoints="1" noAdjustHandles="1" noChangeArrowheads="1" noChangeShapeType="1" noTextEdit="1"/>
+              </p:cNvSpPr>
+              <p:nvPr/>
+            </p:nvSpPr>
+            <p:spPr>
+              <a:xfrm>
+                <a:off x="2743938" y="3568498"/>
+                <a:ext cx="645253" cy="645252"/>
+              </a:xfrm>
+              <a:prstGeom prst="ellipse">
+                <a:avLst/>
+              </a:prstGeom>
+              <a:blipFill>
+                <a:blip r:embed="rId3"/>
+                <a:stretch>
+                  <a:fillRect l="-3846"/>
+                </a:stretch>
+              </a:blipFill>
+              <a:ln>
+                <a:solidFill>
+                  <a:schemeClr val="tx1"/>
+                </a:solidFill>
+              </a:ln>
+            </p:spPr>
+            <p:txBody>
+              <a:bodyPr/>
+              <a:lstStyle/>
+              <a:p>
+                <a:r>
+                  <a:rPr lang="en-US">
+                    <a:noFill/>
+                  </a:rPr>
+                  <a:t> </a:t>
+                </a:r>
+              </a:p>
+            </p:txBody>
+          </p:sp>
+        </mc:Fallback>
+      </mc:AlternateContent>
+      <mc:AlternateContent xmlns:mc="http://schemas.openxmlformats.org/markup-compatibility/2006" xmlns:a14="http://schemas.microsoft.com/office/drawing/2010/main">
+        <mc:Choice Requires="a14">
+          <p:sp>
+            <p:nvSpPr>
+              <p:cNvPr id="53" name="Oval 52">
+                <a:extLst>
+                  <a:ext uri="{FF2B5EF4-FFF2-40B4-BE49-F238E27FC236}">
+                    <a16:creationId xmlns:a16="http://schemas.microsoft.com/office/drawing/2014/main" id="{C3C26325-8F5E-9348-8392-527F6F6FA263}"/>
+                  </a:ext>
+                </a:extLst>
+              </p:cNvPr>
+              <p:cNvSpPr/>
+              <p:nvPr/>
+            </p:nvSpPr>
+            <p:spPr>
+              <a:xfrm>
+                <a:off x="4687038" y="3568498"/>
+                <a:ext cx="645253" cy="645252"/>
+              </a:xfrm>
+              <a:prstGeom prst="ellipse">
+                <a:avLst/>
+              </a:prstGeom>
+              <a:ln>
+                <a:solidFill>
+                  <a:schemeClr val="tx1"/>
+                </a:solidFill>
+              </a:ln>
+            </p:spPr>
+            <p:style>
+              <a:lnRef idx="2">
+                <a:schemeClr val="accent6"/>
+              </a:lnRef>
+              <a:fillRef idx="1">
+                <a:schemeClr val="lt1"/>
+              </a:fillRef>
+              <a:effectRef idx="0">
+                <a:schemeClr val="accent6"/>
+              </a:effectRef>
+              <a:fontRef idx="minor">
+                <a:schemeClr val="dk1"/>
+              </a:fontRef>
+            </p:style>
+            <p:txBody>
+              <a:bodyPr rtlCol="0" anchor="ctr"/>
+              <a:lstStyle/>
+              <a:p>
+                <a:pPr algn="ctr"/>
+                <a14:m>
+                  <m:oMathPara xmlns:m="http://schemas.openxmlformats.org/officeDocument/2006/math">
+                    <m:oMathParaPr>
+                      <m:jc m:val="centerGroup"/>
+                    </m:oMathParaPr>
+                    <m:oMath xmlns:m="http://schemas.openxmlformats.org/officeDocument/2006/math">
+                      <m:sSub>
+                        <m:sSubPr>
+                          <m:ctrlPr>
+                            <a:rPr lang="en-US" b="0" i="1" smtClean="0">
+                              <a:latin typeface="Cambria Math" panose="02040503050406030204" pitchFamily="18" charset="0"/>
+                            </a:rPr>
+                          </m:ctrlPr>
+                        </m:sSubPr>
+                        <m:e>
+                          <m:r>
+                            <a:rPr lang="en-US" b="0" i="1" smtClean="0">
+                              <a:latin typeface="Cambria Math" panose="02040503050406030204" pitchFamily="18" charset="0"/>
+                            </a:rPr>
+                            <m:t>𝐼</m:t>
+                          </m:r>
+                        </m:e>
+                        <m:sub>
+                          <m:r>
+                            <a:rPr lang="en-US" b="0" i="1" smtClean="0">
+                              <a:latin typeface="Cambria Math" panose="02040503050406030204" pitchFamily="18" charset="0"/>
+                            </a:rPr>
+                            <m:t>𝑠𝑦𝑚</m:t>
+                          </m:r>
+                        </m:sub>
+                      </m:sSub>
+                    </m:oMath>
+                  </m:oMathPara>
+                </a14:m>
+                <a:endParaRPr lang="en-US" dirty="0"/>
+              </a:p>
+            </p:txBody>
+          </p:sp>
+        </mc:Choice>
+        <mc:Fallback xmlns="">
+          <p:sp>
+            <p:nvSpPr>
+              <p:cNvPr id="53" name="Oval 52">
+                <a:extLst>
+                  <a:ext uri="{FF2B5EF4-FFF2-40B4-BE49-F238E27FC236}">
+                    <a16:creationId xmlns:a16="http://schemas.microsoft.com/office/drawing/2014/main" id="{C3C26325-8F5E-9348-8392-527F6F6FA263}"/>
+                  </a:ext>
+                </a:extLst>
+              </p:cNvPr>
+              <p:cNvSpPr>
+                <a:spLocks noRot="1" noChangeAspect="1" noMove="1" noResize="1" noEditPoints="1" noAdjustHandles="1" noChangeArrowheads="1" noChangeShapeType="1" noTextEdit="1"/>
+              </p:cNvSpPr>
+              <p:nvPr/>
+            </p:nvSpPr>
+            <p:spPr>
+              <a:xfrm>
+                <a:off x="4687038" y="3568498"/>
+                <a:ext cx="645253" cy="645252"/>
+              </a:xfrm>
+              <a:prstGeom prst="ellipse">
+                <a:avLst/>
+              </a:prstGeom>
+              <a:blipFill>
+                <a:blip r:embed="rId4"/>
+                <a:stretch>
+                  <a:fillRect/>
+                </a:stretch>
+              </a:blipFill>
+              <a:ln>
+                <a:solidFill>
+                  <a:schemeClr val="tx1"/>
+                </a:solidFill>
+              </a:ln>
+            </p:spPr>
+            <p:txBody>
+              <a:bodyPr/>
+              <a:lstStyle/>
+              <a:p>
+                <a:r>
+                  <a:rPr lang="en-US">
+                    <a:noFill/>
+                  </a:rPr>
+                  <a:t> </a:t>
+                </a:r>
+              </a:p>
+            </p:txBody>
+          </p:sp>
+        </mc:Fallback>
+      </mc:AlternateContent>
+      <mc:AlternateContent xmlns:mc="http://schemas.openxmlformats.org/markup-compatibility/2006" xmlns:a14="http://schemas.microsoft.com/office/drawing/2010/main">
+        <mc:Choice Requires="a14">
+          <p:sp>
+            <p:nvSpPr>
+              <p:cNvPr id="54" name="Oval 53">
+                <a:extLst>
+                  <a:ext uri="{FF2B5EF4-FFF2-40B4-BE49-F238E27FC236}">
+                    <a16:creationId xmlns:a16="http://schemas.microsoft.com/office/drawing/2014/main" id="{7BB1C897-629B-8E41-8546-98795A79BF76}"/>
+                  </a:ext>
+                </a:extLst>
+              </p:cNvPr>
+              <p:cNvSpPr/>
+              <p:nvPr/>
+            </p:nvSpPr>
+            <p:spPr>
+              <a:xfrm>
+                <a:off x="6630138" y="3586122"/>
+                <a:ext cx="645253" cy="645252"/>
+              </a:xfrm>
+              <a:prstGeom prst="ellipse">
+                <a:avLst/>
+              </a:prstGeom>
+              <a:ln>
+                <a:solidFill>
+                  <a:schemeClr val="tx1"/>
+                </a:solidFill>
+              </a:ln>
+            </p:spPr>
+            <p:style>
+              <a:lnRef idx="2">
+                <a:schemeClr val="accent6"/>
+              </a:lnRef>
+              <a:fillRef idx="1">
+                <a:schemeClr val="lt1"/>
+              </a:fillRef>
+              <a:effectRef idx="0">
+                <a:schemeClr val="accent6"/>
+              </a:effectRef>
+              <a:fontRef idx="minor">
+                <a:schemeClr val="dk1"/>
+              </a:fontRef>
+            </p:style>
+            <p:txBody>
+              <a:bodyPr rtlCol="0" anchor="ctr"/>
+              <a:lstStyle/>
+              <a:p>
+                <a:pPr algn="ctr"/>
+                <a14:m>
+                  <m:oMathPara xmlns:m="http://schemas.openxmlformats.org/officeDocument/2006/math">
+                    <m:oMathParaPr>
+                      <m:jc m:val="centerGroup"/>
+                    </m:oMathParaPr>
+                    <m:oMath xmlns:m="http://schemas.openxmlformats.org/officeDocument/2006/math">
+                      <m:sSub>
+                        <m:sSubPr>
+                          <m:ctrlPr>
+                            <a:rPr lang="en-US" b="0" i="1" smtClean="0">
+                              <a:latin typeface="Cambria Math" panose="02040503050406030204" pitchFamily="18" charset="0"/>
+                            </a:rPr>
+                          </m:ctrlPr>
+                        </m:sSubPr>
+                        <m:e>
+                          <m:r>
+                            <a:rPr lang="en-US" b="0" i="1" smtClean="0">
+                              <a:latin typeface="Cambria Math" panose="02040503050406030204" pitchFamily="18" charset="0"/>
+                            </a:rPr>
+                            <m:t>𝐼</m:t>
+                          </m:r>
+                        </m:e>
+                        <m:sub>
+                          <m:r>
+                            <a:rPr lang="en-US" b="0" i="1" smtClean="0">
+                              <a:latin typeface="Cambria Math" panose="02040503050406030204" pitchFamily="18" charset="0"/>
+                            </a:rPr>
+                            <m:t>𝑑</m:t>
+                          </m:r>
+                        </m:sub>
+                      </m:sSub>
+                    </m:oMath>
+                  </m:oMathPara>
+                </a14:m>
+                <a:endParaRPr lang="en-US" dirty="0"/>
+              </a:p>
+            </p:txBody>
+          </p:sp>
+        </mc:Choice>
+        <mc:Fallback xmlns="">
+          <p:sp>
+            <p:nvSpPr>
+              <p:cNvPr id="54" name="Oval 53">
+                <a:extLst>
+                  <a:ext uri="{FF2B5EF4-FFF2-40B4-BE49-F238E27FC236}">
+                    <a16:creationId xmlns:a16="http://schemas.microsoft.com/office/drawing/2014/main" id="{7BB1C897-629B-8E41-8546-98795A79BF76}"/>
+                  </a:ext>
+                </a:extLst>
+              </p:cNvPr>
+              <p:cNvSpPr>
+                <a:spLocks noRot="1" noChangeAspect="1" noMove="1" noResize="1" noEditPoints="1" noAdjustHandles="1" noChangeArrowheads="1" noChangeShapeType="1" noTextEdit="1"/>
+              </p:cNvSpPr>
+              <p:nvPr/>
+            </p:nvSpPr>
+            <p:spPr>
+              <a:xfrm>
+                <a:off x="6630138" y="3586122"/>
+                <a:ext cx="645253" cy="645252"/>
+              </a:xfrm>
+              <a:prstGeom prst="ellipse">
+                <a:avLst/>
+              </a:prstGeom>
+              <a:blipFill>
+                <a:blip r:embed="rId5"/>
+                <a:stretch>
+                  <a:fillRect/>
+                </a:stretch>
+              </a:blipFill>
+              <a:ln>
+                <a:solidFill>
+                  <a:schemeClr val="tx1"/>
+                </a:solidFill>
+              </a:ln>
+            </p:spPr>
+            <p:txBody>
+              <a:bodyPr/>
+              <a:lstStyle/>
+              <a:p>
+                <a:r>
+                  <a:rPr lang="en-US">
+                    <a:noFill/>
+                  </a:rPr>
+                  <a:t> </a:t>
+                </a:r>
+              </a:p>
+            </p:txBody>
+          </p:sp>
+        </mc:Fallback>
+      </mc:AlternateContent>
+      <mc:AlternateContent xmlns:mc="http://schemas.openxmlformats.org/markup-compatibility/2006" xmlns:a14="http://schemas.microsoft.com/office/drawing/2010/main">
+        <mc:Choice Requires="a14">
+          <p:sp>
+            <p:nvSpPr>
+              <p:cNvPr id="55" name="Oval 54">
+                <a:extLst>
+                  <a:ext uri="{FF2B5EF4-FFF2-40B4-BE49-F238E27FC236}">
+                    <a16:creationId xmlns:a16="http://schemas.microsoft.com/office/drawing/2014/main" id="{E26C6FC4-EFA6-3744-B171-C4C50B6B5C31}"/>
+                  </a:ext>
+                </a:extLst>
+              </p:cNvPr>
+              <p:cNvSpPr/>
+              <p:nvPr/>
+            </p:nvSpPr>
+            <p:spPr>
+              <a:xfrm>
+                <a:off x="8573238" y="3568498"/>
+                <a:ext cx="645253" cy="645252"/>
+              </a:xfrm>
+              <a:prstGeom prst="ellipse">
+                <a:avLst/>
+              </a:prstGeom>
+              <a:ln>
+                <a:solidFill>
+                  <a:schemeClr val="tx1"/>
+                </a:solidFill>
+              </a:ln>
+            </p:spPr>
+            <p:style>
+              <a:lnRef idx="2">
+                <a:schemeClr val="accent6"/>
+              </a:lnRef>
+              <a:fillRef idx="1">
+                <a:schemeClr val="lt1"/>
+              </a:fillRef>
+              <a:effectRef idx="0">
+                <a:schemeClr val="accent6"/>
+              </a:effectRef>
+              <a:fontRef idx="minor">
+                <a:schemeClr val="dk1"/>
+              </a:fontRef>
+            </p:style>
+            <p:txBody>
+              <a:bodyPr rtlCol="0" anchor="ctr"/>
+              <a:lstStyle/>
+              <a:p>
+                <a:pPr algn="ctr"/>
+                <a14:m>
+                  <m:oMathPara xmlns:m="http://schemas.openxmlformats.org/officeDocument/2006/math">
+                    <m:oMathParaPr>
+                      <m:jc m:val="centerGroup"/>
+                    </m:oMathParaPr>
+                    <m:oMath xmlns:m="http://schemas.openxmlformats.org/officeDocument/2006/math">
+                      <m:sSub>
+                        <m:sSubPr>
+                          <m:ctrlPr>
+                            <a:rPr lang="en-US" b="0" i="1" smtClean="0">
+                              <a:latin typeface="Cambria Math" panose="02040503050406030204" pitchFamily="18" charset="0"/>
+                            </a:rPr>
+                          </m:ctrlPr>
+                        </m:sSubPr>
+                        <m:e>
+                          <m:r>
+                            <a:rPr lang="en-US" b="0" i="1" smtClean="0">
+                              <a:latin typeface="Cambria Math" panose="02040503050406030204" pitchFamily="18" charset="0"/>
+                            </a:rPr>
+                            <m:t>𝐻</m:t>
+                          </m:r>
+                        </m:e>
+                        <m:sub/>
+                      </m:sSub>
+                    </m:oMath>
+                  </m:oMathPara>
+                </a14:m>
+                <a:endParaRPr lang="en-US" dirty="0"/>
+              </a:p>
+            </p:txBody>
+          </p:sp>
+        </mc:Choice>
+        <mc:Fallback xmlns="">
+          <p:sp>
+            <p:nvSpPr>
+              <p:cNvPr id="55" name="Oval 54">
+                <a:extLst>
+                  <a:ext uri="{FF2B5EF4-FFF2-40B4-BE49-F238E27FC236}">
+                    <a16:creationId xmlns:a16="http://schemas.microsoft.com/office/drawing/2014/main" id="{E26C6FC4-EFA6-3744-B171-C4C50B6B5C31}"/>
+                  </a:ext>
+                </a:extLst>
+              </p:cNvPr>
+              <p:cNvSpPr>
+                <a:spLocks noRot="1" noChangeAspect="1" noMove="1" noResize="1" noEditPoints="1" noAdjustHandles="1" noChangeArrowheads="1" noChangeShapeType="1" noTextEdit="1"/>
+              </p:cNvSpPr>
+              <p:nvPr/>
+            </p:nvSpPr>
+            <p:spPr>
+              <a:xfrm>
+                <a:off x="8573238" y="3568498"/>
+                <a:ext cx="645253" cy="645252"/>
+              </a:xfrm>
+              <a:prstGeom prst="ellipse">
+                <a:avLst/>
+              </a:prstGeom>
+              <a:blipFill>
+                <a:blip r:embed="rId6"/>
+                <a:stretch>
+                  <a:fillRect/>
+                </a:stretch>
+              </a:blipFill>
+              <a:ln>
+                <a:solidFill>
+                  <a:schemeClr val="tx1"/>
+                </a:solidFill>
+              </a:ln>
+            </p:spPr>
+            <p:txBody>
+              <a:bodyPr/>
+              <a:lstStyle/>
+              <a:p>
+                <a:r>
+                  <a:rPr lang="en-US">
+                    <a:noFill/>
+                  </a:rPr>
+                  <a:t> </a:t>
+                </a:r>
+              </a:p>
+            </p:txBody>
+          </p:sp>
+        </mc:Fallback>
+      </mc:AlternateContent>
+      <mc:AlternateContent xmlns:mc="http://schemas.openxmlformats.org/markup-compatibility/2006" xmlns:a14="http://schemas.microsoft.com/office/drawing/2010/main">
+        <mc:Choice Requires="a14">
+          <p:sp>
+            <p:nvSpPr>
+              <p:cNvPr id="56" name="Oval 55">
+                <a:extLst>
+                  <a:ext uri="{FF2B5EF4-FFF2-40B4-BE49-F238E27FC236}">
+                    <a16:creationId xmlns:a16="http://schemas.microsoft.com/office/drawing/2014/main" id="{8442D00F-FF29-964F-930E-9A624734FCD3}"/>
+                  </a:ext>
+                </a:extLst>
+              </p:cNvPr>
+              <p:cNvSpPr/>
+              <p:nvPr/>
+            </p:nvSpPr>
+            <p:spPr>
+              <a:xfrm>
+                <a:off x="2769338" y="5003598"/>
+                <a:ext cx="645253" cy="645252"/>
+              </a:xfrm>
+              <a:prstGeom prst="ellipse">
+                <a:avLst/>
+              </a:prstGeom>
+              <a:ln>
+                <a:solidFill>
+                  <a:schemeClr val="tx1"/>
+                </a:solidFill>
+              </a:ln>
+            </p:spPr>
+            <p:style>
+              <a:lnRef idx="2">
+                <a:schemeClr val="accent6"/>
+              </a:lnRef>
+              <a:fillRef idx="1">
+                <a:schemeClr val="lt1"/>
+              </a:fillRef>
+              <a:effectRef idx="0">
+                <a:schemeClr val="accent6"/>
+              </a:effectRef>
+              <a:fontRef idx="minor">
+                <a:schemeClr val="dk1"/>
+              </a:fontRef>
+            </p:style>
+            <p:txBody>
+              <a:bodyPr rtlCol="0" anchor="ctr"/>
+              <a:lstStyle/>
+              <a:p>
+                <a:pPr algn="ctr"/>
+                <a14:m>
+                  <m:oMathPara xmlns:m="http://schemas.openxmlformats.org/officeDocument/2006/math">
+                    <m:oMathParaPr>
+                      <m:jc m:val="centerGroup"/>
+                    </m:oMathParaPr>
+                    <m:oMath xmlns:m="http://schemas.openxmlformats.org/officeDocument/2006/math">
+                      <m:sSub>
+                        <m:sSubPr>
+                          <m:ctrlPr>
+                            <a:rPr lang="en-US" b="0" i="1" smtClean="0">
+                              <a:latin typeface="Cambria Math" panose="02040503050406030204" pitchFamily="18" charset="0"/>
+                            </a:rPr>
+                          </m:ctrlPr>
+                        </m:sSubPr>
+                        <m:e>
+                          <m:r>
+                            <a:rPr lang="en-US" b="0" i="1" smtClean="0">
+                              <a:latin typeface="Cambria Math" panose="02040503050406030204" pitchFamily="18" charset="0"/>
+                            </a:rPr>
+                            <m:t>𝐼</m:t>
+                          </m:r>
+                        </m:e>
+                        <m:sub>
+                          <m:r>
+                            <a:rPr lang="en-US" b="0" i="1" smtClean="0">
+                              <a:latin typeface="Cambria Math" panose="02040503050406030204" pitchFamily="18" charset="0"/>
+                            </a:rPr>
+                            <m:t>𝑠h𝑒𝑑</m:t>
+                          </m:r>
+                        </m:sub>
+                      </m:sSub>
+                    </m:oMath>
+                  </m:oMathPara>
+                </a14:m>
+                <a:endParaRPr lang="en-US" dirty="0"/>
+              </a:p>
+            </p:txBody>
+          </p:sp>
+        </mc:Choice>
+        <mc:Fallback xmlns="">
+          <p:sp>
+            <p:nvSpPr>
+              <p:cNvPr id="56" name="Oval 55">
+                <a:extLst>
+                  <a:ext uri="{FF2B5EF4-FFF2-40B4-BE49-F238E27FC236}">
+                    <a16:creationId xmlns:a16="http://schemas.microsoft.com/office/drawing/2014/main" id="{8442D00F-FF29-964F-930E-9A624734FCD3}"/>
+                  </a:ext>
+                </a:extLst>
+              </p:cNvPr>
+              <p:cNvSpPr>
+                <a:spLocks noRot="1" noChangeAspect="1" noMove="1" noResize="1" noEditPoints="1" noAdjustHandles="1" noChangeArrowheads="1" noChangeShapeType="1" noTextEdit="1"/>
+              </p:cNvSpPr>
+              <p:nvPr/>
+            </p:nvSpPr>
+            <p:spPr>
+              <a:xfrm>
+                <a:off x="2769338" y="5003598"/>
+                <a:ext cx="645253" cy="645252"/>
+              </a:xfrm>
+              <a:prstGeom prst="ellipse">
+                <a:avLst/>
+              </a:prstGeom>
+              <a:blipFill>
+                <a:blip r:embed="rId7"/>
+                <a:stretch>
+                  <a:fillRect l="-1887"/>
+                </a:stretch>
+              </a:blipFill>
+              <a:ln>
+                <a:solidFill>
+                  <a:schemeClr val="tx1"/>
+                </a:solidFill>
+              </a:ln>
+            </p:spPr>
+            <p:txBody>
+              <a:bodyPr/>
+              <a:lstStyle/>
+              <a:p>
+                <a:r>
+                  <a:rPr lang="en-US">
+                    <a:noFill/>
+                  </a:rPr>
+                  <a:t> </a:t>
+                </a:r>
+              </a:p>
+            </p:txBody>
+          </p:sp>
+        </mc:Fallback>
+      </mc:AlternateContent>
+      <mc:AlternateContent xmlns:mc="http://schemas.openxmlformats.org/markup-compatibility/2006" xmlns:a14="http://schemas.microsoft.com/office/drawing/2010/main">
+        <mc:Choice Requires="a14">
+          <p:sp>
+            <p:nvSpPr>
+              <p:cNvPr id="57" name="Oval 56">
+                <a:extLst>
+                  <a:ext uri="{FF2B5EF4-FFF2-40B4-BE49-F238E27FC236}">
+                    <a16:creationId xmlns:a16="http://schemas.microsoft.com/office/drawing/2014/main" id="{7C785ED7-DC6F-CE4D-B4F8-0C6F755559B4}"/>
+                  </a:ext>
+                </a:extLst>
+              </p:cNvPr>
+              <p:cNvSpPr/>
+              <p:nvPr/>
+            </p:nvSpPr>
+            <p:spPr>
+              <a:xfrm>
+                <a:off x="4712438" y="5003598"/>
+                <a:ext cx="645253" cy="645252"/>
+              </a:xfrm>
+              <a:prstGeom prst="ellipse">
+                <a:avLst/>
+              </a:prstGeom>
+              <a:ln>
+                <a:solidFill>
+                  <a:schemeClr val="tx1"/>
+                </a:solidFill>
+              </a:ln>
+            </p:spPr>
+            <p:style>
+              <a:lnRef idx="2">
+                <a:schemeClr val="accent6"/>
+              </a:lnRef>
+              <a:fillRef idx="1">
+                <a:schemeClr val="lt1"/>
+              </a:fillRef>
+              <a:effectRef idx="0">
+                <a:schemeClr val="accent6"/>
+              </a:effectRef>
+              <a:fontRef idx="minor">
+                <a:schemeClr val="dk1"/>
+              </a:fontRef>
+            </p:style>
+            <p:txBody>
+              <a:bodyPr rtlCol="0" anchor="ctr"/>
+              <a:lstStyle/>
+              <a:p>
+                <a:pPr algn="ctr"/>
+                <a14:m>
+                  <m:oMathPara xmlns:m="http://schemas.openxmlformats.org/officeDocument/2006/math">
+                    <m:oMathParaPr>
+                      <m:jc m:val="centerGroup"/>
+                    </m:oMathParaPr>
+                    <m:oMath xmlns:m="http://schemas.openxmlformats.org/officeDocument/2006/math">
+                      <m:sSub>
+                        <m:sSubPr>
+                          <m:ctrlPr>
+                            <a:rPr lang="en-US" b="0" i="1" smtClean="0">
+                              <a:latin typeface="Cambria Math" panose="02040503050406030204" pitchFamily="18" charset="0"/>
+                            </a:rPr>
+                          </m:ctrlPr>
+                        </m:sSubPr>
+                        <m:e>
+                          <m:r>
+                            <a:rPr lang="en-US" b="0" i="1" smtClean="0">
+                              <a:latin typeface="Cambria Math" panose="02040503050406030204" pitchFamily="18" charset="0"/>
+                            </a:rPr>
+                            <m:t>𝐼</m:t>
+                          </m:r>
+                        </m:e>
+                        <m:sub>
+                          <m:r>
+                            <a:rPr lang="en-US" b="0" i="1" smtClean="0">
+                              <a:latin typeface="Cambria Math" panose="02040503050406030204" pitchFamily="18" charset="0"/>
+                            </a:rPr>
+                            <m:t>𝑠𝑦𝑚</m:t>
+                          </m:r>
+                        </m:sub>
+                      </m:sSub>
+                    </m:oMath>
+                  </m:oMathPara>
+                </a14:m>
+                <a:endParaRPr lang="en-US" dirty="0"/>
+              </a:p>
+            </p:txBody>
+          </p:sp>
+        </mc:Choice>
+        <mc:Fallback xmlns="">
+          <p:sp>
+            <p:nvSpPr>
+              <p:cNvPr id="57" name="Oval 56">
+                <a:extLst>
+                  <a:ext uri="{FF2B5EF4-FFF2-40B4-BE49-F238E27FC236}">
+                    <a16:creationId xmlns:a16="http://schemas.microsoft.com/office/drawing/2014/main" id="{7C785ED7-DC6F-CE4D-B4F8-0C6F755559B4}"/>
+                  </a:ext>
+                </a:extLst>
+              </p:cNvPr>
+              <p:cNvSpPr>
+                <a:spLocks noRot="1" noChangeAspect="1" noMove="1" noResize="1" noEditPoints="1" noAdjustHandles="1" noChangeArrowheads="1" noChangeShapeType="1" noTextEdit="1"/>
+              </p:cNvSpPr>
+              <p:nvPr/>
+            </p:nvSpPr>
+            <p:spPr>
+              <a:xfrm>
+                <a:off x="4712438" y="5003598"/>
+                <a:ext cx="645253" cy="645252"/>
+              </a:xfrm>
+              <a:prstGeom prst="ellipse">
+                <a:avLst/>
+              </a:prstGeom>
+              <a:blipFill>
+                <a:blip r:embed="rId8"/>
+                <a:stretch>
+                  <a:fillRect/>
+                </a:stretch>
+              </a:blipFill>
+              <a:ln>
+                <a:solidFill>
+                  <a:schemeClr val="tx1"/>
+                </a:solidFill>
+              </a:ln>
+            </p:spPr>
+            <p:txBody>
+              <a:bodyPr/>
+              <a:lstStyle/>
+              <a:p>
+                <a:r>
+                  <a:rPr lang="en-US">
+                    <a:noFill/>
+                  </a:rPr>
+                  <a:t> </a:t>
+                </a:r>
+              </a:p>
+            </p:txBody>
+          </p:sp>
+        </mc:Fallback>
+      </mc:AlternateContent>
+      <mc:AlternateContent xmlns:mc="http://schemas.openxmlformats.org/markup-compatibility/2006" xmlns:a14="http://schemas.microsoft.com/office/drawing/2010/main">
+        <mc:Choice Requires="a14">
+          <p:sp>
+            <p:nvSpPr>
+              <p:cNvPr id="58" name="Oval 57">
+                <a:extLst>
+                  <a:ext uri="{FF2B5EF4-FFF2-40B4-BE49-F238E27FC236}">
+                    <a16:creationId xmlns:a16="http://schemas.microsoft.com/office/drawing/2014/main" id="{E683E3A0-1772-4443-8358-15C3A23D45F3}"/>
+                  </a:ext>
+                </a:extLst>
+              </p:cNvPr>
+              <p:cNvSpPr/>
+              <p:nvPr/>
+            </p:nvSpPr>
+            <p:spPr>
+              <a:xfrm>
+                <a:off x="6655538" y="5021222"/>
+                <a:ext cx="645253" cy="645252"/>
+              </a:xfrm>
+              <a:prstGeom prst="ellipse">
+                <a:avLst/>
+              </a:prstGeom>
+              <a:ln>
+                <a:solidFill>
+                  <a:schemeClr val="tx1"/>
+                </a:solidFill>
+              </a:ln>
+            </p:spPr>
+            <p:style>
+              <a:lnRef idx="2">
+                <a:schemeClr val="accent6"/>
+              </a:lnRef>
+              <a:fillRef idx="1">
+                <a:schemeClr val="lt1"/>
+              </a:fillRef>
+              <a:effectRef idx="0">
+                <a:schemeClr val="accent6"/>
+              </a:effectRef>
+              <a:fontRef idx="minor">
+                <a:schemeClr val="dk1"/>
+              </a:fontRef>
+            </p:style>
+            <p:txBody>
+              <a:bodyPr rtlCol="0" anchor="ctr"/>
+              <a:lstStyle/>
+              <a:p>
+                <a:pPr algn="ctr"/>
+                <a14:m>
+                  <m:oMathPara xmlns:m="http://schemas.openxmlformats.org/officeDocument/2006/math">
+                    <m:oMathParaPr>
+                      <m:jc m:val="centerGroup"/>
+                    </m:oMathParaPr>
+                    <m:oMath xmlns:m="http://schemas.openxmlformats.org/officeDocument/2006/math">
+                      <m:sSub>
+                        <m:sSubPr>
+                          <m:ctrlPr>
+                            <a:rPr lang="en-US" b="0" i="1" smtClean="0">
+                              <a:latin typeface="Cambria Math" panose="02040503050406030204" pitchFamily="18" charset="0"/>
+                            </a:rPr>
+                          </m:ctrlPr>
+                        </m:sSubPr>
+                        <m:e>
+                          <m:r>
+                            <a:rPr lang="en-US" b="0" i="1" smtClean="0">
+                              <a:latin typeface="Cambria Math" panose="02040503050406030204" pitchFamily="18" charset="0"/>
+                            </a:rPr>
+                            <m:t>𝐼</m:t>
+                          </m:r>
+                        </m:e>
+                        <m:sub>
+                          <m:r>
+                            <a:rPr lang="en-US" b="0" i="1" smtClean="0">
+                              <a:latin typeface="Cambria Math" panose="02040503050406030204" pitchFamily="18" charset="0"/>
+                            </a:rPr>
+                            <m:t>𝑑</m:t>
+                          </m:r>
+                        </m:sub>
+                      </m:sSub>
+                    </m:oMath>
+                  </m:oMathPara>
+                </a14:m>
+                <a:endParaRPr lang="en-US" dirty="0"/>
+              </a:p>
+            </p:txBody>
+          </p:sp>
+        </mc:Choice>
+        <mc:Fallback xmlns="">
+          <p:sp>
+            <p:nvSpPr>
+              <p:cNvPr id="58" name="Oval 57">
+                <a:extLst>
+                  <a:ext uri="{FF2B5EF4-FFF2-40B4-BE49-F238E27FC236}">
+                    <a16:creationId xmlns:a16="http://schemas.microsoft.com/office/drawing/2014/main" id="{E683E3A0-1772-4443-8358-15C3A23D45F3}"/>
+                  </a:ext>
+                </a:extLst>
+              </p:cNvPr>
+              <p:cNvSpPr>
+                <a:spLocks noRot="1" noChangeAspect="1" noMove="1" noResize="1" noEditPoints="1" noAdjustHandles="1" noChangeArrowheads="1" noChangeShapeType="1" noTextEdit="1"/>
+              </p:cNvSpPr>
+              <p:nvPr/>
+            </p:nvSpPr>
+            <p:spPr>
+              <a:xfrm>
+                <a:off x="6655538" y="5021222"/>
+                <a:ext cx="645253" cy="645252"/>
+              </a:xfrm>
+              <a:prstGeom prst="ellipse">
+                <a:avLst/>
+              </a:prstGeom>
+              <a:blipFill>
+                <a:blip r:embed="rId9"/>
+                <a:stretch>
+                  <a:fillRect/>
+                </a:stretch>
+              </a:blipFill>
+              <a:ln>
+                <a:solidFill>
+                  <a:schemeClr val="tx1"/>
+                </a:solidFill>
+              </a:ln>
+            </p:spPr>
+            <p:txBody>
+              <a:bodyPr/>
+              <a:lstStyle/>
+              <a:p>
+                <a:r>
+                  <a:rPr lang="en-US">
+                    <a:noFill/>
+                  </a:rPr>
+                  <a:t> </a:t>
+                </a:r>
+              </a:p>
+            </p:txBody>
+          </p:sp>
+        </mc:Fallback>
+      </mc:AlternateContent>
+      <mc:AlternateContent xmlns:mc="http://schemas.openxmlformats.org/markup-compatibility/2006" xmlns:a14="http://schemas.microsoft.com/office/drawing/2010/main">
+        <mc:Choice Requires="a14">
+          <p:sp>
+            <p:nvSpPr>
+              <p:cNvPr id="59" name="Oval 58">
+                <a:extLst>
+                  <a:ext uri="{FF2B5EF4-FFF2-40B4-BE49-F238E27FC236}">
+                    <a16:creationId xmlns:a16="http://schemas.microsoft.com/office/drawing/2014/main" id="{FCDB56F4-3360-9B4F-BA6B-BC59E1D307D3}"/>
+                  </a:ext>
+                </a:extLst>
+              </p:cNvPr>
+              <p:cNvSpPr/>
+              <p:nvPr/>
+            </p:nvSpPr>
+            <p:spPr>
+              <a:xfrm>
+                <a:off x="8598638" y="5003598"/>
+                <a:ext cx="645253" cy="645252"/>
+              </a:xfrm>
+              <a:prstGeom prst="ellipse">
+                <a:avLst/>
+              </a:prstGeom>
+              <a:ln>
+                <a:solidFill>
+                  <a:schemeClr val="tx1"/>
+                </a:solidFill>
+              </a:ln>
+            </p:spPr>
+            <p:style>
+              <a:lnRef idx="2">
+                <a:schemeClr val="accent6"/>
+              </a:lnRef>
+              <a:fillRef idx="1">
+                <a:schemeClr val="lt1"/>
+              </a:fillRef>
+              <a:effectRef idx="0">
+                <a:schemeClr val="accent6"/>
+              </a:effectRef>
+              <a:fontRef idx="minor">
+                <a:schemeClr val="dk1"/>
+              </a:fontRef>
+            </p:style>
+            <p:txBody>
+              <a:bodyPr rtlCol="0" anchor="ctr"/>
+              <a:lstStyle/>
+              <a:p>
+                <a:pPr algn="ctr"/>
+                <a14:m>
+                  <m:oMathPara xmlns:m="http://schemas.openxmlformats.org/officeDocument/2006/math">
+                    <m:oMathParaPr>
+                      <m:jc m:val="centerGroup"/>
+                    </m:oMathParaPr>
+                    <m:oMath xmlns:m="http://schemas.openxmlformats.org/officeDocument/2006/math">
+                      <m:sSub>
+                        <m:sSubPr>
+                          <m:ctrlPr>
+                            <a:rPr lang="en-US" b="0" i="1" smtClean="0">
+                              <a:latin typeface="Cambria Math" panose="02040503050406030204" pitchFamily="18" charset="0"/>
+                            </a:rPr>
+                          </m:ctrlPr>
+                        </m:sSubPr>
+                        <m:e>
+                          <m:r>
+                            <a:rPr lang="en-US" b="0" i="1" smtClean="0">
+                              <a:latin typeface="Cambria Math" panose="02040503050406030204" pitchFamily="18" charset="0"/>
+                            </a:rPr>
+                            <m:t>𝐻</m:t>
+                          </m:r>
+                        </m:e>
+                        <m:sub/>
+                      </m:sSub>
+                    </m:oMath>
+                  </m:oMathPara>
+                </a14:m>
+                <a:endParaRPr lang="en-US" dirty="0"/>
+              </a:p>
+            </p:txBody>
+          </p:sp>
+        </mc:Choice>
+        <mc:Fallback xmlns="">
+          <p:sp>
+            <p:nvSpPr>
+              <p:cNvPr id="59" name="Oval 58">
+                <a:extLst>
+                  <a:ext uri="{FF2B5EF4-FFF2-40B4-BE49-F238E27FC236}">
+                    <a16:creationId xmlns:a16="http://schemas.microsoft.com/office/drawing/2014/main" id="{FCDB56F4-3360-9B4F-BA6B-BC59E1D307D3}"/>
+                  </a:ext>
+                </a:extLst>
+              </p:cNvPr>
+              <p:cNvSpPr>
+                <a:spLocks noRot="1" noChangeAspect="1" noMove="1" noResize="1" noEditPoints="1" noAdjustHandles="1" noChangeArrowheads="1" noChangeShapeType="1" noTextEdit="1"/>
+              </p:cNvSpPr>
+              <p:nvPr/>
+            </p:nvSpPr>
+            <p:spPr>
+              <a:xfrm>
+                <a:off x="8598638" y="5003598"/>
+                <a:ext cx="645253" cy="645252"/>
+              </a:xfrm>
+              <a:prstGeom prst="ellipse">
+                <a:avLst/>
+              </a:prstGeom>
+              <a:blipFill>
+                <a:blip r:embed="rId10"/>
+                <a:stretch>
+                  <a:fillRect/>
+                </a:stretch>
+              </a:blipFill>
+              <a:ln>
+                <a:solidFill>
+                  <a:schemeClr val="tx1"/>
+                </a:solidFill>
+              </a:ln>
+            </p:spPr>
+            <p:txBody>
+              <a:bodyPr/>
+              <a:lstStyle/>
+              <a:p>
+                <a:r>
+                  <a:rPr lang="en-US">
+                    <a:noFill/>
+                  </a:rPr>
+                  <a:t> </a:t>
+                </a:r>
+              </a:p>
+            </p:txBody>
+          </p:sp>
+        </mc:Fallback>
+      </mc:AlternateContent>
+      <mc:AlternateContent xmlns:mc="http://schemas.openxmlformats.org/markup-compatibility/2006" xmlns:p14="http://schemas.microsoft.com/office/powerpoint/2010/main">
+        <mc:Choice Requires="p14">
+          <p:contentPart p14:bwMode="auto" r:id="rId11">
+            <p14:nvContentPartPr>
+              <p14:cNvPr id="60" name="Ink 59">
+                <a:extLst>
+                  <a:ext uri="{FF2B5EF4-FFF2-40B4-BE49-F238E27FC236}">
+                    <a16:creationId xmlns:a16="http://schemas.microsoft.com/office/drawing/2014/main" id="{20359B42-7128-9343-BD51-F0349F14507F}"/>
+                  </a:ext>
+                </a:extLst>
+              </p14:cNvPr>
+              <p14:cNvContentPartPr/>
+              <p14:nvPr/>
+            </p14:nvContentPartPr>
+            <p14:xfrm>
+              <a:off x="2506780" y="3262020"/>
+              <a:ext cx="7039080" cy="1251000"/>
+            </p14:xfrm>
+          </p:contentPart>
+        </mc:Choice>
+        <mc:Fallback xmlns="">
+          <p:pic>
+            <p:nvPicPr>
+              <p:cNvPr id="60" name="Ink 59">
+                <a:extLst>
+                  <a:ext uri="{FF2B5EF4-FFF2-40B4-BE49-F238E27FC236}">
+                    <a16:creationId xmlns:a16="http://schemas.microsoft.com/office/drawing/2014/main" id="{20359B42-7128-9343-BD51-F0349F14507F}"/>
+                  </a:ext>
+                </a:extLst>
+              </p:cNvPr>
+              <p:cNvPicPr/>
+              <p:nvPr/>
+            </p:nvPicPr>
+            <p:blipFill>
+              <a:blip r:embed="rId12"/>
+              <a:stretch>
+                <a:fillRect/>
+              </a:stretch>
+            </p:blipFill>
+            <p:spPr>
+              <a:xfrm>
+                <a:off x="2443780" y="3199380"/>
+                <a:ext cx="7164720" cy="1376640"/>
+              </a:xfrm>
+              <a:prstGeom prst="rect">
+                <a:avLst/>
+              </a:prstGeom>
+            </p:spPr>
+          </p:pic>
+        </mc:Fallback>
+      </mc:AlternateContent>
+      <mc:AlternateContent xmlns:mc="http://schemas.openxmlformats.org/markup-compatibility/2006" xmlns:p14="http://schemas.microsoft.com/office/powerpoint/2010/main">
+        <mc:Choice Requires="p14">
+          <p:contentPart p14:bwMode="auto" r:id="rId13">
+            <p14:nvContentPartPr>
+              <p14:cNvPr id="61" name="Ink 60">
+                <a:extLst>
+                  <a:ext uri="{FF2B5EF4-FFF2-40B4-BE49-F238E27FC236}">
+                    <a16:creationId xmlns:a16="http://schemas.microsoft.com/office/drawing/2014/main" id="{06811654-D408-2840-BA34-602263E48EDD}"/>
+                  </a:ext>
+                </a:extLst>
+              </p14:cNvPr>
+              <p14:cNvContentPartPr/>
+              <p14:nvPr/>
+            </p14:nvContentPartPr>
+            <p14:xfrm>
+              <a:off x="2485540" y="4607700"/>
+              <a:ext cx="7137720" cy="1715400"/>
+            </p14:xfrm>
+          </p:contentPart>
+        </mc:Choice>
+        <mc:Fallback xmlns="">
+          <p:pic>
+            <p:nvPicPr>
+              <p:cNvPr id="61" name="Ink 60">
+                <a:extLst>
+                  <a:ext uri="{FF2B5EF4-FFF2-40B4-BE49-F238E27FC236}">
+                    <a16:creationId xmlns:a16="http://schemas.microsoft.com/office/drawing/2014/main" id="{06811654-D408-2840-BA34-602263E48EDD}"/>
+                  </a:ext>
+                </a:extLst>
+              </p:cNvPr>
+              <p:cNvPicPr/>
+              <p:nvPr/>
+            </p:nvPicPr>
+            <p:blipFill>
+              <a:blip r:embed="rId14"/>
+              <a:stretch>
+                <a:fillRect/>
+              </a:stretch>
+            </p:blipFill>
+            <p:spPr>
+              <a:xfrm>
+                <a:off x="2431540" y="4499700"/>
+                <a:ext cx="7245360" cy="1931040"/>
+              </a:xfrm>
+              <a:prstGeom prst="rect">
+                <a:avLst/>
+              </a:prstGeom>
+            </p:spPr>
+          </p:pic>
+        </mc:Fallback>
+      </mc:AlternateContent>
+      <mc:AlternateContent xmlns:mc="http://schemas.openxmlformats.org/markup-compatibility/2006" xmlns:p14="http://schemas.microsoft.com/office/powerpoint/2010/main">
+        <mc:Choice Requires="p14">
+          <p:contentPart p14:bwMode="auto" r:id="rId15">
+            <p14:nvContentPartPr>
+              <p14:cNvPr id="62" name="Ink 61">
+                <a:extLst>
+                  <a:ext uri="{FF2B5EF4-FFF2-40B4-BE49-F238E27FC236}">
+                    <a16:creationId xmlns:a16="http://schemas.microsoft.com/office/drawing/2014/main" id="{32093B23-3EB8-6848-9E1A-708DDB32FE7E}"/>
+                  </a:ext>
+                </a:extLst>
+              </p14:cNvPr>
+              <p14:cNvContentPartPr/>
+              <p14:nvPr/>
+            </p14:nvContentPartPr>
+            <p14:xfrm>
+              <a:off x="1637380" y="2956740"/>
+              <a:ext cx="1073160" cy="1024920"/>
+            </p14:xfrm>
+          </p:contentPart>
+        </mc:Choice>
+        <mc:Fallback xmlns="">
+          <p:pic>
+            <p:nvPicPr>
+              <p:cNvPr id="62" name="Ink 61">
+                <a:extLst>
+                  <a:ext uri="{FF2B5EF4-FFF2-40B4-BE49-F238E27FC236}">
+                    <a16:creationId xmlns:a16="http://schemas.microsoft.com/office/drawing/2014/main" id="{32093B23-3EB8-6848-9E1A-708DDB32FE7E}"/>
+                  </a:ext>
+                </a:extLst>
+              </p:cNvPr>
+              <p:cNvPicPr/>
+              <p:nvPr/>
+            </p:nvPicPr>
+            <p:blipFill>
+              <a:blip r:embed="rId16"/>
+              <a:stretch>
+                <a:fillRect/>
+              </a:stretch>
+            </p:blipFill>
+            <p:spPr>
+              <a:xfrm>
+                <a:off x="1628380" y="2947740"/>
+                <a:ext cx="1090800" cy="1042560"/>
+              </a:xfrm>
+              <a:prstGeom prst="rect">
+                <a:avLst/>
+              </a:prstGeom>
+            </p:spPr>
+          </p:pic>
+        </mc:Fallback>
+      </mc:AlternateContent>
+      <mc:AlternateContent xmlns:mc="http://schemas.openxmlformats.org/markup-compatibility/2006" xmlns:p14="http://schemas.microsoft.com/office/powerpoint/2010/main">
+        <mc:Choice Requires="p14">
+          <p:contentPart p14:bwMode="auto" r:id="rId17">
+            <p14:nvContentPartPr>
+              <p14:cNvPr id="63" name="Ink 62">
+                <a:extLst>
+                  <a:ext uri="{FF2B5EF4-FFF2-40B4-BE49-F238E27FC236}">
+                    <a16:creationId xmlns:a16="http://schemas.microsoft.com/office/drawing/2014/main" id="{3DE88565-CB27-354F-B315-51398F15CBF7}"/>
+                  </a:ext>
+                </a:extLst>
+              </p14:cNvPr>
+              <p14:cNvContentPartPr/>
+              <p14:nvPr/>
+            </p14:nvContentPartPr>
+            <p14:xfrm>
+              <a:off x="1463860" y="2985180"/>
+              <a:ext cx="1330200" cy="2282040"/>
+            </p14:xfrm>
+          </p:contentPart>
+        </mc:Choice>
+        <mc:Fallback xmlns="">
+          <p:pic>
+            <p:nvPicPr>
+              <p:cNvPr id="63" name="Ink 62">
+                <a:extLst>
+                  <a:ext uri="{FF2B5EF4-FFF2-40B4-BE49-F238E27FC236}">
+                    <a16:creationId xmlns:a16="http://schemas.microsoft.com/office/drawing/2014/main" id="{3DE88565-CB27-354F-B315-51398F15CBF7}"/>
+                  </a:ext>
+                </a:extLst>
+              </p:cNvPr>
+              <p:cNvPicPr/>
+              <p:nvPr/>
+            </p:nvPicPr>
+            <p:blipFill>
+              <a:blip r:embed="rId18"/>
+              <a:stretch>
+                <a:fillRect/>
+              </a:stretch>
+            </p:blipFill>
+            <p:spPr>
+              <a:xfrm>
+                <a:off x="1455220" y="2976540"/>
+                <a:ext cx="1347840" cy="2299680"/>
+              </a:xfrm>
+              <a:prstGeom prst="rect">
+                <a:avLst/>
+              </a:prstGeom>
+            </p:spPr>
+          </p:pic>
+        </mc:Fallback>
+      </mc:AlternateContent>
+      <p:grpSp>
+        <p:nvGrpSpPr>
+          <p:cNvPr id="76" name="Group 75">
+            <a:extLst>
+              <a:ext uri="{FF2B5EF4-FFF2-40B4-BE49-F238E27FC236}">
+                <a16:creationId xmlns:a16="http://schemas.microsoft.com/office/drawing/2014/main" id="{0D0C69DA-1CF5-3A41-BFDE-769118264C17}"/>
+              </a:ext>
+            </a:extLst>
+          </p:cNvPr>
+          <p:cNvGrpSpPr/>
+          <p:nvPr/>
+        </p:nvGrpSpPr>
+        <p:grpSpPr>
+          <a:xfrm>
+            <a:off x="4917700" y="4267500"/>
+            <a:ext cx="245880" cy="741960"/>
+            <a:chOff x="4917700" y="4267500"/>
+            <a:chExt cx="245880" cy="741960"/>
+          </a:xfrm>
+        </p:grpSpPr>
+        <mc:AlternateContent xmlns:mc="http://schemas.openxmlformats.org/markup-compatibility/2006" xmlns:p14="http://schemas.microsoft.com/office/powerpoint/2010/main">
+          <mc:Choice Requires="p14">
+            <p:contentPart p14:bwMode="auto" r:id="rId19">
+              <p14:nvContentPartPr>
+                <p14:cNvPr id="74" name="Ink 73">
+                  <a:extLst>
+                    <a:ext uri="{FF2B5EF4-FFF2-40B4-BE49-F238E27FC236}">
+                      <a16:creationId xmlns:a16="http://schemas.microsoft.com/office/drawing/2014/main" id="{72978341-FF56-A343-BDC5-4623390103E2}"/>
+                    </a:ext>
+                  </a:extLst>
+                </p14:cNvPr>
+                <p14:cNvContentPartPr/>
+                <p14:nvPr/>
+              </p14:nvContentPartPr>
+              <p14:xfrm>
+                <a:off x="5054500" y="4267500"/>
+                <a:ext cx="360" cy="672840"/>
+              </p14:xfrm>
+            </p:contentPart>
+          </mc:Choice>
+          <mc:Fallback xmlns="">
+            <p:pic>
+              <p:nvPicPr>
+                <p:cNvPr id="74" name="Ink 73">
+                  <a:extLst>
+                    <a:ext uri="{FF2B5EF4-FFF2-40B4-BE49-F238E27FC236}">
+                      <a16:creationId xmlns:a16="http://schemas.microsoft.com/office/drawing/2014/main" id="{72978341-FF56-A343-BDC5-4623390103E2}"/>
+                    </a:ext>
+                  </a:extLst>
+                </p:cNvPr>
+                <p:cNvPicPr/>
+                <p:nvPr/>
+              </p:nvPicPr>
+              <p:blipFill>
+                <a:blip r:embed="rId20"/>
+                <a:stretch>
+                  <a:fillRect/>
+                </a:stretch>
+              </p:blipFill>
+              <p:spPr>
+                <a:xfrm>
+                  <a:off x="5045860" y="4258500"/>
+                  <a:ext cx="18000" cy="690480"/>
+                </a:xfrm>
+                <a:prstGeom prst="rect">
+                  <a:avLst/>
+                </a:prstGeom>
+              </p:spPr>
+            </p:pic>
+          </mc:Fallback>
+        </mc:AlternateContent>
+        <mc:AlternateContent xmlns:mc="http://schemas.openxmlformats.org/markup-compatibility/2006" xmlns:p14="http://schemas.microsoft.com/office/powerpoint/2010/main">
+          <mc:Choice Requires="p14">
+            <p:contentPart p14:bwMode="auto" r:id="rId21">
+              <p14:nvContentPartPr>
+                <p14:cNvPr id="75" name="Ink 74">
+                  <a:extLst>
+                    <a:ext uri="{FF2B5EF4-FFF2-40B4-BE49-F238E27FC236}">
+                      <a16:creationId xmlns:a16="http://schemas.microsoft.com/office/drawing/2014/main" id="{6497E282-5869-4143-BD98-B38824E54316}"/>
+                    </a:ext>
+                  </a:extLst>
+                </p14:cNvPr>
+                <p14:cNvContentPartPr/>
+                <p14:nvPr/>
+              </p14:nvContentPartPr>
+              <p14:xfrm>
+                <a:off x="4917700" y="4825140"/>
+                <a:ext cx="245880" cy="184320"/>
+              </p14:xfrm>
+            </p:contentPart>
+          </mc:Choice>
+          <mc:Fallback xmlns="">
+            <p:pic>
+              <p:nvPicPr>
+                <p:cNvPr id="75" name="Ink 74">
+                  <a:extLst>
+                    <a:ext uri="{FF2B5EF4-FFF2-40B4-BE49-F238E27FC236}">
+                      <a16:creationId xmlns:a16="http://schemas.microsoft.com/office/drawing/2014/main" id="{6497E282-5869-4143-BD98-B38824E54316}"/>
+                    </a:ext>
+                  </a:extLst>
+                </p:cNvPr>
+                <p:cNvPicPr/>
+                <p:nvPr/>
+              </p:nvPicPr>
+              <p:blipFill>
+                <a:blip r:embed="rId22"/>
+                <a:stretch>
+                  <a:fillRect/>
+                </a:stretch>
+              </p:blipFill>
+              <p:spPr>
+                <a:xfrm>
+                  <a:off x="4908700" y="4816500"/>
+                  <a:ext cx="263520" cy="201960"/>
+                </a:xfrm>
+                <a:prstGeom prst="rect">
+                  <a:avLst/>
+                </a:prstGeom>
+              </p:spPr>
+            </p:pic>
+          </mc:Fallback>
+        </mc:AlternateContent>
+      </p:grpSp>
+      <mc:AlternateContent xmlns:mc="http://schemas.openxmlformats.org/markup-compatibility/2006" xmlns:p14="http://schemas.microsoft.com/office/powerpoint/2010/main">
+        <mc:Choice Requires="p14">
+          <p:contentPart p14:bwMode="auto" r:id="rId23">
+            <p14:nvContentPartPr>
+              <p14:cNvPr id="64" name="Ink 63">
+                <a:extLst>
+                  <a:ext uri="{FF2B5EF4-FFF2-40B4-BE49-F238E27FC236}">
+                    <a16:creationId xmlns:a16="http://schemas.microsoft.com/office/drawing/2014/main" id="{4B23010B-0735-D74D-9FD0-B4085E82ADA4}"/>
+                  </a:ext>
+                </a:extLst>
+              </p14:cNvPr>
+              <p14:cNvContentPartPr/>
+              <p14:nvPr/>
+            </p14:nvContentPartPr>
+            <p14:xfrm>
+              <a:off x="3429820" y="3971220"/>
+              <a:ext cx="1193760" cy="8640"/>
+            </p14:xfrm>
+          </p:contentPart>
+        </mc:Choice>
+        <mc:Fallback xmlns="">
+          <p:pic>
+            <p:nvPicPr>
+              <p:cNvPr id="64" name="Ink 63">
+                <a:extLst>
+                  <a:ext uri="{FF2B5EF4-FFF2-40B4-BE49-F238E27FC236}">
+                    <a16:creationId xmlns:a16="http://schemas.microsoft.com/office/drawing/2014/main" id="{4B23010B-0735-D74D-9FD0-B4085E82ADA4}"/>
+                  </a:ext>
+                </a:extLst>
+              </p:cNvPr>
+              <p:cNvPicPr/>
+              <p:nvPr/>
+            </p:nvPicPr>
+            <p:blipFill>
+              <a:blip r:embed="rId24"/>
+              <a:stretch>
+                <a:fillRect/>
+              </a:stretch>
+            </p:blipFill>
+            <p:spPr>
+              <a:xfrm>
+                <a:off x="3420820" y="3962580"/>
+                <a:ext cx="1211400" cy="26280"/>
+              </a:xfrm>
+              <a:prstGeom prst="rect">
+                <a:avLst/>
+              </a:prstGeom>
+            </p:spPr>
+          </p:pic>
+        </mc:Fallback>
+      </mc:AlternateContent>
+      <mc:AlternateContent xmlns:mc="http://schemas.openxmlformats.org/markup-compatibility/2006" xmlns:p14="http://schemas.microsoft.com/office/powerpoint/2010/main">
+        <mc:Choice Requires="p14">
+          <p:contentPart p14:bwMode="auto" r:id="rId25">
+            <p14:nvContentPartPr>
+              <p14:cNvPr id="77" name="Ink 76">
+                <a:extLst>
+                  <a:ext uri="{FF2B5EF4-FFF2-40B4-BE49-F238E27FC236}">
+                    <a16:creationId xmlns:a16="http://schemas.microsoft.com/office/drawing/2014/main" id="{A5FB6A2F-98D8-9D49-B3A3-4B06266165B2}"/>
+                  </a:ext>
+                </a:extLst>
+              </p14:cNvPr>
+              <p14:cNvContentPartPr/>
+              <p14:nvPr/>
+            </p14:nvContentPartPr>
+            <p14:xfrm>
+              <a:off x="4535740" y="3943140"/>
+              <a:ext cx="159120" cy="162000"/>
+            </p14:xfrm>
+          </p:contentPart>
+        </mc:Choice>
+        <mc:Fallback xmlns="">
+          <p:pic>
+            <p:nvPicPr>
+              <p:cNvPr id="77" name="Ink 76">
+                <a:extLst>
+                  <a:ext uri="{FF2B5EF4-FFF2-40B4-BE49-F238E27FC236}">
+                    <a16:creationId xmlns:a16="http://schemas.microsoft.com/office/drawing/2014/main" id="{A5FB6A2F-98D8-9D49-B3A3-4B06266165B2}"/>
+                  </a:ext>
+                </a:extLst>
+              </p:cNvPr>
+              <p:cNvPicPr/>
+              <p:nvPr/>
+            </p:nvPicPr>
+            <p:blipFill>
+              <a:blip r:embed="rId26"/>
+              <a:stretch>
+                <a:fillRect/>
+              </a:stretch>
+            </p:blipFill>
+            <p:spPr>
+              <a:xfrm>
+                <a:off x="4527100" y="3934500"/>
+                <a:ext cx="176760" cy="179640"/>
+              </a:xfrm>
+              <a:prstGeom prst="rect">
+                <a:avLst/>
+              </a:prstGeom>
+            </p:spPr>
+          </p:pic>
+        </mc:Fallback>
+      </mc:AlternateContent>
+      <mc:AlternateContent xmlns:mc="http://schemas.openxmlformats.org/markup-compatibility/2006" xmlns:p14="http://schemas.microsoft.com/office/powerpoint/2010/main">
+        <mc:Choice Requires="p14">
+          <p:contentPart p14:bwMode="auto" r:id="rId27">
+            <p14:nvContentPartPr>
+              <p14:cNvPr id="69" name="Ink 68">
+                <a:extLst>
+                  <a:ext uri="{FF2B5EF4-FFF2-40B4-BE49-F238E27FC236}">
+                    <a16:creationId xmlns:a16="http://schemas.microsoft.com/office/drawing/2014/main" id="{E094F745-7F86-5646-BFEB-29E77C5E9996}"/>
+                  </a:ext>
+                </a:extLst>
+              </p14:cNvPr>
+              <p14:cNvContentPartPr/>
+              <p14:nvPr/>
+            </p14:nvContentPartPr>
+            <p14:xfrm>
+              <a:off x="3474460" y="5323740"/>
+              <a:ext cx="1150920" cy="24120"/>
+            </p14:xfrm>
+          </p:contentPart>
+        </mc:Choice>
+        <mc:Fallback xmlns="">
+          <p:pic>
+            <p:nvPicPr>
+              <p:cNvPr id="69" name="Ink 68">
+                <a:extLst>
+                  <a:ext uri="{FF2B5EF4-FFF2-40B4-BE49-F238E27FC236}">
+                    <a16:creationId xmlns:a16="http://schemas.microsoft.com/office/drawing/2014/main" id="{E094F745-7F86-5646-BFEB-29E77C5E9996}"/>
+                  </a:ext>
+                </a:extLst>
+              </p:cNvPr>
+              <p:cNvPicPr/>
+              <p:nvPr/>
+            </p:nvPicPr>
+            <p:blipFill>
+              <a:blip r:embed="rId28"/>
+              <a:stretch>
+                <a:fillRect/>
+              </a:stretch>
+            </p:blipFill>
+            <p:spPr>
+              <a:xfrm>
+                <a:off x="3465820" y="5314740"/>
+                <a:ext cx="1168560" cy="41760"/>
+              </a:xfrm>
+              <a:prstGeom prst="rect">
+                <a:avLst/>
+              </a:prstGeom>
+            </p:spPr>
+          </p:pic>
+        </mc:Fallback>
+      </mc:AlternateContent>
+      <mc:AlternateContent xmlns:mc="http://schemas.openxmlformats.org/markup-compatibility/2006" xmlns:p14="http://schemas.microsoft.com/office/powerpoint/2010/main">
+        <mc:Choice Requires="p14">
+          <p:contentPart p14:bwMode="auto" r:id="rId29">
+            <p14:nvContentPartPr>
+              <p14:cNvPr id="79" name="Ink 78">
+                <a:extLst>
+                  <a:ext uri="{FF2B5EF4-FFF2-40B4-BE49-F238E27FC236}">
+                    <a16:creationId xmlns:a16="http://schemas.microsoft.com/office/drawing/2014/main" id="{A4ABE310-CB25-E644-AF2F-0C84707A93C9}"/>
+                  </a:ext>
+                </a:extLst>
+              </p14:cNvPr>
+              <p14:cNvContentPartPr/>
+              <p14:nvPr/>
+            </p14:nvContentPartPr>
+            <p14:xfrm>
+              <a:off x="4526740" y="5249580"/>
+              <a:ext cx="124920" cy="185760"/>
+            </p14:xfrm>
+          </p:contentPart>
+        </mc:Choice>
+        <mc:Fallback xmlns="">
+          <p:pic>
+            <p:nvPicPr>
+              <p:cNvPr id="79" name="Ink 78">
+                <a:extLst>
+                  <a:ext uri="{FF2B5EF4-FFF2-40B4-BE49-F238E27FC236}">
+                    <a16:creationId xmlns:a16="http://schemas.microsoft.com/office/drawing/2014/main" id="{A4ABE310-CB25-E644-AF2F-0C84707A93C9}"/>
+                  </a:ext>
+                </a:extLst>
+              </p:cNvPr>
+              <p:cNvPicPr/>
+              <p:nvPr/>
+            </p:nvPicPr>
+            <p:blipFill>
+              <a:blip r:embed="rId30"/>
+              <a:stretch>
+                <a:fillRect/>
+              </a:stretch>
+            </p:blipFill>
+            <p:spPr>
+              <a:xfrm>
+                <a:off x="4517740" y="5240940"/>
+                <a:ext cx="142560" cy="203400"/>
+              </a:xfrm>
+              <a:prstGeom prst="rect">
+                <a:avLst/>
+              </a:prstGeom>
+            </p:spPr>
+          </p:pic>
+        </mc:Fallback>
+      </mc:AlternateContent>
+      <p:grpSp>
+        <p:nvGrpSpPr>
+          <p:cNvPr id="82" name="Group 81">
+            <a:extLst>
+              <a:ext uri="{FF2B5EF4-FFF2-40B4-BE49-F238E27FC236}">
+                <a16:creationId xmlns:a16="http://schemas.microsoft.com/office/drawing/2014/main" id="{A7D59355-7FA9-AF49-9555-A5ABCCB3F093}"/>
+              </a:ext>
+            </a:extLst>
+          </p:cNvPr>
+          <p:cNvGrpSpPr/>
+          <p:nvPr/>
+        </p:nvGrpSpPr>
+        <p:grpSpPr>
+          <a:xfrm>
+            <a:off x="5474260" y="3865740"/>
+            <a:ext cx="3122640" cy="246600"/>
+            <a:chOff x="5474260" y="3865740"/>
+            <a:chExt cx="3122640" cy="246600"/>
+          </a:xfrm>
+        </p:grpSpPr>
+        <mc:AlternateContent xmlns:mc="http://schemas.openxmlformats.org/markup-compatibility/2006" xmlns:p14="http://schemas.microsoft.com/office/powerpoint/2010/main">
+          <mc:Choice Requires="p14">
+            <p:contentPart p14:bwMode="auto" r:id="rId31">
+              <p14:nvContentPartPr>
+                <p14:cNvPr id="65" name="Ink 64">
+                  <a:extLst>
+                    <a:ext uri="{FF2B5EF4-FFF2-40B4-BE49-F238E27FC236}">
+                      <a16:creationId xmlns:a16="http://schemas.microsoft.com/office/drawing/2014/main" id="{CE794793-D978-5949-803A-6E0554A16195}"/>
+                    </a:ext>
+                  </a:extLst>
+                </p14:cNvPr>
+                <p14:cNvContentPartPr/>
+                <p14:nvPr/>
+              </p14:nvContentPartPr>
+              <p14:xfrm>
+                <a:off x="5474260" y="3934140"/>
+                <a:ext cx="1116720" cy="19440"/>
+              </p14:xfrm>
+            </p:contentPart>
+          </mc:Choice>
+          <mc:Fallback xmlns="">
+            <p:pic>
+              <p:nvPicPr>
+                <p:cNvPr id="65" name="Ink 64">
+                  <a:extLst>
+                    <a:ext uri="{FF2B5EF4-FFF2-40B4-BE49-F238E27FC236}">
+                      <a16:creationId xmlns:a16="http://schemas.microsoft.com/office/drawing/2014/main" id="{CE794793-D978-5949-803A-6E0554A16195}"/>
+                    </a:ext>
+                  </a:extLst>
+                </p:cNvPr>
+                <p:cNvPicPr/>
+                <p:nvPr/>
+              </p:nvPicPr>
+              <p:blipFill>
+                <a:blip r:embed="rId32"/>
+                <a:stretch>
+                  <a:fillRect/>
+                </a:stretch>
+              </p:blipFill>
+              <p:spPr>
+                <a:xfrm>
+                  <a:off x="5465620" y="3925500"/>
+                  <a:ext cx="1134360" cy="37080"/>
+                </a:xfrm>
+                <a:prstGeom prst="rect">
+                  <a:avLst/>
+                </a:prstGeom>
+              </p:spPr>
+            </p:pic>
+          </mc:Fallback>
+        </mc:AlternateContent>
+        <mc:AlternateContent xmlns:mc="http://schemas.openxmlformats.org/markup-compatibility/2006" xmlns:p14="http://schemas.microsoft.com/office/powerpoint/2010/main">
+          <mc:Choice Requires="p14">
+            <p:contentPart p14:bwMode="auto" r:id="rId33">
+              <p14:nvContentPartPr>
+                <p14:cNvPr id="67" name="Ink 66">
+                  <a:extLst>
+                    <a:ext uri="{FF2B5EF4-FFF2-40B4-BE49-F238E27FC236}">
+                      <a16:creationId xmlns:a16="http://schemas.microsoft.com/office/drawing/2014/main" id="{C332AA6D-C153-6047-B809-D78960AD6A03}"/>
+                    </a:ext>
+                  </a:extLst>
+                </p14:cNvPr>
+                <p14:cNvContentPartPr/>
+                <p14:nvPr/>
+              </p14:nvContentPartPr>
+              <p14:xfrm>
+                <a:off x="7401340" y="3914700"/>
+                <a:ext cx="1195560" cy="16560"/>
+              </p14:xfrm>
+            </p:contentPart>
+          </mc:Choice>
+          <mc:Fallback xmlns="">
+            <p:pic>
+              <p:nvPicPr>
+                <p:cNvPr id="67" name="Ink 66">
+                  <a:extLst>
+                    <a:ext uri="{FF2B5EF4-FFF2-40B4-BE49-F238E27FC236}">
+                      <a16:creationId xmlns:a16="http://schemas.microsoft.com/office/drawing/2014/main" id="{C332AA6D-C153-6047-B809-D78960AD6A03}"/>
+                    </a:ext>
+                  </a:extLst>
+                </p:cNvPr>
+                <p:cNvPicPr/>
+                <p:nvPr/>
+              </p:nvPicPr>
+              <p:blipFill>
+                <a:blip r:embed="rId34"/>
+                <a:stretch>
+                  <a:fillRect/>
+                </a:stretch>
+              </p:blipFill>
+              <p:spPr>
+                <a:xfrm>
+                  <a:off x="7392340" y="3905700"/>
+                  <a:ext cx="1213200" cy="34200"/>
+                </a:xfrm>
+                <a:prstGeom prst="rect">
+                  <a:avLst/>
+                </a:prstGeom>
+              </p:spPr>
+            </p:pic>
+          </mc:Fallback>
+        </mc:AlternateContent>
+        <mc:AlternateContent xmlns:mc="http://schemas.openxmlformats.org/markup-compatibility/2006" xmlns:p14="http://schemas.microsoft.com/office/powerpoint/2010/main">
+          <mc:Choice Requires="p14">
+            <p:contentPart p14:bwMode="auto" r:id="rId35">
+              <p14:nvContentPartPr>
+                <p14:cNvPr id="81" name="Ink 80">
+                  <a:extLst>
+                    <a:ext uri="{FF2B5EF4-FFF2-40B4-BE49-F238E27FC236}">
+                      <a16:creationId xmlns:a16="http://schemas.microsoft.com/office/drawing/2014/main" id="{75026A98-5E4B-B845-9EEB-91638DEB0238}"/>
+                    </a:ext>
+                  </a:extLst>
+                </p14:cNvPr>
+                <p14:cNvContentPartPr/>
+                <p14:nvPr/>
+              </p14:nvContentPartPr>
+              <p14:xfrm>
+                <a:off x="6441580" y="3865740"/>
+                <a:ext cx="210600" cy="246600"/>
+              </p14:xfrm>
+            </p:contentPart>
+          </mc:Choice>
+          <mc:Fallback xmlns="">
+            <p:pic>
+              <p:nvPicPr>
+                <p:cNvPr id="81" name="Ink 80">
+                  <a:extLst>
+                    <a:ext uri="{FF2B5EF4-FFF2-40B4-BE49-F238E27FC236}">
+                      <a16:creationId xmlns:a16="http://schemas.microsoft.com/office/drawing/2014/main" id="{75026A98-5E4B-B845-9EEB-91638DEB0238}"/>
+                    </a:ext>
+                  </a:extLst>
+                </p:cNvPr>
+                <p:cNvPicPr/>
+                <p:nvPr/>
+              </p:nvPicPr>
+              <p:blipFill>
+                <a:blip r:embed="rId36"/>
+                <a:stretch>
+                  <a:fillRect/>
+                </a:stretch>
+              </p:blipFill>
+              <p:spPr>
+                <a:xfrm>
+                  <a:off x="6432940" y="3857100"/>
+                  <a:ext cx="228240" cy="264240"/>
+                </a:xfrm>
+                <a:prstGeom prst="rect">
+                  <a:avLst/>
+                </a:prstGeom>
+              </p:spPr>
+            </p:pic>
+          </mc:Fallback>
+        </mc:AlternateContent>
+      </p:grpSp>
+      <p:grpSp>
+        <p:nvGrpSpPr>
+          <p:cNvPr id="84" name="Group 83">
+            <a:extLst>
+              <a:ext uri="{FF2B5EF4-FFF2-40B4-BE49-F238E27FC236}">
+                <a16:creationId xmlns:a16="http://schemas.microsoft.com/office/drawing/2014/main" id="{70B05E4F-9988-9142-BAD0-F43058608A62}"/>
+              </a:ext>
+            </a:extLst>
+          </p:cNvPr>
+          <p:cNvGrpSpPr/>
+          <p:nvPr/>
+        </p:nvGrpSpPr>
+        <p:grpSpPr>
+          <a:xfrm>
+            <a:off x="5427100" y="5205300"/>
+            <a:ext cx="3269880" cy="401400"/>
+            <a:chOff x="5427100" y="5205300"/>
+            <a:chExt cx="3269880" cy="401400"/>
+          </a:xfrm>
+        </p:grpSpPr>
+        <mc:AlternateContent xmlns:mc="http://schemas.openxmlformats.org/markup-compatibility/2006" xmlns:p14="http://schemas.microsoft.com/office/powerpoint/2010/main">
+          <mc:Choice Requires="p14">
+            <p:contentPart p14:bwMode="auto" r:id="rId37">
+              <p14:nvContentPartPr>
+                <p14:cNvPr id="70" name="Ink 69">
+                  <a:extLst>
+                    <a:ext uri="{FF2B5EF4-FFF2-40B4-BE49-F238E27FC236}">
+                      <a16:creationId xmlns:a16="http://schemas.microsoft.com/office/drawing/2014/main" id="{9341C61E-F292-9D47-9D77-AD0B68D1EB66}"/>
+                    </a:ext>
+                  </a:extLst>
+                </p14:cNvPr>
+                <p14:cNvContentPartPr/>
+                <p14:nvPr/>
+              </p14:nvContentPartPr>
+              <p14:xfrm>
+                <a:off x="5427100" y="5299620"/>
+                <a:ext cx="1260360" cy="5040"/>
+              </p14:xfrm>
+            </p:contentPart>
+          </mc:Choice>
+          <mc:Fallback xmlns="">
+            <p:pic>
+              <p:nvPicPr>
+                <p:cNvPr id="70" name="Ink 69">
+                  <a:extLst>
+                    <a:ext uri="{FF2B5EF4-FFF2-40B4-BE49-F238E27FC236}">
+                      <a16:creationId xmlns:a16="http://schemas.microsoft.com/office/drawing/2014/main" id="{9341C61E-F292-9D47-9D77-AD0B68D1EB66}"/>
+                    </a:ext>
+                  </a:extLst>
+                </p:cNvPr>
+                <p:cNvPicPr/>
+                <p:nvPr/>
+              </p:nvPicPr>
+              <p:blipFill>
+                <a:blip r:embed="rId38"/>
+                <a:stretch>
+                  <a:fillRect/>
+                </a:stretch>
+              </p:blipFill>
+              <p:spPr>
+                <a:xfrm>
+                  <a:off x="5418100" y="5290620"/>
+                  <a:ext cx="1278000" cy="22680"/>
+                </a:xfrm>
+                <a:prstGeom prst="rect">
+                  <a:avLst/>
+                </a:prstGeom>
+              </p:spPr>
+            </p:pic>
+          </mc:Fallback>
+        </mc:AlternateContent>
+        <mc:AlternateContent xmlns:mc="http://schemas.openxmlformats.org/markup-compatibility/2006" xmlns:p14="http://schemas.microsoft.com/office/powerpoint/2010/main">
+          <mc:Choice Requires="p14">
+            <p:contentPart p14:bwMode="auto" r:id="rId39">
+              <p14:nvContentPartPr>
+                <p14:cNvPr id="72" name="Ink 71">
+                  <a:extLst>
+                    <a:ext uri="{FF2B5EF4-FFF2-40B4-BE49-F238E27FC236}">
+                      <a16:creationId xmlns:a16="http://schemas.microsoft.com/office/drawing/2014/main" id="{8860572C-FF5E-7342-80C1-6453F107D393}"/>
+                    </a:ext>
+                  </a:extLst>
+                </p14:cNvPr>
+                <p14:cNvContentPartPr/>
+                <p14:nvPr/>
+              </p14:nvContentPartPr>
+              <p14:xfrm>
+                <a:off x="7396660" y="5302860"/>
+                <a:ext cx="1300320" cy="35640"/>
+              </p14:xfrm>
+            </p:contentPart>
+          </mc:Choice>
+          <mc:Fallback xmlns="">
+            <p:pic>
+              <p:nvPicPr>
+                <p:cNvPr id="72" name="Ink 71">
+                  <a:extLst>
+                    <a:ext uri="{FF2B5EF4-FFF2-40B4-BE49-F238E27FC236}">
+                      <a16:creationId xmlns:a16="http://schemas.microsoft.com/office/drawing/2014/main" id="{8860572C-FF5E-7342-80C1-6453F107D393}"/>
+                    </a:ext>
+                  </a:extLst>
+                </p:cNvPr>
+                <p:cNvPicPr/>
+                <p:nvPr/>
+              </p:nvPicPr>
+              <p:blipFill>
+                <a:blip r:embed="rId40"/>
+                <a:stretch>
+                  <a:fillRect/>
+                </a:stretch>
+              </p:blipFill>
+              <p:spPr>
+                <a:xfrm>
+                  <a:off x="7387660" y="5293860"/>
+                  <a:ext cx="1317960" cy="53280"/>
+                </a:xfrm>
+                <a:prstGeom prst="rect">
+                  <a:avLst/>
+                </a:prstGeom>
+              </p:spPr>
+            </p:pic>
+          </mc:Fallback>
+        </mc:AlternateContent>
+        <mc:AlternateContent xmlns:mc="http://schemas.openxmlformats.org/markup-compatibility/2006" xmlns:p14="http://schemas.microsoft.com/office/powerpoint/2010/main">
+          <mc:Choice Requires="p14">
+            <p:contentPart p14:bwMode="auto" r:id="rId41">
+              <p14:nvContentPartPr>
+                <p14:cNvPr id="83" name="Ink 82">
+                  <a:extLst>
+                    <a:ext uri="{FF2B5EF4-FFF2-40B4-BE49-F238E27FC236}">
+                      <a16:creationId xmlns:a16="http://schemas.microsoft.com/office/drawing/2014/main" id="{93E67A0F-2EE5-2244-A3EC-518E413C8883}"/>
+                    </a:ext>
+                  </a:extLst>
+                </p14:cNvPr>
+                <p14:cNvContentPartPr/>
+                <p14:nvPr/>
+              </p14:nvContentPartPr>
+              <p14:xfrm>
+                <a:off x="6390820" y="5205300"/>
+                <a:ext cx="284400" cy="401400"/>
+              </p14:xfrm>
+            </p:contentPart>
+          </mc:Choice>
+          <mc:Fallback xmlns="">
+            <p:pic>
+              <p:nvPicPr>
+                <p:cNvPr id="83" name="Ink 82">
+                  <a:extLst>
+                    <a:ext uri="{FF2B5EF4-FFF2-40B4-BE49-F238E27FC236}">
+                      <a16:creationId xmlns:a16="http://schemas.microsoft.com/office/drawing/2014/main" id="{93E67A0F-2EE5-2244-A3EC-518E413C8883}"/>
+                    </a:ext>
+                  </a:extLst>
+                </p:cNvPr>
+                <p:cNvPicPr/>
+                <p:nvPr/>
+              </p:nvPicPr>
+              <p:blipFill>
+                <a:blip r:embed="rId42"/>
+                <a:stretch>
+                  <a:fillRect/>
+                </a:stretch>
+              </p:blipFill>
+              <p:spPr>
+                <a:xfrm>
+                  <a:off x="6382180" y="5196300"/>
+                  <a:ext cx="302040" cy="419040"/>
+                </a:xfrm>
+                <a:prstGeom prst="rect">
+                  <a:avLst/>
+                </a:prstGeom>
+              </p:spPr>
+            </p:pic>
+          </mc:Fallback>
+        </mc:AlternateContent>
+      </p:grpSp>
+      <mc:AlternateContent xmlns:mc="http://schemas.openxmlformats.org/markup-compatibility/2006" xmlns:p14="http://schemas.microsoft.com/office/powerpoint/2010/main">
+        <mc:Choice Requires="p14">
+          <p:contentPart p14:bwMode="auto" r:id="rId43">
+            <p14:nvContentPartPr>
+              <p14:cNvPr id="85" name="Ink 84">
+                <a:extLst>
+                  <a:ext uri="{FF2B5EF4-FFF2-40B4-BE49-F238E27FC236}">
+                    <a16:creationId xmlns:a16="http://schemas.microsoft.com/office/drawing/2014/main" id="{B5B5B479-BD69-6446-94DD-DFFDE822C03D}"/>
+                  </a:ext>
+                </a:extLst>
+              </p14:cNvPr>
+              <p14:cNvContentPartPr/>
+              <p14:nvPr/>
+            </p14:nvContentPartPr>
+            <p14:xfrm>
+              <a:off x="8306020" y="5235540"/>
+              <a:ext cx="351360" cy="384480"/>
+            </p14:xfrm>
+          </p:contentPart>
+        </mc:Choice>
+        <mc:Fallback xmlns="">
+          <p:pic>
+            <p:nvPicPr>
+              <p:cNvPr id="85" name="Ink 84">
+                <a:extLst>
+                  <a:ext uri="{FF2B5EF4-FFF2-40B4-BE49-F238E27FC236}">
+                    <a16:creationId xmlns:a16="http://schemas.microsoft.com/office/drawing/2014/main" id="{B5B5B479-BD69-6446-94DD-DFFDE822C03D}"/>
+                  </a:ext>
+                </a:extLst>
+              </p:cNvPr>
+              <p:cNvPicPr/>
+              <p:nvPr/>
+            </p:nvPicPr>
+            <p:blipFill>
+              <a:blip r:embed="rId44"/>
+              <a:stretch>
+                <a:fillRect/>
+              </a:stretch>
+            </p:blipFill>
+            <p:spPr>
+              <a:xfrm>
+                <a:off x="8297380" y="5226900"/>
+                <a:ext cx="369000" cy="402120"/>
+              </a:xfrm>
+              <a:prstGeom prst="rect">
+                <a:avLst/>
+              </a:prstGeom>
+            </p:spPr>
+          </p:pic>
+        </mc:Fallback>
+      </mc:AlternateContent>
+      <mc:AlternateContent xmlns:mc="http://schemas.openxmlformats.org/markup-compatibility/2006" xmlns:p14="http://schemas.microsoft.com/office/powerpoint/2010/main">
+        <mc:Choice Requires="p14">
+          <p:contentPart p14:bwMode="auto" r:id="rId45">
+            <p14:nvContentPartPr>
+              <p14:cNvPr id="86" name="Ink 85">
+                <a:extLst>
+                  <a:ext uri="{FF2B5EF4-FFF2-40B4-BE49-F238E27FC236}">
+                    <a16:creationId xmlns:a16="http://schemas.microsoft.com/office/drawing/2014/main" id="{9FF84443-FC15-C84E-BACA-FE204C889EC0}"/>
+                  </a:ext>
+                </a:extLst>
+              </p14:cNvPr>
+              <p14:cNvContentPartPr/>
+              <p14:nvPr/>
+            </p14:nvContentPartPr>
+            <p14:xfrm>
+              <a:off x="8336980" y="3858900"/>
+              <a:ext cx="299520" cy="287640"/>
+            </p14:xfrm>
+          </p:contentPart>
+        </mc:Choice>
+        <mc:Fallback xmlns="">
+          <p:pic>
+            <p:nvPicPr>
+              <p:cNvPr id="86" name="Ink 85">
+                <a:extLst>
+                  <a:ext uri="{FF2B5EF4-FFF2-40B4-BE49-F238E27FC236}">
+                    <a16:creationId xmlns:a16="http://schemas.microsoft.com/office/drawing/2014/main" id="{9FF84443-FC15-C84E-BACA-FE204C889EC0}"/>
+                  </a:ext>
+                </a:extLst>
+              </p:cNvPr>
+              <p:cNvPicPr/>
+              <p:nvPr/>
+            </p:nvPicPr>
+            <p:blipFill>
+              <a:blip r:embed="rId46"/>
+              <a:stretch>
+                <a:fillRect/>
+              </a:stretch>
+            </p:blipFill>
+            <p:spPr>
+              <a:xfrm>
+                <a:off x="8327980" y="3849900"/>
+                <a:ext cx="317160" cy="305280"/>
+              </a:xfrm>
+              <a:prstGeom prst="rect">
+                <a:avLst/>
+              </a:prstGeom>
+            </p:spPr>
+          </p:pic>
+        </mc:Fallback>
+      </mc:AlternateContent>
+      <mc:AlternateContent xmlns:mc="http://schemas.openxmlformats.org/markup-compatibility/2006" xmlns:p14="http://schemas.microsoft.com/office/powerpoint/2010/main">
+        <mc:Choice Requires="p14">
+          <p:contentPart p14:bwMode="auto" r:id="rId47">
+            <p14:nvContentPartPr>
+              <p14:cNvPr id="88" name="Ink 87">
+                <a:extLst>
+                  <a:ext uri="{FF2B5EF4-FFF2-40B4-BE49-F238E27FC236}">
+                    <a16:creationId xmlns:a16="http://schemas.microsoft.com/office/drawing/2014/main" id="{490A1EBF-585E-314B-87CE-95FBD592BDBA}"/>
+                  </a:ext>
+                </a:extLst>
+              </p14:cNvPr>
+              <p14:cNvContentPartPr/>
+              <p14:nvPr/>
+            </p14:nvContentPartPr>
+            <p14:xfrm>
+              <a:off x="2020420" y="2579820"/>
+              <a:ext cx="4910760" cy="1014480"/>
+            </p14:xfrm>
+          </p:contentPart>
+        </mc:Choice>
+        <mc:Fallback xmlns="">
+          <p:pic>
+            <p:nvPicPr>
+              <p:cNvPr id="88" name="Ink 87">
+                <a:extLst>
+                  <a:ext uri="{FF2B5EF4-FFF2-40B4-BE49-F238E27FC236}">
+                    <a16:creationId xmlns:a16="http://schemas.microsoft.com/office/drawing/2014/main" id="{490A1EBF-585E-314B-87CE-95FBD592BDBA}"/>
+                  </a:ext>
+                </a:extLst>
+              </p:cNvPr>
+              <p:cNvPicPr/>
+              <p:nvPr/>
+            </p:nvPicPr>
+            <p:blipFill>
+              <a:blip r:embed="rId48"/>
+              <a:stretch>
+                <a:fillRect/>
+              </a:stretch>
+            </p:blipFill>
+            <p:spPr>
+              <a:xfrm>
+                <a:off x="2011420" y="2570820"/>
+                <a:ext cx="4928400" cy="1032120"/>
+              </a:xfrm>
+              <a:prstGeom prst="rect">
+                <a:avLst/>
+              </a:prstGeom>
+            </p:spPr>
+          </p:pic>
+        </mc:Fallback>
+      </mc:AlternateContent>
+      <mc:AlternateContent xmlns:mc="http://schemas.openxmlformats.org/markup-compatibility/2006" xmlns:p14="http://schemas.microsoft.com/office/powerpoint/2010/main">
+        <mc:Choice Requires="p14">
+          <p:contentPart p14:bwMode="auto" r:id="rId49">
+            <p14:nvContentPartPr>
+              <p14:cNvPr id="89" name="Ink 88">
+                <a:extLst>
+                  <a:ext uri="{FF2B5EF4-FFF2-40B4-BE49-F238E27FC236}">
+                    <a16:creationId xmlns:a16="http://schemas.microsoft.com/office/drawing/2014/main" id="{CFB7FFDD-10CD-2D45-BB5A-8925925BF79B}"/>
+                  </a:ext>
+                </a:extLst>
+              </p14:cNvPr>
+              <p14:cNvContentPartPr/>
+              <p14:nvPr/>
+            </p14:nvContentPartPr>
+            <p14:xfrm>
+              <a:off x="6598900" y="3121260"/>
+              <a:ext cx="433800" cy="450360"/>
+            </p14:xfrm>
+          </p:contentPart>
+        </mc:Choice>
+        <mc:Fallback xmlns="">
+          <p:pic>
+            <p:nvPicPr>
+              <p:cNvPr id="89" name="Ink 88">
+                <a:extLst>
+                  <a:ext uri="{FF2B5EF4-FFF2-40B4-BE49-F238E27FC236}">
+                    <a16:creationId xmlns:a16="http://schemas.microsoft.com/office/drawing/2014/main" id="{CFB7FFDD-10CD-2D45-BB5A-8925925BF79B}"/>
+                  </a:ext>
+                </a:extLst>
+              </p:cNvPr>
+              <p:cNvPicPr/>
+              <p:nvPr/>
+            </p:nvPicPr>
+            <p:blipFill>
+              <a:blip r:embed="rId50"/>
+              <a:stretch>
+                <a:fillRect/>
+              </a:stretch>
+            </p:blipFill>
+            <p:spPr>
+              <a:xfrm>
+                <a:off x="6590260" y="3112260"/>
+                <a:ext cx="451440" cy="468000"/>
+              </a:xfrm>
+              <a:prstGeom prst="rect">
+                <a:avLst/>
+              </a:prstGeom>
+            </p:spPr>
+          </p:pic>
+        </mc:Fallback>
+      </mc:AlternateContent>
     </p:spTree>
     <p:extLst>
       <p:ext uri="{BB962C8B-B14F-4D97-AF65-F5344CB8AC3E}">
@@ -4611,6 +7390,2885 @@
 </file>
 
 <file path=ppt/slides/slide14.xml><?xml version="1.0" encoding="utf-8"?>
+<p:sld xmlns:a="http://schemas.openxmlformats.org/drawingml/2006/main" xmlns:r="http://schemas.openxmlformats.org/officeDocument/2006/relationships" xmlns:p="http://schemas.openxmlformats.org/presentationml/2006/main">
+  <p:cSld>
+    <p:spTree>
+      <p:nvGrpSpPr>
+        <p:cNvPr id="1" name=""/>
+        <p:cNvGrpSpPr/>
+        <p:nvPr/>
+      </p:nvGrpSpPr>
+      <p:grpSpPr>
+        <a:xfrm>
+          <a:off x="0" y="0"/>
+          <a:ext cx="0" cy="0"/>
+          <a:chOff x="0" y="0"/>
+          <a:chExt cx="0" cy="0"/>
+        </a:xfrm>
+      </p:grpSpPr>
+      <mc:AlternateContent xmlns:mc="http://schemas.openxmlformats.org/markup-compatibility/2006">
+        <mc:Choice xmlns:a14="http://schemas.microsoft.com/office/drawing/2010/main" Requires="a14">
+          <p:sp>
+            <p:nvSpPr>
+              <p:cNvPr id="4" name="Oval 3">
+                <a:extLst>
+                  <a:ext uri="{FF2B5EF4-FFF2-40B4-BE49-F238E27FC236}">
+                    <a16:creationId xmlns:a16="http://schemas.microsoft.com/office/drawing/2014/main" id="{8D05FA36-C673-2747-93B7-A4397BA9FD89}"/>
+                  </a:ext>
+                </a:extLst>
+              </p:cNvPr>
+              <p:cNvSpPr/>
+              <p:nvPr/>
+            </p:nvSpPr>
+            <p:spPr>
+              <a:xfrm>
+                <a:off x="1119609" y="1569097"/>
+                <a:ext cx="645253" cy="645252"/>
+              </a:xfrm>
+              <a:prstGeom prst="ellipse">
+                <a:avLst/>
+              </a:prstGeom>
+              <a:ln>
+                <a:solidFill>
+                  <a:schemeClr val="tx1"/>
+                </a:solidFill>
+              </a:ln>
+            </p:spPr>
+            <p:style>
+              <a:lnRef idx="2">
+                <a:schemeClr val="accent6"/>
+              </a:lnRef>
+              <a:fillRef idx="1">
+                <a:schemeClr val="lt1"/>
+              </a:fillRef>
+              <a:effectRef idx="0">
+                <a:schemeClr val="accent6"/>
+              </a:effectRef>
+              <a:fontRef idx="minor">
+                <a:schemeClr val="dk1"/>
+              </a:fontRef>
+            </p:style>
+            <p:txBody>
+              <a:bodyPr rtlCol="0" anchor="ctr"/>
+              <a:lstStyle/>
+              <a:p>
+                <a:pPr algn="ctr"/>
+                <a14:m>
+                  <m:oMathPara xmlns:m="http://schemas.openxmlformats.org/officeDocument/2006/math">
+                    <m:oMathParaPr>
+                      <m:jc m:val="centerGroup"/>
+                    </m:oMathParaPr>
+                    <m:oMath xmlns:m="http://schemas.openxmlformats.org/officeDocument/2006/math">
+                      <m:r>
+                        <a:rPr lang="en-US" b="0" i="1" smtClean="0">
+                          <a:latin typeface="Cambria Math" panose="02040503050406030204" pitchFamily="18" charset="0"/>
+                        </a:rPr>
+                        <m:t>𝐸</m:t>
+                      </m:r>
+                    </m:oMath>
+                  </m:oMathPara>
+                </a14:m>
+                <a:endParaRPr lang="en-US" dirty="0"/>
+              </a:p>
+            </p:txBody>
+          </p:sp>
+        </mc:Choice>
+        <mc:Fallback>
+          <p:sp>
+            <p:nvSpPr>
+              <p:cNvPr id="4" name="Oval 3">
+                <a:extLst>
+                  <a:ext uri="{FF2B5EF4-FFF2-40B4-BE49-F238E27FC236}">
+                    <a16:creationId xmlns:a16="http://schemas.microsoft.com/office/drawing/2014/main" id="{8D05FA36-C673-2747-93B7-A4397BA9FD89}"/>
+                  </a:ext>
+                </a:extLst>
+              </p:cNvPr>
+              <p:cNvSpPr>
+                <a:spLocks noRot="1" noChangeAspect="1" noMove="1" noResize="1" noEditPoints="1" noAdjustHandles="1" noChangeArrowheads="1" noChangeShapeType="1" noTextEdit="1"/>
+              </p:cNvSpPr>
+              <p:nvPr/>
+            </p:nvSpPr>
+            <p:spPr>
+              <a:xfrm>
+                <a:off x="1119609" y="1569097"/>
+                <a:ext cx="645253" cy="645252"/>
+              </a:xfrm>
+              <a:prstGeom prst="ellipse">
+                <a:avLst/>
+              </a:prstGeom>
+              <a:blipFill>
+                <a:blip r:embed="rId2"/>
+                <a:stretch>
+                  <a:fillRect/>
+                </a:stretch>
+              </a:blipFill>
+              <a:ln>
+                <a:solidFill>
+                  <a:schemeClr val="tx1"/>
+                </a:solidFill>
+              </a:ln>
+            </p:spPr>
+            <p:txBody>
+              <a:bodyPr/>
+              <a:lstStyle/>
+              <a:p>
+                <a:r>
+                  <a:rPr lang="en-US">
+                    <a:noFill/>
+                  </a:rPr>
+                  <a:t> </a:t>
+                </a:r>
+              </a:p>
+            </p:txBody>
+          </p:sp>
+        </mc:Fallback>
+      </mc:AlternateContent>
+      <mc:AlternateContent xmlns:mc="http://schemas.openxmlformats.org/markup-compatibility/2006">
+        <mc:Choice xmlns:a14="http://schemas.microsoft.com/office/drawing/2010/main" Requires="a14">
+          <p:sp>
+            <p:nvSpPr>
+              <p:cNvPr id="5" name="Oval 4">
+                <a:extLst>
+                  <a:ext uri="{FF2B5EF4-FFF2-40B4-BE49-F238E27FC236}">
+                    <a16:creationId xmlns:a16="http://schemas.microsoft.com/office/drawing/2014/main" id="{1AD0B32D-18AB-8544-8C46-0C900555B925}"/>
+                  </a:ext>
+                </a:extLst>
+              </p:cNvPr>
+              <p:cNvSpPr/>
+              <p:nvPr/>
+            </p:nvSpPr>
+            <p:spPr>
+              <a:xfrm>
+                <a:off x="2552169" y="1569097"/>
+                <a:ext cx="645253" cy="645252"/>
+              </a:xfrm>
+              <a:prstGeom prst="ellipse">
+                <a:avLst/>
+              </a:prstGeom>
+              <a:ln>
+                <a:solidFill>
+                  <a:schemeClr val="tx1"/>
+                </a:solidFill>
+              </a:ln>
+            </p:spPr>
+            <p:style>
+              <a:lnRef idx="2">
+                <a:schemeClr val="accent6"/>
+              </a:lnRef>
+              <a:fillRef idx="1">
+                <a:schemeClr val="lt1"/>
+              </a:fillRef>
+              <a:effectRef idx="0">
+                <a:schemeClr val="accent6"/>
+              </a:effectRef>
+              <a:fontRef idx="minor">
+                <a:schemeClr val="dk1"/>
+              </a:fontRef>
+            </p:style>
+            <p:txBody>
+              <a:bodyPr rtlCol="0" anchor="ctr"/>
+              <a:lstStyle/>
+              <a:p>
+                <a:pPr algn="ctr"/>
+                <a14:m>
+                  <m:oMathPara xmlns:m="http://schemas.openxmlformats.org/officeDocument/2006/math">
+                    <m:oMathParaPr>
+                      <m:jc m:val="centerGroup"/>
+                    </m:oMathParaPr>
+                    <m:oMath xmlns:m="http://schemas.openxmlformats.org/officeDocument/2006/math">
+                      <m:sSub>
+                        <m:sSubPr>
+                          <m:ctrlPr>
+                            <a:rPr lang="en-US" b="0" i="1" smtClean="0">
+                              <a:latin typeface="Cambria Math" panose="02040503050406030204" pitchFamily="18" charset="0"/>
+                            </a:rPr>
+                          </m:ctrlPr>
+                        </m:sSubPr>
+                        <m:e>
+                          <m:r>
+                            <a:rPr lang="en-US" b="0" i="1" smtClean="0">
+                              <a:latin typeface="Cambria Math" panose="02040503050406030204" pitchFamily="18" charset="0"/>
+                            </a:rPr>
+                            <m:t>𝐼</m:t>
+                          </m:r>
+                        </m:e>
+                        <m:sub>
+                          <m:r>
+                            <a:rPr lang="en-US" b="0" i="1" smtClean="0">
+                              <a:latin typeface="Cambria Math" panose="02040503050406030204" pitchFamily="18" charset="0"/>
+                            </a:rPr>
+                            <m:t>𝑠h𝑒𝑑</m:t>
+                          </m:r>
+                        </m:sub>
+                      </m:sSub>
+                    </m:oMath>
+                  </m:oMathPara>
+                </a14:m>
+                <a:endParaRPr lang="en-US" dirty="0"/>
+              </a:p>
+            </p:txBody>
+          </p:sp>
+        </mc:Choice>
+        <mc:Fallback>
+          <p:sp>
+            <p:nvSpPr>
+              <p:cNvPr id="5" name="Oval 4">
+                <a:extLst>
+                  <a:ext uri="{FF2B5EF4-FFF2-40B4-BE49-F238E27FC236}">
+                    <a16:creationId xmlns:a16="http://schemas.microsoft.com/office/drawing/2014/main" id="{1AD0B32D-18AB-8544-8C46-0C900555B925}"/>
+                  </a:ext>
+                </a:extLst>
+              </p:cNvPr>
+              <p:cNvSpPr>
+                <a:spLocks noRot="1" noChangeAspect="1" noMove="1" noResize="1" noEditPoints="1" noAdjustHandles="1" noChangeArrowheads="1" noChangeShapeType="1" noTextEdit="1"/>
+              </p:cNvSpPr>
+              <p:nvPr/>
+            </p:nvSpPr>
+            <p:spPr>
+              <a:xfrm>
+                <a:off x="2552169" y="1569097"/>
+                <a:ext cx="645253" cy="645252"/>
+              </a:xfrm>
+              <a:prstGeom prst="ellipse">
+                <a:avLst/>
+              </a:prstGeom>
+              <a:blipFill>
+                <a:blip r:embed="rId3"/>
+                <a:stretch>
+                  <a:fillRect l="-1887"/>
+                </a:stretch>
+              </a:blipFill>
+              <a:ln>
+                <a:solidFill>
+                  <a:schemeClr val="tx1"/>
+                </a:solidFill>
+              </a:ln>
+            </p:spPr>
+            <p:txBody>
+              <a:bodyPr/>
+              <a:lstStyle/>
+              <a:p>
+                <a:r>
+                  <a:rPr lang="en-US">
+                    <a:noFill/>
+                  </a:rPr>
+                  <a:t> </a:t>
+                </a:r>
+              </a:p>
+            </p:txBody>
+          </p:sp>
+        </mc:Fallback>
+      </mc:AlternateContent>
+      <mc:AlternateContent xmlns:mc="http://schemas.openxmlformats.org/markup-compatibility/2006">
+        <mc:Choice xmlns:a14="http://schemas.microsoft.com/office/drawing/2010/main" Requires="a14">
+          <p:sp>
+            <p:nvSpPr>
+              <p:cNvPr id="6" name="Oval 5">
+                <a:extLst>
+                  <a:ext uri="{FF2B5EF4-FFF2-40B4-BE49-F238E27FC236}">
+                    <a16:creationId xmlns:a16="http://schemas.microsoft.com/office/drawing/2014/main" id="{38C82272-2665-724C-89A9-B64F9898AC03}"/>
+                  </a:ext>
+                </a:extLst>
+              </p:cNvPr>
+              <p:cNvSpPr/>
+              <p:nvPr/>
+            </p:nvSpPr>
+            <p:spPr>
+              <a:xfrm>
+                <a:off x="3984729" y="1569097"/>
+                <a:ext cx="645253" cy="645252"/>
+              </a:xfrm>
+              <a:prstGeom prst="ellipse">
+                <a:avLst/>
+              </a:prstGeom>
+              <a:ln>
+                <a:solidFill>
+                  <a:schemeClr val="tx1"/>
+                </a:solidFill>
+              </a:ln>
+            </p:spPr>
+            <p:style>
+              <a:lnRef idx="2">
+                <a:schemeClr val="accent6"/>
+              </a:lnRef>
+              <a:fillRef idx="1">
+                <a:schemeClr val="lt1"/>
+              </a:fillRef>
+              <a:effectRef idx="0">
+                <a:schemeClr val="accent6"/>
+              </a:effectRef>
+              <a:fontRef idx="minor">
+                <a:schemeClr val="dk1"/>
+              </a:fontRef>
+            </p:style>
+            <p:txBody>
+              <a:bodyPr rtlCol="0" anchor="ctr"/>
+              <a:lstStyle/>
+              <a:p>
+                <a:pPr algn="ctr"/>
+                <a14:m>
+                  <m:oMathPara xmlns:m="http://schemas.openxmlformats.org/officeDocument/2006/math">
+                    <m:oMathParaPr>
+                      <m:jc m:val="centerGroup"/>
+                    </m:oMathParaPr>
+                    <m:oMath xmlns:m="http://schemas.openxmlformats.org/officeDocument/2006/math">
+                      <m:sSub>
+                        <m:sSubPr>
+                          <m:ctrlPr>
+                            <a:rPr lang="en-US" b="0" i="1" smtClean="0">
+                              <a:latin typeface="Cambria Math" panose="02040503050406030204" pitchFamily="18" charset="0"/>
+                            </a:rPr>
+                          </m:ctrlPr>
+                        </m:sSubPr>
+                        <m:e>
+                          <m:r>
+                            <a:rPr lang="en-US" b="0" i="1" smtClean="0">
+                              <a:latin typeface="Cambria Math" panose="02040503050406030204" pitchFamily="18" charset="0"/>
+                            </a:rPr>
+                            <m:t>𝐼</m:t>
+                          </m:r>
+                        </m:e>
+                        <m:sub>
+                          <m:r>
+                            <a:rPr lang="en-US" b="0" i="1" smtClean="0">
+                              <a:latin typeface="Cambria Math" panose="02040503050406030204" pitchFamily="18" charset="0"/>
+                            </a:rPr>
+                            <m:t>𝑠𝑦𝑚</m:t>
+                          </m:r>
+                          <m:r>
+                            <a:rPr lang="en-US" b="0" i="1" smtClean="0">
+                              <a:latin typeface="Cambria Math" panose="02040503050406030204" pitchFamily="18" charset="0"/>
+                            </a:rPr>
+                            <m:t>, 0</m:t>
+                          </m:r>
+                        </m:sub>
+                      </m:sSub>
+                    </m:oMath>
+                  </m:oMathPara>
+                </a14:m>
+                <a:endParaRPr lang="en-US" dirty="0"/>
+              </a:p>
+            </p:txBody>
+          </p:sp>
+        </mc:Choice>
+        <mc:Fallback>
+          <p:sp>
+            <p:nvSpPr>
+              <p:cNvPr id="6" name="Oval 5">
+                <a:extLst>
+                  <a:ext uri="{FF2B5EF4-FFF2-40B4-BE49-F238E27FC236}">
+                    <a16:creationId xmlns:a16="http://schemas.microsoft.com/office/drawing/2014/main" id="{38C82272-2665-724C-89A9-B64F9898AC03}"/>
+                  </a:ext>
+                </a:extLst>
+              </p:cNvPr>
+              <p:cNvSpPr>
+                <a:spLocks noRot="1" noChangeAspect="1" noMove="1" noResize="1" noEditPoints="1" noAdjustHandles="1" noChangeArrowheads="1" noChangeShapeType="1" noTextEdit="1"/>
+              </p:cNvSpPr>
+              <p:nvPr/>
+            </p:nvSpPr>
+            <p:spPr>
+              <a:xfrm>
+                <a:off x="3984729" y="1569097"/>
+                <a:ext cx="645253" cy="645252"/>
+              </a:xfrm>
+              <a:prstGeom prst="ellipse">
+                <a:avLst/>
+              </a:prstGeom>
+              <a:blipFill>
+                <a:blip r:embed="rId4"/>
+                <a:stretch>
+                  <a:fillRect l="-9434"/>
+                </a:stretch>
+              </a:blipFill>
+              <a:ln>
+                <a:solidFill>
+                  <a:schemeClr val="tx1"/>
+                </a:solidFill>
+              </a:ln>
+            </p:spPr>
+            <p:txBody>
+              <a:bodyPr/>
+              <a:lstStyle/>
+              <a:p>
+                <a:r>
+                  <a:rPr lang="en-US">
+                    <a:noFill/>
+                  </a:rPr>
+                  <a:t> </a:t>
+                </a:r>
+              </a:p>
+            </p:txBody>
+          </p:sp>
+        </mc:Fallback>
+      </mc:AlternateContent>
+      <mc:AlternateContent xmlns:mc="http://schemas.openxmlformats.org/markup-compatibility/2006">
+        <mc:Choice xmlns:a14="http://schemas.microsoft.com/office/drawing/2010/main" Requires="a14">
+          <p:sp>
+            <p:nvSpPr>
+              <p:cNvPr id="7" name="Oval 6">
+                <a:extLst>
+                  <a:ext uri="{FF2B5EF4-FFF2-40B4-BE49-F238E27FC236}">
+                    <a16:creationId xmlns:a16="http://schemas.microsoft.com/office/drawing/2014/main" id="{2B70818D-E4AF-3E4B-8923-8F64CE622F35}"/>
+                  </a:ext>
+                </a:extLst>
+              </p:cNvPr>
+              <p:cNvSpPr/>
+              <p:nvPr/>
+            </p:nvSpPr>
+            <p:spPr>
+              <a:xfrm>
+                <a:off x="3984728" y="2910217"/>
+                <a:ext cx="645253" cy="645252"/>
+              </a:xfrm>
+              <a:prstGeom prst="ellipse">
+                <a:avLst/>
+              </a:prstGeom>
+              <a:ln>
+                <a:solidFill>
+                  <a:schemeClr val="tx1"/>
+                </a:solidFill>
+              </a:ln>
+            </p:spPr>
+            <p:style>
+              <a:lnRef idx="2">
+                <a:schemeClr val="accent6"/>
+              </a:lnRef>
+              <a:fillRef idx="1">
+                <a:schemeClr val="lt1"/>
+              </a:fillRef>
+              <a:effectRef idx="0">
+                <a:schemeClr val="accent6"/>
+              </a:effectRef>
+              <a:fontRef idx="minor">
+                <a:schemeClr val="dk1"/>
+              </a:fontRef>
+            </p:style>
+            <p:txBody>
+              <a:bodyPr rtlCol="0" anchor="ctr"/>
+              <a:lstStyle/>
+              <a:p>
+                <a:pPr algn="ctr"/>
+                <a14:m>
+                  <m:oMathPara xmlns:m="http://schemas.openxmlformats.org/officeDocument/2006/math">
+                    <m:oMathParaPr>
+                      <m:jc m:val="centerGroup"/>
+                    </m:oMathParaPr>
+                    <m:oMath xmlns:m="http://schemas.openxmlformats.org/officeDocument/2006/math">
+                      <m:sSub>
+                        <m:sSubPr>
+                          <m:ctrlPr>
+                            <a:rPr lang="en-US" b="0" i="1" smtClean="0">
+                              <a:latin typeface="Cambria Math" panose="02040503050406030204" pitchFamily="18" charset="0"/>
+                            </a:rPr>
+                          </m:ctrlPr>
+                        </m:sSubPr>
+                        <m:e>
+                          <m:r>
+                            <a:rPr lang="en-US" b="0" i="1" smtClean="0">
+                              <a:latin typeface="Cambria Math" panose="02040503050406030204" pitchFamily="18" charset="0"/>
+                            </a:rPr>
+                            <m:t>𝐼</m:t>
+                          </m:r>
+                        </m:e>
+                        <m:sub>
+                          <m:r>
+                            <a:rPr lang="en-US" b="0" i="1" smtClean="0">
+                              <a:latin typeface="Cambria Math" panose="02040503050406030204" pitchFamily="18" charset="0"/>
+                            </a:rPr>
+                            <m:t>𝑠𝑦𝑚</m:t>
+                          </m:r>
+                          <m:r>
+                            <a:rPr lang="en-US" b="0" i="1" smtClean="0">
+                              <a:latin typeface="Cambria Math" panose="02040503050406030204" pitchFamily="18" charset="0"/>
+                            </a:rPr>
+                            <m:t>,1</m:t>
+                          </m:r>
+                        </m:sub>
+                      </m:sSub>
+                    </m:oMath>
+                  </m:oMathPara>
+                </a14:m>
+                <a:endParaRPr lang="en-US" dirty="0"/>
+              </a:p>
+            </p:txBody>
+          </p:sp>
+        </mc:Choice>
+        <mc:Fallback>
+          <p:sp>
+            <p:nvSpPr>
+              <p:cNvPr id="7" name="Oval 6">
+                <a:extLst>
+                  <a:ext uri="{FF2B5EF4-FFF2-40B4-BE49-F238E27FC236}">
+                    <a16:creationId xmlns:a16="http://schemas.microsoft.com/office/drawing/2014/main" id="{2B70818D-E4AF-3E4B-8923-8F64CE622F35}"/>
+                  </a:ext>
+                </a:extLst>
+              </p:cNvPr>
+              <p:cNvSpPr>
+                <a:spLocks noRot="1" noChangeAspect="1" noMove="1" noResize="1" noEditPoints="1" noAdjustHandles="1" noChangeArrowheads="1" noChangeShapeType="1" noTextEdit="1"/>
+              </p:cNvSpPr>
+              <p:nvPr/>
+            </p:nvSpPr>
+            <p:spPr>
+              <a:xfrm>
+                <a:off x="3984728" y="2910217"/>
+                <a:ext cx="645253" cy="645252"/>
+              </a:xfrm>
+              <a:prstGeom prst="ellipse">
+                <a:avLst/>
+              </a:prstGeom>
+              <a:blipFill>
+                <a:blip r:embed="rId5"/>
+                <a:stretch>
+                  <a:fillRect l="-9434"/>
+                </a:stretch>
+              </a:blipFill>
+              <a:ln>
+                <a:solidFill>
+                  <a:schemeClr val="tx1"/>
+                </a:solidFill>
+              </a:ln>
+            </p:spPr>
+            <p:txBody>
+              <a:bodyPr/>
+              <a:lstStyle/>
+              <a:p>
+                <a:r>
+                  <a:rPr lang="en-US">
+                    <a:noFill/>
+                  </a:rPr>
+                  <a:t> </a:t>
+                </a:r>
+              </a:p>
+            </p:txBody>
+          </p:sp>
+        </mc:Fallback>
+      </mc:AlternateContent>
+      <mc:AlternateContent xmlns:mc="http://schemas.openxmlformats.org/markup-compatibility/2006">
+        <mc:Choice xmlns:a14="http://schemas.microsoft.com/office/drawing/2010/main" Requires="a14">
+          <p:sp>
+            <p:nvSpPr>
+              <p:cNvPr id="8" name="Oval 7">
+                <a:extLst>
+                  <a:ext uri="{FF2B5EF4-FFF2-40B4-BE49-F238E27FC236}">
+                    <a16:creationId xmlns:a16="http://schemas.microsoft.com/office/drawing/2014/main" id="{64D9B59B-CC8F-A042-A564-EE96D75AC3F0}"/>
+                  </a:ext>
+                </a:extLst>
+              </p:cNvPr>
+              <p:cNvSpPr/>
+              <p:nvPr/>
+            </p:nvSpPr>
+            <p:spPr>
+              <a:xfrm>
+                <a:off x="3984727" y="4251337"/>
+                <a:ext cx="645253" cy="645252"/>
+              </a:xfrm>
+              <a:prstGeom prst="ellipse">
+                <a:avLst/>
+              </a:prstGeom>
+              <a:ln>
+                <a:solidFill>
+                  <a:schemeClr val="tx1"/>
+                </a:solidFill>
+              </a:ln>
+            </p:spPr>
+            <p:style>
+              <a:lnRef idx="2">
+                <a:schemeClr val="accent6"/>
+              </a:lnRef>
+              <a:fillRef idx="1">
+                <a:schemeClr val="lt1"/>
+              </a:fillRef>
+              <a:effectRef idx="0">
+                <a:schemeClr val="accent6"/>
+              </a:effectRef>
+              <a:fontRef idx="minor">
+                <a:schemeClr val="dk1"/>
+              </a:fontRef>
+            </p:style>
+            <p:txBody>
+              <a:bodyPr rtlCol="0" anchor="ctr"/>
+              <a:lstStyle/>
+              <a:p>
+                <a:pPr algn="ctr"/>
+                <a14:m>
+                  <m:oMathPara xmlns:m="http://schemas.openxmlformats.org/officeDocument/2006/math">
+                    <m:oMathParaPr>
+                      <m:jc m:val="centerGroup"/>
+                    </m:oMathParaPr>
+                    <m:oMath xmlns:m="http://schemas.openxmlformats.org/officeDocument/2006/math">
+                      <m:sSub>
+                        <m:sSubPr>
+                          <m:ctrlPr>
+                            <a:rPr lang="en-US" b="0" i="1" smtClean="0">
+                              <a:latin typeface="Cambria Math" panose="02040503050406030204" pitchFamily="18" charset="0"/>
+                            </a:rPr>
+                          </m:ctrlPr>
+                        </m:sSubPr>
+                        <m:e>
+                          <m:r>
+                            <a:rPr lang="en-US" b="0" i="1" smtClean="0">
+                              <a:latin typeface="Cambria Math" panose="02040503050406030204" pitchFamily="18" charset="0"/>
+                            </a:rPr>
+                            <m:t>𝐼</m:t>
+                          </m:r>
+                        </m:e>
+                        <m:sub>
+                          <m:r>
+                            <a:rPr lang="en-US" b="0" i="1" smtClean="0">
+                              <a:latin typeface="Cambria Math" panose="02040503050406030204" pitchFamily="18" charset="0"/>
+                            </a:rPr>
+                            <m:t>𝑠𝑦𝑚</m:t>
+                          </m:r>
+                          <m:r>
+                            <a:rPr lang="en-US" b="0" i="1" smtClean="0">
+                              <a:latin typeface="Cambria Math" panose="02040503050406030204" pitchFamily="18" charset="0"/>
+                            </a:rPr>
+                            <m:t>, 2</m:t>
+                          </m:r>
+                        </m:sub>
+                      </m:sSub>
+                    </m:oMath>
+                  </m:oMathPara>
+                </a14:m>
+                <a:endParaRPr lang="en-US" dirty="0"/>
+              </a:p>
+            </p:txBody>
+          </p:sp>
+        </mc:Choice>
+        <mc:Fallback>
+          <p:sp>
+            <p:nvSpPr>
+              <p:cNvPr id="8" name="Oval 7">
+                <a:extLst>
+                  <a:ext uri="{FF2B5EF4-FFF2-40B4-BE49-F238E27FC236}">
+                    <a16:creationId xmlns:a16="http://schemas.microsoft.com/office/drawing/2014/main" id="{64D9B59B-CC8F-A042-A564-EE96D75AC3F0}"/>
+                  </a:ext>
+                </a:extLst>
+              </p:cNvPr>
+              <p:cNvSpPr>
+                <a:spLocks noRot="1" noChangeAspect="1" noMove="1" noResize="1" noEditPoints="1" noAdjustHandles="1" noChangeArrowheads="1" noChangeShapeType="1" noTextEdit="1"/>
+              </p:cNvSpPr>
+              <p:nvPr/>
+            </p:nvSpPr>
+            <p:spPr>
+              <a:xfrm>
+                <a:off x="3984727" y="4251337"/>
+                <a:ext cx="645253" cy="645252"/>
+              </a:xfrm>
+              <a:prstGeom prst="ellipse">
+                <a:avLst/>
+              </a:prstGeom>
+              <a:blipFill>
+                <a:blip r:embed="rId6"/>
+                <a:stretch>
+                  <a:fillRect l="-9434"/>
+                </a:stretch>
+              </a:blipFill>
+              <a:ln>
+                <a:solidFill>
+                  <a:schemeClr val="tx1"/>
+                </a:solidFill>
+              </a:ln>
+            </p:spPr>
+            <p:txBody>
+              <a:bodyPr/>
+              <a:lstStyle/>
+              <a:p>
+                <a:r>
+                  <a:rPr lang="en-US">
+                    <a:noFill/>
+                  </a:rPr>
+                  <a:t> </a:t>
+                </a:r>
+              </a:p>
+            </p:txBody>
+          </p:sp>
+        </mc:Fallback>
+      </mc:AlternateContent>
+      <mc:AlternateContent xmlns:mc="http://schemas.openxmlformats.org/markup-compatibility/2006">
+        <mc:Choice xmlns:a14="http://schemas.microsoft.com/office/drawing/2010/main" Requires="a14">
+          <p:sp>
+            <p:nvSpPr>
+              <p:cNvPr id="9" name="Oval 8">
+                <a:extLst>
+                  <a:ext uri="{FF2B5EF4-FFF2-40B4-BE49-F238E27FC236}">
+                    <a16:creationId xmlns:a16="http://schemas.microsoft.com/office/drawing/2014/main" id="{A00E25D0-D33A-8D48-A5D0-46FDED1D4BA4}"/>
+                  </a:ext>
+                </a:extLst>
+              </p:cNvPr>
+              <p:cNvSpPr/>
+              <p:nvPr/>
+            </p:nvSpPr>
+            <p:spPr>
+              <a:xfrm>
+                <a:off x="5417287" y="1569097"/>
+                <a:ext cx="645253" cy="645252"/>
+              </a:xfrm>
+              <a:prstGeom prst="ellipse">
+                <a:avLst/>
+              </a:prstGeom>
+              <a:ln>
+                <a:solidFill>
+                  <a:schemeClr val="tx1"/>
+                </a:solidFill>
+              </a:ln>
+            </p:spPr>
+            <p:style>
+              <a:lnRef idx="2">
+                <a:schemeClr val="accent6"/>
+              </a:lnRef>
+              <a:fillRef idx="1">
+                <a:schemeClr val="lt1"/>
+              </a:fillRef>
+              <a:effectRef idx="0">
+                <a:schemeClr val="accent6"/>
+              </a:effectRef>
+              <a:fontRef idx="minor">
+                <a:schemeClr val="dk1"/>
+              </a:fontRef>
+            </p:style>
+            <p:txBody>
+              <a:bodyPr rtlCol="0" anchor="ctr"/>
+              <a:lstStyle/>
+              <a:p>
+                <a:pPr algn="ctr"/>
+                <a14:m>
+                  <m:oMathPara xmlns:m="http://schemas.openxmlformats.org/officeDocument/2006/math">
+                    <m:oMathParaPr>
+                      <m:jc m:val="centerGroup"/>
+                    </m:oMathParaPr>
+                    <m:oMath xmlns:m="http://schemas.openxmlformats.org/officeDocument/2006/math">
+                      <m:sSub>
+                        <m:sSubPr>
+                          <m:ctrlPr>
+                            <a:rPr lang="en-US" b="0" i="1" smtClean="0">
+                              <a:latin typeface="Cambria Math" panose="02040503050406030204" pitchFamily="18" charset="0"/>
+                            </a:rPr>
+                          </m:ctrlPr>
+                        </m:sSubPr>
+                        <m:e>
+                          <m:r>
+                            <a:rPr lang="en-US" b="0" i="1" smtClean="0">
+                              <a:latin typeface="Cambria Math" panose="02040503050406030204" pitchFamily="18" charset="0"/>
+                            </a:rPr>
+                            <m:t>𝐼</m:t>
+                          </m:r>
+                        </m:e>
+                        <m:sub>
+                          <m:r>
+                            <a:rPr lang="en-US" b="0" i="1" smtClean="0">
+                              <a:latin typeface="Cambria Math" panose="02040503050406030204" pitchFamily="18" charset="0"/>
+                            </a:rPr>
+                            <m:t>𝑑</m:t>
+                          </m:r>
+                          <m:r>
+                            <a:rPr lang="en-US" b="0" i="1" smtClean="0">
+                              <a:latin typeface="Cambria Math" panose="02040503050406030204" pitchFamily="18" charset="0"/>
+                            </a:rPr>
+                            <m:t>, 0</m:t>
+                          </m:r>
+                        </m:sub>
+                      </m:sSub>
+                    </m:oMath>
+                  </m:oMathPara>
+                </a14:m>
+                <a:endParaRPr lang="en-US" dirty="0"/>
+              </a:p>
+            </p:txBody>
+          </p:sp>
+        </mc:Choice>
+        <mc:Fallback>
+          <p:sp>
+            <p:nvSpPr>
+              <p:cNvPr id="9" name="Oval 8">
+                <a:extLst>
+                  <a:ext uri="{FF2B5EF4-FFF2-40B4-BE49-F238E27FC236}">
+                    <a16:creationId xmlns:a16="http://schemas.microsoft.com/office/drawing/2014/main" id="{A00E25D0-D33A-8D48-A5D0-46FDED1D4BA4}"/>
+                  </a:ext>
+                </a:extLst>
+              </p:cNvPr>
+              <p:cNvSpPr>
+                <a:spLocks noRot="1" noChangeAspect="1" noMove="1" noResize="1" noEditPoints="1" noAdjustHandles="1" noChangeArrowheads="1" noChangeShapeType="1" noTextEdit="1"/>
+              </p:cNvSpPr>
+              <p:nvPr/>
+            </p:nvSpPr>
+            <p:spPr>
+              <a:xfrm>
+                <a:off x="5417287" y="1569097"/>
+                <a:ext cx="645253" cy="645252"/>
+              </a:xfrm>
+              <a:prstGeom prst="ellipse">
+                <a:avLst/>
+              </a:prstGeom>
+              <a:blipFill>
+                <a:blip r:embed="rId7"/>
+                <a:stretch>
+                  <a:fillRect/>
+                </a:stretch>
+              </a:blipFill>
+              <a:ln>
+                <a:solidFill>
+                  <a:schemeClr val="tx1"/>
+                </a:solidFill>
+              </a:ln>
+            </p:spPr>
+            <p:txBody>
+              <a:bodyPr/>
+              <a:lstStyle/>
+              <a:p>
+                <a:r>
+                  <a:rPr lang="en-US">
+                    <a:noFill/>
+                  </a:rPr>
+                  <a:t> </a:t>
+                </a:r>
+              </a:p>
+            </p:txBody>
+          </p:sp>
+        </mc:Fallback>
+      </mc:AlternateContent>
+      <mc:AlternateContent xmlns:mc="http://schemas.openxmlformats.org/markup-compatibility/2006">
+        <mc:Choice xmlns:a14="http://schemas.microsoft.com/office/drawing/2010/main" Requires="a14">
+          <p:sp>
+            <p:nvSpPr>
+              <p:cNvPr id="10" name="Oval 9">
+                <a:extLst>
+                  <a:ext uri="{FF2B5EF4-FFF2-40B4-BE49-F238E27FC236}">
+                    <a16:creationId xmlns:a16="http://schemas.microsoft.com/office/drawing/2014/main" id="{CB85D4EF-AF9B-F64C-8983-097507E38F13}"/>
+                  </a:ext>
+                </a:extLst>
+              </p:cNvPr>
+              <p:cNvSpPr/>
+              <p:nvPr/>
+            </p:nvSpPr>
+            <p:spPr>
+              <a:xfrm>
+                <a:off x="5417286" y="2910217"/>
+                <a:ext cx="645253" cy="645252"/>
+              </a:xfrm>
+              <a:prstGeom prst="ellipse">
+                <a:avLst/>
+              </a:prstGeom>
+              <a:ln>
+                <a:solidFill>
+                  <a:schemeClr val="tx1"/>
+                </a:solidFill>
+              </a:ln>
+            </p:spPr>
+            <p:style>
+              <a:lnRef idx="2">
+                <a:schemeClr val="accent6"/>
+              </a:lnRef>
+              <a:fillRef idx="1">
+                <a:schemeClr val="lt1"/>
+              </a:fillRef>
+              <a:effectRef idx="0">
+                <a:schemeClr val="accent6"/>
+              </a:effectRef>
+              <a:fontRef idx="minor">
+                <a:schemeClr val="dk1"/>
+              </a:fontRef>
+            </p:style>
+            <p:txBody>
+              <a:bodyPr rtlCol="0" anchor="ctr"/>
+              <a:lstStyle/>
+              <a:p>
+                <a:pPr algn="ctr"/>
+                <a14:m>
+                  <m:oMathPara xmlns:m="http://schemas.openxmlformats.org/officeDocument/2006/math">
+                    <m:oMathParaPr>
+                      <m:jc m:val="centerGroup"/>
+                    </m:oMathParaPr>
+                    <m:oMath xmlns:m="http://schemas.openxmlformats.org/officeDocument/2006/math">
+                      <m:sSub>
+                        <m:sSubPr>
+                          <m:ctrlPr>
+                            <a:rPr lang="en-US" b="0" i="1" smtClean="0">
+                              <a:latin typeface="Cambria Math" panose="02040503050406030204" pitchFamily="18" charset="0"/>
+                            </a:rPr>
+                          </m:ctrlPr>
+                        </m:sSubPr>
+                        <m:e>
+                          <m:r>
+                            <a:rPr lang="en-US" b="0" i="1" smtClean="0">
+                              <a:latin typeface="Cambria Math" panose="02040503050406030204" pitchFamily="18" charset="0"/>
+                            </a:rPr>
+                            <m:t>𝐼</m:t>
+                          </m:r>
+                        </m:e>
+                        <m:sub>
+                          <m:r>
+                            <a:rPr lang="en-US" b="0" i="1" smtClean="0">
+                              <a:latin typeface="Cambria Math" panose="02040503050406030204" pitchFamily="18" charset="0"/>
+                            </a:rPr>
+                            <m:t>𝑑</m:t>
+                          </m:r>
+                          <m:r>
+                            <a:rPr lang="en-US" b="0" i="1" smtClean="0">
+                              <a:latin typeface="Cambria Math" panose="02040503050406030204" pitchFamily="18" charset="0"/>
+                            </a:rPr>
+                            <m:t>,1</m:t>
+                          </m:r>
+                        </m:sub>
+                      </m:sSub>
+                    </m:oMath>
+                  </m:oMathPara>
+                </a14:m>
+                <a:endParaRPr lang="en-US" dirty="0"/>
+              </a:p>
+            </p:txBody>
+          </p:sp>
+        </mc:Choice>
+        <mc:Fallback>
+          <p:sp>
+            <p:nvSpPr>
+              <p:cNvPr id="10" name="Oval 9">
+                <a:extLst>
+                  <a:ext uri="{FF2B5EF4-FFF2-40B4-BE49-F238E27FC236}">
+                    <a16:creationId xmlns:a16="http://schemas.microsoft.com/office/drawing/2014/main" id="{CB85D4EF-AF9B-F64C-8983-097507E38F13}"/>
+                  </a:ext>
+                </a:extLst>
+              </p:cNvPr>
+              <p:cNvSpPr>
+                <a:spLocks noRot="1" noChangeAspect="1" noMove="1" noResize="1" noEditPoints="1" noAdjustHandles="1" noChangeArrowheads="1" noChangeShapeType="1" noTextEdit="1"/>
+              </p:cNvSpPr>
+              <p:nvPr/>
+            </p:nvSpPr>
+            <p:spPr>
+              <a:xfrm>
+                <a:off x="5417286" y="2910217"/>
+                <a:ext cx="645253" cy="645252"/>
+              </a:xfrm>
+              <a:prstGeom prst="ellipse">
+                <a:avLst/>
+              </a:prstGeom>
+              <a:blipFill>
+                <a:blip r:embed="rId8"/>
+                <a:stretch>
+                  <a:fillRect/>
+                </a:stretch>
+              </a:blipFill>
+              <a:ln>
+                <a:solidFill>
+                  <a:schemeClr val="tx1"/>
+                </a:solidFill>
+              </a:ln>
+            </p:spPr>
+            <p:txBody>
+              <a:bodyPr/>
+              <a:lstStyle/>
+              <a:p>
+                <a:r>
+                  <a:rPr lang="en-US">
+                    <a:noFill/>
+                  </a:rPr>
+                  <a:t> </a:t>
+                </a:r>
+              </a:p>
+            </p:txBody>
+          </p:sp>
+        </mc:Fallback>
+      </mc:AlternateContent>
+      <mc:AlternateContent xmlns:mc="http://schemas.openxmlformats.org/markup-compatibility/2006">
+        <mc:Choice xmlns:a14="http://schemas.microsoft.com/office/drawing/2010/main" Requires="a14">
+          <p:sp>
+            <p:nvSpPr>
+              <p:cNvPr id="11" name="Oval 10">
+                <a:extLst>
+                  <a:ext uri="{FF2B5EF4-FFF2-40B4-BE49-F238E27FC236}">
+                    <a16:creationId xmlns:a16="http://schemas.microsoft.com/office/drawing/2014/main" id="{A0D0D81A-62B4-254C-92D1-E65A6BA72DCE}"/>
+                  </a:ext>
+                </a:extLst>
+              </p:cNvPr>
+              <p:cNvSpPr/>
+              <p:nvPr/>
+            </p:nvSpPr>
+            <p:spPr>
+              <a:xfrm>
+                <a:off x="5417285" y="4251337"/>
+                <a:ext cx="645253" cy="645252"/>
+              </a:xfrm>
+              <a:prstGeom prst="ellipse">
+                <a:avLst/>
+              </a:prstGeom>
+              <a:ln>
+                <a:solidFill>
+                  <a:schemeClr val="tx1"/>
+                </a:solidFill>
+              </a:ln>
+            </p:spPr>
+            <p:style>
+              <a:lnRef idx="2">
+                <a:schemeClr val="accent6"/>
+              </a:lnRef>
+              <a:fillRef idx="1">
+                <a:schemeClr val="lt1"/>
+              </a:fillRef>
+              <a:effectRef idx="0">
+                <a:schemeClr val="accent6"/>
+              </a:effectRef>
+              <a:fontRef idx="minor">
+                <a:schemeClr val="dk1"/>
+              </a:fontRef>
+            </p:style>
+            <p:txBody>
+              <a:bodyPr rtlCol="0" anchor="ctr"/>
+              <a:lstStyle/>
+              <a:p>
+                <a:pPr algn="ctr"/>
+                <a14:m>
+                  <m:oMathPara xmlns:m="http://schemas.openxmlformats.org/officeDocument/2006/math">
+                    <m:oMathParaPr>
+                      <m:jc m:val="centerGroup"/>
+                    </m:oMathParaPr>
+                    <m:oMath xmlns:m="http://schemas.openxmlformats.org/officeDocument/2006/math">
+                      <m:sSub>
+                        <m:sSubPr>
+                          <m:ctrlPr>
+                            <a:rPr lang="en-US" b="0" i="1" smtClean="0">
+                              <a:latin typeface="Cambria Math" panose="02040503050406030204" pitchFamily="18" charset="0"/>
+                            </a:rPr>
+                          </m:ctrlPr>
+                        </m:sSubPr>
+                        <m:e>
+                          <m:r>
+                            <a:rPr lang="en-US" b="0" i="1" smtClean="0">
+                              <a:latin typeface="Cambria Math" panose="02040503050406030204" pitchFamily="18" charset="0"/>
+                            </a:rPr>
+                            <m:t>𝐼</m:t>
+                          </m:r>
+                        </m:e>
+                        <m:sub>
+                          <m:r>
+                            <a:rPr lang="en-US" b="0" i="1" smtClean="0">
+                              <a:latin typeface="Cambria Math" panose="02040503050406030204" pitchFamily="18" charset="0"/>
+                            </a:rPr>
+                            <m:t>𝑑</m:t>
+                          </m:r>
+                          <m:r>
+                            <a:rPr lang="en-US" b="0" i="1" smtClean="0">
+                              <a:latin typeface="Cambria Math" panose="02040503050406030204" pitchFamily="18" charset="0"/>
+                            </a:rPr>
+                            <m:t> 2</m:t>
+                          </m:r>
+                        </m:sub>
+                      </m:sSub>
+                    </m:oMath>
+                  </m:oMathPara>
+                </a14:m>
+                <a:endParaRPr lang="en-US" dirty="0"/>
+              </a:p>
+            </p:txBody>
+          </p:sp>
+        </mc:Choice>
+        <mc:Fallback>
+          <p:sp>
+            <p:nvSpPr>
+              <p:cNvPr id="11" name="Oval 10">
+                <a:extLst>
+                  <a:ext uri="{FF2B5EF4-FFF2-40B4-BE49-F238E27FC236}">
+                    <a16:creationId xmlns:a16="http://schemas.microsoft.com/office/drawing/2014/main" id="{A0D0D81A-62B4-254C-92D1-E65A6BA72DCE}"/>
+                  </a:ext>
+                </a:extLst>
+              </p:cNvPr>
+              <p:cNvSpPr>
+                <a:spLocks noRot="1" noChangeAspect="1" noMove="1" noResize="1" noEditPoints="1" noAdjustHandles="1" noChangeArrowheads="1" noChangeShapeType="1" noTextEdit="1"/>
+              </p:cNvSpPr>
+              <p:nvPr/>
+            </p:nvSpPr>
+            <p:spPr>
+              <a:xfrm>
+                <a:off x="5417285" y="4251337"/>
+                <a:ext cx="645253" cy="645252"/>
+              </a:xfrm>
+              <a:prstGeom prst="ellipse">
+                <a:avLst/>
+              </a:prstGeom>
+              <a:blipFill>
+                <a:blip r:embed="rId9"/>
+                <a:stretch>
+                  <a:fillRect/>
+                </a:stretch>
+              </a:blipFill>
+              <a:ln>
+                <a:solidFill>
+                  <a:schemeClr val="tx1"/>
+                </a:solidFill>
+              </a:ln>
+            </p:spPr>
+            <p:txBody>
+              <a:bodyPr/>
+              <a:lstStyle/>
+              <a:p>
+                <a:r>
+                  <a:rPr lang="en-US">
+                    <a:noFill/>
+                  </a:rPr>
+                  <a:t> </a:t>
+                </a:r>
+              </a:p>
+            </p:txBody>
+          </p:sp>
+        </mc:Fallback>
+      </mc:AlternateContent>
+      <mc:AlternateContent xmlns:mc="http://schemas.openxmlformats.org/markup-compatibility/2006">
+        <mc:Choice xmlns:a14="http://schemas.microsoft.com/office/drawing/2010/main" Requires="a14">
+          <p:sp>
+            <p:nvSpPr>
+              <p:cNvPr id="15" name="Oval 14">
+                <a:extLst>
+                  <a:ext uri="{FF2B5EF4-FFF2-40B4-BE49-F238E27FC236}">
+                    <a16:creationId xmlns:a16="http://schemas.microsoft.com/office/drawing/2014/main" id="{48DEB989-CAC5-2748-9AED-858C2FED2B1F}"/>
+                  </a:ext>
+                </a:extLst>
+              </p:cNvPr>
+              <p:cNvSpPr/>
+              <p:nvPr/>
+            </p:nvSpPr>
+            <p:spPr>
+              <a:xfrm>
+                <a:off x="6849843" y="1569097"/>
+                <a:ext cx="645253" cy="645252"/>
+              </a:xfrm>
+              <a:prstGeom prst="ellipse">
+                <a:avLst/>
+              </a:prstGeom>
+              <a:ln>
+                <a:solidFill>
+                  <a:schemeClr val="tx1"/>
+                </a:solidFill>
+              </a:ln>
+            </p:spPr>
+            <p:style>
+              <a:lnRef idx="2">
+                <a:schemeClr val="accent6"/>
+              </a:lnRef>
+              <a:fillRef idx="1">
+                <a:schemeClr val="lt1"/>
+              </a:fillRef>
+              <a:effectRef idx="0">
+                <a:schemeClr val="accent6"/>
+              </a:effectRef>
+              <a:fontRef idx="minor">
+                <a:schemeClr val="dk1"/>
+              </a:fontRef>
+            </p:style>
+            <p:txBody>
+              <a:bodyPr rtlCol="0" anchor="ctr"/>
+              <a:lstStyle/>
+              <a:p>
+                <a:pPr algn="ctr"/>
+                <a14:m>
+                  <m:oMathPara xmlns:m="http://schemas.openxmlformats.org/officeDocument/2006/math">
+                    <m:oMathParaPr>
+                      <m:jc m:val="centerGroup"/>
+                    </m:oMathParaPr>
+                    <m:oMath xmlns:m="http://schemas.openxmlformats.org/officeDocument/2006/math">
+                      <m:sSub>
+                        <m:sSubPr>
+                          <m:ctrlPr>
+                            <a:rPr lang="en-US" b="0" i="1" smtClean="0">
+                              <a:latin typeface="Cambria Math" panose="02040503050406030204" pitchFamily="18" charset="0"/>
+                            </a:rPr>
+                          </m:ctrlPr>
+                        </m:sSubPr>
+                        <m:e>
+                          <m:r>
+                            <a:rPr lang="en-US" b="0" i="1" smtClean="0">
+                              <a:latin typeface="Cambria Math" panose="02040503050406030204" pitchFamily="18" charset="0"/>
+                            </a:rPr>
+                            <m:t>𝐻</m:t>
+                          </m:r>
+                        </m:e>
+                        <m:sub>
+                          <m:r>
+                            <a:rPr lang="en-US" b="0" i="1" smtClean="0">
+                              <a:latin typeface="Cambria Math" panose="02040503050406030204" pitchFamily="18" charset="0"/>
+                            </a:rPr>
+                            <m:t>0</m:t>
+                          </m:r>
+                        </m:sub>
+                      </m:sSub>
+                    </m:oMath>
+                  </m:oMathPara>
+                </a14:m>
+                <a:endParaRPr lang="en-US" dirty="0"/>
+              </a:p>
+            </p:txBody>
+          </p:sp>
+        </mc:Choice>
+        <mc:Fallback>
+          <p:sp>
+            <p:nvSpPr>
+              <p:cNvPr id="15" name="Oval 14">
+                <a:extLst>
+                  <a:ext uri="{FF2B5EF4-FFF2-40B4-BE49-F238E27FC236}">
+                    <a16:creationId xmlns:a16="http://schemas.microsoft.com/office/drawing/2014/main" id="{48DEB989-CAC5-2748-9AED-858C2FED2B1F}"/>
+                  </a:ext>
+                </a:extLst>
+              </p:cNvPr>
+              <p:cNvSpPr>
+                <a:spLocks noRot="1" noChangeAspect="1" noMove="1" noResize="1" noEditPoints="1" noAdjustHandles="1" noChangeArrowheads="1" noChangeShapeType="1" noTextEdit="1"/>
+              </p:cNvSpPr>
+              <p:nvPr/>
+            </p:nvSpPr>
+            <p:spPr>
+              <a:xfrm>
+                <a:off x="6849843" y="1569097"/>
+                <a:ext cx="645253" cy="645252"/>
+              </a:xfrm>
+              <a:prstGeom prst="ellipse">
+                <a:avLst/>
+              </a:prstGeom>
+              <a:blipFill>
+                <a:blip r:embed="rId10"/>
+                <a:stretch>
+                  <a:fillRect/>
+                </a:stretch>
+              </a:blipFill>
+              <a:ln>
+                <a:solidFill>
+                  <a:schemeClr val="tx1"/>
+                </a:solidFill>
+              </a:ln>
+            </p:spPr>
+            <p:txBody>
+              <a:bodyPr/>
+              <a:lstStyle/>
+              <a:p>
+                <a:r>
+                  <a:rPr lang="en-US">
+                    <a:noFill/>
+                  </a:rPr>
+                  <a:t> </a:t>
+                </a:r>
+              </a:p>
+            </p:txBody>
+          </p:sp>
+        </mc:Fallback>
+      </mc:AlternateContent>
+      <mc:AlternateContent xmlns:mc="http://schemas.openxmlformats.org/markup-compatibility/2006">
+        <mc:Choice xmlns:a14="http://schemas.microsoft.com/office/drawing/2010/main" Requires="a14">
+          <p:sp>
+            <p:nvSpPr>
+              <p:cNvPr id="16" name="Oval 15">
+                <a:extLst>
+                  <a:ext uri="{FF2B5EF4-FFF2-40B4-BE49-F238E27FC236}">
+                    <a16:creationId xmlns:a16="http://schemas.microsoft.com/office/drawing/2014/main" id="{DDFB0274-EB62-2B4E-9A20-C31DA0DFFE01}"/>
+                  </a:ext>
+                </a:extLst>
+              </p:cNvPr>
+              <p:cNvSpPr/>
+              <p:nvPr/>
+            </p:nvSpPr>
+            <p:spPr>
+              <a:xfrm>
+                <a:off x="6849842" y="2910217"/>
+                <a:ext cx="645253" cy="645252"/>
+              </a:xfrm>
+              <a:prstGeom prst="ellipse">
+                <a:avLst/>
+              </a:prstGeom>
+              <a:ln>
+                <a:solidFill>
+                  <a:schemeClr val="tx1"/>
+                </a:solidFill>
+              </a:ln>
+            </p:spPr>
+            <p:style>
+              <a:lnRef idx="2">
+                <a:schemeClr val="accent6"/>
+              </a:lnRef>
+              <a:fillRef idx="1">
+                <a:schemeClr val="lt1"/>
+              </a:fillRef>
+              <a:effectRef idx="0">
+                <a:schemeClr val="accent6"/>
+              </a:effectRef>
+              <a:fontRef idx="minor">
+                <a:schemeClr val="dk1"/>
+              </a:fontRef>
+            </p:style>
+            <p:txBody>
+              <a:bodyPr rtlCol="0" anchor="ctr"/>
+              <a:lstStyle/>
+              <a:p>
+                <a:pPr algn="ctr"/>
+                <a14:m>
+                  <m:oMathPara xmlns:m="http://schemas.openxmlformats.org/officeDocument/2006/math">
+                    <m:oMathParaPr>
+                      <m:jc m:val="centerGroup"/>
+                    </m:oMathParaPr>
+                    <m:oMath xmlns:m="http://schemas.openxmlformats.org/officeDocument/2006/math">
+                      <m:sSub>
+                        <m:sSubPr>
+                          <m:ctrlPr>
+                            <a:rPr lang="en-US" b="0" i="1" smtClean="0">
+                              <a:latin typeface="Cambria Math" panose="02040503050406030204" pitchFamily="18" charset="0"/>
+                            </a:rPr>
+                          </m:ctrlPr>
+                        </m:sSubPr>
+                        <m:e>
+                          <m:r>
+                            <a:rPr lang="en-US" b="0" i="1" smtClean="0">
+                              <a:latin typeface="Cambria Math" panose="02040503050406030204" pitchFamily="18" charset="0"/>
+                            </a:rPr>
+                            <m:t>𝐻</m:t>
+                          </m:r>
+                        </m:e>
+                        <m:sub>
+                          <m:r>
+                            <a:rPr lang="en-US" b="0" i="1" smtClean="0">
+                              <a:latin typeface="Cambria Math" panose="02040503050406030204" pitchFamily="18" charset="0"/>
+                            </a:rPr>
+                            <m:t>1</m:t>
+                          </m:r>
+                        </m:sub>
+                      </m:sSub>
+                    </m:oMath>
+                  </m:oMathPara>
+                </a14:m>
+                <a:endParaRPr lang="en-US" dirty="0"/>
+              </a:p>
+            </p:txBody>
+          </p:sp>
+        </mc:Choice>
+        <mc:Fallback>
+          <p:sp>
+            <p:nvSpPr>
+              <p:cNvPr id="16" name="Oval 15">
+                <a:extLst>
+                  <a:ext uri="{FF2B5EF4-FFF2-40B4-BE49-F238E27FC236}">
+                    <a16:creationId xmlns:a16="http://schemas.microsoft.com/office/drawing/2014/main" id="{DDFB0274-EB62-2B4E-9A20-C31DA0DFFE01}"/>
+                  </a:ext>
+                </a:extLst>
+              </p:cNvPr>
+              <p:cNvSpPr>
+                <a:spLocks noRot="1" noChangeAspect="1" noMove="1" noResize="1" noEditPoints="1" noAdjustHandles="1" noChangeArrowheads="1" noChangeShapeType="1" noTextEdit="1"/>
+              </p:cNvSpPr>
+              <p:nvPr/>
+            </p:nvSpPr>
+            <p:spPr>
+              <a:xfrm>
+                <a:off x="6849842" y="2910217"/>
+                <a:ext cx="645253" cy="645252"/>
+              </a:xfrm>
+              <a:prstGeom prst="ellipse">
+                <a:avLst/>
+              </a:prstGeom>
+              <a:blipFill>
+                <a:blip r:embed="rId11"/>
+                <a:stretch>
+                  <a:fillRect/>
+                </a:stretch>
+              </a:blipFill>
+              <a:ln>
+                <a:solidFill>
+                  <a:schemeClr val="tx1"/>
+                </a:solidFill>
+              </a:ln>
+            </p:spPr>
+            <p:txBody>
+              <a:bodyPr/>
+              <a:lstStyle/>
+              <a:p>
+                <a:r>
+                  <a:rPr lang="en-US">
+                    <a:noFill/>
+                  </a:rPr>
+                  <a:t> </a:t>
+                </a:r>
+              </a:p>
+            </p:txBody>
+          </p:sp>
+        </mc:Fallback>
+      </mc:AlternateContent>
+      <mc:AlternateContent xmlns:mc="http://schemas.openxmlformats.org/markup-compatibility/2006">
+        <mc:Choice xmlns:a14="http://schemas.microsoft.com/office/drawing/2010/main" Requires="a14">
+          <p:sp>
+            <p:nvSpPr>
+              <p:cNvPr id="17" name="Oval 16">
+                <a:extLst>
+                  <a:ext uri="{FF2B5EF4-FFF2-40B4-BE49-F238E27FC236}">
+                    <a16:creationId xmlns:a16="http://schemas.microsoft.com/office/drawing/2014/main" id="{90CB79A9-3E16-E145-9348-BF876511F31A}"/>
+                  </a:ext>
+                </a:extLst>
+              </p:cNvPr>
+              <p:cNvSpPr/>
+              <p:nvPr/>
+            </p:nvSpPr>
+            <p:spPr>
+              <a:xfrm>
+                <a:off x="6849841" y="4251337"/>
+                <a:ext cx="645253" cy="645252"/>
+              </a:xfrm>
+              <a:prstGeom prst="ellipse">
+                <a:avLst/>
+              </a:prstGeom>
+              <a:ln>
+                <a:solidFill>
+                  <a:schemeClr val="tx1"/>
+                </a:solidFill>
+              </a:ln>
+            </p:spPr>
+            <p:style>
+              <a:lnRef idx="2">
+                <a:schemeClr val="accent6"/>
+              </a:lnRef>
+              <a:fillRef idx="1">
+                <a:schemeClr val="lt1"/>
+              </a:fillRef>
+              <a:effectRef idx="0">
+                <a:schemeClr val="accent6"/>
+              </a:effectRef>
+              <a:fontRef idx="minor">
+                <a:schemeClr val="dk1"/>
+              </a:fontRef>
+            </p:style>
+            <p:txBody>
+              <a:bodyPr rtlCol="0" anchor="ctr"/>
+              <a:lstStyle/>
+              <a:p>
+                <a:pPr algn="ctr"/>
+                <a14:m>
+                  <m:oMathPara xmlns:m="http://schemas.openxmlformats.org/officeDocument/2006/math">
+                    <m:oMathParaPr>
+                      <m:jc m:val="centerGroup"/>
+                    </m:oMathParaPr>
+                    <m:oMath xmlns:m="http://schemas.openxmlformats.org/officeDocument/2006/math">
+                      <m:sSub>
+                        <m:sSubPr>
+                          <m:ctrlPr>
+                            <a:rPr lang="en-US" b="0" i="1" smtClean="0">
+                              <a:latin typeface="Cambria Math" panose="02040503050406030204" pitchFamily="18" charset="0"/>
+                            </a:rPr>
+                          </m:ctrlPr>
+                        </m:sSubPr>
+                        <m:e>
+                          <m:r>
+                            <a:rPr lang="en-US" b="0" i="1" smtClean="0">
+                              <a:latin typeface="Cambria Math" panose="02040503050406030204" pitchFamily="18" charset="0"/>
+                            </a:rPr>
+                            <m:t>𝐻</m:t>
+                          </m:r>
+                        </m:e>
+                        <m:sub>
+                          <m:r>
+                            <a:rPr lang="en-US" b="0" i="1" smtClean="0">
+                              <a:latin typeface="Cambria Math" panose="02040503050406030204" pitchFamily="18" charset="0"/>
+                            </a:rPr>
+                            <m:t>2</m:t>
+                          </m:r>
+                        </m:sub>
+                      </m:sSub>
+                    </m:oMath>
+                  </m:oMathPara>
+                </a14:m>
+                <a:endParaRPr lang="en-US" dirty="0"/>
+              </a:p>
+            </p:txBody>
+          </p:sp>
+        </mc:Choice>
+        <mc:Fallback>
+          <p:sp>
+            <p:nvSpPr>
+              <p:cNvPr id="17" name="Oval 16">
+                <a:extLst>
+                  <a:ext uri="{FF2B5EF4-FFF2-40B4-BE49-F238E27FC236}">
+                    <a16:creationId xmlns:a16="http://schemas.microsoft.com/office/drawing/2014/main" id="{90CB79A9-3E16-E145-9348-BF876511F31A}"/>
+                  </a:ext>
+                </a:extLst>
+              </p:cNvPr>
+              <p:cNvSpPr>
+                <a:spLocks noRot="1" noChangeAspect="1" noMove="1" noResize="1" noEditPoints="1" noAdjustHandles="1" noChangeArrowheads="1" noChangeShapeType="1" noTextEdit="1"/>
+              </p:cNvSpPr>
+              <p:nvPr/>
+            </p:nvSpPr>
+            <p:spPr>
+              <a:xfrm>
+                <a:off x="6849841" y="4251337"/>
+                <a:ext cx="645253" cy="645252"/>
+              </a:xfrm>
+              <a:prstGeom prst="ellipse">
+                <a:avLst/>
+              </a:prstGeom>
+              <a:blipFill>
+                <a:blip r:embed="rId12"/>
+                <a:stretch>
+                  <a:fillRect/>
+                </a:stretch>
+              </a:blipFill>
+              <a:ln>
+                <a:solidFill>
+                  <a:schemeClr val="tx1"/>
+                </a:solidFill>
+              </a:ln>
+            </p:spPr>
+            <p:txBody>
+              <a:bodyPr/>
+              <a:lstStyle/>
+              <a:p>
+                <a:r>
+                  <a:rPr lang="en-US">
+                    <a:noFill/>
+                  </a:rPr>
+                  <a:t> </a:t>
+                </a:r>
+              </a:p>
+            </p:txBody>
+          </p:sp>
+        </mc:Fallback>
+      </mc:AlternateContent>
+      <mc:AlternateContent xmlns:mc="http://schemas.openxmlformats.org/markup-compatibility/2006">
+        <mc:Choice xmlns:a14="http://schemas.microsoft.com/office/drawing/2010/main" Requires="a14">
+          <p:sp>
+            <p:nvSpPr>
+              <p:cNvPr id="21" name="Rounded Rectangle 20">
+                <a:extLst>
+                  <a:ext uri="{FF2B5EF4-FFF2-40B4-BE49-F238E27FC236}">
+                    <a16:creationId xmlns:a16="http://schemas.microsoft.com/office/drawing/2014/main" id="{C3E52B3C-0092-FE49-8DDA-15AE678B5AD7}"/>
+                  </a:ext>
+                </a:extLst>
+              </p:cNvPr>
+              <p:cNvSpPr/>
+              <p:nvPr/>
+            </p:nvSpPr>
+            <p:spPr>
+              <a:xfrm>
+                <a:off x="8282397" y="1569097"/>
+                <a:ext cx="1310109" cy="3327492"/>
+              </a:xfrm>
+              <a:prstGeom prst="roundRect">
+                <a:avLst/>
+              </a:prstGeom>
+              <a:ln>
+                <a:solidFill>
+                  <a:schemeClr val="tx1"/>
+                </a:solidFill>
+              </a:ln>
+            </p:spPr>
+            <p:style>
+              <a:lnRef idx="2">
+                <a:schemeClr val="accent6"/>
+              </a:lnRef>
+              <a:fillRef idx="1">
+                <a:schemeClr val="lt1"/>
+              </a:fillRef>
+              <a:effectRef idx="0">
+                <a:schemeClr val="accent6"/>
+              </a:effectRef>
+              <a:fontRef idx="minor">
+                <a:schemeClr val="dk1"/>
+              </a:fontRef>
+            </p:style>
+            <p:txBody>
+              <a:bodyPr rtlCol="0" anchor="ctr"/>
+              <a:lstStyle/>
+              <a:p>
+                <a:pPr algn="ctr"/>
+                <a14:m>
+                  <m:oMathPara xmlns:m="http://schemas.openxmlformats.org/officeDocument/2006/math">
+                    <m:oMathParaPr>
+                      <m:jc m:val="centerGroup"/>
+                    </m:oMathParaPr>
+                    <m:oMath xmlns:m="http://schemas.openxmlformats.org/officeDocument/2006/math">
+                      <m:r>
+                        <a:rPr lang="en-US" b="0" i="1" smtClean="0">
+                          <a:latin typeface="Cambria Math" panose="02040503050406030204" pitchFamily="18" charset="0"/>
+                        </a:rPr>
+                        <m:t>𝑅</m:t>
+                      </m:r>
+                    </m:oMath>
+                  </m:oMathPara>
+                </a14:m>
+                <a:endParaRPr lang="en-US" dirty="0"/>
+              </a:p>
+              <a:p>
+                <a:pPr algn="ctr"/>
+                <a:endParaRPr lang="en-US" dirty="0"/>
+              </a:p>
+            </p:txBody>
+          </p:sp>
+        </mc:Choice>
+        <mc:Fallback>
+          <p:sp>
+            <p:nvSpPr>
+              <p:cNvPr id="21" name="Rounded Rectangle 20">
+                <a:extLst>
+                  <a:ext uri="{FF2B5EF4-FFF2-40B4-BE49-F238E27FC236}">
+                    <a16:creationId xmlns:a16="http://schemas.microsoft.com/office/drawing/2014/main" id="{C3E52B3C-0092-FE49-8DDA-15AE678B5AD7}"/>
+                  </a:ext>
+                </a:extLst>
+              </p:cNvPr>
+              <p:cNvSpPr>
+                <a:spLocks noRot="1" noChangeAspect="1" noMove="1" noResize="1" noEditPoints="1" noAdjustHandles="1" noChangeArrowheads="1" noChangeShapeType="1" noTextEdit="1"/>
+              </p:cNvSpPr>
+              <p:nvPr/>
+            </p:nvSpPr>
+            <p:spPr>
+              <a:xfrm>
+                <a:off x="8282397" y="1569097"/>
+                <a:ext cx="1310109" cy="3327492"/>
+              </a:xfrm>
+              <a:prstGeom prst="roundRect">
+                <a:avLst/>
+              </a:prstGeom>
+              <a:blipFill>
+                <a:blip r:embed="rId13"/>
+                <a:stretch>
+                  <a:fillRect/>
+                </a:stretch>
+              </a:blipFill>
+              <a:ln>
+                <a:solidFill>
+                  <a:schemeClr val="tx1"/>
+                </a:solidFill>
+              </a:ln>
+            </p:spPr>
+            <p:txBody>
+              <a:bodyPr/>
+              <a:lstStyle/>
+              <a:p>
+                <a:r>
+                  <a:rPr lang="en-US">
+                    <a:noFill/>
+                  </a:rPr>
+                  <a:t> </a:t>
+                </a:r>
+              </a:p>
+            </p:txBody>
+          </p:sp>
+        </mc:Fallback>
+      </mc:AlternateContent>
+      <p:cxnSp>
+        <p:nvCxnSpPr>
+          <p:cNvPr id="23" name="Straight Arrow Connector 22">
+            <a:extLst>
+              <a:ext uri="{FF2B5EF4-FFF2-40B4-BE49-F238E27FC236}">
+                <a16:creationId xmlns:a16="http://schemas.microsoft.com/office/drawing/2014/main" id="{335DE1C9-A06C-D14C-B668-2A8B5D6A690D}"/>
+              </a:ext>
+            </a:extLst>
+          </p:cNvPr>
+          <p:cNvCxnSpPr>
+            <a:stCxn id="4" idx="6"/>
+            <a:endCxn id="5" idx="2"/>
+          </p:cNvCxnSpPr>
+          <p:nvPr/>
+        </p:nvCxnSpPr>
+        <p:spPr>
+          <a:xfrm>
+            <a:off x="1764862" y="1891723"/>
+            <a:ext cx="787307" cy="0"/>
+          </a:xfrm>
+          <a:prstGeom prst="straightConnector1">
+            <a:avLst/>
+          </a:prstGeom>
+          <a:ln>
+            <a:tailEnd type="triangle"/>
+          </a:ln>
+        </p:spPr>
+        <p:style>
+          <a:lnRef idx="1">
+            <a:schemeClr val="dk1"/>
+          </a:lnRef>
+          <a:fillRef idx="0">
+            <a:schemeClr val="dk1"/>
+          </a:fillRef>
+          <a:effectRef idx="0">
+            <a:schemeClr val="dk1"/>
+          </a:effectRef>
+          <a:fontRef idx="minor">
+            <a:schemeClr val="tx1"/>
+          </a:fontRef>
+        </p:style>
+      </p:cxnSp>
+      <p:cxnSp>
+        <p:nvCxnSpPr>
+          <p:cNvPr id="24" name="Straight Arrow Connector 23">
+            <a:extLst>
+              <a:ext uri="{FF2B5EF4-FFF2-40B4-BE49-F238E27FC236}">
+                <a16:creationId xmlns:a16="http://schemas.microsoft.com/office/drawing/2014/main" id="{081CCFB7-98B7-1741-AC8A-8319E8A75DF2}"/>
+              </a:ext>
+            </a:extLst>
+          </p:cNvPr>
+          <p:cNvCxnSpPr/>
+          <p:nvPr/>
+        </p:nvCxnSpPr>
+        <p:spPr>
+          <a:xfrm>
+            <a:off x="3197420" y="1891723"/>
+            <a:ext cx="787307" cy="0"/>
+          </a:xfrm>
+          <a:prstGeom prst="straightConnector1">
+            <a:avLst/>
+          </a:prstGeom>
+          <a:ln>
+            <a:tailEnd type="triangle"/>
+          </a:ln>
+        </p:spPr>
+        <p:style>
+          <a:lnRef idx="1">
+            <a:schemeClr val="dk1"/>
+          </a:lnRef>
+          <a:fillRef idx="0">
+            <a:schemeClr val="dk1"/>
+          </a:fillRef>
+          <a:effectRef idx="0">
+            <a:schemeClr val="dk1"/>
+          </a:effectRef>
+          <a:fontRef idx="minor">
+            <a:schemeClr val="tx1"/>
+          </a:fontRef>
+        </p:style>
+      </p:cxnSp>
+      <p:cxnSp>
+        <p:nvCxnSpPr>
+          <p:cNvPr id="25" name="Straight Arrow Connector 24">
+            <a:extLst>
+              <a:ext uri="{FF2B5EF4-FFF2-40B4-BE49-F238E27FC236}">
+                <a16:creationId xmlns:a16="http://schemas.microsoft.com/office/drawing/2014/main" id="{7DBE9F8D-EC33-F24E-A531-FC5E8CEF532C}"/>
+              </a:ext>
+            </a:extLst>
+          </p:cNvPr>
+          <p:cNvCxnSpPr/>
+          <p:nvPr/>
+        </p:nvCxnSpPr>
+        <p:spPr>
+          <a:xfrm>
+            <a:off x="4629980" y="1891723"/>
+            <a:ext cx="787307" cy="0"/>
+          </a:xfrm>
+          <a:prstGeom prst="straightConnector1">
+            <a:avLst/>
+          </a:prstGeom>
+          <a:ln>
+            <a:tailEnd type="triangle"/>
+          </a:ln>
+        </p:spPr>
+        <p:style>
+          <a:lnRef idx="1">
+            <a:schemeClr val="dk1"/>
+          </a:lnRef>
+          <a:fillRef idx="0">
+            <a:schemeClr val="dk1"/>
+          </a:fillRef>
+          <a:effectRef idx="0">
+            <a:schemeClr val="dk1"/>
+          </a:effectRef>
+          <a:fontRef idx="minor">
+            <a:schemeClr val="tx1"/>
+          </a:fontRef>
+        </p:style>
+      </p:cxnSp>
+      <p:cxnSp>
+        <p:nvCxnSpPr>
+          <p:cNvPr id="26" name="Straight Arrow Connector 25">
+            <a:extLst>
+              <a:ext uri="{FF2B5EF4-FFF2-40B4-BE49-F238E27FC236}">
+                <a16:creationId xmlns:a16="http://schemas.microsoft.com/office/drawing/2014/main" id="{130BC97A-E583-0544-888B-CAAA1A3FC09F}"/>
+              </a:ext>
+            </a:extLst>
+          </p:cNvPr>
+          <p:cNvCxnSpPr/>
+          <p:nvPr/>
+        </p:nvCxnSpPr>
+        <p:spPr>
+          <a:xfrm>
+            <a:off x="6062534" y="1891723"/>
+            <a:ext cx="787307" cy="0"/>
+          </a:xfrm>
+          <a:prstGeom prst="straightConnector1">
+            <a:avLst/>
+          </a:prstGeom>
+          <a:ln>
+            <a:tailEnd type="triangle"/>
+          </a:ln>
+        </p:spPr>
+        <p:style>
+          <a:lnRef idx="1">
+            <a:schemeClr val="dk1"/>
+          </a:lnRef>
+          <a:fillRef idx="0">
+            <a:schemeClr val="dk1"/>
+          </a:fillRef>
+          <a:effectRef idx="0">
+            <a:schemeClr val="dk1"/>
+          </a:effectRef>
+          <a:fontRef idx="minor">
+            <a:schemeClr val="tx1"/>
+          </a:fontRef>
+        </p:style>
+      </p:cxnSp>
+      <p:cxnSp>
+        <p:nvCxnSpPr>
+          <p:cNvPr id="27" name="Straight Arrow Connector 26">
+            <a:extLst>
+              <a:ext uri="{FF2B5EF4-FFF2-40B4-BE49-F238E27FC236}">
+                <a16:creationId xmlns:a16="http://schemas.microsoft.com/office/drawing/2014/main" id="{C6B2333E-3EB4-8F44-BAF7-2A7108A590AE}"/>
+              </a:ext>
+            </a:extLst>
+          </p:cNvPr>
+          <p:cNvCxnSpPr/>
+          <p:nvPr/>
+        </p:nvCxnSpPr>
+        <p:spPr>
+          <a:xfrm>
+            <a:off x="7495090" y="1891723"/>
+            <a:ext cx="787307" cy="0"/>
+          </a:xfrm>
+          <a:prstGeom prst="straightConnector1">
+            <a:avLst/>
+          </a:prstGeom>
+          <a:ln>
+            <a:tailEnd type="triangle"/>
+          </a:ln>
+        </p:spPr>
+        <p:style>
+          <a:lnRef idx="1">
+            <a:schemeClr val="dk1"/>
+          </a:lnRef>
+          <a:fillRef idx="0">
+            <a:schemeClr val="dk1"/>
+          </a:fillRef>
+          <a:effectRef idx="0">
+            <a:schemeClr val="dk1"/>
+          </a:effectRef>
+          <a:fontRef idx="minor">
+            <a:schemeClr val="tx1"/>
+          </a:fontRef>
+        </p:style>
+      </p:cxnSp>
+      <p:cxnSp>
+        <p:nvCxnSpPr>
+          <p:cNvPr id="28" name="Straight Arrow Connector 27">
+            <a:extLst>
+              <a:ext uri="{FF2B5EF4-FFF2-40B4-BE49-F238E27FC236}">
+                <a16:creationId xmlns:a16="http://schemas.microsoft.com/office/drawing/2014/main" id="{F2384154-1FC1-7343-B17B-1AFD04390677}"/>
+              </a:ext>
+            </a:extLst>
+          </p:cNvPr>
+          <p:cNvCxnSpPr>
+            <a:cxnSpLocks/>
+            <a:stCxn id="6" idx="4"/>
+            <a:endCxn id="7" idx="0"/>
+          </p:cNvCxnSpPr>
+          <p:nvPr/>
+        </p:nvCxnSpPr>
+        <p:spPr>
+          <a:xfrm flipH="1">
+            <a:off x="4307355" y="2214349"/>
+            <a:ext cx="1" cy="695868"/>
+          </a:xfrm>
+          <a:prstGeom prst="straightConnector1">
+            <a:avLst/>
+          </a:prstGeom>
+          <a:ln>
+            <a:tailEnd type="triangle"/>
+          </a:ln>
+        </p:spPr>
+        <p:style>
+          <a:lnRef idx="1">
+            <a:schemeClr val="dk1"/>
+          </a:lnRef>
+          <a:fillRef idx="0">
+            <a:schemeClr val="dk1"/>
+          </a:fillRef>
+          <a:effectRef idx="0">
+            <a:schemeClr val="dk1"/>
+          </a:effectRef>
+          <a:fontRef idx="minor">
+            <a:schemeClr val="tx1"/>
+          </a:fontRef>
+        </p:style>
+      </p:cxnSp>
+      <p:cxnSp>
+        <p:nvCxnSpPr>
+          <p:cNvPr id="31" name="Straight Arrow Connector 30">
+            <a:extLst>
+              <a:ext uri="{FF2B5EF4-FFF2-40B4-BE49-F238E27FC236}">
+                <a16:creationId xmlns:a16="http://schemas.microsoft.com/office/drawing/2014/main" id="{B10DF28F-2DE1-F94E-AB34-D88B23B5A6F3}"/>
+              </a:ext>
+            </a:extLst>
+          </p:cNvPr>
+          <p:cNvCxnSpPr>
+            <a:cxnSpLocks/>
+            <a:endCxn id="8" idx="0"/>
+          </p:cNvCxnSpPr>
+          <p:nvPr/>
+        </p:nvCxnSpPr>
+        <p:spPr>
+          <a:xfrm>
+            <a:off x="4307351" y="3555469"/>
+            <a:ext cx="3" cy="695868"/>
+          </a:xfrm>
+          <a:prstGeom prst="straightConnector1">
+            <a:avLst/>
+          </a:prstGeom>
+          <a:ln>
+            <a:tailEnd type="triangle"/>
+          </a:ln>
+        </p:spPr>
+        <p:style>
+          <a:lnRef idx="1">
+            <a:schemeClr val="dk1"/>
+          </a:lnRef>
+          <a:fillRef idx="0">
+            <a:schemeClr val="dk1"/>
+          </a:fillRef>
+          <a:effectRef idx="0">
+            <a:schemeClr val="dk1"/>
+          </a:effectRef>
+          <a:fontRef idx="minor">
+            <a:schemeClr val="tx1"/>
+          </a:fontRef>
+        </p:style>
+      </p:cxnSp>
+      <p:cxnSp>
+        <p:nvCxnSpPr>
+          <p:cNvPr id="38" name="Straight Arrow Connector 37">
+            <a:extLst>
+              <a:ext uri="{FF2B5EF4-FFF2-40B4-BE49-F238E27FC236}">
+                <a16:creationId xmlns:a16="http://schemas.microsoft.com/office/drawing/2014/main" id="{444891A8-A29F-5346-8134-C507427B8A72}"/>
+              </a:ext>
+            </a:extLst>
+          </p:cNvPr>
+          <p:cNvCxnSpPr/>
+          <p:nvPr/>
+        </p:nvCxnSpPr>
+        <p:spPr>
+          <a:xfrm>
+            <a:off x="4629980" y="3232843"/>
+            <a:ext cx="787307" cy="0"/>
+          </a:xfrm>
+          <a:prstGeom prst="straightConnector1">
+            <a:avLst/>
+          </a:prstGeom>
+          <a:ln>
+            <a:tailEnd type="triangle"/>
+          </a:ln>
+        </p:spPr>
+        <p:style>
+          <a:lnRef idx="1">
+            <a:schemeClr val="dk1"/>
+          </a:lnRef>
+          <a:fillRef idx="0">
+            <a:schemeClr val="dk1"/>
+          </a:fillRef>
+          <a:effectRef idx="0">
+            <a:schemeClr val="dk1"/>
+          </a:effectRef>
+          <a:fontRef idx="minor">
+            <a:schemeClr val="tx1"/>
+          </a:fontRef>
+        </p:style>
+      </p:cxnSp>
+      <p:cxnSp>
+        <p:nvCxnSpPr>
+          <p:cNvPr id="39" name="Straight Arrow Connector 38">
+            <a:extLst>
+              <a:ext uri="{FF2B5EF4-FFF2-40B4-BE49-F238E27FC236}">
+                <a16:creationId xmlns:a16="http://schemas.microsoft.com/office/drawing/2014/main" id="{73930E1E-26B1-D348-9FC2-CABFE4283020}"/>
+              </a:ext>
+            </a:extLst>
+          </p:cNvPr>
+          <p:cNvCxnSpPr/>
+          <p:nvPr/>
+        </p:nvCxnSpPr>
+        <p:spPr>
+          <a:xfrm>
+            <a:off x="6062534" y="3232843"/>
+            <a:ext cx="787307" cy="0"/>
+          </a:xfrm>
+          <a:prstGeom prst="straightConnector1">
+            <a:avLst/>
+          </a:prstGeom>
+          <a:ln>
+            <a:tailEnd type="triangle"/>
+          </a:ln>
+        </p:spPr>
+        <p:style>
+          <a:lnRef idx="1">
+            <a:schemeClr val="dk1"/>
+          </a:lnRef>
+          <a:fillRef idx="0">
+            <a:schemeClr val="dk1"/>
+          </a:fillRef>
+          <a:effectRef idx="0">
+            <a:schemeClr val="dk1"/>
+          </a:effectRef>
+          <a:fontRef idx="minor">
+            <a:schemeClr val="tx1"/>
+          </a:fontRef>
+        </p:style>
+      </p:cxnSp>
+      <p:cxnSp>
+        <p:nvCxnSpPr>
+          <p:cNvPr id="40" name="Straight Arrow Connector 39">
+            <a:extLst>
+              <a:ext uri="{FF2B5EF4-FFF2-40B4-BE49-F238E27FC236}">
+                <a16:creationId xmlns:a16="http://schemas.microsoft.com/office/drawing/2014/main" id="{189181B5-91DD-CE4C-ACD7-36446E999F10}"/>
+              </a:ext>
+            </a:extLst>
+          </p:cNvPr>
+          <p:cNvCxnSpPr/>
+          <p:nvPr/>
+        </p:nvCxnSpPr>
+        <p:spPr>
+          <a:xfrm>
+            <a:off x="7495090" y="3232843"/>
+            <a:ext cx="787307" cy="0"/>
+          </a:xfrm>
+          <a:prstGeom prst="straightConnector1">
+            <a:avLst/>
+          </a:prstGeom>
+          <a:ln>
+            <a:tailEnd type="triangle"/>
+          </a:ln>
+        </p:spPr>
+        <p:style>
+          <a:lnRef idx="1">
+            <a:schemeClr val="dk1"/>
+          </a:lnRef>
+          <a:fillRef idx="0">
+            <a:schemeClr val="dk1"/>
+          </a:fillRef>
+          <a:effectRef idx="0">
+            <a:schemeClr val="dk1"/>
+          </a:effectRef>
+          <a:fontRef idx="minor">
+            <a:schemeClr val="tx1"/>
+          </a:fontRef>
+        </p:style>
+      </p:cxnSp>
+      <p:cxnSp>
+        <p:nvCxnSpPr>
+          <p:cNvPr id="41" name="Straight Arrow Connector 40">
+            <a:extLst>
+              <a:ext uri="{FF2B5EF4-FFF2-40B4-BE49-F238E27FC236}">
+                <a16:creationId xmlns:a16="http://schemas.microsoft.com/office/drawing/2014/main" id="{1B9CA715-4B2F-AF4B-B77A-AEE2E16229E9}"/>
+              </a:ext>
+            </a:extLst>
+          </p:cNvPr>
+          <p:cNvCxnSpPr/>
+          <p:nvPr/>
+        </p:nvCxnSpPr>
+        <p:spPr>
+          <a:xfrm>
+            <a:off x="4629980" y="4596823"/>
+            <a:ext cx="787307" cy="0"/>
+          </a:xfrm>
+          <a:prstGeom prst="straightConnector1">
+            <a:avLst/>
+          </a:prstGeom>
+          <a:ln w="38100">
+            <a:solidFill>
+              <a:schemeClr val="tx1">
+                <a:lumMod val="95000"/>
+                <a:lumOff val="5000"/>
+              </a:schemeClr>
+            </a:solidFill>
+            <a:tailEnd type="stealth" w="lg" len="lg"/>
+          </a:ln>
+        </p:spPr>
+        <p:style>
+          <a:lnRef idx="1">
+            <a:schemeClr val="dk1"/>
+          </a:lnRef>
+          <a:fillRef idx="0">
+            <a:schemeClr val="dk1"/>
+          </a:fillRef>
+          <a:effectRef idx="0">
+            <a:schemeClr val="dk1"/>
+          </a:effectRef>
+          <a:fontRef idx="minor">
+            <a:schemeClr val="tx1"/>
+          </a:fontRef>
+        </p:style>
+      </p:cxnSp>
+      <p:cxnSp>
+        <p:nvCxnSpPr>
+          <p:cNvPr id="42" name="Straight Arrow Connector 41">
+            <a:extLst>
+              <a:ext uri="{FF2B5EF4-FFF2-40B4-BE49-F238E27FC236}">
+                <a16:creationId xmlns:a16="http://schemas.microsoft.com/office/drawing/2014/main" id="{D7362B37-4A1C-AE49-BE66-BA2CF838E217}"/>
+              </a:ext>
+            </a:extLst>
+          </p:cNvPr>
+          <p:cNvCxnSpPr/>
+          <p:nvPr/>
+        </p:nvCxnSpPr>
+        <p:spPr>
+          <a:xfrm>
+            <a:off x="6062534" y="4596823"/>
+            <a:ext cx="787307" cy="0"/>
+          </a:xfrm>
+          <a:prstGeom prst="straightConnector1">
+            <a:avLst/>
+          </a:prstGeom>
+          <a:ln>
+            <a:tailEnd type="triangle"/>
+          </a:ln>
+        </p:spPr>
+        <p:style>
+          <a:lnRef idx="1">
+            <a:schemeClr val="dk1"/>
+          </a:lnRef>
+          <a:fillRef idx="0">
+            <a:schemeClr val="dk1"/>
+          </a:fillRef>
+          <a:effectRef idx="0">
+            <a:schemeClr val="dk1"/>
+          </a:effectRef>
+          <a:fontRef idx="minor">
+            <a:schemeClr val="tx1"/>
+          </a:fontRef>
+        </p:style>
+      </p:cxnSp>
+      <p:cxnSp>
+        <p:nvCxnSpPr>
+          <p:cNvPr id="43" name="Straight Arrow Connector 42">
+            <a:extLst>
+              <a:ext uri="{FF2B5EF4-FFF2-40B4-BE49-F238E27FC236}">
+                <a16:creationId xmlns:a16="http://schemas.microsoft.com/office/drawing/2014/main" id="{80F0E831-B80F-3F40-9698-AE5687808618}"/>
+              </a:ext>
+            </a:extLst>
+          </p:cNvPr>
+          <p:cNvCxnSpPr/>
+          <p:nvPr/>
+        </p:nvCxnSpPr>
+        <p:spPr>
+          <a:xfrm>
+            <a:off x="7495090" y="4596823"/>
+            <a:ext cx="787307" cy="0"/>
+          </a:xfrm>
+          <a:prstGeom prst="straightConnector1">
+            <a:avLst/>
+          </a:prstGeom>
+          <a:ln>
+            <a:tailEnd type="triangle"/>
+          </a:ln>
+        </p:spPr>
+        <p:style>
+          <a:lnRef idx="1">
+            <a:schemeClr val="dk1"/>
+          </a:lnRef>
+          <a:fillRef idx="0">
+            <a:schemeClr val="dk1"/>
+          </a:fillRef>
+          <a:effectRef idx="0">
+            <a:schemeClr val="dk1"/>
+          </a:effectRef>
+          <a:fontRef idx="minor">
+            <a:schemeClr val="tx1"/>
+          </a:fontRef>
+        </p:style>
+      </p:cxnSp>
+      <p:sp>
+        <p:nvSpPr>
+          <p:cNvPr id="44" name="Rounded Rectangle 43">
+            <a:extLst>
+              <a:ext uri="{FF2B5EF4-FFF2-40B4-BE49-F238E27FC236}">
+                <a16:creationId xmlns:a16="http://schemas.microsoft.com/office/drawing/2014/main" id="{2A389F3B-5290-A340-9829-88654A7D6A0A}"/>
+              </a:ext>
+            </a:extLst>
+          </p:cNvPr>
+          <p:cNvSpPr/>
+          <p:nvPr/>
+        </p:nvSpPr>
+        <p:spPr>
+          <a:xfrm>
+            <a:off x="2290181" y="1204018"/>
+            <a:ext cx="2594610" cy="4057650"/>
+          </a:xfrm>
+          <a:prstGeom prst="roundRect">
+            <a:avLst/>
+          </a:prstGeom>
+          <a:solidFill>
+            <a:srgbClr val="C00000">
+              <a:alpha val="26000"/>
+            </a:srgbClr>
+          </a:solidFill>
+          <a:ln>
+            <a:noFill/>
+          </a:ln>
+        </p:spPr>
+        <p:style>
+          <a:lnRef idx="2">
+            <a:schemeClr val="accent1">
+              <a:shade val="50000"/>
+            </a:schemeClr>
+          </a:lnRef>
+          <a:fillRef idx="1">
+            <a:schemeClr val="accent1"/>
+          </a:fillRef>
+          <a:effectRef idx="0">
+            <a:schemeClr val="accent1"/>
+          </a:effectRef>
+          <a:fontRef idx="minor">
+            <a:schemeClr val="lt1"/>
+          </a:fontRef>
+        </p:style>
+        <p:txBody>
+          <a:bodyPr rtlCol="0" anchor="ctr"/>
+          <a:lstStyle/>
+          <a:p>
+            <a:pPr algn="ctr"/>
+            <a:endParaRPr lang="en-US"/>
+          </a:p>
+        </p:txBody>
+      </p:sp>
+      <p:sp>
+        <p:nvSpPr>
+          <p:cNvPr id="45" name="Rounded Rectangle 44">
+            <a:extLst>
+              <a:ext uri="{FF2B5EF4-FFF2-40B4-BE49-F238E27FC236}">
+                <a16:creationId xmlns:a16="http://schemas.microsoft.com/office/drawing/2014/main" id="{40E05E65-82B8-3647-8A64-66A2637AC7BF}"/>
+              </a:ext>
+            </a:extLst>
+          </p:cNvPr>
+          <p:cNvSpPr/>
+          <p:nvPr/>
+        </p:nvSpPr>
+        <p:spPr>
+          <a:xfrm>
+            <a:off x="5210629" y="2699657"/>
+            <a:ext cx="1074057" cy="2409372"/>
+          </a:xfrm>
+          <a:prstGeom prst="roundRect">
+            <a:avLst/>
+          </a:prstGeom>
+          <a:solidFill>
+            <a:schemeClr val="accent1">
+              <a:alpha val="29000"/>
+            </a:schemeClr>
+          </a:solidFill>
+          <a:ln>
+            <a:noFill/>
+          </a:ln>
+        </p:spPr>
+        <p:style>
+          <a:lnRef idx="2">
+            <a:schemeClr val="accent1">
+              <a:shade val="50000"/>
+            </a:schemeClr>
+          </a:lnRef>
+          <a:fillRef idx="1">
+            <a:schemeClr val="accent1"/>
+          </a:fillRef>
+          <a:effectRef idx="0">
+            <a:schemeClr val="accent1"/>
+          </a:effectRef>
+          <a:fontRef idx="minor">
+            <a:schemeClr val="lt1"/>
+          </a:fontRef>
+        </p:style>
+        <p:txBody>
+          <a:bodyPr rtlCol="0" anchor="ctr"/>
+          <a:lstStyle/>
+          <a:p>
+            <a:pPr algn="ctr"/>
+            <a:endParaRPr lang="en-US"/>
+          </a:p>
+        </p:txBody>
+      </p:sp>
+      <p:grpSp>
+        <p:nvGrpSpPr>
+          <p:cNvPr id="50" name="Group 49">
+            <a:extLst>
+              <a:ext uri="{FF2B5EF4-FFF2-40B4-BE49-F238E27FC236}">
+                <a16:creationId xmlns:a16="http://schemas.microsoft.com/office/drawing/2014/main" id="{DB4737F5-C6B2-324F-9290-3D44CA913750}"/>
+              </a:ext>
+            </a:extLst>
+          </p:cNvPr>
+          <p:cNvGrpSpPr/>
+          <p:nvPr/>
+        </p:nvGrpSpPr>
+        <p:grpSpPr>
+          <a:xfrm>
+            <a:off x="1262411" y="2277269"/>
+            <a:ext cx="1389960" cy="2050560"/>
+            <a:chOff x="1262411" y="2277269"/>
+            <a:chExt cx="1389960" cy="2050560"/>
+          </a:xfrm>
+        </p:grpSpPr>
+        <mc:AlternateContent xmlns:mc="http://schemas.openxmlformats.org/markup-compatibility/2006">
+          <mc:Choice xmlns:p14="http://schemas.microsoft.com/office/powerpoint/2010/main" Requires="p14">
+            <p:contentPart p14:bwMode="auto" r:id="rId14">
+              <p14:nvContentPartPr>
+                <p14:cNvPr id="46" name="Ink 45">
+                  <a:extLst>
+                    <a:ext uri="{FF2B5EF4-FFF2-40B4-BE49-F238E27FC236}">
+                      <a16:creationId xmlns:a16="http://schemas.microsoft.com/office/drawing/2014/main" id="{8CACDE5F-DC02-0940-9B1A-E23969C0E6CC}"/>
+                    </a:ext>
+                  </a:extLst>
+                </p14:cNvPr>
+                <p14:cNvContentPartPr/>
+                <p14:nvPr/>
+              </p14:nvContentPartPr>
+              <p14:xfrm>
+                <a:off x="1262411" y="2302829"/>
+                <a:ext cx="1389960" cy="2025000"/>
+              </p14:xfrm>
+            </p:contentPart>
+          </mc:Choice>
+          <mc:Fallback>
+            <p:pic>
+              <p:nvPicPr>
+                <p:cNvPr id="46" name="Ink 45">
+                  <a:extLst>
+                    <a:ext uri="{FF2B5EF4-FFF2-40B4-BE49-F238E27FC236}">
+                      <a16:creationId xmlns:a16="http://schemas.microsoft.com/office/drawing/2014/main" id="{8CACDE5F-DC02-0940-9B1A-E23969C0E6CC}"/>
+                    </a:ext>
+                  </a:extLst>
+                </p:cNvPr>
+                <p:cNvPicPr/>
+                <p:nvPr/>
+              </p:nvPicPr>
+              <p:blipFill>
+                <a:blip r:embed="rId15"/>
+                <a:stretch>
+                  <a:fillRect/>
+                </a:stretch>
+              </p:blipFill>
+              <p:spPr>
+                <a:xfrm>
+                  <a:off x="1253771" y="2294189"/>
+                  <a:ext cx="1407600" cy="2042640"/>
+                </a:xfrm>
+                <a:prstGeom prst="rect">
+                  <a:avLst/>
+                </a:prstGeom>
+              </p:spPr>
+            </p:pic>
+          </mc:Fallback>
+        </mc:AlternateContent>
+        <mc:AlternateContent xmlns:mc="http://schemas.openxmlformats.org/markup-compatibility/2006">
+          <mc:Choice xmlns:p14="http://schemas.microsoft.com/office/powerpoint/2010/main" Requires="p14">
+            <p:contentPart p14:bwMode="auto" r:id="rId16">
+              <p14:nvContentPartPr>
+                <p14:cNvPr id="47" name="Ink 46">
+                  <a:extLst>
+                    <a:ext uri="{FF2B5EF4-FFF2-40B4-BE49-F238E27FC236}">
+                      <a16:creationId xmlns:a16="http://schemas.microsoft.com/office/drawing/2014/main" id="{76B141B1-4EED-E643-9228-CF34E54E9086}"/>
+                    </a:ext>
+                  </a:extLst>
+                </p14:cNvPr>
+                <p14:cNvContentPartPr/>
+                <p14:nvPr/>
+              </p14:nvContentPartPr>
+              <p14:xfrm>
+                <a:off x="1385531" y="2277269"/>
+                <a:ext cx="154800" cy="167760"/>
+              </p14:xfrm>
+            </p:contentPart>
+          </mc:Choice>
+          <mc:Fallback>
+            <p:pic>
+              <p:nvPicPr>
+                <p:cNvPr id="47" name="Ink 46">
+                  <a:extLst>
+                    <a:ext uri="{FF2B5EF4-FFF2-40B4-BE49-F238E27FC236}">
+                      <a16:creationId xmlns:a16="http://schemas.microsoft.com/office/drawing/2014/main" id="{76B141B1-4EED-E643-9228-CF34E54E9086}"/>
+                    </a:ext>
+                  </a:extLst>
+                </p:cNvPr>
+                <p:cNvPicPr/>
+                <p:nvPr/>
+              </p:nvPicPr>
+              <p:blipFill>
+                <a:blip r:embed="rId17"/>
+                <a:stretch>
+                  <a:fillRect/>
+                </a:stretch>
+              </p:blipFill>
+              <p:spPr>
+                <a:xfrm>
+                  <a:off x="1376531" y="2268269"/>
+                  <a:ext cx="172440" cy="185400"/>
+                </a:xfrm>
+                <a:prstGeom prst="rect">
+                  <a:avLst/>
+                </a:prstGeom>
+              </p:spPr>
+            </p:pic>
+          </mc:Fallback>
+        </mc:AlternateContent>
+        <mc:AlternateContent xmlns:mc="http://schemas.openxmlformats.org/markup-compatibility/2006">
+          <mc:Choice xmlns:p14="http://schemas.microsoft.com/office/powerpoint/2010/main" Requires="p14">
+            <p:contentPart p14:bwMode="auto" r:id="rId18">
+              <p14:nvContentPartPr>
+                <p14:cNvPr id="49" name="Ink 48">
+                  <a:extLst>
+                    <a:ext uri="{FF2B5EF4-FFF2-40B4-BE49-F238E27FC236}">
+                      <a16:creationId xmlns:a16="http://schemas.microsoft.com/office/drawing/2014/main" id="{D86B5868-90A9-6A4C-B703-50C85DB40DB7}"/>
+                    </a:ext>
+                  </a:extLst>
+                </p14:cNvPr>
+                <p14:cNvContentPartPr/>
+                <p14:nvPr/>
+              </p14:nvContentPartPr>
+              <p14:xfrm>
+                <a:off x="1543931" y="2282669"/>
+                <a:ext cx="24120" cy="268920"/>
+              </p14:xfrm>
+            </p:contentPart>
+          </mc:Choice>
+          <mc:Fallback>
+            <p:pic>
+              <p:nvPicPr>
+                <p:cNvPr id="49" name="Ink 48">
+                  <a:extLst>
+                    <a:ext uri="{FF2B5EF4-FFF2-40B4-BE49-F238E27FC236}">
+                      <a16:creationId xmlns:a16="http://schemas.microsoft.com/office/drawing/2014/main" id="{D86B5868-90A9-6A4C-B703-50C85DB40DB7}"/>
+                    </a:ext>
+                  </a:extLst>
+                </p:cNvPr>
+                <p:cNvPicPr/>
+                <p:nvPr/>
+              </p:nvPicPr>
+              <p:blipFill>
+                <a:blip r:embed="rId19"/>
+                <a:stretch>
+                  <a:fillRect/>
+                </a:stretch>
+              </p:blipFill>
+              <p:spPr>
+                <a:xfrm>
+                  <a:off x="1535291" y="2273669"/>
+                  <a:ext cx="41760" cy="286560"/>
+                </a:xfrm>
+                <a:prstGeom prst="rect">
+                  <a:avLst/>
+                </a:prstGeom>
+              </p:spPr>
+            </p:pic>
+          </mc:Fallback>
+        </mc:AlternateContent>
+      </p:grpSp>
+      <p:grpSp>
+        <p:nvGrpSpPr>
+          <p:cNvPr id="53" name="Group 52">
+            <a:extLst>
+              <a:ext uri="{FF2B5EF4-FFF2-40B4-BE49-F238E27FC236}">
+                <a16:creationId xmlns:a16="http://schemas.microsoft.com/office/drawing/2014/main" id="{90510FC9-C0CD-CF48-A61E-8C9433AAFADA}"/>
+              </a:ext>
+            </a:extLst>
+          </p:cNvPr>
+          <p:cNvGrpSpPr/>
+          <p:nvPr/>
+        </p:nvGrpSpPr>
+        <p:grpSpPr>
+          <a:xfrm>
+            <a:off x="2984291" y="287549"/>
+            <a:ext cx="2884320" cy="1432440"/>
+            <a:chOff x="2984291" y="287549"/>
+            <a:chExt cx="2884320" cy="1432440"/>
+          </a:xfrm>
+        </p:grpSpPr>
+        <mc:AlternateContent xmlns:mc="http://schemas.openxmlformats.org/markup-compatibility/2006">
+          <mc:Choice xmlns:p14="http://schemas.microsoft.com/office/powerpoint/2010/main" Requires="p14">
+            <p:contentPart p14:bwMode="auto" r:id="rId20">
+              <p14:nvContentPartPr>
+                <p14:cNvPr id="51" name="Ink 50">
+                  <a:extLst>
+                    <a:ext uri="{FF2B5EF4-FFF2-40B4-BE49-F238E27FC236}">
+                      <a16:creationId xmlns:a16="http://schemas.microsoft.com/office/drawing/2014/main" id="{5F361477-9B27-8949-A00F-C7CF1F8EAE77}"/>
+                    </a:ext>
+                  </a:extLst>
+                </p14:cNvPr>
+                <p14:cNvContentPartPr/>
+                <p14:nvPr/>
+              </p14:nvContentPartPr>
+              <p14:xfrm>
+                <a:off x="2984291" y="287549"/>
+                <a:ext cx="2765520" cy="1432440"/>
+              </p14:xfrm>
+            </p:contentPart>
+          </mc:Choice>
+          <mc:Fallback>
+            <p:pic>
+              <p:nvPicPr>
+                <p:cNvPr id="51" name="Ink 50">
+                  <a:extLst>
+                    <a:ext uri="{FF2B5EF4-FFF2-40B4-BE49-F238E27FC236}">
+                      <a16:creationId xmlns:a16="http://schemas.microsoft.com/office/drawing/2014/main" id="{5F361477-9B27-8949-A00F-C7CF1F8EAE77}"/>
+                    </a:ext>
+                  </a:extLst>
+                </p:cNvPr>
+                <p:cNvPicPr/>
+                <p:nvPr/>
+              </p:nvPicPr>
+              <p:blipFill>
+                <a:blip r:embed="rId21"/>
+                <a:stretch>
+                  <a:fillRect/>
+                </a:stretch>
+              </p:blipFill>
+              <p:spPr>
+                <a:xfrm>
+                  <a:off x="2975291" y="278909"/>
+                  <a:ext cx="2783160" cy="1450080"/>
+                </a:xfrm>
+                <a:prstGeom prst="rect">
+                  <a:avLst/>
+                </a:prstGeom>
+              </p:spPr>
+            </p:pic>
+          </mc:Fallback>
+        </mc:AlternateContent>
+        <mc:AlternateContent xmlns:mc="http://schemas.openxmlformats.org/markup-compatibility/2006">
+          <mc:Choice xmlns:p14="http://schemas.microsoft.com/office/powerpoint/2010/main" Requires="p14">
+            <p:contentPart p14:bwMode="auto" r:id="rId22">
+              <p14:nvContentPartPr>
+                <p14:cNvPr id="52" name="Ink 51">
+                  <a:extLst>
+                    <a:ext uri="{FF2B5EF4-FFF2-40B4-BE49-F238E27FC236}">
+                      <a16:creationId xmlns:a16="http://schemas.microsoft.com/office/drawing/2014/main" id="{B42B7BF7-8AD0-E742-AFC4-EA803084C312}"/>
+                    </a:ext>
+                  </a:extLst>
+                </p14:cNvPr>
+                <p14:cNvContentPartPr/>
+                <p14:nvPr/>
+              </p14:nvContentPartPr>
+              <p14:xfrm>
+                <a:off x="5587811" y="1299149"/>
+                <a:ext cx="280800" cy="339120"/>
+              </p14:xfrm>
+            </p:contentPart>
+          </mc:Choice>
+          <mc:Fallback>
+            <p:pic>
+              <p:nvPicPr>
+                <p:cNvPr id="52" name="Ink 51">
+                  <a:extLst>
+                    <a:ext uri="{FF2B5EF4-FFF2-40B4-BE49-F238E27FC236}">
+                      <a16:creationId xmlns:a16="http://schemas.microsoft.com/office/drawing/2014/main" id="{B42B7BF7-8AD0-E742-AFC4-EA803084C312}"/>
+                    </a:ext>
+                  </a:extLst>
+                </p:cNvPr>
+                <p:cNvPicPr/>
+                <p:nvPr/>
+              </p:nvPicPr>
+              <p:blipFill>
+                <a:blip r:embed="rId23"/>
+                <a:stretch>
+                  <a:fillRect/>
+                </a:stretch>
+              </p:blipFill>
+              <p:spPr>
+                <a:xfrm>
+                  <a:off x="5578811" y="1290509"/>
+                  <a:ext cx="298440" cy="356760"/>
+                </a:xfrm>
+                <a:prstGeom prst="rect">
+                  <a:avLst/>
+                </a:prstGeom>
+              </p:spPr>
+            </p:pic>
+          </mc:Fallback>
+        </mc:AlternateContent>
+      </p:grpSp>
+      <mc:AlternateContent xmlns:mc="http://schemas.openxmlformats.org/markup-compatibility/2006">
+        <mc:Choice xmlns:a14="http://schemas.microsoft.com/office/drawing/2010/main" Requires="a14">
+          <p:sp>
+            <p:nvSpPr>
+              <p:cNvPr id="56" name="TextBox 55">
+                <a:extLst>
+                  <a:ext uri="{FF2B5EF4-FFF2-40B4-BE49-F238E27FC236}">
+                    <a16:creationId xmlns:a16="http://schemas.microsoft.com/office/drawing/2014/main" id="{5676C209-7B08-B64E-B334-8F246C2D8868}"/>
+                  </a:ext>
+                </a:extLst>
+              </p:cNvPr>
+              <p:cNvSpPr txBox="1"/>
+              <p:nvPr/>
+            </p:nvSpPr>
+            <p:spPr>
+              <a:xfrm>
+                <a:off x="4629980" y="169842"/>
+                <a:ext cx="6812954" cy="369332"/>
+              </a:xfrm>
+              <a:prstGeom prst="rect">
+                <a:avLst/>
+              </a:prstGeom>
+              <a:noFill/>
+            </p:spPr>
+            <p:txBody>
+              <a:bodyPr wrap="none" rtlCol="0">
+                <a:spAutoFit/>
+              </a:bodyPr>
+              <a:lstStyle/>
+              <a:p>
+                <a14:m>
+                  <m:oMathPara xmlns:m="http://schemas.openxmlformats.org/officeDocument/2006/math">
+                    <m:oMathParaPr>
+                      <m:jc m:val="centerGroup"/>
+                    </m:oMathParaPr>
+                    <m:oMath xmlns:m="http://schemas.openxmlformats.org/officeDocument/2006/math">
+                      <m:r>
+                        <a:rPr lang="en-US" b="0" i="1" smtClean="0">
+                          <a:solidFill>
+                            <a:schemeClr val="accent1">
+                              <a:lumMod val="75000"/>
+                            </a:schemeClr>
+                          </a:solidFill>
+                          <a:latin typeface="Cambria Math" panose="02040503050406030204" pitchFamily="18" charset="0"/>
+                        </a:rPr>
+                        <m:t>𝑁𝑒𝑤𝑙𝑦</m:t>
+                      </m:r>
+                      <m:r>
+                        <a:rPr lang="en-US" b="0" i="1" smtClean="0">
+                          <a:solidFill>
+                            <a:schemeClr val="accent1">
+                              <a:lumMod val="75000"/>
+                            </a:schemeClr>
+                          </a:solidFill>
+                          <a:latin typeface="Cambria Math" panose="02040503050406030204" pitchFamily="18" charset="0"/>
+                        </a:rPr>
+                        <m:t> </m:t>
+                      </m:r>
+                      <m:r>
+                        <a:rPr lang="en-US" b="0" i="1" smtClean="0">
+                          <a:solidFill>
+                            <a:schemeClr val="accent1">
+                              <a:lumMod val="75000"/>
+                            </a:schemeClr>
+                          </a:solidFill>
+                          <a:latin typeface="Cambria Math" panose="02040503050406030204" pitchFamily="18" charset="0"/>
+                        </a:rPr>
+                        <m:t>𝑑𝑖𝑎𝑔𝑛𝑜𝑠𝑒𝑑</m:t>
+                      </m:r>
+                      <m:r>
+                        <a:rPr lang="en-US" b="0" i="1" smtClean="0">
+                          <a:solidFill>
+                            <a:schemeClr val="accent1">
+                              <a:lumMod val="75000"/>
+                            </a:schemeClr>
+                          </a:solidFill>
+                          <a:latin typeface="Cambria Math" panose="02040503050406030204" pitchFamily="18" charset="0"/>
+                        </a:rPr>
+                        <m:t> </m:t>
+                      </m:r>
+                      <m:r>
+                        <a:rPr lang="en-US" b="0" i="1" smtClean="0">
+                          <a:solidFill>
+                            <a:schemeClr val="accent1">
+                              <a:lumMod val="75000"/>
+                            </a:schemeClr>
+                          </a:solidFill>
+                          <a:latin typeface="Cambria Math" panose="02040503050406030204" pitchFamily="18" charset="0"/>
+                        </a:rPr>
+                        <m:t>𝑐𝑎𝑠𝑒𝑠</m:t>
+                      </m:r>
+                      <m:r>
+                        <a:rPr lang="en-US" b="0" i="1" smtClean="0">
+                          <a:solidFill>
+                            <a:schemeClr val="accent1">
+                              <a:lumMod val="75000"/>
+                            </a:schemeClr>
+                          </a:solidFill>
+                          <a:latin typeface="Cambria Math" panose="02040503050406030204" pitchFamily="18" charset="0"/>
+                        </a:rPr>
+                        <m:t>⋅</m:t>
+                      </m:r>
+                      <m:d>
+                        <m:dPr>
+                          <m:ctrlPr>
+                            <a:rPr lang="en-US" b="0" i="1" smtClean="0">
+                              <a:solidFill>
+                                <a:schemeClr val="accent1">
+                                  <a:lumMod val="75000"/>
+                                </a:schemeClr>
+                              </a:solidFill>
+                              <a:latin typeface="Cambria Math" panose="02040503050406030204" pitchFamily="18" charset="0"/>
+                            </a:rPr>
+                          </m:ctrlPr>
+                        </m:dPr>
+                        <m:e>
+                          <m:r>
+                            <a:rPr lang="en-US" b="0" i="1" smtClean="0">
+                              <a:solidFill>
+                                <a:schemeClr val="accent1">
+                                  <a:lumMod val="75000"/>
+                                </a:schemeClr>
+                              </a:solidFill>
+                              <a:latin typeface="Cambria Math" panose="02040503050406030204" pitchFamily="18" charset="0"/>
+                            </a:rPr>
+                            <m:t>𝑐𝑜𝑛𝑡</m:t>
+                          </m:r>
+                          <m:r>
+                            <a:rPr lang="en-US" b="0" i="1" smtClean="0">
+                              <a:solidFill>
+                                <a:schemeClr val="accent1">
+                                  <a:lumMod val="75000"/>
+                                </a:schemeClr>
+                              </a:solidFill>
+                              <a:latin typeface="Cambria Math" panose="02040503050406030204" pitchFamily="18" charset="0"/>
+                            </a:rPr>
+                            <m:t>. </m:t>
+                          </m:r>
+                          <m:r>
+                            <a:rPr lang="en-US" b="0" i="1" smtClean="0">
+                              <a:solidFill>
+                                <a:schemeClr val="accent1">
+                                  <a:lumMod val="75000"/>
+                                </a:schemeClr>
+                              </a:solidFill>
+                              <a:latin typeface="Cambria Math" panose="02040503050406030204" pitchFamily="18" charset="0"/>
+                            </a:rPr>
+                            <m:t>𝑡𝑟𝑎𝑐𝑒𝑑</m:t>
+                          </m:r>
+                        </m:e>
+                      </m:d>
+                      <m:r>
+                        <a:rPr lang="en-US" b="0" i="1" smtClean="0">
+                          <a:solidFill>
+                            <a:schemeClr val="accent1">
+                              <a:lumMod val="75000"/>
+                            </a:schemeClr>
+                          </a:solidFill>
+                          <a:latin typeface="Cambria Math" panose="02040503050406030204" pitchFamily="18" charset="0"/>
+                        </a:rPr>
+                        <m:t>⋅(% </m:t>
+                      </m:r>
+                      <m:r>
+                        <a:rPr lang="en-US" b="0" i="1" smtClean="0">
+                          <a:solidFill>
+                            <a:schemeClr val="accent1">
+                              <a:lumMod val="75000"/>
+                            </a:schemeClr>
+                          </a:solidFill>
+                          <a:latin typeface="Cambria Math" panose="02040503050406030204" pitchFamily="18" charset="0"/>
+                        </a:rPr>
+                        <m:t>𝑜𝑓</m:t>
+                      </m:r>
+                      <m:r>
+                        <a:rPr lang="en-US" b="0" i="1" smtClean="0">
+                          <a:solidFill>
+                            <a:schemeClr val="accent1">
+                              <a:lumMod val="75000"/>
+                            </a:schemeClr>
+                          </a:solidFill>
+                          <a:latin typeface="Cambria Math" panose="02040503050406030204" pitchFamily="18" charset="0"/>
+                        </a:rPr>
+                        <m:t> </m:t>
+                      </m:r>
+                      <m:r>
+                        <a:rPr lang="en-US" b="0" i="1" smtClean="0">
+                          <a:solidFill>
+                            <a:schemeClr val="accent1">
+                              <a:lumMod val="75000"/>
+                            </a:schemeClr>
+                          </a:solidFill>
+                          <a:latin typeface="Cambria Math" panose="02040503050406030204" pitchFamily="18" charset="0"/>
+                        </a:rPr>
+                        <m:t>𝑝𝑜𝑠𝑖𝑡𝑖𝑣𝑒</m:t>
+                      </m:r>
+                      <m:r>
+                        <a:rPr lang="en-US" b="0" i="1" smtClean="0">
+                          <a:solidFill>
+                            <a:schemeClr val="accent1">
+                              <a:lumMod val="75000"/>
+                            </a:schemeClr>
+                          </a:solidFill>
+                          <a:latin typeface="Cambria Math" panose="02040503050406030204" pitchFamily="18" charset="0"/>
+                        </a:rPr>
+                        <m:t> </m:t>
+                      </m:r>
+                      <m:r>
+                        <a:rPr lang="en-US" b="0" i="1" smtClean="0">
+                          <a:solidFill>
+                            <a:schemeClr val="accent1">
+                              <a:lumMod val="75000"/>
+                            </a:schemeClr>
+                          </a:solidFill>
+                          <a:latin typeface="Cambria Math" panose="02040503050406030204" pitchFamily="18" charset="0"/>
+                        </a:rPr>
+                        <m:t>𝑟𝑒𝑠𝑢𝑙𝑡𝑠</m:t>
+                      </m:r>
+                      <m:r>
+                        <a:rPr lang="en-US" b="0" i="1" smtClean="0">
+                          <a:solidFill>
+                            <a:schemeClr val="accent1">
+                              <a:lumMod val="75000"/>
+                            </a:schemeClr>
+                          </a:solidFill>
+                          <a:latin typeface="Cambria Math" panose="02040503050406030204" pitchFamily="18" charset="0"/>
+                        </a:rPr>
+                        <m:t>)</m:t>
+                      </m:r>
+                    </m:oMath>
+                  </m:oMathPara>
+                </a14:m>
+                <a:endParaRPr lang="en-US" dirty="0">
+                  <a:solidFill>
+                    <a:schemeClr val="accent1">
+                      <a:lumMod val="75000"/>
+                    </a:schemeClr>
+                  </a:solidFill>
+                </a:endParaRPr>
+              </a:p>
+            </p:txBody>
+          </p:sp>
+        </mc:Choice>
+        <mc:Fallback>
+          <p:sp>
+            <p:nvSpPr>
+              <p:cNvPr id="56" name="TextBox 55">
+                <a:extLst>
+                  <a:ext uri="{FF2B5EF4-FFF2-40B4-BE49-F238E27FC236}">
+                    <a16:creationId xmlns:a16="http://schemas.microsoft.com/office/drawing/2014/main" id="{5676C209-7B08-B64E-B334-8F246C2D8868}"/>
+                  </a:ext>
+                </a:extLst>
+              </p:cNvPr>
+              <p:cNvSpPr txBox="1">
+                <a:spLocks noRot="1" noChangeAspect="1" noMove="1" noResize="1" noEditPoints="1" noAdjustHandles="1" noChangeArrowheads="1" noChangeShapeType="1" noTextEdit="1"/>
+              </p:cNvSpPr>
+              <p:nvPr/>
+            </p:nvSpPr>
+            <p:spPr>
+              <a:xfrm>
+                <a:off x="4629980" y="169842"/>
+                <a:ext cx="6812954" cy="369332"/>
+              </a:xfrm>
+              <a:prstGeom prst="rect">
+                <a:avLst/>
+              </a:prstGeom>
+              <a:blipFill>
+                <a:blip r:embed="rId24"/>
+                <a:stretch>
+                  <a:fillRect b="-16667"/>
+                </a:stretch>
+              </a:blipFill>
+            </p:spPr>
+            <p:txBody>
+              <a:bodyPr/>
+              <a:lstStyle/>
+              <a:p>
+                <a:r>
+                  <a:rPr lang="en-US">
+                    <a:noFill/>
+                  </a:rPr>
+                  <a:t> </a:t>
+                </a:r>
+              </a:p>
+            </p:txBody>
+          </p:sp>
+        </mc:Fallback>
+      </mc:AlternateContent>
+    </p:spTree>
+    <p:extLst>
+      <p:ext uri="{BB962C8B-B14F-4D97-AF65-F5344CB8AC3E}">
+        <p14:creationId xmlns:p14="http://schemas.microsoft.com/office/powerpoint/2010/main" val="3308161090"/>
+      </p:ext>
+    </p:extLst>
+  </p:cSld>
+  <p:clrMapOvr>
+    <a:masterClrMapping/>
+  </p:clrMapOvr>
+</p:sld>
+</file>
+
+<file path=ppt/slides/slide15.xml><?xml version="1.0" encoding="utf-8"?>
 <p:sld xmlns:a="http://schemas.openxmlformats.org/drawingml/2006/main" xmlns:r="http://schemas.openxmlformats.org/officeDocument/2006/relationships" xmlns:p="http://schemas.openxmlformats.org/presentationml/2006/main">
   <p:cSld>
     <p:spTree>
@@ -4833,7 +10491,7 @@
 </p:sld>
 </file>
 
-<file path=ppt/slides/slide15.xml><?xml version="1.0" encoding="utf-8"?>
+<file path=ppt/slides/slide16.xml><?xml version="1.0" encoding="utf-8"?>
 <p:sld xmlns:a="http://schemas.openxmlformats.org/drawingml/2006/main" xmlns:r="http://schemas.openxmlformats.org/officeDocument/2006/relationships" xmlns:p="http://schemas.openxmlformats.org/presentationml/2006/main">
   <p:cSld>
     <p:spTree>
@@ -5145,7 +10803,7 @@
 </p:sld>
 </file>
 
-<file path=ppt/slides/slide16.xml><?xml version="1.0" encoding="utf-8"?>
+<file path=ppt/slides/slide17.xml><?xml version="1.0" encoding="utf-8"?>
 <p:sld xmlns:a="http://schemas.openxmlformats.org/drawingml/2006/main" xmlns:r="http://schemas.openxmlformats.org/officeDocument/2006/relationships" xmlns:p="http://schemas.openxmlformats.org/presentationml/2006/main">
   <p:cSld>
     <p:spTree>
@@ -5807,7 +11465,7 @@
 </p:sld>
 </file>
 
-<file path=ppt/slides/slide17.xml><?xml version="1.0" encoding="utf-8"?>
+<file path=ppt/slides/slide18.xml><?xml version="1.0" encoding="utf-8"?>
 <p:sld xmlns:a="http://schemas.openxmlformats.org/drawingml/2006/main" xmlns:r="http://schemas.openxmlformats.org/officeDocument/2006/relationships" xmlns:p="http://schemas.openxmlformats.org/presentationml/2006/main">
   <p:cSld>
     <p:spTree>
@@ -6108,7 +11766,7 @@
 </p:sld>
 </file>
 
-<file path=ppt/slides/slide18.xml><?xml version="1.0" encoding="utf-8"?>
+<file path=ppt/slides/slide19.xml><?xml version="1.0" encoding="utf-8"?>
 <p:sld xmlns:a="http://schemas.openxmlformats.org/drawingml/2006/main" xmlns:r="http://schemas.openxmlformats.org/officeDocument/2006/relationships" xmlns:p="http://schemas.openxmlformats.org/presentationml/2006/main">
   <p:cSld>
     <p:spTree>
@@ -6508,11 +12166,7 @@
           <a:p>
             <a:r>
               <a:rPr lang="en-US" dirty="0"/>
-              <a:t>Conversion of diagnosis rate to number of tests, </a:t>
-            </a:r>
-            <a:r>
-              <a:rPr lang="en-US"/>
-              <a:t>or vice-versa</a:t>
+              <a:t>Conversion of diagnosis rate to number of tests, or vice-versa</a:t>
             </a:r>
           </a:p>
         </p:txBody>
@@ -6521,6 +12175,494 @@
     <p:extLst>
       <p:ext uri="{BB962C8B-B14F-4D97-AF65-F5344CB8AC3E}">
         <p14:creationId xmlns:p14="http://schemas.microsoft.com/office/powerpoint/2010/main" val="1547642266"/>
+      </p:ext>
+    </p:extLst>
+  </p:cSld>
+  <p:clrMapOvr>
+    <a:masterClrMapping/>
+  </p:clrMapOvr>
+</p:sld>
+</file>
+
+<file path=ppt/slides/slide20.xml><?xml version="1.0" encoding="utf-8"?>
+<p:sld xmlns:a="http://schemas.openxmlformats.org/drawingml/2006/main" xmlns:r="http://schemas.openxmlformats.org/officeDocument/2006/relationships" xmlns:p="http://schemas.openxmlformats.org/presentationml/2006/main">
+  <p:cSld>
+    <p:spTree>
+      <p:nvGrpSpPr>
+        <p:cNvPr id="1" name=""/>
+        <p:cNvGrpSpPr/>
+        <p:nvPr/>
+      </p:nvGrpSpPr>
+      <p:grpSpPr>
+        <a:xfrm>
+          <a:off x="0" y="0"/>
+          <a:ext cx="0" cy="0"/>
+          <a:chOff x="0" y="0"/>
+          <a:chExt cx="0" cy="0"/>
+        </a:xfrm>
+      </p:grpSpPr>
+      <mc:AlternateContent xmlns:mc="http://schemas.openxmlformats.org/markup-compatibility/2006" xmlns:a14="http://schemas.microsoft.com/office/drawing/2010/main">
+        <mc:Choice Requires="a14">
+          <p:sp>
+            <p:nvSpPr>
+              <p:cNvPr id="2" name="Title 1">
+                <a:extLst>
+                  <a:ext uri="{FF2B5EF4-FFF2-40B4-BE49-F238E27FC236}">
+                    <a16:creationId xmlns:a16="http://schemas.microsoft.com/office/drawing/2014/main" id="{D1806B1D-FDBF-8341-9E1C-ABE0E7EA52EF}"/>
+                  </a:ext>
+                </a:extLst>
+              </p:cNvPr>
+              <p:cNvSpPr>
+                <a:spLocks noGrp="1"/>
+              </p:cNvSpPr>
+              <p:nvPr>
+                <p:ph type="title"/>
+              </p:nvPr>
+            </p:nvSpPr>
+            <p:spPr/>
+            <p:txBody>
+              <a:bodyPr/>
+              <a:lstStyle/>
+              <a:p>
+                <a:r>
+                  <a:rPr lang="en-US" dirty="0"/>
+                  <a:t>Model fit </a:t>
+                </a:r>
+                <a14:m>
+                  <m:oMath xmlns:m="http://schemas.openxmlformats.org/officeDocument/2006/math">
+                    <m:r>
+                      <a:rPr lang="en-US">
+                        <a:latin typeface="Cambria Math" panose="02040503050406030204" pitchFamily="18" charset="0"/>
+                      </a:rPr>
+                      <m:t>(</m:t>
+                    </m:r>
+                    <m:sSub>
+                      <m:sSubPr>
+                        <m:ctrlPr>
+                          <a:rPr lang="en-US" i="1">
+                            <a:latin typeface="Cambria Math" panose="02040503050406030204" pitchFamily="18" charset="0"/>
+                          </a:rPr>
+                        </m:ctrlPr>
+                      </m:sSubPr>
+                      <m:e>
+                        <m:r>
+                          <a:rPr lang="en-US" i="1">
+                            <a:latin typeface="Cambria Math" panose="02040503050406030204" pitchFamily="18" charset="0"/>
+                          </a:rPr>
+                          <m:t>𝑅</m:t>
+                        </m:r>
+                      </m:e>
+                      <m:sub>
+                        <m:r>
+                          <a:rPr lang="en-US" i="1">
+                            <a:latin typeface="Cambria Math" panose="02040503050406030204" pitchFamily="18" charset="0"/>
+                          </a:rPr>
+                          <m:t>0</m:t>
+                        </m:r>
+                      </m:sub>
+                    </m:sSub>
+                    <m:r>
+                      <a:rPr lang="en-US" i="1">
+                        <a:latin typeface="Cambria Math" panose="02040503050406030204" pitchFamily="18" charset="0"/>
+                      </a:rPr>
+                      <m:t>=</m:t>
+                    </m:r>
+                    <m:r>
+                      <a:rPr lang="en-US" b="0" i="1" smtClean="0">
+                        <a:latin typeface="Cambria Math" panose="02040503050406030204" pitchFamily="18" charset="0"/>
+                      </a:rPr>
+                      <m:t>1</m:t>
+                    </m:r>
+                    <m:r>
+                      <a:rPr lang="en-US" i="1">
+                        <a:latin typeface="Cambria Math" panose="02040503050406030204" pitchFamily="18" charset="0"/>
+                      </a:rPr>
+                      <m:t>.2)</m:t>
+                    </m:r>
+                  </m:oMath>
+                </a14:m>
+                <a:endParaRPr lang="en-US" dirty="0"/>
+              </a:p>
+            </p:txBody>
+          </p:sp>
+        </mc:Choice>
+        <mc:Fallback xmlns="">
+          <p:sp>
+            <p:nvSpPr>
+              <p:cNvPr id="2" name="Title 1">
+                <a:extLst>
+                  <a:ext uri="{FF2B5EF4-FFF2-40B4-BE49-F238E27FC236}">
+                    <a16:creationId xmlns:a16="http://schemas.microsoft.com/office/drawing/2014/main" id="{D1806B1D-FDBF-8341-9E1C-ABE0E7EA52EF}"/>
+                  </a:ext>
+                </a:extLst>
+              </p:cNvPr>
+              <p:cNvSpPr>
+                <a:spLocks noGrp="1" noRot="1" noChangeAspect="1" noMove="1" noResize="1" noEditPoints="1" noAdjustHandles="1" noChangeArrowheads="1" noChangeShapeType="1" noTextEdit="1"/>
+              </p:cNvSpPr>
+              <p:nvPr>
+                <p:ph type="title"/>
+              </p:nvPr>
+            </p:nvSpPr>
+            <p:spPr>
+              <a:blipFill>
+                <a:blip r:embed="rId2"/>
+                <a:stretch>
+                  <a:fillRect l="-2292"/>
+                </a:stretch>
+              </a:blipFill>
+            </p:spPr>
+            <p:txBody>
+              <a:bodyPr/>
+              <a:lstStyle/>
+              <a:p>
+                <a:r>
+                  <a:rPr lang="en-US">
+                    <a:noFill/>
+                  </a:rPr>
+                  <a:t> </a:t>
+                </a:r>
+              </a:p>
+            </p:txBody>
+          </p:sp>
+        </mc:Fallback>
+      </mc:AlternateContent>
+      <p:pic>
+        <p:nvPicPr>
+          <p:cNvPr id="5" name="Content Placeholder 4" descr="A screenshot of a cell phone&#10;&#10;Description automatically generated">
+            <a:extLst>
+              <a:ext uri="{FF2B5EF4-FFF2-40B4-BE49-F238E27FC236}">
+                <a16:creationId xmlns:a16="http://schemas.microsoft.com/office/drawing/2014/main" id="{B110EC80-F725-904F-A143-94501D9E954E}"/>
+              </a:ext>
+            </a:extLst>
+          </p:cNvPr>
+          <p:cNvPicPr>
+            <a:picLocks noGrp="1" noChangeAspect="1"/>
+          </p:cNvPicPr>
+          <p:nvPr>
+            <p:ph idx="1"/>
+          </p:nvPr>
+        </p:nvPicPr>
+        <p:blipFill>
+          <a:blip r:embed="rId3"/>
+          <a:stretch>
+            <a:fillRect/>
+          </a:stretch>
+        </p:blipFill>
+        <p:spPr>
+          <a:xfrm>
+            <a:off x="6729412" y="268273"/>
+            <a:ext cx="4624388" cy="3082925"/>
+          </a:xfrm>
+        </p:spPr>
+      </p:pic>
+      <p:pic>
+        <p:nvPicPr>
+          <p:cNvPr id="7" name="Picture 6" descr="A screenshot of a cell phone&#10;&#10;Description automatically generated">
+            <a:extLst>
+              <a:ext uri="{FF2B5EF4-FFF2-40B4-BE49-F238E27FC236}">
+                <a16:creationId xmlns:a16="http://schemas.microsoft.com/office/drawing/2014/main" id="{B1EA07B9-27A7-934E-83EE-970C12813ADC}"/>
+              </a:ext>
+            </a:extLst>
+          </p:cNvPr>
+          <p:cNvPicPr>
+            <a:picLocks noChangeAspect="1"/>
+          </p:cNvPicPr>
+          <p:nvPr/>
+        </p:nvPicPr>
+        <p:blipFill>
+          <a:blip r:embed="rId4"/>
+          <a:stretch>
+            <a:fillRect/>
+          </a:stretch>
+        </p:blipFill>
+        <p:spPr>
+          <a:xfrm>
+            <a:off x="1040606" y="1625597"/>
+            <a:ext cx="5486400" cy="3657600"/>
+          </a:xfrm>
+          <a:prstGeom prst="rect">
+            <a:avLst/>
+          </a:prstGeom>
+        </p:spPr>
+      </p:pic>
+      <p:pic>
+        <p:nvPicPr>
+          <p:cNvPr id="9" name="Picture 8" descr="A close up of a map&#10;&#10;Description automatically generated">
+            <a:extLst>
+              <a:ext uri="{FF2B5EF4-FFF2-40B4-BE49-F238E27FC236}">
+                <a16:creationId xmlns:a16="http://schemas.microsoft.com/office/drawing/2014/main" id="{5141AFC0-A155-B143-9DE7-04B7109B6CC1}"/>
+              </a:ext>
+            </a:extLst>
+          </p:cNvPr>
+          <p:cNvPicPr>
+            <a:picLocks noChangeAspect="1"/>
+          </p:cNvPicPr>
+          <p:nvPr/>
+        </p:nvPicPr>
+        <p:blipFill>
+          <a:blip r:embed="rId5"/>
+          <a:stretch>
+            <a:fillRect/>
+          </a:stretch>
+        </p:blipFill>
+        <p:spPr>
+          <a:xfrm>
+            <a:off x="6729412" y="3351198"/>
+            <a:ext cx="4624388" cy="3082925"/>
+          </a:xfrm>
+          <a:prstGeom prst="rect">
+            <a:avLst/>
+          </a:prstGeom>
+        </p:spPr>
+      </p:pic>
+    </p:spTree>
+    <p:extLst>
+      <p:ext uri="{BB962C8B-B14F-4D97-AF65-F5344CB8AC3E}">
+        <p14:creationId xmlns:p14="http://schemas.microsoft.com/office/powerpoint/2010/main" val="2613487115"/>
+      </p:ext>
+    </p:extLst>
+  </p:cSld>
+  <p:clrMapOvr>
+    <a:masterClrMapping/>
+  </p:clrMapOvr>
+</p:sld>
+</file>
+
+<file path=ppt/slides/slide21.xml><?xml version="1.0" encoding="utf-8"?>
+<p:sld xmlns:a="http://schemas.openxmlformats.org/drawingml/2006/main" xmlns:r="http://schemas.openxmlformats.org/officeDocument/2006/relationships" xmlns:p="http://schemas.openxmlformats.org/presentationml/2006/main">
+  <p:cSld>
+    <p:spTree>
+      <p:nvGrpSpPr>
+        <p:cNvPr id="1" name=""/>
+        <p:cNvGrpSpPr/>
+        <p:nvPr/>
+      </p:nvGrpSpPr>
+      <p:grpSpPr>
+        <a:xfrm>
+          <a:off x="0" y="0"/>
+          <a:ext cx="0" cy="0"/>
+          <a:chOff x="0" y="0"/>
+          <a:chExt cx="0" cy="0"/>
+        </a:xfrm>
+      </p:grpSpPr>
+      <mc:AlternateContent xmlns:mc="http://schemas.openxmlformats.org/markup-compatibility/2006" xmlns:a14="http://schemas.microsoft.com/office/drawing/2010/main">
+        <mc:Choice Requires="a14">
+          <p:sp>
+            <p:nvSpPr>
+              <p:cNvPr id="2" name="Title 1">
+                <a:extLst>
+                  <a:ext uri="{FF2B5EF4-FFF2-40B4-BE49-F238E27FC236}">
+                    <a16:creationId xmlns:a16="http://schemas.microsoft.com/office/drawing/2014/main" id="{67D424CD-FEEA-8140-9B38-006D08F4AA5D}"/>
+                  </a:ext>
+                </a:extLst>
+              </p:cNvPr>
+              <p:cNvSpPr>
+                <a:spLocks noGrp="1"/>
+              </p:cNvSpPr>
+              <p:nvPr>
+                <p:ph type="title"/>
+              </p:nvPr>
+            </p:nvSpPr>
+            <p:spPr/>
+            <p:txBody>
+              <a:bodyPr/>
+              <a:lstStyle/>
+              <a:p>
+                <a:r>
+                  <a:rPr lang="en-US" dirty="0"/>
+                  <a:t>Model fit </a:t>
+                </a:r>
+                <a14:m>
+                  <m:oMath xmlns:m="http://schemas.openxmlformats.org/officeDocument/2006/math">
+                    <m:r>
+                      <a:rPr lang="en-US">
+                        <a:latin typeface="Cambria Math" panose="02040503050406030204" pitchFamily="18" charset="0"/>
+                      </a:rPr>
+                      <m:t>(</m:t>
+                    </m:r>
+                    <m:sSub>
+                      <m:sSubPr>
+                        <m:ctrlPr>
+                          <a:rPr lang="en-US" i="1">
+                            <a:latin typeface="Cambria Math" panose="02040503050406030204" pitchFamily="18" charset="0"/>
+                          </a:rPr>
+                        </m:ctrlPr>
+                      </m:sSubPr>
+                      <m:e>
+                        <m:r>
+                          <a:rPr lang="en-US" i="1">
+                            <a:latin typeface="Cambria Math" panose="02040503050406030204" pitchFamily="18" charset="0"/>
+                          </a:rPr>
+                          <m:t>𝑅</m:t>
+                        </m:r>
+                      </m:e>
+                      <m:sub>
+                        <m:r>
+                          <a:rPr lang="en-US" i="1">
+                            <a:latin typeface="Cambria Math" panose="02040503050406030204" pitchFamily="18" charset="0"/>
+                          </a:rPr>
+                          <m:t>0</m:t>
+                        </m:r>
+                      </m:sub>
+                    </m:sSub>
+                    <m:r>
+                      <a:rPr lang="en-US" i="1">
+                        <a:latin typeface="Cambria Math" panose="02040503050406030204" pitchFamily="18" charset="0"/>
+                      </a:rPr>
+                      <m:t>=</m:t>
+                    </m:r>
+                    <m:r>
+                      <a:rPr lang="en-US" b="0" i="1" smtClean="0">
+                        <a:latin typeface="Cambria Math" panose="02040503050406030204" pitchFamily="18" charset="0"/>
+                      </a:rPr>
+                      <m:t>3</m:t>
+                    </m:r>
+                    <m:r>
+                      <a:rPr lang="en-US" i="1">
+                        <a:latin typeface="Cambria Math" panose="02040503050406030204" pitchFamily="18" charset="0"/>
+                      </a:rPr>
+                      <m:t>.2)</m:t>
+                    </m:r>
+                  </m:oMath>
+                </a14:m>
+                <a:endParaRPr lang="en-US" dirty="0"/>
+              </a:p>
+            </p:txBody>
+          </p:sp>
+        </mc:Choice>
+        <mc:Fallback xmlns="">
+          <p:sp>
+            <p:nvSpPr>
+              <p:cNvPr id="2" name="Title 1">
+                <a:extLst>
+                  <a:ext uri="{FF2B5EF4-FFF2-40B4-BE49-F238E27FC236}">
+                    <a16:creationId xmlns:a16="http://schemas.microsoft.com/office/drawing/2014/main" id="{67D424CD-FEEA-8140-9B38-006D08F4AA5D}"/>
+                  </a:ext>
+                </a:extLst>
+              </p:cNvPr>
+              <p:cNvSpPr>
+                <a:spLocks noGrp="1" noRot="1" noChangeAspect="1" noMove="1" noResize="1" noEditPoints="1" noAdjustHandles="1" noChangeArrowheads="1" noChangeShapeType="1" noTextEdit="1"/>
+              </p:cNvSpPr>
+              <p:nvPr>
+                <p:ph type="title"/>
+              </p:nvPr>
+            </p:nvSpPr>
+            <p:spPr>
+              <a:blipFill>
+                <a:blip r:embed="rId2"/>
+                <a:stretch>
+                  <a:fillRect l="-2292"/>
+                </a:stretch>
+              </a:blipFill>
+            </p:spPr>
+            <p:txBody>
+              <a:bodyPr/>
+              <a:lstStyle/>
+              <a:p>
+                <a:r>
+                  <a:rPr lang="en-US">
+                    <a:noFill/>
+                  </a:rPr>
+                  <a:t> </a:t>
+                </a:r>
+              </a:p>
+            </p:txBody>
+          </p:sp>
+        </mc:Fallback>
+      </mc:AlternateContent>
+      <p:pic>
+        <p:nvPicPr>
+          <p:cNvPr id="5" name="Content Placeholder 4" descr="A picture containing screenshot&#10;&#10;Description automatically generated">
+            <a:extLst>
+              <a:ext uri="{FF2B5EF4-FFF2-40B4-BE49-F238E27FC236}">
+                <a16:creationId xmlns:a16="http://schemas.microsoft.com/office/drawing/2014/main" id="{40CA4412-A36B-FB44-A654-DE99AB3FE956}"/>
+              </a:ext>
+            </a:extLst>
+          </p:cNvPr>
+          <p:cNvPicPr>
+            <a:picLocks noGrp="1" noChangeAspect="1"/>
+          </p:cNvPicPr>
+          <p:nvPr>
+            <p:ph idx="1"/>
+          </p:nvPr>
+        </p:nvPicPr>
+        <p:blipFill>
+          <a:blip r:embed="rId3"/>
+          <a:stretch>
+            <a:fillRect/>
+          </a:stretch>
+        </p:blipFill>
+        <p:spPr>
+          <a:xfrm>
+            <a:off x="6705600" y="228587"/>
+            <a:ext cx="5005426" cy="3336951"/>
+          </a:xfrm>
+        </p:spPr>
+      </p:pic>
+      <p:pic>
+        <p:nvPicPr>
+          <p:cNvPr id="7" name="Picture 6" descr="A screenshot of a cell phone&#10;&#10;Description automatically generated">
+            <a:extLst>
+              <a:ext uri="{FF2B5EF4-FFF2-40B4-BE49-F238E27FC236}">
+                <a16:creationId xmlns:a16="http://schemas.microsoft.com/office/drawing/2014/main" id="{F2DDD8AF-6852-9842-A7D8-E10989FE3D1C}"/>
+              </a:ext>
+            </a:extLst>
+          </p:cNvPr>
+          <p:cNvPicPr>
+            <a:picLocks noChangeAspect="1"/>
+          </p:cNvPicPr>
+          <p:nvPr/>
+        </p:nvPicPr>
+        <p:blipFill>
+          <a:blip r:embed="rId4"/>
+          <a:stretch>
+            <a:fillRect/>
+          </a:stretch>
+        </p:blipFill>
+        <p:spPr>
+          <a:xfrm>
+            <a:off x="1028699" y="1690688"/>
+            <a:ext cx="5486400" cy="3657600"/>
+          </a:xfrm>
+          <a:prstGeom prst="rect">
+            <a:avLst/>
+          </a:prstGeom>
+        </p:spPr>
+      </p:pic>
+      <p:pic>
+        <p:nvPicPr>
+          <p:cNvPr id="9" name="Picture 8" descr="A screenshot of a cell phone&#10;&#10;Description automatically generated">
+            <a:extLst>
+              <a:ext uri="{FF2B5EF4-FFF2-40B4-BE49-F238E27FC236}">
+                <a16:creationId xmlns:a16="http://schemas.microsoft.com/office/drawing/2014/main" id="{A973808D-85D3-6B48-B6AA-0CFDBF2495AE}"/>
+              </a:ext>
+            </a:extLst>
+          </p:cNvPr>
+          <p:cNvPicPr>
+            <a:picLocks noChangeAspect="1"/>
+          </p:cNvPicPr>
+          <p:nvPr/>
+        </p:nvPicPr>
+        <p:blipFill>
+          <a:blip r:embed="rId5"/>
+          <a:stretch>
+            <a:fillRect/>
+          </a:stretch>
+        </p:blipFill>
+        <p:spPr>
+          <a:xfrm>
+            <a:off x="6705598" y="3429000"/>
+            <a:ext cx="5005426" cy="3336951"/>
+          </a:xfrm>
+          <a:prstGeom prst="rect">
+            <a:avLst/>
+          </a:prstGeom>
+        </p:spPr>
+      </p:pic>
+    </p:spTree>
+    <p:extLst>
+      <p:ext uri="{BB962C8B-B14F-4D97-AF65-F5344CB8AC3E}">
+        <p14:creationId xmlns:p14="http://schemas.microsoft.com/office/powerpoint/2010/main" val="1393978940"/>
       </p:ext>
     </p:extLst>
   </p:cSld>
@@ -6642,8 +12784,8 @@
               <a:chExt cx="8041758" cy="5712271"/>
             </a:xfrm>
           </p:grpSpPr>
-          <mc:AlternateContent xmlns:mc="http://schemas.openxmlformats.org/markup-compatibility/2006">
-            <mc:Choice xmlns:a14="http://schemas.microsoft.com/office/drawing/2010/main" Requires="a14">
+          <mc:AlternateContent xmlns:mc="http://schemas.openxmlformats.org/markup-compatibility/2006" xmlns:a14="http://schemas.microsoft.com/office/drawing/2010/main">
+            <mc:Choice Requires="a14">
               <p:sp>
                 <p:nvSpPr>
                   <p:cNvPr id="5" name="Oval 4">
@@ -6728,7 +12870,7 @@
                 </p:txBody>
               </p:sp>
             </mc:Choice>
-            <mc:Fallback>
+            <mc:Fallback xmlns="">
               <p:sp>
                 <p:nvSpPr>
                   <p:cNvPr id="5" name="Oval 4">
@@ -6778,8 +12920,8 @@
               </p:sp>
             </mc:Fallback>
           </mc:AlternateContent>
-          <mc:AlternateContent xmlns:mc="http://schemas.openxmlformats.org/markup-compatibility/2006">
-            <mc:Choice xmlns:a14="http://schemas.microsoft.com/office/drawing/2010/main" Requires="a14">
+          <mc:AlternateContent xmlns:mc="http://schemas.openxmlformats.org/markup-compatibility/2006" xmlns:a14="http://schemas.microsoft.com/office/drawing/2010/main">
+            <mc:Choice Requires="a14">
               <p:sp>
                 <p:nvSpPr>
                   <p:cNvPr id="6" name="Oval 5">
@@ -6864,7 +13006,7 @@
                 </p:txBody>
               </p:sp>
             </mc:Choice>
-            <mc:Fallback>
+            <mc:Fallback xmlns="">
               <p:sp>
                 <p:nvSpPr>
                   <p:cNvPr id="6" name="Oval 5">
@@ -6914,8 +13056,8 @@
               </p:sp>
             </mc:Fallback>
           </mc:AlternateContent>
-          <mc:AlternateContent xmlns:mc="http://schemas.openxmlformats.org/markup-compatibility/2006">
-            <mc:Choice xmlns:a14="http://schemas.microsoft.com/office/drawing/2010/main" Requires="a14">
+          <mc:AlternateContent xmlns:mc="http://schemas.openxmlformats.org/markup-compatibility/2006" xmlns:a14="http://schemas.microsoft.com/office/drawing/2010/main">
+            <mc:Choice Requires="a14">
               <p:sp>
                 <p:nvSpPr>
                   <p:cNvPr id="7" name="Oval 6">
@@ -7000,7 +13142,7 @@
                 </p:txBody>
               </p:sp>
             </mc:Choice>
-            <mc:Fallback>
+            <mc:Fallback xmlns="">
               <p:sp>
                 <p:nvSpPr>
                   <p:cNvPr id="7" name="Oval 6">
@@ -7050,8 +13192,8 @@
               </p:sp>
             </mc:Fallback>
           </mc:AlternateContent>
-          <mc:AlternateContent xmlns:mc="http://schemas.openxmlformats.org/markup-compatibility/2006">
-            <mc:Choice xmlns:a14="http://schemas.microsoft.com/office/drawing/2010/main" Requires="a14">
+          <mc:AlternateContent xmlns:mc="http://schemas.openxmlformats.org/markup-compatibility/2006" xmlns:a14="http://schemas.microsoft.com/office/drawing/2010/main">
+            <mc:Choice Requires="a14">
               <p:sp>
                 <p:nvSpPr>
                   <p:cNvPr id="8" name="Oval 7">
@@ -7148,7 +13290,7 @@
                 </p:txBody>
               </p:sp>
             </mc:Choice>
-            <mc:Fallback>
+            <mc:Fallback xmlns="">
               <p:sp>
                 <p:nvSpPr>
                   <p:cNvPr id="8" name="Oval 7">
@@ -8035,8 +14177,8 @@
               </p:sp>
             </mc:Fallback>
           </mc:AlternateContent>
-          <mc:AlternateContent xmlns:mc="http://schemas.openxmlformats.org/markup-compatibility/2006">
-            <mc:Choice xmlns:a14="http://schemas.microsoft.com/office/drawing/2010/main" Requires="a14">
+          <mc:AlternateContent xmlns:mc="http://schemas.openxmlformats.org/markup-compatibility/2006" xmlns:a14="http://schemas.microsoft.com/office/drawing/2010/main">
+            <mc:Choice Requires="a14">
               <p:sp>
                 <p:nvSpPr>
                   <p:cNvPr id="27" name="TextBox 26">
@@ -8086,7 +14228,7 @@
                 </p:txBody>
               </p:sp>
             </mc:Choice>
-            <mc:Fallback>
+            <mc:Fallback xmlns="">
               <p:sp>
                 <p:nvSpPr>
                   <p:cNvPr id="27" name="TextBox 26">
@@ -8345,8 +14487,8 @@
               </p:sp>
             </mc:Fallback>
           </mc:AlternateContent>
-          <mc:AlternateContent xmlns:mc="http://schemas.openxmlformats.org/markup-compatibility/2006">
-            <mc:Choice xmlns:a14="http://schemas.microsoft.com/office/drawing/2010/main" Requires="a14">
+          <mc:AlternateContent xmlns:mc="http://schemas.openxmlformats.org/markup-compatibility/2006" xmlns:a14="http://schemas.microsoft.com/office/drawing/2010/main">
+            <mc:Choice Requires="a14">
               <p:sp>
                 <p:nvSpPr>
                   <p:cNvPr id="30" name="TextBox 29">
@@ -8427,7 +14569,7 @@
                 </p:txBody>
               </p:sp>
             </mc:Choice>
-            <mc:Fallback>
+            <mc:Fallback xmlns="">
               <p:sp>
                 <p:nvSpPr>
                   <p:cNvPr id="30" name="TextBox 29">
@@ -9205,8 +15347,8 @@
               </p:sp>
             </mc:Fallback>
           </mc:AlternateContent>
-          <mc:AlternateContent xmlns:mc="http://schemas.openxmlformats.org/markup-compatibility/2006">
-            <mc:Choice xmlns:a14="http://schemas.microsoft.com/office/drawing/2010/main" Requires="a14">
+          <mc:AlternateContent xmlns:mc="http://schemas.openxmlformats.org/markup-compatibility/2006" xmlns:a14="http://schemas.microsoft.com/office/drawing/2010/main">
+            <mc:Choice Requires="a14">
               <p:sp>
                 <p:nvSpPr>
                   <p:cNvPr id="48" name="TextBox 47">
@@ -9245,7 +15387,7 @@
                           <m:sSub>
                             <m:sSubPr>
                               <m:ctrlPr>
-                                <a:rPr lang="en-US" b="0" i="0" smtClean="0">
+                                <a:rPr lang="en-US" b="0" i="1" smtClean="0">
                                   <a:latin typeface="Cambria Math" panose="02040503050406030204" pitchFamily="18" charset="0"/>
                                   <a:ea typeface="Cambria Math" panose="02040503050406030204" pitchFamily="18" charset="0"/>
                                 </a:rPr>
@@ -9293,7 +15435,7 @@
                 </p:txBody>
               </p:sp>
             </mc:Choice>
-            <mc:Fallback>
+            <mc:Fallback xmlns="">
               <p:sp>
                 <p:nvSpPr>
                   <p:cNvPr id="48" name="TextBox 47">
@@ -9518,8 +15660,8 @@
           </mc:Fallback>
         </mc:AlternateContent>
       </p:grpSp>
-      <mc:AlternateContent xmlns:mc="http://schemas.openxmlformats.org/markup-compatibility/2006">
-        <mc:Choice xmlns:a14="http://schemas.microsoft.com/office/drawing/2010/main" Requires="a14">
+      <mc:AlternateContent xmlns:mc="http://schemas.openxmlformats.org/markup-compatibility/2006" xmlns:a14="http://schemas.microsoft.com/office/drawing/2010/main">
+        <mc:Choice Requires="a14">
           <p:sp>
             <p:nvSpPr>
               <p:cNvPr id="46" name="Oval 45">
@@ -9574,7 +15716,7 @@
                       <m:sSub>
                         <m:sSubPr>
                           <m:ctrlPr>
-                            <a:rPr lang="en-US" b="0" i="0" dirty="0" smtClean="0">
+                            <a:rPr lang="en-US" b="0" i="1" dirty="0" smtClean="0">
                               <a:latin typeface="Cambria Math" panose="02040503050406030204" pitchFamily="18" charset="0"/>
                             </a:rPr>
                           </m:ctrlPr>
@@ -9616,7 +15758,7 @@
             </p:txBody>
           </p:sp>
         </mc:Choice>
-        <mc:Fallback>
+        <mc:Fallback xmlns="">
           <p:sp>
             <p:nvSpPr>
               <p:cNvPr id="46" name="Oval 45">
@@ -9711,8 +15853,8 @@
           </a:fontRef>
         </p:style>
       </p:cxnSp>
-      <mc:AlternateContent xmlns:mc="http://schemas.openxmlformats.org/markup-compatibility/2006">
-        <mc:Choice xmlns:a14="http://schemas.microsoft.com/office/drawing/2010/main" Requires="a14">
+      <mc:AlternateContent xmlns:mc="http://schemas.openxmlformats.org/markup-compatibility/2006" xmlns:a14="http://schemas.microsoft.com/office/drawing/2010/main">
+        <mc:Choice Requires="a14">
           <p:sp>
             <p:nvSpPr>
               <p:cNvPr id="52" name="TextBox 51">
@@ -9793,7 +15935,7 @@
             </p:txBody>
           </p:sp>
         </mc:Choice>
-        <mc:Fallback>
+        <mc:Fallback xmlns="">
           <p:sp>
             <p:nvSpPr>
               <p:cNvPr id="52" name="TextBox 51">
@@ -9885,8 +16027,8 @@
           </a:fontRef>
         </p:style>
       </p:cxnSp>
-      <mc:AlternateContent xmlns:mc="http://schemas.openxmlformats.org/markup-compatibility/2006">
-        <mc:Choice xmlns:a14="http://schemas.microsoft.com/office/drawing/2010/main" Requires="a14">
+      <mc:AlternateContent xmlns:mc="http://schemas.openxmlformats.org/markup-compatibility/2006" xmlns:a14="http://schemas.microsoft.com/office/drawing/2010/main">
+        <mc:Choice Requires="a14">
           <p:sp>
             <p:nvSpPr>
               <p:cNvPr id="59" name="TextBox 58">
@@ -9973,7 +16115,7 @@
             </p:txBody>
           </p:sp>
         </mc:Choice>
-        <mc:Fallback>
+        <mc:Fallback xmlns="">
           <p:sp>
             <p:nvSpPr>
               <p:cNvPr id="59" name="TextBox 58">
@@ -10304,8 +16446,8 @@
           </a:fontRef>
         </p:style>
       </p:cxnSp>
-      <mc:AlternateContent xmlns:mc="http://schemas.openxmlformats.org/markup-compatibility/2006">
-        <mc:Choice xmlns:a14="http://schemas.microsoft.com/office/drawing/2010/main" Requires="a14">
+      <mc:AlternateContent xmlns:mc="http://schemas.openxmlformats.org/markup-compatibility/2006" xmlns:a14="http://schemas.microsoft.com/office/drawing/2010/main">
+        <mc:Choice Requires="a14">
           <p:sp>
             <p:nvSpPr>
               <p:cNvPr id="62" name="TextBox 61">
@@ -10393,7 +16535,7 @@
             </p:txBody>
           </p:sp>
         </mc:Choice>
-        <mc:Fallback>
+        <mc:Fallback xmlns="">
           <p:sp>
             <p:nvSpPr>
               <p:cNvPr id="62" name="TextBox 61">
@@ -10438,8 +16580,8 @@
           </p:sp>
         </mc:Fallback>
       </mc:AlternateContent>
-      <mc:AlternateContent xmlns:mc="http://schemas.openxmlformats.org/markup-compatibility/2006">
-        <mc:Choice xmlns:a14="http://schemas.microsoft.com/office/drawing/2010/main" Requires="a14">
+      <mc:AlternateContent xmlns:mc="http://schemas.openxmlformats.org/markup-compatibility/2006" xmlns:a14="http://schemas.microsoft.com/office/drawing/2010/main">
+        <mc:Choice Requires="a14">
           <p:sp>
             <p:nvSpPr>
               <p:cNvPr id="63" name="TextBox 62">
@@ -10527,7 +16669,7 @@
             </p:txBody>
           </p:sp>
         </mc:Choice>
-        <mc:Fallback>
+        <mc:Fallback xmlns="">
           <p:sp>
             <p:nvSpPr>
               <p:cNvPr id="63" name="TextBox 62">
@@ -10572,8 +16714,8 @@
           </p:sp>
         </mc:Fallback>
       </mc:AlternateContent>
-      <mc:AlternateContent xmlns:mc="http://schemas.openxmlformats.org/markup-compatibility/2006">
-        <mc:Choice xmlns:a14="http://schemas.microsoft.com/office/drawing/2010/main" Requires="a14">
+      <mc:AlternateContent xmlns:mc="http://schemas.openxmlformats.org/markup-compatibility/2006" xmlns:a14="http://schemas.microsoft.com/office/drawing/2010/main">
+        <mc:Choice Requires="a14">
           <p:sp>
             <p:nvSpPr>
               <p:cNvPr id="64" name="Oval 63">
@@ -10639,7 +16781,7 @@
             </p:txBody>
           </p:sp>
         </mc:Choice>
-        <mc:Fallback>
+        <mc:Fallback xmlns="">
           <p:sp>
             <p:nvSpPr>
               <p:cNvPr id="64" name="Oval 63">
@@ -10689,8 +16831,8 @@
           </p:sp>
         </mc:Fallback>
       </mc:AlternateContent>
-      <mc:AlternateContent xmlns:mc="http://schemas.openxmlformats.org/markup-compatibility/2006">
-        <mc:Choice xmlns:a14="http://schemas.microsoft.com/office/drawing/2010/main" Requires="a14">
+      <mc:AlternateContent xmlns:mc="http://schemas.openxmlformats.org/markup-compatibility/2006" xmlns:a14="http://schemas.microsoft.com/office/drawing/2010/main">
+        <mc:Choice Requires="a14">
           <p:sp>
             <p:nvSpPr>
               <p:cNvPr id="69" name="TextBox 68">
@@ -10755,7 +16897,7 @@
             </p:txBody>
           </p:sp>
         </mc:Choice>
-        <mc:Fallback>
+        <mc:Fallback xmlns="">
           <p:sp>
             <p:nvSpPr>
               <p:cNvPr id="69" name="TextBox 68">
@@ -10858,8 +17000,8 @@
           </a:p>
         </p:txBody>
       </p:sp>
-      <mc:AlternateContent xmlns:mc="http://schemas.openxmlformats.org/markup-compatibility/2006">
-        <mc:Choice xmlns:a14="http://schemas.microsoft.com/office/drawing/2010/main" Requires="a14">
+      <mc:AlternateContent xmlns:mc="http://schemas.openxmlformats.org/markup-compatibility/2006" xmlns:a14="http://schemas.microsoft.com/office/drawing/2010/main">
+        <mc:Choice Requires="a14">
           <p:graphicFrame>
             <p:nvGraphicFramePr>
               <p:cNvPr id="4" name="Table 3">
@@ -11983,7 +18125,7 @@
             </a:graphic>
           </p:graphicFrame>
         </mc:Choice>
-        <mc:Fallback>
+        <mc:Fallback xmlns="">
           <p:graphicFrame>
             <p:nvGraphicFramePr>
               <p:cNvPr id="4" name="Table 3">
@@ -12749,8 +18891,8 @@
           <a:chExt cx="0" cy="0"/>
         </a:xfrm>
       </p:grpSpPr>
-      <mc:AlternateContent xmlns:mc="http://schemas.openxmlformats.org/markup-compatibility/2006">
-        <mc:Choice xmlns:a14="http://schemas.microsoft.com/office/drawing/2010/main" Requires="a14">
+      <mc:AlternateContent xmlns:mc="http://schemas.openxmlformats.org/markup-compatibility/2006" xmlns:a14="http://schemas.microsoft.com/office/drawing/2010/main">
+        <mc:Choice Requires="a14">
           <p:sp>
             <p:nvSpPr>
               <p:cNvPr id="2" name="Title 1">
@@ -12813,7 +18955,7 @@
             </p:txBody>
           </p:sp>
         </mc:Choice>
-        <mc:Fallback>
+        <mc:Fallback xmlns="">
           <p:sp>
             <p:nvSpPr>
               <p:cNvPr id="2" name="Title 1">
@@ -12853,8 +18995,8 @@
           </p:sp>
         </mc:Fallback>
       </mc:AlternateContent>
-      <mc:AlternateContent xmlns:mc="http://schemas.openxmlformats.org/markup-compatibility/2006">
-        <mc:Choice xmlns:a14="http://schemas.microsoft.com/office/drawing/2010/main" Requires="a14">
+      <mc:AlternateContent xmlns:mc="http://schemas.openxmlformats.org/markup-compatibility/2006" xmlns:a14="http://schemas.microsoft.com/office/drawing/2010/main">
+        <mc:Choice Requires="a14">
           <p:sp>
             <p:nvSpPr>
               <p:cNvPr id="3" name="Content Placeholder 2">
@@ -13351,7 +19493,7 @@
             </p:txBody>
           </p:sp>
         </mc:Choice>
-        <mc:Fallback>
+        <mc:Fallback xmlns="">
           <p:sp>
             <p:nvSpPr>
               <p:cNvPr id="3" name="Content Placeholder 2">
@@ -13449,8 +19591,8 @@
           </a:p>
         </p:txBody>
       </p:sp>
-      <mc:AlternateContent xmlns:mc="http://schemas.openxmlformats.org/markup-compatibility/2006">
-        <mc:Choice xmlns:a14="http://schemas.microsoft.com/office/drawing/2010/main" Requires="a14">
+      <mc:AlternateContent xmlns:mc="http://schemas.openxmlformats.org/markup-compatibility/2006" xmlns:a14="http://schemas.microsoft.com/office/drawing/2010/main">
+        <mc:Choice Requires="a14">
           <p:sp>
             <p:nvSpPr>
               <p:cNvPr id="3" name="Content Placeholder 2">
@@ -14784,7 +20926,7 @@
             </p:txBody>
           </p:sp>
         </mc:Choice>
-        <mc:Fallback>
+        <mc:Fallback xmlns="">
           <p:sp>
             <p:nvSpPr>
               <p:cNvPr id="3" name="Content Placeholder 2">
@@ -14912,40 +21054,134 @@
           <a:chExt cx="0" cy="0"/>
         </a:xfrm>
       </p:grpSpPr>
-      <p:sp>
-        <p:nvSpPr>
-          <p:cNvPr id="2" name="Title 1">
+      <mc:AlternateContent xmlns:mc="http://schemas.openxmlformats.org/markup-compatibility/2006" xmlns:a14="http://schemas.microsoft.com/office/drawing/2010/main">
+        <mc:Choice Requires="a14">
+          <p:sp>
+            <p:nvSpPr>
+              <p:cNvPr id="2" name="Title 1">
+                <a:extLst>
+                  <a:ext uri="{FF2B5EF4-FFF2-40B4-BE49-F238E27FC236}">
+                    <a16:creationId xmlns:a16="http://schemas.microsoft.com/office/drawing/2014/main" id="{AB88907C-6983-114F-BF0A-779E00AA3A5B}"/>
+                  </a:ext>
+                </a:extLst>
+              </p:cNvPr>
+              <p:cNvSpPr>
+                <a:spLocks noGrp="1"/>
+              </p:cNvSpPr>
+              <p:nvPr>
+                <p:ph type="title"/>
+              </p:nvPr>
+            </p:nvSpPr>
+            <p:spPr/>
+            <p:txBody>
+              <a:bodyPr/>
+              <a:lstStyle/>
+              <a:p>
+                <a:pPr/>
+                <a:r>
+                  <a:rPr lang="en-US" dirty="0"/>
+                  <a:t>Model fit for India </a:t>
+                </a:r>
+                <a:br>
+                  <a:rPr lang="en-US" dirty="0"/>
+                </a:br>
+                <a14:m>
+                  <m:oMathPara xmlns:m="http://schemas.openxmlformats.org/officeDocument/2006/math">
+                    <m:oMathParaPr>
+                      <m:jc m:val="left"/>
+                    </m:oMathParaPr>
+                    <m:oMath xmlns:m="http://schemas.openxmlformats.org/officeDocument/2006/math">
+                      <m:r>
+                        <a:rPr lang="en-US" b="0" i="0" smtClean="0">
+                          <a:latin typeface="Cambria Math" panose="02040503050406030204" pitchFamily="18" charset="0"/>
+                        </a:rPr>
+                        <m:t>(</m:t>
+                      </m:r>
+                      <m:sSub>
+                        <m:sSubPr>
+                          <m:ctrlPr>
+                            <a:rPr lang="en-US" b="0" i="1" smtClean="0">
+                              <a:latin typeface="Cambria Math" panose="02040503050406030204" pitchFamily="18" charset="0"/>
+                            </a:rPr>
+                          </m:ctrlPr>
+                        </m:sSubPr>
+                        <m:e>
+                          <m:r>
+                            <a:rPr lang="en-US" b="0" i="1" smtClean="0">
+                              <a:latin typeface="Cambria Math" panose="02040503050406030204" pitchFamily="18" charset="0"/>
+                            </a:rPr>
+                            <m:t>𝑅</m:t>
+                          </m:r>
+                        </m:e>
+                        <m:sub>
+                          <m:r>
+                            <a:rPr lang="en-US" b="0" i="1" smtClean="0">
+                              <a:latin typeface="Cambria Math" panose="02040503050406030204" pitchFamily="18" charset="0"/>
+                            </a:rPr>
+                            <m:t>0</m:t>
+                          </m:r>
+                        </m:sub>
+                      </m:sSub>
+                      <m:r>
+                        <a:rPr lang="en-US" b="0" i="1" smtClean="0">
+                          <a:latin typeface="Cambria Math" panose="02040503050406030204" pitchFamily="18" charset="0"/>
+                        </a:rPr>
+                        <m:t>=2.2)</m:t>
+                      </m:r>
+                    </m:oMath>
+                  </m:oMathPara>
+                </a14:m>
+                <a:endParaRPr lang="en-US" dirty="0"/>
+              </a:p>
+            </p:txBody>
+          </p:sp>
+        </mc:Choice>
+        <mc:Fallback xmlns="">
+          <p:sp>
+            <p:nvSpPr>
+              <p:cNvPr id="2" name="Title 1">
+                <a:extLst>
+                  <a:ext uri="{FF2B5EF4-FFF2-40B4-BE49-F238E27FC236}">
+                    <a16:creationId xmlns:a16="http://schemas.microsoft.com/office/drawing/2014/main" id="{AB88907C-6983-114F-BF0A-779E00AA3A5B}"/>
+                  </a:ext>
+                </a:extLst>
+              </p:cNvPr>
+              <p:cNvSpPr>
+                <a:spLocks noGrp="1" noRot="1" noChangeAspect="1" noMove="1" noResize="1" noEditPoints="1" noAdjustHandles="1" noChangeArrowheads="1" noChangeShapeType="1" noTextEdit="1"/>
+              </p:cNvSpPr>
+              <p:nvPr>
+                <p:ph type="title"/>
+              </p:nvPr>
+            </p:nvSpPr>
+            <p:spPr>
+              <a:blipFill>
+                <a:blip r:embed="rId2"/>
+                <a:stretch>
+                  <a:fillRect l="-2292" t="-13333" b="-14286"/>
+                </a:stretch>
+              </a:blipFill>
+            </p:spPr>
+            <p:txBody>
+              <a:bodyPr/>
+              <a:lstStyle/>
+              <a:p>
+                <a:r>
+                  <a:rPr lang="en-US">
+                    <a:noFill/>
+                  </a:rPr>
+                  <a:t> </a:t>
+                </a:r>
+              </a:p>
+            </p:txBody>
+          </p:sp>
+        </mc:Fallback>
+      </mc:AlternateContent>
+      <p:pic>
+        <p:nvPicPr>
+          <p:cNvPr id="5" name="Content Placeholder 4">
             <a:extLst>
               <a:ext uri="{FF2B5EF4-FFF2-40B4-BE49-F238E27FC236}">
-                <a16:creationId xmlns:a16="http://schemas.microsoft.com/office/drawing/2014/main" id="{E25CBFC2-D8CA-8044-9670-85906ADCDF71}"/>
-              </a:ext>
-            </a:extLst>
-          </p:cNvPr>
-          <p:cNvSpPr>
-            <a:spLocks noGrp="1"/>
-          </p:cNvSpPr>
-          <p:nvPr>
-            <p:ph type="title"/>
-          </p:nvPr>
-        </p:nvSpPr>
-        <p:spPr/>
-        <p:txBody>
-          <a:bodyPr/>
-          <a:lstStyle/>
-          <a:p>
-            <a:r>
-              <a:rPr lang="en-US" dirty="0"/>
-              <a:t>Result for testing/diagnosis rate</a:t>
-            </a:r>
-          </a:p>
-        </p:txBody>
-      </p:sp>
-      <p:pic>
-        <p:nvPicPr>
-          <p:cNvPr id="5" name="Content Placeholder 4" descr="A screenshot of a cell phone&#10;&#10;Description automatically generated">
-            <a:extLst>
-              <a:ext uri="{FF2B5EF4-FFF2-40B4-BE49-F238E27FC236}">
-                <a16:creationId xmlns:a16="http://schemas.microsoft.com/office/drawing/2014/main" id="{F4329DFE-4FDC-E34F-8AFC-498875B064E0}"/>
+                <a16:creationId xmlns:a16="http://schemas.microsoft.com/office/drawing/2014/main" id="{53CD0030-B517-EF4C-854C-199BCB370E4F}"/>
               </a:ext>
             </a:extLst>
           </p:cNvPr>
@@ -14957,15 +21193,14 @@
           </p:nvPr>
         </p:nvPicPr>
         <p:blipFill>
-          <a:blip r:embed="rId2"/>
-          <a:stretch>
-            <a:fillRect/>
-          </a:stretch>
+          <a:blip r:embed="rId3"/>
+          <a:srcRect/>
+          <a:stretch/>
         </p:blipFill>
         <p:spPr>
           <a:xfrm>
-            <a:off x="452432" y="1801019"/>
-            <a:ext cx="5486400" cy="3657600"/>
+            <a:off x="6210300" y="0"/>
+            <a:ext cx="4672012" cy="3114675"/>
           </a:xfrm>
         </p:spPr>
       </p:pic>
@@ -14974,7 +21209,7 @@
           <p:cNvPr id="7" name="Picture 6">
             <a:extLst>
               <a:ext uri="{FF2B5EF4-FFF2-40B4-BE49-F238E27FC236}">
-                <a16:creationId xmlns:a16="http://schemas.microsoft.com/office/drawing/2014/main" id="{7122CB77-C7A7-0B46-A438-745959AAF130}"/>
+                <a16:creationId xmlns:a16="http://schemas.microsoft.com/office/drawing/2014/main" id="{59DE5F99-433C-BD47-87AE-0E3184E580B1}"/>
               </a:ext>
             </a:extLst>
           </p:cNvPr>
@@ -14984,15 +21219,43 @@
           <p:nvPr/>
         </p:nvPicPr>
         <p:blipFill>
-          <a:blip r:embed="rId3"/>
-          <a:stretch>
-            <a:fillRect/>
-          </a:stretch>
+          <a:blip r:embed="rId4"/>
+          <a:srcRect/>
+          <a:stretch/>
         </p:blipFill>
         <p:spPr>
           <a:xfrm>
-            <a:off x="6210303" y="1801019"/>
-            <a:ext cx="5486400" cy="3657600"/>
+            <a:off x="838200" y="1833562"/>
+            <a:ext cx="4786312" cy="3190875"/>
+          </a:xfrm>
+          <a:prstGeom prst="rect">
+            <a:avLst/>
+          </a:prstGeom>
+        </p:spPr>
+      </p:pic>
+      <p:pic>
+        <p:nvPicPr>
+          <p:cNvPr id="9" name="Picture 8">
+            <a:extLst>
+              <a:ext uri="{FF2B5EF4-FFF2-40B4-BE49-F238E27FC236}">
+                <a16:creationId xmlns:a16="http://schemas.microsoft.com/office/drawing/2014/main" id="{ABE6EA29-9FB0-4C42-883B-596085A3EC20}"/>
+              </a:ext>
+            </a:extLst>
+          </p:cNvPr>
+          <p:cNvPicPr>
+            <a:picLocks noChangeAspect="1"/>
+          </p:cNvPicPr>
+          <p:nvPr/>
+        </p:nvPicPr>
+        <p:blipFill>
+          <a:blip r:embed="rId5"/>
+          <a:srcRect/>
+          <a:stretch/>
+        </p:blipFill>
+        <p:spPr>
+          <a:xfrm>
+            <a:off x="6210300" y="3544886"/>
+            <a:ext cx="4672014" cy="3114676"/>
           </a:xfrm>
           <a:prstGeom prst="rect">
             <a:avLst/>
@@ -15002,7 +21265,7 @@
     </p:spTree>
     <p:extLst>
       <p:ext uri="{BB962C8B-B14F-4D97-AF65-F5344CB8AC3E}">
-        <p14:creationId xmlns:p14="http://schemas.microsoft.com/office/powerpoint/2010/main" val="3558016062"/>
+        <p14:creationId xmlns:p14="http://schemas.microsoft.com/office/powerpoint/2010/main" val="2553444200"/>
       </p:ext>
     </p:extLst>
   </p:cSld>

--- a/Simplified working model.pptx
+++ b/Simplified working model.pptx
@@ -5,7 +5,7 @@
     <p:sldMasterId id="2147483648" r:id="rId1"/>
   </p:sldMasterIdLst>
   <p:notesMasterIdLst>
-    <p:notesMasterId r:id="rId23"/>
+    <p:notesMasterId r:id="rId24"/>
   </p:notesMasterIdLst>
   <p:sldIdLst>
     <p:sldId id="259" r:id="rId2"/>
@@ -22,13 +22,14 @@
     <p:sldId id="280" r:id="rId13"/>
     <p:sldId id="274" r:id="rId14"/>
     <p:sldId id="281" r:id="rId15"/>
-    <p:sldId id="261" r:id="rId16"/>
-    <p:sldId id="262" r:id="rId17"/>
-    <p:sldId id="268" r:id="rId18"/>
-    <p:sldId id="266" r:id="rId19"/>
-    <p:sldId id="267" r:id="rId20"/>
-    <p:sldId id="272" r:id="rId21"/>
-    <p:sldId id="273" r:id="rId22"/>
+    <p:sldId id="282" r:id="rId16"/>
+    <p:sldId id="261" r:id="rId17"/>
+    <p:sldId id="262" r:id="rId18"/>
+    <p:sldId id="268" r:id="rId19"/>
+    <p:sldId id="266" r:id="rId20"/>
+    <p:sldId id="267" r:id="rId21"/>
+    <p:sldId id="272" r:id="rId22"/>
+    <p:sldId id="273" r:id="rId23"/>
   </p:sldIdLst>
   <p:sldSz cx="12192000" cy="6858000"/>
   <p:notesSz cx="6858000" cy="9144000"/>
@@ -10285,6 +10286,4230 @@
           <a:chExt cx="0" cy="0"/>
         </a:xfrm>
       </p:grpSpPr>
+      <p:grpSp>
+        <p:nvGrpSpPr>
+          <p:cNvPr id="78" name="Group 77">
+            <a:extLst>
+              <a:ext uri="{FF2B5EF4-FFF2-40B4-BE49-F238E27FC236}">
+                <a16:creationId xmlns:a16="http://schemas.microsoft.com/office/drawing/2014/main" id="{C40779B4-17B9-6C40-B991-ECC902B1E084}"/>
+              </a:ext>
+            </a:extLst>
+          </p:cNvPr>
+          <p:cNvGrpSpPr/>
+          <p:nvPr/>
+        </p:nvGrpSpPr>
+        <p:grpSpPr>
+          <a:xfrm>
+            <a:off x="1671141" y="798275"/>
+            <a:ext cx="8472897" cy="4985897"/>
+            <a:chOff x="1119609" y="275771"/>
+            <a:chExt cx="8472897" cy="4985897"/>
+          </a:xfrm>
+        </p:grpSpPr>
+        <mc:AlternateContent xmlns:mc="http://schemas.openxmlformats.org/markup-compatibility/2006">
+          <mc:Choice xmlns:a14="http://schemas.microsoft.com/office/drawing/2010/main" Requires="a14">
+            <p:sp>
+              <p:nvSpPr>
+                <p:cNvPr id="4" name="Oval 3">
+                  <a:extLst>
+                    <a:ext uri="{FF2B5EF4-FFF2-40B4-BE49-F238E27FC236}">
+                      <a16:creationId xmlns:a16="http://schemas.microsoft.com/office/drawing/2014/main" id="{5B0912DE-51DF-F24A-8480-9CF4999E1A8B}"/>
+                    </a:ext>
+                  </a:extLst>
+                </p:cNvPr>
+                <p:cNvSpPr/>
+                <p:nvPr/>
+              </p:nvSpPr>
+              <p:spPr>
+                <a:xfrm>
+                  <a:off x="1119609" y="1569097"/>
+                  <a:ext cx="645253" cy="645252"/>
+                </a:xfrm>
+                <a:prstGeom prst="ellipse">
+                  <a:avLst/>
+                </a:prstGeom>
+                <a:ln>
+                  <a:solidFill>
+                    <a:schemeClr val="tx1"/>
+                  </a:solidFill>
+                </a:ln>
+              </p:spPr>
+              <p:style>
+                <a:lnRef idx="2">
+                  <a:schemeClr val="accent6"/>
+                </a:lnRef>
+                <a:fillRef idx="1">
+                  <a:schemeClr val="lt1"/>
+                </a:fillRef>
+                <a:effectRef idx="0">
+                  <a:schemeClr val="accent6"/>
+                </a:effectRef>
+                <a:fontRef idx="minor">
+                  <a:schemeClr val="dk1"/>
+                </a:fontRef>
+              </p:style>
+              <p:txBody>
+                <a:bodyPr rtlCol="0" anchor="ctr"/>
+                <a:lstStyle/>
+                <a:p>
+                  <a:pPr algn="ctr"/>
+                  <a14:m>
+                    <m:oMathPara xmlns:m="http://schemas.openxmlformats.org/officeDocument/2006/math">
+                      <m:oMathParaPr>
+                        <m:jc m:val="centerGroup"/>
+                      </m:oMathParaPr>
+                      <m:oMath xmlns:m="http://schemas.openxmlformats.org/officeDocument/2006/math">
+                        <m:r>
+                          <a:rPr lang="en-US" b="0" i="1" smtClean="0">
+                            <a:latin typeface="Cambria Math" panose="02040503050406030204" pitchFamily="18" charset="0"/>
+                          </a:rPr>
+                          <m:t>𝐸</m:t>
+                        </m:r>
+                      </m:oMath>
+                    </m:oMathPara>
+                  </a14:m>
+                  <a:endParaRPr lang="en-US" dirty="0"/>
+                </a:p>
+              </p:txBody>
+            </p:sp>
+          </mc:Choice>
+          <mc:Fallback>
+            <p:sp>
+              <p:nvSpPr>
+                <p:cNvPr id="4" name="Oval 3">
+                  <a:extLst>
+                    <a:ext uri="{FF2B5EF4-FFF2-40B4-BE49-F238E27FC236}">
+                      <a16:creationId xmlns:a16="http://schemas.microsoft.com/office/drawing/2014/main" id="{5B0912DE-51DF-F24A-8480-9CF4999E1A8B}"/>
+                    </a:ext>
+                  </a:extLst>
+                </p:cNvPr>
+                <p:cNvSpPr>
+                  <a:spLocks noRot="1" noChangeAspect="1" noMove="1" noResize="1" noEditPoints="1" noAdjustHandles="1" noChangeArrowheads="1" noChangeShapeType="1" noTextEdit="1"/>
+                </p:cNvSpPr>
+                <p:nvPr/>
+              </p:nvSpPr>
+              <p:spPr>
+                <a:xfrm>
+                  <a:off x="1119609" y="1569097"/>
+                  <a:ext cx="645253" cy="645252"/>
+                </a:xfrm>
+                <a:prstGeom prst="ellipse">
+                  <a:avLst/>
+                </a:prstGeom>
+                <a:blipFill>
+                  <a:blip r:embed="rId2"/>
+                  <a:stretch>
+                    <a:fillRect/>
+                  </a:stretch>
+                </a:blipFill>
+                <a:ln>
+                  <a:solidFill>
+                    <a:schemeClr val="tx1"/>
+                  </a:solidFill>
+                </a:ln>
+              </p:spPr>
+              <p:txBody>
+                <a:bodyPr/>
+                <a:lstStyle/>
+                <a:p>
+                  <a:r>
+                    <a:rPr lang="en-US">
+                      <a:noFill/>
+                    </a:rPr>
+                    <a:t> </a:t>
+                  </a:r>
+                </a:p>
+              </p:txBody>
+            </p:sp>
+          </mc:Fallback>
+        </mc:AlternateContent>
+        <mc:AlternateContent xmlns:mc="http://schemas.openxmlformats.org/markup-compatibility/2006">
+          <mc:Choice xmlns:a14="http://schemas.microsoft.com/office/drawing/2010/main" Requires="a14">
+            <p:sp>
+              <p:nvSpPr>
+                <p:cNvPr id="5" name="Oval 4">
+                  <a:extLst>
+                    <a:ext uri="{FF2B5EF4-FFF2-40B4-BE49-F238E27FC236}">
+                      <a16:creationId xmlns:a16="http://schemas.microsoft.com/office/drawing/2014/main" id="{79BA2D8C-E1F8-A74F-8470-5090CAF30252}"/>
+                    </a:ext>
+                  </a:extLst>
+                </p:cNvPr>
+                <p:cNvSpPr/>
+                <p:nvPr/>
+              </p:nvSpPr>
+              <p:spPr>
+                <a:xfrm>
+                  <a:off x="2552169" y="1569097"/>
+                  <a:ext cx="645253" cy="645252"/>
+                </a:xfrm>
+                <a:prstGeom prst="ellipse">
+                  <a:avLst/>
+                </a:prstGeom>
+                <a:ln>
+                  <a:solidFill>
+                    <a:schemeClr val="tx1"/>
+                  </a:solidFill>
+                </a:ln>
+              </p:spPr>
+              <p:style>
+                <a:lnRef idx="2">
+                  <a:schemeClr val="accent6"/>
+                </a:lnRef>
+                <a:fillRef idx="1">
+                  <a:schemeClr val="lt1"/>
+                </a:fillRef>
+                <a:effectRef idx="0">
+                  <a:schemeClr val="accent6"/>
+                </a:effectRef>
+                <a:fontRef idx="minor">
+                  <a:schemeClr val="dk1"/>
+                </a:fontRef>
+              </p:style>
+              <p:txBody>
+                <a:bodyPr rtlCol="0" anchor="ctr"/>
+                <a:lstStyle/>
+                <a:p>
+                  <a:pPr algn="ctr"/>
+                  <a14:m>
+                    <m:oMathPara xmlns:m="http://schemas.openxmlformats.org/officeDocument/2006/math">
+                      <m:oMathParaPr>
+                        <m:jc m:val="centerGroup"/>
+                      </m:oMathParaPr>
+                      <m:oMath xmlns:m="http://schemas.openxmlformats.org/officeDocument/2006/math">
+                        <m:sSub>
+                          <m:sSubPr>
+                            <m:ctrlPr>
+                              <a:rPr lang="en-US" b="0" i="1" smtClean="0">
+                                <a:latin typeface="Cambria Math" panose="02040503050406030204" pitchFamily="18" charset="0"/>
+                              </a:rPr>
+                            </m:ctrlPr>
+                          </m:sSubPr>
+                          <m:e>
+                            <m:r>
+                              <a:rPr lang="en-US" b="0" i="1" smtClean="0">
+                                <a:latin typeface="Cambria Math" panose="02040503050406030204" pitchFamily="18" charset="0"/>
+                              </a:rPr>
+                              <m:t>𝐼</m:t>
+                            </m:r>
+                          </m:e>
+                          <m:sub>
+                            <m:r>
+                              <a:rPr lang="en-US" b="0" i="1" smtClean="0">
+                                <a:latin typeface="Cambria Math" panose="02040503050406030204" pitchFamily="18" charset="0"/>
+                              </a:rPr>
+                              <m:t>𝑠h𝑒𝑑</m:t>
+                            </m:r>
+                          </m:sub>
+                        </m:sSub>
+                      </m:oMath>
+                    </m:oMathPara>
+                  </a14:m>
+                  <a:endParaRPr lang="en-US" dirty="0"/>
+                </a:p>
+              </p:txBody>
+            </p:sp>
+          </mc:Choice>
+          <mc:Fallback>
+            <p:sp>
+              <p:nvSpPr>
+                <p:cNvPr id="5" name="Oval 4">
+                  <a:extLst>
+                    <a:ext uri="{FF2B5EF4-FFF2-40B4-BE49-F238E27FC236}">
+                      <a16:creationId xmlns:a16="http://schemas.microsoft.com/office/drawing/2014/main" id="{79BA2D8C-E1F8-A74F-8470-5090CAF30252}"/>
+                    </a:ext>
+                  </a:extLst>
+                </p:cNvPr>
+                <p:cNvSpPr>
+                  <a:spLocks noRot="1" noChangeAspect="1" noMove="1" noResize="1" noEditPoints="1" noAdjustHandles="1" noChangeArrowheads="1" noChangeShapeType="1" noTextEdit="1"/>
+                </p:cNvSpPr>
+                <p:nvPr/>
+              </p:nvSpPr>
+              <p:spPr>
+                <a:xfrm>
+                  <a:off x="2552169" y="1569097"/>
+                  <a:ext cx="645253" cy="645252"/>
+                </a:xfrm>
+                <a:prstGeom prst="ellipse">
+                  <a:avLst/>
+                </a:prstGeom>
+                <a:blipFill>
+                  <a:blip r:embed="rId3"/>
+                  <a:stretch>
+                    <a:fillRect l="-1887"/>
+                  </a:stretch>
+                </a:blipFill>
+                <a:ln>
+                  <a:solidFill>
+                    <a:schemeClr val="tx1"/>
+                  </a:solidFill>
+                </a:ln>
+              </p:spPr>
+              <p:txBody>
+                <a:bodyPr/>
+                <a:lstStyle/>
+                <a:p>
+                  <a:r>
+                    <a:rPr lang="en-US">
+                      <a:noFill/>
+                    </a:rPr>
+                    <a:t> </a:t>
+                  </a:r>
+                </a:p>
+              </p:txBody>
+            </p:sp>
+          </mc:Fallback>
+        </mc:AlternateContent>
+        <mc:AlternateContent xmlns:mc="http://schemas.openxmlformats.org/markup-compatibility/2006">
+          <mc:Choice xmlns:a14="http://schemas.microsoft.com/office/drawing/2010/main" Requires="a14">
+            <p:sp>
+              <p:nvSpPr>
+                <p:cNvPr id="6" name="Oval 5">
+                  <a:extLst>
+                    <a:ext uri="{FF2B5EF4-FFF2-40B4-BE49-F238E27FC236}">
+                      <a16:creationId xmlns:a16="http://schemas.microsoft.com/office/drawing/2014/main" id="{776A6DDC-F579-DD43-9909-6B4B79BAAE09}"/>
+                    </a:ext>
+                  </a:extLst>
+                </p:cNvPr>
+                <p:cNvSpPr/>
+                <p:nvPr/>
+              </p:nvSpPr>
+              <p:spPr>
+                <a:xfrm>
+                  <a:off x="3984729" y="1569097"/>
+                  <a:ext cx="645253" cy="645252"/>
+                </a:xfrm>
+                <a:prstGeom prst="ellipse">
+                  <a:avLst/>
+                </a:prstGeom>
+                <a:ln>
+                  <a:solidFill>
+                    <a:schemeClr val="tx1"/>
+                  </a:solidFill>
+                </a:ln>
+              </p:spPr>
+              <p:style>
+                <a:lnRef idx="2">
+                  <a:schemeClr val="accent6"/>
+                </a:lnRef>
+                <a:fillRef idx="1">
+                  <a:schemeClr val="lt1"/>
+                </a:fillRef>
+                <a:effectRef idx="0">
+                  <a:schemeClr val="accent6"/>
+                </a:effectRef>
+                <a:fontRef idx="minor">
+                  <a:schemeClr val="dk1"/>
+                </a:fontRef>
+              </p:style>
+              <p:txBody>
+                <a:bodyPr rtlCol="0" anchor="ctr"/>
+                <a:lstStyle/>
+                <a:p>
+                  <a:pPr algn="ctr"/>
+                  <a14:m>
+                    <m:oMathPara xmlns:m="http://schemas.openxmlformats.org/officeDocument/2006/math">
+                      <m:oMathParaPr>
+                        <m:jc m:val="centerGroup"/>
+                      </m:oMathParaPr>
+                      <m:oMath xmlns:m="http://schemas.openxmlformats.org/officeDocument/2006/math">
+                        <m:sSub>
+                          <m:sSubPr>
+                            <m:ctrlPr>
+                              <a:rPr lang="en-US" b="0" i="1" smtClean="0">
+                                <a:latin typeface="Cambria Math" panose="02040503050406030204" pitchFamily="18" charset="0"/>
+                              </a:rPr>
+                            </m:ctrlPr>
+                          </m:sSubPr>
+                          <m:e>
+                            <m:r>
+                              <a:rPr lang="en-US" b="0" i="1" smtClean="0">
+                                <a:latin typeface="Cambria Math" panose="02040503050406030204" pitchFamily="18" charset="0"/>
+                              </a:rPr>
+                              <m:t>𝐼</m:t>
+                            </m:r>
+                          </m:e>
+                          <m:sub>
+                            <m:r>
+                              <a:rPr lang="en-US" b="0" i="1" smtClean="0">
+                                <a:latin typeface="Cambria Math" panose="02040503050406030204" pitchFamily="18" charset="0"/>
+                              </a:rPr>
+                              <m:t>𝑠</m:t>
+                            </m:r>
+                            <m:r>
+                              <a:rPr lang="en-US" b="0" i="1" smtClean="0">
+                                <a:latin typeface="Cambria Math" panose="02040503050406030204" pitchFamily="18" charset="0"/>
+                              </a:rPr>
+                              <m:t>, 0</m:t>
+                            </m:r>
+                          </m:sub>
+                        </m:sSub>
+                      </m:oMath>
+                    </m:oMathPara>
+                  </a14:m>
+                  <a:endParaRPr lang="en-US" dirty="0"/>
+                </a:p>
+              </p:txBody>
+            </p:sp>
+          </mc:Choice>
+          <mc:Fallback>
+            <p:sp>
+              <p:nvSpPr>
+                <p:cNvPr id="6" name="Oval 5">
+                  <a:extLst>
+                    <a:ext uri="{FF2B5EF4-FFF2-40B4-BE49-F238E27FC236}">
+                      <a16:creationId xmlns:a16="http://schemas.microsoft.com/office/drawing/2014/main" id="{776A6DDC-F579-DD43-9909-6B4B79BAAE09}"/>
+                    </a:ext>
+                  </a:extLst>
+                </p:cNvPr>
+                <p:cNvSpPr>
+                  <a:spLocks noRot="1" noChangeAspect="1" noMove="1" noResize="1" noEditPoints="1" noAdjustHandles="1" noChangeArrowheads="1" noChangeShapeType="1" noTextEdit="1"/>
+                </p:cNvSpPr>
+                <p:nvPr/>
+              </p:nvSpPr>
+              <p:spPr>
+                <a:xfrm>
+                  <a:off x="3984729" y="1569097"/>
+                  <a:ext cx="645253" cy="645252"/>
+                </a:xfrm>
+                <a:prstGeom prst="ellipse">
+                  <a:avLst/>
+                </a:prstGeom>
+                <a:blipFill>
+                  <a:blip r:embed="rId4"/>
+                  <a:stretch>
+                    <a:fillRect/>
+                  </a:stretch>
+                </a:blipFill>
+                <a:ln>
+                  <a:solidFill>
+                    <a:schemeClr val="tx1"/>
+                  </a:solidFill>
+                </a:ln>
+              </p:spPr>
+              <p:txBody>
+                <a:bodyPr/>
+                <a:lstStyle/>
+                <a:p>
+                  <a:r>
+                    <a:rPr lang="en-US">
+                      <a:noFill/>
+                    </a:rPr>
+                    <a:t> </a:t>
+                  </a:r>
+                </a:p>
+              </p:txBody>
+            </p:sp>
+          </mc:Fallback>
+        </mc:AlternateContent>
+        <mc:AlternateContent xmlns:mc="http://schemas.openxmlformats.org/markup-compatibility/2006">
+          <mc:Choice xmlns:a14="http://schemas.microsoft.com/office/drawing/2010/main" Requires="a14">
+            <p:sp>
+              <p:nvSpPr>
+                <p:cNvPr id="7" name="Oval 6">
+                  <a:extLst>
+                    <a:ext uri="{FF2B5EF4-FFF2-40B4-BE49-F238E27FC236}">
+                      <a16:creationId xmlns:a16="http://schemas.microsoft.com/office/drawing/2014/main" id="{13124F4F-A2E1-B04C-B291-F8DC1F7869EC}"/>
+                    </a:ext>
+                  </a:extLst>
+                </p:cNvPr>
+                <p:cNvSpPr/>
+                <p:nvPr/>
+              </p:nvSpPr>
+              <p:spPr>
+                <a:xfrm>
+                  <a:off x="3984728" y="2910217"/>
+                  <a:ext cx="645253" cy="645252"/>
+                </a:xfrm>
+                <a:prstGeom prst="ellipse">
+                  <a:avLst/>
+                </a:prstGeom>
+                <a:ln>
+                  <a:solidFill>
+                    <a:schemeClr val="tx1"/>
+                  </a:solidFill>
+                </a:ln>
+              </p:spPr>
+              <p:style>
+                <a:lnRef idx="2">
+                  <a:schemeClr val="accent6"/>
+                </a:lnRef>
+                <a:fillRef idx="1">
+                  <a:schemeClr val="lt1"/>
+                </a:fillRef>
+                <a:effectRef idx="0">
+                  <a:schemeClr val="accent6"/>
+                </a:effectRef>
+                <a:fontRef idx="minor">
+                  <a:schemeClr val="dk1"/>
+                </a:fontRef>
+              </p:style>
+              <p:txBody>
+                <a:bodyPr rtlCol="0" anchor="ctr"/>
+                <a:lstStyle/>
+                <a:p>
+                  <a:pPr algn="ctr"/>
+                  <a14:m>
+                    <m:oMathPara xmlns:m="http://schemas.openxmlformats.org/officeDocument/2006/math">
+                      <m:oMathParaPr>
+                        <m:jc m:val="centerGroup"/>
+                      </m:oMathParaPr>
+                      <m:oMath xmlns:m="http://schemas.openxmlformats.org/officeDocument/2006/math">
+                        <m:sSub>
+                          <m:sSubPr>
+                            <m:ctrlPr>
+                              <a:rPr lang="en-US" b="0" i="1" smtClean="0">
+                                <a:latin typeface="Cambria Math" panose="02040503050406030204" pitchFamily="18" charset="0"/>
+                              </a:rPr>
+                            </m:ctrlPr>
+                          </m:sSubPr>
+                          <m:e>
+                            <m:r>
+                              <a:rPr lang="en-US" b="0" i="1" smtClean="0">
+                                <a:latin typeface="Cambria Math" panose="02040503050406030204" pitchFamily="18" charset="0"/>
+                              </a:rPr>
+                              <m:t>𝐼</m:t>
+                            </m:r>
+                          </m:e>
+                          <m:sub>
+                            <m:r>
+                              <a:rPr lang="en-US" b="0" i="1" smtClean="0">
+                                <a:latin typeface="Cambria Math" panose="02040503050406030204" pitchFamily="18" charset="0"/>
+                              </a:rPr>
+                              <m:t>𝑠</m:t>
+                            </m:r>
+                            <m:r>
+                              <a:rPr lang="en-US" b="0" i="1" smtClean="0">
+                                <a:latin typeface="Cambria Math" panose="02040503050406030204" pitchFamily="18" charset="0"/>
+                              </a:rPr>
+                              <m:t>,1</m:t>
+                            </m:r>
+                          </m:sub>
+                        </m:sSub>
+                      </m:oMath>
+                    </m:oMathPara>
+                  </a14:m>
+                  <a:endParaRPr lang="en-US" dirty="0"/>
+                </a:p>
+              </p:txBody>
+            </p:sp>
+          </mc:Choice>
+          <mc:Fallback>
+            <p:sp>
+              <p:nvSpPr>
+                <p:cNvPr id="7" name="Oval 6">
+                  <a:extLst>
+                    <a:ext uri="{FF2B5EF4-FFF2-40B4-BE49-F238E27FC236}">
+                      <a16:creationId xmlns:a16="http://schemas.microsoft.com/office/drawing/2014/main" id="{13124F4F-A2E1-B04C-B291-F8DC1F7869EC}"/>
+                    </a:ext>
+                  </a:extLst>
+                </p:cNvPr>
+                <p:cNvSpPr>
+                  <a:spLocks noRot="1" noChangeAspect="1" noMove="1" noResize="1" noEditPoints="1" noAdjustHandles="1" noChangeArrowheads="1" noChangeShapeType="1" noTextEdit="1"/>
+                </p:cNvSpPr>
+                <p:nvPr/>
+              </p:nvSpPr>
+              <p:spPr>
+                <a:xfrm>
+                  <a:off x="3984728" y="2910217"/>
+                  <a:ext cx="645253" cy="645252"/>
+                </a:xfrm>
+                <a:prstGeom prst="ellipse">
+                  <a:avLst/>
+                </a:prstGeom>
+                <a:blipFill>
+                  <a:blip r:embed="rId5"/>
+                  <a:stretch>
+                    <a:fillRect/>
+                  </a:stretch>
+                </a:blipFill>
+                <a:ln>
+                  <a:solidFill>
+                    <a:schemeClr val="tx1"/>
+                  </a:solidFill>
+                </a:ln>
+              </p:spPr>
+              <p:txBody>
+                <a:bodyPr/>
+                <a:lstStyle/>
+                <a:p>
+                  <a:r>
+                    <a:rPr lang="en-US">
+                      <a:noFill/>
+                    </a:rPr>
+                    <a:t> </a:t>
+                  </a:r>
+                </a:p>
+              </p:txBody>
+            </p:sp>
+          </mc:Fallback>
+        </mc:AlternateContent>
+        <mc:AlternateContent xmlns:mc="http://schemas.openxmlformats.org/markup-compatibility/2006">
+          <mc:Choice xmlns:a14="http://schemas.microsoft.com/office/drawing/2010/main" Requires="a14">
+            <p:sp>
+              <p:nvSpPr>
+                <p:cNvPr id="8" name="Oval 7">
+                  <a:extLst>
+                    <a:ext uri="{FF2B5EF4-FFF2-40B4-BE49-F238E27FC236}">
+                      <a16:creationId xmlns:a16="http://schemas.microsoft.com/office/drawing/2014/main" id="{B9B980E0-E63A-B341-A7A7-E0F2049BE7FD}"/>
+                    </a:ext>
+                  </a:extLst>
+                </p:cNvPr>
+                <p:cNvSpPr/>
+                <p:nvPr/>
+              </p:nvSpPr>
+              <p:spPr>
+                <a:xfrm>
+                  <a:off x="3984727" y="4251337"/>
+                  <a:ext cx="645253" cy="645252"/>
+                </a:xfrm>
+                <a:prstGeom prst="ellipse">
+                  <a:avLst/>
+                </a:prstGeom>
+                <a:ln>
+                  <a:solidFill>
+                    <a:schemeClr val="tx1"/>
+                  </a:solidFill>
+                </a:ln>
+              </p:spPr>
+              <p:style>
+                <a:lnRef idx="2">
+                  <a:schemeClr val="accent6"/>
+                </a:lnRef>
+                <a:fillRef idx="1">
+                  <a:schemeClr val="lt1"/>
+                </a:fillRef>
+                <a:effectRef idx="0">
+                  <a:schemeClr val="accent6"/>
+                </a:effectRef>
+                <a:fontRef idx="minor">
+                  <a:schemeClr val="dk1"/>
+                </a:fontRef>
+              </p:style>
+              <p:txBody>
+                <a:bodyPr rtlCol="0" anchor="ctr"/>
+                <a:lstStyle/>
+                <a:p>
+                  <a:pPr algn="ctr"/>
+                  <a14:m>
+                    <m:oMathPara xmlns:m="http://schemas.openxmlformats.org/officeDocument/2006/math">
+                      <m:oMathParaPr>
+                        <m:jc m:val="centerGroup"/>
+                      </m:oMathParaPr>
+                      <m:oMath xmlns:m="http://schemas.openxmlformats.org/officeDocument/2006/math">
+                        <m:sSub>
+                          <m:sSubPr>
+                            <m:ctrlPr>
+                              <a:rPr lang="en-US" b="0" i="1" smtClean="0">
+                                <a:latin typeface="Cambria Math" panose="02040503050406030204" pitchFamily="18" charset="0"/>
+                              </a:rPr>
+                            </m:ctrlPr>
+                          </m:sSubPr>
+                          <m:e>
+                            <m:r>
+                              <a:rPr lang="en-US" b="0" i="1" smtClean="0">
+                                <a:latin typeface="Cambria Math" panose="02040503050406030204" pitchFamily="18" charset="0"/>
+                              </a:rPr>
+                              <m:t>𝐼</m:t>
+                            </m:r>
+                          </m:e>
+                          <m:sub>
+                            <m:r>
+                              <a:rPr lang="en-US" b="0" i="1" smtClean="0">
+                                <a:latin typeface="Cambria Math" panose="02040503050406030204" pitchFamily="18" charset="0"/>
+                              </a:rPr>
+                              <m:t>𝑠</m:t>
+                            </m:r>
+                            <m:r>
+                              <a:rPr lang="en-US" b="0" i="1" smtClean="0">
+                                <a:latin typeface="Cambria Math" panose="02040503050406030204" pitchFamily="18" charset="0"/>
+                              </a:rPr>
+                              <m:t>, 2</m:t>
+                            </m:r>
+                          </m:sub>
+                        </m:sSub>
+                      </m:oMath>
+                    </m:oMathPara>
+                  </a14:m>
+                  <a:endParaRPr lang="en-US" dirty="0"/>
+                </a:p>
+              </p:txBody>
+            </p:sp>
+          </mc:Choice>
+          <mc:Fallback>
+            <p:sp>
+              <p:nvSpPr>
+                <p:cNvPr id="8" name="Oval 7">
+                  <a:extLst>
+                    <a:ext uri="{FF2B5EF4-FFF2-40B4-BE49-F238E27FC236}">
+                      <a16:creationId xmlns:a16="http://schemas.microsoft.com/office/drawing/2014/main" id="{B9B980E0-E63A-B341-A7A7-E0F2049BE7FD}"/>
+                    </a:ext>
+                  </a:extLst>
+                </p:cNvPr>
+                <p:cNvSpPr>
+                  <a:spLocks noRot="1" noChangeAspect="1" noMove="1" noResize="1" noEditPoints="1" noAdjustHandles="1" noChangeArrowheads="1" noChangeShapeType="1" noTextEdit="1"/>
+                </p:cNvSpPr>
+                <p:nvPr/>
+              </p:nvSpPr>
+              <p:spPr>
+                <a:xfrm>
+                  <a:off x="3984727" y="4251337"/>
+                  <a:ext cx="645253" cy="645252"/>
+                </a:xfrm>
+                <a:prstGeom prst="ellipse">
+                  <a:avLst/>
+                </a:prstGeom>
+                <a:blipFill>
+                  <a:blip r:embed="rId6"/>
+                  <a:stretch>
+                    <a:fillRect/>
+                  </a:stretch>
+                </a:blipFill>
+                <a:ln>
+                  <a:solidFill>
+                    <a:schemeClr val="tx1"/>
+                  </a:solidFill>
+                </a:ln>
+              </p:spPr>
+              <p:txBody>
+                <a:bodyPr/>
+                <a:lstStyle/>
+                <a:p>
+                  <a:r>
+                    <a:rPr lang="en-US">
+                      <a:noFill/>
+                    </a:rPr>
+                    <a:t> </a:t>
+                  </a:r>
+                </a:p>
+              </p:txBody>
+            </p:sp>
+          </mc:Fallback>
+        </mc:AlternateContent>
+        <mc:AlternateContent xmlns:mc="http://schemas.openxmlformats.org/markup-compatibility/2006">
+          <mc:Choice xmlns:a14="http://schemas.microsoft.com/office/drawing/2010/main" Requires="a14">
+            <p:sp>
+              <p:nvSpPr>
+                <p:cNvPr id="9" name="Oval 8">
+                  <a:extLst>
+                    <a:ext uri="{FF2B5EF4-FFF2-40B4-BE49-F238E27FC236}">
+                      <a16:creationId xmlns:a16="http://schemas.microsoft.com/office/drawing/2014/main" id="{2F113C0C-34B0-0F4A-85FE-28B1DCB1928A}"/>
+                    </a:ext>
+                  </a:extLst>
+                </p:cNvPr>
+                <p:cNvSpPr/>
+                <p:nvPr/>
+              </p:nvSpPr>
+              <p:spPr>
+                <a:xfrm>
+                  <a:off x="5417287" y="1569097"/>
+                  <a:ext cx="645253" cy="645252"/>
+                </a:xfrm>
+                <a:prstGeom prst="ellipse">
+                  <a:avLst/>
+                </a:prstGeom>
+                <a:ln>
+                  <a:solidFill>
+                    <a:schemeClr val="tx1"/>
+                  </a:solidFill>
+                </a:ln>
+              </p:spPr>
+              <p:style>
+                <a:lnRef idx="2">
+                  <a:schemeClr val="accent6"/>
+                </a:lnRef>
+                <a:fillRef idx="1">
+                  <a:schemeClr val="lt1"/>
+                </a:fillRef>
+                <a:effectRef idx="0">
+                  <a:schemeClr val="accent6"/>
+                </a:effectRef>
+                <a:fontRef idx="minor">
+                  <a:schemeClr val="dk1"/>
+                </a:fontRef>
+              </p:style>
+              <p:txBody>
+                <a:bodyPr rtlCol="0" anchor="ctr"/>
+                <a:lstStyle/>
+                <a:p>
+                  <a:pPr algn="ctr"/>
+                  <a14:m>
+                    <m:oMathPara xmlns:m="http://schemas.openxmlformats.org/officeDocument/2006/math">
+                      <m:oMathParaPr>
+                        <m:jc m:val="centerGroup"/>
+                      </m:oMathParaPr>
+                      <m:oMath xmlns:m="http://schemas.openxmlformats.org/officeDocument/2006/math">
+                        <m:sSub>
+                          <m:sSubPr>
+                            <m:ctrlPr>
+                              <a:rPr lang="en-US" b="0" i="1" smtClean="0">
+                                <a:latin typeface="Cambria Math" panose="02040503050406030204" pitchFamily="18" charset="0"/>
+                              </a:rPr>
+                            </m:ctrlPr>
+                          </m:sSubPr>
+                          <m:e>
+                            <m:r>
+                              <a:rPr lang="en-US" b="0" i="1" smtClean="0">
+                                <a:latin typeface="Cambria Math" panose="02040503050406030204" pitchFamily="18" charset="0"/>
+                              </a:rPr>
+                              <m:t>𝐼</m:t>
+                            </m:r>
+                          </m:e>
+                          <m:sub>
+                            <m:r>
+                              <a:rPr lang="en-US" b="0" i="1" smtClean="0">
+                                <a:latin typeface="Cambria Math" panose="02040503050406030204" pitchFamily="18" charset="0"/>
+                              </a:rPr>
+                              <m:t>𝑑</m:t>
+                            </m:r>
+                            <m:r>
+                              <a:rPr lang="en-US" b="0" i="1" smtClean="0">
+                                <a:latin typeface="Cambria Math" panose="02040503050406030204" pitchFamily="18" charset="0"/>
+                              </a:rPr>
+                              <m:t>, 0</m:t>
+                            </m:r>
+                          </m:sub>
+                        </m:sSub>
+                      </m:oMath>
+                    </m:oMathPara>
+                  </a14:m>
+                  <a:endParaRPr lang="en-US" dirty="0"/>
+                </a:p>
+              </p:txBody>
+            </p:sp>
+          </mc:Choice>
+          <mc:Fallback>
+            <p:sp>
+              <p:nvSpPr>
+                <p:cNvPr id="9" name="Oval 8">
+                  <a:extLst>
+                    <a:ext uri="{FF2B5EF4-FFF2-40B4-BE49-F238E27FC236}">
+                      <a16:creationId xmlns:a16="http://schemas.microsoft.com/office/drawing/2014/main" id="{2F113C0C-34B0-0F4A-85FE-28B1DCB1928A}"/>
+                    </a:ext>
+                  </a:extLst>
+                </p:cNvPr>
+                <p:cNvSpPr>
+                  <a:spLocks noRot="1" noChangeAspect="1" noMove="1" noResize="1" noEditPoints="1" noAdjustHandles="1" noChangeArrowheads="1" noChangeShapeType="1" noTextEdit="1"/>
+                </p:cNvSpPr>
+                <p:nvPr/>
+              </p:nvSpPr>
+              <p:spPr>
+                <a:xfrm>
+                  <a:off x="5417287" y="1569097"/>
+                  <a:ext cx="645253" cy="645252"/>
+                </a:xfrm>
+                <a:prstGeom prst="ellipse">
+                  <a:avLst/>
+                </a:prstGeom>
+                <a:blipFill>
+                  <a:blip r:embed="rId7"/>
+                  <a:stretch>
+                    <a:fillRect/>
+                  </a:stretch>
+                </a:blipFill>
+                <a:ln>
+                  <a:solidFill>
+                    <a:schemeClr val="tx1"/>
+                  </a:solidFill>
+                </a:ln>
+              </p:spPr>
+              <p:txBody>
+                <a:bodyPr/>
+                <a:lstStyle/>
+                <a:p>
+                  <a:r>
+                    <a:rPr lang="en-US">
+                      <a:noFill/>
+                    </a:rPr>
+                    <a:t> </a:t>
+                  </a:r>
+                </a:p>
+              </p:txBody>
+            </p:sp>
+          </mc:Fallback>
+        </mc:AlternateContent>
+        <mc:AlternateContent xmlns:mc="http://schemas.openxmlformats.org/markup-compatibility/2006">
+          <mc:Choice xmlns:a14="http://schemas.microsoft.com/office/drawing/2010/main" Requires="a14">
+            <p:sp>
+              <p:nvSpPr>
+                <p:cNvPr id="10" name="Oval 9">
+                  <a:extLst>
+                    <a:ext uri="{FF2B5EF4-FFF2-40B4-BE49-F238E27FC236}">
+                      <a16:creationId xmlns:a16="http://schemas.microsoft.com/office/drawing/2014/main" id="{F220B1DF-A023-5044-8963-D7C06D821950}"/>
+                    </a:ext>
+                  </a:extLst>
+                </p:cNvPr>
+                <p:cNvSpPr/>
+                <p:nvPr/>
+              </p:nvSpPr>
+              <p:spPr>
+                <a:xfrm>
+                  <a:off x="5417286" y="2910217"/>
+                  <a:ext cx="645253" cy="645252"/>
+                </a:xfrm>
+                <a:prstGeom prst="ellipse">
+                  <a:avLst/>
+                </a:prstGeom>
+                <a:ln>
+                  <a:solidFill>
+                    <a:schemeClr val="tx1"/>
+                  </a:solidFill>
+                </a:ln>
+              </p:spPr>
+              <p:style>
+                <a:lnRef idx="2">
+                  <a:schemeClr val="accent6"/>
+                </a:lnRef>
+                <a:fillRef idx="1">
+                  <a:schemeClr val="lt1"/>
+                </a:fillRef>
+                <a:effectRef idx="0">
+                  <a:schemeClr val="accent6"/>
+                </a:effectRef>
+                <a:fontRef idx="minor">
+                  <a:schemeClr val="dk1"/>
+                </a:fontRef>
+              </p:style>
+              <p:txBody>
+                <a:bodyPr rtlCol="0" anchor="ctr"/>
+                <a:lstStyle/>
+                <a:p>
+                  <a:pPr algn="ctr"/>
+                  <a14:m>
+                    <m:oMathPara xmlns:m="http://schemas.openxmlformats.org/officeDocument/2006/math">
+                      <m:oMathParaPr>
+                        <m:jc m:val="centerGroup"/>
+                      </m:oMathParaPr>
+                      <m:oMath xmlns:m="http://schemas.openxmlformats.org/officeDocument/2006/math">
+                        <m:sSub>
+                          <m:sSubPr>
+                            <m:ctrlPr>
+                              <a:rPr lang="en-US" b="0" i="1" smtClean="0">
+                                <a:latin typeface="Cambria Math" panose="02040503050406030204" pitchFamily="18" charset="0"/>
+                              </a:rPr>
+                            </m:ctrlPr>
+                          </m:sSubPr>
+                          <m:e>
+                            <m:r>
+                              <a:rPr lang="en-US" b="0" i="1" smtClean="0">
+                                <a:latin typeface="Cambria Math" panose="02040503050406030204" pitchFamily="18" charset="0"/>
+                              </a:rPr>
+                              <m:t>𝐼</m:t>
+                            </m:r>
+                          </m:e>
+                          <m:sub>
+                            <m:r>
+                              <a:rPr lang="en-US" b="0" i="1" smtClean="0">
+                                <a:latin typeface="Cambria Math" panose="02040503050406030204" pitchFamily="18" charset="0"/>
+                              </a:rPr>
+                              <m:t>𝑑</m:t>
+                            </m:r>
+                            <m:r>
+                              <a:rPr lang="en-US" b="0" i="1" smtClean="0">
+                                <a:latin typeface="Cambria Math" panose="02040503050406030204" pitchFamily="18" charset="0"/>
+                              </a:rPr>
+                              <m:t>,1</m:t>
+                            </m:r>
+                          </m:sub>
+                        </m:sSub>
+                      </m:oMath>
+                    </m:oMathPara>
+                  </a14:m>
+                  <a:endParaRPr lang="en-US" dirty="0"/>
+                </a:p>
+              </p:txBody>
+            </p:sp>
+          </mc:Choice>
+          <mc:Fallback>
+            <p:sp>
+              <p:nvSpPr>
+                <p:cNvPr id="10" name="Oval 9">
+                  <a:extLst>
+                    <a:ext uri="{FF2B5EF4-FFF2-40B4-BE49-F238E27FC236}">
+                      <a16:creationId xmlns:a16="http://schemas.microsoft.com/office/drawing/2014/main" id="{F220B1DF-A023-5044-8963-D7C06D821950}"/>
+                    </a:ext>
+                  </a:extLst>
+                </p:cNvPr>
+                <p:cNvSpPr>
+                  <a:spLocks noRot="1" noChangeAspect="1" noMove="1" noResize="1" noEditPoints="1" noAdjustHandles="1" noChangeArrowheads="1" noChangeShapeType="1" noTextEdit="1"/>
+                </p:cNvSpPr>
+                <p:nvPr/>
+              </p:nvSpPr>
+              <p:spPr>
+                <a:xfrm>
+                  <a:off x="5417286" y="2910217"/>
+                  <a:ext cx="645253" cy="645252"/>
+                </a:xfrm>
+                <a:prstGeom prst="ellipse">
+                  <a:avLst/>
+                </a:prstGeom>
+                <a:blipFill>
+                  <a:blip r:embed="rId8"/>
+                  <a:stretch>
+                    <a:fillRect/>
+                  </a:stretch>
+                </a:blipFill>
+                <a:ln>
+                  <a:solidFill>
+                    <a:schemeClr val="tx1"/>
+                  </a:solidFill>
+                </a:ln>
+              </p:spPr>
+              <p:txBody>
+                <a:bodyPr/>
+                <a:lstStyle/>
+                <a:p>
+                  <a:r>
+                    <a:rPr lang="en-US">
+                      <a:noFill/>
+                    </a:rPr>
+                    <a:t> </a:t>
+                  </a:r>
+                </a:p>
+              </p:txBody>
+            </p:sp>
+          </mc:Fallback>
+        </mc:AlternateContent>
+        <mc:AlternateContent xmlns:mc="http://schemas.openxmlformats.org/markup-compatibility/2006">
+          <mc:Choice xmlns:a14="http://schemas.microsoft.com/office/drawing/2010/main" Requires="a14">
+            <p:sp>
+              <p:nvSpPr>
+                <p:cNvPr id="11" name="Oval 10">
+                  <a:extLst>
+                    <a:ext uri="{FF2B5EF4-FFF2-40B4-BE49-F238E27FC236}">
+                      <a16:creationId xmlns:a16="http://schemas.microsoft.com/office/drawing/2014/main" id="{C9AE5691-99A9-3A49-8A46-58E80305EC5F}"/>
+                    </a:ext>
+                  </a:extLst>
+                </p:cNvPr>
+                <p:cNvSpPr/>
+                <p:nvPr/>
+              </p:nvSpPr>
+              <p:spPr>
+                <a:xfrm>
+                  <a:off x="5417285" y="4251337"/>
+                  <a:ext cx="645253" cy="645252"/>
+                </a:xfrm>
+                <a:prstGeom prst="ellipse">
+                  <a:avLst/>
+                </a:prstGeom>
+                <a:ln>
+                  <a:solidFill>
+                    <a:schemeClr val="tx1"/>
+                  </a:solidFill>
+                </a:ln>
+              </p:spPr>
+              <p:style>
+                <a:lnRef idx="2">
+                  <a:schemeClr val="accent6"/>
+                </a:lnRef>
+                <a:fillRef idx="1">
+                  <a:schemeClr val="lt1"/>
+                </a:fillRef>
+                <a:effectRef idx="0">
+                  <a:schemeClr val="accent6"/>
+                </a:effectRef>
+                <a:fontRef idx="minor">
+                  <a:schemeClr val="dk1"/>
+                </a:fontRef>
+              </p:style>
+              <p:txBody>
+                <a:bodyPr rtlCol="0" anchor="ctr"/>
+                <a:lstStyle/>
+                <a:p>
+                  <a:pPr algn="ctr"/>
+                  <a14:m>
+                    <m:oMathPara xmlns:m="http://schemas.openxmlformats.org/officeDocument/2006/math">
+                      <m:oMathParaPr>
+                        <m:jc m:val="centerGroup"/>
+                      </m:oMathParaPr>
+                      <m:oMath xmlns:m="http://schemas.openxmlformats.org/officeDocument/2006/math">
+                        <m:sSub>
+                          <m:sSubPr>
+                            <m:ctrlPr>
+                              <a:rPr lang="en-US" b="0" i="1" smtClean="0">
+                                <a:latin typeface="Cambria Math" panose="02040503050406030204" pitchFamily="18" charset="0"/>
+                              </a:rPr>
+                            </m:ctrlPr>
+                          </m:sSubPr>
+                          <m:e>
+                            <m:r>
+                              <a:rPr lang="en-US" b="0" i="1" smtClean="0">
+                                <a:latin typeface="Cambria Math" panose="02040503050406030204" pitchFamily="18" charset="0"/>
+                              </a:rPr>
+                              <m:t>𝐼</m:t>
+                            </m:r>
+                          </m:e>
+                          <m:sub>
+                            <m:r>
+                              <a:rPr lang="en-US" b="0" i="1" smtClean="0">
+                                <a:latin typeface="Cambria Math" panose="02040503050406030204" pitchFamily="18" charset="0"/>
+                              </a:rPr>
+                              <m:t>𝑑</m:t>
+                            </m:r>
+                            <m:r>
+                              <a:rPr lang="en-US" b="0" i="1" smtClean="0">
+                                <a:latin typeface="Cambria Math" panose="02040503050406030204" pitchFamily="18" charset="0"/>
+                              </a:rPr>
+                              <m:t> 2</m:t>
+                            </m:r>
+                          </m:sub>
+                        </m:sSub>
+                      </m:oMath>
+                    </m:oMathPara>
+                  </a14:m>
+                  <a:endParaRPr lang="en-US" dirty="0"/>
+                </a:p>
+              </p:txBody>
+            </p:sp>
+          </mc:Choice>
+          <mc:Fallback>
+            <p:sp>
+              <p:nvSpPr>
+                <p:cNvPr id="11" name="Oval 10">
+                  <a:extLst>
+                    <a:ext uri="{FF2B5EF4-FFF2-40B4-BE49-F238E27FC236}">
+                      <a16:creationId xmlns:a16="http://schemas.microsoft.com/office/drawing/2014/main" id="{C9AE5691-99A9-3A49-8A46-58E80305EC5F}"/>
+                    </a:ext>
+                  </a:extLst>
+                </p:cNvPr>
+                <p:cNvSpPr>
+                  <a:spLocks noRot="1" noChangeAspect="1" noMove="1" noResize="1" noEditPoints="1" noAdjustHandles="1" noChangeArrowheads="1" noChangeShapeType="1" noTextEdit="1"/>
+                </p:cNvSpPr>
+                <p:nvPr/>
+              </p:nvSpPr>
+              <p:spPr>
+                <a:xfrm>
+                  <a:off x="5417285" y="4251337"/>
+                  <a:ext cx="645253" cy="645252"/>
+                </a:xfrm>
+                <a:prstGeom prst="ellipse">
+                  <a:avLst/>
+                </a:prstGeom>
+                <a:blipFill>
+                  <a:blip r:embed="rId9"/>
+                  <a:stretch>
+                    <a:fillRect/>
+                  </a:stretch>
+                </a:blipFill>
+                <a:ln>
+                  <a:solidFill>
+                    <a:schemeClr val="tx1"/>
+                  </a:solidFill>
+                </a:ln>
+              </p:spPr>
+              <p:txBody>
+                <a:bodyPr/>
+                <a:lstStyle/>
+                <a:p>
+                  <a:r>
+                    <a:rPr lang="en-US">
+                      <a:noFill/>
+                    </a:rPr>
+                    <a:t> </a:t>
+                  </a:r>
+                </a:p>
+              </p:txBody>
+            </p:sp>
+          </mc:Fallback>
+        </mc:AlternateContent>
+        <mc:AlternateContent xmlns:mc="http://schemas.openxmlformats.org/markup-compatibility/2006">
+          <mc:Choice xmlns:a14="http://schemas.microsoft.com/office/drawing/2010/main" Requires="a14">
+            <p:sp>
+              <p:nvSpPr>
+                <p:cNvPr id="12" name="Oval 11">
+                  <a:extLst>
+                    <a:ext uri="{FF2B5EF4-FFF2-40B4-BE49-F238E27FC236}">
+                      <a16:creationId xmlns:a16="http://schemas.microsoft.com/office/drawing/2014/main" id="{D6D18AA8-D61C-A94A-BB49-DD6D27914E7E}"/>
+                    </a:ext>
+                  </a:extLst>
+                </p:cNvPr>
+                <p:cNvSpPr/>
+                <p:nvPr/>
+              </p:nvSpPr>
+              <p:spPr>
+                <a:xfrm>
+                  <a:off x="6849843" y="1569097"/>
+                  <a:ext cx="645253" cy="645252"/>
+                </a:xfrm>
+                <a:prstGeom prst="ellipse">
+                  <a:avLst/>
+                </a:prstGeom>
+                <a:ln>
+                  <a:solidFill>
+                    <a:schemeClr val="tx1"/>
+                  </a:solidFill>
+                </a:ln>
+              </p:spPr>
+              <p:style>
+                <a:lnRef idx="2">
+                  <a:schemeClr val="accent6"/>
+                </a:lnRef>
+                <a:fillRef idx="1">
+                  <a:schemeClr val="lt1"/>
+                </a:fillRef>
+                <a:effectRef idx="0">
+                  <a:schemeClr val="accent6"/>
+                </a:effectRef>
+                <a:fontRef idx="minor">
+                  <a:schemeClr val="dk1"/>
+                </a:fontRef>
+              </p:style>
+              <p:txBody>
+                <a:bodyPr rtlCol="0" anchor="ctr"/>
+                <a:lstStyle/>
+                <a:p>
+                  <a:pPr algn="ctr"/>
+                  <a14:m>
+                    <m:oMathPara xmlns:m="http://schemas.openxmlformats.org/officeDocument/2006/math">
+                      <m:oMathParaPr>
+                        <m:jc m:val="centerGroup"/>
+                      </m:oMathParaPr>
+                      <m:oMath xmlns:m="http://schemas.openxmlformats.org/officeDocument/2006/math">
+                        <m:sSub>
+                          <m:sSubPr>
+                            <m:ctrlPr>
+                              <a:rPr lang="en-US" b="0" i="1" smtClean="0">
+                                <a:latin typeface="Cambria Math" panose="02040503050406030204" pitchFamily="18" charset="0"/>
+                              </a:rPr>
+                            </m:ctrlPr>
+                          </m:sSubPr>
+                          <m:e>
+                            <m:r>
+                              <a:rPr lang="en-US" b="0" i="1" smtClean="0">
+                                <a:latin typeface="Cambria Math" panose="02040503050406030204" pitchFamily="18" charset="0"/>
+                              </a:rPr>
+                              <m:t>𝐻</m:t>
+                            </m:r>
+                          </m:e>
+                          <m:sub>
+                            <m:r>
+                              <a:rPr lang="en-US" b="0" i="1" smtClean="0">
+                                <a:latin typeface="Cambria Math" panose="02040503050406030204" pitchFamily="18" charset="0"/>
+                              </a:rPr>
+                              <m:t>0</m:t>
+                            </m:r>
+                          </m:sub>
+                        </m:sSub>
+                      </m:oMath>
+                    </m:oMathPara>
+                  </a14:m>
+                  <a:endParaRPr lang="en-US" dirty="0"/>
+                </a:p>
+              </p:txBody>
+            </p:sp>
+          </mc:Choice>
+          <mc:Fallback>
+            <p:sp>
+              <p:nvSpPr>
+                <p:cNvPr id="12" name="Oval 11">
+                  <a:extLst>
+                    <a:ext uri="{FF2B5EF4-FFF2-40B4-BE49-F238E27FC236}">
+                      <a16:creationId xmlns:a16="http://schemas.microsoft.com/office/drawing/2014/main" id="{D6D18AA8-D61C-A94A-BB49-DD6D27914E7E}"/>
+                    </a:ext>
+                  </a:extLst>
+                </p:cNvPr>
+                <p:cNvSpPr>
+                  <a:spLocks noRot="1" noChangeAspect="1" noMove="1" noResize="1" noEditPoints="1" noAdjustHandles="1" noChangeArrowheads="1" noChangeShapeType="1" noTextEdit="1"/>
+                </p:cNvSpPr>
+                <p:nvPr/>
+              </p:nvSpPr>
+              <p:spPr>
+                <a:xfrm>
+                  <a:off x="6849843" y="1569097"/>
+                  <a:ext cx="645253" cy="645252"/>
+                </a:xfrm>
+                <a:prstGeom prst="ellipse">
+                  <a:avLst/>
+                </a:prstGeom>
+                <a:blipFill>
+                  <a:blip r:embed="rId10"/>
+                  <a:stretch>
+                    <a:fillRect/>
+                  </a:stretch>
+                </a:blipFill>
+                <a:ln>
+                  <a:solidFill>
+                    <a:schemeClr val="tx1"/>
+                  </a:solidFill>
+                </a:ln>
+              </p:spPr>
+              <p:txBody>
+                <a:bodyPr/>
+                <a:lstStyle/>
+                <a:p>
+                  <a:r>
+                    <a:rPr lang="en-US">
+                      <a:noFill/>
+                    </a:rPr>
+                    <a:t> </a:t>
+                  </a:r>
+                </a:p>
+              </p:txBody>
+            </p:sp>
+          </mc:Fallback>
+        </mc:AlternateContent>
+        <mc:AlternateContent xmlns:mc="http://schemas.openxmlformats.org/markup-compatibility/2006">
+          <mc:Choice xmlns:a14="http://schemas.microsoft.com/office/drawing/2010/main" Requires="a14">
+            <p:sp>
+              <p:nvSpPr>
+                <p:cNvPr id="13" name="Oval 12">
+                  <a:extLst>
+                    <a:ext uri="{FF2B5EF4-FFF2-40B4-BE49-F238E27FC236}">
+                      <a16:creationId xmlns:a16="http://schemas.microsoft.com/office/drawing/2014/main" id="{65866F9E-7476-804F-A236-CA8B44FD890F}"/>
+                    </a:ext>
+                  </a:extLst>
+                </p:cNvPr>
+                <p:cNvSpPr/>
+                <p:nvPr/>
+              </p:nvSpPr>
+              <p:spPr>
+                <a:xfrm>
+                  <a:off x="6849842" y="2910217"/>
+                  <a:ext cx="645253" cy="645252"/>
+                </a:xfrm>
+                <a:prstGeom prst="ellipse">
+                  <a:avLst/>
+                </a:prstGeom>
+                <a:ln>
+                  <a:solidFill>
+                    <a:schemeClr val="tx1"/>
+                  </a:solidFill>
+                </a:ln>
+              </p:spPr>
+              <p:style>
+                <a:lnRef idx="2">
+                  <a:schemeClr val="accent6"/>
+                </a:lnRef>
+                <a:fillRef idx="1">
+                  <a:schemeClr val="lt1"/>
+                </a:fillRef>
+                <a:effectRef idx="0">
+                  <a:schemeClr val="accent6"/>
+                </a:effectRef>
+                <a:fontRef idx="minor">
+                  <a:schemeClr val="dk1"/>
+                </a:fontRef>
+              </p:style>
+              <p:txBody>
+                <a:bodyPr rtlCol="0" anchor="ctr"/>
+                <a:lstStyle/>
+                <a:p>
+                  <a:pPr algn="ctr"/>
+                  <a14:m>
+                    <m:oMathPara xmlns:m="http://schemas.openxmlformats.org/officeDocument/2006/math">
+                      <m:oMathParaPr>
+                        <m:jc m:val="centerGroup"/>
+                      </m:oMathParaPr>
+                      <m:oMath xmlns:m="http://schemas.openxmlformats.org/officeDocument/2006/math">
+                        <m:sSub>
+                          <m:sSubPr>
+                            <m:ctrlPr>
+                              <a:rPr lang="en-US" b="0" i="1" smtClean="0">
+                                <a:latin typeface="Cambria Math" panose="02040503050406030204" pitchFamily="18" charset="0"/>
+                              </a:rPr>
+                            </m:ctrlPr>
+                          </m:sSubPr>
+                          <m:e>
+                            <m:r>
+                              <a:rPr lang="en-US" b="0" i="1" smtClean="0">
+                                <a:latin typeface="Cambria Math" panose="02040503050406030204" pitchFamily="18" charset="0"/>
+                              </a:rPr>
+                              <m:t>𝐻</m:t>
+                            </m:r>
+                          </m:e>
+                          <m:sub>
+                            <m:r>
+                              <a:rPr lang="en-US" b="0" i="1" smtClean="0">
+                                <a:latin typeface="Cambria Math" panose="02040503050406030204" pitchFamily="18" charset="0"/>
+                              </a:rPr>
+                              <m:t>1</m:t>
+                            </m:r>
+                          </m:sub>
+                        </m:sSub>
+                      </m:oMath>
+                    </m:oMathPara>
+                  </a14:m>
+                  <a:endParaRPr lang="en-US" dirty="0"/>
+                </a:p>
+              </p:txBody>
+            </p:sp>
+          </mc:Choice>
+          <mc:Fallback>
+            <p:sp>
+              <p:nvSpPr>
+                <p:cNvPr id="13" name="Oval 12">
+                  <a:extLst>
+                    <a:ext uri="{FF2B5EF4-FFF2-40B4-BE49-F238E27FC236}">
+                      <a16:creationId xmlns:a16="http://schemas.microsoft.com/office/drawing/2014/main" id="{65866F9E-7476-804F-A236-CA8B44FD890F}"/>
+                    </a:ext>
+                  </a:extLst>
+                </p:cNvPr>
+                <p:cNvSpPr>
+                  <a:spLocks noRot="1" noChangeAspect="1" noMove="1" noResize="1" noEditPoints="1" noAdjustHandles="1" noChangeArrowheads="1" noChangeShapeType="1" noTextEdit="1"/>
+                </p:cNvSpPr>
+                <p:nvPr/>
+              </p:nvSpPr>
+              <p:spPr>
+                <a:xfrm>
+                  <a:off x="6849842" y="2910217"/>
+                  <a:ext cx="645253" cy="645252"/>
+                </a:xfrm>
+                <a:prstGeom prst="ellipse">
+                  <a:avLst/>
+                </a:prstGeom>
+                <a:blipFill>
+                  <a:blip r:embed="rId11"/>
+                  <a:stretch>
+                    <a:fillRect/>
+                  </a:stretch>
+                </a:blipFill>
+                <a:ln>
+                  <a:solidFill>
+                    <a:schemeClr val="tx1"/>
+                  </a:solidFill>
+                </a:ln>
+              </p:spPr>
+              <p:txBody>
+                <a:bodyPr/>
+                <a:lstStyle/>
+                <a:p>
+                  <a:r>
+                    <a:rPr lang="en-US">
+                      <a:noFill/>
+                    </a:rPr>
+                    <a:t> </a:t>
+                  </a:r>
+                </a:p>
+              </p:txBody>
+            </p:sp>
+          </mc:Fallback>
+        </mc:AlternateContent>
+        <mc:AlternateContent xmlns:mc="http://schemas.openxmlformats.org/markup-compatibility/2006">
+          <mc:Choice xmlns:a14="http://schemas.microsoft.com/office/drawing/2010/main" Requires="a14">
+            <p:sp>
+              <p:nvSpPr>
+                <p:cNvPr id="14" name="Oval 13">
+                  <a:extLst>
+                    <a:ext uri="{FF2B5EF4-FFF2-40B4-BE49-F238E27FC236}">
+                      <a16:creationId xmlns:a16="http://schemas.microsoft.com/office/drawing/2014/main" id="{438622A3-D702-D346-AA7A-6CD2FE790E96}"/>
+                    </a:ext>
+                  </a:extLst>
+                </p:cNvPr>
+                <p:cNvSpPr/>
+                <p:nvPr/>
+              </p:nvSpPr>
+              <p:spPr>
+                <a:xfrm>
+                  <a:off x="6849841" y="4251337"/>
+                  <a:ext cx="645253" cy="645252"/>
+                </a:xfrm>
+                <a:prstGeom prst="ellipse">
+                  <a:avLst/>
+                </a:prstGeom>
+                <a:ln>
+                  <a:solidFill>
+                    <a:schemeClr val="tx1"/>
+                  </a:solidFill>
+                </a:ln>
+              </p:spPr>
+              <p:style>
+                <a:lnRef idx="2">
+                  <a:schemeClr val="accent6"/>
+                </a:lnRef>
+                <a:fillRef idx="1">
+                  <a:schemeClr val="lt1"/>
+                </a:fillRef>
+                <a:effectRef idx="0">
+                  <a:schemeClr val="accent6"/>
+                </a:effectRef>
+                <a:fontRef idx="minor">
+                  <a:schemeClr val="dk1"/>
+                </a:fontRef>
+              </p:style>
+              <p:txBody>
+                <a:bodyPr rtlCol="0" anchor="ctr"/>
+                <a:lstStyle/>
+                <a:p>
+                  <a:pPr algn="ctr"/>
+                  <a14:m>
+                    <m:oMathPara xmlns:m="http://schemas.openxmlformats.org/officeDocument/2006/math">
+                      <m:oMathParaPr>
+                        <m:jc m:val="centerGroup"/>
+                      </m:oMathParaPr>
+                      <m:oMath xmlns:m="http://schemas.openxmlformats.org/officeDocument/2006/math">
+                        <m:sSub>
+                          <m:sSubPr>
+                            <m:ctrlPr>
+                              <a:rPr lang="en-US" b="0" i="1" smtClean="0">
+                                <a:latin typeface="Cambria Math" panose="02040503050406030204" pitchFamily="18" charset="0"/>
+                              </a:rPr>
+                            </m:ctrlPr>
+                          </m:sSubPr>
+                          <m:e>
+                            <m:r>
+                              <a:rPr lang="en-US" b="0" i="1" smtClean="0">
+                                <a:latin typeface="Cambria Math" panose="02040503050406030204" pitchFamily="18" charset="0"/>
+                              </a:rPr>
+                              <m:t>𝐻</m:t>
+                            </m:r>
+                          </m:e>
+                          <m:sub>
+                            <m:r>
+                              <a:rPr lang="en-US" b="0" i="1" smtClean="0">
+                                <a:latin typeface="Cambria Math" panose="02040503050406030204" pitchFamily="18" charset="0"/>
+                              </a:rPr>
+                              <m:t>2</m:t>
+                            </m:r>
+                          </m:sub>
+                        </m:sSub>
+                      </m:oMath>
+                    </m:oMathPara>
+                  </a14:m>
+                  <a:endParaRPr lang="en-US" dirty="0"/>
+                </a:p>
+              </p:txBody>
+            </p:sp>
+          </mc:Choice>
+          <mc:Fallback>
+            <p:sp>
+              <p:nvSpPr>
+                <p:cNvPr id="14" name="Oval 13">
+                  <a:extLst>
+                    <a:ext uri="{FF2B5EF4-FFF2-40B4-BE49-F238E27FC236}">
+                      <a16:creationId xmlns:a16="http://schemas.microsoft.com/office/drawing/2014/main" id="{438622A3-D702-D346-AA7A-6CD2FE790E96}"/>
+                    </a:ext>
+                  </a:extLst>
+                </p:cNvPr>
+                <p:cNvSpPr>
+                  <a:spLocks noRot="1" noChangeAspect="1" noMove="1" noResize="1" noEditPoints="1" noAdjustHandles="1" noChangeArrowheads="1" noChangeShapeType="1" noTextEdit="1"/>
+                </p:cNvSpPr>
+                <p:nvPr/>
+              </p:nvSpPr>
+              <p:spPr>
+                <a:xfrm>
+                  <a:off x="6849841" y="4251337"/>
+                  <a:ext cx="645253" cy="645252"/>
+                </a:xfrm>
+                <a:prstGeom prst="ellipse">
+                  <a:avLst/>
+                </a:prstGeom>
+                <a:blipFill>
+                  <a:blip r:embed="rId12"/>
+                  <a:stretch>
+                    <a:fillRect/>
+                  </a:stretch>
+                </a:blipFill>
+                <a:ln>
+                  <a:solidFill>
+                    <a:schemeClr val="tx1"/>
+                  </a:solidFill>
+                </a:ln>
+              </p:spPr>
+              <p:txBody>
+                <a:bodyPr/>
+                <a:lstStyle/>
+                <a:p>
+                  <a:r>
+                    <a:rPr lang="en-US">
+                      <a:noFill/>
+                    </a:rPr>
+                    <a:t> </a:t>
+                  </a:r>
+                </a:p>
+              </p:txBody>
+            </p:sp>
+          </mc:Fallback>
+        </mc:AlternateContent>
+        <mc:AlternateContent xmlns:mc="http://schemas.openxmlformats.org/markup-compatibility/2006">
+          <mc:Choice xmlns:a14="http://schemas.microsoft.com/office/drawing/2010/main" Requires="a14">
+            <p:sp>
+              <p:nvSpPr>
+                <p:cNvPr id="15" name="Rounded Rectangle 14">
+                  <a:extLst>
+                    <a:ext uri="{FF2B5EF4-FFF2-40B4-BE49-F238E27FC236}">
+                      <a16:creationId xmlns:a16="http://schemas.microsoft.com/office/drawing/2014/main" id="{19692BFB-EAA8-C145-918C-2AA1E2303D77}"/>
+                    </a:ext>
+                  </a:extLst>
+                </p:cNvPr>
+                <p:cNvSpPr/>
+                <p:nvPr/>
+              </p:nvSpPr>
+              <p:spPr>
+                <a:xfrm>
+                  <a:off x="8282397" y="1569097"/>
+                  <a:ext cx="1310109" cy="3327492"/>
+                </a:xfrm>
+                <a:prstGeom prst="roundRect">
+                  <a:avLst/>
+                </a:prstGeom>
+                <a:ln>
+                  <a:solidFill>
+                    <a:schemeClr val="tx1"/>
+                  </a:solidFill>
+                </a:ln>
+              </p:spPr>
+              <p:style>
+                <a:lnRef idx="2">
+                  <a:schemeClr val="accent6"/>
+                </a:lnRef>
+                <a:fillRef idx="1">
+                  <a:schemeClr val="lt1"/>
+                </a:fillRef>
+                <a:effectRef idx="0">
+                  <a:schemeClr val="accent6"/>
+                </a:effectRef>
+                <a:fontRef idx="minor">
+                  <a:schemeClr val="dk1"/>
+                </a:fontRef>
+              </p:style>
+              <p:txBody>
+                <a:bodyPr rtlCol="0" anchor="ctr"/>
+                <a:lstStyle/>
+                <a:p>
+                  <a:pPr algn="ctr"/>
+                  <a14:m>
+                    <m:oMathPara xmlns:m="http://schemas.openxmlformats.org/officeDocument/2006/math">
+                      <m:oMathParaPr>
+                        <m:jc m:val="centerGroup"/>
+                      </m:oMathParaPr>
+                      <m:oMath xmlns:m="http://schemas.openxmlformats.org/officeDocument/2006/math">
+                        <m:r>
+                          <a:rPr lang="en-US" b="0" i="1" smtClean="0">
+                            <a:latin typeface="Cambria Math" panose="02040503050406030204" pitchFamily="18" charset="0"/>
+                          </a:rPr>
+                          <m:t>𝑅</m:t>
+                        </m:r>
+                      </m:oMath>
+                    </m:oMathPara>
+                  </a14:m>
+                  <a:endParaRPr lang="en-US" dirty="0"/>
+                </a:p>
+                <a:p>
+                  <a:pPr algn="ctr"/>
+                  <a:endParaRPr lang="en-US" dirty="0"/>
+                </a:p>
+              </p:txBody>
+            </p:sp>
+          </mc:Choice>
+          <mc:Fallback>
+            <p:sp>
+              <p:nvSpPr>
+                <p:cNvPr id="15" name="Rounded Rectangle 14">
+                  <a:extLst>
+                    <a:ext uri="{FF2B5EF4-FFF2-40B4-BE49-F238E27FC236}">
+                      <a16:creationId xmlns:a16="http://schemas.microsoft.com/office/drawing/2014/main" id="{19692BFB-EAA8-C145-918C-2AA1E2303D77}"/>
+                    </a:ext>
+                  </a:extLst>
+                </p:cNvPr>
+                <p:cNvSpPr>
+                  <a:spLocks noRot="1" noChangeAspect="1" noMove="1" noResize="1" noEditPoints="1" noAdjustHandles="1" noChangeArrowheads="1" noChangeShapeType="1" noTextEdit="1"/>
+                </p:cNvSpPr>
+                <p:nvPr/>
+              </p:nvSpPr>
+              <p:spPr>
+                <a:xfrm>
+                  <a:off x="8282397" y="1569097"/>
+                  <a:ext cx="1310109" cy="3327492"/>
+                </a:xfrm>
+                <a:prstGeom prst="roundRect">
+                  <a:avLst/>
+                </a:prstGeom>
+                <a:blipFill>
+                  <a:blip r:embed="rId13"/>
+                  <a:stretch>
+                    <a:fillRect/>
+                  </a:stretch>
+                </a:blipFill>
+                <a:ln>
+                  <a:solidFill>
+                    <a:schemeClr val="tx1"/>
+                  </a:solidFill>
+                </a:ln>
+              </p:spPr>
+              <p:txBody>
+                <a:bodyPr/>
+                <a:lstStyle/>
+                <a:p>
+                  <a:r>
+                    <a:rPr lang="en-US">
+                      <a:noFill/>
+                    </a:rPr>
+                    <a:t> </a:t>
+                  </a:r>
+                </a:p>
+              </p:txBody>
+            </p:sp>
+          </mc:Fallback>
+        </mc:AlternateContent>
+        <p:cxnSp>
+          <p:nvCxnSpPr>
+            <p:cNvPr id="16" name="Straight Arrow Connector 15">
+              <a:extLst>
+                <a:ext uri="{FF2B5EF4-FFF2-40B4-BE49-F238E27FC236}">
+                  <a16:creationId xmlns:a16="http://schemas.microsoft.com/office/drawing/2014/main" id="{4EE88750-BEC5-AE4C-82CA-5E43C6CA4C59}"/>
+                </a:ext>
+              </a:extLst>
+            </p:cNvPr>
+            <p:cNvCxnSpPr>
+              <a:stCxn id="4" idx="6"/>
+              <a:endCxn id="5" idx="2"/>
+            </p:cNvCxnSpPr>
+            <p:nvPr/>
+          </p:nvCxnSpPr>
+          <p:spPr>
+            <a:xfrm>
+              <a:off x="1764862" y="1891723"/>
+              <a:ext cx="787307" cy="0"/>
+            </a:xfrm>
+            <a:prstGeom prst="straightConnector1">
+              <a:avLst/>
+            </a:prstGeom>
+            <a:ln>
+              <a:tailEnd type="stealth"/>
+            </a:ln>
+          </p:spPr>
+          <p:style>
+            <a:lnRef idx="1">
+              <a:schemeClr val="dk1"/>
+            </a:lnRef>
+            <a:fillRef idx="0">
+              <a:schemeClr val="dk1"/>
+            </a:fillRef>
+            <a:effectRef idx="0">
+              <a:schemeClr val="dk1"/>
+            </a:effectRef>
+            <a:fontRef idx="minor">
+              <a:schemeClr val="tx1"/>
+            </a:fontRef>
+          </p:style>
+        </p:cxnSp>
+        <p:cxnSp>
+          <p:nvCxnSpPr>
+            <p:cNvPr id="17" name="Straight Arrow Connector 16">
+              <a:extLst>
+                <a:ext uri="{FF2B5EF4-FFF2-40B4-BE49-F238E27FC236}">
+                  <a16:creationId xmlns:a16="http://schemas.microsoft.com/office/drawing/2014/main" id="{DB07EDE0-DB17-AF40-A8E0-96DB592E6A41}"/>
+                </a:ext>
+              </a:extLst>
+            </p:cNvPr>
+            <p:cNvCxnSpPr/>
+            <p:nvPr/>
+          </p:nvCxnSpPr>
+          <p:spPr>
+            <a:xfrm>
+              <a:off x="3197420" y="1891723"/>
+              <a:ext cx="787307" cy="0"/>
+            </a:xfrm>
+            <a:prstGeom prst="straightConnector1">
+              <a:avLst/>
+            </a:prstGeom>
+            <a:ln>
+              <a:tailEnd type="triangle"/>
+            </a:ln>
+          </p:spPr>
+          <p:style>
+            <a:lnRef idx="1">
+              <a:schemeClr val="dk1"/>
+            </a:lnRef>
+            <a:fillRef idx="0">
+              <a:schemeClr val="dk1"/>
+            </a:fillRef>
+            <a:effectRef idx="0">
+              <a:schemeClr val="dk1"/>
+            </a:effectRef>
+            <a:fontRef idx="minor">
+              <a:schemeClr val="tx1"/>
+            </a:fontRef>
+          </p:style>
+        </p:cxnSp>
+        <p:cxnSp>
+          <p:nvCxnSpPr>
+            <p:cNvPr id="18" name="Straight Arrow Connector 17">
+              <a:extLst>
+                <a:ext uri="{FF2B5EF4-FFF2-40B4-BE49-F238E27FC236}">
+                  <a16:creationId xmlns:a16="http://schemas.microsoft.com/office/drawing/2014/main" id="{29B8F793-CF2C-7F49-9D23-AA1B275B2334}"/>
+                </a:ext>
+              </a:extLst>
+            </p:cNvPr>
+            <p:cNvCxnSpPr/>
+            <p:nvPr/>
+          </p:nvCxnSpPr>
+          <p:spPr>
+            <a:xfrm>
+              <a:off x="4629980" y="1891723"/>
+              <a:ext cx="787307" cy="0"/>
+            </a:xfrm>
+            <a:prstGeom prst="straightConnector1">
+              <a:avLst/>
+            </a:prstGeom>
+            <a:ln>
+              <a:tailEnd type="triangle"/>
+            </a:ln>
+          </p:spPr>
+          <p:style>
+            <a:lnRef idx="1">
+              <a:schemeClr val="dk1"/>
+            </a:lnRef>
+            <a:fillRef idx="0">
+              <a:schemeClr val="dk1"/>
+            </a:fillRef>
+            <a:effectRef idx="0">
+              <a:schemeClr val="dk1"/>
+            </a:effectRef>
+            <a:fontRef idx="minor">
+              <a:schemeClr val="tx1"/>
+            </a:fontRef>
+          </p:style>
+        </p:cxnSp>
+        <p:cxnSp>
+          <p:nvCxnSpPr>
+            <p:cNvPr id="19" name="Straight Arrow Connector 18">
+              <a:extLst>
+                <a:ext uri="{FF2B5EF4-FFF2-40B4-BE49-F238E27FC236}">
+                  <a16:creationId xmlns:a16="http://schemas.microsoft.com/office/drawing/2014/main" id="{90B6C1CE-E7C3-4D4F-91C9-176D89A3242C}"/>
+                </a:ext>
+              </a:extLst>
+            </p:cNvPr>
+            <p:cNvCxnSpPr/>
+            <p:nvPr/>
+          </p:nvCxnSpPr>
+          <p:spPr>
+            <a:xfrm>
+              <a:off x="6062534" y="1891723"/>
+              <a:ext cx="787307" cy="0"/>
+            </a:xfrm>
+            <a:prstGeom prst="straightConnector1">
+              <a:avLst/>
+            </a:prstGeom>
+            <a:ln>
+              <a:tailEnd type="triangle"/>
+            </a:ln>
+          </p:spPr>
+          <p:style>
+            <a:lnRef idx="1">
+              <a:schemeClr val="dk1"/>
+            </a:lnRef>
+            <a:fillRef idx="0">
+              <a:schemeClr val="dk1"/>
+            </a:fillRef>
+            <a:effectRef idx="0">
+              <a:schemeClr val="dk1"/>
+            </a:effectRef>
+            <a:fontRef idx="minor">
+              <a:schemeClr val="tx1"/>
+            </a:fontRef>
+          </p:style>
+        </p:cxnSp>
+        <p:cxnSp>
+          <p:nvCxnSpPr>
+            <p:cNvPr id="20" name="Straight Arrow Connector 19">
+              <a:extLst>
+                <a:ext uri="{FF2B5EF4-FFF2-40B4-BE49-F238E27FC236}">
+                  <a16:creationId xmlns:a16="http://schemas.microsoft.com/office/drawing/2014/main" id="{33E3422A-EDC1-0547-9457-554B21A031CB}"/>
+                </a:ext>
+              </a:extLst>
+            </p:cNvPr>
+            <p:cNvCxnSpPr/>
+            <p:nvPr/>
+          </p:nvCxnSpPr>
+          <p:spPr>
+            <a:xfrm>
+              <a:off x="7495090" y="1891723"/>
+              <a:ext cx="787307" cy="0"/>
+            </a:xfrm>
+            <a:prstGeom prst="straightConnector1">
+              <a:avLst/>
+            </a:prstGeom>
+            <a:ln>
+              <a:tailEnd type="triangle"/>
+            </a:ln>
+          </p:spPr>
+          <p:style>
+            <a:lnRef idx="1">
+              <a:schemeClr val="dk1"/>
+            </a:lnRef>
+            <a:fillRef idx="0">
+              <a:schemeClr val="dk1"/>
+            </a:fillRef>
+            <a:effectRef idx="0">
+              <a:schemeClr val="dk1"/>
+            </a:effectRef>
+            <a:fontRef idx="minor">
+              <a:schemeClr val="tx1"/>
+            </a:fontRef>
+          </p:style>
+        </p:cxnSp>
+        <p:cxnSp>
+          <p:nvCxnSpPr>
+            <p:cNvPr id="21" name="Straight Arrow Connector 20">
+              <a:extLst>
+                <a:ext uri="{FF2B5EF4-FFF2-40B4-BE49-F238E27FC236}">
+                  <a16:creationId xmlns:a16="http://schemas.microsoft.com/office/drawing/2014/main" id="{DA7550C3-98D0-374F-BA6F-B3A3B3FBF285}"/>
+                </a:ext>
+              </a:extLst>
+            </p:cNvPr>
+            <p:cNvCxnSpPr>
+              <a:cxnSpLocks/>
+              <a:stCxn id="6" idx="4"/>
+              <a:endCxn id="7" idx="0"/>
+            </p:cNvCxnSpPr>
+            <p:nvPr/>
+          </p:nvCxnSpPr>
+          <p:spPr>
+            <a:xfrm flipH="1">
+              <a:off x="4307355" y="2214349"/>
+              <a:ext cx="1" cy="695868"/>
+            </a:xfrm>
+            <a:prstGeom prst="straightConnector1">
+              <a:avLst/>
+            </a:prstGeom>
+            <a:ln>
+              <a:tailEnd type="triangle"/>
+            </a:ln>
+          </p:spPr>
+          <p:style>
+            <a:lnRef idx="1">
+              <a:schemeClr val="dk1"/>
+            </a:lnRef>
+            <a:fillRef idx="0">
+              <a:schemeClr val="dk1"/>
+            </a:fillRef>
+            <a:effectRef idx="0">
+              <a:schemeClr val="dk1"/>
+            </a:effectRef>
+            <a:fontRef idx="minor">
+              <a:schemeClr val="tx1"/>
+            </a:fontRef>
+          </p:style>
+        </p:cxnSp>
+        <p:cxnSp>
+          <p:nvCxnSpPr>
+            <p:cNvPr id="22" name="Straight Arrow Connector 21">
+              <a:extLst>
+                <a:ext uri="{FF2B5EF4-FFF2-40B4-BE49-F238E27FC236}">
+                  <a16:creationId xmlns:a16="http://schemas.microsoft.com/office/drawing/2014/main" id="{095CF7E1-9A95-AD4B-AB50-E23716D44350}"/>
+                </a:ext>
+              </a:extLst>
+            </p:cNvPr>
+            <p:cNvCxnSpPr>
+              <a:cxnSpLocks/>
+              <a:endCxn id="8" idx="0"/>
+            </p:cNvCxnSpPr>
+            <p:nvPr/>
+          </p:nvCxnSpPr>
+          <p:spPr>
+            <a:xfrm>
+              <a:off x="4307351" y="3555469"/>
+              <a:ext cx="3" cy="695868"/>
+            </a:xfrm>
+            <a:prstGeom prst="straightConnector1">
+              <a:avLst/>
+            </a:prstGeom>
+            <a:ln>
+              <a:tailEnd type="triangle"/>
+            </a:ln>
+          </p:spPr>
+          <p:style>
+            <a:lnRef idx="1">
+              <a:schemeClr val="dk1"/>
+            </a:lnRef>
+            <a:fillRef idx="0">
+              <a:schemeClr val="dk1"/>
+            </a:fillRef>
+            <a:effectRef idx="0">
+              <a:schemeClr val="dk1"/>
+            </a:effectRef>
+            <a:fontRef idx="minor">
+              <a:schemeClr val="tx1"/>
+            </a:fontRef>
+          </p:style>
+        </p:cxnSp>
+        <p:cxnSp>
+          <p:nvCxnSpPr>
+            <p:cNvPr id="23" name="Straight Arrow Connector 22">
+              <a:extLst>
+                <a:ext uri="{FF2B5EF4-FFF2-40B4-BE49-F238E27FC236}">
+                  <a16:creationId xmlns:a16="http://schemas.microsoft.com/office/drawing/2014/main" id="{3D105553-F354-3E4D-9EFB-1D88E221578E}"/>
+                </a:ext>
+              </a:extLst>
+            </p:cNvPr>
+            <p:cNvCxnSpPr/>
+            <p:nvPr/>
+          </p:nvCxnSpPr>
+          <p:spPr>
+            <a:xfrm>
+              <a:off x="4629980" y="3232843"/>
+              <a:ext cx="787307" cy="0"/>
+            </a:xfrm>
+            <a:prstGeom prst="straightConnector1">
+              <a:avLst/>
+            </a:prstGeom>
+            <a:ln>
+              <a:tailEnd type="triangle"/>
+            </a:ln>
+          </p:spPr>
+          <p:style>
+            <a:lnRef idx="1">
+              <a:schemeClr val="dk1"/>
+            </a:lnRef>
+            <a:fillRef idx="0">
+              <a:schemeClr val="dk1"/>
+            </a:fillRef>
+            <a:effectRef idx="0">
+              <a:schemeClr val="dk1"/>
+            </a:effectRef>
+            <a:fontRef idx="minor">
+              <a:schemeClr val="tx1"/>
+            </a:fontRef>
+          </p:style>
+        </p:cxnSp>
+        <p:cxnSp>
+          <p:nvCxnSpPr>
+            <p:cNvPr id="24" name="Straight Arrow Connector 23">
+              <a:extLst>
+                <a:ext uri="{FF2B5EF4-FFF2-40B4-BE49-F238E27FC236}">
+                  <a16:creationId xmlns:a16="http://schemas.microsoft.com/office/drawing/2014/main" id="{DE533968-F621-7744-8044-6786BF98FF29}"/>
+                </a:ext>
+              </a:extLst>
+            </p:cNvPr>
+            <p:cNvCxnSpPr/>
+            <p:nvPr/>
+          </p:nvCxnSpPr>
+          <p:spPr>
+            <a:xfrm>
+              <a:off x="6062534" y="3232843"/>
+              <a:ext cx="787307" cy="0"/>
+            </a:xfrm>
+            <a:prstGeom prst="straightConnector1">
+              <a:avLst/>
+            </a:prstGeom>
+            <a:ln>
+              <a:tailEnd type="triangle"/>
+            </a:ln>
+          </p:spPr>
+          <p:style>
+            <a:lnRef idx="1">
+              <a:schemeClr val="dk1"/>
+            </a:lnRef>
+            <a:fillRef idx="0">
+              <a:schemeClr val="dk1"/>
+            </a:fillRef>
+            <a:effectRef idx="0">
+              <a:schemeClr val="dk1"/>
+            </a:effectRef>
+            <a:fontRef idx="minor">
+              <a:schemeClr val="tx1"/>
+            </a:fontRef>
+          </p:style>
+        </p:cxnSp>
+        <p:cxnSp>
+          <p:nvCxnSpPr>
+            <p:cNvPr id="25" name="Straight Arrow Connector 24">
+              <a:extLst>
+                <a:ext uri="{FF2B5EF4-FFF2-40B4-BE49-F238E27FC236}">
+                  <a16:creationId xmlns:a16="http://schemas.microsoft.com/office/drawing/2014/main" id="{023DF502-3665-0747-B55E-A9762439B3E6}"/>
+                </a:ext>
+              </a:extLst>
+            </p:cNvPr>
+            <p:cNvCxnSpPr/>
+            <p:nvPr/>
+          </p:nvCxnSpPr>
+          <p:spPr>
+            <a:xfrm>
+              <a:off x="7495090" y="3232843"/>
+              <a:ext cx="787307" cy="0"/>
+            </a:xfrm>
+            <a:prstGeom prst="straightConnector1">
+              <a:avLst/>
+            </a:prstGeom>
+            <a:ln>
+              <a:tailEnd type="triangle"/>
+            </a:ln>
+          </p:spPr>
+          <p:style>
+            <a:lnRef idx="1">
+              <a:schemeClr val="dk1"/>
+            </a:lnRef>
+            <a:fillRef idx="0">
+              <a:schemeClr val="dk1"/>
+            </a:fillRef>
+            <a:effectRef idx="0">
+              <a:schemeClr val="dk1"/>
+            </a:effectRef>
+            <a:fontRef idx="minor">
+              <a:schemeClr val="tx1"/>
+            </a:fontRef>
+          </p:style>
+        </p:cxnSp>
+        <p:cxnSp>
+          <p:nvCxnSpPr>
+            <p:cNvPr id="26" name="Straight Arrow Connector 25">
+              <a:extLst>
+                <a:ext uri="{FF2B5EF4-FFF2-40B4-BE49-F238E27FC236}">
+                  <a16:creationId xmlns:a16="http://schemas.microsoft.com/office/drawing/2014/main" id="{258A029A-09FE-B847-B745-D210D74CC067}"/>
+                </a:ext>
+              </a:extLst>
+            </p:cNvPr>
+            <p:cNvCxnSpPr/>
+            <p:nvPr/>
+          </p:nvCxnSpPr>
+          <p:spPr>
+            <a:xfrm>
+              <a:off x="4629980" y="4596823"/>
+              <a:ext cx="787307" cy="0"/>
+            </a:xfrm>
+            <a:prstGeom prst="straightConnector1">
+              <a:avLst/>
+            </a:prstGeom>
+            <a:ln w="38100">
+              <a:solidFill>
+                <a:schemeClr val="tx1">
+                  <a:lumMod val="95000"/>
+                  <a:lumOff val="5000"/>
+                </a:schemeClr>
+              </a:solidFill>
+              <a:tailEnd type="stealth" w="lg" len="lg"/>
+            </a:ln>
+          </p:spPr>
+          <p:style>
+            <a:lnRef idx="1">
+              <a:schemeClr val="dk1"/>
+            </a:lnRef>
+            <a:fillRef idx="0">
+              <a:schemeClr val="dk1"/>
+            </a:fillRef>
+            <a:effectRef idx="0">
+              <a:schemeClr val="dk1"/>
+            </a:effectRef>
+            <a:fontRef idx="minor">
+              <a:schemeClr val="tx1"/>
+            </a:fontRef>
+          </p:style>
+        </p:cxnSp>
+        <p:cxnSp>
+          <p:nvCxnSpPr>
+            <p:cNvPr id="27" name="Straight Arrow Connector 26">
+              <a:extLst>
+                <a:ext uri="{FF2B5EF4-FFF2-40B4-BE49-F238E27FC236}">
+                  <a16:creationId xmlns:a16="http://schemas.microsoft.com/office/drawing/2014/main" id="{71F2EB6B-138D-FB44-94D5-E2AA77126F48}"/>
+                </a:ext>
+              </a:extLst>
+            </p:cNvPr>
+            <p:cNvCxnSpPr/>
+            <p:nvPr/>
+          </p:nvCxnSpPr>
+          <p:spPr>
+            <a:xfrm>
+              <a:off x="6062534" y="4596823"/>
+              <a:ext cx="787307" cy="0"/>
+            </a:xfrm>
+            <a:prstGeom prst="straightConnector1">
+              <a:avLst/>
+            </a:prstGeom>
+            <a:ln>
+              <a:tailEnd type="triangle"/>
+            </a:ln>
+          </p:spPr>
+          <p:style>
+            <a:lnRef idx="1">
+              <a:schemeClr val="dk1"/>
+            </a:lnRef>
+            <a:fillRef idx="0">
+              <a:schemeClr val="dk1"/>
+            </a:fillRef>
+            <a:effectRef idx="0">
+              <a:schemeClr val="dk1"/>
+            </a:effectRef>
+            <a:fontRef idx="minor">
+              <a:schemeClr val="tx1"/>
+            </a:fontRef>
+          </p:style>
+        </p:cxnSp>
+        <p:cxnSp>
+          <p:nvCxnSpPr>
+            <p:cNvPr id="28" name="Straight Arrow Connector 27">
+              <a:extLst>
+                <a:ext uri="{FF2B5EF4-FFF2-40B4-BE49-F238E27FC236}">
+                  <a16:creationId xmlns:a16="http://schemas.microsoft.com/office/drawing/2014/main" id="{B7C5E823-DA8D-5D44-B19D-6DE4D38A240F}"/>
+                </a:ext>
+              </a:extLst>
+            </p:cNvPr>
+            <p:cNvCxnSpPr/>
+            <p:nvPr/>
+          </p:nvCxnSpPr>
+          <p:spPr>
+            <a:xfrm>
+              <a:off x="7495090" y="4596823"/>
+              <a:ext cx="787307" cy="0"/>
+            </a:xfrm>
+            <a:prstGeom prst="straightConnector1">
+              <a:avLst/>
+            </a:prstGeom>
+            <a:ln>
+              <a:tailEnd type="triangle"/>
+            </a:ln>
+          </p:spPr>
+          <p:style>
+            <a:lnRef idx="1">
+              <a:schemeClr val="dk1"/>
+            </a:lnRef>
+            <a:fillRef idx="0">
+              <a:schemeClr val="dk1"/>
+            </a:fillRef>
+            <a:effectRef idx="0">
+              <a:schemeClr val="dk1"/>
+            </a:effectRef>
+            <a:fontRef idx="minor">
+              <a:schemeClr val="tx1"/>
+            </a:fontRef>
+          </p:style>
+        </p:cxnSp>
+        <p:sp>
+          <p:nvSpPr>
+            <p:cNvPr id="30" name="Rounded Rectangle 29">
+              <a:extLst>
+                <a:ext uri="{FF2B5EF4-FFF2-40B4-BE49-F238E27FC236}">
+                  <a16:creationId xmlns:a16="http://schemas.microsoft.com/office/drawing/2014/main" id="{07BDEE80-C027-7F46-9069-34C166B51671}"/>
+                </a:ext>
+              </a:extLst>
+            </p:cNvPr>
+            <p:cNvSpPr/>
+            <p:nvPr/>
+          </p:nvSpPr>
+          <p:spPr>
+            <a:xfrm>
+              <a:off x="5210631" y="1204018"/>
+              <a:ext cx="993954" cy="4057648"/>
+            </a:xfrm>
+            <a:prstGeom prst="roundRect">
+              <a:avLst/>
+            </a:prstGeom>
+            <a:solidFill>
+              <a:schemeClr val="accent1">
+                <a:alpha val="29000"/>
+              </a:schemeClr>
+            </a:solidFill>
+            <a:ln>
+              <a:noFill/>
+            </a:ln>
+          </p:spPr>
+          <p:style>
+            <a:lnRef idx="2">
+              <a:schemeClr val="accent1">
+                <a:shade val="50000"/>
+              </a:schemeClr>
+            </a:lnRef>
+            <a:fillRef idx="1">
+              <a:schemeClr val="accent1"/>
+            </a:fillRef>
+            <a:effectRef idx="0">
+              <a:schemeClr val="accent1"/>
+            </a:effectRef>
+            <a:fontRef idx="minor">
+              <a:schemeClr val="lt1"/>
+            </a:fontRef>
+          </p:style>
+          <p:txBody>
+            <a:bodyPr rtlCol="0" anchor="ctr"/>
+            <a:lstStyle/>
+            <a:p>
+              <a:pPr algn="ctr"/>
+              <a:endParaRPr lang="en-US"/>
+            </a:p>
+          </p:txBody>
+        </p:sp>
+        <p:grpSp>
+          <p:nvGrpSpPr>
+            <p:cNvPr id="51" name="Group 50">
+              <a:extLst>
+                <a:ext uri="{FF2B5EF4-FFF2-40B4-BE49-F238E27FC236}">
+                  <a16:creationId xmlns:a16="http://schemas.microsoft.com/office/drawing/2014/main" id="{4AF37C9D-9899-6A46-BA4C-91E0016BFFEB}"/>
+                </a:ext>
+              </a:extLst>
+            </p:cNvPr>
+            <p:cNvGrpSpPr/>
+            <p:nvPr/>
+          </p:nvGrpSpPr>
+          <p:grpSpPr>
+            <a:xfrm>
+              <a:off x="2865077" y="275771"/>
+              <a:ext cx="2882580" cy="1293326"/>
+              <a:chOff x="3585029" y="275771"/>
+              <a:chExt cx="2162628" cy="1293326"/>
+            </a:xfrm>
+          </p:grpSpPr>
+          <p:cxnSp>
+            <p:nvCxnSpPr>
+              <p:cNvPr id="40" name="Straight Arrow Connector 39">
+                <a:extLst>
+                  <a:ext uri="{FF2B5EF4-FFF2-40B4-BE49-F238E27FC236}">
+                    <a16:creationId xmlns:a16="http://schemas.microsoft.com/office/drawing/2014/main" id="{BCB25BC4-2CC9-4642-8A92-42B94FA25F72}"/>
+                  </a:ext>
+                </a:extLst>
+              </p:cNvPr>
+              <p:cNvCxnSpPr>
+                <a:cxnSpLocks/>
+              </p:cNvCxnSpPr>
+              <p:nvPr/>
+            </p:nvCxnSpPr>
+            <p:spPr>
+              <a:xfrm flipV="1">
+                <a:off x="3585029" y="275772"/>
+                <a:ext cx="1" cy="1293325"/>
+              </a:xfrm>
+              <a:prstGeom prst="straightConnector1">
+                <a:avLst/>
+              </a:prstGeom>
+              <a:ln w="31750">
+                <a:tailEnd type="none"/>
+              </a:ln>
+            </p:spPr>
+            <p:style>
+              <a:lnRef idx="1">
+                <a:schemeClr val="accent1"/>
+              </a:lnRef>
+              <a:fillRef idx="0">
+                <a:schemeClr val="accent1"/>
+              </a:fillRef>
+              <a:effectRef idx="0">
+                <a:schemeClr val="accent1"/>
+              </a:effectRef>
+              <a:fontRef idx="minor">
+                <a:schemeClr val="tx1"/>
+              </a:fontRef>
+            </p:style>
+          </p:cxnSp>
+          <p:cxnSp>
+            <p:nvCxnSpPr>
+              <p:cNvPr id="41" name="Straight Arrow Connector 40">
+                <a:extLst>
+                  <a:ext uri="{FF2B5EF4-FFF2-40B4-BE49-F238E27FC236}">
+                    <a16:creationId xmlns:a16="http://schemas.microsoft.com/office/drawing/2014/main" id="{65ED21AD-A008-8E47-A427-B9E8CEC2CBEE}"/>
+                  </a:ext>
+                </a:extLst>
+              </p:cNvPr>
+              <p:cNvCxnSpPr>
+                <a:cxnSpLocks/>
+                <a:endCxn id="9" idx="0"/>
+              </p:cNvCxnSpPr>
+              <p:nvPr/>
+            </p:nvCxnSpPr>
+            <p:spPr>
+              <a:xfrm>
+                <a:off x="5739911" y="275771"/>
+                <a:ext cx="3" cy="1293326"/>
+              </a:xfrm>
+              <a:prstGeom prst="straightConnector1">
+                <a:avLst/>
+              </a:prstGeom>
+              <a:ln w="31750">
+                <a:tailEnd type="stealth" w="lg" len="lg"/>
+              </a:ln>
+            </p:spPr>
+            <p:style>
+              <a:lnRef idx="1">
+                <a:schemeClr val="accent1"/>
+              </a:lnRef>
+              <a:fillRef idx="0">
+                <a:schemeClr val="accent1"/>
+              </a:fillRef>
+              <a:effectRef idx="0">
+                <a:schemeClr val="accent1"/>
+              </a:effectRef>
+              <a:fontRef idx="minor">
+                <a:schemeClr val="tx1"/>
+              </a:fontRef>
+            </p:style>
+          </p:cxnSp>
+          <p:cxnSp>
+            <p:nvCxnSpPr>
+              <p:cNvPr id="44" name="Straight Connector 43">
+                <a:extLst>
+                  <a:ext uri="{FF2B5EF4-FFF2-40B4-BE49-F238E27FC236}">
+                    <a16:creationId xmlns:a16="http://schemas.microsoft.com/office/drawing/2014/main" id="{E5AE1956-F48B-F64C-86B5-9A08888BE418}"/>
+                  </a:ext>
+                </a:extLst>
+              </p:cNvPr>
+              <p:cNvCxnSpPr>
+                <a:cxnSpLocks/>
+              </p:cNvCxnSpPr>
+              <p:nvPr/>
+            </p:nvCxnSpPr>
+            <p:spPr>
+              <a:xfrm>
+                <a:off x="3585029" y="275771"/>
+                <a:ext cx="2162628" cy="0"/>
+              </a:xfrm>
+              <a:prstGeom prst="line">
+                <a:avLst/>
+              </a:prstGeom>
+              <a:ln w="31750"/>
+            </p:spPr>
+            <p:style>
+              <a:lnRef idx="1">
+                <a:schemeClr val="accent1"/>
+              </a:lnRef>
+              <a:fillRef idx="0">
+                <a:schemeClr val="accent1"/>
+              </a:fillRef>
+              <a:effectRef idx="0">
+                <a:schemeClr val="accent1"/>
+              </a:effectRef>
+              <a:fontRef idx="minor">
+                <a:schemeClr val="tx1"/>
+              </a:fontRef>
+            </p:style>
+          </p:cxnSp>
+        </p:grpSp>
+        <p:grpSp>
+          <p:nvGrpSpPr>
+            <p:cNvPr id="52" name="Group 51">
+              <a:extLst>
+                <a:ext uri="{FF2B5EF4-FFF2-40B4-BE49-F238E27FC236}">
+                  <a16:creationId xmlns:a16="http://schemas.microsoft.com/office/drawing/2014/main" id="{2B43565A-0E9A-DC4F-87A0-E01385824D77}"/>
+                </a:ext>
+              </a:extLst>
+            </p:cNvPr>
+            <p:cNvGrpSpPr/>
+            <p:nvPr/>
+          </p:nvGrpSpPr>
+          <p:grpSpPr>
+            <a:xfrm rot="10800000">
+              <a:off x="1442236" y="2214349"/>
+              <a:ext cx="849241" cy="1529220"/>
+              <a:chOff x="3585027" y="275771"/>
+              <a:chExt cx="1400477" cy="1529220"/>
+            </a:xfrm>
+          </p:grpSpPr>
+          <p:cxnSp>
+            <p:nvCxnSpPr>
+              <p:cNvPr id="54" name="Straight Arrow Connector 53">
+                <a:extLst>
+                  <a:ext uri="{FF2B5EF4-FFF2-40B4-BE49-F238E27FC236}">
+                    <a16:creationId xmlns:a16="http://schemas.microsoft.com/office/drawing/2014/main" id="{31153D08-0A53-BB42-8B94-6F82CE43AE5C}"/>
+                  </a:ext>
+                </a:extLst>
+              </p:cNvPr>
+              <p:cNvCxnSpPr>
+                <a:cxnSpLocks/>
+                <a:endCxn id="4" idx="4"/>
+              </p:cNvCxnSpPr>
+              <p:nvPr/>
+            </p:nvCxnSpPr>
+            <p:spPr>
+              <a:xfrm rot="10800000" flipV="1">
+                <a:off x="4985504" y="275772"/>
+                <a:ext cx="0" cy="1529219"/>
+              </a:xfrm>
+              <a:prstGeom prst="straightConnector1">
+                <a:avLst/>
+              </a:prstGeom>
+              <a:ln w="31750">
+                <a:solidFill>
+                  <a:srgbClr val="C00000"/>
+                </a:solidFill>
+                <a:tailEnd type="stealth" w="lg" len="lg"/>
+              </a:ln>
+            </p:spPr>
+            <p:style>
+              <a:lnRef idx="1">
+                <a:schemeClr val="accent1"/>
+              </a:lnRef>
+              <a:fillRef idx="0">
+                <a:schemeClr val="accent1"/>
+              </a:fillRef>
+              <a:effectRef idx="0">
+                <a:schemeClr val="accent1"/>
+              </a:effectRef>
+              <a:fontRef idx="minor">
+                <a:schemeClr val="tx1"/>
+              </a:fontRef>
+            </p:style>
+          </p:cxnSp>
+          <p:cxnSp>
+            <p:nvCxnSpPr>
+              <p:cNvPr id="55" name="Straight Connector 54">
+                <a:extLst>
+                  <a:ext uri="{FF2B5EF4-FFF2-40B4-BE49-F238E27FC236}">
+                    <a16:creationId xmlns:a16="http://schemas.microsoft.com/office/drawing/2014/main" id="{DBC27106-823A-3A43-A9AB-D442DBAD9DE6}"/>
+                  </a:ext>
+                </a:extLst>
+              </p:cNvPr>
+              <p:cNvCxnSpPr>
+                <a:cxnSpLocks/>
+              </p:cNvCxnSpPr>
+              <p:nvPr/>
+            </p:nvCxnSpPr>
+            <p:spPr>
+              <a:xfrm rot="10800000" flipH="1" flipV="1">
+                <a:off x="3585027" y="275771"/>
+                <a:ext cx="1400477" cy="1"/>
+              </a:xfrm>
+              <a:prstGeom prst="line">
+                <a:avLst/>
+              </a:prstGeom>
+              <a:ln w="31750">
+                <a:solidFill>
+                  <a:srgbClr val="C00000"/>
+                </a:solidFill>
+              </a:ln>
+            </p:spPr>
+            <p:style>
+              <a:lnRef idx="1">
+                <a:schemeClr val="accent1"/>
+              </a:lnRef>
+              <a:fillRef idx="0">
+                <a:schemeClr val="accent1"/>
+              </a:fillRef>
+              <a:effectRef idx="0">
+                <a:schemeClr val="accent1"/>
+              </a:effectRef>
+              <a:fontRef idx="minor">
+                <a:schemeClr val="tx1"/>
+              </a:fontRef>
+            </p:style>
+          </p:cxnSp>
+        </p:grpSp>
+        <mc:AlternateContent xmlns:mc="http://schemas.openxmlformats.org/markup-compatibility/2006">
+          <mc:Choice xmlns:a14="http://schemas.microsoft.com/office/drawing/2010/main" Requires="a14">
+            <p:sp>
+              <p:nvSpPr>
+                <p:cNvPr id="59" name="Rectangle 58">
+                  <a:extLst>
+                    <a:ext uri="{FF2B5EF4-FFF2-40B4-BE49-F238E27FC236}">
+                      <a16:creationId xmlns:a16="http://schemas.microsoft.com/office/drawing/2014/main" id="{C52EDBB2-77E6-0342-955C-DDC038AF6C4C}"/>
+                    </a:ext>
+                  </a:extLst>
+                </p:cNvPr>
+                <p:cNvSpPr/>
+                <p:nvPr/>
+              </p:nvSpPr>
+              <p:spPr>
+                <a:xfrm>
+                  <a:off x="1701129" y="3365705"/>
+                  <a:ext cx="374140" cy="369332"/>
+                </a:xfrm>
+                <a:prstGeom prst="rect">
+                  <a:avLst/>
+                </a:prstGeom>
+              </p:spPr>
+              <p:txBody>
+                <a:bodyPr wrap="none">
+                  <a:spAutoFit/>
+                </a:bodyPr>
+                <a:lstStyle/>
+                <a:p>
+                  <a14:m>
+                    <m:oMathPara xmlns:m="http://schemas.openxmlformats.org/officeDocument/2006/math">
+                      <m:oMathParaPr>
+                        <m:jc m:val="centerGroup"/>
+                      </m:oMathParaPr>
+                      <m:oMath xmlns:m="http://schemas.openxmlformats.org/officeDocument/2006/math">
+                        <m:r>
+                          <a:rPr lang="en-US" b="0" i="1" smtClean="0">
+                            <a:latin typeface="Cambria Math" panose="02040503050406030204" pitchFamily="18" charset="0"/>
+                          </a:rPr>
+                          <m:t>𝜃</m:t>
+                        </m:r>
+                      </m:oMath>
+                    </m:oMathPara>
+                  </a14:m>
+                  <a:endParaRPr lang="en-US" dirty="0"/>
+                </a:p>
+              </p:txBody>
+            </p:sp>
+          </mc:Choice>
+          <mc:Fallback>
+            <p:sp>
+              <p:nvSpPr>
+                <p:cNvPr id="59" name="Rectangle 58">
+                  <a:extLst>
+                    <a:ext uri="{FF2B5EF4-FFF2-40B4-BE49-F238E27FC236}">
+                      <a16:creationId xmlns:a16="http://schemas.microsoft.com/office/drawing/2014/main" id="{C52EDBB2-77E6-0342-955C-DDC038AF6C4C}"/>
+                    </a:ext>
+                  </a:extLst>
+                </p:cNvPr>
+                <p:cNvSpPr>
+                  <a:spLocks noRot="1" noChangeAspect="1" noMove="1" noResize="1" noEditPoints="1" noAdjustHandles="1" noChangeArrowheads="1" noChangeShapeType="1" noTextEdit="1"/>
+                </p:cNvSpPr>
+                <p:nvPr/>
+              </p:nvSpPr>
+              <p:spPr>
+                <a:xfrm>
+                  <a:off x="1701129" y="3365705"/>
+                  <a:ext cx="374140" cy="369332"/>
+                </a:xfrm>
+                <a:prstGeom prst="rect">
+                  <a:avLst/>
+                </a:prstGeom>
+                <a:blipFill>
+                  <a:blip r:embed="rId14"/>
+                  <a:stretch>
+                    <a:fillRect/>
+                  </a:stretch>
+                </a:blipFill>
+              </p:spPr>
+              <p:txBody>
+                <a:bodyPr/>
+                <a:lstStyle/>
+                <a:p>
+                  <a:r>
+                    <a:rPr lang="en-US">
+                      <a:noFill/>
+                    </a:rPr>
+                    <a:t> </a:t>
+                  </a:r>
+                </a:p>
+              </p:txBody>
+            </p:sp>
+          </mc:Fallback>
+        </mc:AlternateContent>
+        <mc:AlternateContent xmlns:mc="http://schemas.openxmlformats.org/markup-compatibility/2006">
+          <mc:Choice xmlns:a14="http://schemas.microsoft.com/office/drawing/2010/main" Requires="a14">
+            <p:sp>
+              <p:nvSpPr>
+                <p:cNvPr id="60" name="Rectangle 59">
+                  <a:extLst>
+                    <a:ext uri="{FF2B5EF4-FFF2-40B4-BE49-F238E27FC236}">
+                      <a16:creationId xmlns:a16="http://schemas.microsoft.com/office/drawing/2014/main" id="{A61BDFFC-3930-0840-87AC-F02FAA7DEDAC}"/>
+                    </a:ext>
+                  </a:extLst>
+                </p:cNvPr>
+                <p:cNvSpPr/>
+                <p:nvPr/>
+              </p:nvSpPr>
+              <p:spPr>
+                <a:xfrm>
+                  <a:off x="1809988" y="1515137"/>
+                  <a:ext cx="793101" cy="369332"/>
+                </a:xfrm>
+                <a:prstGeom prst="rect">
+                  <a:avLst/>
+                </a:prstGeom>
+              </p:spPr>
+              <p:txBody>
+                <a:bodyPr wrap="none">
+                  <a:spAutoFit/>
+                </a:bodyPr>
+                <a:lstStyle/>
+                <a:p>
+                  <a14:m>
+                    <m:oMathPara xmlns:m="http://schemas.openxmlformats.org/officeDocument/2006/math">
+                      <m:oMathParaPr>
+                        <m:jc m:val="centerGroup"/>
+                      </m:oMathParaPr>
+                      <m:oMath xmlns:m="http://schemas.openxmlformats.org/officeDocument/2006/math">
+                        <m:r>
+                          <a:rPr lang="en-US" b="0" i="1" smtClean="0">
+                            <a:latin typeface="Cambria Math" panose="02040503050406030204" pitchFamily="18" charset="0"/>
+                          </a:rPr>
+                          <m:t>𝛽</m:t>
+                        </m:r>
+                        <m:r>
+                          <a:rPr lang="en-US" b="0" i="1" smtClean="0">
+                            <a:latin typeface="Cambria Math" panose="02040503050406030204" pitchFamily="18" charset="0"/>
+                          </a:rPr>
+                          <m:t>−</m:t>
+                        </m:r>
+                        <m:r>
+                          <a:rPr lang="en-US" b="0" i="1" smtClean="0">
+                            <a:latin typeface="Cambria Math" panose="02040503050406030204" pitchFamily="18" charset="0"/>
+                          </a:rPr>
+                          <m:t>𝑘</m:t>
+                        </m:r>
+                      </m:oMath>
+                    </m:oMathPara>
+                  </a14:m>
+                  <a:endParaRPr lang="en-US" dirty="0"/>
+                </a:p>
+              </p:txBody>
+            </p:sp>
+          </mc:Choice>
+          <mc:Fallback>
+            <p:sp>
+              <p:nvSpPr>
+                <p:cNvPr id="60" name="Rectangle 59">
+                  <a:extLst>
+                    <a:ext uri="{FF2B5EF4-FFF2-40B4-BE49-F238E27FC236}">
+                      <a16:creationId xmlns:a16="http://schemas.microsoft.com/office/drawing/2014/main" id="{A61BDFFC-3930-0840-87AC-F02FAA7DEDAC}"/>
+                    </a:ext>
+                  </a:extLst>
+                </p:cNvPr>
+                <p:cNvSpPr>
+                  <a:spLocks noRot="1" noChangeAspect="1" noMove="1" noResize="1" noEditPoints="1" noAdjustHandles="1" noChangeArrowheads="1" noChangeShapeType="1" noTextEdit="1"/>
+                </p:cNvSpPr>
+                <p:nvPr/>
+              </p:nvSpPr>
+              <p:spPr>
+                <a:xfrm>
+                  <a:off x="1809988" y="1515137"/>
+                  <a:ext cx="793101" cy="369332"/>
+                </a:xfrm>
+                <a:prstGeom prst="rect">
+                  <a:avLst/>
+                </a:prstGeom>
+                <a:blipFill>
+                  <a:blip r:embed="rId15"/>
+                  <a:stretch>
+                    <a:fillRect b="-9677"/>
+                  </a:stretch>
+                </a:blipFill>
+              </p:spPr>
+              <p:txBody>
+                <a:bodyPr/>
+                <a:lstStyle/>
+                <a:p>
+                  <a:r>
+                    <a:rPr lang="en-US">
+                      <a:noFill/>
+                    </a:rPr>
+                    <a:t> </a:t>
+                  </a:r>
+                </a:p>
+              </p:txBody>
+            </p:sp>
+          </mc:Fallback>
+        </mc:AlternateContent>
+        <mc:AlternateContent xmlns:mc="http://schemas.openxmlformats.org/markup-compatibility/2006">
+          <mc:Choice xmlns:a14="http://schemas.microsoft.com/office/drawing/2010/main" Requires="a14">
+            <p:sp>
+              <p:nvSpPr>
+                <p:cNvPr id="61" name="Rectangle 60">
+                  <a:extLst>
+                    <a:ext uri="{FF2B5EF4-FFF2-40B4-BE49-F238E27FC236}">
+                      <a16:creationId xmlns:a16="http://schemas.microsoft.com/office/drawing/2014/main" id="{0F21BBBC-A5DD-B24C-881D-44B76110F82B}"/>
+                    </a:ext>
+                  </a:extLst>
+                </p:cNvPr>
+                <p:cNvSpPr/>
+                <p:nvPr/>
+              </p:nvSpPr>
+              <p:spPr>
+                <a:xfrm>
+                  <a:off x="3392284" y="1515137"/>
+                  <a:ext cx="370935" cy="369332"/>
+                </a:xfrm>
+                <a:prstGeom prst="rect">
+                  <a:avLst/>
+                </a:prstGeom>
+              </p:spPr>
+              <p:txBody>
+                <a:bodyPr wrap="none">
+                  <a:spAutoFit/>
+                </a:bodyPr>
+                <a:lstStyle/>
+                <a:p>
+                  <a14:m>
+                    <m:oMathPara xmlns:m="http://schemas.openxmlformats.org/officeDocument/2006/math">
+                      <m:oMathParaPr>
+                        <m:jc m:val="centerGroup"/>
+                      </m:oMathParaPr>
+                      <m:oMath xmlns:m="http://schemas.openxmlformats.org/officeDocument/2006/math">
+                        <m:r>
+                          <a:rPr lang="en-US" b="0" i="1" smtClean="0">
+                            <a:latin typeface="Cambria Math" panose="02040503050406030204" pitchFamily="18" charset="0"/>
+                          </a:rPr>
+                          <m:t>𝑘</m:t>
+                        </m:r>
+                      </m:oMath>
+                    </m:oMathPara>
+                  </a14:m>
+                  <a:endParaRPr lang="en-US" dirty="0"/>
+                </a:p>
+              </p:txBody>
+            </p:sp>
+          </mc:Choice>
+          <mc:Fallback>
+            <p:sp>
+              <p:nvSpPr>
+                <p:cNvPr id="61" name="Rectangle 60">
+                  <a:extLst>
+                    <a:ext uri="{FF2B5EF4-FFF2-40B4-BE49-F238E27FC236}">
+                      <a16:creationId xmlns:a16="http://schemas.microsoft.com/office/drawing/2014/main" id="{0F21BBBC-A5DD-B24C-881D-44B76110F82B}"/>
+                    </a:ext>
+                  </a:extLst>
+                </p:cNvPr>
+                <p:cNvSpPr>
+                  <a:spLocks noRot="1" noChangeAspect="1" noMove="1" noResize="1" noEditPoints="1" noAdjustHandles="1" noChangeArrowheads="1" noChangeShapeType="1" noTextEdit="1"/>
+                </p:cNvSpPr>
+                <p:nvPr/>
+              </p:nvSpPr>
+              <p:spPr>
+                <a:xfrm>
+                  <a:off x="3392284" y="1515137"/>
+                  <a:ext cx="370935" cy="369332"/>
+                </a:xfrm>
+                <a:prstGeom prst="rect">
+                  <a:avLst/>
+                </a:prstGeom>
+                <a:blipFill>
+                  <a:blip r:embed="rId16"/>
+                  <a:stretch>
+                    <a:fillRect/>
+                  </a:stretch>
+                </a:blipFill>
+              </p:spPr>
+              <p:txBody>
+                <a:bodyPr/>
+                <a:lstStyle/>
+                <a:p>
+                  <a:r>
+                    <a:rPr lang="en-US">
+                      <a:noFill/>
+                    </a:rPr>
+                    <a:t> </a:t>
+                  </a:r>
+                </a:p>
+              </p:txBody>
+            </p:sp>
+          </mc:Fallback>
+        </mc:AlternateContent>
+        <mc:AlternateContent xmlns:mc="http://schemas.openxmlformats.org/markup-compatibility/2006">
+          <mc:Choice xmlns:a14="http://schemas.microsoft.com/office/drawing/2010/main" Requires="a14">
+            <p:sp>
+              <p:nvSpPr>
+                <p:cNvPr id="62" name="Rectangle 61">
+                  <a:extLst>
+                    <a:ext uri="{FF2B5EF4-FFF2-40B4-BE49-F238E27FC236}">
+                      <a16:creationId xmlns:a16="http://schemas.microsoft.com/office/drawing/2014/main" id="{F19419A1-882F-6C47-94FC-69B4274459E4}"/>
+                    </a:ext>
+                  </a:extLst>
+                </p:cNvPr>
+                <p:cNvSpPr/>
+                <p:nvPr/>
+              </p:nvSpPr>
+              <p:spPr>
+                <a:xfrm>
+                  <a:off x="4807426" y="1536908"/>
+                  <a:ext cx="477951" cy="369332"/>
+                </a:xfrm>
+                <a:prstGeom prst="rect">
+                  <a:avLst/>
+                </a:prstGeom>
+              </p:spPr>
+              <p:txBody>
+                <a:bodyPr wrap="none">
+                  <a:spAutoFit/>
+                </a:bodyPr>
+                <a:lstStyle/>
+                <a:p>
+                  <a14:m>
+                    <m:oMathPara xmlns:m="http://schemas.openxmlformats.org/officeDocument/2006/math">
+                      <m:oMathParaPr>
+                        <m:jc m:val="centerGroup"/>
+                      </m:oMathParaPr>
+                      <m:oMath xmlns:m="http://schemas.openxmlformats.org/officeDocument/2006/math">
+                        <m:sSub>
+                          <m:sSubPr>
+                            <m:ctrlPr>
+                              <a:rPr lang="en-US" b="0" i="1" smtClean="0">
+                                <a:latin typeface="Cambria Math" panose="02040503050406030204" pitchFamily="18" charset="0"/>
+                              </a:rPr>
+                            </m:ctrlPr>
+                          </m:sSubPr>
+                          <m:e>
+                            <m:r>
+                              <a:rPr lang="en-US" b="0" i="1" smtClean="0">
+                                <a:latin typeface="Cambria Math" panose="02040503050406030204" pitchFamily="18" charset="0"/>
+                              </a:rPr>
+                              <m:t>𝑑</m:t>
+                            </m:r>
+                          </m:e>
+                          <m:sub>
+                            <m:r>
+                              <a:rPr lang="en-US" b="0" i="1" smtClean="0">
+                                <a:latin typeface="Cambria Math" panose="02040503050406030204" pitchFamily="18" charset="0"/>
+                              </a:rPr>
+                              <m:t>0</m:t>
+                            </m:r>
+                          </m:sub>
+                        </m:sSub>
+                      </m:oMath>
+                    </m:oMathPara>
+                  </a14:m>
+                  <a:endParaRPr lang="en-US" dirty="0"/>
+                </a:p>
+              </p:txBody>
+            </p:sp>
+          </mc:Choice>
+          <mc:Fallback>
+            <p:sp>
+              <p:nvSpPr>
+                <p:cNvPr id="62" name="Rectangle 61">
+                  <a:extLst>
+                    <a:ext uri="{FF2B5EF4-FFF2-40B4-BE49-F238E27FC236}">
+                      <a16:creationId xmlns:a16="http://schemas.microsoft.com/office/drawing/2014/main" id="{F19419A1-882F-6C47-94FC-69B4274459E4}"/>
+                    </a:ext>
+                  </a:extLst>
+                </p:cNvPr>
+                <p:cNvSpPr>
+                  <a:spLocks noRot="1" noChangeAspect="1" noMove="1" noResize="1" noEditPoints="1" noAdjustHandles="1" noChangeArrowheads="1" noChangeShapeType="1" noTextEdit="1"/>
+                </p:cNvSpPr>
+                <p:nvPr/>
+              </p:nvSpPr>
+              <p:spPr>
+                <a:xfrm>
+                  <a:off x="4807426" y="1536908"/>
+                  <a:ext cx="477951" cy="369332"/>
+                </a:xfrm>
+                <a:prstGeom prst="rect">
+                  <a:avLst/>
+                </a:prstGeom>
+                <a:blipFill>
+                  <a:blip r:embed="rId17"/>
+                  <a:stretch>
+                    <a:fillRect/>
+                  </a:stretch>
+                </a:blipFill>
+              </p:spPr>
+              <p:txBody>
+                <a:bodyPr/>
+                <a:lstStyle/>
+                <a:p>
+                  <a:r>
+                    <a:rPr lang="en-US">
+                      <a:noFill/>
+                    </a:rPr>
+                    <a:t> </a:t>
+                  </a:r>
+                </a:p>
+              </p:txBody>
+            </p:sp>
+          </mc:Fallback>
+        </mc:AlternateContent>
+        <mc:AlternateContent xmlns:mc="http://schemas.openxmlformats.org/markup-compatibility/2006">
+          <mc:Choice xmlns:a14="http://schemas.microsoft.com/office/drawing/2010/main" Requires="a14">
+            <p:sp>
+              <p:nvSpPr>
+                <p:cNvPr id="63" name="Rectangle 62">
+                  <a:extLst>
+                    <a:ext uri="{FF2B5EF4-FFF2-40B4-BE49-F238E27FC236}">
+                      <a16:creationId xmlns:a16="http://schemas.microsoft.com/office/drawing/2014/main" id="{14181F8F-DD87-004D-AE2B-B18A677D04AC}"/>
+                    </a:ext>
+                  </a:extLst>
+                </p:cNvPr>
+                <p:cNvSpPr/>
+                <p:nvPr/>
+              </p:nvSpPr>
+              <p:spPr>
+                <a:xfrm>
+                  <a:off x="4814684" y="2864962"/>
+                  <a:ext cx="472629" cy="369332"/>
+                </a:xfrm>
+                <a:prstGeom prst="rect">
+                  <a:avLst/>
+                </a:prstGeom>
+              </p:spPr>
+              <p:txBody>
+                <a:bodyPr wrap="none">
+                  <a:spAutoFit/>
+                </a:bodyPr>
+                <a:lstStyle/>
+                <a:p>
+                  <a14:m>
+                    <m:oMathPara xmlns:m="http://schemas.openxmlformats.org/officeDocument/2006/math">
+                      <m:oMathParaPr>
+                        <m:jc m:val="centerGroup"/>
+                      </m:oMathParaPr>
+                      <m:oMath xmlns:m="http://schemas.openxmlformats.org/officeDocument/2006/math">
+                        <m:sSub>
+                          <m:sSubPr>
+                            <m:ctrlPr>
+                              <a:rPr lang="en-US" b="0" i="1" smtClean="0">
+                                <a:latin typeface="Cambria Math" panose="02040503050406030204" pitchFamily="18" charset="0"/>
+                              </a:rPr>
+                            </m:ctrlPr>
+                          </m:sSubPr>
+                          <m:e>
+                            <m:r>
+                              <a:rPr lang="en-US" b="0" i="1" smtClean="0">
+                                <a:latin typeface="Cambria Math" panose="02040503050406030204" pitchFamily="18" charset="0"/>
+                              </a:rPr>
+                              <m:t>𝑑</m:t>
+                            </m:r>
+                          </m:e>
+                          <m:sub>
+                            <m:r>
+                              <a:rPr lang="en-US" b="0" i="1" smtClean="0">
+                                <a:latin typeface="Cambria Math" panose="02040503050406030204" pitchFamily="18" charset="0"/>
+                              </a:rPr>
+                              <m:t>1</m:t>
+                            </m:r>
+                          </m:sub>
+                        </m:sSub>
+                      </m:oMath>
+                    </m:oMathPara>
+                  </a14:m>
+                  <a:endParaRPr lang="en-US" dirty="0"/>
+                </a:p>
+              </p:txBody>
+            </p:sp>
+          </mc:Choice>
+          <mc:Fallback>
+            <p:sp>
+              <p:nvSpPr>
+                <p:cNvPr id="63" name="Rectangle 62">
+                  <a:extLst>
+                    <a:ext uri="{FF2B5EF4-FFF2-40B4-BE49-F238E27FC236}">
+                      <a16:creationId xmlns:a16="http://schemas.microsoft.com/office/drawing/2014/main" id="{14181F8F-DD87-004D-AE2B-B18A677D04AC}"/>
+                    </a:ext>
+                  </a:extLst>
+                </p:cNvPr>
+                <p:cNvSpPr>
+                  <a:spLocks noRot="1" noChangeAspect="1" noMove="1" noResize="1" noEditPoints="1" noAdjustHandles="1" noChangeArrowheads="1" noChangeShapeType="1" noTextEdit="1"/>
+                </p:cNvSpPr>
+                <p:nvPr/>
+              </p:nvSpPr>
+              <p:spPr>
+                <a:xfrm>
+                  <a:off x="4814684" y="2864962"/>
+                  <a:ext cx="472629" cy="369332"/>
+                </a:xfrm>
+                <a:prstGeom prst="rect">
+                  <a:avLst/>
+                </a:prstGeom>
+                <a:blipFill>
+                  <a:blip r:embed="rId18"/>
+                  <a:stretch>
+                    <a:fillRect/>
+                  </a:stretch>
+                </a:blipFill>
+              </p:spPr>
+              <p:txBody>
+                <a:bodyPr/>
+                <a:lstStyle/>
+                <a:p>
+                  <a:r>
+                    <a:rPr lang="en-US">
+                      <a:noFill/>
+                    </a:rPr>
+                    <a:t> </a:t>
+                  </a:r>
+                </a:p>
+              </p:txBody>
+            </p:sp>
+          </mc:Fallback>
+        </mc:AlternateContent>
+        <mc:AlternateContent xmlns:mc="http://schemas.openxmlformats.org/markup-compatibility/2006">
+          <mc:Choice xmlns:a14="http://schemas.microsoft.com/office/drawing/2010/main" Requires="a14">
+            <p:sp>
+              <p:nvSpPr>
+                <p:cNvPr id="64" name="Rectangle 63">
+                  <a:extLst>
+                    <a:ext uri="{FF2B5EF4-FFF2-40B4-BE49-F238E27FC236}">
+                      <a16:creationId xmlns:a16="http://schemas.microsoft.com/office/drawing/2014/main" id="{96466439-4806-E343-913F-E4BCDB8FB01E}"/>
+                    </a:ext>
+                  </a:extLst>
+                </p:cNvPr>
+                <p:cNvSpPr/>
+                <p:nvPr/>
+              </p:nvSpPr>
+              <p:spPr>
+                <a:xfrm>
+                  <a:off x="4807426" y="4219146"/>
+                  <a:ext cx="477951" cy="369332"/>
+                </a:xfrm>
+                <a:prstGeom prst="rect">
+                  <a:avLst/>
+                </a:prstGeom>
+              </p:spPr>
+              <p:txBody>
+                <a:bodyPr wrap="none">
+                  <a:spAutoFit/>
+                </a:bodyPr>
+                <a:lstStyle/>
+                <a:p>
+                  <a14:m>
+                    <m:oMathPara xmlns:m="http://schemas.openxmlformats.org/officeDocument/2006/math">
+                      <m:oMathParaPr>
+                        <m:jc m:val="centerGroup"/>
+                      </m:oMathParaPr>
+                      <m:oMath xmlns:m="http://schemas.openxmlformats.org/officeDocument/2006/math">
+                        <m:sSub>
+                          <m:sSubPr>
+                            <m:ctrlPr>
+                              <a:rPr lang="en-US" b="0" i="1" smtClean="0">
+                                <a:latin typeface="Cambria Math" panose="02040503050406030204" pitchFamily="18" charset="0"/>
+                              </a:rPr>
+                            </m:ctrlPr>
+                          </m:sSubPr>
+                          <m:e>
+                            <m:r>
+                              <a:rPr lang="en-US" b="0" i="1" smtClean="0">
+                                <a:latin typeface="Cambria Math" panose="02040503050406030204" pitchFamily="18" charset="0"/>
+                              </a:rPr>
+                              <m:t>𝑑</m:t>
+                            </m:r>
+                          </m:e>
+                          <m:sub>
+                            <m:r>
+                              <a:rPr lang="en-US" b="0" i="1" smtClean="0">
+                                <a:latin typeface="Cambria Math" panose="02040503050406030204" pitchFamily="18" charset="0"/>
+                              </a:rPr>
+                              <m:t>2</m:t>
+                            </m:r>
+                          </m:sub>
+                        </m:sSub>
+                      </m:oMath>
+                    </m:oMathPara>
+                  </a14:m>
+                  <a:endParaRPr lang="en-US" dirty="0"/>
+                </a:p>
+              </p:txBody>
+            </p:sp>
+          </mc:Choice>
+          <mc:Fallback>
+            <p:sp>
+              <p:nvSpPr>
+                <p:cNvPr id="64" name="Rectangle 63">
+                  <a:extLst>
+                    <a:ext uri="{FF2B5EF4-FFF2-40B4-BE49-F238E27FC236}">
+                      <a16:creationId xmlns:a16="http://schemas.microsoft.com/office/drawing/2014/main" id="{96466439-4806-E343-913F-E4BCDB8FB01E}"/>
+                    </a:ext>
+                  </a:extLst>
+                </p:cNvPr>
+                <p:cNvSpPr>
+                  <a:spLocks noRot="1" noChangeAspect="1" noMove="1" noResize="1" noEditPoints="1" noAdjustHandles="1" noChangeArrowheads="1" noChangeShapeType="1" noTextEdit="1"/>
+                </p:cNvSpPr>
+                <p:nvPr/>
+              </p:nvSpPr>
+              <p:spPr>
+                <a:xfrm>
+                  <a:off x="4807426" y="4219146"/>
+                  <a:ext cx="477951" cy="369332"/>
+                </a:xfrm>
+                <a:prstGeom prst="rect">
+                  <a:avLst/>
+                </a:prstGeom>
+                <a:blipFill>
+                  <a:blip r:embed="rId19"/>
+                  <a:stretch>
+                    <a:fillRect/>
+                  </a:stretch>
+                </a:blipFill>
+              </p:spPr>
+              <p:txBody>
+                <a:bodyPr/>
+                <a:lstStyle/>
+                <a:p>
+                  <a:r>
+                    <a:rPr lang="en-US">
+                      <a:noFill/>
+                    </a:rPr>
+                    <a:t> </a:t>
+                  </a:r>
+                </a:p>
+              </p:txBody>
+            </p:sp>
+          </mc:Fallback>
+        </mc:AlternateContent>
+        <mc:AlternateContent xmlns:mc="http://schemas.openxmlformats.org/markup-compatibility/2006">
+          <mc:Choice xmlns:a14="http://schemas.microsoft.com/office/drawing/2010/main" Requires="a14">
+            <p:sp>
+              <p:nvSpPr>
+                <p:cNvPr id="65" name="Rectangle 64">
+                  <a:extLst>
+                    <a:ext uri="{FF2B5EF4-FFF2-40B4-BE49-F238E27FC236}">
+                      <a16:creationId xmlns:a16="http://schemas.microsoft.com/office/drawing/2014/main" id="{B7F1344B-5998-6345-835E-79790EF5DCFD}"/>
+                    </a:ext>
+                  </a:extLst>
+                </p:cNvPr>
+                <p:cNvSpPr/>
+                <p:nvPr/>
+              </p:nvSpPr>
+              <p:spPr>
+                <a:xfrm>
+                  <a:off x="6231884" y="1539497"/>
+                  <a:ext cx="473143" cy="369332"/>
+                </a:xfrm>
+                <a:prstGeom prst="rect">
+                  <a:avLst/>
+                </a:prstGeom>
+              </p:spPr>
+              <p:txBody>
+                <a:bodyPr wrap="none">
+                  <a:spAutoFit/>
+                </a:bodyPr>
+                <a:lstStyle/>
+                <a:p>
+                  <a14:m>
+                    <m:oMathPara xmlns:m="http://schemas.openxmlformats.org/officeDocument/2006/math">
+                      <m:oMathParaPr>
+                        <m:jc m:val="centerGroup"/>
+                      </m:oMathParaPr>
+                      <m:oMath xmlns:m="http://schemas.openxmlformats.org/officeDocument/2006/math">
+                        <m:sSub>
+                          <m:sSubPr>
+                            <m:ctrlPr>
+                              <a:rPr lang="en-US" b="0" i="1" smtClean="0">
+                                <a:latin typeface="Cambria Math" panose="02040503050406030204" pitchFamily="18" charset="0"/>
+                              </a:rPr>
+                            </m:ctrlPr>
+                          </m:sSubPr>
+                          <m:e>
+                            <m:r>
+                              <a:rPr lang="en-US" b="0" i="1" smtClean="0">
+                                <a:latin typeface="Cambria Math" panose="02040503050406030204" pitchFamily="18" charset="0"/>
+                              </a:rPr>
+                              <m:t>h</m:t>
+                            </m:r>
+                          </m:e>
+                          <m:sub>
+                            <m:r>
+                              <a:rPr lang="en-US" b="0" i="1" smtClean="0">
+                                <a:latin typeface="Cambria Math" panose="02040503050406030204" pitchFamily="18" charset="0"/>
+                              </a:rPr>
+                              <m:t>0</m:t>
+                            </m:r>
+                          </m:sub>
+                        </m:sSub>
+                      </m:oMath>
+                    </m:oMathPara>
+                  </a14:m>
+                  <a:endParaRPr lang="en-US" dirty="0"/>
+                </a:p>
+              </p:txBody>
+            </p:sp>
+          </mc:Choice>
+          <mc:Fallback>
+            <p:sp>
+              <p:nvSpPr>
+                <p:cNvPr id="65" name="Rectangle 64">
+                  <a:extLst>
+                    <a:ext uri="{FF2B5EF4-FFF2-40B4-BE49-F238E27FC236}">
+                      <a16:creationId xmlns:a16="http://schemas.microsoft.com/office/drawing/2014/main" id="{B7F1344B-5998-6345-835E-79790EF5DCFD}"/>
+                    </a:ext>
+                  </a:extLst>
+                </p:cNvPr>
+                <p:cNvSpPr>
+                  <a:spLocks noRot="1" noChangeAspect="1" noMove="1" noResize="1" noEditPoints="1" noAdjustHandles="1" noChangeArrowheads="1" noChangeShapeType="1" noTextEdit="1"/>
+                </p:cNvSpPr>
+                <p:nvPr/>
+              </p:nvSpPr>
+              <p:spPr>
+                <a:xfrm>
+                  <a:off x="6231884" y="1539497"/>
+                  <a:ext cx="473143" cy="369332"/>
+                </a:xfrm>
+                <a:prstGeom prst="rect">
+                  <a:avLst/>
+                </a:prstGeom>
+                <a:blipFill>
+                  <a:blip r:embed="rId20"/>
+                  <a:stretch>
+                    <a:fillRect/>
+                  </a:stretch>
+                </a:blipFill>
+              </p:spPr>
+              <p:txBody>
+                <a:bodyPr/>
+                <a:lstStyle/>
+                <a:p>
+                  <a:r>
+                    <a:rPr lang="en-US">
+                      <a:noFill/>
+                    </a:rPr>
+                    <a:t> </a:t>
+                  </a:r>
+                </a:p>
+              </p:txBody>
+            </p:sp>
+          </mc:Fallback>
+        </mc:AlternateContent>
+        <mc:AlternateContent xmlns:mc="http://schemas.openxmlformats.org/markup-compatibility/2006">
+          <mc:Choice xmlns:a14="http://schemas.microsoft.com/office/drawing/2010/main" Requires="a14">
+            <p:sp>
+              <p:nvSpPr>
+                <p:cNvPr id="66" name="Rectangle 65">
+                  <a:extLst>
+                    <a:ext uri="{FF2B5EF4-FFF2-40B4-BE49-F238E27FC236}">
+                      <a16:creationId xmlns:a16="http://schemas.microsoft.com/office/drawing/2014/main" id="{B9DAAF69-7918-0542-9861-32D4AEF52B96}"/>
+                    </a:ext>
+                  </a:extLst>
+                </p:cNvPr>
+                <p:cNvSpPr/>
+                <p:nvPr/>
+              </p:nvSpPr>
+              <p:spPr>
+                <a:xfrm>
+                  <a:off x="6239142" y="2867551"/>
+                  <a:ext cx="467820" cy="369332"/>
+                </a:xfrm>
+                <a:prstGeom prst="rect">
+                  <a:avLst/>
+                </a:prstGeom>
+              </p:spPr>
+              <p:txBody>
+                <a:bodyPr wrap="none">
+                  <a:spAutoFit/>
+                </a:bodyPr>
+                <a:lstStyle/>
+                <a:p>
+                  <a14:m>
+                    <m:oMathPara xmlns:m="http://schemas.openxmlformats.org/officeDocument/2006/math">
+                      <m:oMathParaPr>
+                        <m:jc m:val="centerGroup"/>
+                      </m:oMathParaPr>
+                      <m:oMath xmlns:m="http://schemas.openxmlformats.org/officeDocument/2006/math">
+                        <m:sSub>
+                          <m:sSubPr>
+                            <m:ctrlPr>
+                              <a:rPr lang="en-US" b="0" i="1" smtClean="0">
+                                <a:latin typeface="Cambria Math" panose="02040503050406030204" pitchFamily="18" charset="0"/>
+                              </a:rPr>
+                            </m:ctrlPr>
+                          </m:sSubPr>
+                          <m:e>
+                            <m:r>
+                              <a:rPr lang="en-US" b="0" i="1" smtClean="0">
+                                <a:latin typeface="Cambria Math" panose="02040503050406030204" pitchFamily="18" charset="0"/>
+                              </a:rPr>
+                              <m:t>h</m:t>
+                            </m:r>
+                          </m:e>
+                          <m:sub>
+                            <m:r>
+                              <a:rPr lang="en-US" b="0" i="1" smtClean="0">
+                                <a:latin typeface="Cambria Math" panose="02040503050406030204" pitchFamily="18" charset="0"/>
+                              </a:rPr>
+                              <m:t>1</m:t>
+                            </m:r>
+                          </m:sub>
+                        </m:sSub>
+                      </m:oMath>
+                    </m:oMathPara>
+                  </a14:m>
+                  <a:endParaRPr lang="en-US" dirty="0"/>
+                </a:p>
+              </p:txBody>
+            </p:sp>
+          </mc:Choice>
+          <mc:Fallback>
+            <p:sp>
+              <p:nvSpPr>
+                <p:cNvPr id="66" name="Rectangle 65">
+                  <a:extLst>
+                    <a:ext uri="{FF2B5EF4-FFF2-40B4-BE49-F238E27FC236}">
+                      <a16:creationId xmlns:a16="http://schemas.microsoft.com/office/drawing/2014/main" id="{B9DAAF69-7918-0542-9861-32D4AEF52B96}"/>
+                    </a:ext>
+                  </a:extLst>
+                </p:cNvPr>
+                <p:cNvSpPr>
+                  <a:spLocks noRot="1" noChangeAspect="1" noMove="1" noResize="1" noEditPoints="1" noAdjustHandles="1" noChangeArrowheads="1" noChangeShapeType="1" noTextEdit="1"/>
+                </p:cNvSpPr>
+                <p:nvPr/>
+              </p:nvSpPr>
+              <p:spPr>
+                <a:xfrm>
+                  <a:off x="6239142" y="2867551"/>
+                  <a:ext cx="467820" cy="369332"/>
+                </a:xfrm>
+                <a:prstGeom prst="rect">
+                  <a:avLst/>
+                </a:prstGeom>
+                <a:blipFill>
+                  <a:blip r:embed="rId21"/>
+                  <a:stretch>
+                    <a:fillRect/>
+                  </a:stretch>
+                </a:blipFill>
+              </p:spPr>
+              <p:txBody>
+                <a:bodyPr/>
+                <a:lstStyle/>
+                <a:p>
+                  <a:r>
+                    <a:rPr lang="en-US">
+                      <a:noFill/>
+                    </a:rPr>
+                    <a:t> </a:t>
+                  </a:r>
+                </a:p>
+              </p:txBody>
+            </p:sp>
+          </mc:Fallback>
+        </mc:AlternateContent>
+        <mc:AlternateContent xmlns:mc="http://schemas.openxmlformats.org/markup-compatibility/2006">
+          <mc:Choice xmlns:a14="http://schemas.microsoft.com/office/drawing/2010/main" Requires="a14">
+            <p:sp>
+              <p:nvSpPr>
+                <p:cNvPr id="67" name="Rectangle 66">
+                  <a:extLst>
+                    <a:ext uri="{FF2B5EF4-FFF2-40B4-BE49-F238E27FC236}">
+                      <a16:creationId xmlns:a16="http://schemas.microsoft.com/office/drawing/2014/main" id="{FDFA8D93-6033-F44A-9A3D-337EDB5C4214}"/>
+                    </a:ext>
+                  </a:extLst>
+                </p:cNvPr>
+                <p:cNvSpPr/>
+                <p:nvPr/>
+              </p:nvSpPr>
+              <p:spPr>
+                <a:xfrm>
+                  <a:off x="6231884" y="4221735"/>
+                  <a:ext cx="473143" cy="369332"/>
+                </a:xfrm>
+                <a:prstGeom prst="rect">
+                  <a:avLst/>
+                </a:prstGeom>
+              </p:spPr>
+              <p:txBody>
+                <a:bodyPr wrap="none">
+                  <a:spAutoFit/>
+                </a:bodyPr>
+                <a:lstStyle/>
+                <a:p>
+                  <a14:m>
+                    <m:oMathPara xmlns:m="http://schemas.openxmlformats.org/officeDocument/2006/math">
+                      <m:oMathParaPr>
+                        <m:jc m:val="centerGroup"/>
+                      </m:oMathParaPr>
+                      <m:oMath xmlns:m="http://schemas.openxmlformats.org/officeDocument/2006/math">
+                        <m:sSub>
+                          <m:sSubPr>
+                            <m:ctrlPr>
+                              <a:rPr lang="en-US" b="0" i="1" smtClean="0">
+                                <a:latin typeface="Cambria Math" panose="02040503050406030204" pitchFamily="18" charset="0"/>
+                              </a:rPr>
+                            </m:ctrlPr>
+                          </m:sSubPr>
+                          <m:e>
+                            <m:r>
+                              <a:rPr lang="en-US" b="0" i="1" smtClean="0">
+                                <a:latin typeface="Cambria Math" panose="02040503050406030204" pitchFamily="18" charset="0"/>
+                              </a:rPr>
+                              <m:t>h</m:t>
+                            </m:r>
+                          </m:e>
+                          <m:sub>
+                            <m:r>
+                              <a:rPr lang="en-US" b="0" i="1" smtClean="0">
+                                <a:latin typeface="Cambria Math" panose="02040503050406030204" pitchFamily="18" charset="0"/>
+                              </a:rPr>
+                              <m:t>2</m:t>
+                            </m:r>
+                          </m:sub>
+                        </m:sSub>
+                      </m:oMath>
+                    </m:oMathPara>
+                  </a14:m>
+                  <a:endParaRPr lang="en-US" dirty="0"/>
+                </a:p>
+              </p:txBody>
+            </p:sp>
+          </mc:Choice>
+          <mc:Fallback>
+            <p:sp>
+              <p:nvSpPr>
+                <p:cNvPr id="67" name="Rectangle 66">
+                  <a:extLst>
+                    <a:ext uri="{FF2B5EF4-FFF2-40B4-BE49-F238E27FC236}">
+                      <a16:creationId xmlns:a16="http://schemas.microsoft.com/office/drawing/2014/main" id="{FDFA8D93-6033-F44A-9A3D-337EDB5C4214}"/>
+                    </a:ext>
+                  </a:extLst>
+                </p:cNvPr>
+                <p:cNvSpPr>
+                  <a:spLocks noRot="1" noChangeAspect="1" noMove="1" noResize="1" noEditPoints="1" noAdjustHandles="1" noChangeArrowheads="1" noChangeShapeType="1" noTextEdit="1"/>
+                </p:cNvSpPr>
+                <p:nvPr/>
+              </p:nvSpPr>
+              <p:spPr>
+                <a:xfrm>
+                  <a:off x="6231884" y="4221735"/>
+                  <a:ext cx="473143" cy="369332"/>
+                </a:xfrm>
+                <a:prstGeom prst="rect">
+                  <a:avLst/>
+                </a:prstGeom>
+                <a:blipFill>
+                  <a:blip r:embed="rId22"/>
+                  <a:stretch>
+                    <a:fillRect/>
+                  </a:stretch>
+                </a:blipFill>
+              </p:spPr>
+              <p:txBody>
+                <a:bodyPr/>
+                <a:lstStyle/>
+                <a:p>
+                  <a:r>
+                    <a:rPr lang="en-US">
+                      <a:noFill/>
+                    </a:rPr>
+                    <a:t> </a:t>
+                  </a:r>
+                </a:p>
+              </p:txBody>
+            </p:sp>
+          </mc:Fallback>
+        </mc:AlternateContent>
+        <mc:AlternateContent xmlns:mc="http://schemas.openxmlformats.org/markup-compatibility/2006">
+          <mc:Choice xmlns:a14="http://schemas.microsoft.com/office/drawing/2010/main" Requires="a14">
+            <p:sp>
+              <p:nvSpPr>
+                <p:cNvPr id="71" name="Rectangle 70">
+                  <a:extLst>
+                    <a:ext uri="{FF2B5EF4-FFF2-40B4-BE49-F238E27FC236}">
+                      <a16:creationId xmlns:a16="http://schemas.microsoft.com/office/drawing/2014/main" id="{7958F8E3-CEEA-CB4A-8B39-6F4B76CEDBFA}"/>
+                    </a:ext>
+                  </a:extLst>
+                </p:cNvPr>
+                <p:cNvSpPr/>
+                <p:nvPr/>
+              </p:nvSpPr>
+              <p:spPr>
+                <a:xfrm>
+                  <a:off x="7569712" y="1545797"/>
+                  <a:ext cx="428515" cy="369332"/>
+                </a:xfrm>
+                <a:prstGeom prst="rect">
+                  <a:avLst/>
+                </a:prstGeom>
+              </p:spPr>
+              <p:txBody>
+                <a:bodyPr wrap="none">
+                  <a:spAutoFit/>
+                </a:bodyPr>
+                <a:lstStyle/>
+                <a:p>
+                  <a14:m>
+                    <m:oMathPara xmlns:m="http://schemas.openxmlformats.org/officeDocument/2006/math">
+                      <m:oMathParaPr>
+                        <m:jc m:val="centerGroup"/>
+                      </m:oMathParaPr>
+                      <m:oMath xmlns:m="http://schemas.openxmlformats.org/officeDocument/2006/math">
+                        <m:sSub>
+                          <m:sSubPr>
+                            <m:ctrlPr>
+                              <a:rPr lang="en-US" b="0" i="1" smtClean="0">
+                                <a:latin typeface="Cambria Math" panose="02040503050406030204" pitchFamily="18" charset="0"/>
+                              </a:rPr>
+                            </m:ctrlPr>
+                          </m:sSubPr>
+                          <m:e>
+                            <m:r>
+                              <a:rPr lang="en-US" b="0" i="1" smtClean="0">
+                                <a:latin typeface="Cambria Math" panose="02040503050406030204" pitchFamily="18" charset="0"/>
+                              </a:rPr>
+                              <m:t>𝑟</m:t>
+                            </m:r>
+                          </m:e>
+                          <m:sub>
+                            <m:r>
+                              <a:rPr lang="en-US" b="0" i="1" smtClean="0">
+                                <a:latin typeface="Cambria Math" panose="02040503050406030204" pitchFamily="18" charset="0"/>
+                              </a:rPr>
+                              <m:t>0</m:t>
+                            </m:r>
+                          </m:sub>
+                        </m:sSub>
+                      </m:oMath>
+                    </m:oMathPara>
+                  </a14:m>
+                  <a:endParaRPr lang="en-US" dirty="0"/>
+                </a:p>
+              </p:txBody>
+            </p:sp>
+          </mc:Choice>
+          <mc:Fallback>
+            <p:sp>
+              <p:nvSpPr>
+                <p:cNvPr id="71" name="Rectangle 70">
+                  <a:extLst>
+                    <a:ext uri="{FF2B5EF4-FFF2-40B4-BE49-F238E27FC236}">
+                      <a16:creationId xmlns:a16="http://schemas.microsoft.com/office/drawing/2014/main" id="{7958F8E3-CEEA-CB4A-8B39-6F4B76CEDBFA}"/>
+                    </a:ext>
+                  </a:extLst>
+                </p:cNvPr>
+                <p:cNvSpPr>
+                  <a:spLocks noRot="1" noChangeAspect="1" noMove="1" noResize="1" noEditPoints="1" noAdjustHandles="1" noChangeArrowheads="1" noChangeShapeType="1" noTextEdit="1"/>
+                </p:cNvSpPr>
+                <p:nvPr/>
+              </p:nvSpPr>
+              <p:spPr>
+                <a:xfrm>
+                  <a:off x="7569712" y="1545797"/>
+                  <a:ext cx="428515" cy="369332"/>
+                </a:xfrm>
+                <a:prstGeom prst="rect">
+                  <a:avLst/>
+                </a:prstGeom>
+                <a:blipFill>
+                  <a:blip r:embed="rId23"/>
+                  <a:stretch>
+                    <a:fillRect/>
+                  </a:stretch>
+                </a:blipFill>
+              </p:spPr>
+              <p:txBody>
+                <a:bodyPr/>
+                <a:lstStyle/>
+                <a:p>
+                  <a:r>
+                    <a:rPr lang="en-US">
+                      <a:noFill/>
+                    </a:rPr>
+                    <a:t> </a:t>
+                  </a:r>
+                </a:p>
+              </p:txBody>
+            </p:sp>
+          </mc:Fallback>
+        </mc:AlternateContent>
+        <mc:AlternateContent xmlns:mc="http://schemas.openxmlformats.org/markup-compatibility/2006">
+          <mc:Choice xmlns:a14="http://schemas.microsoft.com/office/drawing/2010/main" Requires="a14">
+            <p:sp>
+              <p:nvSpPr>
+                <p:cNvPr id="72" name="Rectangle 71">
+                  <a:extLst>
+                    <a:ext uri="{FF2B5EF4-FFF2-40B4-BE49-F238E27FC236}">
+                      <a16:creationId xmlns:a16="http://schemas.microsoft.com/office/drawing/2014/main" id="{8B54424E-DF0E-EF49-ABD9-13ADD5080EC6}"/>
+                    </a:ext>
+                  </a:extLst>
+                </p:cNvPr>
+                <p:cNvSpPr/>
+                <p:nvPr/>
+              </p:nvSpPr>
+              <p:spPr>
+                <a:xfrm>
+                  <a:off x="7576970" y="2873851"/>
+                  <a:ext cx="423193" cy="369332"/>
+                </a:xfrm>
+                <a:prstGeom prst="rect">
+                  <a:avLst/>
+                </a:prstGeom>
+              </p:spPr>
+              <p:txBody>
+                <a:bodyPr wrap="none">
+                  <a:spAutoFit/>
+                </a:bodyPr>
+                <a:lstStyle/>
+                <a:p>
+                  <a14:m>
+                    <m:oMathPara xmlns:m="http://schemas.openxmlformats.org/officeDocument/2006/math">
+                      <m:oMathParaPr>
+                        <m:jc m:val="centerGroup"/>
+                      </m:oMathParaPr>
+                      <m:oMath xmlns:m="http://schemas.openxmlformats.org/officeDocument/2006/math">
+                        <m:sSub>
+                          <m:sSubPr>
+                            <m:ctrlPr>
+                              <a:rPr lang="en-US" b="0" i="1" smtClean="0">
+                                <a:latin typeface="Cambria Math" panose="02040503050406030204" pitchFamily="18" charset="0"/>
+                              </a:rPr>
+                            </m:ctrlPr>
+                          </m:sSubPr>
+                          <m:e>
+                            <m:r>
+                              <a:rPr lang="en-US" b="0" i="1" smtClean="0">
+                                <a:latin typeface="Cambria Math" panose="02040503050406030204" pitchFamily="18" charset="0"/>
+                              </a:rPr>
+                              <m:t>𝑟</m:t>
+                            </m:r>
+                          </m:e>
+                          <m:sub>
+                            <m:r>
+                              <a:rPr lang="en-US" b="0" i="1" smtClean="0">
+                                <a:latin typeface="Cambria Math" panose="02040503050406030204" pitchFamily="18" charset="0"/>
+                              </a:rPr>
+                              <m:t>1</m:t>
+                            </m:r>
+                          </m:sub>
+                        </m:sSub>
+                      </m:oMath>
+                    </m:oMathPara>
+                  </a14:m>
+                  <a:endParaRPr lang="en-US" dirty="0"/>
+                </a:p>
+              </p:txBody>
+            </p:sp>
+          </mc:Choice>
+          <mc:Fallback>
+            <p:sp>
+              <p:nvSpPr>
+                <p:cNvPr id="72" name="Rectangle 71">
+                  <a:extLst>
+                    <a:ext uri="{FF2B5EF4-FFF2-40B4-BE49-F238E27FC236}">
+                      <a16:creationId xmlns:a16="http://schemas.microsoft.com/office/drawing/2014/main" id="{8B54424E-DF0E-EF49-ABD9-13ADD5080EC6}"/>
+                    </a:ext>
+                  </a:extLst>
+                </p:cNvPr>
+                <p:cNvSpPr>
+                  <a:spLocks noRot="1" noChangeAspect="1" noMove="1" noResize="1" noEditPoints="1" noAdjustHandles="1" noChangeArrowheads="1" noChangeShapeType="1" noTextEdit="1"/>
+                </p:cNvSpPr>
+                <p:nvPr/>
+              </p:nvSpPr>
+              <p:spPr>
+                <a:xfrm>
+                  <a:off x="7576970" y="2873851"/>
+                  <a:ext cx="423193" cy="369332"/>
+                </a:xfrm>
+                <a:prstGeom prst="rect">
+                  <a:avLst/>
+                </a:prstGeom>
+                <a:blipFill>
+                  <a:blip r:embed="rId24"/>
+                  <a:stretch>
+                    <a:fillRect/>
+                  </a:stretch>
+                </a:blipFill>
+              </p:spPr>
+              <p:txBody>
+                <a:bodyPr/>
+                <a:lstStyle/>
+                <a:p>
+                  <a:r>
+                    <a:rPr lang="en-US">
+                      <a:noFill/>
+                    </a:rPr>
+                    <a:t> </a:t>
+                  </a:r>
+                </a:p>
+              </p:txBody>
+            </p:sp>
+          </mc:Fallback>
+        </mc:AlternateContent>
+        <mc:AlternateContent xmlns:mc="http://schemas.openxmlformats.org/markup-compatibility/2006">
+          <mc:Choice xmlns:a14="http://schemas.microsoft.com/office/drawing/2010/main" Requires="a14">
+            <p:sp>
+              <p:nvSpPr>
+                <p:cNvPr id="73" name="Rectangle 72">
+                  <a:extLst>
+                    <a:ext uri="{FF2B5EF4-FFF2-40B4-BE49-F238E27FC236}">
+                      <a16:creationId xmlns:a16="http://schemas.microsoft.com/office/drawing/2014/main" id="{9D008693-662C-284D-ACBF-774A49726CC8}"/>
+                    </a:ext>
+                  </a:extLst>
+                </p:cNvPr>
+                <p:cNvSpPr/>
+                <p:nvPr/>
+              </p:nvSpPr>
+              <p:spPr>
+                <a:xfrm>
+                  <a:off x="7569712" y="4228035"/>
+                  <a:ext cx="428515" cy="369332"/>
+                </a:xfrm>
+                <a:prstGeom prst="rect">
+                  <a:avLst/>
+                </a:prstGeom>
+              </p:spPr>
+              <p:txBody>
+                <a:bodyPr wrap="none">
+                  <a:spAutoFit/>
+                </a:bodyPr>
+                <a:lstStyle/>
+                <a:p>
+                  <a14:m>
+                    <m:oMathPara xmlns:m="http://schemas.openxmlformats.org/officeDocument/2006/math">
+                      <m:oMathParaPr>
+                        <m:jc m:val="centerGroup"/>
+                      </m:oMathParaPr>
+                      <m:oMath xmlns:m="http://schemas.openxmlformats.org/officeDocument/2006/math">
+                        <m:sSub>
+                          <m:sSubPr>
+                            <m:ctrlPr>
+                              <a:rPr lang="en-US" b="0" i="1" smtClean="0">
+                                <a:latin typeface="Cambria Math" panose="02040503050406030204" pitchFamily="18" charset="0"/>
+                              </a:rPr>
+                            </m:ctrlPr>
+                          </m:sSubPr>
+                          <m:e>
+                            <m:r>
+                              <a:rPr lang="en-US" b="0" i="1" smtClean="0">
+                                <a:latin typeface="Cambria Math" panose="02040503050406030204" pitchFamily="18" charset="0"/>
+                              </a:rPr>
+                              <m:t>𝑟</m:t>
+                            </m:r>
+                          </m:e>
+                          <m:sub>
+                            <m:r>
+                              <a:rPr lang="en-US" b="0" i="1" smtClean="0">
+                                <a:latin typeface="Cambria Math" panose="02040503050406030204" pitchFamily="18" charset="0"/>
+                              </a:rPr>
+                              <m:t>2</m:t>
+                            </m:r>
+                          </m:sub>
+                        </m:sSub>
+                      </m:oMath>
+                    </m:oMathPara>
+                  </a14:m>
+                  <a:endParaRPr lang="en-US" dirty="0"/>
+                </a:p>
+              </p:txBody>
+            </p:sp>
+          </mc:Choice>
+          <mc:Fallback>
+            <p:sp>
+              <p:nvSpPr>
+                <p:cNvPr id="73" name="Rectangle 72">
+                  <a:extLst>
+                    <a:ext uri="{FF2B5EF4-FFF2-40B4-BE49-F238E27FC236}">
+                      <a16:creationId xmlns:a16="http://schemas.microsoft.com/office/drawing/2014/main" id="{9D008693-662C-284D-ACBF-774A49726CC8}"/>
+                    </a:ext>
+                  </a:extLst>
+                </p:cNvPr>
+                <p:cNvSpPr>
+                  <a:spLocks noRot="1" noChangeAspect="1" noMove="1" noResize="1" noEditPoints="1" noAdjustHandles="1" noChangeArrowheads="1" noChangeShapeType="1" noTextEdit="1"/>
+                </p:cNvSpPr>
+                <p:nvPr/>
+              </p:nvSpPr>
+              <p:spPr>
+                <a:xfrm>
+                  <a:off x="7569712" y="4228035"/>
+                  <a:ext cx="428515" cy="369332"/>
+                </a:xfrm>
+                <a:prstGeom prst="rect">
+                  <a:avLst/>
+                </a:prstGeom>
+                <a:blipFill>
+                  <a:blip r:embed="rId25"/>
+                  <a:stretch>
+                    <a:fillRect/>
+                  </a:stretch>
+                </a:blipFill>
+              </p:spPr>
+              <p:txBody>
+                <a:bodyPr/>
+                <a:lstStyle/>
+                <a:p>
+                  <a:r>
+                    <a:rPr lang="en-US">
+                      <a:noFill/>
+                    </a:rPr>
+                    <a:t> </a:t>
+                  </a:r>
+                </a:p>
+              </p:txBody>
+            </p:sp>
+          </mc:Fallback>
+        </mc:AlternateContent>
+        <mc:AlternateContent xmlns:mc="http://schemas.openxmlformats.org/markup-compatibility/2006">
+          <mc:Choice xmlns:a14="http://schemas.microsoft.com/office/drawing/2010/main" Requires="a14">
+            <p:sp>
+              <p:nvSpPr>
+                <p:cNvPr id="74" name="Rectangle 73">
+                  <a:extLst>
+                    <a:ext uri="{FF2B5EF4-FFF2-40B4-BE49-F238E27FC236}">
+                      <a16:creationId xmlns:a16="http://schemas.microsoft.com/office/drawing/2014/main" id="{42C8C050-DA9B-8E40-87DA-41AF1ED95E1C}"/>
+                    </a:ext>
+                  </a:extLst>
+                </p:cNvPr>
+                <p:cNvSpPr/>
+                <p:nvPr/>
+              </p:nvSpPr>
+              <p:spPr>
+                <a:xfrm>
+                  <a:off x="4307351" y="2380167"/>
+                  <a:ext cx="459035" cy="369332"/>
+                </a:xfrm>
+                <a:prstGeom prst="rect">
+                  <a:avLst/>
+                </a:prstGeom>
+              </p:spPr>
+              <p:txBody>
+                <a:bodyPr wrap="none">
+                  <a:spAutoFit/>
+                </a:bodyPr>
+                <a:lstStyle/>
+                <a:p>
+                  <a14:m>
+                    <m:oMathPara xmlns:m="http://schemas.openxmlformats.org/officeDocument/2006/math">
+                      <m:oMathParaPr>
+                        <m:jc m:val="centerGroup"/>
+                      </m:oMathParaPr>
+                      <m:oMath xmlns:m="http://schemas.openxmlformats.org/officeDocument/2006/math">
+                        <m:sSub>
+                          <m:sSubPr>
+                            <m:ctrlPr>
+                              <a:rPr lang="en-US" b="0" i="1" smtClean="0">
+                                <a:latin typeface="Cambria Math" panose="02040503050406030204" pitchFamily="18" charset="0"/>
+                              </a:rPr>
+                            </m:ctrlPr>
+                          </m:sSubPr>
+                          <m:e>
+                            <m:r>
+                              <a:rPr lang="en-US" b="0" i="1" smtClean="0">
+                                <a:latin typeface="Cambria Math" panose="02040503050406030204" pitchFamily="18" charset="0"/>
+                              </a:rPr>
+                              <m:t>𝛾</m:t>
+                            </m:r>
+                          </m:e>
+                          <m:sub>
+                            <m:r>
+                              <a:rPr lang="en-US" b="0" i="1" smtClean="0">
+                                <a:latin typeface="Cambria Math" panose="02040503050406030204" pitchFamily="18" charset="0"/>
+                              </a:rPr>
+                              <m:t>0</m:t>
+                            </m:r>
+                          </m:sub>
+                        </m:sSub>
+                      </m:oMath>
+                    </m:oMathPara>
+                  </a14:m>
+                  <a:endParaRPr lang="en-US" dirty="0"/>
+                </a:p>
+              </p:txBody>
+            </p:sp>
+          </mc:Choice>
+          <mc:Fallback>
+            <p:sp>
+              <p:nvSpPr>
+                <p:cNvPr id="74" name="Rectangle 73">
+                  <a:extLst>
+                    <a:ext uri="{FF2B5EF4-FFF2-40B4-BE49-F238E27FC236}">
+                      <a16:creationId xmlns:a16="http://schemas.microsoft.com/office/drawing/2014/main" id="{42C8C050-DA9B-8E40-87DA-41AF1ED95E1C}"/>
+                    </a:ext>
+                  </a:extLst>
+                </p:cNvPr>
+                <p:cNvSpPr>
+                  <a:spLocks noRot="1" noChangeAspect="1" noMove="1" noResize="1" noEditPoints="1" noAdjustHandles="1" noChangeArrowheads="1" noChangeShapeType="1" noTextEdit="1"/>
+                </p:cNvSpPr>
+                <p:nvPr/>
+              </p:nvSpPr>
+              <p:spPr>
+                <a:xfrm>
+                  <a:off x="4307351" y="2380167"/>
+                  <a:ext cx="459035" cy="369332"/>
+                </a:xfrm>
+                <a:prstGeom prst="rect">
+                  <a:avLst/>
+                </a:prstGeom>
+                <a:blipFill>
+                  <a:blip r:embed="rId26"/>
+                  <a:stretch>
+                    <a:fillRect b="-3333"/>
+                  </a:stretch>
+                </a:blipFill>
+              </p:spPr>
+              <p:txBody>
+                <a:bodyPr/>
+                <a:lstStyle/>
+                <a:p>
+                  <a:r>
+                    <a:rPr lang="en-US">
+                      <a:noFill/>
+                    </a:rPr>
+                    <a:t> </a:t>
+                  </a:r>
+                </a:p>
+              </p:txBody>
+            </p:sp>
+          </mc:Fallback>
+        </mc:AlternateContent>
+        <mc:AlternateContent xmlns:mc="http://schemas.openxmlformats.org/markup-compatibility/2006">
+          <mc:Choice xmlns:a14="http://schemas.microsoft.com/office/drawing/2010/main" Requires="a14">
+            <p:sp>
+              <p:nvSpPr>
+                <p:cNvPr id="75" name="Rectangle 74">
+                  <a:extLst>
+                    <a:ext uri="{FF2B5EF4-FFF2-40B4-BE49-F238E27FC236}">
+                      <a16:creationId xmlns:a16="http://schemas.microsoft.com/office/drawing/2014/main" id="{9153F7C0-56BD-8548-B927-C5FF7EB0BBD3}"/>
+                    </a:ext>
+                  </a:extLst>
+                </p:cNvPr>
+                <p:cNvSpPr/>
+                <p:nvPr/>
+              </p:nvSpPr>
+              <p:spPr>
+                <a:xfrm>
+                  <a:off x="4299790" y="3693429"/>
+                  <a:ext cx="453714" cy="369332"/>
+                </a:xfrm>
+                <a:prstGeom prst="rect">
+                  <a:avLst/>
+                </a:prstGeom>
+              </p:spPr>
+              <p:txBody>
+                <a:bodyPr wrap="none">
+                  <a:spAutoFit/>
+                </a:bodyPr>
+                <a:lstStyle/>
+                <a:p>
+                  <a14:m>
+                    <m:oMathPara xmlns:m="http://schemas.openxmlformats.org/officeDocument/2006/math">
+                      <m:oMathParaPr>
+                        <m:jc m:val="centerGroup"/>
+                      </m:oMathParaPr>
+                      <m:oMath xmlns:m="http://schemas.openxmlformats.org/officeDocument/2006/math">
+                        <m:sSub>
+                          <m:sSubPr>
+                            <m:ctrlPr>
+                              <a:rPr lang="en-US" b="0" i="1" smtClean="0">
+                                <a:latin typeface="Cambria Math" panose="02040503050406030204" pitchFamily="18" charset="0"/>
+                              </a:rPr>
+                            </m:ctrlPr>
+                          </m:sSubPr>
+                          <m:e>
+                            <m:r>
+                              <a:rPr lang="en-US" b="0" i="1" smtClean="0">
+                                <a:latin typeface="Cambria Math" panose="02040503050406030204" pitchFamily="18" charset="0"/>
+                              </a:rPr>
+                              <m:t>𝛾</m:t>
+                            </m:r>
+                          </m:e>
+                          <m:sub>
+                            <m:r>
+                              <a:rPr lang="en-US" b="0" i="1" smtClean="0">
+                                <a:latin typeface="Cambria Math" panose="02040503050406030204" pitchFamily="18" charset="0"/>
+                              </a:rPr>
+                              <m:t>1</m:t>
+                            </m:r>
+                          </m:sub>
+                        </m:sSub>
+                      </m:oMath>
+                    </m:oMathPara>
+                  </a14:m>
+                  <a:endParaRPr lang="en-US" dirty="0"/>
+                </a:p>
+              </p:txBody>
+            </p:sp>
+          </mc:Choice>
+          <mc:Fallback>
+            <p:sp>
+              <p:nvSpPr>
+                <p:cNvPr id="75" name="Rectangle 74">
+                  <a:extLst>
+                    <a:ext uri="{FF2B5EF4-FFF2-40B4-BE49-F238E27FC236}">
+                      <a16:creationId xmlns:a16="http://schemas.microsoft.com/office/drawing/2014/main" id="{9153F7C0-56BD-8548-B927-C5FF7EB0BBD3}"/>
+                    </a:ext>
+                  </a:extLst>
+                </p:cNvPr>
+                <p:cNvSpPr>
+                  <a:spLocks noRot="1" noChangeAspect="1" noMove="1" noResize="1" noEditPoints="1" noAdjustHandles="1" noChangeArrowheads="1" noChangeShapeType="1" noTextEdit="1"/>
+                </p:cNvSpPr>
+                <p:nvPr/>
+              </p:nvSpPr>
+              <p:spPr>
+                <a:xfrm>
+                  <a:off x="4299790" y="3693429"/>
+                  <a:ext cx="453714" cy="369332"/>
+                </a:xfrm>
+                <a:prstGeom prst="rect">
+                  <a:avLst/>
+                </a:prstGeom>
+                <a:blipFill>
+                  <a:blip r:embed="rId27"/>
+                  <a:stretch>
+                    <a:fillRect b="-6667"/>
+                  </a:stretch>
+                </a:blipFill>
+              </p:spPr>
+              <p:txBody>
+                <a:bodyPr/>
+                <a:lstStyle/>
+                <a:p>
+                  <a:r>
+                    <a:rPr lang="en-US">
+                      <a:noFill/>
+                    </a:rPr>
+                    <a:t> </a:t>
+                  </a:r>
+                </a:p>
+              </p:txBody>
+            </p:sp>
+          </mc:Fallback>
+        </mc:AlternateContent>
+        <mc:AlternateContent xmlns:mc="http://schemas.openxmlformats.org/markup-compatibility/2006">
+          <mc:Choice xmlns:a14="http://schemas.microsoft.com/office/drawing/2010/main" Requires="a14">
+            <p:sp>
+              <p:nvSpPr>
+                <p:cNvPr id="76" name="Rectangle 75">
+                  <a:extLst>
+                    <a:ext uri="{FF2B5EF4-FFF2-40B4-BE49-F238E27FC236}">
+                      <a16:creationId xmlns:a16="http://schemas.microsoft.com/office/drawing/2014/main" id="{2E72EDFA-BBD8-7B41-B99C-5FB28CAFE531}"/>
+                    </a:ext>
+                  </a:extLst>
+                </p:cNvPr>
+                <p:cNvSpPr/>
+                <p:nvPr/>
+              </p:nvSpPr>
+              <p:spPr>
+                <a:xfrm>
+                  <a:off x="2327686" y="600321"/>
+                  <a:ext cx="537263" cy="369332"/>
+                </a:xfrm>
+                <a:prstGeom prst="rect">
+                  <a:avLst/>
+                </a:prstGeom>
+              </p:spPr>
+              <p:txBody>
+                <a:bodyPr wrap="none">
+                  <a:spAutoFit/>
+                </a:bodyPr>
+                <a:lstStyle/>
+                <a:p>
+                  <a14:m>
+                    <m:oMathPara xmlns:m="http://schemas.openxmlformats.org/officeDocument/2006/math">
+                      <m:oMathParaPr>
+                        <m:jc m:val="centerGroup"/>
+                      </m:oMathParaPr>
+                      <m:oMath xmlns:m="http://schemas.openxmlformats.org/officeDocument/2006/math">
+                        <m:sSub>
+                          <m:sSubPr>
+                            <m:ctrlPr>
+                              <a:rPr lang="en-US" b="0" i="1" smtClean="0">
+                                <a:latin typeface="Cambria Math" panose="02040503050406030204" pitchFamily="18" charset="0"/>
+                              </a:rPr>
+                            </m:ctrlPr>
+                          </m:sSubPr>
+                          <m:e>
+                            <m:r>
+                              <a:rPr lang="en-US" b="0" i="1" smtClean="0">
+                                <a:latin typeface="Cambria Math" panose="02040503050406030204" pitchFamily="18" charset="0"/>
+                              </a:rPr>
+                              <m:t>𝑑</m:t>
+                            </m:r>
+                          </m:e>
+                          <m:sub>
+                            <m:r>
+                              <a:rPr lang="en-US" b="0" i="1" smtClean="0">
+                                <a:latin typeface="Cambria Math" panose="02040503050406030204" pitchFamily="18" charset="0"/>
+                              </a:rPr>
+                              <m:t>0</m:t>
+                            </m:r>
+                          </m:sub>
+                        </m:sSub>
+                        <m:r>
+                          <a:rPr lang="en-US" b="0" i="1" smtClean="0">
+                            <a:latin typeface="Cambria Math" panose="02040503050406030204" pitchFamily="18" charset="0"/>
+                          </a:rPr>
+                          <m:t>′</m:t>
+                        </m:r>
+                      </m:oMath>
+                    </m:oMathPara>
+                  </a14:m>
+                  <a:endParaRPr lang="en-US" dirty="0"/>
+                </a:p>
+              </p:txBody>
+            </p:sp>
+          </mc:Choice>
+          <mc:Fallback>
+            <p:sp>
+              <p:nvSpPr>
+                <p:cNvPr id="76" name="Rectangle 75">
+                  <a:extLst>
+                    <a:ext uri="{FF2B5EF4-FFF2-40B4-BE49-F238E27FC236}">
+                      <a16:creationId xmlns:a16="http://schemas.microsoft.com/office/drawing/2014/main" id="{2E72EDFA-BBD8-7B41-B99C-5FB28CAFE531}"/>
+                    </a:ext>
+                  </a:extLst>
+                </p:cNvPr>
+                <p:cNvSpPr>
+                  <a:spLocks noRot="1" noChangeAspect="1" noMove="1" noResize="1" noEditPoints="1" noAdjustHandles="1" noChangeArrowheads="1" noChangeShapeType="1" noTextEdit="1"/>
+                </p:cNvSpPr>
+                <p:nvPr/>
+              </p:nvSpPr>
+              <p:spPr>
+                <a:xfrm>
+                  <a:off x="2327686" y="600321"/>
+                  <a:ext cx="537263" cy="369332"/>
+                </a:xfrm>
+                <a:prstGeom prst="rect">
+                  <a:avLst/>
+                </a:prstGeom>
+                <a:blipFill>
+                  <a:blip r:embed="rId28"/>
+                  <a:stretch>
+                    <a:fillRect/>
+                  </a:stretch>
+                </a:blipFill>
+              </p:spPr>
+              <p:txBody>
+                <a:bodyPr/>
+                <a:lstStyle/>
+                <a:p>
+                  <a:r>
+                    <a:rPr lang="en-US">
+                      <a:noFill/>
+                    </a:rPr>
+                    <a:t> </a:t>
+                  </a:r>
+                </a:p>
+              </p:txBody>
+            </p:sp>
+          </mc:Fallback>
+        </mc:AlternateContent>
+        <p:sp>
+          <p:nvSpPr>
+            <p:cNvPr id="29" name="Rounded Rectangle 28">
+              <a:extLst>
+                <a:ext uri="{FF2B5EF4-FFF2-40B4-BE49-F238E27FC236}">
+                  <a16:creationId xmlns:a16="http://schemas.microsoft.com/office/drawing/2014/main" id="{D130219D-986F-654B-99B5-6B4C1F0F57EE}"/>
+                </a:ext>
+              </a:extLst>
+            </p:cNvPr>
+            <p:cNvSpPr/>
+            <p:nvPr/>
+          </p:nvSpPr>
+          <p:spPr>
+            <a:xfrm>
+              <a:off x="2290181" y="1204018"/>
+              <a:ext cx="2594610" cy="4057650"/>
+            </a:xfrm>
+            <a:prstGeom prst="roundRect">
+              <a:avLst/>
+            </a:prstGeom>
+            <a:solidFill>
+              <a:srgbClr val="C00000">
+                <a:alpha val="26000"/>
+              </a:srgbClr>
+            </a:solidFill>
+            <a:ln>
+              <a:noFill/>
+            </a:ln>
+          </p:spPr>
+          <p:style>
+            <a:lnRef idx="2">
+              <a:schemeClr val="accent1">
+                <a:shade val="50000"/>
+              </a:schemeClr>
+            </a:lnRef>
+            <a:fillRef idx="1">
+              <a:schemeClr val="accent1"/>
+            </a:fillRef>
+            <a:effectRef idx="0">
+              <a:schemeClr val="accent1"/>
+            </a:effectRef>
+            <a:fontRef idx="minor">
+              <a:schemeClr val="lt1"/>
+            </a:fontRef>
+          </p:style>
+          <p:txBody>
+            <a:bodyPr rtlCol="0" anchor="ctr"/>
+            <a:lstStyle/>
+            <a:p>
+              <a:pPr algn="ctr"/>
+              <a:endParaRPr lang="en-US" dirty="0"/>
+            </a:p>
+          </p:txBody>
+        </p:sp>
+      </p:grpSp>
+    </p:spTree>
+    <p:extLst>
+      <p:ext uri="{BB962C8B-B14F-4D97-AF65-F5344CB8AC3E}">
+        <p14:creationId xmlns:p14="http://schemas.microsoft.com/office/powerpoint/2010/main" val="916276367"/>
+      </p:ext>
+    </p:extLst>
+  </p:cSld>
+  <p:clrMapOvr>
+    <a:masterClrMapping/>
+  </p:clrMapOvr>
+</p:sld>
+</file>
+
+<file path=ppt/slides/slide16.xml><?xml version="1.0" encoding="utf-8"?>
+<p:sld xmlns:a="http://schemas.openxmlformats.org/drawingml/2006/main" xmlns:r="http://schemas.openxmlformats.org/officeDocument/2006/relationships" xmlns:p="http://schemas.openxmlformats.org/presentationml/2006/main">
+  <p:cSld>
+    <p:spTree>
+      <p:nvGrpSpPr>
+        <p:cNvPr id="1" name=""/>
+        <p:cNvGrpSpPr/>
+        <p:nvPr/>
+      </p:nvGrpSpPr>
+      <p:grpSpPr>
+        <a:xfrm>
+          <a:off x="0" y="0"/>
+          <a:ext cx="0" cy="0"/>
+          <a:chOff x="0" y="0"/>
+          <a:chExt cx="0" cy="0"/>
+        </a:xfrm>
+      </p:grpSpPr>
       <mc:AlternateContent xmlns:mc="http://schemas.openxmlformats.org/markup-compatibility/2006" xmlns:a14="http://schemas.microsoft.com/office/drawing/2010/main">
         <mc:Choice Requires="a14">
           <p:sp>
@@ -10491,7 +14716,7 @@
 </p:sld>
 </file>
 
-<file path=ppt/slides/slide16.xml><?xml version="1.0" encoding="utf-8"?>
+<file path=ppt/slides/slide17.xml><?xml version="1.0" encoding="utf-8"?>
 <p:sld xmlns:a="http://schemas.openxmlformats.org/drawingml/2006/main" xmlns:r="http://schemas.openxmlformats.org/officeDocument/2006/relationships" xmlns:p="http://schemas.openxmlformats.org/presentationml/2006/main">
   <p:cSld>
     <p:spTree>
@@ -10803,7 +15028,7 @@
 </p:sld>
 </file>
 
-<file path=ppt/slides/slide17.xml><?xml version="1.0" encoding="utf-8"?>
+<file path=ppt/slides/slide18.xml><?xml version="1.0" encoding="utf-8"?>
 <p:sld xmlns:a="http://schemas.openxmlformats.org/drawingml/2006/main" xmlns:r="http://schemas.openxmlformats.org/officeDocument/2006/relationships" xmlns:p="http://schemas.openxmlformats.org/presentationml/2006/main">
   <p:cSld>
     <p:spTree>
@@ -11465,7 +15690,7 @@
 </p:sld>
 </file>
 
-<file path=ppt/slides/slide18.xml><?xml version="1.0" encoding="utf-8"?>
+<file path=ppt/slides/slide19.xml><?xml version="1.0" encoding="utf-8"?>
 <p:sld xmlns:a="http://schemas.openxmlformats.org/drawingml/2006/main" xmlns:r="http://schemas.openxmlformats.org/officeDocument/2006/relationships" xmlns:p="http://schemas.openxmlformats.org/presentationml/2006/main">
   <p:cSld>
     <p:spTree>
@@ -11766,7 +15991,132 @@
 </p:sld>
 </file>
 
-<file path=ppt/slides/slide19.xml><?xml version="1.0" encoding="utf-8"?>
+<file path=ppt/slides/slide2.xml><?xml version="1.0" encoding="utf-8"?>
+<p:sld xmlns:a="http://schemas.openxmlformats.org/drawingml/2006/main" xmlns:r="http://schemas.openxmlformats.org/officeDocument/2006/relationships" xmlns:p="http://schemas.openxmlformats.org/presentationml/2006/main">
+  <p:cSld>
+    <p:spTree>
+      <p:nvGrpSpPr>
+        <p:cNvPr id="1" name=""/>
+        <p:cNvGrpSpPr/>
+        <p:nvPr/>
+      </p:nvGrpSpPr>
+      <p:grpSpPr>
+        <a:xfrm>
+          <a:off x="0" y="0"/>
+          <a:ext cx="0" cy="0"/>
+          <a:chOff x="0" y="0"/>
+          <a:chExt cx="0" cy="0"/>
+        </a:xfrm>
+      </p:grpSpPr>
+      <p:sp>
+        <p:nvSpPr>
+          <p:cNvPr id="2" name="Title 1">
+            <a:extLst>
+              <a:ext uri="{FF2B5EF4-FFF2-40B4-BE49-F238E27FC236}">
+                <a16:creationId xmlns:a16="http://schemas.microsoft.com/office/drawing/2014/main" id="{000B5B19-0E3C-8A49-934B-01961D5DB014}"/>
+              </a:ext>
+            </a:extLst>
+          </p:cNvPr>
+          <p:cNvSpPr>
+            <a:spLocks noGrp="1"/>
+          </p:cNvSpPr>
+          <p:nvPr>
+            <p:ph type="title"/>
+          </p:nvPr>
+        </p:nvSpPr>
+        <p:spPr/>
+        <p:txBody>
+          <a:bodyPr/>
+          <a:lstStyle/>
+          <a:p>
+            <a:r>
+              <a:rPr lang="en-US" dirty="0"/>
+              <a:t>Questions</a:t>
+            </a:r>
+          </a:p>
+        </p:txBody>
+      </p:sp>
+      <p:sp>
+        <p:nvSpPr>
+          <p:cNvPr id="3" name="Content Placeholder 2">
+            <a:extLst>
+              <a:ext uri="{FF2B5EF4-FFF2-40B4-BE49-F238E27FC236}">
+                <a16:creationId xmlns:a16="http://schemas.microsoft.com/office/drawing/2014/main" id="{A64E80B4-1E36-4F45-B98B-D8D78A6A7AA2}"/>
+              </a:ext>
+            </a:extLst>
+          </p:cNvPr>
+          <p:cNvSpPr>
+            <a:spLocks noGrp="1"/>
+          </p:cNvSpPr>
+          <p:nvPr>
+            <p:ph idx="1"/>
+          </p:nvPr>
+        </p:nvSpPr>
+        <p:spPr/>
+        <p:txBody>
+          <a:bodyPr/>
+          <a:lstStyle/>
+          <a:p>
+            <a:r>
+              <a:rPr lang="en-US" dirty="0"/>
+              <a:t>Overlap of definitions of exposed and asymptomatic</a:t>
+            </a:r>
+          </a:p>
+          <a:p>
+            <a:r>
+              <a:rPr lang="en-US" dirty="0"/>
+              <a:t>Symptomatic but undiagnosed</a:t>
+            </a:r>
+          </a:p>
+          <a:p>
+            <a:pPr lvl="1"/>
+            <a:r>
+              <a:rPr lang="en-US" dirty="0"/>
+              <a:t>Recovery</a:t>
+            </a:r>
+          </a:p>
+          <a:p>
+            <a:pPr lvl="1"/>
+            <a:r>
+              <a:rPr lang="en-US" dirty="0"/>
+              <a:t>Mortality</a:t>
+            </a:r>
+          </a:p>
+          <a:p>
+            <a:r>
+              <a:rPr lang="en-US" dirty="0"/>
+              <a:t>Distribution cases</a:t>
+            </a:r>
+          </a:p>
+          <a:p>
+            <a:pPr lvl="1"/>
+            <a:r>
+              <a:rPr lang="en-US" dirty="0"/>
+              <a:t>Diagnosed symptomatic and diagnosed asymptomatic</a:t>
+            </a:r>
+          </a:p>
+          <a:p>
+            <a:r>
+              <a:rPr lang="en-US" dirty="0"/>
+              <a:t>Conversion of diagnosis rate to number of tests, or vice-versa</a:t>
+            </a:r>
+          </a:p>
+        </p:txBody>
+      </p:sp>
+    </p:spTree>
+    <p:extLst>
+      <p:ext uri="{BB962C8B-B14F-4D97-AF65-F5344CB8AC3E}">
+        <p14:creationId xmlns:p14="http://schemas.microsoft.com/office/powerpoint/2010/main" val="1547642266"/>
+      </p:ext>
+    </p:extLst>
+  </p:cSld>
+  <p:clrMapOvr>
+    <a:masterClrMapping/>
+  </p:clrMapOvr>
+</p:sld>
+</file>
+
+<file path=ppt/slides/slide20.xml><?xml version="1.0" encoding="utf-8"?>
 <p:sld xmlns:a="http://schemas.openxmlformats.org/drawingml/2006/main" xmlns:r="http://schemas.openxmlformats.org/officeDocument/2006/relationships" xmlns:p="http://schemas.openxmlformats.org/presentationml/2006/main">
   <p:cSld>
     <p:spTree>
@@ -12059,132 +16409,7 @@
 </p:sld>
 </file>
 
-<file path=ppt/slides/slide2.xml><?xml version="1.0" encoding="utf-8"?>
-<p:sld xmlns:a="http://schemas.openxmlformats.org/drawingml/2006/main" xmlns:r="http://schemas.openxmlformats.org/officeDocument/2006/relationships" xmlns:p="http://schemas.openxmlformats.org/presentationml/2006/main">
-  <p:cSld>
-    <p:spTree>
-      <p:nvGrpSpPr>
-        <p:cNvPr id="1" name=""/>
-        <p:cNvGrpSpPr/>
-        <p:nvPr/>
-      </p:nvGrpSpPr>
-      <p:grpSpPr>
-        <a:xfrm>
-          <a:off x="0" y="0"/>
-          <a:ext cx="0" cy="0"/>
-          <a:chOff x="0" y="0"/>
-          <a:chExt cx="0" cy="0"/>
-        </a:xfrm>
-      </p:grpSpPr>
-      <p:sp>
-        <p:nvSpPr>
-          <p:cNvPr id="2" name="Title 1">
-            <a:extLst>
-              <a:ext uri="{FF2B5EF4-FFF2-40B4-BE49-F238E27FC236}">
-                <a16:creationId xmlns:a16="http://schemas.microsoft.com/office/drawing/2014/main" id="{000B5B19-0E3C-8A49-934B-01961D5DB014}"/>
-              </a:ext>
-            </a:extLst>
-          </p:cNvPr>
-          <p:cNvSpPr>
-            <a:spLocks noGrp="1"/>
-          </p:cNvSpPr>
-          <p:nvPr>
-            <p:ph type="title"/>
-          </p:nvPr>
-        </p:nvSpPr>
-        <p:spPr/>
-        <p:txBody>
-          <a:bodyPr/>
-          <a:lstStyle/>
-          <a:p>
-            <a:r>
-              <a:rPr lang="en-US" dirty="0"/>
-              <a:t>Questions</a:t>
-            </a:r>
-          </a:p>
-        </p:txBody>
-      </p:sp>
-      <p:sp>
-        <p:nvSpPr>
-          <p:cNvPr id="3" name="Content Placeholder 2">
-            <a:extLst>
-              <a:ext uri="{FF2B5EF4-FFF2-40B4-BE49-F238E27FC236}">
-                <a16:creationId xmlns:a16="http://schemas.microsoft.com/office/drawing/2014/main" id="{A64E80B4-1E36-4F45-B98B-D8D78A6A7AA2}"/>
-              </a:ext>
-            </a:extLst>
-          </p:cNvPr>
-          <p:cNvSpPr>
-            <a:spLocks noGrp="1"/>
-          </p:cNvSpPr>
-          <p:nvPr>
-            <p:ph idx="1"/>
-          </p:nvPr>
-        </p:nvSpPr>
-        <p:spPr/>
-        <p:txBody>
-          <a:bodyPr/>
-          <a:lstStyle/>
-          <a:p>
-            <a:r>
-              <a:rPr lang="en-US" dirty="0"/>
-              <a:t>Overlap of definitions of exposed and asymptomatic</a:t>
-            </a:r>
-          </a:p>
-          <a:p>
-            <a:r>
-              <a:rPr lang="en-US" dirty="0"/>
-              <a:t>Symptomatic but undiagnosed</a:t>
-            </a:r>
-          </a:p>
-          <a:p>
-            <a:pPr lvl="1"/>
-            <a:r>
-              <a:rPr lang="en-US" dirty="0"/>
-              <a:t>Recovery</a:t>
-            </a:r>
-          </a:p>
-          <a:p>
-            <a:pPr lvl="1"/>
-            <a:r>
-              <a:rPr lang="en-US" dirty="0"/>
-              <a:t>Mortality</a:t>
-            </a:r>
-          </a:p>
-          <a:p>
-            <a:r>
-              <a:rPr lang="en-US" dirty="0"/>
-              <a:t>Distribution cases</a:t>
-            </a:r>
-          </a:p>
-          <a:p>
-            <a:pPr lvl="1"/>
-            <a:r>
-              <a:rPr lang="en-US" dirty="0"/>
-              <a:t>Diagnosed symptomatic and diagnosed asymptomatic</a:t>
-            </a:r>
-          </a:p>
-          <a:p>
-            <a:r>
-              <a:rPr lang="en-US" dirty="0"/>
-              <a:t>Conversion of diagnosis rate to number of tests, or vice-versa</a:t>
-            </a:r>
-          </a:p>
-        </p:txBody>
-      </p:sp>
-    </p:spTree>
-    <p:extLst>
-      <p:ext uri="{BB962C8B-B14F-4D97-AF65-F5344CB8AC3E}">
-        <p14:creationId xmlns:p14="http://schemas.microsoft.com/office/powerpoint/2010/main" val="1547642266"/>
-      </p:ext>
-    </p:extLst>
-  </p:cSld>
-  <p:clrMapOvr>
-    <a:masterClrMapping/>
-  </p:clrMapOvr>
-</p:sld>
-</file>
-
-<file path=ppt/slides/slide20.xml><?xml version="1.0" encoding="utf-8"?>
+<file path=ppt/slides/slide21.xml><?xml version="1.0" encoding="utf-8"?>
 <p:sld xmlns:a="http://schemas.openxmlformats.org/drawingml/2006/main" xmlns:r="http://schemas.openxmlformats.org/officeDocument/2006/relationships" xmlns:p="http://schemas.openxmlformats.org/presentationml/2006/main">
   <p:cSld>
     <p:spTree>
@@ -12428,7 +16653,7 @@
 </p:sld>
 </file>
 
-<file path=ppt/slides/slide21.xml><?xml version="1.0" encoding="utf-8"?>
+<file path=ppt/slides/slide22.xml><?xml version="1.0" encoding="utf-8"?>
 <p:sld xmlns:a="http://schemas.openxmlformats.org/drawingml/2006/main" xmlns:r="http://schemas.openxmlformats.org/officeDocument/2006/relationships" xmlns:p="http://schemas.openxmlformats.org/presentationml/2006/main">
   <p:cSld>
     <p:spTree>
